--- a/presentation/presentation.pptx
+++ b/presentation/presentation.pptx
@@ -129,6 +129,7 @@
 <file path=ppt/revisionInfo.xml><?xml version="1.0" encoding="utf-8"?>
 <p1510:revInfo xmlns:a="http://schemas.openxmlformats.org/drawingml/2006/main" xmlns:r="http://schemas.openxmlformats.org/officeDocument/2006/relationships" xmlns:p1510="http://schemas.microsoft.com/office/powerpoint/2015/10/main">
   <p1510:revLst>
+    <p1510:client id="{0DBF342D-DE15-4B0F-BCF3-7D3845F2B4C4}" v="967" dt="2021-11-22T14:50:30.549"/>
     <p1510:client id="{984A2783-E19A-A49A-D5EA-E656319C99A9}" v="201" dt="2021-11-15T13:26:37.096"/>
     <p1510:client id="{B1C7A861-C8F2-4290-BE07-1B76C3627A52}" v="380" dt="2021-11-16T13:05:23.045"/>
   </p1510:revLst>
@@ -137,6 +138,230 @@
 
 <file path=ppt/changesInfos/changesInfo1.xml><?xml version="1.0" encoding="utf-8"?>
 <pc:chgInfo xmlns:a="http://schemas.openxmlformats.org/drawingml/2006/main" xmlns:r="http://schemas.openxmlformats.org/officeDocument/2006/relationships" xmlns:ac="http://schemas.microsoft.com/office/drawing/2013/main/command" xmlns:pc="http://schemas.microsoft.com/office/powerpoint/2013/main/command">
+  <pc:docChgLst>
+    <pc:chgData name="Paul Jeremy Simon" userId="S::s202592@dtu.dk::54db1318-b9e5-44ac-b009-37faed20cf40" providerId="AD" clId="Web-{0DBF342D-DE15-4B0F-BCF3-7D3845F2B4C4}"/>
+    <pc:docChg chg="modSld">
+      <pc:chgData name="Paul Jeremy Simon" userId="S::s202592@dtu.dk::54db1318-b9e5-44ac-b009-37faed20cf40" providerId="AD" clId="Web-{0DBF342D-DE15-4B0F-BCF3-7D3845F2B4C4}" dt="2021-11-22T14:50:30.549" v="555" actId="1076"/>
+      <pc:docMkLst>
+        <pc:docMk/>
+      </pc:docMkLst>
+      <pc:sldChg chg="addSp delSp modSp">
+        <pc:chgData name="Paul Jeremy Simon" userId="S::s202592@dtu.dk::54db1318-b9e5-44ac-b009-37faed20cf40" providerId="AD" clId="Web-{0DBF342D-DE15-4B0F-BCF3-7D3845F2B4C4}" dt="2021-11-22T14:50:30.549" v="555" actId="1076"/>
+        <pc:sldMkLst>
+          <pc:docMk/>
+          <pc:sldMk cId="1159526982" sldId="257"/>
+        </pc:sldMkLst>
+        <pc:spChg chg="mod">
+          <ac:chgData name="Paul Jeremy Simon" userId="S::s202592@dtu.dk::54db1318-b9e5-44ac-b009-37faed20cf40" providerId="AD" clId="Web-{0DBF342D-DE15-4B0F-BCF3-7D3845F2B4C4}" dt="2021-11-22T14:23:11.460" v="412" actId="1076"/>
+          <ac:spMkLst>
+            <pc:docMk/>
+            <pc:sldMk cId="1159526982" sldId="257"/>
+            <ac:spMk id="4" creationId="{4D164955-C0E8-4C09-BF90-A5C4DE447B0C}"/>
+          </ac:spMkLst>
+        </pc:spChg>
+        <pc:spChg chg="add mod">
+          <ac:chgData name="Paul Jeremy Simon" userId="S::s202592@dtu.dk::54db1318-b9e5-44ac-b009-37faed20cf40" providerId="AD" clId="Web-{0DBF342D-DE15-4B0F-BCF3-7D3845F2B4C4}" dt="2021-11-22T14:22:42.866" v="376" actId="1076"/>
+          <ac:spMkLst>
+            <pc:docMk/>
+            <pc:sldMk cId="1159526982" sldId="257"/>
+            <ac:spMk id="5" creationId="{555DBE74-403C-4246-B0C1-4F2AAF162AFF}"/>
+          </ac:spMkLst>
+        </pc:spChg>
+        <pc:spChg chg="mod">
+          <ac:chgData name="Paul Jeremy Simon" userId="S::s202592@dtu.dk::54db1318-b9e5-44ac-b009-37faed20cf40" providerId="AD" clId="Web-{0DBF342D-DE15-4B0F-BCF3-7D3845F2B4C4}" dt="2021-11-22T14:50:17.080" v="549" actId="1076"/>
+          <ac:spMkLst>
+            <pc:docMk/>
+            <pc:sldMk cId="1159526982" sldId="257"/>
+            <ac:spMk id="7" creationId="{6C496DF2-7979-46AE-9BF9-316CE5C9FBB0}"/>
+          </ac:spMkLst>
+        </pc:spChg>
+        <pc:spChg chg="add mod">
+          <ac:chgData name="Paul Jeremy Simon" userId="S::s202592@dtu.dk::54db1318-b9e5-44ac-b009-37faed20cf40" providerId="AD" clId="Web-{0DBF342D-DE15-4B0F-BCF3-7D3845F2B4C4}" dt="2021-11-22T14:44:35.341" v="518" actId="20577"/>
+          <ac:spMkLst>
+            <pc:docMk/>
+            <pc:sldMk cId="1159526982" sldId="257"/>
+            <ac:spMk id="8" creationId="{BF27FA47-F412-41BA-9674-4AB98ABB11FF}"/>
+          </ac:spMkLst>
+        </pc:spChg>
+        <pc:spChg chg="add mod">
+          <ac:chgData name="Paul Jeremy Simon" userId="S::s202592@dtu.dk::54db1318-b9e5-44ac-b009-37faed20cf40" providerId="AD" clId="Web-{0DBF342D-DE15-4B0F-BCF3-7D3845F2B4C4}" dt="2021-11-22T14:50:24.221" v="552" actId="1076"/>
+          <ac:spMkLst>
+            <pc:docMk/>
+            <pc:sldMk cId="1159526982" sldId="257"/>
+            <ac:spMk id="9" creationId="{7D584BC0-CFB4-44BF-8499-422590EEED04}"/>
+          </ac:spMkLst>
+        </pc:spChg>
+        <pc:spChg chg="add mod">
+          <ac:chgData name="Paul Jeremy Simon" userId="S::s202592@dtu.dk::54db1318-b9e5-44ac-b009-37faed20cf40" providerId="AD" clId="Web-{0DBF342D-DE15-4B0F-BCF3-7D3845F2B4C4}" dt="2021-11-22T14:50:30.549" v="555" actId="1076"/>
+          <ac:spMkLst>
+            <pc:docMk/>
+            <pc:sldMk cId="1159526982" sldId="257"/>
+            <ac:spMk id="10" creationId="{0F50DE13-E128-4F41-B202-B86A9CAA9FC5}"/>
+          </ac:spMkLst>
+        </pc:spChg>
+        <pc:spChg chg="mod">
+          <ac:chgData name="Paul Jeremy Simon" userId="S::s202592@dtu.dk::54db1318-b9e5-44ac-b009-37faed20cf40" providerId="AD" clId="Web-{0DBF342D-DE15-4B0F-BCF3-7D3845F2B4C4}" dt="2021-11-22T14:23:11.460" v="411" actId="1076"/>
+          <ac:spMkLst>
+            <pc:docMk/>
+            <pc:sldMk cId="1159526982" sldId="257"/>
+            <ac:spMk id="17" creationId="{67CAF441-CC34-4360-BF11-287A0103A8F8}"/>
+          </ac:spMkLst>
+        </pc:spChg>
+        <pc:spChg chg="mod">
+          <ac:chgData name="Paul Jeremy Simon" userId="S::s202592@dtu.dk::54db1318-b9e5-44ac-b009-37faed20cf40" providerId="AD" clId="Web-{0DBF342D-DE15-4B0F-BCF3-7D3845F2B4C4}" dt="2021-11-22T14:23:11.460" v="410" actId="1076"/>
+          <ac:spMkLst>
+            <pc:docMk/>
+            <pc:sldMk cId="1159526982" sldId="257"/>
+            <ac:spMk id="18" creationId="{A11F58A7-6D7F-4558-989F-21EF31BF5A87}"/>
+          </ac:spMkLst>
+        </pc:spChg>
+        <pc:spChg chg="mod">
+          <ac:chgData name="Paul Jeremy Simon" userId="S::s202592@dtu.dk::54db1318-b9e5-44ac-b009-37faed20cf40" providerId="AD" clId="Web-{0DBF342D-DE15-4B0F-BCF3-7D3845F2B4C4}" dt="2021-11-22T14:50:17.080" v="551" actId="1076"/>
+          <ac:spMkLst>
+            <pc:docMk/>
+            <pc:sldMk cId="1159526982" sldId="257"/>
+            <ac:spMk id="19" creationId="{7E83F05A-E681-4C38-B5BA-7833319671E3}"/>
+          </ac:spMkLst>
+        </pc:spChg>
+        <pc:spChg chg="mod">
+          <ac:chgData name="Paul Jeremy Simon" userId="S::s202592@dtu.dk::54db1318-b9e5-44ac-b009-37faed20cf40" providerId="AD" clId="Web-{0DBF342D-DE15-4B0F-BCF3-7D3845F2B4C4}" dt="2021-11-22T14:23:11.444" v="403" actId="1076"/>
+          <ac:spMkLst>
+            <pc:docMk/>
+            <pc:sldMk cId="1159526982" sldId="257"/>
+            <ac:spMk id="26" creationId="{6C4FD808-A6A2-4EE6-B3AF-F78DBF30AC35}"/>
+          </ac:spMkLst>
+        </pc:spChg>
+        <pc:spChg chg="mod">
+          <ac:chgData name="Paul Jeremy Simon" userId="S::s202592@dtu.dk::54db1318-b9e5-44ac-b009-37faed20cf40" providerId="AD" clId="Web-{0DBF342D-DE15-4B0F-BCF3-7D3845F2B4C4}" dt="2021-11-22T14:50:17.080" v="547" actId="1076"/>
+          <ac:spMkLst>
+            <pc:docMk/>
+            <pc:sldMk cId="1159526982" sldId="257"/>
+            <ac:spMk id="28" creationId="{194DC676-6DE3-4223-B9F2-8F1AD4FDF034}"/>
+          </ac:spMkLst>
+        </pc:spChg>
+        <pc:spChg chg="mod">
+          <ac:chgData name="Paul Jeremy Simon" userId="S::s202592@dtu.dk::54db1318-b9e5-44ac-b009-37faed20cf40" providerId="AD" clId="Web-{0DBF342D-DE15-4B0F-BCF3-7D3845F2B4C4}" dt="2021-11-22T14:23:11.444" v="400" actId="1076"/>
+          <ac:spMkLst>
+            <pc:docMk/>
+            <pc:sldMk cId="1159526982" sldId="257"/>
+            <ac:spMk id="29" creationId="{6845518C-D880-4247-B237-ED013E326AF1}"/>
+          </ac:spMkLst>
+        </pc:spChg>
+        <pc:spChg chg="add mod">
+          <ac:chgData name="Paul Jeremy Simon" userId="S::s202592@dtu.dk::54db1318-b9e5-44ac-b009-37faed20cf40" providerId="AD" clId="Web-{0DBF342D-DE15-4B0F-BCF3-7D3845F2B4C4}" dt="2021-11-22T14:26:44.917" v="439" actId="20577"/>
+          <ac:spMkLst>
+            <pc:docMk/>
+            <pc:sldMk cId="1159526982" sldId="257"/>
+            <ac:spMk id="34" creationId="{18751111-F666-4ECE-A225-B1803250A9C6}"/>
+          </ac:spMkLst>
+        </pc:spChg>
+        <pc:spChg chg="mod">
+          <ac:chgData name="Paul Jeremy Simon" userId="S::s202592@dtu.dk::54db1318-b9e5-44ac-b009-37faed20cf40" providerId="AD" clId="Web-{0DBF342D-DE15-4B0F-BCF3-7D3845F2B4C4}" dt="2021-11-22T14:23:11.444" v="395" actId="1076"/>
+          <ac:spMkLst>
+            <pc:docMk/>
+            <pc:sldMk cId="1159526982" sldId="257"/>
+            <ac:spMk id="38" creationId="{457CF22A-6BB1-4870-A9E0-803F97EF2439}"/>
+          </ac:spMkLst>
+        </pc:spChg>
+        <pc:spChg chg="add mod">
+          <ac:chgData name="Paul Jeremy Simon" userId="S::s202592@dtu.dk::54db1318-b9e5-44ac-b009-37faed20cf40" providerId="AD" clId="Web-{0DBF342D-DE15-4B0F-BCF3-7D3845F2B4C4}" dt="2021-11-22T14:29:03.450" v="463" actId="20577"/>
+          <ac:spMkLst>
+            <pc:docMk/>
+            <pc:sldMk cId="1159526982" sldId="257"/>
+            <ac:spMk id="39" creationId="{E416DD2D-00A9-4581-8B16-BB3C03226A4A}"/>
+          </ac:spMkLst>
+        </pc:spChg>
+        <pc:spChg chg="del">
+          <ac:chgData name="Paul Jeremy Simon" userId="S::s202592@dtu.dk::54db1318-b9e5-44ac-b009-37faed20cf40" providerId="AD" clId="Web-{0DBF342D-DE15-4B0F-BCF3-7D3845F2B4C4}" dt="2021-11-22T14:27:07.558" v="446"/>
+          <ac:spMkLst>
+            <pc:docMk/>
+            <pc:sldMk cId="1159526982" sldId="257"/>
+            <ac:spMk id="132" creationId="{C627242A-C3FF-D340-8CBA-FBF88A50DF20}"/>
+          </ac:spMkLst>
+        </pc:spChg>
+        <pc:spChg chg="del mod">
+          <ac:chgData name="Paul Jeremy Simon" userId="S::s202592@dtu.dk::54db1318-b9e5-44ac-b009-37faed20cf40" providerId="AD" clId="Web-{0DBF342D-DE15-4B0F-BCF3-7D3845F2B4C4}" dt="2021-11-22T14:27:31.042" v="448"/>
+          <ac:spMkLst>
+            <pc:docMk/>
+            <pc:sldMk cId="1159526982" sldId="257"/>
+            <ac:spMk id="133" creationId="{12E180B1-4855-554C-A6E7-BCB78D077781}"/>
+          </ac:spMkLst>
+        </pc:spChg>
+        <pc:cxnChg chg="mod">
+          <ac:chgData name="Paul Jeremy Simon" userId="S::s202592@dtu.dk::54db1318-b9e5-44ac-b009-37faed20cf40" providerId="AD" clId="Web-{0DBF342D-DE15-4B0F-BCF3-7D3845F2B4C4}" dt="2021-11-22T14:50:17.080" v="550" actId="1076"/>
+          <ac:cxnSpMkLst>
+            <pc:docMk/>
+            <pc:sldMk cId="1159526982" sldId="257"/>
+            <ac:cxnSpMk id="6" creationId="{4BC5C381-EF6A-472E-B50A-6D5600D1C737}"/>
+          </ac:cxnSpMkLst>
+        </pc:cxnChg>
+        <pc:cxnChg chg="mod">
+          <ac:chgData name="Paul Jeremy Simon" userId="S::s202592@dtu.dk::54db1318-b9e5-44ac-b009-37faed20cf40" providerId="AD" clId="Web-{0DBF342D-DE15-4B0F-BCF3-7D3845F2B4C4}" dt="2021-11-22T14:23:11.444" v="406" actId="1076"/>
+          <ac:cxnSpMkLst>
+            <pc:docMk/>
+            <pc:sldMk cId="1159526982" sldId="257"/>
+            <ac:cxnSpMk id="22" creationId="{D4F35B77-8D7C-46D2-872E-A831E3C3DC00}"/>
+          </ac:cxnSpMkLst>
+        </pc:cxnChg>
+        <pc:cxnChg chg="mod">
+          <ac:chgData name="Paul Jeremy Simon" userId="S::s202592@dtu.dk::54db1318-b9e5-44ac-b009-37faed20cf40" providerId="AD" clId="Web-{0DBF342D-DE15-4B0F-BCF3-7D3845F2B4C4}" dt="2021-11-22T14:23:11.444" v="405" actId="1076"/>
+          <ac:cxnSpMkLst>
+            <pc:docMk/>
+            <pc:sldMk cId="1159526982" sldId="257"/>
+            <ac:cxnSpMk id="23" creationId="{4A3A8525-500B-468B-B048-01FC4E6A6543}"/>
+          </ac:cxnSpMkLst>
+        </pc:cxnChg>
+        <pc:cxnChg chg="mod">
+          <ac:chgData name="Paul Jeremy Simon" userId="S::s202592@dtu.dk::54db1318-b9e5-44ac-b009-37faed20cf40" providerId="AD" clId="Web-{0DBF342D-DE15-4B0F-BCF3-7D3845F2B4C4}" dt="2021-11-22T14:23:11.444" v="404" actId="1076"/>
+          <ac:cxnSpMkLst>
+            <pc:docMk/>
+            <pc:sldMk cId="1159526982" sldId="257"/>
+            <ac:cxnSpMk id="25" creationId="{BA1EAD23-59CC-402A-A694-3E2AFC88A488}"/>
+          </ac:cxnSpMkLst>
+        </pc:cxnChg>
+        <pc:cxnChg chg="mod">
+          <ac:chgData name="Paul Jeremy Simon" userId="S::s202592@dtu.dk::54db1318-b9e5-44ac-b009-37faed20cf40" providerId="AD" clId="Web-{0DBF342D-DE15-4B0F-BCF3-7D3845F2B4C4}" dt="2021-11-22T14:50:17.080" v="548" actId="1076"/>
+          <ac:cxnSpMkLst>
+            <pc:docMk/>
+            <pc:sldMk cId="1159526982" sldId="257"/>
+            <ac:cxnSpMk id="27" creationId="{66C78038-87BC-42D3-B538-23A5A5954156}"/>
+          </ac:cxnSpMkLst>
+        </pc:cxnChg>
+        <pc:cxnChg chg="mod">
+          <ac:chgData name="Paul Jeremy Simon" userId="S::s202592@dtu.dk::54db1318-b9e5-44ac-b009-37faed20cf40" providerId="AD" clId="Web-{0DBF342D-DE15-4B0F-BCF3-7D3845F2B4C4}" dt="2021-11-22T14:23:11.444" v="399" actId="1076"/>
+          <ac:cxnSpMkLst>
+            <pc:docMk/>
+            <pc:sldMk cId="1159526982" sldId="257"/>
+            <ac:cxnSpMk id="31" creationId="{72A3FFE5-F991-423A-85A9-7571FF68D620}"/>
+          </ac:cxnSpMkLst>
+        </pc:cxnChg>
+        <pc:cxnChg chg="mod">
+          <ac:chgData name="Paul Jeremy Simon" userId="S::s202592@dtu.dk::54db1318-b9e5-44ac-b009-37faed20cf40" providerId="AD" clId="Web-{0DBF342D-DE15-4B0F-BCF3-7D3845F2B4C4}" dt="2021-11-22T14:23:11.444" v="398" actId="1076"/>
+          <ac:cxnSpMkLst>
+            <pc:docMk/>
+            <pc:sldMk cId="1159526982" sldId="257"/>
+            <ac:cxnSpMk id="33" creationId="{B9C2B71B-2BEC-46F8-B120-6A9184ECE9CB}"/>
+          </ac:cxnSpMkLst>
+        </pc:cxnChg>
+        <pc:cxnChg chg="mod">
+          <ac:chgData name="Paul Jeremy Simon" userId="S::s202592@dtu.dk::54db1318-b9e5-44ac-b009-37faed20cf40" providerId="AD" clId="Web-{0DBF342D-DE15-4B0F-BCF3-7D3845F2B4C4}" dt="2021-11-22T14:50:17.080" v="546" actId="1076"/>
+          <ac:cxnSpMkLst>
+            <pc:docMk/>
+            <pc:sldMk cId="1159526982" sldId="257"/>
+            <ac:cxnSpMk id="36" creationId="{80EAE9FC-1A9A-4F22-8EA1-23297ACB8088}"/>
+          </ac:cxnSpMkLst>
+        </pc:cxnChg>
+        <pc:cxnChg chg="mod">
+          <ac:chgData name="Paul Jeremy Simon" userId="S::s202592@dtu.dk::54db1318-b9e5-44ac-b009-37faed20cf40" providerId="AD" clId="Web-{0DBF342D-DE15-4B0F-BCF3-7D3845F2B4C4}" dt="2021-11-22T14:23:11.444" v="396" actId="1076"/>
+          <ac:cxnSpMkLst>
+            <pc:docMk/>
+            <pc:sldMk cId="1159526982" sldId="257"/>
+            <ac:cxnSpMk id="37" creationId="{495098AB-F631-4EB6-9BCD-A983E2A7B102}"/>
+          </ac:cxnSpMkLst>
+        </pc:cxnChg>
+      </pc:sldChg>
+    </pc:docChg>
+  </pc:docChgLst>
   <pc:docChgLst>
     <pc:chgData name="Paul Jeremy Simon" userId="S::s202592@dtu.dk::54db1318-b9e5-44ac-b009-37faed20cf40" providerId="AD" clId="Web-{B1C7A861-C8F2-4290-BE07-1B76C3627A52}"/>
     <pc:docChg chg="modSld">
@@ -438,7 +663,7 @@
           <a:p>
             <a:fld id="{C6F05EAB-B404-4249-9B6E-2AB49D341D90}" type="datetimeFigureOut">
               <a:rPr lang="en-DK" smtClean="0"/>
-              <a:t>11/16/2021</a:t>
+              <a:t>11/22/2021</a:t>
             </a:fld>
             <a:endParaRPr lang="en-DK"/>
           </a:p>
@@ -907,7 +1132,7 @@
           <a:p>
             <a:fld id="{C1520061-EEF2-4648-A61C-FD1D344FB2F0}" type="datetimeFigureOut">
               <a:rPr lang="en-DK" smtClean="0"/>
-              <a:t>11/16/2021</a:t>
+              <a:t>11/22/2021</a:t>
             </a:fld>
             <a:endParaRPr lang="en-DK"/>
           </a:p>
@@ -1077,7 +1302,7 @@
           <a:p>
             <a:fld id="{C1520061-EEF2-4648-A61C-FD1D344FB2F0}" type="datetimeFigureOut">
               <a:rPr lang="en-DK" smtClean="0"/>
-              <a:t>11/16/2021</a:t>
+              <a:t>11/22/2021</a:t>
             </a:fld>
             <a:endParaRPr lang="en-DK"/>
           </a:p>
@@ -1257,7 +1482,7 @@
           <a:p>
             <a:fld id="{C1520061-EEF2-4648-A61C-FD1D344FB2F0}" type="datetimeFigureOut">
               <a:rPr lang="en-DK" smtClean="0"/>
-              <a:t>11/16/2021</a:t>
+              <a:t>11/22/2021</a:t>
             </a:fld>
             <a:endParaRPr lang="en-DK"/>
           </a:p>
@@ -1427,7 +1652,7 @@
           <a:p>
             <a:fld id="{C1520061-EEF2-4648-A61C-FD1D344FB2F0}" type="datetimeFigureOut">
               <a:rPr lang="en-DK" smtClean="0"/>
-              <a:t>11/16/2021</a:t>
+              <a:t>11/22/2021</a:t>
             </a:fld>
             <a:endParaRPr lang="en-DK"/>
           </a:p>
@@ -1671,7 +1896,7 @@
           <a:p>
             <a:fld id="{C1520061-EEF2-4648-A61C-FD1D344FB2F0}" type="datetimeFigureOut">
               <a:rPr lang="en-DK" smtClean="0"/>
-              <a:t>11/16/2021</a:t>
+              <a:t>11/22/2021</a:t>
             </a:fld>
             <a:endParaRPr lang="en-DK"/>
           </a:p>
@@ -1903,7 +2128,7 @@
           <a:p>
             <a:fld id="{C1520061-EEF2-4648-A61C-FD1D344FB2F0}" type="datetimeFigureOut">
               <a:rPr lang="en-DK" smtClean="0"/>
-              <a:t>11/16/2021</a:t>
+              <a:t>11/22/2021</a:t>
             </a:fld>
             <a:endParaRPr lang="en-DK"/>
           </a:p>
@@ -2270,7 +2495,7 @@
           <a:p>
             <a:fld id="{C1520061-EEF2-4648-A61C-FD1D344FB2F0}" type="datetimeFigureOut">
               <a:rPr lang="en-DK" smtClean="0"/>
-              <a:t>11/16/2021</a:t>
+              <a:t>11/22/2021</a:t>
             </a:fld>
             <a:endParaRPr lang="en-DK"/>
           </a:p>
@@ -2388,7 +2613,7 @@
           <a:p>
             <a:fld id="{C1520061-EEF2-4648-A61C-FD1D344FB2F0}" type="datetimeFigureOut">
               <a:rPr lang="en-DK" smtClean="0"/>
-              <a:t>11/16/2021</a:t>
+              <a:t>11/22/2021</a:t>
             </a:fld>
             <a:endParaRPr lang="en-DK"/>
           </a:p>
@@ -2483,7 +2708,7 @@
           <a:p>
             <a:fld id="{C1520061-EEF2-4648-A61C-FD1D344FB2F0}" type="datetimeFigureOut">
               <a:rPr lang="en-DK" smtClean="0"/>
-              <a:t>11/16/2021</a:t>
+              <a:t>11/22/2021</a:t>
             </a:fld>
             <a:endParaRPr lang="en-DK"/>
           </a:p>
@@ -2760,7 +2985,7 @@
           <a:p>
             <a:fld id="{C1520061-EEF2-4648-A61C-FD1D344FB2F0}" type="datetimeFigureOut">
               <a:rPr lang="en-DK" smtClean="0"/>
-              <a:t>11/16/2021</a:t>
+              <a:t>11/22/2021</a:t>
             </a:fld>
             <a:endParaRPr lang="en-DK"/>
           </a:p>
@@ -3017,7 +3242,7 @@
           <a:p>
             <a:fld id="{C1520061-EEF2-4648-A61C-FD1D344FB2F0}" type="datetimeFigureOut">
               <a:rPr lang="en-DK" smtClean="0"/>
-              <a:t>11/16/2021</a:t>
+              <a:t>11/22/2021</a:t>
             </a:fld>
             <a:endParaRPr lang="en-DK"/>
           </a:p>
@@ -3230,7 +3455,7 @@
           <a:p>
             <a:fld id="{C1520061-EEF2-4648-A61C-FD1D344FB2F0}" type="datetimeFigureOut">
               <a:rPr lang="en-DK" smtClean="0"/>
-              <a:t>11/16/2021</a:t>
+              <a:t>11/22/2021</a:t>
             </a:fld>
             <a:endParaRPr lang="en-DK"/>
           </a:p>
@@ -4147,134 +4372,6 @@
       </p:sp>
       <p:sp>
         <p:nvSpPr>
-          <p:cNvPr id="132" name="Round Same Side Corner Rectangle 137">
-            <a:extLst>
-              <a:ext uri="{FF2B5EF4-FFF2-40B4-BE49-F238E27FC236}">
-                <a16:creationId xmlns:a16="http://schemas.microsoft.com/office/drawing/2014/main" id="{C627242A-C3FF-D340-8CBA-FBF88A50DF20}"/>
-              </a:ext>
-            </a:extLst>
-          </p:cNvPr>
-          <p:cNvSpPr/>
-          <p:nvPr/>
-        </p:nvSpPr>
-        <p:spPr>
-          <a:xfrm>
-            <a:off x="252208" y="26611073"/>
-            <a:ext cx="11714505" cy="540000"/>
-          </a:xfrm>
-          <a:prstGeom prst="round2SameRect">
-            <a:avLst>
-              <a:gd name="adj1" fmla="val 50000"/>
-              <a:gd name="adj2" fmla="val 0"/>
-            </a:avLst>
-          </a:prstGeom>
-          <a:solidFill>
-            <a:srgbClr val="990000"/>
-          </a:solidFill>
-          <a:ln w="63500">
-            <a:solidFill>
-              <a:srgbClr val="901A1E"/>
-            </a:solidFill>
-          </a:ln>
-        </p:spPr>
-        <p:style>
-          <a:lnRef idx="2">
-            <a:schemeClr val="accent1">
-              <a:shade val="50000"/>
-            </a:schemeClr>
-          </a:lnRef>
-          <a:fillRef idx="1">
-            <a:schemeClr val="accent1"/>
-          </a:fillRef>
-          <a:effectRef idx="0">
-            <a:schemeClr val="accent1"/>
-          </a:effectRef>
-          <a:fontRef idx="minor">
-            <a:schemeClr val="lt1"/>
-          </a:fontRef>
-        </p:style>
-        <p:txBody>
-          <a:bodyPr bIns="72000" rtlCol="0" anchor="ctr"/>
-          <a:lstStyle/>
-          <a:p>
-            <a:pPr algn="ctr"/>
-            <a:r>
-              <a:rPr lang="en-US" sz="3200" b="1" dirty="0">
-                <a:latin typeface="Arial" charset="0"/>
-                <a:ea typeface="Arial" charset="0"/>
-                <a:cs typeface="Arial" charset="0"/>
-              </a:rPr>
-              <a:t>Outlook</a:t>
-            </a:r>
-          </a:p>
-        </p:txBody>
-      </p:sp>
-      <p:sp>
-        <p:nvSpPr>
-          <p:cNvPr id="133" name="Round Same Side Corner Rectangle 137">
-            <a:extLst>
-              <a:ext uri="{FF2B5EF4-FFF2-40B4-BE49-F238E27FC236}">
-                <a16:creationId xmlns:a16="http://schemas.microsoft.com/office/drawing/2014/main" id="{12E180B1-4855-554C-A6E7-BCB78D077781}"/>
-              </a:ext>
-            </a:extLst>
-          </p:cNvPr>
-          <p:cNvSpPr/>
-          <p:nvPr/>
-        </p:nvSpPr>
-        <p:spPr>
-          <a:xfrm>
-            <a:off x="12256665" y="26618514"/>
-            <a:ext cx="8875543" cy="540000"/>
-          </a:xfrm>
-          <a:prstGeom prst="round2SameRect">
-            <a:avLst>
-              <a:gd name="adj1" fmla="val 50000"/>
-              <a:gd name="adj2" fmla="val 0"/>
-            </a:avLst>
-          </a:prstGeom>
-          <a:solidFill>
-            <a:srgbClr val="990000"/>
-          </a:solidFill>
-          <a:ln w="63500">
-            <a:solidFill>
-              <a:srgbClr val="901A1E"/>
-            </a:solidFill>
-          </a:ln>
-        </p:spPr>
-        <p:style>
-          <a:lnRef idx="2">
-            <a:schemeClr val="accent1">
-              <a:shade val="50000"/>
-            </a:schemeClr>
-          </a:lnRef>
-          <a:fillRef idx="1">
-            <a:schemeClr val="accent1"/>
-          </a:fillRef>
-          <a:effectRef idx="0">
-            <a:schemeClr val="accent1"/>
-          </a:effectRef>
-          <a:fontRef idx="minor">
-            <a:schemeClr val="lt1"/>
-          </a:fontRef>
-        </p:style>
-        <p:txBody>
-          <a:bodyPr bIns="72000" rtlCol="0" anchor="ctr"/>
-          <a:lstStyle/>
-          <a:p>
-            <a:pPr algn="ctr"/>
-            <a:r>
-              <a:rPr lang="en-US" sz="3200" b="1" dirty="0">
-                <a:latin typeface="Arial" charset="0"/>
-                <a:ea typeface="Arial" charset="0"/>
-                <a:cs typeface="Arial" charset="0"/>
-              </a:rPr>
-              <a:t>References</a:t>
-            </a:r>
-          </a:p>
-        </p:txBody>
-      </p:sp>
-      <p:sp>
-        <p:nvSpPr>
           <p:cNvPr id="91" name="TextBox 90">
             <a:extLst>
               <a:ext uri="{FF2B5EF4-FFF2-40B4-BE49-F238E27FC236}">
@@ -4375,7 +4472,7 @@
         </p:nvSpPr>
         <p:spPr>
           <a:xfrm>
-            <a:off x="8049243" y="6608507"/>
+            <a:off x="8377049" y="13493122"/>
             <a:ext cx="2553570" cy="697513"/>
           </a:xfrm>
           <a:prstGeom prst="rect">
@@ -4445,7 +4542,7 @@
         </p:nvSpPr>
         <p:spPr>
           <a:xfrm>
-            <a:off x="4264468" y="6608508"/>
+            <a:off x="4592274" y="13493123"/>
             <a:ext cx="2553570" cy="697513"/>
           </a:xfrm>
           <a:prstGeom prst="rect">
@@ -4509,7 +4606,7 @@
         </p:nvSpPr>
         <p:spPr>
           <a:xfrm>
-            <a:off x="11814039" y="6608508"/>
+            <a:off x="12141845" y="13493123"/>
             <a:ext cx="2553570" cy="697513"/>
           </a:xfrm>
           <a:prstGeom prst="rect">
@@ -4572,7 +4669,7 @@
         </p:nvSpPr>
         <p:spPr>
           <a:xfrm>
-            <a:off x="4261424" y="8114844"/>
+            <a:off x="4589230" y="14999459"/>
             <a:ext cx="2553570" cy="697513"/>
           </a:xfrm>
           <a:prstGeom prst="rect">
@@ -4636,7 +4733,7 @@
         </p:nvCxnSpPr>
         <p:spPr>
           <a:xfrm flipV="1">
-            <a:off x="3057609" y="8428358"/>
+            <a:off x="3385415" y="15312973"/>
             <a:ext cx="1220432" cy="10033"/>
           </a:xfrm>
           <a:prstGeom prst="straightConnector1">
@@ -4678,7 +4775,7 @@
         </p:nvSpPr>
         <p:spPr>
           <a:xfrm>
-            <a:off x="1730360" y="8115281"/>
+            <a:off x="2058166" y="14999896"/>
             <a:ext cx="1505869" cy="646331"/>
           </a:xfrm>
           <a:prstGeom prst="rect">
@@ -4725,7 +4822,7 @@
         </p:nvCxnSpPr>
         <p:spPr>
           <a:xfrm flipV="1">
-            <a:off x="3046303" y="6955358"/>
+            <a:off x="3374109" y="13839973"/>
             <a:ext cx="1220432" cy="10033"/>
           </a:xfrm>
           <a:prstGeom prst="straightConnector1">
@@ -4769,7 +4866,7 @@
         </p:nvCxnSpPr>
         <p:spPr>
           <a:xfrm flipV="1">
-            <a:off x="6820888" y="6955437"/>
+            <a:off x="7148694" y="13840052"/>
             <a:ext cx="1220432" cy="10033"/>
           </a:xfrm>
           <a:prstGeom prst="straightConnector1">
@@ -4813,7 +4910,7 @@
         </p:nvCxnSpPr>
         <p:spPr>
           <a:xfrm flipV="1">
-            <a:off x="10596494" y="6955517"/>
+            <a:off x="10924300" y="13840132"/>
             <a:ext cx="1220432" cy="10033"/>
           </a:xfrm>
           <a:prstGeom prst="straightConnector1">
@@ -4855,7 +4952,7 @@
         </p:nvSpPr>
         <p:spPr>
           <a:xfrm>
-            <a:off x="1730988" y="6640738"/>
+            <a:off x="2058794" y="13525353"/>
             <a:ext cx="1505869" cy="646331"/>
           </a:xfrm>
           <a:prstGeom prst="rect">
@@ -4898,7 +4995,7 @@
         </p:nvCxnSpPr>
         <p:spPr>
           <a:xfrm flipV="1">
-            <a:off x="6815447" y="8428438"/>
+            <a:off x="7143253" y="15313053"/>
             <a:ext cx="1220432" cy="10033"/>
           </a:xfrm>
           <a:prstGeom prst="straightConnector1">
@@ -4940,7 +5037,7 @@
         </p:nvSpPr>
         <p:spPr>
           <a:xfrm>
-            <a:off x="8008286" y="8162929"/>
+            <a:off x="8336092" y="15047544"/>
             <a:ext cx="2346619" cy="646331"/>
           </a:xfrm>
           <a:prstGeom prst="rect">
@@ -4981,7 +5078,7 @@
         </p:nvSpPr>
         <p:spPr>
           <a:xfrm>
-            <a:off x="1738893" y="5610168"/>
+            <a:off x="2066699" y="12494783"/>
             <a:ext cx="1308554" cy="646331"/>
           </a:xfrm>
           <a:prstGeom prst="rect">
@@ -5022,7 +5119,7 @@
         </p:nvCxnSpPr>
         <p:spPr>
           <a:xfrm flipV="1">
-            <a:off x="3054527" y="5785290"/>
+            <a:off x="3382333" y="12669905"/>
             <a:ext cx="8185013" cy="32393"/>
           </a:xfrm>
           <a:prstGeom prst="straightConnector1">
@@ -5065,7 +5162,7 @@
         </p:nvCxnSpPr>
         <p:spPr>
           <a:xfrm>
-            <a:off x="11203692" y="5801895"/>
+            <a:off x="11531498" y="12686510"/>
             <a:ext cx="15454" cy="2696818"/>
           </a:xfrm>
           <a:prstGeom prst="straightConnector1">
@@ -5108,7 +5205,7 @@
         </p:nvCxnSpPr>
         <p:spPr>
           <a:xfrm flipV="1">
-            <a:off x="10336777" y="8480916"/>
+            <a:off x="10664583" y="15365531"/>
             <a:ext cx="887931" cy="658"/>
           </a:xfrm>
           <a:prstGeom prst="straightConnector1">
@@ -5151,7 +5248,7 @@
         </p:nvCxnSpPr>
         <p:spPr>
           <a:xfrm flipV="1">
-            <a:off x="14372222" y="6955597"/>
+            <a:off x="14700029" y="13840212"/>
             <a:ext cx="1220432" cy="10033"/>
           </a:xfrm>
           <a:prstGeom prst="straightConnector1">
@@ -5193,7 +5290,7 @@
         </p:nvSpPr>
         <p:spPr>
           <a:xfrm>
-            <a:off x="15587764" y="6609106"/>
+            <a:off x="15915570" y="13493721"/>
             <a:ext cx="2346619" cy="923330"/>
           </a:xfrm>
           <a:prstGeom prst="rect">
@@ -5235,6 +5332,636 @@
               </a:rPr>
               <a:t>1 = binding</a:t>
             </a:r>
+          </a:p>
+        </p:txBody>
+      </p:sp>
+      <p:sp>
+        <p:nvSpPr>
+          <p:cNvPr id="5" name="TextBox 4">
+            <a:extLst>
+              <a:ext uri="{FF2B5EF4-FFF2-40B4-BE49-F238E27FC236}">
+                <a16:creationId xmlns:a16="http://schemas.microsoft.com/office/drawing/2014/main" id="{555DBE74-403C-4246-B0C1-4F2AAF162AFF}"/>
+              </a:ext>
+            </a:extLst>
+          </p:cNvPr>
+          <p:cNvSpPr txBox="1"/>
+          <p:nvPr/>
+        </p:nvSpPr>
+        <p:spPr>
+          <a:xfrm>
+            <a:off x="1145408" y="5631656"/>
+            <a:ext cx="8270162" cy="4955203"/>
+          </a:xfrm>
+          <a:prstGeom prst="rect">
+            <a:avLst/>
+          </a:prstGeom>
+          <a:noFill/>
+        </p:spPr>
+        <p:txBody>
+          <a:bodyPr rot="0" spcFirstLastPara="0" vertOverflow="overflow" horzOverflow="overflow" vert="horz" wrap="square" lIns="91440" tIns="45720" rIns="91440" bIns="45720" numCol="1" spcCol="0" rtlCol="0" fromWordArt="0" anchor="t" anchorCtr="0" forceAA="0" compatLnSpc="1">
+            <a:prstTxWarp prst="textNoShape">
+              <a:avLst/>
+            </a:prstTxWarp>
+            <a:spAutoFit/>
+          </a:bodyPr>
+          <a:lstStyle/>
+          <a:p>
+            <a:pPr marL="285750" indent="-285750">
+              <a:buFont typeface="Arial"/>
+              <a:buChar char="•"/>
+            </a:pPr>
+            <a:r>
+              <a:rPr lang="en-GB" sz="2000" dirty="0">
+                <a:latin typeface="Arial"/>
+                <a:cs typeface="Arial"/>
+              </a:rPr>
+              <a:t>Adaptive immune system is a key element for fighting diseases</a:t>
+            </a:r>
+          </a:p>
+          <a:p>
+            <a:pPr marL="285750" indent="-285750">
+              <a:buFont typeface="Arial"/>
+              <a:buChar char="•"/>
+            </a:pPr>
+            <a:r>
+              <a:rPr lang="en-GB" sz="2000" dirty="0">
+                <a:latin typeface="Arial"/>
+                <a:cs typeface="Arial"/>
+              </a:rPr>
+              <a:t>T cells are responsible for cell-mediated immune response</a:t>
+            </a:r>
+          </a:p>
+          <a:p>
+            <a:pPr marL="285750" indent="-285750">
+              <a:buFont typeface="Arial"/>
+              <a:buChar char="•"/>
+            </a:pPr>
+            <a:r>
+              <a:rPr lang="en-GB" sz="2000" dirty="0">
+                <a:latin typeface="Arial"/>
+                <a:cs typeface="Arial"/>
+              </a:rPr>
+              <a:t>T cell receptors (TCR) bind to </a:t>
+            </a:r>
+            <a:r>
+              <a:rPr lang="en-GB" sz="2000" dirty="0" err="1">
+                <a:latin typeface="Arial"/>
+                <a:cs typeface="Arial"/>
+              </a:rPr>
+              <a:t>pMHC</a:t>
+            </a:r>
+            <a:r>
+              <a:rPr lang="en-GB" sz="2000" dirty="0">
+                <a:latin typeface="Arial"/>
+                <a:cs typeface="Arial"/>
+              </a:rPr>
+              <a:t> complexes (protein – Major Histocompatibility Complex) to trigger immune response</a:t>
+            </a:r>
+          </a:p>
+          <a:p>
+            <a:pPr marL="285750" indent="-285750">
+              <a:buFont typeface="Arial"/>
+              <a:buChar char="•"/>
+            </a:pPr>
+            <a:r>
+              <a:rPr lang="en-GB" sz="2000" b="1" dirty="0">
+                <a:latin typeface="Arial"/>
+                <a:cs typeface="Arial"/>
+              </a:rPr>
+              <a:t>Problem: </a:t>
+            </a:r>
+            <a:r>
+              <a:rPr lang="en-GB" sz="2000" dirty="0">
+                <a:latin typeface="Arial"/>
+                <a:cs typeface="Arial"/>
+              </a:rPr>
+              <a:t>Predict TCR-</a:t>
+            </a:r>
+            <a:r>
+              <a:rPr lang="en-GB" sz="2000" dirty="0" err="1">
+                <a:latin typeface="Arial"/>
+                <a:cs typeface="Arial"/>
+              </a:rPr>
+              <a:t>pMHC</a:t>
+            </a:r>
+            <a:r>
+              <a:rPr lang="en-GB" sz="2000" dirty="0">
+                <a:latin typeface="Arial"/>
+                <a:cs typeface="Arial"/>
+              </a:rPr>
+              <a:t> binding</a:t>
+            </a:r>
+          </a:p>
+          <a:p>
+            <a:pPr marL="285750" indent="-285750">
+              <a:buFont typeface="Arial"/>
+              <a:buChar char="•"/>
+            </a:pPr>
+            <a:r>
+              <a:rPr lang="en-GB" sz="2000" b="1" dirty="0">
+                <a:latin typeface="Arial"/>
+                <a:cs typeface="Arial"/>
+              </a:rPr>
+              <a:t>Input data:</a:t>
+            </a:r>
+            <a:endParaRPr lang="en-GB" sz="2000" dirty="0">
+              <a:latin typeface="Arial"/>
+              <a:cs typeface="Arial"/>
+            </a:endParaRPr>
+          </a:p>
+          <a:p>
+            <a:pPr marL="742950" lvl="1" indent="-285750">
+              <a:buFont typeface="Arial"/>
+              <a:buChar char="•"/>
+            </a:pPr>
+            <a:r>
+              <a:rPr lang="en-GB" sz="2000" dirty="0">
+                <a:latin typeface="Arial"/>
+                <a:cs typeface="Arial"/>
+              </a:rPr>
+              <a:t>Protein sequence</a:t>
+            </a:r>
+          </a:p>
+          <a:p>
+            <a:pPr marL="742950" lvl="1" indent="-285750">
+              <a:buFont typeface="Arial"/>
+              <a:buChar char="•"/>
+            </a:pPr>
+            <a:r>
+              <a:rPr lang="en-GB" sz="2000" dirty="0">
+                <a:latin typeface="Arial"/>
+                <a:cs typeface="Arial"/>
+              </a:rPr>
+              <a:t>Per-residue energy terms</a:t>
+            </a:r>
+          </a:p>
+          <a:p>
+            <a:pPr marL="742950" lvl="1" indent="-285750">
+              <a:buFont typeface="Arial"/>
+              <a:buChar char="•"/>
+            </a:pPr>
+            <a:r>
+              <a:rPr lang="en-GB" sz="2000" dirty="0">
+                <a:latin typeface="Arial"/>
+                <a:cs typeface="Arial"/>
+              </a:rPr>
+              <a:t>Global energy term</a:t>
+            </a:r>
+          </a:p>
+          <a:p>
+            <a:pPr marL="742950" lvl="1" indent="-285750">
+              <a:buFont typeface="Arial"/>
+              <a:buChar char="•"/>
+            </a:pPr>
+            <a:endParaRPr lang="en-GB" sz="2000" dirty="0">
+              <a:latin typeface="Arial"/>
+              <a:cs typeface="Arial"/>
+            </a:endParaRPr>
+          </a:p>
+          <a:p>
+            <a:pPr marL="285750" indent="-285750">
+              <a:buFont typeface="Arial"/>
+              <a:buChar char="•"/>
+            </a:pPr>
+            <a:r>
+              <a:rPr lang="en-GB" sz="2000" b="1" dirty="0">
+                <a:latin typeface="Arial"/>
+                <a:cs typeface="Arial"/>
+              </a:rPr>
+              <a:t>Input dimensions:</a:t>
+            </a:r>
+            <a:endParaRPr lang="en-GB" sz="2000" dirty="0">
+              <a:latin typeface="Arial"/>
+              <a:cs typeface="Arial"/>
+            </a:endParaRPr>
+          </a:p>
+          <a:p>
+            <a:pPr marL="742950" lvl="1" indent="-285750">
+              <a:buFont typeface="Arial"/>
+              <a:buChar char="•"/>
+            </a:pPr>
+            <a:r>
+              <a:rPr lang="en-GB" sz="2000" dirty="0">
+                <a:latin typeface="Arial"/>
+                <a:cs typeface="Arial"/>
+              </a:rPr>
+              <a:t>x observations</a:t>
+            </a:r>
+            <a:endParaRPr lang="en-GB" sz="2000" b="1" dirty="0">
+              <a:latin typeface="Arial"/>
+              <a:cs typeface="Arial"/>
+            </a:endParaRPr>
+          </a:p>
+          <a:p>
+            <a:pPr marL="742950" lvl="1" indent="-285750">
+              <a:buFont typeface="Arial"/>
+              <a:buChar char="•"/>
+            </a:pPr>
+            <a:r>
+              <a:rPr lang="en-GB" sz="2000" dirty="0">
+                <a:latin typeface="Arial"/>
+                <a:cs typeface="Arial"/>
+              </a:rPr>
+              <a:t>y peptide positions</a:t>
+            </a:r>
+          </a:p>
+          <a:p>
+            <a:pPr marL="742950" lvl="1" indent="-285750">
+              <a:buFont typeface="Arial"/>
+              <a:buChar char="•"/>
+            </a:pPr>
+            <a:r>
+              <a:rPr lang="en-GB" sz="2000" dirty="0">
+                <a:latin typeface="Arial"/>
+                <a:cs typeface="Arial"/>
+              </a:rPr>
+              <a:t>z channels, including sequence embedding and energy terms</a:t>
+            </a:r>
+          </a:p>
+          <a:p>
+            <a:pPr marL="742950" lvl="1" indent="-285750">
+              <a:buFont typeface="Arial"/>
+              <a:buChar char="•"/>
+            </a:pPr>
+            <a:endParaRPr lang="en-GB" dirty="0">
+              <a:latin typeface="Arial"/>
+              <a:cs typeface="Arial"/>
+            </a:endParaRPr>
+          </a:p>
+          <a:p>
+            <a:pPr marL="285750" indent="-285750">
+              <a:buFont typeface="Arial"/>
+              <a:buChar char="•"/>
+            </a:pPr>
+            <a:endParaRPr lang="en-GB" dirty="0">
+              <a:latin typeface="Arial"/>
+              <a:cs typeface="Arial"/>
+            </a:endParaRPr>
+          </a:p>
+        </p:txBody>
+      </p:sp>
+      <p:sp>
+        <p:nvSpPr>
+          <p:cNvPr id="34" name="TextBox 33">
+            <a:extLst>
+              <a:ext uri="{FF2B5EF4-FFF2-40B4-BE49-F238E27FC236}">
+                <a16:creationId xmlns:a16="http://schemas.microsoft.com/office/drawing/2014/main" id="{18751111-F666-4ECE-A225-B1803250A9C6}"/>
+              </a:ext>
+            </a:extLst>
+          </p:cNvPr>
+          <p:cNvSpPr txBox="1"/>
+          <p:nvPr/>
+        </p:nvSpPr>
+        <p:spPr>
+          <a:xfrm>
+            <a:off x="11358776" y="5364955"/>
+            <a:ext cx="8270162" cy="677108"/>
+          </a:xfrm>
+          <a:prstGeom prst="rect">
+            <a:avLst/>
+          </a:prstGeom>
+          <a:noFill/>
+        </p:spPr>
+        <p:txBody>
+          <a:bodyPr rot="0" spcFirstLastPara="0" vertOverflow="overflow" horzOverflow="overflow" vert="horz" wrap="square" lIns="91440" tIns="45720" rIns="91440" bIns="45720" numCol="1" spcCol="0" rtlCol="0" fromWordArt="0" anchor="t" anchorCtr="0" forceAA="0" compatLnSpc="1">
+            <a:prstTxWarp prst="textNoShape">
+              <a:avLst/>
+            </a:prstTxWarp>
+            <a:spAutoFit/>
+          </a:bodyPr>
+          <a:lstStyle/>
+          <a:p>
+            <a:pPr marL="285750" indent="-285750">
+              <a:buFont typeface="Arial"/>
+              <a:buChar char="•"/>
+            </a:pPr>
+            <a:r>
+              <a:rPr lang="en-GB" sz="2000" dirty="0">
+                <a:latin typeface="Arial"/>
+                <a:cs typeface="Arial"/>
+              </a:rPr>
+              <a:t>Pre-training with a transformer, Evolutionary Scale </a:t>
+            </a:r>
+            <a:r>
+              <a:rPr lang="en-GB" sz="2000" dirty="0" err="1">
+                <a:latin typeface="Arial"/>
+                <a:cs typeface="Arial"/>
+              </a:rPr>
+              <a:t>Modeling</a:t>
+            </a:r>
+            <a:r>
+              <a:rPr lang="en-GB" sz="2000" dirty="0">
+                <a:latin typeface="Arial"/>
+                <a:cs typeface="Arial"/>
+              </a:rPr>
+              <a:t> (ESM) </a:t>
+            </a:r>
+            <a:endParaRPr lang="en-US" dirty="0"/>
+          </a:p>
+          <a:p>
+            <a:pPr marL="285750" indent="-285750">
+              <a:buFont typeface="Arial"/>
+              <a:buChar char="•"/>
+            </a:pPr>
+            <a:endParaRPr lang="en-GB" dirty="0">
+              <a:latin typeface="Arial"/>
+              <a:cs typeface="Arial"/>
+            </a:endParaRPr>
+          </a:p>
+        </p:txBody>
+      </p:sp>
+      <p:sp>
+        <p:nvSpPr>
+          <p:cNvPr id="8" name="TextBox 7">
+            <a:extLst>
+              <a:ext uri="{FF2B5EF4-FFF2-40B4-BE49-F238E27FC236}">
+                <a16:creationId xmlns:a16="http://schemas.microsoft.com/office/drawing/2014/main" id="{BF27FA47-F412-41BA-9674-4AB98ABB11FF}"/>
+              </a:ext>
+            </a:extLst>
+          </p:cNvPr>
+          <p:cNvSpPr txBox="1"/>
+          <p:nvPr/>
+        </p:nvSpPr>
+        <p:spPr>
+          <a:xfrm>
+            <a:off x="265757" y="26683708"/>
+            <a:ext cx="20409853" cy="1477328"/>
+          </a:xfrm>
+          <a:prstGeom prst="rect">
+            <a:avLst/>
+          </a:prstGeom>
+          <a:noFill/>
+        </p:spPr>
+        <p:txBody>
+          <a:bodyPr rot="0" spcFirstLastPara="0" vertOverflow="overflow" horzOverflow="overflow" vert="horz" wrap="square" lIns="91440" tIns="45720" rIns="91440" bIns="45720" numCol="1" spcCol="0" rtlCol="0" fromWordArt="0" anchor="t" anchorCtr="0" forceAA="0" compatLnSpc="1">
+            <a:prstTxWarp prst="textNoShape">
+              <a:avLst/>
+            </a:prstTxWarp>
+            <a:spAutoFit/>
+          </a:bodyPr>
+          <a:lstStyle/>
+          <a:p>
+            <a:pPr marL="285750" indent="-285750">
+              <a:buFont typeface="Arial"/>
+              <a:buChar char="•"/>
+            </a:pPr>
+            <a:r>
+              <a:rPr lang="en-US" dirty="0">
+                <a:latin typeface="Arial"/>
+                <a:ea typeface="+mn-lt"/>
+                <a:cs typeface="+mn-lt"/>
+              </a:rPr>
+              <a:t>Magnus H. Høie. (2021). T-cell binding prediction challenge (TCR-</a:t>
+            </a:r>
+            <a:r>
+              <a:rPr lang="en-US" dirty="0" err="1">
+                <a:latin typeface="Arial"/>
+                <a:ea typeface="+mn-lt"/>
+                <a:cs typeface="+mn-lt"/>
+              </a:rPr>
+              <a:t>pMHC</a:t>
+            </a:r>
+            <a:r>
+              <a:rPr lang="en-US" dirty="0">
+                <a:latin typeface="Arial"/>
+                <a:ea typeface="+mn-lt"/>
+                <a:cs typeface="+mn-lt"/>
+              </a:rPr>
+              <a:t>). </a:t>
+            </a:r>
+            <a:r>
+              <a:rPr lang="en-US" dirty="0" err="1">
+                <a:latin typeface="Arial"/>
+                <a:ea typeface="+mn-lt"/>
+                <a:cs typeface="+mn-lt"/>
+              </a:rPr>
+              <a:t>Github</a:t>
+            </a:r>
+            <a:r>
+              <a:rPr lang="en-US" dirty="0">
+                <a:latin typeface="Arial"/>
+                <a:ea typeface="+mn-lt"/>
+                <a:cs typeface="+mn-lt"/>
+              </a:rPr>
+              <a:t> repository,  Link: https://github.com/CBH2021/tcr-pmhc </a:t>
+            </a:r>
+            <a:endParaRPr lang="en-US">
+              <a:latin typeface="Arial"/>
+              <a:ea typeface="+mn-lt"/>
+              <a:cs typeface="+mn-lt"/>
+            </a:endParaRPr>
+          </a:p>
+          <a:p>
+            <a:pPr marL="285750" indent="-285750">
+              <a:buFont typeface="Arial"/>
+              <a:buChar char="•"/>
+            </a:pPr>
+            <a:r>
+              <a:rPr lang="en-US" dirty="0">
+                <a:latin typeface="Arial"/>
+                <a:ea typeface="+mn-lt"/>
+                <a:cs typeface="+mn-lt"/>
+              </a:rPr>
+              <a:t>Ida Kristine Sandford Meitil. (2021). Using deep learning for improving TCR homology modeling and its application to immunogenicity prediction [Master’s Thesis, DTU]</a:t>
+            </a:r>
+            <a:endParaRPr lang="en-US" dirty="0">
+              <a:latin typeface="Arial"/>
+              <a:cs typeface="Arial"/>
+            </a:endParaRPr>
+          </a:p>
+          <a:p>
+            <a:pPr marL="285750" indent="-285750">
+              <a:buFont typeface="Arial"/>
+              <a:buChar char="•"/>
+            </a:pPr>
+            <a:r>
+              <a:rPr lang="en-US" dirty="0">
+                <a:latin typeface="Arial"/>
+                <a:cs typeface="Arial"/>
+              </a:rPr>
+              <a:t>Rives, A. et al. (2021). Biological structure and function emerge from scaling unsupervised learning to 250 million protein sequences</a:t>
+            </a:r>
+            <a:r>
+              <a:rPr lang="en-US" i="1" dirty="0">
+                <a:latin typeface="Arial"/>
+                <a:cs typeface="Arial"/>
+              </a:rPr>
+              <a:t>. Proceedings of the National Academy of Sciences, 118(15).</a:t>
+            </a:r>
+            <a:endParaRPr lang="en-US">
+              <a:latin typeface="Arial"/>
+              <a:cs typeface="Arial"/>
+            </a:endParaRPr>
+          </a:p>
+          <a:p>
+            <a:pPr marL="285750" indent="-285750">
+              <a:buFont typeface="Arial"/>
+              <a:buChar char="•"/>
+            </a:pPr>
+            <a:br>
+              <a:rPr lang="en-US" i="1" dirty="0">
+                <a:latin typeface="Arial"/>
+              </a:rPr>
+            </a:br>
+            <a:endParaRPr lang="en-US" i="1" dirty="0">
+              <a:latin typeface="Arial"/>
+              <a:cs typeface="Arial"/>
+            </a:endParaRPr>
+          </a:p>
+        </p:txBody>
+      </p:sp>
+      <p:sp>
+        <p:nvSpPr>
+          <p:cNvPr id="39" name="Round Same Side Corner Rectangle 137">
+            <a:extLst>
+              <a:ext uri="{FF2B5EF4-FFF2-40B4-BE49-F238E27FC236}">
+                <a16:creationId xmlns:a16="http://schemas.microsoft.com/office/drawing/2014/main" id="{E416DD2D-00A9-4581-8B16-BB3C03226A4A}"/>
+              </a:ext>
+            </a:extLst>
+          </p:cNvPr>
+          <p:cNvSpPr/>
+          <p:nvPr/>
+        </p:nvSpPr>
+        <p:spPr>
+          <a:xfrm>
+            <a:off x="235507" y="25766409"/>
+            <a:ext cx="20880000" cy="540000"/>
+          </a:xfrm>
+          <a:prstGeom prst="round2SameRect">
+            <a:avLst>
+              <a:gd name="adj1" fmla="val 50000"/>
+              <a:gd name="adj2" fmla="val 0"/>
+            </a:avLst>
+          </a:prstGeom>
+          <a:solidFill>
+            <a:srgbClr val="990000"/>
+          </a:solidFill>
+          <a:ln w="63500">
+            <a:solidFill>
+              <a:srgbClr val="901A1E"/>
+            </a:solidFill>
+          </a:ln>
+        </p:spPr>
+        <p:style>
+          <a:lnRef idx="2">
+            <a:schemeClr val="accent1">
+              <a:shade val="50000"/>
+            </a:schemeClr>
+          </a:lnRef>
+          <a:fillRef idx="1">
+            <a:schemeClr val="accent1"/>
+          </a:fillRef>
+          <a:effectRef idx="0">
+            <a:schemeClr val="accent1"/>
+          </a:effectRef>
+          <a:fontRef idx="minor">
+            <a:schemeClr val="lt1"/>
+          </a:fontRef>
+        </p:style>
+        <p:txBody>
+          <a:bodyPr lIns="91440" tIns="45720" rIns="91440" bIns="72000" rtlCol="0" anchor="ctr"/>
+          <a:lstStyle/>
+          <a:p>
+            <a:pPr algn="ctr"/>
+            <a:r>
+              <a:rPr lang="en-US" sz="3200" b="1" dirty="0">
+                <a:latin typeface="Arial"/>
+                <a:ea typeface="Arial" charset="0"/>
+                <a:cs typeface="Arial"/>
+              </a:rPr>
+              <a:t>References</a:t>
+            </a:r>
+            <a:endParaRPr lang="en-US" sz="3200" b="1" dirty="0">
+              <a:latin typeface="Arial" charset="0"/>
+              <a:ea typeface="Arial" charset="0"/>
+              <a:cs typeface="Arial" charset="0"/>
+            </a:endParaRPr>
+          </a:p>
+        </p:txBody>
+      </p:sp>
+      <p:sp>
+        <p:nvSpPr>
+          <p:cNvPr id="9" name="TextBox 8">
+            <a:extLst>
+              <a:ext uri="{FF2B5EF4-FFF2-40B4-BE49-F238E27FC236}">
+                <a16:creationId xmlns:a16="http://schemas.microsoft.com/office/drawing/2014/main" id="{7D584BC0-CFB4-44BF-8499-422590EEED04}"/>
+              </a:ext>
+            </a:extLst>
+          </p:cNvPr>
+          <p:cNvSpPr txBox="1"/>
+          <p:nvPr/>
+        </p:nvSpPr>
+        <p:spPr>
+          <a:xfrm>
+            <a:off x="13178908" y="7889081"/>
+            <a:ext cx="5201745" cy="558392"/>
+          </a:xfrm>
+          <a:prstGeom prst="rect">
+            <a:avLst/>
+          </a:prstGeom>
+          <a:noFill/>
+        </p:spPr>
+        <p:txBody>
+          <a:bodyPr rot="0" spcFirstLastPara="0" vertOverflow="overflow" horzOverflow="overflow" vert="horz" wrap="square" lIns="91440" tIns="45720" rIns="91440" bIns="45720" numCol="1" spcCol="0" rtlCol="0" fromWordArt="0" anchor="t" anchorCtr="0" forceAA="0" compatLnSpc="1">
+            <a:prstTxWarp prst="textNoShape">
+              <a:avLst/>
+            </a:prstTxWarp>
+            <a:spAutoFit/>
+          </a:bodyPr>
+          <a:lstStyle/>
+          <a:p>
+            <a:r>
+              <a:rPr lang="en-GB" sz="3000" dirty="0"/>
+              <a:t>IMAGE OF TCR-PMHC COMPLEX</a:t>
+            </a:r>
+            <a:endParaRPr lang="en-US" sz="3000">
+              <a:cs typeface="Calibri"/>
+            </a:endParaRPr>
+          </a:p>
+        </p:txBody>
+      </p:sp>
+      <p:sp>
+        <p:nvSpPr>
+          <p:cNvPr id="10" name="TextBox 9">
+            <a:extLst>
+              <a:ext uri="{FF2B5EF4-FFF2-40B4-BE49-F238E27FC236}">
+                <a16:creationId xmlns:a16="http://schemas.microsoft.com/office/drawing/2014/main" id="{0F50DE13-E128-4F41-B202-B86A9CAA9FC5}"/>
+              </a:ext>
+            </a:extLst>
+          </p:cNvPr>
+          <p:cNvSpPr txBox="1"/>
+          <p:nvPr/>
+        </p:nvSpPr>
+        <p:spPr>
+          <a:xfrm>
+            <a:off x="13550531" y="12051506"/>
+            <a:ext cx="2743200" cy="646331"/>
+          </a:xfrm>
+          <a:prstGeom prst="rect">
+            <a:avLst/>
+          </a:prstGeom>
+          <a:noFill/>
+        </p:spPr>
+        <p:txBody>
+          <a:bodyPr rot="0" spcFirstLastPara="0" vertOverflow="overflow" horzOverflow="overflow" vert="horz" wrap="square" lIns="91440" tIns="45720" rIns="91440" bIns="45720" numCol="1" spcCol="0" rtlCol="0" fromWordArt="0" anchor="t" anchorCtr="0" forceAA="0" compatLnSpc="1">
+            <a:prstTxWarp prst="textNoShape">
+              <a:avLst/>
+            </a:prstTxWarp>
+            <a:spAutoFit/>
+          </a:bodyPr>
+          <a:lstStyle/>
+          <a:p>
+            <a:r>
+              <a:rPr lang="en-GB"/>
+              <a:t>IMAGE OF TCR-PMHC COMPLEX</a:t>
+            </a:r>
+            <a:r>
+              <a:rPr lang="en-GB">
+                <a:cs typeface="Calibri"/>
+              </a:rPr>
+              <a:t>​</a:t>
+            </a:r>
+            <a:endParaRPr lang="en-GB"/>
           </a:p>
         </p:txBody>
       </p:sp>
@@ -5808,18 +6535,18 @@
 </file>
 
 <file path=customXml/item1.xml><?xml version="1.0" encoding="utf-8"?>
-<p:properties xmlns:p="http://schemas.microsoft.com/office/2006/metadata/properties" xmlns:xsi="http://www.w3.org/2001/XMLSchema-instance" xmlns:pc="http://schemas.microsoft.com/office/infopath/2007/PartnerControls">
-  <documentManagement/>
-</p:properties>
-</file>
-
-<file path=customXml/item2.xml><?xml version="1.0" encoding="utf-8"?>
 <?mso-contentType ?>
 <FormTemplates xmlns="http://schemas.microsoft.com/sharepoint/v3/contenttype/forms">
   <Display>DocumentLibraryForm</Display>
   <Edit>DocumentLibraryForm</Edit>
   <New>DocumentLibraryForm</New>
 </FormTemplates>
+</file>
+
+<file path=customXml/item2.xml><?xml version="1.0" encoding="utf-8"?>
+<p:properties xmlns:p="http://schemas.microsoft.com/office/2006/metadata/properties" xmlns:xsi="http://www.w3.org/2001/XMLSchema-instance" xmlns:pc="http://schemas.microsoft.com/office/infopath/2007/PartnerControls">
+  <documentManagement/>
+</p:properties>
 </file>
 
 <file path=customXml/item3.xml><?xml version="1.0" encoding="utf-8"?>
@@ -5955,6 +6682,14 @@
 </file>
 
 <file path=customXml/itemProps1.xml><?xml version="1.0" encoding="utf-8"?>
+<ds:datastoreItem xmlns:ds="http://schemas.openxmlformats.org/officeDocument/2006/customXml" ds:itemID="{405562AF-484A-42F9-A02C-A3F5AD59D6C1}">
+  <ds:schemaRefs>
+    <ds:schemaRef ds:uri="http://schemas.microsoft.com/sharepoint/v3/contenttype/forms"/>
+  </ds:schemaRefs>
+</ds:datastoreItem>
+</file>
+
+<file path=customXml/itemProps2.xml><?xml version="1.0" encoding="utf-8"?>
 <ds:datastoreItem xmlns:ds="http://schemas.openxmlformats.org/officeDocument/2006/customXml" ds:itemID="{CB370A3C-731B-4F4D-ABD0-42474AC25910}">
   <ds:schemaRefs>
     <ds:schemaRef ds:uri="http://schemas.microsoft.com/office/2006/metadata/properties"/>
@@ -5963,16 +6698,8 @@
 </ds:datastoreItem>
 </file>
 
-<file path=customXml/itemProps2.xml><?xml version="1.0" encoding="utf-8"?>
-<ds:datastoreItem xmlns:ds="http://schemas.openxmlformats.org/officeDocument/2006/customXml" ds:itemID="{405562AF-484A-42F9-A02C-A3F5AD59D6C1}">
-  <ds:schemaRefs>
-    <ds:schemaRef ds:uri="http://schemas.microsoft.com/sharepoint/v3/contenttype/forms"/>
-  </ds:schemaRefs>
-</ds:datastoreItem>
-</file>
-
 <file path=customXml/itemProps3.xml><?xml version="1.0" encoding="utf-8"?>
-<ds:datastoreItem xmlns:ds="http://schemas.openxmlformats.org/officeDocument/2006/customXml" ds:itemID="{3A8E7CC2-19F4-4504-BB82-CD936B133629}">
+<ds:datastoreItem xmlns:ds="http://schemas.openxmlformats.org/officeDocument/2006/customXml" ds:itemID="{A265213D-E9A2-401B-A85F-226A40D5C1B2}">
   <ds:schemaRefs>
     <ds:schemaRef ds:uri="http://schemas.microsoft.com/office/2006/metadata/contentType"/>
     <ds:schemaRef ds:uri="http://schemas.microsoft.com/office/2006/metadata/properties/metaAttributes"/>

--- a/presentation/presentation.pptx
+++ b/presentation/presentation.pptx
@@ -630,7 +630,7 @@
             </a:lvl1pPr>
           </a:lstStyle>
           <a:p>
-            <a:endParaRPr lang="en-DK"/>
+            <a:endParaRPr lang="aa-ET"/>
           </a:p>
         </p:txBody>
       </p:sp>
@@ -662,10 +662,10 @@
           </a:lstStyle>
           <a:p>
             <a:fld id="{C6F05EAB-B404-4249-9B6E-2AB49D341D90}" type="datetimeFigureOut">
-              <a:rPr lang="en-DK" smtClean="0"/>
-              <a:t>11/22/2021</a:t>
+              <a:rPr lang="aa-ET" smtClean="0"/>
+              <a:t>24/11/2021</a:t>
             </a:fld>
-            <a:endParaRPr lang="en-DK"/>
+            <a:endParaRPr lang="aa-ET"/>
           </a:p>
         </p:txBody>
       </p:sp>
@@ -698,7 +698,7 @@
           <a:bodyPr vert="horz" lIns="91440" tIns="45720" rIns="91440" bIns="45720" rtlCol="0" anchor="ctr"/>
           <a:lstStyle/>
           <a:p>
-            <a:endParaRPr lang="en-DK"/>
+            <a:endParaRPr lang="aa-ET"/>
           </a:p>
         </p:txBody>
       </p:sp>
@@ -758,7 +758,7 @@
               <a:rPr lang="en-GB"/>
               <a:t>Fifth level</a:t>
             </a:r>
-            <a:endParaRPr lang="en-DK"/>
+            <a:endParaRPr lang="aa-ET"/>
           </a:p>
         </p:txBody>
       </p:sp>
@@ -789,7 +789,7 @@
             </a:lvl1pPr>
           </a:lstStyle>
           <a:p>
-            <a:endParaRPr lang="en-DK"/>
+            <a:endParaRPr lang="aa-ET"/>
           </a:p>
         </p:txBody>
       </p:sp>
@@ -821,10 +821,10 @@
           </a:lstStyle>
           <a:p>
             <a:fld id="{CC384317-2FF9-C745-838D-094DFBA5C4CC}" type="slidenum">
-              <a:rPr lang="en-DK" smtClean="0"/>
-              <a:t>‹#›</a:t>
+              <a:rPr lang="aa-ET" smtClean="0"/>
+              <a:t>‹N°›</a:t>
             </a:fld>
-            <a:endParaRPr lang="en-DK"/>
+            <a:endParaRPr lang="aa-ET"/>
           </a:p>
         </p:txBody>
       </p:sp>
@@ -1131,10 +1131,10 @@
           <a:lstStyle/>
           <a:p>
             <a:fld id="{C1520061-EEF2-4648-A61C-FD1D344FB2F0}" type="datetimeFigureOut">
-              <a:rPr lang="en-DK" smtClean="0"/>
-              <a:t>11/22/2021</a:t>
+              <a:rPr lang="aa-ET" smtClean="0"/>
+              <a:t>24/11/2021</a:t>
             </a:fld>
-            <a:endParaRPr lang="en-DK"/>
+            <a:endParaRPr lang="aa-ET"/>
           </a:p>
         </p:txBody>
       </p:sp>
@@ -1153,7 +1153,7 @@
           <a:bodyPr/>
           <a:lstStyle/>
           <a:p>
-            <a:endParaRPr lang="en-DK"/>
+            <a:endParaRPr lang="aa-ET"/>
           </a:p>
         </p:txBody>
       </p:sp>
@@ -1173,10 +1173,10 @@
           <a:lstStyle/>
           <a:p>
             <a:fld id="{FDB24838-7C19-CC4E-B2E6-66E840BA735D}" type="slidenum">
-              <a:rPr lang="en-DK" smtClean="0"/>
-              <a:t>‹#›</a:t>
+              <a:rPr lang="aa-ET" smtClean="0"/>
+              <a:t>‹N°›</a:t>
             </a:fld>
-            <a:endParaRPr lang="en-DK"/>
+            <a:endParaRPr lang="aa-ET"/>
           </a:p>
         </p:txBody>
       </p:sp>
@@ -1301,10 +1301,10 @@
           <a:lstStyle/>
           <a:p>
             <a:fld id="{C1520061-EEF2-4648-A61C-FD1D344FB2F0}" type="datetimeFigureOut">
-              <a:rPr lang="en-DK" smtClean="0"/>
-              <a:t>11/22/2021</a:t>
+              <a:rPr lang="aa-ET" smtClean="0"/>
+              <a:t>24/11/2021</a:t>
             </a:fld>
-            <a:endParaRPr lang="en-DK"/>
+            <a:endParaRPr lang="aa-ET"/>
           </a:p>
         </p:txBody>
       </p:sp>
@@ -1323,7 +1323,7 @@
           <a:bodyPr/>
           <a:lstStyle/>
           <a:p>
-            <a:endParaRPr lang="en-DK"/>
+            <a:endParaRPr lang="aa-ET"/>
           </a:p>
         </p:txBody>
       </p:sp>
@@ -1343,10 +1343,10 @@
           <a:lstStyle/>
           <a:p>
             <a:fld id="{FDB24838-7C19-CC4E-B2E6-66E840BA735D}" type="slidenum">
-              <a:rPr lang="en-DK" smtClean="0"/>
-              <a:t>‹#›</a:t>
+              <a:rPr lang="aa-ET" smtClean="0"/>
+              <a:t>‹N°›</a:t>
             </a:fld>
-            <a:endParaRPr lang="en-DK"/>
+            <a:endParaRPr lang="aa-ET"/>
           </a:p>
         </p:txBody>
       </p:sp>
@@ -1481,10 +1481,10 @@
           <a:lstStyle/>
           <a:p>
             <a:fld id="{C1520061-EEF2-4648-A61C-FD1D344FB2F0}" type="datetimeFigureOut">
-              <a:rPr lang="en-DK" smtClean="0"/>
-              <a:t>11/22/2021</a:t>
+              <a:rPr lang="aa-ET" smtClean="0"/>
+              <a:t>24/11/2021</a:t>
             </a:fld>
-            <a:endParaRPr lang="en-DK"/>
+            <a:endParaRPr lang="aa-ET"/>
           </a:p>
         </p:txBody>
       </p:sp>
@@ -1503,7 +1503,7 @@
           <a:bodyPr/>
           <a:lstStyle/>
           <a:p>
-            <a:endParaRPr lang="en-DK"/>
+            <a:endParaRPr lang="aa-ET"/>
           </a:p>
         </p:txBody>
       </p:sp>
@@ -1523,10 +1523,10 @@
           <a:lstStyle/>
           <a:p>
             <a:fld id="{FDB24838-7C19-CC4E-B2E6-66E840BA735D}" type="slidenum">
-              <a:rPr lang="en-DK" smtClean="0"/>
-              <a:t>‹#›</a:t>
+              <a:rPr lang="aa-ET" smtClean="0"/>
+              <a:t>‹N°›</a:t>
             </a:fld>
-            <a:endParaRPr lang="en-DK"/>
+            <a:endParaRPr lang="aa-ET"/>
           </a:p>
         </p:txBody>
       </p:sp>
@@ -1651,10 +1651,10 @@
           <a:lstStyle/>
           <a:p>
             <a:fld id="{C1520061-EEF2-4648-A61C-FD1D344FB2F0}" type="datetimeFigureOut">
-              <a:rPr lang="en-DK" smtClean="0"/>
-              <a:t>11/22/2021</a:t>
+              <a:rPr lang="aa-ET" smtClean="0"/>
+              <a:t>24/11/2021</a:t>
             </a:fld>
-            <a:endParaRPr lang="en-DK"/>
+            <a:endParaRPr lang="aa-ET"/>
           </a:p>
         </p:txBody>
       </p:sp>
@@ -1673,7 +1673,7 @@
           <a:bodyPr/>
           <a:lstStyle/>
           <a:p>
-            <a:endParaRPr lang="en-DK"/>
+            <a:endParaRPr lang="aa-ET"/>
           </a:p>
         </p:txBody>
       </p:sp>
@@ -1693,10 +1693,10 @@
           <a:lstStyle/>
           <a:p>
             <a:fld id="{FDB24838-7C19-CC4E-B2E6-66E840BA735D}" type="slidenum">
-              <a:rPr lang="en-DK" smtClean="0"/>
-              <a:t>‹#›</a:t>
+              <a:rPr lang="aa-ET" smtClean="0"/>
+              <a:t>‹N°›</a:t>
             </a:fld>
-            <a:endParaRPr lang="en-DK"/>
+            <a:endParaRPr lang="aa-ET"/>
           </a:p>
         </p:txBody>
       </p:sp>
@@ -1895,10 +1895,10 @@
           <a:lstStyle/>
           <a:p>
             <a:fld id="{C1520061-EEF2-4648-A61C-FD1D344FB2F0}" type="datetimeFigureOut">
-              <a:rPr lang="en-DK" smtClean="0"/>
-              <a:t>11/22/2021</a:t>
+              <a:rPr lang="aa-ET" smtClean="0"/>
+              <a:t>24/11/2021</a:t>
             </a:fld>
-            <a:endParaRPr lang="en-DK"/>
+            <a:endParaRPr lang="aa-ET"/>
           </a:p>
         </p:txBody>
       </p:sp>
@@ -1917,7 +1917,7 @@
           <a:bodyPr/>
           <a:lstStyle/>
           <a:p>
-            <a:endParaRPr lang="en-DK"/>
+            <a:endParaRPr lang="aa-ET"/>
           </a:p>
         </p:txBody>
       </p:sp>
@@ -1937,10 +1937,10 @@
           <a:lstStyle/>
           <a:p>
             <a:fld id="{FDB24838-7C19-CC4E-B2E6-66E840BA735D}" type="slidenum">
-              <a:rPr lang="en-DK" smtClean="0"/>
-              <a:t>‹#›</a:t>
+              <a:rPr lang="aa-ET" smtClean="0"/>
+              <a:t>‹N°›</a:t>
             </a:fld>
-            <a:endParaRPr lang="en-DK"/>
+            <a:endParaRPr lang="aa-ET"/>
           </a:p>
         </p:txBody>
       </p:sp>
@@ -2127,10 +2127,10 @@
           <a:lstStyle/>
           <a:p>
             <a:fld id="{C1520061-EEF2-4648-A61C-FD1D344FB2F0}" type="datetimeFigureOut">
-              <a:rPr lang="en-DK" smtClean="0"/>
-              <a:t>11/22/2021</a:t>
+              <a:rPr lang="aa-ET" smtClean="0"/>
+              <a:t>24/11/2021</a:t>
             </a:fld>
-            <a:endParaRPr lang="en-DK"/>
+            <a:endParaRPr lang="aa-ET"/>
           </a:p>
         </p:txBody>
       </p:sp>
@@ -2149,7 +2149,7 @@
           <a:bodyPr/>
           <a:lstStyle/>
           <a:p>
-            <a:endParaRPr lang="en-DK"/>
+            <a:endParaRPr lang="aa-ET"/>
           </a:p>
         </p:txBody>
       </p:sp>
@@ -2169,10 +2169,10 @@
           <a:lstStyle/>
           <a:p>
             <a:fld id="{FDB24838-7C19-CC4E-B2E6-66E840BA735D}" type="slidenum">
-              <a:rPr lang="en-DK" smtClean="0"/>
-              <a:t>‹#›</a:t>
+              <a:rPr lang="aa-ET" smtClean="0"/>
+              <a:t>‹N°›</a:t>
             </a:fld>
-            <a:endParaRPr lang="en-DK"/>
+            <a:endParaRPr lang="aa-ET"/>
           </a:p>
         </p:txBody>
       </p:sp>
@@ -2494,10 +2494,10 @@
           <a:lstStyle/>
           <a:p>
             <a:fld id="{C1520061-EEF2-4648-A61C-FD1D344FB2F0}" type="datetimeFigureOut">
-              <a:rPr lang="en-DK" smtClean="0"/>
-              <a:t>11/22/2021</a:t>
+              <a:rPr lang="aa-ET" smtClean="0"/>
+              <a:t>24/11/2021</a:t>
             </a:fld>
-            <a:endParaRPr lang="en-DK"/>
+            <a:endParaRPr lang="aa-ET"/>
           </a:p>
         </p:txBody>
       </p:sp>
@@ -2516,7 +2516,7 @@
           <a:bodyPr/>
           <a:lstStyle/>
           <a:p>
-            <a:endParaRPr lang="en-DK"/>
+            <a:endParaRPr lang="aa-ET"/>
           </a:p>
         </p:txBody>
       </p:sp>
@@ -2536,10 +2536,10 @@
           <a:lstStyle/>
           <a:p>
             <a:fld id="{FDB24838-7C19-CC4E-B2E6-66E840BA735D}" type="slidenum">
-              <a:rPr lang="en-DK" smtClean="0"/>
-              <a:t>‹#›</a:t>
+              <a:rPr lang="aa-ET" smtClean="0"/>
+              <a:t>‹N°›</a:t>
             </a:fld>
-            <a:endParaRPr lang="en-DK"/>
+            <a:endParaRPr lang="aa-ET"/>
           </a:p>
         </p:txBody>
       </p:sp>
@@ -2612,10 +2612,10 @@
           <a:lstStyle/>
           <a:p>
             <a:fld id="{C1520061-EEF2-4648-A61C-FD1D344FB2F0}" type="datetimeFigureOut">
-              <a:rPr lang="en-DK" smtClean="0"/>
-              <a:t>11/22/2021</a:t>
+              <a:rPr lang="aa-ET" smtClean="0"/>
+              <a:t>24/11/2021</a:t>
             </a:fld>
-            <a:endParaRPr lang="en-DK"/>
+            <a:endParaRPr lang="aa-ET"/>
           </a:p>
         </p:txBody>
       </p:sp>
@@ -2634,7 +2634,7 @@
           <a:bodyPr/>
           <a:lstStyle/>
           <a:p>
-            <a:endParaRPr lang="en-DK"/>
+            <a:endParaRPr lang="aa-ET"/>
           </a:p>
         </p:txBody>
       </p:sp>
@@ -2654,10 +2654,10 @@
           <a:lstStyle/>
           <a:p>
             <a:fld id="{FDB24838-7C19-CC4E-B2E6-66E840BA735D}" type="slidenum">
-              <a:rPr lang="en-DK" smtClean="0"/>
-              <a:t>‹#›</a:t>
+              <a:rPr lang="aa-ET" smtClean="0"/>
+              <a:t>‹N°›</a:t>
             </a:fld>
-            <a:endParaRPr lang="en-DK"/>
+            <a:endParaRPr lang="aa-ET"/>
           </a:p>
         </p:txBody>
       </p:sp>
@@ -2707,10 +2707,10 @@
           <a:lstStyle/>
           <a:p>
             <a:fld id="{C1520061-EEF2-4648-A61C-FD1D344FB2F0}" type="datetimeFigureOut">
-              <a:rPr lang="en-DK" smtClean="0"/>
-              <a:t>11/22/2021</a:t>
+              <a:rPr lang="aa-ET" smtClean="0"/>
+              <a:t>24/11/2021</a:t>
             </a:fld>
-            <a:endParaRPr lang="en-DK"/>
+            <a:endParaRPr lang="aa-ET"/>
           </a:p>
         </p:txBody>
       </p:sp>
@@ -2729,7 +2729,7 @@
           <a:bodyPr/>
           <a:lstStyle/>
           <a:p>
-            <a:endParaRPr lang="en-DK"/>
+            <a:endParaRPr lang="aa-ET"/>
           </a:p>
         </p:txBody>
       </p:sp>
@@ -2749,10 +2749,10 @@
           <a:lstStyle/>
           <a:p>
             <a:fld id="{FDB24838-7C19-CC4E-B2E6-66E840BA735D}" type="slidenum">
-              <a:rPr lang="en-DK" smtClean="0"/>
-              <a:t>‹#›</a:t>
+              <a:rPr lang="aa-ET" smtClean="0"/>
+              <a:t>‹N°›</a:t>
             </a:fld>
-            <a:endParaRPr lang="en-DK"/>
+            <a:endParaRPr lang="aa-ET"/>
           </a:p>
         </p:txBody>
       </p:sp>
@@ -2984,10 +2984,10 @@
           <a:lstStyle/>
           <a:p>
             <a:fld id="{C1520061-EEF2-4648-A61C-FD1D344FB2F0}" type="datetimeFigureOut">
-              <a:rPr lang="en-DK" smtClean="0"/>
-              <a:t>11/22/2021</a:t>
+              <a:rPr lang="aa-ET" smtClean="0"/>
+              <a:t>24/11/2021</a:t>
             </a:fld>
-            <a:endParaRPr lang="en-DK"/>
+            <a:endParaRPr lang="aa-ET"/>
           </a:p>
         </p:txBody>
       </p:sp>
@@ -3006,7 +3006,7 @@
           <a:bodyPr/>
           <a:lstStyle/>
           <a:p>
-            <a:endParaRPr lang="en-DK"/>
+            <a:endParaRPr lang="aa-ET"/>
           </a:p>
         </p:txBody>
       </p:sp>
@@ -3026,10 +3026,10 @@
           <a:lstStyle/>
           <a:p>
             <a:fld id="{FDB24838-7C19-CC4E-B2E6-66E840BA735D}" type="slidenum">
-              <a:rPr lang="en-DK" smtClean="0"/>
-              <a:t>‹#›</a:t>
+              <a:rPr lang="aa-ET" smtClean="0"/>
+              <a:t>‹N°›</a:t>
             </a:fld>
-            <a:endParaRPr lang="en-DK"/>
+            <a:endParaRPr lang="aa-ET"/>
           </a:p>
         </p:txBody>
       </p:sp>
@@ -3241,10 +3241,10 @@
           <a:lstStyle/>
           <a:p>
             <a:fld id="{C1520061-EEF2-4648-A61C-FD1D344FB2F0}" type="datetimeFigureOut">
-              <a:rPr lang="en-DK" smtClean="0"/>
-              <a:t>11/22/2021</a:t>
+              <a:rPr lang="aa-ET" smtClean="0"/>
+              <a:t>24/11/2021</a:t>
             </a:fld>
-            <a:endParaRPr lang="en-DK"/>
+            <a:endParaRPr lang="aa-ET"/>
           </a:p>
         </p:txBody>
       </p:sp>
@@ -3263,7 +3263,7 @@
           <a:bodyPr/>
           <a:lstStyle/>
           <a:p>
-            <a:endParaRPr lang="en-DK"/>
+            <a:endParaRPr lang="aa-ET"/>
           </a:p>
         </p:txBody>
       </p:sp>
@@ -3283,10 +3283,10 @@
           <a:lstStyle/>
           <a:p>
             <a:fld id="{FDB24838-7C19-CC4E-B2E6-66E840BA735D}" type="slidenum">
-              <a:rPr lang="en-DK" smtClean="0"/>
-              <a:t>‹#›</a:t>
+              <a:rPr lang="aa-ET" smtClean="0"/>
+              <a:t>‹N°›</a:t>
             </a:fld>
-            <a:endParaRPr lang="en-DK"/>
+            <a:endParaRPr lang="aa-ET"/>
           </a:p>
         </p:txBody>
       </p:sp>
@@ -3454,10 +3454,10 @@
           </a:lstStyle>
           <a:p>
             <a:fld id="{C1520061-EEF2-4648-A61C-FD1D344FB2F0}" type="datetimeFigureOut">
-              <a:rPr lang="en-DK" smtClean="0"/>
-              <a:t>11/22/2021</a:t>
+              <a:rPr lang="aa-ET" smtClean="0"/>
+              <a:t>24/11/2021</a:t>
             </a:fld>
-            <a:endParaRPr lang="en-DK"/>
+            <a:endParaRPr lang="aa-ET"/>
           </a:p>
         </p:txBody>
       </p:sp>
@@ -3494,7 +3494,7 @@
             </a:lvl1pPr>
           </a:lstStyle>
           <a:p>
-            <a:endParaRPr lang="en-DK"/>
+            <a:endParaRPr lang="aa-ET"/>
           </a:p>
         </p:txBody>
       </p:sp>
@@ -3532,10 +3532,10 @@
           </a:lstStyle>
           <a:p>
             <a:fld id="{FDB24838-7C19-CC4E-B2E6-66E840BA735D}" type="slidenum">
-              <a:rPr lang="en-DK" smtClean="0"/>
-              <a:t>‹#›</a:t>
+              <a:rPr lang="aa-ET" smtClean="0"/>
+              <a:t>‹N°›</a:t>
             </a:fld>
-            <a:endParaRPr lang="en-DK"/>
+            <a:endParaRPr lang="aa-ET"/>
           </a:p>
         </p:txBody>
       </p:sp>
@@ -3870,7 +3870,7 @@
         </p:nvSpPr>
         <p:spPr bwMode="auto">
           <a:xfrm>
-            <a:off x="3189788" y="597043"/>
+            <a:off x="3195226" y="234140"/>
             <a:ext cx="17938744" cy="2098083"/>
           </a:xfrm>
           <a:prstGeom prst="rect">
@@ -3901,8 +3901,9 @@
                     </a:schemeClr>
                   </a:outerShdw>
                 </a:effectLst>
+                <a:latin typeface="Arial" panose="020B0604020202020204" pitchFamily="34" charset="0"/>
                 <a:ea typeface="+mn-lt"/>
-                <a:cs typeface="+mn-lt"/>
+                <a:cs typeface="Arial" panose="020B0604020202020204" pitchFamily="34" charset="0"/>
               </a:rPr>
               <a:t>Prediction of TCR-</a:t>
             </a:r>
@@ -3916,8 +3917,9 @@
                     </a:schemeClr>
                   </a:outerShdw>
                 </a:effectLst>
+                <a:latin typeface="Arial" panose="020B0604020202020204" pitchFamily="34" charset="0"/>
                 <a:ea typeface="+mn-lt"/>
-                <a:cs typeface="+mn-lt"/>
+                <a:cs typeface="Arial" panose="020B0604020202020204" pitchFamily="34" charset="0"/>
               </a:rPr>
               <a:t>pMHC</a:t>
             </a:r>
@@ -3931,8 +3933,9 @@
                     </a:schemeClr>
                   </a:outerShdw>
                 </a:effectLst>
+                <a:latin typeface="Arial" panose="020B0604020202020204" pitchFamily="34" charset="0"/>
                 <a:ea typeface="+mn-lt"/>
-                <a:cs typeface="+mn-lt"/>
+                <a:cs typeface="Arial" panose="020B0604020202020204" pitchFamily="34" charset="0"/>
               </a:rPr>
               <a:t> interactions using molecular modeling and recurrent networks</a:t>
             </a:r>
@@ -3946,13 +3949,16 @@
                     </a:schemeClr>
                   </a:outerShdw>
                 </a:effectLst>
-                <a:latin typeface="Arial"/>
+                <a:latin typeface="Arial" panose="020B0604020202020204" pitchFamily="34" charset="0"/>
                 <a:ea typeface="Verdana"/>
-                <a:cs typeface="Arial"/>
+                <a:cs typeface="Arial" panose="020B0604020202020204" pitchFamily="34" charset="0"/>
               </a:rPr>
               <a:t> </a:t>
             </a:r>
-            <a:endParaRPr lang="da-DK" dirty="0"/>
+            <a:endParaRPr lang="da-DK" dirty="0">
+              <a:latin typeface="Arial" panose="020B0604020202020204" pitchFamily="34" charset="0"/>
+              <a:cs typeface="Arial" panose="020B0604020202020204" pitchFamily="34" charset="0"/>
+            </a:endParaRPr>
           </a:p>
         </p:txBody>
       </p:sp>
@@ -3966,8 +3972,8 @@
         </p:nvSpPr>
         <p:spPr bwMode="auto">
           <a:xfrm>
-            <a:off x="4520052" y="3048779"/>
-            <a:ext cx="15277831" cy="930923"/>
+            <a:off x="4525682" y="2839332"/>
+            <a:ext cx="15277831" cy="1146367"/>
           </a:xfrm>
           <a:prstGeom prst="rect">
             <a:avLst/>
@@ -3999,8 +4005,8 @@
                 <a:solidFill>
                   <a:srgbClr val="000000"/>
                 </a:solidFill>
-                <a:latin typeface="Arial"/>
-                <a:cs typeface="Arial"/>
+                <a:latin typeface="Arial" panose="020B0604020202020204" pitchFamily="34" charset="0"/>
+                <a:cs typeface="Arial" panose="020B0604020202020204" pitchFamily="34" charset="0"/>
               </a:rPr>
               <a:t>Ella Hedeboe s211253, Henrietta Holze s215945, Christian Johansen s202770, Paul Simon s202592</a:t>
             </a:r>
@@ -4014,12 +4020,44 @@
                 <a:spcPct val="5000"/>
               </a:spcAft>
             </a:pPr>
+            <a:r>
+              <a:rPr lang="en-US" altLang="en-US" sz="4000" baseline="30000" dirty="0">
+                <a:solidFill>
+                  <a:srgbClr val="000000"/>
+                </a:solidFill>
+                <a:latin typeface="Arial" panose="020B0604020202020204" pitchFamily="34" charset="0"/>
+                <a:cs typeface="Arial" panose="020B0604020202020204" pitchFamily="34" charset="0"/>
+                <a:hlinkClick r:id="rId3"/>
+              </a:rPr>
+              <a:t>https://</a:t>
+            </a:r>
+            <a:r>
+              <a:rPr lang="en-US" altLang="en-US" sz="4000" baseline="30000" dirty="0" smtClean="0">
+                <a:solidFill>
+                  <a:srgbClr val="000000"/>
+                </a:solidFill>
+                <a:latin typeface="Arial" panose="020B0604020202020204" pitchFamily="34" charset="0"/>
+                <a:cs typeface="Arial" panose="020B0604020202020204" pitchFamily="34" charset="0"/>
+                <a:hlinkClick r:id="rId3"/>
+              </a:rPr>
+              <a:t>github.com/HenriettaHolze/TCR-pMHC-prediction</a:t>
+            </a:r>
+            <a:r>
+              <a:rPr lang="en-US" altLang="en-US" sz="4000" dirty="0" smtClean="0">
+                <a:solidFill>
+                  <a:srgbClr val="000000"/>
+                </a:solidFill>
+                <a:latin typeface="Arial" panose="020B0604020202020204" pitchFamily="34" charset="0"/>
+                <a:cs typeface="Arial" panose="020B0604020202020204" pitchFamily="34" charset="0"/>
+              </a:rPr>
+              <a:t> </a:t>
+            </a:r>
             <a:endParaRPr lang="en-US" altLang="en-US" sz="4000" baseline="30000" dirty="0">
               <a:solidFill>
                 <a:srgbClr val="000000"/>
               </a:solidFill>
-              <a:latin typeface="Arial" charset="0"/>
-              <a:cs typeface="Arial"/>
+              <a:latin typeface="Arial" panose="020B0604020202020204" pitchFamily="34" charset="0"/>
+              <a:cs typeface="Arial" panose="020B0604020202020204" pitchFamily="34" charset="0"/>
             </a:endParaRPr>
           </a:p>
         </p:txBody>
@@ -4054,7 +4092,10 @@
           </a:bodyPr>
           <a:lstStyle/>
           <a:p>
-            <a:endParaRPr lang="en-US" sz="1238"/>
+            <a:endParaRPr lang="en-US" sz="1238">
+              <a:latin typeface="Arial" panose="020B0604020202020204" pitchFamily="34" charset="0"/>
+              <a:cs typeface="Arial" panose="020B0604020202020204" pitchFamily="34" charset="0"/>
+            </a:endParaRPr>
           </a:p>
         </p:txBody>
       </p:sp>
@@ -4088,7 +4129,10 @@
           </a:bodyPr>
           <a:lstStyle/>
           <a:p>
-            <a:endParaRPr lang="en-US" sz="1238"/>
+            <a:endParaRPr lang="en-US" sz="1238">
+              <a:latin typeface="Arial" panose="020B0604020202020204" pitchFamily="34" charset="0"/>
+              <a:cs typeface="Arial" panose="020B0604020202020204" pitchFamily="34" charset="0"/>
+            </a:endParaRPr>
           </a:p>
         </p:txBody>
       </p:sp>
@@ -4097,7 +4141,7 @@
           <p:cNvPr id="24" name="Straight Connector 23">
             <a:extLst>
               <a:ext uri="{FF2B5EF4-FFF2-40B4-BE49-F238E27FC236}">
-                <a16:creationId xmlns:a16="http://schemas.microsoft.com/office/drawing/2014/main" id="{3CD061AB-8876-704F-BE6A-E397F33852E1}"/>
+                <a16:creationId xmlns:a16="http://schemas.microsoft.com/office/drawing/2014/main" xmlns="" id="{3CD061AB-8876-704F-BE6A-E397F33852E1}"/>
               </a:ext>
             </a:extLst>
           </p:cNvPr>
@@ -4135,55 +4179,12 @@
           </a:fontRef>
         </p:style>
       </p:cxnSp>
-      <p:cxnSp>
-        <p:nvCxnSpPr>
-          <p:cNvPr id="202" name="Straight Connector 201">
-            <a:extLst>
-              <a:ext uri="{FF2B5EF4-FFF2-40B4-BE49-F238E27FC236}">
-                <a16:creationId xmlns:a16="http://schemas.microsoft.com/office/drawing/2014/main" id="{8F910816-332F-6842-86AE-2FE0275FD56A}"/>
-              </a:ext>
-            </a:extLst>
-          </p:cNvPr>
-          <p:cNvCxnSpPr>
-            <a:cxnSpLocks/>
-          </p:cNvCxnSpPr>
-          <p:nvPr/>
-        </p:nvCxnSpPr>
-        <p:spPr>
-          <a:xfrm>
-            <a:off x="-10390" y="28901179"/>
-            <a:ext cx="21408967" cy="0"/>
-          </a:xfrm>
-          <a:prstGeom prst="line">
-            <a:avLst/>
-          </a:prstGeom>
-          <a:ln w="63500">
-            <a:solidFill>
-              <a:srgbClr val="990000"/>
-            </a:solidFill>
-          </a:ln>
-        </p:spPr>
-        <p:style>
-          <a:lnRef idx="1">
-            <a:schemeClr val="accent1"/>
-          </a:lnRef>
-          <a:fillRef idx="0">
-            <a:schemeClr val="accent1"/>
-          </a:fillRef>
-          <a:effectRef idx="0">
-            <a:schemeClr val="accent1"/>
-          </a:effectRef>
-          <a:fontRef idx="minor">
-            <a:schemeClr val="tx1"/>
-          </a:fontRef>
-        </p:style>
-      </p:cxnSp>
       <p:sp>
         <p:nvSpPr>
           <p:cNvPr id="128" name="Round Same Side Corner Rectangle 137">
             <a:extLst>
               <a:ext uri="{FF2B5EF4-FFF2-40B4-BE49-F238E27FC236}">
-                <a16:creationId xmlns:a16="http://schemas.microsoft.com/office/drawing/2014/main" id="{85003210-220B-9A49-8091-B1A85DD76CE8}"/>
+                <a16:creationId xmlns:a16="http://schemas.microsoft.com/office/drawing/2014/main" xmlns="" id="{85003210-220B-9A49-8091-B1A85DD76CE8}"/>
               </a:ext>
             </a:extLst>
           </p:cNvPr>
@@ -4233,9 +4234,9 @@
             <a:pPr algn="ctr"/>
             <a:r>
               <a:rPr lang="en-US" sz="3200" b="1" dirty="0">
-                <a:latin typeface="Arial" charset="0"/>
+                <a:latin typeface="Arial" panose="020B0604020202020204" pitchFamily="34" charset="0"/>
                 <a:ea typeface="Arial" charset="0"/>
-                <a:cs typeface="Arial" charset="0"/>
+                <a:cs typeface="Arial" panose="020B0604020202020204" pitchFamily="34" charset="0"/>
               </a:rPr>
               <a:t>Introduction</a:t>
             </a:r>
@@ -4247,7 +4248,7 @@
           <p:cNvPr id="129" name="Round Same Side Corner Rectangle 137">
             <a:extLst>
               <a:ext uri="{FF2B5EF4-FFF2-40B4-BE49-F238E27FC236}">
-                <a16:creationId xmlns:a16="http://schemas.microsoft.com/office/drawing/2014/main" id="{7226A277-A8A7-9549-8FCF-1175CB0CE7B6}"/>
+                <a16:creationId xmlns:a16="http://schemas.microsoft.com/office/drawing/2014/main" xmlns="" id="{7226A277-A8A7-9549-8FCF-1175CB0CE7B6}"/>
               </a:ext>
             </a:extLst>
           </p:cNvPr>
@@ -4297,9 +4298,9 @@
             <a:pPr algn="ctr"/>
             <a:r>
               <a:rPr lang="en-US" sz="3200" b="1" dirty="0">
-                <a:latin typeface="Arial" charset="0"/>
+                <a:latin typeface="Arial" panose="020B0604020202020204" pitchFamily="34" charset="0"/>
                 <a:ea typeface="Arial" charset="0"/>
-                <a:cs typeface="Arial" charset="0"/>
+                <a:cs typeface="Arial" panose="020B0604020202020204" pitchFamily="34" charset="0"/>
               </a:rPr>
               <a:t>Methods</a:t>
             </a:r>
@@ -4311,7 +4312,7 @@
           <p:cNvPr id="130" name="Round Same Side Corner Rectangle 137">
             <a:extLst>
               <a:ext uri="{FF2B5EF4-FFF2-40B4-BE49-F238E27FC236}">
-                <a16:creationId xmlns:a16="http://schemas.microsoft.com/office/drawing/2014/main" id="{0D73ACE7-C686-234D-9978-B3229B92843A}"/>
+                <a16:creationId xmlns:a16="http://schemas.microsoft.com/office/drawing/2014/main" xmlns="" id="{0D73ACE7-C686-234D-9978-B3229B92843A}"/>
               </a:ext>
             </a:extLst>
           </p:cNvPr>
@@ -4361,9 +4362,9 @@
             <a:pPr algn="ctr"/>
             <a:r>
               <a:rPr lang="en-US" sz="3200" b="1" dirty="0">
-                <a:latin typeface="Arial" charset="0"/>
+                <a:latin typeface="Arial" panose="020B0604020202020204" pitchFamily="34" charset="0"/>
                 <a:ea typeface="Arial" charset="0"/>
-                <a:cs typeface="Arial" charset="0"/>
+                <a:cs typeface="Arial" panose="020B0604020202020204" pitchFamily="34" charset="0"/>
               </a:rPr>
               <a:t>Results</a:t>
             </a:r>
@@ -4375,7 +4376,7 @@
           <p:cNvPr id="91" name="TextBox 90">
             <a:extLst>
               <a:ext uri="{FF2B5EF4-FFF2-40B4-BE49-F238E27FC236}">
-                <a16:creationId xmlns:a16="http://schemas.microsoft.com/office/drawing/2014/main" id="{CE8C58B8-C0BC-CE41-9C20-5C588C41F47C}"/>
+                <a16:creationId xmlns:a16="http://schemas.microsoft.com/office/drawing/2014/main" xmlns="" id="{CE8C58B8-C0BC-CE41-9C20-5C588C41F47C}"/>
               </a:ext>
             </a:extLst>
           </p:cNvPr>
@@ -4384,7 +4385,7 @@
         </p:nvSpPr>
         <p:spPr>
           <a:xfrm>
-            <a:off x="20051666" y="2730424"/>
+            <a:off x="20165285" y="2953656"/>
             <a:ext cx="1536700" cy="1200329"/>
           </a:xfrm>
           <a:prstGeom prst="rect">
@@ -4399,19 +4400,26 @@
           <a:lstStyle/>
           <a:p>
             <a:r>
-              <a:rPr lang="en-GB" dirty="0"/>
+              <a:rPr lang="en-GB" dirty="0">
+                <a:latin typeface="Arial" panose="020B0604020202020204" pitchFamily="34" charset="0"/>
+                <a:cs typeface="Arial" panose="020B0604020202020204" pitchFamily="34" charset="0"/>
+              </a:rPr>
               <a:t>H</a:t>
             </a:r>
             <a:r>
-              <a:rPr lang="en-DK" dirty="0"/>
+              <a:rPr lang="aa-ET" dirty="0">
+                <a:latin typeface="Arial" panose="020B0604020202020204" pitchFamily="34" charset="0"/>
+                <a:cs typeface="Arial" panose="020B0604020202020204" pitchFamily="34" charset="0"/>
+              </a:rPr>
               <a:t>ex code color </a:t>
             </a:r>
           </a:p>
           <a:p>
             <a:r>
               <a:rPr lang="en-GB" dirty="0">
+                <a:latin typeface="Arial" panose="020B0604020202020204" pitchFamily="34" charset="0"/>
                 <a:ea typeface="+mn-lt"/>
-                <a:cs typeface="+mn-lt"/>
+                <a:cs typeface="Arial" panose="020B0604020202020204" pitchFamily="34" charset="0"/>
               </a:rPr>
               <a:t>#990000</a:t>
             </a:r>
@@ -4419,12 +4427,16 @@
           <a:p>
             <a:r>
               <a:rPr lang="en-GB" dirty="0">
+                <a:latin typeface="Arial" panose="020B0604020202020204" pitchFamily="34" charset="0"/>
                 <a:ea typeface="+mn-lt"/>
-                <a:cs typeface="+mn-lt"/>
+                <a:cs typeface="Arial" panose="020B0604020202020204" pitchFamily="34" charset="0"/>
               </a:rPr>
               <a:t>#2F3EEA</a:t>
             </a:r>
-            <a:endParaRPr lang="en-GB" dirty="0"/>
+            <a:endParaRPr lang="en-GB" dirty="0">
+              <a:latin typeface="Arial" panose="020B0604020202020204" pitchFamily="34" charset="0"/>
+              <a:cs typeface="Arial" panose="020B0604020202020204" pitchFamily="34" charset="0"/>
+            </a:endParaRPr>
           </a:p>
         </p:txBody>
       </p:sp>
@@ -4433,7 +4445,7 @@
           <p:cNvPr id="3" name="Billede 6">
             <a:extLst>
               <a:ext uri="{FF2B5EF4-FFF2-40B4-BE49-F238E27FC236}">
-                <a16:creationId xmlns:a16="http://schemas.microsoft.com/office/drawing/2014/main" id="{79D342DF-0A65-4821-8F47-A3CE1793E1E6}"/>
+                <a16:creationId xmlns:a16="http://schemas.microsoft.com/office/drawing/2014/main" xmlns="" id="{79D342DF-0A65-4821-8F47-A3CE1793E1E6}"/>
               </a:ext>
             </a:extLst>
           </p:cNvPr>
@@ -4443,7 +4455,7 @@
           <p:nvPr/>
         </p:nvPicPr>
         <p:blipFill>
-          <a:blip r:embed="rId3"/>
+          <a:blip r:embed="rId4"/>
           <a:stretch>
             <a:fillRect/>
           </a:stretch>
@@ -4463,7 +4475,7 @@
           <p:cNvPr id="4" name="Rectangle 3">
             <a:extLst>
               <a:ext uri="{FF2B5EF4-FFF2-40B4-BE49-F238E27FC236}">
-                <a16:creationId xmlns:a16="http://schemas.microsoft.com/office/drawing/2014/main" id="{4D164955-C0E8-4C09-BF90-A5C4DE447B0C}"/>
+                <a16:creationId xmlns:a16="http://schemas.microsoft.com/office/drawing/2014/main" xmlns="" id="{4D164955-C0E8-4C09-BF90-A5C4DE447B0C}"/>
               </a:ext>
             </a:extLst>
           </p:cNvPr>
@@ -4472,8 +4484,8 @@
         </p:nvSpPr>
         <p:spPr>
           <a:xfrm>
-            <a:off x="8377049" y="13493122"/>
-            <a:ext cx="2553570" cy="697513"/>
+            <a:off x="9039001" y="12060461"/>
+            <a:ext cx="1654969" cy="697513"/>
           </a:xfrm>
           <a:prstGeom prst="rect">
             <a:avLst/>
@@ -4513,18 +4525,11 @@
                 <a:solidFill>
                   <a:schemeClr val="tx1"/>
                 </a:solidFill>
-                <a:latin typeface="Arial"/>
-                <a:cs typeface="Calibri"/>
+                <a:latin typeface="Arial" panose="020B0604020202020204" pitchFamily="34" charset="0"/>
+                <a:cs typeface="Arial" panose="020B0604020202020204" pitchFamily="34" charset="0"/>
               </a:rPr>
               <a:t>Bi-directional LSTM</a:t>
             </a:r>
-            <a:endParaRPr lang="en-GB">
-              <a:solidFill>
-                <a:schemeClr val="tx1"/>
-              </a:solidFill>
-              <a:latin typeface="Arial"/>
-              <a:cs typeface="Arial"/>
-            </a:endParaRPr>
           </a:p>
         </p:txBody>
       </p:sp>
@@ -4533,7 +4538,7 @@
           <p:cNvPr id="17" name="Rectangle 16">
             <a:extLst>
               <a:ext uri="{FF2B5EF4-FFF2-40B4-BE49-F238E27FC236}">
-                <a16:creationId xmlns:a16="http://schemas.microsoft.com/office/drawing/2014/main" id="{67CAF441-CC34-4360-BF11-287A0103A8F8}"/>
+                <a16:creationId xmlns:a16="http://schemas.microsoft.com/office/drawing/2014/main" xmlns="" id="{67CAF441-CC34-4360-BF11-287A0103A8F8}"/>
               </a:ext>
             </a:extLst>
           </p:cNvPr>
@@ -4542,8 +4547,8 @@
         </p:nvSpPr>
         <p:spPr>
           <a:xfrm>
-            <a:off x="4592274" y="13493123"/>
-            <a:ext cx="2553570" cy="697513"/>
+            <a:off x="7570541" y="12056799"/>
+            <a:ext cx="828864" cy="697513"/>
           </a:xfrm>
           <a:prstGeom prst="rect">
             <a:avLst/>
@@ -4583,12 +4588,15 @@
                 <a:solidFill>
                   <a:schemeClr val="tx1"/>
                 </a:solidFill>
-                <a:latin typeface="Arial"/>
-                <a:cs typeface="Calibri"/>
+                <a:latin typeface="Arial" panose="020B0604020202020204" pitchFamily="34" charset="0"/>
+                <a:cs typeface="Arial" panose="020B0604020202020204" pitchFamily="34" charset="0"/>
               </a:rPr>
               <a:t>CNN</a:t>
             </a:r>
-            <a:endParaRPr lang="en-US" dirty="0"/>
+            <a:endParaRPr lang="en-US" dirty="0">
+              <a:latin typeface="Arial" panose="020B0604020202020204" pitchFamily="34" charset="0"/>
+              <a:cs typeface="Arial" panose="020B0604020202020204" pitchFamily="34" charset="0"/>
+            </a:endParaRPr>
           </a:p>
         </p:txBody>
       </p:sp>
@@ -4597,7 +4605,7 @@
           <p:cNvPr id="18" name="Rectangle 17">
             <a:extLst>
               <a:ext uri="{FF2B5EF4-FFF2-40B4-BE49-F238E27FC236}">
-                <a16:creationId xmlns:a16="http://schemas.microsoft.com/office/drawing/2014/main" id="{A11F58A7-6D7F-4558-989F-21EF31BF5A87}"/>
+                <a16:creationId xmlns:a16="http://schemas.microsoft.com/office/drawing/2014/main" xmlns="" id="{A11F58A7-6D7F-4558-989F-21EF31BF5A87}"/>
               </a:ext>
             </a:extLst>
           </p:cNvPr>
@@ -4606,8 +4614,8 @@
         </p:nvSpPr>
         <p:spPr>
           <a:xfrm>
-            <a:off x="12141845" y="13493123"/>
-            <a:ext cx="2553570" cy="697513"/>
+            <a:off x="11341014" y="12060461"/>
+            <a:ext cx="891912" cy="697513"/>
           </a:xfrm>
           <a:prstGeom prst="rect">
             <a:avLst/>
@@ -4647,8 +4655,8 @@
                 <a:solidFill>
                   <a:schemeClr val="tx1"/>
                 </a:solidFill>
-                <a:latin typeface="Arial"/>
-                <a:cs typeface="Calibri"/>
+                <a:latin typeface="Arial" panose="020B0604020202020204" pitchFamily="34" charset="0"/>
+                <a:cs typeface="Arial" panose="020B0604020202020204" pitchFamily="34" charset="0"/>
               </a:rPr>
               <a:t>FFNN</a:t>
             </a:r>
@@ -4660,7 +4668,7 @@
           <p:cNvPr id="19" name="Rectangle 18">
             <a:extLst>
               <a:ext uri="{FF2B5EF4-FFF2-40B4-BE49-F238E27FC236}">
-                <a16:creationId xmlns:a16="http://schemas.microsoft.com/office/drawing/2014/main" id="{7E83F05A-E681-4C38-B5BA-7833319671E3}"/>
+                <a16:creationId xmlns:a16="http://schemas.microsoft.com/office/drawing/2014/main" xmlns="" id="{7E83F05A-E681-4C38-B5BA-7833319671E3}"/>
               </a:ext>
             </a:extLst>
           </p:cNvPr>
@@ -4669,8 +4677,8 @@
         </p:nvSpPr>
         <p:spPr>
           <a:xfrm>
-            <a:off x="4589230" y="14999459"/>
-            <a:ext cx="2553570" cy="697513"/>
+            <a:off x="1785542" y="13297966"/>
+            <a:ext cx="2488042" cy="697513"/>
           </a:xfrm>
           <a:prstGeom prst="rect">
             <a:avLst/>
@@ -4710,12 +4718,45 @@
                 <a:solidFill>
                   <a:schemeClr val="tx1"/>
                 </a:solidFill>
-                <a:latin typeface="Arial"/>
-                <a:cs typeface="Calibri"/>
-              </a:rPr>
-              <a:t>ESM (Transformer)</a:t>
-            </a:r>
-            <a:endParaRPr lang="en-US" dirty="0"/>
+                <a:latin typeface="Arial" panose="020B0604020202020204" pitchFamily="34" charset="0"/>
+                <a:cs typeface="Arial" panose="020B0604020202020204" pitchFamily="34" charset="0"/>
+              </a:rPr>
+              <a:t>ESM </a:t>
+            </a:r>
+            <a:r>
+              <a:rPr lang="en-GB" dirty="0" smtClean="0">
+                <a:solidFill>
+                  <a:schemeClr val="tx1"/>
+                </a:solidFill>
+                <a:latin typeface="Arial" panose="020B0604020202020204" pitchFamily="34" charset="0"/>
+                <a:cs typeface="Arial" panose="020B0604020202020204" pitchFamily="34" charset="0"/>
+              </a:rPr>
+              <a:t>(</a:t>
+            </a:r>
+            <a:r>
+              <a:rPr lang="en-GB" dirty="0">
+                <a:solidFill>
+                  <a:schemeClr val="tx1"/>
+                </a:solidFill>
+                <a:latin typeface="Arial" panose="020B0604020202020204" pitchFamily="34" charset="0"/>
+                <a:cs typeface="Arial" panose="020B0604020202020204" pitchFamily="34" charset="0"/>
+              </a:rPr>
+              <a:t>Transformer</a:t>
+            </a:r>
+            <a:r>
+              <a:rPr lang="en-GB" dirty="0" smtClean="0">
+                <a:solidFill>
+                  <a:schemeClr val="tx1"/>
+                </a:solidFill>
+                <a:latin typeface="Arial" panose="020B0604020202020204" pitchFamily="34" charset="0"/>
+                <a:cs typeface="Arial" panose="020B0604020202020204" pitchFamily="34" charset="0"/>
+              </a:rPr>
+              <a:t>) [3]</a:t>
+            </a:r>
+            <a:endParaRPr lang="en-US" dirty="0">
+              <a:latin typeface="Arial" panose="020B0604020202020204" pitchFamily="34" charset="0"/>
+              <a:cs typeface="Arial" panose="020B0604020202020204" pitchFamily="34" charset="0"/>
+            </a:endParaRPr>
           </a:p>
         </p:txBody>
       </p:sp>
@@ -4724,7 +4765,7 @@
           <p:cNvPr id="6" name="Straight Arrow Connector 5">
             <a:extLst>
               <a:ext uri="{FF2B5EF4-FFF2-40B4-BE49-F238E27FC236}">
-                <a16:creationId xmlns:a16="http://schemas.microsoft.com/office/drawing/2014/main" id="{4BC5C381-EF6A-472E-B50A-6D5600D1C737}"/>
+                <a16:creationId xmlns:a16="http://schemas.microsoft.com/office/drawing/2014/main" xmlns="" id="{4BC5C381-EF6A-472E-B50A-6D5600D1C737}"/>
               </a:ext>
             </a:extLst>
           </p:cNvPr>
@@ -4733,8 +4774,8 @@
         </p:nvCxnSpPr>
         <p:spPr>
           <a:xfrm flipV="1">
-            <a:off x="3385415" y="15312973"/>
-            <a:ext cx="1220432" cy="10033"/>
+            <a:off x="1343025" y="13639161"/>
+            <a:ext cx="442517" cy="643"/>
           </a:xfrm>
           <a:prstGeom prst="straightConnector1">
             <a:avLst/>
@@ -4766,7 +4807,7 @@
           <p:cNvPr id="7" name="TextBox 6">
             <a:extLst>
               <a:ext uri="{FF2B5EF4-FFF2-40B4-BE49-F238E27FC236}">
-                <a16:creationId xmlns:a16="http://schemas.microsoft.com/office/drawing/2014/main" id="{6C496DF2-7979-46AE-9BF9-316CE5C9FBB0}"/>
+                <a16:creationId xmlns:a16="http://schemas.microsoft.com/office/drawing/2014/main" xmlns="" id="{6C496DF2-7979-46AE-9BF9-316CE5C9FBB0}"/>
               </a:ext>
             </a:extLst>
           </p:cNvPr>
@@ -4775,7 +4816,7 @@
         </p:nvSpPr>
         <p:spPr>
           <a:xfrm>
-            <a:off x="2058166" y="14999896"/>
+            <a:off x="111934" y="13299768"/>
             <a:ext cx="1505869" cy="646331"/>
           </a:xfrm>
           <a:prstGeom prst="rect">
@@ -4794,14 +4835,14 @@
           <a:p>
             <a:r>
               <a:rPr lang="en-GB" dirty="0">
-                <a:latin typeface="Arial"/>
-                <a:cs typeface="Arial"/>
+                <a:latin typeface="Arial" panose="020B0604020202020204" pitchFamily="34" charset="0"/>
+                <a:cs typeface="Arial" panose="020B0604020202020204" pitchFamily="34" charset="0"/>
               </a:rPr>
               <a:t>Amino acid sequence</a:t>
             </a:r>
-            <a:endParaRPr lang="en-US">
-              <a:latin typeface="Arial"/>
-              <a:cs typeface="Arial"/>
+            <a:endParaRPr lang="en-US" dirty="0">
+              <a:latin typeface="Arial" panose="020B0604020202020204" pitchFamily="34" charset="0"/>
+              <a:cs typeface="Arial" panose="020B0604020202020204" pitchFamily="34" charset="0"/>
             </a:endParaRPr>
           </a:p>
         </p:txBody>
@@ -4811,7 +4852,7 @@
           <p:cNvPr id="22" name="Straight Arrow Connector 21">
             <a:extLst>
               <a:ext uri="{FF2B5EF4-FFF2-40B4-BE49-F238E27FC236}">
-                <a16:creationId xmlns:a16="http://schemas.microsoft.com/office/drawing/2014/main" id="{D4F35B77-8D7C-46D2-872E-A831E3C3DC00}"/>
+                <a16:creationId xmlns:a16="http://schemas.microsoft.com/office/drawing/2014/main" xmlns="" id="{D4F35B77-8D7C-46D2-872E-A831E3C3DC00}"/>
               </a:ext>
             </a:extLst>
           </p:cNvPr>
@@ -4821,9 +4862,9 @@
           <p:nvPr/>
         </p:nvCxnSpPr>
         <p:spPr>
-          <a:xfrm flipV="1">
-            <a:off x="3374109" y="13839973"/>
-            <a:ext cx="1220432" cy="10033"/>
+          <a:xfrm>
+            <a:off x="6032044" y="12378009"/>
+            <a:ext cx="1534536" cy="1356"/>
           </a:xfrm>
           <a:prstGeom prst="straightConnector1">
             <a:avLst/>
@@ -4855,7 +4896,7 @@
           <p:cNvPr id="23" name="Straight Arrow Connector 22">
             <a:extLst>
               <a:ext uri="{FF2B5EF4-FFF2-40B4-BE49-F238E27FC236}">
-                <a16:creationId xmlns:a16="http://schemas.microsoft.com/office/drawing/2014/main" id="{4A3A8525-500B-468B-B048-01FC4E6A6543}"/>
+                <a16:creationId xmlns:a16="http://schemas.microsoft.com/office/drawing/2014/main" xmlns="" id="{4A3A8525-500B-468B-B048-01FC4E6A6543}"/>
               </a:ext>
             </a:extLst>
           </p:cNvPr>
@@ -4865,9 +4906,9 @@
           <p:nvPr/>
         </p:nvCxnSpPr>
         <p:spPr>
-          <a:xfrm flipV="1">
-            <a:off x="7148694" y="13840052"/>
-            <a:ext cx="1220432" cy="10033"/>
+          <a:xfrm>
+            <a:off x="8399405" y="12384382"/>
+            <a:ext cx="639596" cy="0"/>
           </a:xfrm>
           <a:prstGeom prst="straightConnector1">
             <a:avLst/>
@@ -4894,56 +4935,12 @@
           </a:fontRef>
         </p:style>
       </p:cxnSp>
-      <p:cxnSp>
-        <p:nvCxnSpPr>
-          <p:cNvPr id="25" name="Straight Arrow Connector 24">
-            <a:extLst>
-              <a:ext uri="{FF2B5EF4-FFF2-40B4-BE49-F238E27FC236}">
-                <a16:creationId xmlns:a16="http://schemas.microsoft.com/office/drawing/2014/main" id="{BA1EAD23-59CC-402A-A694-3E2AFC88A488}"/>
-              </a:ext>
-            </a:extLst>
-          </p:cNvPr>
-          <p:cNvCxnSpPr>
-            <a:cxnSpLocks/>
-          </p:cNvCxnSpPr>
-          <p:nvPr/>
-        </p:nvCxnSpPr>
-        <p:spPr>
-          <a:xfrm flipV="1">
-            <a:off x="10924300" y="13840132"/>
-            <a:ext cx="1220432" cy="10033"/>
-          </a:xfrm>
-          <a:prstGeom prst="straightConnector1">
-            <a:avLst/>
-          </a:prstGeom>
-          <a:ln w="28575">
-            <a:solidFill>
-              <a:srgbClr val="2F3EEA"/>
-            </a:solidFill>
-            <a:tailEnd type="triangle"/>
-          </a:ln>
-        </p:spPr>
-        <p:style>
-          <a:lnRef idx="1">
-            <a:schemeClr val="accent1"/>
-          </a:lnRef>
-          <a:fillRef idx="0">
-            <a:schemeClr val="accent1"/>
-          </a:fillRef>
-          <a:effectRef idx="0">
-            <a:schemeClr val="accent1"/>
-          </a:effectRef>
-          <a:fontRef idx="minor">
-            <a:schemeClr val="tx1"/>
-          </a:fontRef>
-        </p:style>
-      </p:cxnSp>
       <p:sp>
         <p:nvSpPr>
           <p:cNvPr id="26" name="TextBox 25">
             <a:extLst>
               <a:ext uri="{FF2B5EF4-FFF2-40B4-BE49-F238E27FC236}">
-                <a16:creationId xmlns:a16="http://schemas.microsoft.com/office/drawing/2014/main" id="{6C4FD808-A6A2-4EE6-B3AF-F78DBF30AC35}"/>
+                <a16:creationId xmlns:a16="http://schemas.microsoft.com/office/drawing/2014/main" xmlns="" id="{6C4FD808-A6A2-4EE6-B3AF-F78DBF30AC35}"/>
               </a:ext>
             </a:extLst>
           </p:cNvPr>
@@ -4952,7 +4949,7 @@
         </p:nvSpPr>
         <p:spPr>
           <a:xfrm>
-            <a:off x="2058794" y="13525353"/>
+            <a:off x="4722963" y="12047153"/>
             <a:ext cx="1505869" cy="646331"/>
           </a:xfrm>
           <a:prstGeom prst="rect">
@@ -4971,64 +4968,20 @@
           <a:p>
             <a:r>
               <a:rPr lang="en-GB" dirty="0">
-                <a:latin typeface="Arial"/>
-                <a:cs typeface="Arial"/>
+                <a:latin typeface="Arial" panose="020B0604020202020204" pitchFamily="34" charset="0"/>
+                <a:cs typeface="Arial" panose="020B0604020202020204" pitchFamily="34" charset="0"/>
               </a:rPr>
               <a:t>Per-residue energies</a:t>
             </a:r>
           </a:p>
         </p:txBody>
       </p:sp>
-      <p:cxnSp>
-        <p:nvCxnSpPr>
-          <p:cNvPr id="27" name="Straight Arrow Connector 26">
-            <a:extLst>
-              <a:ext uri="{FF2B5EF4-FFF2-40B4-BE49-F238E27FC236}">
-                <a16:creationId xmlns:a16="http://schemas.microsoft.com/office/drawing/2014/main" id="{66C78038-87BC-42D3-B538-23A5A5954156}"/>
-              </a:ext>
-            </a:extLst>
-          </p:cNvPr>
-          <p:cNvCxnSpPr>
-            <a:cxnSpLocks/>
-          </p:cNvCxnSpPr>
-          <p:nvPr/>
-        </p:nvCxnSpPr>
-        <p:spPr>
-          <a:xfrm flipV="1">
-            <a:off x="7143253" y="15313053"/>
-            <a:ext cx="1220432" cy="10033"/>
-          </a:xfrm>
-          <a:prstGeom prst="straightConnector1">
-            <a:avLst/>
-          </a:prstGeom>
-          <a:ln w="28575">
-            <a:solidFill>
-              <a:srgbClr val="2F3EEA"/>
-            </a:solidFill>
-            <a:tailEnd type="triangle"/>
-          </a:ln>
-        </p:spPr>
-        <p:style>
-          <a:lnRef idx="1">
-            <a:schemeClr val="accent1"/>
-          </a:lnRef>
-          <a:fillRef idx="0">
-            <a:schemeClr val="accent1"/>
-          </a:fillRef>
-          <a:effectRef idx="0">
-            <a:schemeClr val="accent1"/>
-          </a:effectRef>
-          <a:fontRef idx="minor">
-            <a:schemeClr val="tx1"/>
-          </a:fontRef>
-        </p:style>
-      </p:cxnSp>
       <p:sp>
         <p:nvSpPr>
           <p:cNvPr id="28" name="TextBox 27">
             <a:extLst>
               <a:ext uri="{FF2B5EF4-FFF2-40B4-BE49-F238E27FC236}">
-                <a16:creationId xmlns:a16="http://schemas.microsoft.com/office/drawing/2014/main" id="{194DC676-6DE3-4223-B9F2-8F1AD4FDF034}"/>
+                <a16:creationId xmlns:a16="http://schemas.microsoft.com/office/drawing/2014/main" xmlns="" id="{194DC676-6DE3-4223-B9F2-8F1AD4FDF034}"/>
               </a:ext>
             </a:extLst>
           </p:cNvPr>
@@ -5037,8 +4990,8 @@
         </p:nvSpPr>
         <p:spPr>
           <a:xfrm>
-            <a:off x="8336092" y="15047544"/>
-            <a:ext cx="2346619" cy="646331"/>
+            <a:off x="4666491" y="13298412"/>
+            <a:ext cx="1625100" cy="646331"/>
           </a:xfrm>
           <a:prstGeom prst="rect">
             <a:avLst/>
@@ -5055,12 +5008,16 @@
           <a:lstStyle/>
           <a:p>
             <a:r>
-              <a:rPr lang="en-GB" dirty="0">
-                <a:latin typeface="Arial"/>
-                <a:cs typeface="Arial"/>
-              </a:rPr>
-              <a:t>Embedding for MHC, peptide and TCR</a:t>
-            </a:r>
+              <a:rPr lang="en-GB" dirty="0" smtClean="0">
+                <a:latin typeface="Arial" panose="020B0604020202020204" pitchFamily="34" charset="0"/>
+                <a:cs typeface="Arial" panose="020B0604020202020204" pitchFamily="34" charset="0"/>
+              </a:rPr>
+              <a:t>Per-residue embedding</a:t>
+            </a:r>
+            <a:endParaRPr lang="en-GB" dirty="0">
+              <a:latin typeface="Arial" panose="020B0604020202020204" pitchFamily="34" charset="0"/>
+              <a:cs typeface="Arial" panose="020B0604020202020204" pitchFamily="34" charset="0"/>
+            </a:endParaRPr>
           </a:p>
         </p:txBody>
       </p:sp>
@@ -5069,7 +5026,7 @@
           <p:cNvPr id="29" name="TextBox 28">
             <a:extLst>
               <a:ext uri="{FF2B5EF4-FFF2-40B4-BE49-F238E27FC236}">
-                <a16:creationId xmlns:a16="http://schemas.microsoft.com/office/drawing/2014/main" id="{6845518C-D880-4247-B237-ED013E326AF1}"/>
+                <a16:creationId xmlns:a16="http://schemas.microsoft.com/office/drawing/2014/main" xmlns="" id="{6845518C-D880-4247-B237-ED013E326AF1}"/>
               </a:ext>
             </a:extLst>
           </p:cNvPr>
@@ -5078,7 +5035,7 @@
         </p:nvSpPr>
         <p:spPr>
           <a:xfrm>
-            <a:off x="2066699" y="12494783"/>
+            <a:off x="8189917" y="11000707"/>
             <a:ext cx="1308554" cy="646331"/>
           </a:xfrm>
           <a:prstGeom prst="rect">
@@ -5097,191 +5054,20 @@
           <a:p>
             <a:r>
               <a:rPr lang="en-GB" dirty="0">
-                <a:latin typeface="Arial"/>
-                <a:cs typeface="Arial"/>
+                <a:latin typeface="Arial" panose="020B0604020202020204" pitchFamily="34" charset="0"/>
+                <a:cs typeface="Arial" panose="020B0604020202020204" pitchFamily="34" charset="0"/>
               </a:rPr>
               <a:t>Global energies</a:t>
             </a:r>
           </a:p>
         </p:txBody>
       </p:sp>
-      <p:cxnSp>
-        <p:nvCxnSpPr>
-          <p:cNvPr id="31" name="Straight Arrow Connector 30">
-            <a:extLst>
-              <a:ext uri="{FF2B5EF4-FFF2-40B4-BE49-F238E27FC236}">
-                <a16:creationId xmlns:a16="http://schemas.microsoft.com/office/drawing/2014/main" id="{72A3FFE5-F991-423A-85A9-7571FF68D620}"/>
-              </a:ext>
-            </a:extLst>
-          </p:cNvPr>
-          <p:cNvCxnSpPr/>
-          <p:nvPr/>
-        </p:nvCxnSpPr>
-        <p:spPr>
-          <a:xfrm flipV="1">
-            <a:off x="3382333" y="12669905"/>
-            <a:ext cx="8185013" cy="32393"/>
-          </a:xfrm>
-          <a:prstGeom prst="straightConnector1">
-            <a:avLst/>
-          </a:prstGeom>
-          <a:ln w="28575">
-            <a:solidFill>
-              <a:srgbClr val="2F3EEA"/>
-            </a:solidFill>
-          </a:ln>
-        </p:spPr>
-        <p:style>
-          <a:lnRef idx="1">
-            <a:schemeClr val="accent1"/>
-          </a:lnRef>
-          <a:fillRef idx="0">
-            <a:schemeClr val="accent1"/>
-          </a:fillRef>
-          <a:effectRef idx="0">
-            <a:schemeClr val="accent1"/>
-          </a:effectRef>
-          <a:fontRef idx="minor">
-            <a:schemeClr val="tx1"/>
-          </a:fontRef>
-        </p:style>
-      </p:cxnSp>
-      <p:cxnSp>
-        <p:nvCxnSpPr>
-          <p:cNvPr id="33" name="Straight Arrow Connector 32">
-            <a:extLst>
-              <a:ext uri="{FF2B5EF4-FFF2-40B4-BE49-F238E27FC236}">
-                <a16:creationId xmlns:a16="http://schemas.microsoft.com/office/drawing/2014/main" id="{B9C2B71B-2BEC-46F8-B120-6A9184ECE9CB}"/>
-              </a:ext>
-            </a:extLst>
-          </p:cNvPr>
-          <p:cNvCxnSpPr>
-            <a:cxnSpLocks/>
-          </p:cNvCxnSpPr>
-          <p:nvPr/>
-        </p:nvCxnSpPr>
-        <p:spPr>
-          <a:xfrm>
-            <a:off x="11531498" y="12686510"/>
-            <a:ext cx="15454" cy="2696818"/>
-          </a:xfrm>
-          <a:prstGeom prst="straightConnector1">
-            <a:avLst/>
-          </a:prstGeom>
-          <a:ln w="28575">
-            <a:solidFill>
-              <a:srgbClr val="2F3EEA"/>
-            </a:solidFill>
-          </a:ln>
-        </p:spPr>
-        <p:style>
-          <a:lnRef idx="1">
-            <a:schemeClr val="accent1"/>
-          </a:lnRef>
-          <a:fillRef idx="0">
-            <a:schemeClr val="accent1"/>
-          </a:fillRef>
-          <a:effectRef idx="0">
-            <a:schemeClr val="accent1"/>
-          </a:effectRef>
-          <a:fontRef idx="minor">
-            <a:schemeClr val="tx1"/>
-          </a:fontRef>
-        </p:style>
-      </p:cxnSp>
-      <p:cxnSp>
-        <p:nvCxnSpPr>
-          <p:cNvPr id="36" name="Straight Arrow Connector 35">
-            <a:extLst>
-              <a:ext uri="{FF2B5EF4-FFF2-40B4-BE49-F238E27FC236}">
-                <a16:creationId xmlns:a16="http://schemas.microsoft.com/office/drawing/2014/main" id="{80EAE9FC-1A9A-4F22-8EA1-23297ACB8088}"/>
-              </a:ext>
-            </a:extLst>
-          </p:cNvPr>
-          <p:cNvCxnSpPr>
-            <a:cxnSpLocks/>
-          </p:cNvCxnSpPr>
-          <p:nvPr/>
-        </p:nvCxnSpPr>
-        <p:spPr>
-          <a:xfrm flipV="1">
-            <a:off x="10664583" y="15365531"/>
-            <a:ext cx="887931" cy="658"/>
-          </a:xfrm>
-          <a:prstGeom prst="straightConnector1">
-            <a:avLst/>
-          </a:prstGeom>
-          <a:ln w="28575">
-            <a:solidFill>
-              <a:srgbClr val="2F3EEA"/>
-            </a:solidFill>
-          </a:ln>
-        </p:spPr>
-        <p:style>
-          <a:lnRef idx="1">
-            <a:schemeClr val="accent1"/>
-          </a:lnRef>
-          <a:fillRef idx="0">
-            <a:schemeClr val="accent1"/>
-          </a:fillRef>
-          <a:effectRef idx="0">
-            <a:schemeClr val="accent1"/>
-          </a:effectRef>
-          <a:fontRef idx="minor">
-            <a:schemeClr val="tx1"/>
-          </a:fontRef>
-        </p:style>
-      </p:cxnSp>
-      <p:cxnSp>
-        <p:nvCxnSpPr>
-          <p:cNvPr id="37" name="Straight Arrow Connector 36">
-            <a:extLst>
-              <a:ext uri="{FF2B5EF4-FFF2-40B4-BE49-F238E27FC236}">
-                <a16:creationId xmlns:a16="http://schemas.microsoft.com/office/drawing/2014/main" id="{495098AB-F631-4EB6-9BCD-A983E2A7B102}"/>
-              </a:ext>
-            </a:extLst>
-          </p:cNvPr>
-          <p:cNvCxnSpPr>
-            <a:cxnSpLocks/>
-          </p:cNvCxnSpPr>
-          <p:nvPr/>
-        </p:nvCxnSpPr>
-        <p:spPr>
-          <a:xfrm flipV="1">
-            <a:off x="14700029" y="13840212"/>
-            <a:ext cx="1220432" cy="10033"/>
-          </a:xfrm>
-          <a:prstGeom prst="straightConnector1">
-            <a:avLst/>
-          </a:prstGeom>
-          <a:ln w="28575">
-            <a:solidFill>
-              <a:srgbClr val="2F3EEA"/>
-            </a:solidFill>
-            <a:tailEnd type="triangle"/>
-          </a:ln>
-        </p:spPr>
-        <p:style>
-          <a:lnRef idx="1">
-            <a:schemeClr val="accent1"/>
-          </a:lnRef>
-          <a:fillRef idx="0">
-            <a:schemeClr val="accent1"/>
-          </a:fillRef>
-          <a:effectRef idx="0">
-            <a:schemeClr val="accent1"/>
-          </a:effectRef>
-          <a:fontRef idx="minor">
-            <a:schemeClr val="tx1"/>
-          </a:fontRef>
-        </p:style>
-      </p:cxnSp>
       <p:sp>
         <p:nvSpPr>
           <p:cNvPr id="38" name="TextBox 37">
             <a:extLst>
               <a:ext uri="{FF2B5EF4-FFF2-40B4-BE49-F238E27FC236}">
-                <a16:creationId xmlns:a16="http://schemas.microsoft.com/office/drawing/2014/main" id="{457CF22A-6BB1-4870-A9E0-803F97EF2439}"/>
+                <a16:creationId xmlns:a16="http://schemas.microsoft.com/office/drawing/2014/main" xmlns="" id="{457CF22A-6BB1-4870-A9E0-803F97EF2439}"/>
               </a:ext>
             </a:extLst>
           </p:cNvPr>
@@ -5290,7 +5076,7 @@
         </p:nvSpPr>
         <p:spPr>
           <a:xfrm>
-            <a:off x="15915570" y="13493721"/>
+            <a:off x="12879970" y="11905447"/>
             <a:ext cx="2346619" cy="923330"/>
           </a:xfrm>
           <a:prstGeom prst="rect">
@@ -5309,8 +5095,8 @@
           <a:p>
             <a:r>
               <a:rPr lang="en-GB" dirty="0">
-                <a:latin typeface="Arial"/>
-                <a:cs typeface="Arial"/>
+                <a:latin typeface="Arial" panose="020B0604020202020204" pitchFamily="34" charset="0"/>
+                <a:cs typeface="Arial" panose="020B0604020202020204" pitchFamily="34" charset="0"/>
               </a:rPr>
               <a:t>Output:</a:t>
             </a:r>
@@ -5318,8 +5104,8 @@
           <a:p>
             <a:r>
               <a:rPr lang="en-GB" dirty="0">
-                <a:latin typeface="Arial"/>
-                <a:cs typeface="Arial"/>
+                <a:latin typeface="Arial" panose="020B0604020202020204" pitchFamily="34" charset="0"/>
+                <a:cs typeface="Arial" panose="020B0604020202020204" pitchFamily="34" charset="0"/>
               </a:rPr>
               <a:t>0 = not binding</a:t>
             </a:r>
@@ -5327,8 +5113,8 @@
           <a:p>
             <a:r>
               <a:rPr lang="en-GB" dirty="0">
-                <a:latin typeface="Arial"/>
-                <a:cs typeface="Arial"/>
+                <a:latin typeface="Arial" panose="020B0604020202020204" pitchFamily="34" charset="0"/>
+                <a:cs typeface="Arial" panose="020B0604020202020204" pitchFamily="34" charset="0"/>
               </a:rPr>
               <a:t>1 = binding</a:t>
             </a:r>
@@ -5340,7 +5126,7 @@
           <p:cNvPr id="5" name="TextBox 4">
             <a:extLst>
               <a:ext uri="{FF2B5EF4-FFF2-40B4-BE49-F238E27FC236}">
-                <a16:creationId xmlns:a16="http://schemas.microsoft.com/office/drawing/2014/main" id="{555DBE74-403C-4246-B0C1-4F2AAF162AFF}"/>
+                <a16:creationId xmlns:a16="http://schemas.microsoft.com/office/drawing/2014/main" xmlns="" id="{555DBE74-403C-4246-B0C1-4F2AAF162AFF}"/>
               </a:ext>
             </a:extLst>
           </p:cNvPr>
@@ -5349,8 +5135,8 @@
         </p:nvSpPr>
         <p:spPr>
           <a:xfrm>
-            <a:off x="1145408" y="5631656"/>
-            <a:ext cx="8270162" cy="4955203"/>
+            <a:off x="598859" y="5589065"/>
+            <a:ext cx="8640392" cy="4647426"/>
           </a:xfrm>
           <a:prstGeom prst="rect">
             <a:avLst/>
@@ -5372,8 +5158,8 @@
             </a:pPr>
             <a:r>
               <a:rPr lang="en-GB" sz="2000" dirty="0">
-                <a:latin typeface="Arial"/>
-                <a:cs typeface="Arial"/>
+                <a:latin typeface="Arial" panose="020B0604020202020204" pitchFamily="34" charset="0"/>
+                <a:cs typeface="Arial" panose="020B0604020202020204" pitchFamily="34" charset="0"/>
               </a:rPr>
               <a:t>Adaptive immune system is a key element for fighting diseases</a:t>
             </a:r>
@@ -5385,8 +5171,8 @@
             </a:pPr>
             <a:r>
               <a:rPr lang="en-GB" sz="2000" dirty="0">
-                <a:latin typeface="Arial"/>
-                <a:cs typeface="Arial"/>
+                <a:latin typeface="Arial" panose="020B0604020202020204" pitchFamily="34" charset="0"/>
+                <a:cs typeface="Arial" panose="020B0604020202020204" pitchFamily="34" charset="0"/>
               </a:rPr>
               <a:t>T cells are responsible for cell-mediated immune response</a:t>
             </a:r>
@@ -5398,22 +5184,22 @@
             </a:pPr>
             <a:r>
               <a:rPr lang="en-GB" sz="2000" dirty="0">
-                <a:latin typeface="Arial"/>
-                <a:cs typeface="Arial"/>
+                <a:latin typeface="Arial" panose="020B0604020202020204" pitchFamily="34" charset="0"/>
+                <a:cs typeface="Arial" panose="020B0604020202020204" pitchFamily="34" charset="0"/>
               </a:rPr>
               <a:t>T cell receptors (TCR) bind to </a:t>
             </a:r>
             <a:r>
               <a:rPr lang="en-GB" sz="2000" dirty="0" err="1">
-                <a:latin typeface="Arial"/>
-                <a:cs typeface="Arial"/>
+                <a:latin typeface="Arial" panose="020B0604020202020204" pitchFamily="34" charset="0"/>
+                <a:cs typeface="Arial" panose="020B0604020202020204" pitchFamily="34" charset="0"/>
               </a:rPr>
               <a:t>pMHC</a:t>
             </a:r>
             <a:r>
               <a:rPr lang="en-GB" sz="2000" dirty="0">
-                <a:latin typeface="Arial"/>
-                <a:cs typeface="Arial"/>
+                <a:latin typeface="Arial" panose="020B0604020202020204" pitchFamily="34" charset="0"/>
+                <a:cs typeface="Arial" panose="020B0604020202020204" pitchFamily="34" charset="0"/>
               </a:rPr>
               <a:t> complexes (protein – Major Histocompatibility Complex) to trigger immune response</a:t>
             </a:r>
@@ -5425,29 +5211,29 @@
             </a:pPr>
             <a:r>
               <a:rPr lang="en-GB" sz="2000" b="1" dirty="0">
-                <a:latin typeface="Arial"/>
-                <a:cs typeface="Arial"/>
+                <a:latin typeface="Arial" panose="020B0604020202020204" pitchFamily="34" charset="0"/>
+                <a:cs typeface="Arial" panose="020B0604020202020204" pitchFamily="34" charset="0"/>
               </a:rPr>
               <a:t>Problem: </a:t>
             </a:r>
             <a:r>
               <a:rPr lang="en-GB" sz="2000" dirty="0">
-                <a:latin typeface="Arial"/>
-                <a:cs typeface="Arial"/>
+                <a:latin typeface="Arial" panose="020B0604020202020204" pitchFamily="34" charset="0"/>
+                <a:cs typeface="Arial" panose="020B0604020202020204" pitchFamily="34" charset="0"/>
               </a:rPr>
               <a:t>Predict TCR-</a:t>
             </a:r>
             <a:r>
               <a:rPr lang="en-GB" sz="2000" dirty="0" err="1">
-                <a:latin typeface="Arial"/>
-                <a:cs typeface="Arial"/>
+                <a:latin typeface="Arial" panose="020B0604020202020204" pitchFamily="34" charset="0"/>
+                <a:cs typeface="Arial" panose="020B0604020202020204" pitchFamily="34" charset="0"/>
               </a:rPr>
               <a:t>pMHC</a:t>
             </a:r>
             <a:r>
               <a:rPr lang="en-GB" sz="2000" dirty="0">
-                <a:latin typeface="Arial"/>
-                <a:cs typeface="Arial"/>
+                <a:latin typeface="Arial" panose="020B0604020202020204" pitchFamily="34" charset="0"/>
+                <a:cs typeface="Arial" panose="020B0604020202020204" pitchFamily="34" charset="0"/>
               </a:rPr>
               <a:t> binding</a:t>
             </a:r>
@@ -5459,14 +5245,21 @@
             </a:pPr>
             <a:r>
               <a:rPr lang="en-GB" sz="2000" b="1" dirty="0">
-                <a:latin typeface="Arial"/>
-                <a:cs typeface="Arial"/>
-              </a:rPr>
-              <a:t>Input data:</a:t>
+                <a:latin typeface="Arial" panose="020B0604020202020204" pitchFamily="34" charset="0"/>
+                <a:cs typeface="Arial" panose="020B0604020202020204" pitchFamily="34" charset="0"/>
+              </a:rPr>
+              <a:t>Input </a:t>
+            </a:r>
+            <a:r>
+              <a:rPr lang="en-GB" sz="2000" b="1" dirty="0" smtClean="0">
+                <a:latin typeface="Arial" panose="020B0604020202020204" pitchFamily="34" charset="0"/>
+                <a:cs typeface="Arial" panose="020B0604020202020204" pitchFamily="34" charset="0"/>
+              </a:rPr>
+              <a:t>data [1]:</a:t>
             </a:r>
             <a:endParaRPr lang="en-GB" sz="2000" dirty="0">
-              <a:latin typeface="Arial"/>
-              <a:cs typeface="Arial"/>
+              <a:latin typeface="Arial" panose="020B0604020202020204" pitchFamily="34" charset="0"/>
+              <a:cs typeface="Arial" panose="020B0604020202020204" pitchFamily="34" charset="0"/>
             </a:endParaRPr>
           </a:p>
           <a:p>
@@ -5476,8 +5269,8 @@
             </a:pPr>
             <a:r>
               <a:rPr lang="en-GB" sz="2000" dirty="0">
-                <a:latin typeface="Arial"/>
-                <a:cs typeface="Arial"/>
+                <a:latin typeface="Arial" panose="020B0604020202020204" pitchFamily="34" charset="0"/>
+                <a:cs typeface="Arial" panose="020B0604020202020204" pitchFamily="34" charset="0"/>
               </a:rPr>
               <a:t>Protein sequence</a:t>
             </a:r>
@@ -5489,8 +5282,8 @@
             </a:pPr>
             <a:r>
               <a:rPr lang="en-GB" sz="2000" dirty="0">
-                <a:latin typeface="Arial"/>
-                <a:cs typeface="Arial"/>
+                <a:latin typeface="Arial" panose="020B0604020202020204" pitchFamily="34" charset="0"/>
+                <a:cs typeface="Arial" panose="020B0604020202020204" pitchFamily="34" charset="0"/>
               </a:rPr>
               <a:t>Per-residue energy terms</a:t>
             </a:r>
@@ -5502,37 +5295,55 @@
             </a:pPr>
             <a:r>
               <a:rPr lang="en-GB" sz="2000" dirty="0">
-                <a:latin typeface="Arial"/>
-                <a:cs typeface="Arial"/>
-              </a:rPr>
-              <a:t>Global energy term</a:t>
-            </a:r>
+                <a:latin typeface="Arial" panose="020B0604020202020204" pitchFamily="34" charset="0"/>
+                <a:cs typeface="Arial" panose="020B0604020202020204" pitchFamily="34" charset="0"/>
+              </a:rPr>
+              <a:t>Global energy </a:t>
+            </a:r>
+            <a:r>
+              <a:rPr lang="en-GB" sz="2000" dirty="0" smtClean="0">
+                <a:latin typeface="Arial" panose="020B0604020202020204" pitchFamily="34" charset="0"/>
+                <a:cs typeface="Arial" panose="020B0604020202020204" pitchFamily="34" charset="0"/>
+              </a:rPr>
+              <a:t>term</a:t>
+            </a:r>
+            <a:endParaRPr lang="en-GB" sz="2000" dirty="0">
+              <a:latin typeface="Arial" panose="020B0604020202020204" pitchFamily="34" charset="0"/>
+              <a:cs typeface="Arial" panose="020B0604020202020204" pitchFamily="34" charset="0"/>
+            </a:endParaRPr>
+          </a:p>
+          <a:p>
+            <a:pPr marL="285750" indent="-285750">
+              <a:buFont typeface="Arial"/>
+              <a:buChar char="•"/>
+            </a:pPr>
+            <a:r>
+              <a:rPr lang="en-GB" sz="2000" b="1" dirty="0">
+                <a:latin typeface="Arial" panose="020B0604020202020204" pitchFamily="34" charset="0"/>
+                <a:cs typeface="Arial" panose="020B0604020202020204" pitchFamily="34" charset="0"/>
+              </a:rPr>
+              <a:t>Input dimensions:</a:t>
+            </a:r>
+            <a:endParaRPr lang="en-GB" sz="2000" dirty="0">
+              <a:latin typeface="Arial" panose="020B0604020202020204" pitchFamily="34" charset="0"/>
+              <a:cs typeface="Arial" panose="020B0604020202020204" pitchFamily="34" charset="0"/>
+            </a:endParaRPr>
           </a:p>
           <a:p>
             <a:pPr marL="742950" lvl="1" indent="-285750">
               <a:buFont typeface="Arial"/>
               <a:buChar char="•"/>
             </a:pPr>
-            <a:endParaRPr lang="en-GB" sz="2000" dirty="0">
-              <a:latin typeface="Arial"/>
-              <a:cs typeface="Arial"/>
-            </a:endParaRPr>
-          </a:p>
-          <a:p>
-            <a:pPr marL="285750" indent="-285750">
-              <a:buFont typeface="Arial"/>
-              <a:buChar char="•"/>
-            </a:pPr>
-            <a:r>
-              <a:rPr lang="en-GB" sz="2000" b="1" dirty="0">
-                <a:latin typeface="Arial"/>
-                <a:cs typeface="Arial"/>
-              </a:rPr>
-              <a:t>Input dimensions:</a:t>
-            </a:r>
-            <a:endParaRPr lang="en-GB" sz="2000" dirty="0">
-              <a:latin typeface="Arial"/>
-              <a:cs typeface="Arial"/>
+            <a:r>
+              <a:rPr lang="en-GB" sz="2000" dirty="0">
+                <a:latin typeface="Arial" panose="020B0604020202020204" pitchFamily="34" charset="0"/>
+                <a:cs typeface="Arial" panose="020B0604020202020204" pitchFamily="34" charset="0"/>
+              </a:rPr>
+              <a:t>x observations</a:t>
+            </a:r>
+            <a:endParaRPr lang="en-GB" sz="2000" b="1" dirty="0">
+              <a:latin typeface="Arial" panose="020B0604020202020204" pitchFamily="34" charset="0"/>
+              <a:cs typeface="Arial" panose="020B0604020202020204" pitchFamily="34" charset="0"/>
             </a:endParaRPr>
           </a:p>
           <a:p>
@@ -5542,15 +5353,11 @@
             </a:pPr>
             <a:r>
               <a:rPr lang="en-GB" sz="2000" dirty="0">
-                <a:latin typeface="Arial"/>
-                <a:cs typeface="Arial"/>
-              </a:rPr>
-              <a:t>x observations</a:t>
-            </a:r>
-            <a:endParaRPr lang="en-GB" sz="2000" b="1" dirty="0">
-              <a:latin typeface="Arial"/>
-              <a:cs typeface="Arial"/>
-            </a:endParaRPr>
+                <a:latin typeface="Arial" panose="020B0604020202020204" pitchFamily="34" charset="0"/>
+                <a:cs typeface="Arial" panose="020B0604020202020204" pitchFamily="34" charset="0"/>
+              </a:rPr>
+              <a:t>y peptide positions</a:t>
+            </a:r>
           </a:p>
           <a:p>
             <a:pPr marL="742950" lvl="1" indent="-285750">
@@ -5559,21 +5366,8 @@
             </a:pPr>
             <a:r>
               <a:rPr lang="en-GB" sz="2000" dirty="0">
-                <a:latin typeface="Arial"/>
-                <a:cs typeface="Arial"/>
-              </a:rPr>
-              <a:t>y peptide positions</a:t>
-            </a:r>
-          </a:p>
-          <a:p>
-            <a:pPr marL="742950" lvl="1" indent="-285750">
-              <a:buFont typeface="Arial"/>
-              <a:buChar char="•"/>
-            </a:pPr>
-            <a:r>
-              <a:rPr lang="en-GB" sz="2000" dirty="0">
-                <a:latin typeface="Arial"/>
-                <a:cs typeface="Arial"/>
+                <a:latin typeface="Arial" panose="020B0604020202020204" pitchFamily="34" charset="0"/>
+                <a:cs typeface="Arial" panose="020B0604020202020204" pitchFamily="34" charset="0"/>
               </a:rPr>
               <a:t>z channels, including sequence embedding and energy terms</a:t>
             </a:r>
@@ -5584,8 +5378,8 @@
               <a:buChar char="•"/>
             </a:pPr>
             <a:endParaRPr lang="en-GB" dirty="0">
-              <a:latin typeface="Arial"/>
-              <a:cs typeface="Arial"/>
+              <a:latin typeface="Arial" panose="020B0604020202020204" pitchFamily="34" charset="0"/>
+              <a:cs typeface="Arial" panose="020B0604020202020204" pitchFamily="34" charset="0"/>
             </a:endParaRPr>
           </a:p>
           <a:p>
@@ -5594,18 +5388,18 @@
               <a:buChar char="•"/>
             </a:pPr>
             <a:endParaRPr lang="en-GB" dirty="0">
-              <a:latin typeface="Arial"/>
-              <a:cs typeface="Arial"/>
+              <a:latin typeface="Arial" panose="020B0604020202020204" pitchFamily="34" charset="0"/>
+              <a:cs typeface="Arial" panose="020B0604020202020204" pitchFamily="34" charset="0"/>
             </a:endParaRPr>
           </a:p>
         </p:txBody>
       </p:sp>
       <p:sp>
         <p:nvSpPr>
-          <p:cNvPr id="34" name="TextBox 33">
+          <p:cNvPr id="8" name="TextBox 7">
             <a:extLst>
               <a:ext uri="{FF2B5EF4-FFF2-40B4-BE49-F238E27FC236}">
-                <a16:creationId xmlns:a16="http://schemas.microsoft.com/office/drawing/2014/main" id="{18751111-F666-4ECE-A225-B1803250A9C6}"/>
+                <a16:creationId xmlns:a16="http://schemas.microsoft.com/office/drawing/2014/main" xmlns="" id="{BF27FA47-F412-41BA-9674-4AB98ABB11FF}"/>
               </a:ext>
             </a:extLst>
           </p:cNvPr>
@@ -5614,8 +5408,8 @@
         </p:nvSpPr>
         <p:spPr>
           <a:xfrm>
-            <a:off x="11358776" y="5364955"/>
-            <a:ext cx="8270162" cy="677108"/>
+            <a:off x="284220" y="28797885"/>
+            <a:ext cx="20409853" cy="1200329"/>
           </a:xfrm>
           <a:prstGeom prst="rect">
             <a:avLst/>
@@ -5631,181 +5425,140 @@
           </a:bodyPr>
           <a:lstStyle/>
           <a:p>
-            <a:pPr marL="285750" indent="-285750">
-              <a:buFont typeface="Arial"/>
-              <a:buChar char="•"/>
-            </a:pPr>
-            <a:r>
-              <a:rPr lang="en-GB" sz="2000" dirty="0">
-                <a:latin typeface="Arial"/>
-                <a:cs typeface="Arial"/>
-              </a:rPr>
-              <a:t>Pre-training with a transformer, Evolutionary Scale </a:t>
-            </a:r>
-            <a:r>
-              <a:rPr lang="en-GB" sz="2000" dirty="0" err="1">
-                <a:latin typeface="Arial"/>
-                <a:cs typeface="Arial"/>
-              </a:rPr>
-              <a:t>Modeling</a:t>
-            </a:r>
-            <a:r>
-              <a:rPr lang="en-GB" sz="2000" dirty="0">
-                <a:latin typeface="Arial"/>
-                <a:cs typeface="Arial"/>
-              </a:rPr>
-              <a:t> (ESM) </a:t>
-            </a:r>
-            <a:endParaRPr lang="en-US" dirty="0"/>
-          </a:p>
-          <a:p>
-            <a:pPr marL="285750" indent="-285750">
-              <a:buFont typeface="Arial"/>
-              <a:buChar char="•"/>
-            </a:pPr>
-            <a:endParaRPr lang="en-GB" dirty="0">
-              <a:latin typeface="Arial"/>
-              <a:cs typeface="Arial"/>
+            <a:r>
+              <a:rPr lang="en-US" dirty="0" smtClean="0">
+                <a:latin typeface="Arial" panose="020B0604020202020204" pitchFamily="34" charset="0"/>
+                <a:ea typeface="+mn-lt"/>
+                <a:cs typeface="Arial" panose="020B0604020202020204" pitchFamily="34" charset="0"/>
+              </a:rPr>
+              <a:t>[1] Magnus H. </a:t>
+            </a:r>
+            <a:r>
+              <a:rPr lang="en-US" dirty="0" err="1" smtClean="0">
+                <a:latin typeface="Arial" panose="020B0604020202020204" pitchFamily="34" charset="0"/>
+                <a:ea typeface="+mn-lt"/>
+                <a:cs typeface="Arial" panose="020B0604020202020204" pitchFamily="34" charset="0"/>
+              </a:rPr>
+              <a:t>Høie</a:t>
+            </a:r>
+            <a:r>
+              <a:rPr lang="en-US" dirty="0" smtClean="0">
+                <a:latin typeface="Arial" panose="020B0604020202020204" pitchFamily="34" charset="0"/>
+                <a:ea typeface="+mn-lt"/>
+                <a:cs typeface="Arial" panose="020B0604020202020204" pitchFamily="34" charset="0"/>
+              </a:rPr>
+              <a:t>. (2021). T-cell binding prediction challenge (TCR-</a:t>
+            </a:r>
+            <a:r>
+              <a:rPr lang="en-US" dirty="0" err="1" smtClean="0">
+                <a:latin typeface="Arial" panose="020B0604020202020204" pitchFamily="34" charset="0"/>
+                <a:ea typeface="+mn-lt"/>
+                <a:cs typeface="Arial" panose="020B0604020202020204" pitchFamily="34" charset="0"/>
+              </a:rPr>
+              <a:t>pMHC</a:t>
+            </a:r>
+            <a:r>
+              <a:rPr lang="en-US" dirty="0" smtClean="0">
+                <a:latin typeface="Arial" panose="020B0604020202020204" pitchFamily="34" charset="0"/>
+                <a:ea typeface="+mn-lt"/>
+                <a:cs typeface="Arial" panose="020B0604020202020204" pitchFamily="34" charset="0"/>
+              </a:rPr>
+              <a:t>). </a:t>
+            </a:r>
+            <a:r>
+              <a:rPr lang="en-US" dirty="0" err="1" smtClean="0">
+                <a:latin typeface="Arial" panose="020B0604020202020204" pitchFamily="34" charset="0"/>
+                <a:ea typeface="+mn-lt"/>
+                <a:cs typeface="Arial" panose="020B0604020202020204" pitchFamily="34" charset="0"/>
+              </a:rPr>
+              <a:t>Github</a:t>
+            </a:r>
+            <a:r>
+              <a:rPr lang="en-US" dirty="0" smtClean="0">
+                <a:latin typeface="Arial" panose="020B0604020202020204" pitchFamily="34" charset="0"/>
+                <a:ea typeface="+mn-lt"/>
+                <a:cs typeface="Arial" panose="020B0604020202020204" pitchFamily="34" charset="0"/>
+              </a:rPr>
+              <a:t> repository,  Link: https://github.com/CBH2021/tcr-pmhc </a:t>
+            </a:r>
+          </a:p>
+          <a:p>
+            <a:r>
+              <a:rPr lang="en-US" dirty="0" smtClean="0">
+                <a:latin typeface="Arial" panose="020B0604020202020204" pitchFamily="34" charset="0"/>
+                <a:ea typeface="+mn-lt"/>
+                <a:cs typeface="Arial" panose="020B0604020202020204" pitchFamily="34" charset="0"/>
+              </a:rPr>
+              <a:t>[2] Ida Kristine </a:t>
+            </a:r>
+            <a:r>
+              <a:rPr lang="en-US" dirty="0" err="1" smtClean="0">
+                <a:latin typeface="Arial" panose="020B0604020202020204" pitchFamily="34" charset="0"/>
+                <a:ea typeface="+mn-lt"/>
+                <a:cs typeface="Arial" panose="020B0604020202020204" pitchFamily="34" charset="0"/>
+              </a:rPr>
+              <a:t>Sandford</a:t>
+            </a:r>
+            <a:r>
+              <a:rPr lang="en-US" dirty="0" smtClean="0">
+                <a:latin typeface="Arial" panose="020B0604020202020204" pitchFamily="34" charset="0"/>
+                <a:ea typeface="+mn-lt"/>
+                <a:cs typeface="Arial" panose="020B0604020202020204" pitchFamily="34" charset="0"/>
+              </a:rPr>
+              <a:t> </a:t>
+            </a:r>
+            <a:r>
+              <a:rPr lang="en-US" dirty="0" err="1" smtClean="0">
+                <a:latin typeface="Arial" panose="020B0604020202020204" pitchFamily="34" charset="0"/>
+                <a:ea typeface="+mn-lt"/>
+                <a:cs typeface="Arial" panose="020B0604020202020204" pitchFamily="34" charset="0"/>
+              </a:rPr>
+              <a:t>Meitil</a:t>
+            </a:r>
+            <a:r>
+              <a:rPr lang="en-US" dirty="0" smtClean="0">
+                <a:latin typeface="Arial" panose="020B0604020202020204" pitchFamily="34" charset="0"/>
+                <a:ea typeface="+mn-lt"/>
+                <a:cs typeface="Arial" panose="020B0604020202020204" pitchFamily="34" charset="0"/>
+              </a:rPr>
+              <a:t>. (2021). Using deep learning for improving TCR homology modeling and its application to immunogenicity prediction [Master’s Thesis, DTU]</a:t>
+            </a:r>
+            <a:endParaRPr lang="en-US" dirty="0" smtClean="0">
+              <a:latin typeface="Arial" panose="020B0604020202020204" pitchFamily="34" charset="0"/>
+              <a:cs typeface="Arial" panose="020B0604020202020204" pitchFamily="34" charset="0"/>
             </a:endParaRPr>
           </a:p>
-        </p:txBody>
-      </p:sp>
-      <p:sp>
-        <p:nvSpPr>
-          <p:cNvPr id="8" name="TextBox 7">
-            <a:extLst>
-              <a:ext uri="{FF2B5EF4-FFF2-40B4-BE49-F238E27FC236}">
-                <a16:creationId xmlns:a16="http://schemas.microsoft.com/office/drawing/2014/main" id="{BF27FA47-F412-41BA-9674-4AB98ABB11FF}"/>
-              </a:ext>
-            </a:extLst>
-          </p:cNvPr>
-          <p:cNvSpPr txBox="1"/>
-          <p:nvPr/>
-        </p:nvSpPr>
-        <p:spPr>
-          <a:xfrm>
-            <a:off x="265757" y="26683708"/>
-            <a:ext cx="20409853" cy="1477328"/>
-          </a:xfrm>
-          <a:prstGeom prst="rect">
-            <a:avLst/>
-          </a:prstGeom>
-          <a:noFill/>
-        </p:spPr>
-        <p:txBody>
-          <a:bodyPr rot="0" spcFirstLastPara="0" vertOverflow="overflow" horzOverflow="overflow" vert="horz" wrap="square" lIns="91440" tIns="45720" rIns="91440" bIns="45720" numCol="1" spcCol="0" rtlCol="0" fromWordArt="0" anchor="t" anchorCtr="0" forceAA="0" compatLnSpc="1">
-            <a:prstTxWarp prst="textNoShape">
-              <a:avLst/>
-            </a:prstTxWarp>
-            <a:spAutoFit/>
-          </a:bodyPr>
-          <a:lstStyle/>
-          <a:p>
-            <a:pPr marL="285750" indent="-285750">
-              <a:buFont typeface="Arial"/>
-              <a:buChar char="•"/>
-            </a:pPr>
-            <a:r>
-              <a:rPr lang="en-US" dirty="0">
-                <a:latin typeface="Arial"/>
-                <a:ea typeface="+mn-lt"/>
-                <a:cs typeface="+mn-lt"/>
-              </a:rPr>
-              <a:t>Magnus H. Høie. (2021). T-cell binding prediction challenge (TCR-</a:t>
-            </a:r>
-            <a:r>
-              <a:rPr lang="en-US" dirty="0" err="1">
-                <a:latin typeface="Arial"/>
-                <a:ea typeface="+mn-lt"/>
-                <a:cs typeface="+mn-lt"/>
-              </a:rPr>
-              <a:t>pMHC</a:t>
-            </a:r>
-            <a:r>
-              <a:rPr lang="en-US" dirty="0">
-                <a:latin typeface="Arial"/>
-                <a:ea typeface="+mn-lt"/>
-                <a:cs typeface="+mn-lt"/>
-              </a:rPr>
-              <a:t>). </a:t>
-            </a:r>
-            <a:r>
-              <a:rPr lang="en-US" dirty="0" err="1">
-                <a:latin typeface="Arial"/>
-                <a:ea typeface="+mn-lt"/>
-                <a:cs typeface="+mn-lt"/>
-              </a:rPr>
-              <a:t>Github</a:t>
-            </a:r>
-            <a:r>
-              <a:rPr lang="en-US" dirty="0">
-                <a:latin typeface="Arial"/>
-                <a:ea typeface="+mn-lt"/>
-                <a:cs typeface="+mn-lt"/>
-              </a:rPr>
-              <a:t> repository,  Link: https://github.com/CBH2021/tcr-pmhc </a:t>
-            </a:r>
-            <a:endParaRPr lang="en-US">
-              <a:latin typeface="Arial"/>
-              <a:ea typeface="+mn-lt"/>
-              <a:cs typeface="+mn-lt"/>
-            </a:endParaRPr>
-          </a:p>
-          <a:p>
-            <a:pPr marL="285750" indent="-285750">
-              <a:buFont typeface="Arial"/>
-              <a:buChar char="•"/>
-            </a:pPr>
-            <a:r>
-              <a:rPr lang="en-US" dirty="0">
-                <a:latin typeface="Arial"/>
-                <a:ea typeface="+mn-lt"/>
-                <a:cs typeface="+mn-lt"/>
-              </a:rPr>
-              <a:t>Ida Kristine Sandford Meitil. (2021). Using deep learning for improving TCR homology modeling and its application to immunogenicity prediction [Master’s Thesis, DTU]</a:t>
-            </a:r>
-            <a:endParaRPr lang="en-US" dirty="0">
-              <a:latin typeface="Arial"/>
-              <a:cs typeface="Arial"/>
-            </a:endParaRPr>
-          </a:p>
-          <a:p>
-            <a:pPr marL="285750" indent="-285750">
-              <a:buFont typeface="Arial"/>
-              <a:buChar char="•"/>
-            </a:pPr>
-            <a:r>
-              <a:rPr lang="en-US" dirty="0">
-                <a:latin typeface="Arial"/>
-                <a:cs typeface="Arial"/>
-              </a:rPr>
-              <a:t>Rives, A. et al. (2021). Biological structure and function emerge from scaling unsupervised learning to 250 million protein sequences</a:t>
+          <a:p>
+            <a:r>
+              <a:rPr lang="en-US" dirty="0" smtClean="0">
+                <a:latin typeface="Arial" panose="020B0604020202020204" pitchFamily="34" charset="0"/>
+                <a:cs typeface="Arial" panose="020B0604020202020204" pitchFamily="34" charset="0"/>
+              </a:rPr>
+              <a:t>[3] Rives, A. et al. (2021). Biological structure and function emerge from scaling unsupervised learning to 250 million protein sequences</a:t>
+            </a:r>
+            <a:r>
+              <a:rPr lang="en-US" i="1" dirty="0" smtClean="0">
+                <a:latin typeface="Arial" panose="020B0604020202020204" pitchFamily="34" charset="0"/>
+                <a:cs typeface="Arial" panose="020B0604020202020204" pitchFamily="34" charset="0"/>
+              </a:rPr>
+              <a:t>. Proceedings of the National Academy of Sciences, 118(15).</a:t>
             </a:r>
             <a:r>
               <a:rPr lang="en-US" i="1" dirty="0">
-                <a:latin typeface="Arial"/>
-                <a:cs typeface="Arial"/>
-              </a:rPr>
-              <a:t>. Proceedings of the National Academy of Sciences, 118(15).</a:t>
-            </a:r>
-            <a:endParaRPr lang="en-US">
-              <a:latin typeface="Arial"/>
-              <a:cs typeface="Arial"/>
-            </a:endParaRPr>
-          </a:p>
-          <a:p>
-            <a:pPr marL="285750" indent="-285750">
-              <a:buFont typeface="Arial"/>
-              <a:buChar char="•"/>
-            </a:pPr>
+                <a:latin typeface="Arial" panose="020B0604020202020204" pitchFamily="34" charset="0"/>
+                <a:cs typeface="Arial" panose="020B0604020202020204" pitchFamily="34" charset="0"/>
+              </a:rPr>
+              <a:t/>
+            </a:r>
             <a:br>
               <a:rPr lang="en-US" i="1" dirty="0">
-                <a:latin typeface="Arial"/>
+                <a:latin typeface="Arial" panose="020B0604020202020204" pitchFamily="34" charset="0"/>
+                <a:cs typeface="Arial" panose="020B0604020202020204" pitchFamily="34" charset="0"/>
               </a:rPr>
             </a:br>
             <a:endParaRPr lang="en-US" i="1" dirty="0">
-              <a:latin typeface="Arial"/>
-              <a:cs typeface="Arial"/>
+              <a:latin typeface="Arial" panose="020B0604020202020204" pitchFamily="34" charset="0"/>
+              <a:cs typeface="Arial" panose="020B0604020202020204" pitchFamily="34" charset="0"/>
             </a:endParaRPr>
           </a:p>
         </p:txBody>
@@ -5815,7 +5568,7 @@
           <p:cNvPr id="39" name="Round Same Side Corner Rectangle 137">
             <a:extLst>
               <a:ext uri="{FF2B5EF4-FFF2-40B4-BE49-F238E27FC236}">
-                <a16:creationId xmlns:a16="http://schemas.microsoft.com/office/drawing/2014/main" id="{E416DD2D-00A9-4581-8B16-BB3C03226A4A}"/>
+                <a16:creationId xmlns:a16="http://schemas.microsoft.com/office/drawing/2014/main" xmlns="" id="{E416DD2D-00A9-4581-8B16-BB3C03226A4A}"/>
               </a:ext>
             </a:extLst>
           </p:cNvPr>
@@ -5824,7 +5577,7 @@
         </p:nvSpPr>
         <p:spPr>
           <a:xfrm>
-            <a:off x="235507" y="25766409"/>
+            <a:off x="253970" y="27880586"/>
             <a:ext cx="20880000" cy="540000"/>
           </a:xfrm>
           <a:prstGeom prst="round2SameRect">
@@ -5865,17 +5618,12 @@
             <a:pPr algn="ctr"/>
             <a:r>
               <a:rPr lang="en-US" sz="3200" b="1" dirty="0">
-                <a:latin typeface="Arial"/>
+                <a:latin typeface="Arial" panose="020B0604020202020204" pitchFamily="34" charset="0"/>
                 <a:ea typeface="Arial" charset="0"/>
-                <a:cs typeface="Arial"/>
+                <a:cs typeface="Arial" panose="020B0604020202020204" pitchFamily="34" charset="0"/>
               </a:rPr>
               <a:t>References</a:t>
             </a:r>
-            <a:endParaRPr lang="en-US" sz="3200" b="1" dirty="0">
-              <a:latin typeface="Arial" charset="0"/>
-              <a:ea typeface="Arial" charset="0"/>
-              <a:cs typeface="Arial" charset="0"/>
-            </a:endParaRPr>
           </a:p>
         </p:txBody>
       </p:sp>
@@ -5884,7 +5632,7 @@
           <p:cNvPr id="9" name="TextBox 8">
             <a:extLst>
               <a:ext uri="{FF2B5EF4-FFF2-40B4-BE49-F238E27FC236}">
-                <a16:creationId xmlns:a16="http://schemas.microsoft.com/office/drawing/2014/main" id="{7D584BC0-CFB4-44BF-8499-422590EEED04}"/>
+                <a16:creationId xmlns:a16="http://schemas.microsoft.com/office/drawing/2014/main" xmlns="" id="{7D584BC0-CFB4-44BF-8499-422590EEED04}"/>
               </a:ext>
             </a:extLst>
           </p:cNvPr>
@@ -5893,8 +5641,8 @@
         </p:nvSpPr>
         <p:spPr>
           <a:xfrm>
-            <a:off x="13178908" y="7889081"/>
-            <a:ext cx="5201745" cy="558392"/>
+            <a:off x="13312258" y="7260730"/>
+            <a:ext cx="5201745" cy="1015663"/>
           </a:xfrm>
           <a:prstGeom prst="rect">
             <a:avLst/>
@@ -5911,11 +5659,15 @@
           <a:lstStyle/>
           <a:p>
             <a:r>
-              <a:rPr lang="en-GB" sz="3000" dirty="0"/>
+              <a:rPr lang="en-GB" sz="3000" dirty="0">
+                <a:latin typeface="Arial" panose="020B0604020202020204" pitchFamily="34" charset="0"/>
+                <a:cs typeface="Arial" panose="020B0604020202020204" pitchFamily="34" charset="0"/>
+              </a:rPr>
               <a:t>IMAGE OF TCR-PMHC COMPLEX</a:t>
             </a:r>
-            <a:endParaRPr lang="en-US" sz="3000">
-              <a:cs typeface="Calibri"/>
+            <a:endParaRPr lang="en-US" sz="3000" dirty="0">
+              <a:latin typeface="Arial" panose="020B0604020202020204" pitchFamily="34" charset="0"/>
+              <a:cs typeface="Arial" panose="020B0604020202020204" pitchFamily="34" charset="0"/>
             </a:endParaRPr>
           </a:p>
         </p:txBody>
@@ -5925,7 +5677,7 @@
           <p:cNvPr id="10" name="TextBox 9">
             <a:extLst>
               <a:ext uri="{FF2B5EF4-FFF2-40B4-BE49-F238E27FC236}">
-                <a16:creationId xmlns:a16="http://schemas.microsoft.com/office/drawing/2014/main" id="{0F50DE13-E128-4F41-B202-B86A9CAA9FC5}"/>
+                <a16:creationId xmlns:a16="http://schemas.microsoft.com/office/drawing/2014/main" xmlns="" id="{0F50DE13-E128-4F41-B202-B86A9CAA9FC5}"/>
               </a:ext>
             </a:extLst>
           </p:cNvPr>
@@ -5934,8 +5686,8 @@
         </p:nvSpPr>
         <p:spPr>
           <a:xfrm>
-            <a:off x="13550531" y="12051506"/>
-            <a:ext cx="2743200" cy="646331"/>
+            <a:off x="13036580" y="14204395"/>
+            <a:ext cx="6127720" cy="1015663"/>
           </a:xfrm>
           <a:prstGeom prst="rect">
             <a:avLst/>
@@ -5952,16 +5704,592 @@
           <a:lstStyle/>
           <a:p>
             <a:r>
-              <a:rPr lang="en-GB"/>
-              <a:t>IMAGE OF TCR-PMHC COMPLEX</a:t>
-            </a:r>
-            <a:r>
-              <a:rPr lang="en-GB">
-                <a:cs typeface="Calibri"/>
-              </a:rPr>
-              <a:t>​</a:t>
-            </a:r>
-            <a:endParaRPr lang="en-GB"/>
+              <a:rPr lang="en-GB" sz="3000" dirty="0">
+                <a:latin typeface="Arial" panose="020B0604020202020204" pitchFamily="34" charset="0"/>
+                <a:cs typeface="Arial" panose="020B0604020202020204" pitchFamily="34" charset="0"/>
+              </a:rPr>
+              <a:t>IMAGE OF ARCHITECTURE FROM HENRIETTA</a:t>
+            </a:r>
+            <a:endParaRPr lang="en-GB" sz="3000" dirty="0">
+              <a:latin typeface="Arial" panose="020B0604020202020204" pitchFamily="34" charset="0"/>
+              <a:cs typeface="Arial" panose="020B0604020202020204" pitchFamily="34" charset="0"/>
+            </a:endParaRPr>
+          </a:p>
+        </p:txBody>
+      </p:sp>
+      <p:cxnSp>
+        <p:nvCxnSpPr>
+          <p:cNvPr id="41" name="Straight Arrow Connector 5">
+            <a:extLst>
+              <a:ext uri="{FF2B5EF4-FFF2-40B4-BE49-F238E27FC236}">
+                <a16:creationId xmlns:a16="http://schemas.microsoft.com/office/drawing/2014/main" xmlns="" id="{4BC5C381-EF6A-472E-B50A-6D5600D1C737}"/>
+              </a:ext>
+            </a:extLst>
+          </p:cNvPr>
+          <p:cNvCxnSpPr>
+            <a:stCxn id="19" idx="3"/>
+          </p:cNvCxnSpPr>
+          <p:nvPr/>
+        </p:nvCxnSpPr>
+        <p:spPr>
+          <a:xfrm flipV="1">
+            <a:off x="4273584" y="13639804"/>
+            <a:ext cx="398002" cy="6919"/>
+          </a:xfrm>
+          <a:prstGeom prst="straightConnector1">
+            <a:avLst/>
+          </a:prstGeom>
+          <a:ln w="28575">
+            <a:solidFill>
+              <a:srgbClr val="2F3EEA"/>
+            </a:solidFill>
+            <a:tailEnd type="triangle"/>
+          </a:ln>
+        </p:spPr>
+        <p:style>
+          <a:lnRef idx="1">
+            <a:schemeClr val="accent1"/>
+          </a:lnRef>
+          <a:fillRef idx="0">
+            <a:schemeClr val="accent1"/>
+          </a:fillRef>
+          <a:effectRef idx="0">
+            <a:schemeClr val="accent1"/>
+          </a:effectRef>
+          <a:fontRef idx="minor">
+            <a:schemeClr val="tx1"/>
+          </a:fontRef>
+        </p:style>
+      </p:cxnSp>
+      <p:cxnSp>
+        <p:nvCxnSpPr>
+          <p:cNvPr id="42" name="Straight Arrow Connector 5">
+            <a:extLst>
+              <a:ext uri="{FF2B5EF4-FFF2-40B4-BE49-F238E27FC236}">
+                <a16:creationId xmlns:a16="http://schemas.microsoft.com/office/drawing/2014/main" xmlns="" id="{4BC5C381-EF6A-472E-B50A-6D5600D1C737}"/>
+              </a:ext>
+            </a:extLst>
+          </p:cNvPr>
+          <p:cNvCxnSpPr/>
+          <p:nvPr/>
+        </p:nvCxnSpPr>
+        <p:spPr>
+          <a:xfrm>
+            <a:off x="5964657" y="13641887"/>
+            <a:ext cx="564304" cy="0"/>
+          </a:xfrm>
+          <a:prstGeom prst="straightConnector1">
+            <a:avLst/>
+          </a:prstGeom>
+          <a:ln w="28575">
+            <a:solidFill>
+              <a:srgbClr val="2F3EEA"/>
+            </a:solidFill>
+            <a:tailEnd type="triangle"/>
+          </a:ln>
+        </p:spPr>
+        <p:style>
+          <a:lnRef idx="1">
+            <a:schemeClr val="accent1"/>
+          </a:lnRef>
+          <a:fillRef idx="0">
+            <a:schemeClr val="accent1"/>
+          </a:fillRef>
+          <a:effectRef idx="0">
+            <a:schemeClr val="accent1"/>
+          </a:effectRef>
+          <a:fontRef idx="minor">
+            <a:schemeClr val="tx1"/>
+          </a:fontRef>
+        </p:style>
+      </p:cxnSp>
+      <p:sp>
+        <p:nvSpPr>
+          <p:cNvPr id="43" name="Rectangle 42">
+            <a:extLst>
+              <a:ext uri="{FF2B5EF4-FFF2-40B4-BE49-F238E27FC236}">
+                <a16:creationId xmlns:a16="http://schemas.microsoft.com/office/drawing/2014/main" xmlns="" id="{7E83F05A-E681-4C38-B5BA-7833319671E3}"/>
+              </a:ext>
+            </a:extLst>
+          </p:cNvPr>
+          <p:cNvSpPr/>
+          <p:nvPr/>
+        </p:nvSpPr>
+        <p:spPr>
+          <a:xfrm>
+            <a:off x="6533959" y="13299768"/>
+            <a:ext cx="801860" cy="697513"/>
+          </a:xfrm>
+          <a:prstGeom prst="rect">
+            <a:avLst/>
+          </a:prstGeom>
+          <a:solidFill>
+            <a:schemeClr val="bg1"/>
+          </a:solidFill>
+          <a:ln w="28575">
+            <a:solidFill>
+              <a:srgbClr val="2F3EEA"/>
+            </a:solidFill>
+          </a:ln>
+        </p:spPr>
+        <p:style>
+          <a:lnRef idx="2">
+            <a:schemeClr val="accent1">
+              <a:shade val="50000"/>
+            </a:schemeClr>
+          </a:lnRef>
+          <a:fillRef idx="1">
+            <a:schemeClr val="accent1"/>
+          </a:fillRef>
+          <a:effectRef idx="0">
+            <a:schemeClr val="accent1"/>
+          </a:effectRef>
+          <a:fontRef idx="minor">
+            <a:schemeClr val="lt1"/>
+          </a:fontRef>
+        </p:style>
+        <p:txBody>
+          <a:bodyPr lIns="91440" tIns="45720" rIns="91440" bIns="45720" rtlCol="0" anchor="ctr"/>
+          <a:lstStyle/>
+          <a:p>
+            <a:pPr algn="ctr"/>
+            <a:r>
+              <a:rPr lang="en-US" dirty="0" smtClean="0">
+                <a:solidFill>
+                  <a:schemeClr val="tx1"/>
+                </a:solidFill>
+                <a:latin typeface="Arial" panose="020B0604020202020204" pitchFamily="34" charset="0"/>
+                <a:cs typeface="Arial" panose="020B0604020202020204" pitchFamily="34" charset="0"/>
+              </a:rPr>
+              <a:t>PCA</a:t>
+            </a:r>
+            <a:endParaRPr lang="en-US" dirty="0">
+              <a:solidFill>
+                <a:schemeClr val="tx1"/>
+              </a:solidFill>
+              <a:latin typeface="Arial" panose="020B0604020202020204" pitchFamily="34" charset="0"/>
+              <a:cs typeface="Arial" panose="020B0604020202020204" pitchFamily="34" charset="0"/>
+            </a:endParaRPr>
+          </a:p>
+        </p:txBody>
+      </p:sp>
+      <p:cxnSp>
+        <p:nvCxnSpPr>
+          <p:cNvPr id="46" name="Straight Arrow Connector 30">
+            <a:extLst>
+              <a:ext uri="{FF2B5EF4-FFF2-40B4-BE49-F238E27FC236}">
+                <a16:creationId xmlns:a16="http://schemas.microsoft.com/office/drawing/2014/main" xmlns="" id="{72A3FFE5-F991-423A-85A9-7571FF68D620}"/>
+              </a:ext>
+            </a:extLst>
+          </p:cNvPr>
+          <p:cNvCxnSpPr/>
+          <p:nvPr/>
+        </p:nvCxnSpPr>
+        <p:spPr>
+          <a:xfrm flipV="1">
+            <a:off x="6925364" y="12379364"/>
+            <a:ext cx="0" cy="919049"/>
+          </a:xfrm>
+          <a:prstGeom prst="straightConnector1">
+            <a:avLst/>
+          </a:prstGeom>
+          <a:ln w="28575">
+            <a:solidFill>
+              <a:srgbClr val="2F3EEA"/>
+            </a:solidFill>
+          </a:ln>
+        </p:spPr>
+        <p:style>
+          <a:lnRef idx="1">
+            <a:schemeClr val="accent1"/>
+          </a:lnRef>
+          <a:fillRef idx="0">
+            <a:schemeClr val="accent1"/>
+          </a:fillRef>
+          <a:effectRef idx="0">
+            <a:schemeClr val="accent1"/>
+          </a:effectRef>
+          <a:fontRef idx="minor">
+            <a:schemeClr val="tx1"/>
+          </a:fontRef>
+        </p:style>
+      </p:cxnSp>
+      <p:cxnSp>
+        <p:nvCxnSpPr>
+          <p:cNvPr id="56" name="Straight Arrow Connector 22">
+            <a:extLst>
+              <a:ext uri="{FF2B5EF4-FFF2-40B4-BE49-F238E27FC236}">
+                <a16:creationId xmlns:a16="http://schemas.microsoft.com/office/drawing/2014/main" xmlns="" id="{4A3A8525-500B-468B-B048-01FC4E6A6543}"/>
+              </a:ext>
+            </a:extLst>
+          </p:cNvPr>
+          <p:cNvCxnSpPr>
+            <a:cxnSpLocks/>
+          </p:cNvCxnSpPr>
+          <p:nvPr/>
+        </p:nvCxnSpPr>
+        <p:spPr>
+          <a:xfrm>
+            <a:off x="10693970" y="12384382"/>
+            <a:ext cx="639596" cy="0"/>
+          </a:xfrm>
+          <a:prstGeom prst="straightConnector1">
+            <a:avLst/>
+          </a:prstGeom>
+          <a:ln w="28575">
+            <a:solidFill>
+              <a:srgbClr val="2F3EEA"/>
+            </a:solidFill>
+            <a:tailEnd type="triangle"/>
+          </a:ln>
+        </p:spPr>
+        <p:style>
+          <a:lnRef idx="1">
+            <a:schemeClr val="accent1"/>
+          </a:lnRef>
+          <a:fillRef idx="0">
+            <a:schemeClr val="accent1"/>
+          </a:fillRef>
+          <a:effectRef idx="0">
+            <a:schemeClr val="accent1"/>
+          </a:effectRef>
+          <a:fontRef idx="minor">
+            <a:schemeClr val="tx1"/>
+          </a:fontRef>
+        </p:style>
+      </p:cxnSp>
+      <p:cxnSp>
+        <p:nvCxnSpPr>
+          <p:cNvPr id="57" name="Straight Arrow Connector 22">
+            <a:extLst>
+              <a:ext uri="{FF2B5EF4-FFF2-40B4-BE49-F238E27FC236}">
+                <a16:creationId xmlns:a16="http://schemas.microsoft.com/office/drawing/2014/main" xmlns="" id="{4A3A8525-500B-468B-B048-01FC4E6A6543}"/>
+              </a:ext>
+            </a:extLst>
+          </p:cNvPr>
+          <p:cNvCxnSpPr>
+            <a:cxnSpLocks/>
+          </p:cNvCxnSpPr>
+          <p:nvPr/>
+        </p:nvCxnSpPr>
+        <p:spPr>
+          <a:xfrm>
+            <a:off x="12232926" y="12381157"/>
+            <a:ext cx="639596" cy="0"/>
+          </a:xfrm>
+          <a:prstGeom prst="straightConnector1">
+            <a:avLst/>
+          </a:prstGeom>
+          <a:ln w="28575">
+            <a:solidFill>
+              <a:srgbClr val="2F3EEA"/>
+            </a:solidFill>
+            <a:tailEnd type="triangle"/>
+          </a:ln>
+        </p:spPr>
+        <p:style>
+          <a:lnRef idx="1">
+            <a:schemeClr val="accent1"/>
+          </a:lnRef>
+          <a:fillRef idx="0">
+            <a:schemeClr val="accent1"/>
+          </a:fillRef>
+          <a:effectRef idx="0">
+            <a:schemeClr val="accent1"/>
+          </a:effectRef>
+          <a:fontRef idx="minor">
+            <a:schemeClr val="tx1"/>
+          </a:fontRef>
+        </p:style>
+      </p:cxnSp>
+      <p:cxnSp>
+        <p:nvCxnSpPr>
+          <p:cNvPr id="58" name="Straight Arrow Connector 30">
+            <a:extLst>
+              <a:ext uri="{FF2B5EF4-FFF2-40B4-BE49-F238E27FC236}">
+                <a16:creationId xmlns:a16="http://schemas.microsoft.com/office/drawing/2014/main" xmlns="" id="{72A3FFE5-F991-423A-85A9-7571FF68D620}"/>
+              </a:ext>
+            </a:extLst>
+          </p:cNvPr>
+          <p:cNvCxnSpPr/>
+          <p:nvPr/>
+        </p:nvCxnSpPr>
+        <p:spPr>
+          <a:xfrm flipV="1">
+            <a:off x="8671614" y="11647038"/>
+            <a:ext cx="0" cy="737345"/>
+          </a:xfrm>
+          <a:prstGeom prst="straightConnector1">
+            <a:avLst/>
+          </a:prstGeom>
+          <a:ln w="28575">
+            <a:solidFill>
+              <a:srgbClr val="2F3EEA"/>
+            </a:solidFill>
+          </a:ln>
+        </p:spPr>
+        <p:style>
+          <a:lnRef idx="1">
+            <a:schemeClr val="accent1"/>
+          </a:lnRef>
+          <a:fillRef idx="0">
+            <a:schemeClr val="accent1"/>
+          </a:fillRef>
+          <a:effectRef idx="0">
+            <a:schemeClr val="accent1"/>
+          </a:effectRef>
+          <a:fontRef idx="minor">
+            <a:schemeClr val="tx1"/>
+          </a:fontRef>
+        </p:style>
+      </p:cxnSp>
+      <p:sp>
+        <p:nvSpPr>
+          <p:cNvPr id="61" name="TextBox 9">
+            <a:extLst>
+              <a:ext uri="{FF2B5EF4-FFF2-40B4-BE49-F238E27FC236}">
+                <a16:creationId xmlns:a16="http://schemas.microsoft.com/office/drawing/2014/main" xmlns="" id="{0F50DE13-E128-4F41-B202-B86A9CAA9FC5}"/>
+              </a:ext>
+            </a:extLst>
+          </p:cNvPr>
+          <p:cNvSpPr txBox="1"/>
+          <p:nvPr/>
+        </p:nvSpPr>
+        <p:spPr>
+          <a:xfrm>
+            <a:off x="2875818" y="19734935"/>
+            <a:ext cx="3591536" cy="1477328"/>
+          </a:xfrm>
+          <a:prstGeom prst="rect">
+            <a:avLst/>
+          </a:prstGeom>
+          <a:noFill/>
+        </p:spPr>
+        <p:txBody>
+          <a:bodyPr rot="0" spcFirstLastPara="0" vertOverflow="overflow" horzOverflow="overflow" vert="horz" wrap="square" lIns="91440" tIns="45720" rIns="91440" bIns="45720" numCol="1" spcCol="0" rtlCol="0" fromWordArt="0" anchor="t" anchorCtr="0" forceAA="0" compatLnSpc="1">
+            <a:prstTxWarp prst="textNoShape">
+              <a:avLst/>
+            </a:prstTxWarp>
+            <a:spAutoFit/>
+          </a:bodyPr>
+          <a:lstStyle/>
+          <a:p>
+            <a:r>
+              <a:rPr lang="en-GB" sz="3000" dirty="0" smtClean="0">
+                <a:latin typeface="Arial" panose="020B0604020202020204" pitchFamily="34" charset="0"/>
+                <a:cs typeface="Arial" panose="020B0604020202020204" pitchFamily="34" charset="0"/>
+              </a:rPr>
+              <a:t>MCC on test</a:t>
+            </a:r>
+          </a:p>
+          <a:p>
+            <a:r>
+              <a:rPr lang="en-GB" sz="3000" dirty="0" smtClean="0">
+                <a:latin typeface="Arial" panose="020B0604020202020204" pitchFamily="34" charset="0"/>
+                <a:cs typeface="Arial" panose="020B0604020202020204" pitchFamily="34" charset="0"/>
+              </a:rPr>
+              <a:t>Confusion matrix</a:t>
+            </a:r>
+          </a:p>
+          <a:p>
+            <a:r>
+              <a:rPr lang="en-GB" sz="3000" dirty="0" smtClean="0">
+                <a:latin typeface="Arial" panose="020B0604020202020204" pitchFamily="34" charset="0"/>
+                <a:cs typeface="Arial" panose="020B0604020202020204" pitchFamily="34" charset="0"/>
+              </a:rPr>
+              <a:t>AUC plot</a:t>
+            </a:r>
+            <a:endParaRPr lang="en-GB" sz="3000" dirty="0">
+              <a:latin typeface="Arial" panose="020B0604020202020204" pitchFamily="34" charset="0"/>
+              <a:cs typeface="Arial" panose="020B0604020202020204" pitchFamily="34" charset="0"/>
+            </a:endParaRPr>
+          </a:p>
+        </p:txBody>
+      </p:sp>
+      <p:sp>
+        <p:nvSpPr>
+          <p:cNvPr id="53" name="Rectangle 52"/>
+          <p:cNvSpPr/>
+          <p:nvPr/>
+        </p:nvSpPr>
+        <p:spPr>
+          <a:xfrm>
+            <a:off x="7755971" y="20196600"/>
+            <a:ext cx="4221027" cy="553998"/>
+          </a:xfrm>
+          <a:prstGeom prst="rect">
+            <a:avLst/>
+          </a:prstGeom>
+        </p:spPr>
+        <p:txBody>
+          <a:bodyPr wrap="none">
+            <a:spAutoFit/>
+          </a:bodyPr>
+          <a:lstStyle/>
+          <a:p>
+            <a:r>
+              <a:rPr lang="en-GB" sz="3000" dirty="0" smtClean="0">
+                <a:latin typeface="Arial" panose="020B0604020202020204" pitchFamily="34" charset="0"/>
+                <a:cs typeface="Arial" panose="020B0604020202020204" pitchFamily="34" charset="0"/>
+              </a:rPr>
+              <a:t>Comparison with Ida [2]</a:t>
+            </a:r>
+            <a:endParaRPr lang="en-GB" sz="3000" dirty="0">
+              <a:latin typeface="Arial" panose="020B0604020202020204" pitchFamily="34" charset="0"/>
+              <a:cs typeface="Arial" panose="020B0604020202020204" pitchFamily="34" charset="0"/>
+            </a:endParaRPr>
+          </a:p>
+        </p:txBody>
+      </p:sp>
+      <p:sp>
+        <p:nvSpPr>
+          <p:cNvPr id="68" name="Round Same Side Corner Rectangle 137">
+            <a:extLst>
+              <a:ext uri="{FF2B5EF4-FFF2-40B4-BE49-F238E27FC236}">
+                <a16:creationId xmlns:a16="http://schemas.microsoft.com/office/drawing/2014/main" xmlns="" id="{E416DD2D-00A9-4581-8B16-BB3C03226A4A}"/>
+              </a:ext>
+            </a:extLst>
+          </p:cNvPr>
+          <p:cNvSpPr/>
+          <p:nvPr/>
+        </p:nvSpPr>
+        <p:spPr>
+          <a:xfrm>
+            <a:off x="253970" y="25485928"/>
+            <a:ext cx="20880000" cy="540000"/>
+          </a:xfrm>
+          <a:prstGeom prst="round2SameRect">
+            <a:avLst>
+              <a:gd name="adj1" fmla="val 50000"/>
+              <a:gd name="adj2" fmla="val 0"/>
+            </a:avLst>
+          </a:prstGeom>
+          <a:solidFill>
+            <a:srgbClr val="990000"/>
+          </a:solidFill>
+          <a:ln w="63500">
+            <a:solidFill>
+              <a:srgbClr val="901A1E"/>
+            </a:solidFill>
+          </a:ln>
+        </p:spPr>
+        <p:style>
+          <a:lnRef idx="2">
+            <a:schemeClr val="accent1">
+              <a:shade val="50000"/>
+            </a:schemeClr>
+          </a:lnRef>
+          <a:fillRef idx="1">
+            <a:schemeClr val="accent1"/>
+          </a:fillRef>
+          <a:effectRef idx="0">
+            <a:schemeClr val="accent1"/>
+          </a:effectRef>
+          <a:fontRef idx="minor">
+            <a:schemeClr val="lt1"/>
+          </a:fontRef>
+        </p:style>
+        <p:txBody>
+          <a:bodyPr lIns="91440" tIns="45720" rIns="91440" bIns="72000" rtlCol="0" anchor="ctr"/>
+          <a:lstStyle/>
+          <a:p>
+            <a:pPr algn="ctr"/>
+            <a:r>
+              <a:rPr lang="en-US" sz="3200" b="1" dirty="0" smtClean="0">
+                <a:latin typeface="Arial" panose="020B0604020202020204" pitchFamily="34" charset="0"/>
+                <a:ea typeface="Arial" charset="0"/>
+                <a:cs typeface="Arial" panose="020B0604020202020204" pitchFamily="34" charset="0"/>
+              </a:rPr>
+              <a:t>Discussion</a:t>
+            </a:r>
+            <a:endParaRPr lang="en-US" sz="3200" b="1" dirty="0">
+              <a:latin typeface="Arial" panose="020B0604020202020204" pitchFamily="34" charset="0"/>
+              <a:ea typeface="Arial" charset="0"/>
+              <a:cs typeface="Arial" panose="020B0604020202020204" pitchFamily="34" charset="0"/>
+            </a:endParaRPr>
+          </a:p>
+        </p:txBody>
+      </p:sp>
+      <p:sp>
+        <p:nvSpPr>
+          <p:cNvPr id="54" name="Rectangle 53"/>
+          <p:cNvSpPr/>
+          <p:nvPr/>
+        </p:nvSpPr>
+        <p:spPr>
+          <a:xfrm>
+            <a:off x="760184" y="26412559"/>
+            <a:ext cx="7911430" cy="923330"/>
+          </a:xfrm>
+          <a:prstGeom prst="rect">
+            <a:avLst/>
+          </a:prstGeom>
+        </p:spPr>
+        <p:txBody>
+          <a:bodyPr wrap="square">
+            <a:spAutoFit/>
+          </a:bodyPr>
+          <a:lstStyle/>
+          <a:p>
+            <a:r>
+              <a:rPr lang="en-US" dirty="0" smtClean="0">
+                <a:latin typeface="Arial" panose="020B0604020202020204" pitchFamily="34" charset="0"/>
+                <a:ea typeface="+mn-lt"/>
+                <a:cs typeface="Arial" panose="020B0604020202020204" pitchFamily="34" charset="0"/>
+              </a:rPr>
+              <a:t>High number of negative</a:t>
+            </a:r>
+          </a:p>
+          <a:p>
+            <a:r>
+              <a:rPr lang="en-US" dirty="0" smtClean="0">
+                <a:latin typeface="Arial" panose="020B0604020202020204" pitchFamily="34" charset="0"/>
+                <a:ea typeface="+mn-lt"/>
+                <a:cs typeface="Arial" panose="020B0604020202020204" pitchFamily="34" charset="0"/>
+              </a:rPr>
+              <a:t>BERT</a:t>
+            </a:r>
+          </a:p>
+          <a:p>
+            <a:r>
+              <a:rPr lang="en-US" dirty="0" smtClean="0">
+                <a:latin typeface="Arial" panose="020B0604020202020204" pitchFamily="34" charset="0"/>
+                <a:ea typeface="+mn-lt"/>
+                <a:cs typeface="Arial" panose="020B0604020202020204" pitchFamily="34" charset="0"/>
+              </a:rPr>
+              <a:t>Graph based approach</a:t>
+            </a:r>
+            <a:endParaRPr lang="fr-FR" dirty="0"/>
+          </a:p>
+        </p:txBody>
+      </p:sp>
+      <p:sp>
+        <p:nvSpPr>
+          <p:cNvPr id="55" name="ZoneTexte 54"/>
+          <p:cNvSpPr txBox="1"/>
+          <p:nvPr/>
+        </p:nvSpPr>
+        <p:spPr>
+          <a:xfrm>
+            <a:off x="6229507" y="14724431"/>
+            <a:ext cx="2998385" cy="369332"/>
+          </a:xfrm>
+          <a:prstGeom prst="rect">
+            <a:avLst/>
+          </a:prstGeom>
+          <a:noFill/>
+        </p:spPr>
+        <p:txBody>
+          <a:bodyPr wrap="none" rtlCol="0">
+            <a:spAutoFit/>
+          </a:bodyPr>
+          <a:lstStyle/>
+          <a:p>
+            <a:r>
+              <a:rPr lang="fr-FR" i="1" dirty="0" smtClean="0"/>
+              <a:t>Figure 2. Pipeline for the data.</a:t>
+            </a:r>
+            <a:endParaRPr lang="fr-FR" i="1" dirty="0"/>
           </a:p>
         </p:txBody>
       </p:sp>
@@ -5975,6 +6303,13 @@
   <p:clrMapOvr>
     <a:masterClrMapping/>
   </p:clrMapOvr>
+  <p:timing>
+    <p:tnLst>
+      <p:par>
+        <p:cTn id="1" dur="indefinite" restart="never" nodeType="tmRoot"/>
+      </p:par>
+    </p:tnLst>
+  </p:timing>
 </p:sld>
 </file>
 
@@ -6535,21 +6870,6 @@
 </file>
 
 <file path=customXml/item1.xml><?xml version="1.0" encoding="utf-8"?>
-<?mso-contentType ?>
-<FormTemplates xmlns="http://schemas.microsoft.com/sharepoint/v3/contenttype/forms">
-  <Display>DocumentLibraryForm</Display>
-  <Edit>DocumentLibraryForm</Edit>
-  <New>DocumentLibraryForm</New>
-</FormTemplates>
-</file>
-
-<file path=customXml/item2.xml><?xml version="1.0" encoding="utf-8"?>
-<p:properties xmlns:p="http://schemas.microsoft.com/office/2006/metadata/properties" xmlns:xsi="http://www.w3.org/2001/XMLSchema-instance" xmlns:pc="http://schemas.microsoft.com/office/infopath/2007/PartnerControls">
-  <documentManagement/>
-</p:properties>
-</file>
-
-<file path=customXml/item3.xml><?xml version="1.0" encoding="utf-8"?>
 <ct:contentTypeSchema xmlns:ct="http://schemas.microsoft.com/office/2006/metadata/contentType" xmlns:ma="http://schemas.microsoft.com/office/2006/metadata/properties/metaAttributes" ct:_="" ma:_="" ma:contentTypeName="Dokument" ma:contentTypeID="0x0101005E463CDCE29E264BAAEC2B3AEC8F5142" ma:contentTypeVersion="2" ma:contentTypeDescription="Opret et nyt dokument." ma:contentTypeScope="" ma:versionID="40f9935ff4a16e0d5b8e000d0b147fdc">
   <xsd:schema xmlns:xsd="http://www.w3.org/2001/XMLSchema" xmlns:xs="http://www.w3.org/2001/XMLSchema" xmlns:p="http://schemas.microsoft.com/office/2006/metadata/properties" xmlns:ns2="74242bd1-cb82-4e60-a08e-4217a7fb8d1d" targetNamespace="http://schemas.microsoft.com/office/2006/metadata/properties" ma:root="true" ma:fieldsID="4c2aca2db47d5d21ece1ec953cba830c" ns2:_="">
     <xsd:import namespace="74242bd1-cb82-4e60-a08e-4217a7fb8d1d"/>
@@ -6681,24 +7001,22 @@
 </ct:contentTypeSchema>
 </file>
 
-<file path=customXml/itemProps1.xml><?xml version="1.0" encoding="utf-8"?>
-<ds:datastoreItem xmlns:ds="http://schemas.openxmlformats.org/officeDocument/2006/customXml" ds:itemID="{405562AF-484A-42F9-A02C-A3F5AD59D6C1}">
-  <ds:schemaRefs>
-    <ds:schemaRef ds:uri="http://schemas.microsoft.com/sharepoint/v3/contenttype/forms"/>
-  </ds:schemaRefs>
-</ds:datastoreItem>
+<file path=customXml/item2.xml><?xml version="1.0" encoding="utf-8"?>
+<p:properties xmlns:p="http://schemas.microsoft.com/office/2006/metadata/properties" xmlns:xsi="http://www.w3.org/2001/XMLSchema-instance" xmlns:pc="http://schemas.microsoft.com/office/infopath/2007/PartnerControls">
+  <documentManagement/>
+</p:properties>
 </file>
 
-<file path=customXml/itemProps2.xml><?xml version="1.0" encoding="utf-8"?>
-<ds:datastoreItem xmlns:ds="http://schemas.openxmlformats.org/officeDocument/2006/customXml" ds:itemID="{CB370A3C-731B-4F4D-ABD0-42474AC25910}">
-  <ds:schemaRefs>
-    <ds:schemaRef ds:uri="http://schemas.microsoft.com/office/2006/metadata/properties"/>
-    <ds:schemaRef ds:uri="http://schemas.microsoft.com/office/infopath/2007/PartnerControls"/>
-  </ds:schemaRefs>
-</ds:datastoreItem>
+<file path=customXml/item3.xml><?xml version="1.0" encoding="utf-8"?>
+<?mso-contentType ?>
+<FormTemplates xmlns="http://schemas.microsoft.com/sharepoint/v3/contenttype/forms">
+  <Display>DocumentLibraryForm</Display>
+  <Edit>DocumentLibraryForm</Edit>
+  <New>DocumentLibraryForm</New>
+</FormTemplates>
 </file>
 
-<file path=customXml/itemProps3.xml><?xml version="1.0" encoding="utf-8"?>
+<file path=customXml/itemProps1.xml><?xml version="1.0" encoding="utf-8"?>
 <ds:datastoreItem xmlns:ds="http://schemas.openxmlformats.org/officeDocument/2006/customXml" ds:itemID="{A265213D-E9A2-401B-A85F-226A40D5C1B2}">
   <ds:schemaRefs>
     <ds:schemaRef ds:uri="http://schemas.microsoft.com/office/2006/metadata/contentType"/>
@@ -6714,4 +7032,21 @@
     <ds:schemaRef ds:uri="http://schemas.microsoft.com/internal/obd"/>
   </ds:schemaRefs>
 </ds:datastoreItem>
+</file>
+
+<file path=customXml/itemProps2.xml><?xml version="1.0" encoding="utf-8"?>
+<ds:datastoreItem xmlns:ds="http://schemas.openxmlformats.org/officeDocument/2006/customXml" ds:itemID="{CB370A3C-731B-4F4D-ABD0-42474AC25910}">
+  <ds:schemaRefs>
+    <ds:schemaRef ds:uri="http://schemas.microsoft.com/office/2006/metadata/properties"/>
+    <ds:schemaRef ds:uri="http://schemas.microsoft.com/office/infopath/2007/PartnerControls"/>
+  </ds:schemaRefs>
+</ds:datastoreItem>
+</file>
+
+<file path=customXml/itemProps3.xml><?xml version="1.0" encoding="utf-8"?>
+<ds:datastoreItem xmlns:ds="http://schemas.openxmlformats.org/officeDocument/2006/customXml" ds:itemID="{405562AF-484A-42F9-A02C-A3F5AD59D6C1}">
+  <ds:schemaRefs>
+    <ds:schemaRef ds:uri="http://schemas.microsoft.com/sharepoint/v3/contenttype/forms"/>
+  </ds:schemaRefs>
+</ds:datastoreItem>
 </file>
--- a/presentation/presentation.pptx
+++ b/presentation/presentation.pptx
@@ -663,7 +663,7 @@
           <a:p>
             <a:fld id="{C6F05EAB-B404-4249-9B6E-2AB49D341D90}" type="datetimeFigureOut">
               <a:rPr lang="aa-ET" smtClean="0"/>
-              <a:t>24/11/2021</a:t>
+              <a:t>28/11/2021</a:t>
             </a:fld>
             <a:endParaRPr lang="aa-ET"/>
           </a:p>
@@ -1132,7 +1132,7 @@
           <a:p>
             <a:fld id="{C1520061-EEF2-4648-A61C-FD1D344FB2F0}" type="datetimeFigureOut">
               <a:rPr lang="aa-ET" smtClean="0"/>
-              <a:t>24/11/2021</a:t>
+              <a:t>28/11/2021</a:t>
             </a:fld>
             <a:endParaRPr lang="aa-ET"/>
           </a:p>
@@ -1302,7 +1302,7 @@
           <a:p>
             <a:fld id="{C1520061-EEF2-4648-A61C-FD1D344FB2F0}" type="datetimeFigureOut">
               <a:rPr lang="aa-ET" smtClean="0"/>
-              <a:t>24/11/2021</a:t>
+              <a:t>28/11/2021</a:t>
             </a:fld>
             <a:endParaRPr lang="aa-ET"/>
           </a:p>
@@ -1482,7 +1482,7 @@
           <a:p>
             <a:fld id="{C1520061-EEF2-4648-A61C-FD1D344FB2F0}" type="datetimeFigureOut">
               <a:rPr lang="aa-ET" smtClean="0"/>
-              <a:t>24/11/2021</a:t>
+              <a:t>28/11/2021</a:t>
             </a:fld>
             <a:endParaRPr lang="aa-ET"/>
           </a:p>
@@ -1652,7 +1652,7 @@
           <a:p>
             <a:fld id="{C1520061-EEF2-4648-A61C-FD1D344FB2F0}" type="datetimeFigureOut">
               <a:rPr lang="aa-ET" smtClean="0"/>
-              <a:t>24/11/2021</a:t>
+              <a:t>28/11/2021</a:t>
             </a:fld>
             <a:endParaRPr lang="aa-ET"/>
           </a:p>
@@ -1896,7 +1896,7 @@
           <a:p>
             <a:fld id="{C1520061-EEF2-4648-A61C-FD1D344FB2F0}" type="datetimeFigureOut">
               <a:rPr lang="aa-ET" smtClean="0"/>
-              <a:t>24/11/2021</a:t>
+              <a:t>28/11/2021</a:t>
             </a:fld>
             <a:endParaRPr lang="aa-ET"/>
           </a:p>
@@ -2128,7 +2128,7 @@
           <a:p>
             <a:fld id="{C1520061-EEF2-4648-A61C-FD1D344FB2F0}" type="datetimeFigureOut">
               <a:rPr lang="aa-ET" smtClean="0"/>
-              <a:t>24/11/2021</a:t>
+              <a:t>28/11/2021</a:t>
             </a:fld>
             <a:endParaRPr lang="aa-ET"/>
           </a:p>
@@ -2495,7 +2495,7 @@
           <a:p>
             <a:fld id="{C1520061-EEF2-4648-A61C-FD1D344FB2F0}" type="datetimeFigureOut">
               <a:rPr lang="aa-ET" smtClean="0"/>
-              <a:t>24/11/2021</a:t>
+              <a:t>28/11/2021</a:t>
             </a:fld>
             <a:endParaRPr lang="aa-ET"/>
           </a:p>
@@ -2613,7 +2613,7 @@
           <a:p>
             <a:fld id="{C1520061-EEF2-4648-A61C-FD1D344FB2F0}" type="datetimeFigureOut">
               <a:rPr lang="aa-ET" smtClean="0"/>
-              <a:t>24/11/2021</a:t>
+              <a:t>28/11/2021</a:t>
             </a:fld>
             <a:endParaRPr lang="aa-ET"/>
           </a:p>
@@ -2708,7 +2708,7 @@
           <a:p>
             <a:fld id="{C1520061-EEF2-4648-A61C-FD1D344FB2F0}" type="datetimeFigureOut">
               <a:rPr lang="aa-ET" smtClean="0"/>
-              <a:t>24/11/2021</a:t>
+              <a:t>28/11/2021</a:t>
             </a:fld>
             <a:endParaRPr lang="aa-ET"/>
           </a:p>
@@ -2985,7 +2985,7 @@
           <a:p>
             <a:fld id="{C1520061-EEF2-4648-A61C-FD1D344FB2F0}" type="datetimeFigureOut">
               <a:rPr lang="aa-ET" smtClean="0"/>
-              <a:t>24/11/2021</a:t>
+              <a:t>28/11/2021</a:t>
             </a:fld>
             <a:endParaRPr lang="aa-ET"/>
           </a:p>
@@ -3242,7 +3242,7 @@
           <a:p>
             <a:fld id="{C1520061-EEF2-4648-A61C-FD1D344FB2F0}" type="datetimeFigureOut">
               <a:rPr lang="aa-ET" smtClean="0"/>
-              <a:t>24/11/2021</a:t>
+              <a:t>28/11/2021</a:t>
             </a:fld>
             <a:endParaRPr lang="aa-ET"/>
           </a:p>
@@ -3455,7 +3455,7 @@
           <a:p>
             <a:fld id="{C1520061-EEF2-4648-A61C-FD1D344FB2F0}" type="datetimeFigureOut">
               <a:rPr lang="aa-ET" smtClean="0"/>
-              <a:t>24/11/2021</a:t>
+              <a:t>28/11/2021</a:t>
             </a:fld>
             <a:endParaRPr lang="aa-ET"/>
           </a:p>
@@ -4141,7 +4141,7 @@
           <p:cNvPr id="24" name="Straight Connector 23">
             <a:extLst>
               <a:ext uri="{FF2B5EF4-FFF2-40B4-BE49-F238E27FC236}">
-                <a16:creationId xmlns:a16="http://schemas.microsoft.com/office/drawing/2014/main" xmlns="" id="{3CD061AB-8876-704F-BE6A-E397F33852E1}"/>
+                <a16:creationId xmlns="" xmlns:a16="http://schemas.microsoft.com/office/drawing/2014/main" id="{3CD061AB-8876-704F-BE6A-E397F33852E1}"/>
               </a:ext>
             </a:extLst>
           </p:cNvPr>
@@ -4184,7 +4184,7 @@
           <p:cNvPr id="128" name="Round Same Side Corner Rectangle 137">
             <a:extLst>
               <a:ext uri="{FF2B5EF4-FFF2-40B4-BE49-F238E27FC236}">
-                <a16:creationId xmlns:a16="http://schemas.microsoft.com/office/drawing/2014/main" xmlns="" id="{85003210-220B-9A49-8091-B1A85DD76CE8}"/>
+                <a16:creationId xmlns="" xmlns:a16="http://schemas.microsoft.com/office/drawing/2014/main" id="{85003210-220B-9A49-8091-B1A85DD76CE8}"/>
               </a:ext>
             </a:extLst>
           </p:cNvPr>
@@ -4248,7 +4248,7 @@
           <p:cNvPr id="129" name="Round Same Side Corner Rectangle 137">
             <a:extLst>
               <a:ext uri="{FF2B5EF4-FFF2-40B4-BE49-F238E27FC236}">
-                <a16:creationId xmlns:a16="http://schemas.microsoft.com/office/drawing/2014/main" xmlns="" id="{7226A277-A8A7-9549-8FCF-1175CB0CE7B6}"/>
+                <a16:creationId xmlns="" xmlns:a16="http://schemas.microsoft.com/office/drawing/2014/main" id="{7226A277-A8A7-9549-8FCF-1175CB0CE7B6}"/>
               </a:ext>
             </a:extLst>
           </p:cNvPr>
@@ -4312,7 +4312,7 @@
           <p:cNvPr id="130" name="Round Same Side Corner Rectangle 137">
             <a:extLst>
               <a:ext uri="{FF2B5EF4-FFF2-40B4-BE49-F238E27FC236}">
-                <a16:creationId xmlns:a16="http://schemas.microsoft.com/office/drawing/2014/main" xmlns="" id="{0D73ACE7-C686-234D-9978-B3229B92843A}"/>
+                <a16:creationId xmlns="" xmlns:a16="http://schemas.microsoft.com/office/drawing/2014/main" id="{0D73ACE7-C686-234D-9978-B3229B92843A}"/>
               </a:ext>
             </a:extLst>
           </p:cNvPr>
@@ -4321,7 +4321,7 @@
         </p:nvSpPr>
         <p:spPr>
           <a:xfrm>
-            <a:off x="252208" y="17686481"/>
+            <a:off x="249258" y="18099845"/>
             <a:ext cx="20880000" cy="540000"/>
           </a:xfrm>
           <a:prstGeom prst="round2SameRect">
@@ -4376,7 +4376,7 @@
           <p:cNvPr id="91" name="TextBox 90">
             <a:extLst>
               <a:ext uri="{FF2B5EF4-FFF2-40B4-BE49-F238E27FC236}">
-                <a16:creationId xmlns:a16="http://schemas.microsoft.com/office/drawing/2014/main" xmlns="" id="{CE8C58B8-C0BC-CE41-9C20-5C588C41F47C}"/>
+                <a16:creationId xmlns="" xmlns:a16="http://schemas.microsoft.com/office/drawing/2014/main" id="{CE8C58B8-C0BC-CE41-9C20-5C588C41F47C}"/>
               </a:ext>
             </a:extLst>
           </p:cNvPr>
@@ -4445,7 +4445,7 @@
           <p:cNvPr id="3" name="Billede 6">
             <a:extLst>
               <a:ext uri="{FF2B5EF4-FFF2-40B4-BE49-F238E27FC236}">
-                <a16:creationId xmlns:a16="http://schemas.microsoft.com/office/drawing/2014/main" xmlns="" id="{79D342DF-0A65-4821-8F47-A3CE1793E1E6}"/>
+                <a16:creationId xmlns="" xmlns:a16="http://schemas.microsoft.com/office/drawing/2014/main" id="{79D342DF-0A65-4821-8F47-A3CE1793E1E6}"/>
               </a:ext>
             </a:extLst>
           </p:cNvPr>
@@ -4475,7 +4475,7 @@
           <p:cNvPr id="4" name="Rectangle 3">
             <a:extLst>
               <a:ext uri="{FF2B5EF4-FFF2-40B4-BE49-F238E27FC236}">
-                <a16:creationId xmlns:a16="http://schemas.microsoft.com/office/drawing/2014/main" xmlns="" id="{4D164955-C0E8-4C09-BF90-A5C4DE447B0C}"/>
+                <a16:creationId xmlns="" xmlns:a16="http://schemas.microsoft.com/office/drawing/2014/main" id="{4D164955-C0E8-4C09-BF90-A5C4DE447B0C}"/>
               </a:ext>
             </a:extLst>
           </p:cNvPr>
@@ -4538,7 +4538,7 @@
           <p:cNvPr id="17" name="Rectangle 16">
             <a:extLst>
               <a:ext uri="{FF2B5EF4-FFF2-40B4-BE49-F238E27FC236}">
-                <a16:creationId xmlns:a16="http://schemas.microsoft.com/office/drawing/2014/main" xmlns="" id="{67CAF441-CC34-4360-BF11-287A0103A8F8}"/>
+                <a16:creationId xmlns="" xmlns:a16="http://schemas.microsoft.com/office/drawing/2014/main" id="{67CAF441-CC34-4360-BF11-287A0103A8F8}"/>
               </a:ext>
             </a:extLst>
           </p:cNvPr>
@@ -4605,7 +4605,7 @@
           <p:cNvPr id="18" name="Rectangle 17">
             <a:extLst>
               <a:ext uri="{FF2B5EF4-FFF2-40B4-BE49-F238E27FC236}">
-                <a16:creationId xmlns:a16="http://schemas.microsoft.com/office/drawing/2014/main" xmlns="" id="{A11F58A7-6D7F-4558-989F-21EF31BF5A87}"/>
+                <a16:creationId xmlns="" xmlns:a16="http://schemas.microsoft.com/office/drawing/2014/main" id="{A11F58A7-6D7F-4558-989F-21EF31BF5A87}"/>
               </a:ext>
             </a:extLst>
           </p:cNvPr>
@@ -4668,7 +4668,7 @@
           <p:cNvPr id="19" name="Rectangle 18">
             <a:extLst>
               <a:ext uri="{FF2B5EF4-FFF2-40B4-BE49-F238E27FC236}">
-                <a16:creationId xmlns:a16="http://schemas.microsoft.com/office/drawing/2014/main" xmlns="" id="{7E83F05A-E681-4C38-B5BA-7833319671E3}"/>
+                <a16:creationId xmlns="" xmlns:a16="http://schemas.microsoft.com/office/drawing/2014/main" id="{7E83F05A-E681-4C38-B5BA-7833319671E3}"/>
               </a:ext>
             </a:extLst>
           </p:cNvPr>
@@ -4765,7 +4765,7 @@
           <p:cNvPr id="6" name="Straight Arrow Connector 5">
             <a:extLst>
               <a:ext uri="{FF2B5EF4-FFF2-40B4-BE49-F238E27FC236}">
-                <a16:creationId xmlns:a16="http://schemas.microsoft.com/office/drawing/2014/main" xmlns="" id="{4BC5C381-EF6A-472E-B50A-6D5600D1C737}"/>
+                <a16:creationId xmlns="" xmlns:a16="http://schemas.microsoft.com/office/drawing/2014/main" id="{4BC5C381-EF6A-472E-B50A-6D5600D1C737}"/>
               </a:ext>
             </a:extLst>
           </p:cNvPr>
@@ -4807,7 +4807,7 @@
           <p:cNvPr id="7" name="TextBox 6">
             <a:extLst>
               <a:ext uri="{FF2B5EF4-FFF2-40B4-BE49-F238E27FC236}">
-                <a16:creationId xmlns:a16="http://schemas.microsoft.com/office/drawing/2014/main" xmlns="" id="{6C496DF2-7979-46AE-9BF9-316CE5C9FBB0}"/>
+                <a16:creationId xmlns="" xmlns:a16="http://schemas.microsoft.com/office/drawing/2014/main" id="{6C496DF2-7979-46AE-9BF9-316CE5C9FBB0}"/>
               </a:ext>
             </a:extLst>
           </p:cNvPr>
@@ -4852,7 +4852,7 @@
           <p:cNvPr id="22" name="Straight Arrow Connector 21">
             <a:extLst>
               <a:ext uri="{FF2B5EF4-FFF2-40B4-BE49-F238E27FC236}">
-                <a16:creationId xmlns:a16="http://schemas.microsoft.com/office/drawing/2014/main" xmlns="" id="{D4F35B77-8D7C-46D2-872E-A831E3C3DC00}"/>
+                <a16:creationId xmlns="" xmlns:a16="http://schemas.microsoft.com/office/drawing/2014/main" id="{D4F35B77-8D7C-46D2-872E-A831E3C3DC00}"/>
               </a:ext>
             </a:extLst>
           </p:cNvPr>
@@ -4896,7 +4896,7 @@
           <p:cNvPr id="23" name="Straight Arrow Connector 22">
             <a:extLst>
               <a:ext uri="{FF2B5EF4-FFF2-40B4-BE49-F238E27FC236}">
-                <a16:creationId xmlns:a16="http://schemas.microsoft.com/office/drawing/2014/main" xmlns="" id="{4A3A8525-500B-468B-B048-01FC4E6A6543}"/>
+                <a16:creationId xmlns="" xmlns:a16="http://schemas.microsoft.com/office/drawing/2014/main" id="{4A3A8525-500B-468B-B048-01FC4E6A6543}"/>
               </a:ext>
             </a:extLst>
           </p:cNvPr>
@@ -4940,7 +4940,7 @@
           <p:cNvPr id="26" name="TextBox 25">
             <a:extLst>
               <a:ext uri="{FF2B5EF4-FFF2-40B4-BE49-F238E27FC236}">
-                <a16:creationId xmlns:a16="http://schemas.microsoft.com/office/drawing/2014/main" xmlns="" id="{6C4FD808-A6A2-4EE6-B3AF-F78DBF30AC35}"/>
+                <a16:creationId xmlns="" xmlns:a16="http://schemas.microsoft.com/office/drawing/2014/main" id="{6C4FD808-A6A2-4EE6-B3AF-F78DBF30AC35}"/>
               </a:ext>
             </a:extLst>
           </p:cNvPr>
@@ -4981,7 +4981,7 @@
           <p:cNvPr id="28" name="TextBox 27">
             <a:extLst>
               <a:ext uri="{FF2B5EF4-FFF2-40B4-BE49-F238E27FC236}">
-                <a16:creationId xmlns:a16="http://schemas.microsoft.com/office/drawing/2014/main" xmlns="" id="{194DC676-6DE3-4223-B9F2-8F1AD4FDF034}"/>
+                <a16:creationId xmlns="" xmlns:a16="http://schemas.microsoft.com/office/drawing/2014/main" id="{194DC676-6DE3-4223-B9F2-8F1AD4FDF034}"/>
               </a:ext>
             </a:extLst>
           </p:cNvPr>
@@ -5026,7 +5026,7 @@
           <p:cNvPr id="29" name="TextBox 28">
             <a:extLst>
               <a:ext uri="{FF2B5EF4-FFF2-40B4-BE49-F238E27FC236}">
-                <a16:creationId xmlns:a16="http://schemas.microsoft.com/office/drawing/2014/main" xmlns="" id="{6845518C-D880-4247-B237-ED013E326AF1}"/>
+                <a16:creationId xmlns="" xmlns:a16="http://schemas.microsoft.com/office/drawing/2014/main" id="{6845518C-D880-4247-B237-ED013E326AF1}"/>
               </a:ext>
             </a:extLst>
           </p:cNvPr>
@@ -5067,7 +5067,7 @@
           <p:cNvPr id="38" name="TextBox 37">
             <a:extLst>
               <a:ext uri="{FF2B5EF4-FFF2-40B4-BE49-F238E27FC236}">
-                <a16:creationId xmlns:a16="http://schemas.microsoft.com/office/drawing/2014/main" xmlns="" id="{457CF22A-6BB1-4870-A9E0-803F97EF2439}"/>
+                <a16:creationId xmlns="" xmlns:a16="http://schemas.microsoft.com/office/drawing/2014/main" id="{457CF22A-6BB1-4870-A9E0-803F97EF2439}"/>
               </a:ext>
             </a:extLst>
           </p:cNvPr>
@@ -5077,7 +5077,7 @@
         <p:spPr>
           <a:xfrm>
             <a:off x="12879970" y="11905447"/>
-            <a:ext cx="2346619" cy="923330"/>
+            <a:ext cx="2346619" cy="646331"/>
           </a:xfrm>
           <a:prstGeom prst="rect">
             <a:avLst/>
@@ -5103,21 +5103,16 @@
           </a:p>
           <a:p>
             <a:r>
-              <a:rPr lang="en-GB" dirty="0">
+              <a:rPr lang="en-GB" dirty="0" smtClean="0">
                 <a:latin typeface="Arial" panose="020B0604020202020204" pitchFamily="34" charset="0"/>
                 <a:cs typeface="Arial" panose="020B0604020202020204" pitchFamily="34" charset="0"/>
               </a:rPr>
-              <a:t>0 = not binding</a:t>
-            </a:r>
-          </a:p>
-          <a:p>
-            <a:r>
-              <a:rPr lang="en-GB" dirty="0">
-                <a:latin typeface="Arial" panose="020B0604020202020204" pitchFamily="34" charset="0"/>
-                <a:cs typeface="Arial" panose="020B0604020202020204" pitchFamily="34" charset="0"/>
-              </a:rPr>
-              <a:t>1 = binding</a:t>
-            </a:r>
+              <a:t>Probability of binding</a:t>
+            </a:r>
+            <a:endParaRPr lang="en-GB" dirty="0">
+              <a:latin typeface="Arial" panose="020B0604020202020204" pitchFamily="34" charset="0"/>
+              <a:cs typeface="Arial" panose="020B0604020202020204" pitchFamily="34" charset="0"/>
+            </a:endParaRPr>
           </a:p>
         </p:txBody>
       </p:sp>
@@ -5126,7 +5121,7 @@
           <p:cNvPr id="5" name="TextBox 4">
             <a:extLst>
               <a:ext uri="{FF2B5EF4-FFF2-40B4-BE49-F238E27FC236}">
-                <a16:creationId xmlns:a16="http://schemas.microsoft.com/office/drawing/2014/main" xmlns="" id="{555DBE74-403C-4246-B0C1-4F2AAF162AFF}"/>
+                <a16:creationId xmlns="" xmlns:a16="http://schemas.microsoft.com/office/drawing/2014/main" id="{555DBE74-403C-4246-B0C1-4F2AAF162AFF}"/>
               </a:ext>
             </a:extLst>
           </p:cNvPr>
@@ -5399,7 +5394,7 @@
           <p:cNvPr id="8" name="TextBox 7">
             <a:extLst>
               <a:ext uri="{FF2B5EF4-FFF2-40B4-BE49-F238E27FC236}">
-                <a16:creationId xmlns:a16="http://schemas.microsoft.com/office/drawing/2014/main" xmlns="" id="{BF27FA47-F412-41BA-9674-4AB98ABB11FF}"/>
+                <a16:creationId xmlns="" xmlns:a16="http://schemas.microsoft.com/office/drawing/2014/main" id="{BF27FA47-F412-41BA-9674-4AB98ABB11FF}"/>
               </a:ext>
             </a:extLst>
           </p:cNvPr>
@@ -5408,7 +5403,7 @@
         </p:nvSpPr>
         <p:spPr>
           <a:xfrm>
-            <a:off x="284220" y="28797885"/>
+            <a:off x="281270" y="29211249"/>
             <a:ext cx="20409853" cy="1200329"/>
           </a:xfrm>
           <a:prstGeom prst="rect">
@@ -5568,7 +5563,7 @@
           <p:cNvPr id="39" name="Round Same Side Corner Rectangle 137">
             <a:extLst>
               <a:ext uri="{FF2B5EF4-FFF2-40B4-BE49-F238E27FC236}">
-                <a16:creationId xmlns:a16="http://schemas.microsoft.com/office/drawing/2014/main" xmlns="" id="{E416DD2D-00A9-4581-8B16-BB3C03226A4A}"/>
+                <a16:creationId xmlns="" xmlns:a16="http://schemas.microsoft.com/office/drawing/2014/main" id="{E416DD2D-00A9-4581-8B16-BB3C03226A4A}"/>
               </a:ext>
             </a:extLst>
           </p:cNvPr>
@@ -5577,7 +5572,7 @@
         </p:nvSpPr>
         <p:spPr>
           <a:xfrm>
-            <a:off x="253970" y="27880586"/>
+            <a:off x="251020" y="28293950"/>
             <a:ext cx="20880000" cy="540000"/>
           </a:xfrm>
           <a:prstGeom prst="round2SameRect">
@@ -5627,102 +5622,12 @@
           </a:p>
         </p:txBody>
       </p:sp>
-      <p:sp>
-        <p:nvSpPr>
-          <p:cNvPr id="9" name="TextBox 8">
-            <a:extLst>
-              <a:ext uri="{FF2B5EF4-FFF2-40B4-BE49-F238E27FC236}">
-                <a16:creationId xmlns:a16="http://schemas.microsoft.com/office/drawing/2014/main" xmlns="" id="{7D584BC0-CFB4-44BF-8499-422590EEED04}"/>
-              </a:ext>
-            </a:extLst>
-          </p:cNvPr>
-          <p:cNvSpPr txBox="1"/>
-          <p:nvPr/>
-        </p:nvSpPr>
-        <p:spPr>
-          <a:xfrm>
-            <a:off x="13312258" y="7260730"/>
-            <a:ext cx="5201745" cy="1015663"/>
-          </a:xfrm>
-          <a:prstGeom prst="rect">
-            <a:avLst/>
-          </a:prstGeom>
-          <a:noFill/>
-        </p:spPr>
-        <p:txBody>
-          <a:bodyPr rot="0" spcFirstLastPara="0" vertOverflow="overflow" horzOverflow="overflow" vert="horz" wrap="square" lIns="91440" tIns="45720" rIns="91440" bIns="45720" numCol="1" spcCol="0" rtlCol="0" fromWordArt="0" anchor="t" anchorCtr="0" forceAA="0" compatLnSpc="1">
-            <a:prstTxWarp prst="textNoShape">
-              <a:avLst/>
-            </a:prstTxWarp>
-            <a:spAutoFit/>
-          </a:bodyPr>
-          <a:lstStyle/>
-          <a:p>
-            <a:r>
-              <a:rPr lang="en-GB" sz="3000" dirty="0">
-                <a:latin typeface="Arial" panose="020B0604020202020204" pitchFamily="34" charset="0"/>
-                <a:cs typeface="Arial" panose="020B0604020202020204" pitchFamily="34" charset="0"/>
-              </a:rPr>
-              <a:t>IMAGE OF TCR-PMHC COMPLEX</a:t>
-            </a:r>
-            <a:endParaRPr lang="en-US" sz="3000" dirty="0">
-              <a:latin typeface="Arial" panose="020B0604020202020204" pitchFamily="34" charset="0"/>
-              <a:cs typeface="Arial" panose="020B0604020202020204" pitchFamily="34" charset="0"/>
-            </a:endParaRPr>
-          </a:p>
-        </p:txBody>
-      </p:sp>
-      <p:sp>
-        <p:nvSpPr>
-          <p:cNvPr id="10" name="TextBox 9">
-            <a:extLst>
-              <a:ext uri="{FF2B5EF4-FFF2-40B4-BE49-F238E27FC236}">
-                <a16:creationId xmlns:a16="http://schemas.microsoft.com/office/drawing/2014/main" xmlns="" id="{0F50DE13-E128-4F41-B202-B86A9CAA9FC5}"/>
-              </a:ext>
-            </a:extLst>
-          </p:cNvPr>
-          <p:cNvSpPr txBox="1"/>
-          <p:nvPr/>
-        </p:nvSpPr>
-        <p:spPr>
-          <a:xfrm>
-            <a:off x="13036580" y="14204395"/>
-            <a:ext cx="6127720" cy="1015663"/>
-          </a:xfrm>
-          <a:prstGeom prst="rect">
-            <a:avLst/>
-          </a:prstGeom>
-          <a:noFill/>
-        </p:spPr>
-        <p:txBody>
-          <a:bodyPr rot="0" spcFirstLastPara="0" vertOverflow="overflow" horzOverflow="overflow" vert="horz" wrap="square" lIns="91440" tIns="45720" rIns="91440" bIns="45720" numCol="1" spcCol="0" rtlCol="0" fromWordArt="0" anchor="t" anchorCtr="0" forceAA="0" compatLnSpc="1">
-            <a:prstTxWarp prst="textNoShape">
-              <a:avLst/>
-            </a:prstTxWarp>
-            <a:spAutoFit/>
-          </a:bodyPr>
-          <a:lstStyle/>
-          <a:p>
-            <a:r>
-              <a:rPr lang="en-GB" sz="3000" dirty="0">
-                <a:latin typeface="Arial" panose="020B0604020202020204" pitchFamily="34" charset="0"/>
-                <a:cs typeface="Arial" panose="020B0604020202020204" pitchFamily="34" charset="0"/>
-              </a:rPr>
-              <a:t>IMAGE OF ARCHITECTURE FROM HENRIETTA</a:t>
-            </a:r>
-            <a:endParaRPr lang="en-GB" sz="3000" dirty="0">
-              <a:latin typeface="Arial" panose="020B0604020202020204" pitchFamily="34" charset="0"/>
-              <a:cs typeface="Arial" panose="020B0604020202020204" pitchFamily="34" charset="0"/>
-            </a:endParaRPr>
-          </a:p>
-        </p:txBody>
-      </p:sp>
       <p:cxnSp>
         <p:nvCxnSpPr>
           <p:cNvPr id="41" name="Straight Arrow Connector 5">
             <a:extLst>
               <a:ext uri="{FF2B5EF4-FFF2-40B4-BE49-F238E27FC236}">
-                <a16:creationId xmlns:a16="http://schemas.microsoft.com/office/drawing/2014/main" xmlns="" id="{4BC5C381-EF6A-472E-B50A-6D5600D1C737}"/>
+                <a16:creationId xmlns="" xmlns:a16="http://schemas.microsoft.com/office/drawing/2014/main" id="{4BC5C381-EF6A-472E-B50A-6D5600D1C737}"/>
               </a:ext>
             </a:extLst>
           </p:cNvPr>
@@ -5766,7 +5671,7 @@
           <p:cNvPr id="42" name="Straight Arrow Connector 5">
             <a:extLst>
               <a:ext uri="{FF2B5EF4-FFF2-40B4-BE49-F238E27FC236}">
-                <a16:creationId xmlns:a16="http://schemas.microsoft.com/office/drawing/2014/main" xmlns="" id="{4BC5C381-EF6A-472E-B50A-6D5600D1C737}"/>
+                <a16:creationId xmlns="" xmlns:a16="http://schemas.microsoft.com/office/drawing/2014/main" id="{4BC5C381-EF6A-472E-B50A-6D5600D1C737}"/>
               </a:ext>
             </a:extLst>
           </p:cNvPr>
@@ -5808,7 +5713,7 @@
           <p:cNvPr id="43" name="Rectangle 42">
             <a:extLst>
               <a:ext uri="{FF2B5EF4-FFF2-40B4-BE49-F238E27FC236}">
-                <a16:creationId xmlns:a16="http://schemas.microsoft.com/office/drawing/2014/main" xmlns="" id="{7E83F05A-E681-4C38-B5BA-7833319671E3}"/>
+                <a16:creationId xmlns="" xmlns:a16="http://schemas.microsoft.com/office/drawing/2014/main" id="{7E83F05A-E681-4C38-B5BA-7833319671E3}"/>
               </a:ext>
             </a:extLst>
           </p:cNvPr>
@@ -5878,7 +5783,7 @@
           <p:cNvPr id="46" name="Straight Arrow Connector 30">
             <a:extLst>
               <a:ext uri="{FF2B5EF4-FFF2-40B4-BE49-F238E27FC236}">
-                <a16:creationId xmlns:a16="http://schemas.microsoft.com/office/drawing/2014/main" xmlns="" id="{72A3FFE5-F991-423A-85A9-7571FF68D620}"/>
+                <a16:creationId xmlns="" xmlns:a16="http://schemas.microsoft.com/office/drawing/2014/main" id="{72A3FFE5-F991-423A-85A9-7571FF68D620}"/>
               </a:ext>
             </a:extLst>
           </p:cNvPr>
@@ -5919,7 +5824,7 @@
           <p:cNvPr id="56" name="Straight Arrow Connector 22">
             <a:extLst>
               <a:ext uri="{FF2B5EF4-FFF2-40B4-BE49-F238E27FC236}">
-                <a16:creationId xmlns:a16="http://schemas.microsoft.com/office/drawing/2014/main" xmlns="" id="{4A3A8525-500B-468B-B048-01FC4E6A6543}"/>
+                <a16:creationId xmlns="" xmlns:a16="http://schemas.microsoft.com/office/drawing/2014/main" id="{4A3A8525-500B-468B-B048-01FC4E6A6543}"/>
               </a:ext>
             </a:extLst>
           </p:cNvPr>
@@ -5963,7 +5868,7 @@
           <p:cNvPr id="57" name="Straight Arrow Connector 22">
             <a:extLst>
               <a:ext uri="{FF2B5EF4-FFF2-40B4-BE49-F238E27FC236}">
-                <a16:creationId xmlns:a16="http://schemas.microsoft.com/office/drawing/2014/main" xmlns="" id="{4A3A8525-500B-468B-B048-01FC4E6A6543}"/>
+                <a16:creationId xmlns="" xmlns:a16="http://schemas.microsoft.com/office/drawing/2014/main" id="{4A3A8525-500B-468B-B048-01FC4E6A6543}"/>
               </a:ext>
             </a:extLst>
           </p:cNvPr>
@@ -6007,7 +5912,7 @@
           <p:cNvPr id="58" name="Straight Arrow Connector 30">
             <a:extLst>
               <a:ext uri="{FF2B5EF4-FFF2-40B4-BE49-F238E27FC236}">
-                <a16:creationId xmlns:a16="http://schemas.microsoft.com/office/drawing/2014/main" xmlns="" id="{72A3FFE5-F991-423A-85A9-7571FF68D620}"/>
+                <a16:creationId xmlns="" xmlns:a16="http://schemas.microsoft.com/office/drawing/2014/main" id="{72A3FFE5-F991-423A-85A9-7571FF68D620}"/>
               </a:ext>
             </a:extLst>
           </p:cNvPr>
@@ -6048,7 +5953,7 @@
           <p:cNvPr id="61" name="TextBox 9">
             <a:extLst>
               <a:ext uri="{FF2B5EF4-FFF2-40B4-BE49-F238E27FC236}">
-                <a16:creationId xmlns:a16="http://schemas.microsoft.com/office/drawing/2014/main" xmlns="" id="{0F50DE13-E128-4F41-B202-B86A9CAA9FC5}"/>
+                <a16:creationId xmlns="" xmlns:a16="http://schemas.microsoft.com/office/drawing/2014/main" id="{0F50DE13-E128-4F41-B202-B86A9CAA9FC5}"/>
               </a:ext>
             </a:extLst>
           </p:cNvPr>
@@ -6057,7 +5962,7 @@
         </p:nvSpPr>
         <p:spPr>
           <a:xfrm>
-            <a:off x="2875818" y="19734935"/>
+            <a:off x="15572764" y="22622274"/>
             <a:ext cx="3591536" cy="1477328"/>
           </a:xfrm>
           <a:prstGeom prst="rect">
@@ -6114,7 +6019,7 @@
         </p:nvSpPr>
         <p:spPr>
           <a:xfrm>
-            <a:off x="7755971" y="20196600"/>
+            <a:off x="15839674" y="20677013"/>
             <a:ext cx="4221027" cy="553998"/>
           </a:xfrm>
           <a:prstGeom prst="rect">
@@ -6146,7 +6051,7 @@
           <p:cNvPr id="68" name="Round Same Side Corner Rectangle 137">
             <a:extLst>
               <a:ext uri="{FF2B5EF4-FFF2-40B4-BE49-F238E27FC236}">
-                <a16:creationId xmlns:a16="http://schemas.microsoft.com/office/drawing/2014/main" xmlns="" id="{E416DD2D-00A9-4581-8B16-BB3C03226A4A}"/>
+                <a16:creationId xmlns="" xmlns:a16="http://schemas.microsoft.com/office/drawing/2014/main" id="{E416DD2D-00A9-4581-8B16-BB3C03226A4A}"/>
               </a:ext>
             </a:extLst>
           </p:cNvPr>
@@ -6155,7 +6060,7 @@
         </p:nvSpPr>
         <p:spPr>
           <a:xfrm>
-            <a:off x="253970" y="25485928"/>
+            <a:off x="251020" y="25899292"/>
             <a:ext cx="20880000" cy="540000"/>
           </a:xfrm>
           <a:prstGeom prst="round2SameRect">
@@ -6218,7 +6123,7 @@
         </p:nvSpPr>
         <p:spPr>
           <a:xfrm>
-            <a:off x="760184" y="26412559"/>
+            <a:off x="757234" y="26825923"/>
             <a:ext cx="7911430" cy="923330"/>
           </a:xfrm>
           <a:prstGeom prst="rect">
@@ -6272,7 +6177,7 @@
         <p:spPr>
           <a:xfrm>
             <a:off x="6229507" y="14724431"/>
-            <a:ext cx="2998385" cy="369332"/>
+            <a:ext cx="3121817" cy="369332"/>
           </a:xfrm>
           <a:prstGeom prst="rect">
             <a:avLst/>
@@ -6286,8 +6191,1879 @@
           <a:lstStyle/>
           <a:p>
             <a:r>
+              <a:rPr lang="fr-FR" i="1" dirty="0"/>
+              <a:t>Figure 2. Pipeline for the data.</a:t>
+            </a:r>
+            <a:endParaRPr lang="fr-FR" i="1" dirty="0"/>
+          </a:p>
+        </p:txBody>
+      </p:sp>
+      <p:pic>
+        <p:nvPicPr>
+          <p:cNvPr id="1026" name="Picture 2" descr="Aucune description disponible."/>
+          <p:cNvPicPr>
+            <a:picLocks noChangeAspect="1" noChangeArrowheads="1"/>
+          </p:cNvPicPr>
+          <p:nvPr/>
+        </p:nvPicPr>
+        <p:blipFill rotWithShape="1">
+          <a:blip r:embed="rId5">
+            <a:extLst>
+              <a:ext uri="{28A0092B-C50C-407E-A947-70E740481C1C}">
+                <a14:useLocalDpi xmlns:a14="http://schemas.microsoft.com/office/drawing/2010/main" val="0"/>
+              </a:ext>
+            </a:extLst>
+          </a:blip>
+          <a:srcRect l="32243" t="2752" r="34089" b="13954"/>
+          <a:stretch/>
+        </p:blipFill>
+        <p:spPr bwMode="auto">
+          <a:xfrm rot="16200000">
+            <a:off x="13531473" y="3533556"/>
+            <a:ext cx="4154669" cy="7643674"/>
+          </a:xfrm>
+          <a:prstGeom prst="rect">
+            <a:avLst/>
+          </a:prstGeom>
+          <a:noFill/>
+          <a:extLst>
+            <a:ext uri="{909E8E84-426E-40DD-AFC4-6F175D3DCCD1}">
+              <a14:hiddenFill xmlns:a14="http://schemas.microsoft.com/office/drawing/2010/main">
+                <a:solidFill>
+                  <a:srgbClr val="FFFFFF"/>
+                </a:solidFill>
+              </a14:hiddenFill>
+            </a:ext>
+          </a:extLst>
+        </p:spPr>
+      </p:pic>
+      <p:sp>
+        <p:nvSpPr>
+          <p:cNvPr id="44" name="ZoneTexte 43"/>
+          <p:cNvSpPr txBox="1"/>
+          <p:nvPr/>
+        </p:nvSpPr>
+        <p:spPr>
+          <a:xfrm>
+            <a:off x="12232926" y="9353525"/>
+            <a:ext cx="6931374" cy="646331"/>
+          </a:xfrm>
+          <a:prstGeom prst="rect">
+            <a:avLst/>
+          </a:prstGeom>
+          <a:noFill/>
+        </p:spPr>
+        <p:txBody>
+          <a:bodyPr wrap="square" rtlCol="0">
+            <a:spAutoFit/>
+          </a:bodyPr>
+          <a:lstStyle/>
+          <a:p>
+            <a:r>
+              <a:rPr lang="fr-FR" i="1" dirty="0"/>
+              <a:t>Figure </a:t>
+            </a:r>
+            <a:r>
               <a:rPr lang="fr-FR" i="1" dirty="0" smtClean="0"/>
-              <a:t>Figure 2. Pipeline for the data.</a:t>
+              <a:t>1. </a:t>
+            </a:r>
+            <a:r>
+              <a:rPr lang="fr-FR" i="1" dirty="0" err="1" smtClean="0"/>
+              <a:t>Three</a:t>
+            </a:r>
+            <a:r>
+              <a:rPr lang="fr-FR" i="1" dirty="0" smtClean="0"/>
+              <a:t> dimension </a:t>
+            </a:r>
+            <a:r>
+              <a:rPr lang="fr-FR" i="1" dirty="0" err="1" smtClean="0"/>
+              <a:t>visualization</a:t>
+            </a:r>
+            <a:r>
+              <a:rPr lang="fr-FR" i="1" dirty="0" smtClean="0"/>
+              <a:t> of the TCR-</a:t>
+            </a:r>
+            <a:r>
+              <a:rPr lang="fr-FR" i="1" dirty="0" err="1" smtClean="0"/>
+              <a:t>pMHC</a:t>
+            </a:r>
+            <a:r>
+              <a:rPr lang="fr-FR" i="1" dirty="0" smtClean="0"/>
+              <a:t>  </a:t>
+            </a:r>
+            <a:r>
+              <a:rPr lang="fr-FR" i="1" dirty="0" err="1" smtClean="0"/>
+              <a:t>complex</a:t>
+            </a:r>
+            <a:r>
+              <a:rPr lang="fr-FR" i="1" dirty="0" smtClean="0"/>
+              <a:t>. Blue: TCR-</a:t>
+            </a:r>
+            <a:r>
+              <a:rPr lang="el-GR" dirty="0" smtClean="0"/>
+              <a:t>α</a:t>
+            </a:r>
+            <a:r>
+              <a:rPr lang="fr-FR" i="1" dirty="0" smtClean="0"/>
+              <a:t>, </a:t>
+            </a:r>
+            <a:r>
+              <a:rPr lang="fr-FR" i="1" dirty="0" err="1" smtClean="0"/>
+              <a:t>Purple</a:t>
+            </a:r>
+            <a:r>
+              <a:rPr lang="fr-FR" i="1" dirty="0" smtClean="0"/>
+              <a:t>: TCR-</a:t>
+            </a:r>
+            <a:r>
+              <a:rPr lang="el-GR" dirty="0"/>
+              <a:t>β</a:t>
+            </a:r>
+            <a:r>
+              <a:rPr lang="fr-FR" i="1" dirty="0" smtClean="0"/>
+              <a:t>, Green: Peptide, Grey: MHC.</a:t>
+            </a:r>
+            <a:endParaRPr lang="fr-FR" i="1" dirty="0"/>
+          </a:p>
+        </p:txBody>
+      </p:sp>
+      <p:pic>
+        <p:nvPicPr>
+          <p:cNvPr id="1028" name="Picture 4" descr="Aucune description disponible."/>
+          <p:cNvPicPr>
+            <a:picLocks noChangeAspect="1" noChangeArrowheads="1"/>
+          </p:cNvPicPr>
+          <p:nvPr/>
+        </p:nvPicPr>
+        <p:blipFill>
+          <a:blip r:embed="rId6">
+            <a:extLst>
+              <a:ext uri="{28A0092B-C50C-407E-A947-70E740481C1C}">
+                <a14:useLocalDpi xmlns:a14="http://schemas.microsoft.com/office/drawing/2010/main" val="0"/>
+              </a:ext>
+            </a:extLst>
+          </a:blip>
+          <a:srcRect/>
+          <a:stretch>
+            <a:fillRect/>
+          </a:stretch>
+        </p:blipFill>
+        <p:spPr bwMode="auto">
+          <a:xfrm>
+            <a:off x="9577145" y="12812033"/>
+            <a:ext cx="11218481" cy="4672313"/>
+          </a:xfrm>
+          <a:prstGeom prst="rect">
+            <a:avLst/>
+          </a:prstGeom>
+          <a:noFill/>
+          <a:extLst>
+            <a:ext uri="{909E8E84-426E-40DD-AFC4-6F175D3DCCD1}">
+              <a14:hiddenFill xmlns:a14="http://schemas.microsoft.com/office/drawing/2010/main">
+                <a:solidFill>
+                  <a:srgbClr val="FFFFFF"/>
+                </a:solidFill>
+              </a14:hiddenFill>
+            </a:ext>
+          </a:extLst>
+        </p:spPr>
+      </p:pic>
+      <p:sp>
+        <p:nvSpPr>
+          <p:cNvPr id="12" name="Rectangle 11"/>
+          <p:cNvSpPr/>
+          <p:nvPr/>
+        </p:nvSpPr>
+        <p:spPr>
+          <a:xfrm>
+            <a:off x="12672597" y="17455896"/>
+            <a:ext cx="4329519" cy="369332"/>
+          </a:xfrm>
+          <a:prstGeom prst="rect">
+            <a:avLst/>
+          </a:prstGeom>
+        </p:spPr>
+        <p:txBody>
+          <a:bodyPr wrap="none">
+            <a:spAutoFit/>
+          </a:bodyPr>
+          <a:lstStyle/>
+          <a:p>
+            <a:r>
+              <a:rPr lang="fr-FR" i="1" dirty="0"/>
+              <a:t>Figure </a:t>
+            </a:r>
+            <a:r>
+              <a:rPr lang="fr-FR" i="1" dirty="0" smtClean="0"/>
+              <a:t>3. Architecture of the neural network.</a:t>
+            </a:r>
+            <a:endParaRPr lang="fr-FR" i="1" dirty="0"/>
+          </a:p>
+        </p:txBody>
+      </p:sp>
+      <p:graphicFrame>
+        <p:nvGraphicFramePr>
+          <p:cNvPr id="13" name="Tableau 12"/>
+          <p:cNvGraphicFramePr>
+            <a:graphicFrameLocks noGrp="1"/>
+          </p:cNvGraphicFramePr>
+          <p:nvPr>
+            <p:extLst>
+              <p:ext uri="{D42A27DB-BD31-4B8C-83A1-F6EECF244321}">
+                <p14:modId xmlns:p14="http://schemas.microsoft.com/office/powerpoint/2010/main" val="4163292958"/>
+              </p:ext>
+            </p:extLst>
+          </p:nvPr>
+        </p:nvGraphicFramePr>
+        <p:xfrm>
+          <a:off x="1911125" y="20851987"/>
+          <a:ext cx="10691815" cy="1447924"/>
+        </p:xfrm>
+        <a:graphic>
+          <a:graphicData uri="http://schemas.openxmlformats.org/drawingml/2006/table">
+            <a:tbl>
+              <a:tblPr firstRow="1" bandRow="1">
+                <a:tableStyleId>{5C22544A-7EE6-4342-B048-85BDC9FD1C3A}</a:tableStyleId>
+              </a:tblPr>
+              <a:tblGrid>
+                <a:gridCol w="1589280"/>
+                <a:gridCol w="1589280"/>
+                <a:gridCol w="1589280"/>
+                <a:gridCol w="1589280"/>
+                <a:gridCol w="2022423"/>
+                <a:gridCol w="1156136"/>
+                <a:gridCol w="1156136"/>
+              </a:tblGrid>
+              <a:tr h="437004">
+                <a:tc>
+                  <a:txBody>
+                    <a:bodyPr/>
+                    <a:lstStyle/>
+                    <a:p>
+                      <a:endParaRPr lang="fr-FR" sz="1800" dirty="0">
+                        <a:solidFill>
+                          <a:schemeClr val="tx1"/>
+                        </a:solidFill>
+                        <a:latin typeface="Arial" panose="020B0604020202020204" pitchFamily="34" charset="0"/>
+                        <a:cs typeface="Arial" panose="020B0604020202020204" pitchFamily="34" charset="0"/>
+                      </a:endParaRPr>
+                    </a:p>
+                  </a:txBody>
+                  <a:tcPr>
+                    <a:lnL w="12700" cap="flat" cmpd="sng" algn="ctr">
+                      <a:solidFill>
+                        <a:schemeClr val="tx1"/>
+                      </a:solidFill>
+                      <a:prstDash val="solid"/>
+                      <a:round/>
+                      <a:headEnd type="none" w="med" len="med"/>
+                      <a:tailEnd type="none" w="med" len="med"/>
+                    </a:lnL>
+                    <a:lnR w="12700" cap="flat" cmpd="sng" algn="ctr">
+                      <a:solidFill>
+                        <a:schemeClr val="tx1"/>
+                      </a:solidFill>
+                      <a:prstDash val="solid"/>
+                      <a:round/>
+                      <a:headEnd type="none" w="med" len="med"/>
+                      <a:tailEnd type="none" w="med" len="med"/>
+                    </a:lnR>
+                    <a:lnT w="12700" cap="flat" cmpd="sng" algn="ctr">
+                      <a:solidFill>
+                        <a:schemeClr val="tx1"/>
+                      </a:solidFill>
+                      <a:prstDash val="solid"/>
+                      <a:round/>
+                      <a:headEnd type="none" w="med" len="med"/>
+                      <a:tailEnd type="none" w="med" len="med"/>
+                    </a:lnT>
+                    <a:lnB w="12700" cap="flat" cmpd="sng" algn="ctr">
+                      <a:solidFill>
+                        <a:schemeClr val="tx1"/>
+                      </a:solidFill>
+                      <a:prstDash val="solid"/>
+                      <a:round/>
+                      <a:headEnd type="none" w="med" len="med"/>
+                      <a:tailEnd type="none" w="med" len="med"/>
+                    </a:lnB>
+                    <a:lnTlToBr w="12700" cmpd="sng">
+                      <a:noFill/>
+                      <a:prstDash val="solid"/>
+                    </a:lnTlToBr>
+                    <a:lnBlToTr w="12700" cmpd="sng">
+                      <a:noFill/>
+                      <a:prstDash val="solid"/>
+                    </a:lnBlToTr>
+                    <a:solidFill>
+                      <a:schemeClr val="bg1"/>
+                    </a:solidFill>
+                  </a:tcPr>
+                </a:tc>
+                <a:tc>
+                  <a:txBody>
+                    <a:bodyPr/>
+                    <a:lstStyle/>
+                    <a:p>
+                      <a:r>
+                        <a:rPr lang="fr-FR" sz="1800" dirty="0" smtClean="0">
+                          <a:solidFill>
+                            <a:schemeClr val="tx1"/>
+                          </a:solidFill>
+                          <a:latin typeface="Arial" panose="020B0604020202020204" pitchFamily="34" charset="0"/>
+                          <a:cs typeface="Arial" panose="020B0604020202020204" pitchFamily="34" charset="0"/>
+                        </a:rPr>
+                        <a:t>AUC</a:t>
+                      </a:r>
+                      <a:endParaRPr lang="fr-FR" sz="1800" dirty="0">
+                        <a:solidFill>
+                          <a:schemeClr val="tx1"/>
+                        </a:solidFill>
+                        <a:latin typeface="Arial" panose="020B0604020202020204" pitchFamily="34" charset="0"/>
+                        <a:cs typeface="Arial" panose="020B0604020202020204" pitchFamily="34" charset="0"/>
+                      </a:endParaRPr>
+                    </a:p>
+                  </a:txBody>
+                  <a:tcPr>
+                    <a:lnL w="12700" cap="flat" cmpd="sng" algn="ctr">
+                      <a:solidFill>
+                        <a:schemeClr val="tx1"/>
+                      </a:solidFill>
+                      <a:prstDash val="solid"/>
+                      <a:round/>
+                      <a:headEnd type="none" w="med" len="med"/>
+                      <a:tailEnd type="none" w="med" len="med"/>
+                    </a:lnL>
+                    <a:lnR w="12700" cap="flat" cmpd="sng" algn="ctr">
+                      <a:solidFill>
+                        <a:schemeClr val="tx1"/>
+                      </a:solidFill>
+                      <a:prstDash val="solid"/>
+                      <a:round/>
+                      <a:headEnd type="none" w="med" len="med"/>
+                      <a:tailEnd type="none" w="med" len="med"/>
+                    </a:lnR>
+                    <a:lnT w="12700" cap="flat" cmpd="sng" algn="ctr">
+                      <a:solidFill>
+                        <a:schemeClr val="tx1"/>
+                      </a:solidFill>
+                      <a:prstDash val="solid"/>
+                      <a:round/>
+                      <a:headEnd type="none" w="med" len="med"/>
+                      <a:tailEnd type="none" w="med" len="med"/>
+                    </a:lnT>
+                    <a:lnB w="12700" cap="flat" cmpd="sng" algn="ctr">
+                      <a:solidFill>
+                        <a:schemeClr val="tx1"/>
+                      </a:solidFill>
+                      <a:prstDash val="solid"/>
+                      <a:round/>
+                      <a:headEnd type="none" w="med" len="med"/>
+                      <a:tailEnd type="none" w="med" len="med"/>
+                    </a:lnB>
+                    <a:lnTlToBr w="12700" cmpd="sng">
+                      <a:noFill/>
+                      <a:prstDash val="solid"/>
+                    </a:lnTlToBr>
+                    <a:lnBlToTr w="12700" cmpd="sng">
+                      <a:noFill/>
+                      <a:prstDash val="solid"/>
+                    </a:lnBlToTr>
+                    <a:solidFill>
+                      <a:schemeClr val="bg1"/>
+                    </a:solidFill>
+                  </a:tcPr>
+                </a:tc>
+                <a:tc>
+                  <a:txBody>
+                    <a:bodyPr/>
+                    <a:lstStyle/>
+                    <a:p>
+                      <a:r>
+                        <a:rPr lang="fr-FR" sz="1800" dirty="0" smtClean="0">
+                          <a:solidFill>
+                            <a:schemeClr val="tx1"/>
+                          </a:solidFill>
+                          <a:latin typeface="Arial" panose="020B0604020202020204" pitchFamily="34" charset="0"/>
+                          <a:cs typeface="Arial" panose="020B0604020202020204" pitchFamily="34" charset="0"/>
+                        </a:rPr>
+                        <a:t>MCC</a:t>
+                      </a:r>
+                      <a:endParaRPr lang="fr-FR" sz="1800" dirty="0">
+                        <a:solidFill>
+                          <a:schemeClr val="tx1"/>
+                        </a:solidFill>
+                        <a:latin typeface="Arial" panose="020B0604020202020204" pitchFamily="34" charset="0"/>
+                        <a:cs typeface="Arial" panose="020B0604020202020204" pitchFamily="34" charset="0"/>
+                      </a:endParaRPr>
+                    </a:p>
+                  </a:txBody>
+                  <a:tcPr>
+                    <a:lnL w="12700" cap="flat" cmpd="sng" algn="ctr">
+                      <a:solidFill>
+                        <a:schemeClr val="tx1"/>
+                      </a:solidFill>
+                      <a:prstDash val="solid"/>
+                      <a:round/>
+                      <a:headEnd type="none" w="med" len="med"/>
+                      <a:tailEnd type="none" w="med" len="med"/>
+                    </a:lnL>
+                    <a:lnR w="12700" cap="flat" cmpd="sng" algn="ctr">
+                      <a:solidFill>
+                        <a:schemeClr val="tx1"/>
+                      </a:solidFill>
+                      <a:prstDash val="solid"/>
+                      <a:round/>
+                      <a:headEnd type="none" w="med" len="med"/>
+                      <a:tailEnd type="none" w="med" len="med"/>
+                    </a:lnR>
+                    <a:lnT w="12700" cap="flat" cmpd="sng" algn="ctr">
+                      <a:solidFill>
+                        <a:schemeClr val="tx1"/>
+                      </a:solidFill>
+                      <a:prstDash val="solid"/>
+                      <a:round/>
+                      <a:headEnd type="none" w="med" len="med"/>
+                      <a:tailEnd type="none" w="med" len="med"/>
+                    </a:lnT>
+                    <a:lnB w="12700" cap="flat" cmpd="sng" algn="ctr">
+                      <a:solidFill>
+                        <a:schemeClr val="tx1"/>
+                      </a:solidFill>
+                      <a:prstDash val="solid"/>
+                      <a:round/>
+                      <a:headEnd type="none" w="med" len="med"/>
+                      <a:tailEnd type="none" w="med" len="med"/>
+                    </a:lnB>
+                    <a:lnTlToBr w="12700" cmpd="sng">
+                      <a:noFill/>
+                      <a:prstDash val="solid"/>
+                    </a:lnTlToBr>
+                    <a:lnBlToTr w="12700" cmpd="sng">
+                      <a:noFill/>
+                      <a:prstDash val="solid"/>
+                    </a:lnBlToTr>
+                    <a:solidFill>
+                      <a:schemeClr val="bg1"/>
+                    </a:solidFill>
+                  </a:tcPr>
+                </a:tc>
+                <a:tc>
+                  <a:txBody>
+                    <a:bodyPr/>
+                    <a:lstStyle/>
+                    <a:p>
+                      <a:r>
+                        <a:rPr lang="fr-FR" sz="1800" dirty="0" err="1" smtClean="0">
+                          <a:solidFill>
+                            <a:schemeClr val="tx1"/>
+                          </a:solidFill>
+                          <a:latin typeface="Arial" panose="020B0604020202020204" pitchFamily="34" charset="0"/>
+                          <a:cs typeface="Arial" panose="020B0604020202020204" pitchFamily="34" charset="0"/>
+                        </a:rPr>
+                        <a:t>Accuracy</a:t>
+                      </a:r>
+                      <a:endParaRPr lang="fr-FR" sz="1800" dirty="0">
+                        <a:solidFill>
+                          <a:schemeClr val="tx1"/>
+                        </a:solidFill>
+                        <a:latin typeface="Arial" panose="020B0604020202020204" pitchFamily="34" charset="0"/>
+                        <a:cs typeface="Arial" panose="020B0604020202020204" pitchFamily="34" charset="0"/>
+                      </a:endParaRPr>
+                    </a:p>
+                  </a:txBody>
+                  <a:tcPr>
+                    <a:lnL w="12700" cap="flat" cmpd="sng" algn="ctr">
+                      <a:solidFill>
+                        <a:schemeClr val="tx1"/>
+                      </a:solidFill>
+                      <a:prstDash val="solid"/>
+                      <a:round/>
+                      <a:headEnd type="none" w="med" len="med"/>
+                      <a:tailEnd type="none" w="med" len="med"/>
+                    </a:lnL>
+                    <a:lnR w="12700" cap="flat" cmpd="sng" algn="ctr">
+                      <a:solidFill>
+                        <a:schemeClr val="tx1"/>
+                      </a:solidFill>
+                      <a:prstDash val="solid"/>
+                      <a:round/>
+                      <a:headEnd type="none" w="med" len="med"/>
+                      <a:tailEnd type="none" w="med" len="med"/>
+                    </a:lnR>
+                    <a:lnT w="12700" cap="flat" cmpd="sng" algn="ctr">
+                      <a:solidFill>
+                        <a:schemeClr val="tx1"/>
+                      </a:solidFill>
+                      <a:prstDash val="solid"/>
+                      <a:round/>
+                      <a:headEnd type="none" w="med" len="med"/>
+                      <a:tailEnd type="none" w="med" len="med"/>
+                    </a:lnT>
+                    <a:lnB w="12700" cap="flat" cmpd="sng" algn="ctr">
+                      <a:solidFill>
+                        <a:schemeClr val="tx1"/>
+                      </a:solidFill>
+                      <a:prstDash val="solid"/>
+                      <a:round/>
+                      <a:headEnd type="none" w="med" len="med"/>
+                      <a:tailEnd type="none" w="med" len="med"/>
+                    </a:lnB>
+                    <a:lnTlToBr w="12700" cmpd="sng">
+                      <a:noFill/>
+                      <a:prstDash val="solid"/>
+                    </a:lnTlToBr>
+                    <a:lnBlToTr w="12700" cmpd="sng">
+                      <a:noFill/>
+                      <a:prstDash val="solid"/>
+                    </a:lnBlToTr>
+                    <a:solidFill>
+                      <a:schemeClr val="bg1"/>
+                    </a:solidFill>
+                  </a:tcPr>
+                </a:tc>
+                <a:tc>
+                  <a:txBody>
+                    <a:bodyPr/>
+                    <a:lstStyle/>
+                    <a:p>
+                      <a:r>
+                        <a:rPr lang="fr-FR" sz="1800" dirty="0" err="1" smtClean="0">
+                          <a:solidFill>
+                            <a:schemeClr val="tx1"/>
+                          </a:solidFill>
+                          <a:latin typeface="Arial" panose="020B0604020202020204" pitchFamily="34" charset="0"/>
+                          <a:cs typeface="Arial" panose="020B0604020202020204" pitchFamily="34" charset="0"/>
+                        </a:rPr>
+                        <a:t>Precision</a:t>
+                      </a:r>
+                      <a:endParaRPr lang="fr-FR" sz="1800" dirty="0">
+                        <a:solidFill>
+                          <a:schemeClr val="tx1"/>
+                        </a:solidFill>
+                        <a:latin typeface="Arial" panose="020B0604020202020204" pitchFamily="34" charset="0"/>
+                        <a:cs typeface="Arial" panose="020B0604020202020204" pitchFamily="34" charset="0"/>
+                      </a:endParaRPr>
+                    </a:p>
+                  </a:txBody>
+                  <a:tcPr>
+                    <a:lnL w="12700" cap="flat" cmpd="sng" algn="ctr">
+                      <a:solidFill>
+                        <a:schemeClr val="tx1"/>
+                      </a:solidFill>
+                      <a:prstDash val="solid"/>
+                      <a:round/>
+                      <a:headEnd type="none" w="med" len="med"/>
+                      <a:tailEnd type="none" w="med" len="med"/>
+                    </a:lnL>
+                    <a:lnR w="12700" cap="flat" cmpd="sng" algn="ctr">
+                      <a:solidFill>
+                        <a:schemeClr val="tx1"/>
+                      </a:solidFill>
+                      <a:prstDash val="solid"/>
+                      <a:round/>
+                      <a:headEnd type="none" w="med" len="med"/>
+                      <a:tailEnd type="none" w="med" len="med"/>
+                    </a:lnR>
+                    <a:lnT w="12700" cap="flat" cmpd="sng" algn="ctr">
+                      <a:solidFill>
+                        <a:schemeClr val="tx1"/>
+                      </a:solidFill>
+                      <a:prstDash val="solid"/>
+                      <a:round/>
+                      <a:headEnd type="none" w="med" len="med"/>
+                      <a:tailEnd type="none" w="med" len="med"/>
+                    </a:lnT>
+                    <a:lnB w="12700" cap="flat" cmpd="sng" algn="ctr">
+                      <a:solidFill>
+                        <a:schemeClr val="tx1"/>
+                      </a:solidFill>
+                      <a:prstDash val="solid"/>
+                      <a:round/>
+                      <a:headEnd type="none" w="med" len="med"/>
+                      <a:tailEnd type="none" w="med" len="med"/>
+                    </a:lnB>
+                    <a:lnTlToBr w="12700" cmpd="sng">
+                      <a:noFill/>
+                      <a:prstDash val="solid"/>
+                    </a:lnTlToBr>
+                    <a:lnBlToTr w="12700" cmpd="sng">
+                      <a:noFill/>
+                      <a:prstDash val="solid"/>
+                    </a:lnBlToTr>
+                    <a:solidFill>
+                      <a:schemeClr val="bg1"/>
+                    </a:solidFill>
+                  </a:tcPr>
+                </a:tc>
+                <a:tc>
+                  <a:txBody>
+                    <a:bodyPr/>
+                    <a:lstStyle/>
+                    <a:p>
+                      <a:r>
+                        <a:rPr lang="fr-FR" sz="1800" dirty="0" err="1" smtClean="0">
+                          <a:solidFill>
+                            <a:schemeClr val="tx1"/>
+                          </a:solidFill>
+                          <a:latin typeface="Arial" panose="020B0604020202020204" pitchFamily="34" charset="0"/>
+                          <a:cs typeface="Arial" panose="020B0604020202020204" pitchFamily="34" charset="0"/>
+                        </a:rPr>
+                        <a:t>Recall</a:t>
+                      </a:r>
+                      <a:endParaRPr lang="fr-FR" sz="1800" dirty="0">
+                        <a:solidFill>
+                          <a:schemeClr val="tx1"/>
+                        </a:solidFill>
+                        <a:latin typeface="Arial" panose="020B0604020202020204" pitchFamily="34" charset="0"/>
+                        <a:cs typeface="Arial" panose="020B0604020202020204" pitchFamily="34" charset="0"/>
+                      </a:endParaRPr>
+                    </a:p>
+                  </a:txBody>
+                  <a:tcPr>
+                    <a:lnL w="12700" cap="flat" cmpd="sng" algn="ctr">
+                      <a:solidFill>
+                        <a:schemeClr val="tx1"/>
+                      </a:solidFill>
+                      <a:prstDash val="solid"/>
+                      <a:round/>
+                      <a:headEnd type="none" w="med" len="med"/>
+                      <a:tailEnd type="none" w="med" len="med"/>
+                    </a:lnL>
+                    <a:lnR w="12700" cap="flat" cmpd="sng" algn="ctr">
+                      <a:solidFill>
+                        <a:schemeClr val="tx1"/>
+                      </a:solidFill>
+                      <a:prstDash val="solid"/>
+                      <a:round/>
+                      <a:headEnd type="none" w="med" len="med"/>
+                      <a:tailEnd type="none" w="med" len="med"/>
+                    </a:lnR>
+                    <a:lnT w="12700" cap="flat" cmpd="sng" algn="ctr">
+                      <a:solidFill>
+                        <a:schemeClr val="tx1"/>
+                      </a:solidFill>
+                      <a:prstDash val="solid"/>
+                      <a:round/>
+                      <a:headEnd type="none" w="med" len="med"/>
+                      <a:tailEnd type="none" w="med" len="med"/>
+                    </a:lnT>
+                    <a:lnB w="12700" cap="flat" cmpd="sng" algn="ctr">
+                      <a:solidFill>
+                        <a:schemeClr val="tx1"/>
+                      </a:solidFill>
+                      <a:prstDash val="solid"/>
+                      <a:round/>
+                      <a:headEnd type="none" w="med" len="med"/>
+                      <a:tailEnd type="none" w="med" len="med"/>
+                    </a:lnB>
+                    <a:lnTlToBr w="12700" cmpd="sng">
+                      <a:noFill/>
+                      <a:prstDash val="solid"/>
+                    </a:lnTlToBr>
+                    <a:lnBlToTr w="12700" cmpd="sng">
+                      <a:noFill/>
+                      <a:prstDash val="solid"/>
+                    </a:lnBlToTr>
+                    <a:solidFill>
+                      <a:schemeClr val="bg1"/>
+                    </a:solidFill>
+                  </a:tcPr>
+                </a:tc>
+                <a:tc>
+                  <a:txBody>
+                    <a:bodyPr/>
+                    <a:lstStyle/>
+                    <a:p>
+                      <a:r>
+                        <a:rPr lang="fr-FR" sz="1800" dirty="0" smtClean="0">
+                          <a:solidFill>
+                            <a:schemeClr val="tx1"/>
+                          </a:solidFill>
+                          <a:latin typeface="Arial" panose="020B0604020202020204" pitchFamily="34" charset="0"/>
+                          <a:cs typeface="Arial" panose="020B0604020202020204" pitchFamily="34" charset="0"/>
+                        </a:rPr>
+                        <a:t>F1</a:t>
+                      </a:r>
+                      <a:endParaRPr lang="fr-FR" sz="1800" dirty="0">
+                        <a:solidFill>
+                          <a:schemeClr val="tx1"/>
+                        </a:solidFill>
+                        <a:latin typeface="Arial" panose="020B0604020202020204" pitchFamily="34" charset="0"/>
+                        <a:cs typeface="Arial" panose="020B0604020202020204" pitchFamily="34" charset="0"/>
+                      </a:endParaRPr>
+                    </a:p>
+                  </a:txBody>
+                  <a:tcPr>
+                    <a:lnL w="12700" cap="flat" cmpd="sng" algn="ctr">
+                      <a:solidFill>
+                        <a:schemeClr val="tx1"/>
+                      </a:solidFill>
+                      <a:prstDash val="solid"/>
+                      <a:round/>
+                      <a:headEnd type="none" w="med" len="med"/>
+                      <a:tailEnd type="none" w="med" len="med"/>
+                    </a:lnL>
+                    <a:lnR w="12700" cap="flat" cmpd="sng" algn="ctr">
+                      <a:solidFill>
+                        <a:schemeClr val="tx1"/>
+                      </a:solidFill>
+                      <a:prstDash val="solid"/>
+                      <a:round/>
+                      <a:headEnd type="none" w="med" len="med"/>
+                      <a:tailEnd type="none" w="med" len="med"/>
+                    </a:lnR>
+                    <a:lnT w="12700" cap="flat" cmpd="sng" algn="ctr">
+                      <a:solidFill>
+                        <a:schemeClr val="tx1"/>
+                      </a:solidFill>
+                      <a:prstDash val="solid"/>
+                      <a:round/>
+                      <a:headEnd type="none" w="med" len="med"/>
+                      <a:tailEnd type="none" w="med" len="med"/>
+                    </a:lnT>
+                    <a:lnB w="12700" cap="flat" cmpd="sng" algn="ctr">
+                      <a:solidFill>
+                        <a:schemeClr val="tx1"/>
+                      </a:solidFill>
+                      <a:prstDash val="solid"/>
+                      <a:round/>
+                      <a:headEnd type="none" w="med" len="med"/>
+                      <a:tailEnd type="none" w="med" len="med"/>
+                    </a:lnB>
+                    <a:lnTlToBr w="12700" cmpd="sng">
+                      <a:noFill/>
+                      <a:prstDash val="solid"/>
+                    </a:lnTlToBr>
+                    <a:lnBlToTr w="12700" cmpd="sng">
+                      <a:noFill/>
+                      <a:prstDash val="solid"/>
+                    </a:lnBlToTr>
+                    <a:solidFill>
+                      <a:schemeClr val="bg1"/>
+                    </a:solidFill>
+                  </a:tcPr>
+                </a:tc>
+              </a:tr>
+              <a:tr h="370840">
+                <a:tc>
+                  <a:txBody>
+                    <a:bodyPr/>
+                    <a:lstStyle/>
+                    <a:p>
+                      <a:r>
+                        <a:rPr lang="fr-FR" sz="1800" dirty="0" smtClean="0">
+                          <a:solidFill>
+                            <a:schemeClr val="tx1"/>
+                          </a:solidFill>
+                          <a:latin typeface="Arial" panose="020B0604020202020204" pitchFamily="34" charset="0"/>
+                          <a:cs typeface="Arial" panose="020B0604020202020204" pitchFamily="34" charset="0"/>
+                        </a:rPr>
+                        <a:t>Our </a:t>
+                      </a:r>
+                      <a:r>
+                        <a:rPr lang="fr-FR" sz="1800" dirty="0" err="1" smtClean="0">
+                          <a:solidFill>
+                            <a:schemeClr val="tx1"/>
+                          </a:solidFill>
+                          <a:latin typeface="Arial" panose="020B0604020202020204" pitchFamily="34" charset="0"/>
+                          <a:cs typeface="Arial" panose="020B0604020202020204" pitchFamily="34" charset="0"/>
+                        </a:rPr>
+                        <a:t>results</a:t>
+                      </a:r>
+                      <a:endParaRPr lang="fr-FR" sz="1800" dirty="0">
+                        <a:solidFill>
+                          <a:schemeClr val="tx1"/>
+                        </a:solidFill>
+                        <a:latin typeface="Arial" panose="020B0604020202020204" pitchFamily="34" charset="0"/>
+                        <a:cs typeface="Arial" panose="020B0604020202020204" pitchFamily="34" charset="0"/>
+                      </a:endParaRPr>
+                    </a:p>
+                  </a:txBody>
+                  <a:tcPr>
+                    <a:lnL w="12700" cap="flat" cmpd="sng" algn="ctr">
+                      <a:solidFill>
+                        <a:schemeClr val="tx1"/>
+                      </a:solidFill>
+                      <a:prstDash val="solid"/>
+                      <a:round/>
+                      <a:headEnd type="none" w="med" len="med"/>
+                      <a:tailEnd type="none" w="med" len="med"/>
+                    </a:lnL>
+                    <a:lnR w="12700" cap="flat" cmpd="sng" algn="ctr">
+                      <a:solidFill>
+                        <a:schemeClr val="tx1"/>
+                      </a:solidFill>
+                      <a:prstDash val="solid"/>
+                      <a:round/>
+                      <a:headEnd type="none" w="med" len="med"/>
+                      <a:tailEnd type="none" w="med" len="med"/>
+                    </a:lnR>
+                    <a:lnT w="12700" cap="flat" cmpd="sng" algn="ctr">
+                      <a:solidFill>
+                        <a:schemeClr val="tx1"/>
+                      </a:solidFill>
+                      <a:prstDash val="solid"/>
+                      <a:round/>
+                      <a:headEnd type="none" w="med" len="med"/>
+                      <a:tailEnd type="none" w="med" len="med"/>
+                    </a:lnT>
+                    <a:lnB w="12700" cap="flat" cmpd="sng" algn="ctr">
+                      <a:solidFill>
+                        <a:schemeClr val="tx1"/>
+                      </a:solidFill>
+                      <a:prstDash val="solid"/>
+                      <a:round/>
+                      <a:headEnd type="none" w="med" len="med"/>
+                      <a:tailEnd type="none" w="med" len="med"/>
+                    </a:lnB>
+                    <a:lnTlToBr w="12700" cmpd="sng">
+                      <a:noFill/>
+                      <a:prstDash val="solid"/>
+                    </a:lnTlToBr>
+                    <a:lnBlToTr w="12700" cmpd="sng">
+                      <a:noFill/>
+                      <a:prstDash val="solid"/>
+                    </a:lnBlToTr>
+                    <a:solidFill>
+                      <a:schemeClr val="bg1"/>
+                    </a:solidFill>
+                  </a:tcPr>
+                </a:tc>
+                <a:tc>
+                  <a:txBody>
+                    <a:bodyPr/>
+                    <a:lstStyle/>
+                    <a:p>
+                      <a:endParaRPr lang="fr-FR" sz="1800" dirty="0">
+                        <a:solidFill>
+                          <a:schemeClr val="tx1"/>
+                        </a:solidFill>
+                        <a:latin typeface="Arial" panose="020B0604020202020204" pitchFamily="34" charset="0"/>
+                        <a:cs typeface="Arial" panose="020B0604020202020204" pitchFamily="34" charset="0"/>
+                      </a:endParaRPr>
+                    </a:p>
+                  </a:txBody>
+                  <a:tcPr>
+                    <a:lnL w="12700" cap="flat" cmpd="sng" algn="ctr">
+                      <a:solidFill>
+                        <a:schemeClr val="tx1"/>
+                      </a:solidFill>
+                      <a:prstDash val="solid"/>
+                      <a:round/>
+                      <a:headEnd type="none" w="med" len="med"/>
+                      <a:tailEnd type="none" w="med" len="med"/>
+                    </a:lnL>
+                    <a:lnR w="12700" cap="flat" cmpd="sng" algn="ctr">
+                      <a:solidFill>
+                        <a:schemeClr val="tx1"/>
+                      </a:solidFill>
+                      <a:prstDash val="solid"/>
+                      <a:round/>
+                      <a:headEnd type="none" w="med" len="med"/>
+                      <a:tailEnd type="none" w="med" len="med"/>
+                    </a:lnR>
+                    <a:lnT w="12700" cap="flat" cmpd="sng" algn="ctr">
+                      <a:solidFill>
+                        <a:schemeClr val="tx1"/>
+                      </a:solidFill>
+                      <a:prstDash val="solid"/>
+                      <a:round/>
+                      <a:headEnd type="none" w="med" len="med"/>
+                      <a:tailEnd type="none" w="med" len="med"/>
+                    </a:lnT>
+                    <a:lnB w="12700" cap="flat" cmpd="sng" algn="ctr">
+                      <a:solidFill>
+                        <a:schemeClr val="tx1"/>
+                      </a:solidFill>
+                      <a:prstDash val="solid"/>
+                      <a:round/>
+                      <a:headEnd type="none" w="med" len="med"/>
+                      <a:tailEnd type="none" w="med" len="med"/>
+                    </a:lnB>
+                    <a:lnTlToBr w="12700" cmpd="sng">
+                      <a:noFill/>
+                      <a:prstDash val="solid"/>
+                    </a:lnTlToBr>
+                    <a:lnBlToTr w="12700" cmpd="sng">
+                      <a:noFill/>
+                      <a:prstDash val="solid"/>
+                    </a:lnBlToTr>
+                    <a:solidFill>
+                      <a:schemeClr val="bg1"/>
+                    </a:solidFill>
+                  </a:tcPr>
+                </a:tc>
+                <a:tc>
+                  <a:txBody>
+                    <a:bodyPr/>
+                    <a:lstStyle/>
+                    <a:p>
+                      <a:endParaRPr lang="fr-FR" sz="1800" dirty="0">
+                        <a:solidFill>
+                          <a:schemeClr val="tx1"/>
+                        </a:solidFill>
+                        <a:latin typeface="Arial" panose="020B0604020202020204" pitchFamily="34" charset="0"/>
+                        <a:cs typeface="Arial" panose="020B0604020202020204" pitchFamily="34" charset="0"/>
+                      </a:endParaRPr>
+                    </a:p>
+                  </a:txBody>
+                  <a:tcPr>
+                    <a:lnL w="12700" cap="flat" cmpd="sng" algn="ctr">
+                      <a:solidFill>
+                        <a:schemeClr val="tx1"/>
+                      </a:solidFill>
+                      <a:prstDash val="solid"/>
+                      <a:round/>
+                      <a:headEnd type="none" w="med" len="med"/>
+                      <a:tailEnd type="none" w="med" len="med"/>
+                    </a:lnL>
+                    <a:lnR w="12700" cap="flat" cmpd="sng" algn="ctr">
+                      <a:solidFill>
+                        <a:schemeClr val="tx1"/>
+                      </a:solidFill>
+                      <a:prstDash val="solid"/>
+                      <a:round/>
+                      <a:headEnd type="none" w="med" len="med"/>
+                      <a:tailEnd type="none" w="med" len="med"/>
+                    </a:lnR>
+                    <a:lnT w="12700" cap="flat" cmpd="sng" algn="ctr">
+                      <a:solidFill>
+                        <a:schemeClr val="tx1"/>
+                      </a:solidFill>
+                      <a:prstDash val="solid"/>
+                      <a:round/>
+                      <a:headEnd type="none" w="med" len="med"/>
+                      <a:tailEnd type="none" w="med" len="med"/>
+                    </a:lnT>
+                    <a:lnB w="12700" cap="flat" cmpd="sng" algn="ctr">
+                      <a:solidFill>
+                        <a:schemeClr val="tx1"/>
+                      </a:solidFill>
+                      <a:prstDash val="solid"/>
+                      <a:round/>
+                      <a:headEnd type="none" w="med" len="med"/>
+                      <a:tailEnd type="none" w="med" len="med"/>
+                    </a:lnB>
+                    <a:lnTlToBr w="12700" cmpd="sng">
+                      <a:noFill/>
+                      <a:prstDash val="solid"/>
+                    </a:lnTlToBr>
+                    <a:lnBlToTr w="12700" cmpd="sng">
+                      <a:noFill/>
+                      <a:prstDash val="solid"/>
+                    </a:lnBlToTr>
+                    <a:solidFill>
+                      <a:schemeClr val="bg1"/>
+                    </a:solidFill>
+                  </a:tcPr>
+                </a:tc>
+                <a:tc>
+                  <a:txBody>
+                    <a:bodyPr/>
+                    <a:lstStyle/>
+                    <a:p>
+                      <a:endParaRPr lang="fr-FR" sz="1800" dirty="0">
+                        <a:solidFill>
+                          <a:schemeClr val="tx1"/>
+                        </a:solidFill>
+                        <a:latin typeface="Arial" panose="020B0604020202020204" pitchFamily="34" charset="0"/>
+                        <a:cs typeface="Arial" panose="020B0604020202020204" pitchFamily="34" charset="0"/>
+                      </a:endParaRPr>
+                    </a:p>
+                  </a:txBody>
+                  <a:tcPr>
+                    <a:lnL w="12700" cap="flat" cmpd="sng" algn="ctr">
+                      <a:solidFill>
+                        <a:schemeClr val="tx1"/>
+                      </a:solidFill>
+                      <a:prstDash val="solid"/>
+                      <a:round/>
+                      <a:headEnd type="none" w="med" len="med"/>
+                      <a:tailEnd type="none" w="med" len="med"/>
+                    </a:lnL>
+                    <a:lnR w="12700" cap="flat" cmpd="sng" algn="ctr">
+                      <a:solidFill>
+                        <a:schemeClr val="tx1"/>
+                      </a:solidFill>
+                      <a:prstDash val="solid"/>
+                      <a:round/>
+                      <a:headEnd type="none" w="med" len="med"/>
+                      <a:tailEnd type="none" w="med" len="med"/>
+                    </a:lnR>
+                    <a:lnT w="12700" cap="flat" cmpd="sng" algn="ctr">
+                      <a:solidFill>
+                        <a:schemeClr val="tx1"/>
+                      </a:solidFill>
+                      <a:prstDash val="solid"/>
+                      <a:round/>
+                      <a:headEnd type="none" w="med" len="med"/>
+                      <a:tailEnd type="none" w="med" len="med"/>
+                    </a:lnT>
+                    <a:lnB w="12700" cap="flat" cmpd="sng" algn="ctr">
+                      <a:solidFill>
+                        <a:schemeClr val="tx1"/>
+                      </a:solidFill>
+                      <a:prstDash val="solid"/>
+                      <a:round/>
+                      <a:headEnd type="none" w="med" len="med"/>
+                      <a:tailEnd type="none" w="med" len="med"/>
+                    </a:lnB>
+                    <a:lnTlToBr w="12700" cmpd="sng">
+                      <a:noFill/>
+                      <a:prstDash val="solid"/>
+                    </a:lnTlToBr>
+                    <a:lnBlToTr w="12700" cmpd="sng">
+                      <a:noFill/>
+                      <a:prstDash val="solid"/>
+                    </a:lnBlToTr>
+                    <a:solidFill>
+                      <a:schemeClr val="bg1"/>
+                    </a:solidFill>
+                  </a:tcPr>
+                </a:tc>
+                <a:tc>
+                  <a:txBody>
+                    <a:bodyPr/>
+                    <a:lstStyle/>
+                    <a:p>
+                      <a:endParaRPr lang="fr-FR" sz="1800" dirty="0">
+                        <a:solidFill>
+                          <a:schemeClr val="tx1"/>
+                        </a:solidFill>
+                        <a:latin typeface="Arial" panose="020B0604020202020204" pitchFamily="34" charset="0"/>
+                        <a:cs typeface="Arial" panose="020B0604020202020204" pitchFamily="34" charset="0"/>
+                      </a:endParaRPr>
+                    </a:p>
+                  </a:txBody>
+                  <a:tcPr>
+                    <a:lnL w="12700" cap="flat" cmpd="sng" algn="ctr">
+                      <a:solidFill>
+                        <a:schemeClr val="tx1"/>
+                      </a:solidFill>
+                      <a:prstDash val="solid"/>
+                      <a:round/>
+                      <a:headEnd type="none" w="med" len="med"/>
+                      <a:tailEnd type="none" w="med" len="med"/>
+                    </a:lnL>
+                    <a:lnR w="12700" cap="flat" cmpd="sng" algn="ctr">
+                      <a:solidFill>
+                        <a:schemeClr val="tx1"/>
+                      </a:solidFill>
+                      <a:prstDash val="solid"/>
+                      <a:round/>
+                      <a:headEnd type="none" w="med" len="med"/>
+                      <a:tailEnd type="none" w="med" len="med"/>
+                    </a:lnR>
+                    <a:lnT w="12700" cap="flat" cmpd="sng" algn="ctr">
+                      <a:solidFill>
+                        <a:schemeClr val="tx1"/>
+                      </a:solidFill>
+                      <a:prstDash val="solid"/>
+                      <a:round/>
+                      <a:headEnd type="none" w="med" len="med"/>
+                      <a:tailEnd type="none" w="med" len="med"/>
+                    </a:lnT>
+                    <a:lnB w="12700" cap="flat" cmpd="sng" algn="ctr">
+                      <a:solidFill>
+                        <a:schemeClr val="tx1"/>
+                      </a:solidFill>
+                      <a:prstDash val="solid"/>
+                      <a:round/>
+                      <a:headEnd type="none" w="med" len="med"/>
+                      <a:tailEnd type="none" w="med" len="med"/>
+                    </a:lnB>
+                    <a:lnTlToBr w="12700" cmpd="sng">
+                      <a:noFill/>
+                      <a:prstDash val="solid"/>
+                    </a:lnTlToBr>
+                    <a:lnBlToTr w="12700" cmpd="sng">
+                      <a:noFill/>
+                      <a:prstDash val="solid"/>
+                    </a:lnBlToTr>
+                    <a:solidFill>
+                      <a:schemeClr val="bg1"/>
+                    </a:solidFill>
+                  </a:tcPr>
+                </a:tc>
+                <a:tc>
+                  <a:txBody>
+                    <a:bodyPr/>
+                    <a:lstStyle/>
+                    <a:p>
+                      <a:endParaRPr lang="fr-FR" sz="1800" dirty="0">
+                        <a:solidFill>
+                          <a:schemeClr val="tx1"/>
+                        </a:solidFill>
+                        <a:latin typeface="Arial" panose="020B0604020202020204" pitchFamily="34" charset="0"/>
+                        <a:cs typeface="Arial" panose="020B0604020202020204" pitchFamily="34" charset="0"/>
+                      </a:endParaRPr>
+                    </a:p>
+                  </a:txBody>
+                  <a:tcPr>
+                    <a:lnL w="12700" cap="flat" cmpd="sng" algn="ctr">
+                      <a:solidFill>
+                        <a:schemeClr val="tx1"/>
+                      </a:solidFill>
+                      <a:prstDash val="solid"/>
+                      <a:round/>
+                      <a:headEnd type="none" w="med" len="med"/>
+                      <a:tailEnd type="none" w="med" len="med"/>
+                    </a:lnL>
+                    <a:lnR w="12700" cap="flat" cmpd="sng" algn="ctr">
+                      <a:solidFill>
+                        <a:schemeClr val="tx1"/>
+                      </a:solidFill>
+                      <a:prstDash val="solid"/>
+                      <a:round/>
+                      <a:headEnd type="none" w="med" len="med"/>
+                      <a:tailEnd type="none" w="med" len="med"/>
+                    </a:lnR>
+                    <a:lnT w="12700" cap="flat" cmpd="sng" algn="ctr">
+                      <a:solidFill>
+                        <a:schemeClr val="tx1"/>
+                      </a:solidFill>
+                      <a:prstDash val="solid"/>
+                      <a:round/>
+                      <a:headEnd type="none" w="med" len="med"/>
+                      <a:tailEnd type="none" w="med" len="med"/>
+                    </a:lnT>
+                    <a:lnB w="12700" cap="flat" cmpd="sng" algn="ctr">
+                      <a:solidFill>
+                        <a:schemeClr val="tx1"/>
+                      </a:solidFill>
+                      <a:prstDash val="solid"/>
+                      <a:round/>
+                      <a:headEnd type="none" w="med" len="med"/>
+                      <a:tailEnd type="none" w="med" len="med"/>
+                    </a:lnB>
+                    <a:lnTlToBr w="12700" cmpd="sng">
+                      <a:noFill/>
+                      <a:prstDash val="solid"/>
+                    </a:lnTlToBr>
+                    <a:lnBlToTr w="12700" cmpd="sng">
+                      <a:noFill/>
+                      <a:prstDash val="solid"/>
+                    </a:lnBlToTr>
+                    <a:solidFill>
+                      <a:schemeClr val="bg1"/>
+                    </a:solidFill>
+                  </a:tcPr>
+                </a:tc>
+                <a:tc>
+                  <a:txBody>
+                    <a:bodyPr/>
+                    <a:lstStyle/>
+                    <a:p>
+                      <a:endParaRPr lang="fr-FR" sz="1800" dirty="0">
+                        <a:solidFill>
+                          <a:schemeClr val="tx1"/>
+                        </a:solidFill>
+                        <a:latin typeface="Arial" panose="020B0604020202020204" pitchFamily="34" charset="0"/>
+                        <a:cs typeface="Arial" panose="020B0604020202020204" pitchFamily="34" charset="0"/>
+                      </a:endParaRPr>
+                    </a:p>
+                  </a:txBody>
+                  <a:tcPr>
+                    <a:lnL w="12700" cap="flat" cmpd="sng" algn="ctr">
+                      <a:solidFill>
+                        <a:schemeClr val="tx1"/>
+                      </a:solidFill>
+                      <a:prstDash val="solid"/>
+                      <a:round/>
+                      <a:headEnd type="none" w="med" len="med"/>
+                      <a:tailEnd type="none" w="med" len="med"/>
+                    </a:lnL>
+                    <a:lnR w="12700" cap="flat" cmpd="sng" algn="ctr">
+                      <a:solidFill>
+                        <a:schemeClr val="tx1"/>
+                      </a:solidFill>
+                      <a:prstDash val="solid"/>
+                      <a:round/>
+                      <a:headEnd type="none" w="med" len="med"/>
+                      <a:tailEnd type="none" w="med" len="med"/>
+                    </a:lnR>
+                    <a:lnT w="12700" cap="flat" cmpd="sng" algn="ctr">
+                      <a:solidFill>
+                        <a:schemeClr val="tx1"/>
+                      </a:solidFill>
+                      <a:prstDash val="solid"/>
+                      <a:round/>
+                      <a:headEnd type="none" w="med" len="med"/>
+                      <a:tailEnd type="none" w="med" len="med"/>
+                    </a:lnT>
+                    <a:lnB w="12700" cap="flat" cmpd="sng" algn="ctr">
+                      <a:solidFill>
+                        <a:schemeClr val="tx1"/>
+                      </a:solidFill>
+                      <a:prstDash val="solid"/>
+                      <a:round/>
+                      <a:headEnd type="none" w="med" len="med"/>
+                      <a:tailEnd type="none" w="med" len="med"/>
+                    </a:lnB>
+                    <a:lnTlToBr w="12700" cmpd="sng">
+                      <a:noFill/>
+                      <a:prstDash val="solid"/>
+                    </a:lnTlToBr>
+                    <a:lnBlToTr w="12700" cmpd="sng">
+                      <a:noFill/>
+                      <a:prstDash val="solid"/>
+                    </a:lnBlToTr>
+                    <a:solidFill>
+                      <a:schemeClr val="bg1"/>
+                    </a:solidFill>
+                  </a:tcPr>
+                </a:tc>
+              </a:tr>
+              <a:tr h="370840">
+                <a:tc>
+                  <a:txBody>
+                    <a:bodyPr/>
+                    <a:lstStyle/>
+                    <a:p>
+                      <a:r>
+                        <a:rPr lang="fr-FR" sz="1800" dirty="0" smtClean="0">
+                          <a:solidFill>
+                            <a:schemeClr val="tx1"/>
+                          </a:solidFill>
+                          <a:latin typeface="Arial" panose="020B0604020202020204" pitchFamily="34" charset="0"/>
+                          <a:cs typeface="Arial" panose="020B0604020202020204" pitchFamily="34" charset="0"/>
+                        </a:rPr>
+                        <a:t>Ida </a:t>
+                      </a:r>
+                      <a:r>
+                        <a:rPr lang="fr-FR" sz="1800" dirty="0" err="1" smtClean="0">
+                          <a:solidFill>
+                            <a:schemeClr val="tx1"/>
+                          </a:solidFill>
+                          <a:latin typeface="Arial" panose="020B0604020202020204" pitchFamily="34" charset="0"/>
+                          <a:cs typeface="Arial" panose="020B0604020202020204" pitchFamily="34" charset="0"/>
+                        </a:rPr>
+                        <a:t>Meitil’s</a:t>
+                      </a:r>
+                      <a:r>
+                        <a:rPr lang="fr-FR" sz="1800" dirty="0" smtClean="0">
+                          <a:solidFill>
+                            <a:schemeClr val="tx1"/>
+                          </a:solidFill>
+                          <a:latin typeface="Arial" panose="020B0604020202020204" pitchFamily="34" charset="0"/>
+                          <a:cs typeface="Arial" panose="020B0604020202020204" pitchFamily="34" charset="0"/>
+                        </a:rPr>
+                        <a:t> </a:t>
+                      </a:r>
+                      <a:r>
+                        <a:rPr lang="fr-FR" sz="1800" dirty="0" err="1" smtClean="0">
+                          <a:solidFill>
+                            <a:schemeClr val="tx1"/>
+                          </a:solidFill>
+                          <a:latin typeface="Arial" panose="020B0604020202020204" pitchFamily="34" charset="0"/>
+                          <a:cs typeface="Arial" panose="020B0604020202020204" pitchFamily="34" charset="0"/>
+                        </a:rPr>
+                        <a:t>results</a:t>
+                      </a:r>
+                      <a:endParaRPr lang="fr-FR" sz="1800" dirty="0">
+                        <a:solidFill>
+                          <a:schemeClr val="tx1"/>
+                        </a:solidFill>
+                        <a:latin typeface="Arial" panose="020B0604020202020204" pitchFamily="34" charset="0"/>
+                        <a:cs typeface="Arial" panose="020B0604020202020204" pitchFamily="34" charset="0"/>
+                      </a:endParaRPr>
+                    </a:p>
+                  </a:txBody>
+                  <a:tcPr>
+                    <a:lnL w="12700" cap="flat" cmpd="sng" algn="ctr">
+                      <a:solidFill>
+                        <a:schemeClr val="tx1"/>
+                      </a:solidFill>
+                      <a:prstDash val="solid"/>
+                      <a:round/>
+                      <a:headEnd type="none" w="med" len="med"/>
+                      <a:tailEnd type="none" w="med" len="med"/>
+                    </a:lnL>
+                    <a:lnR w="12700" cap="flat" cmpd="sng" algn="ctr">
+                      <a:solidFill>
+                        <a:schemeClr val="tx1"/>
+                      </a:solidFill>
+                      <a:prstDash val="solid"/>
+                      <a:round/>
+                      <a:headEnd type="none" w="med" len="med"/>
+                      <a:tailEnd type="none" w="med" len="med"/>
+                    </a:lnR>
+                    <a:lnT w="12700" cap="flat" cmpd="sng" algn="ctr">
+                      <a:solidFill>
+                        <a:schemeClr val="tx1"/>
+                      </a:solidFill>
+                      <a:prstDash val="solid"/>
+                      <a:round/>
+                      <a:headEnd type="none" w="med" len="med"/>
+                      <a:tailEnd type="none" w="med" len="med"/>
+                    </a:lnT>
+                    <a:lnB w="12700" cap="flat" cmpd="sng" algn="ctr">
+                      <a:solidFill>
+                        <a:schemeClr val="tx1"/>
+                      </a:solidFill>
+                      <a:prstDash val="solid"/>
+                      <a:round/>
+                      <a:headEnd type="none" w="med" len="med"/>
+                      <a:tailEnd type="none" w="med" len="med"/>
+                    </a:lnB>
+                    <a:lnTlToBr w="12700" cmpd="sng">
+                      <a:noFill/>
+                      <a:prstDash val="solid"/>
+                    </a:lnTlToBr>
+                    <a:lnBlToTr w="12700" cmpd="sng">
+                      <a:noFill/>
+                      <a:prstDash val="solid"/>
+                    </a:lnBlToTr>
+                    <a:solidFill>
+                      <a:schemeClr val="bg1"/>
+                    </a:solidFill>
+                  </a:tcPr>
+                </a:tc>
+                <a:tc>
+                  <a:txBody>
+                    <a:bodyPr/>
+                    <a:lstStyle/>
+                    <a:p>
+                      <a:r>
+                        <a:rPr lang="fr-FR" sz="1800" dirty="0" smtClean="0">
+                          <a:solidFill>
+                            <a:schemeClr val="tx1"/>
+                          </a:solidFill>
+                          <a:latin typeface="Arial" panose="020B0604020202020204" pitchFamily="34" charset="0"/>
+                          <a:cs typeface="Arial" panose="020B0604020202020204" pitchFamily="34" charset="0"/>
+                        </a:rPr>
+                        <a:t>0.84</a:t>
+                      </a:r>
+                      <a:endParaRPr lang="fr-FR" sz="1800" dirty="0">
+                        <a:solidFill>
+                          <a:schemeClr val="tx1"/>
+                        </a:solidFill>
+                        <a:latin typeface="Arial" panose="020B0604020202020204" pitchFamily="34" charset="0"/>
+                        <a:cs typeface="Arial" panose="020B0604020202020204" pitchFamily="34" charset="0"/>
+                      </a:endParaRPr>
+                    </a:p>
+                  </a:txBody>
+                  <a:tcPr>
+                    <a:lnL w="12700" cap="flat" cmpd="sng" algn="ctr">
+                      <a:solidFill>
+                        <a:schemeClr val="tx1"/>
+                      </a:solidFill>
+                      <a:prstDash val="solid"/>
+                      <a:round/>
+                      <a:headEnd type="none" w="med" len="med"/>
+                      <a:tailEnd type="none" w="med" len="med"/>
+                    </a:lnL>
+                    <a:lnR w="12700" cap="flat" cmpd="sng" algn="ctr">
+                      <a:solidFill>
+                        <a:schemeClr val="tx1"/>
+                      </a:solidFill>
+                      <a:prstDash val="solid"/>
+                      <a:round/>
+                      <a:headEnd type="none" w="med" len="med"/>
+                      <a:tailEnd type="none" w="med" len="med"/>
+                    </a:lnR>
+                    <a:lnT w="12700" cap="flat" cmpd="sng" algn="ctr">
+                      <a:solidFill>
+                        <a:schemeClr val="tx1"/>
+                      </a:solidFill>
+                      <a:prstDash val="solid"/>
+                      <a:round/>
+                      <a:headEnd type="none" w="med" len="med"/>
+                      <a:tailEnd type="none" w="med" len="med"/>
+                    </a:lnT>
+                    <a:lnB w="12700" cap="flat" cmpd="sng" algn="ctr">
+                      <a:solidFill>
+                        <a:schemeClr val="tx1"/>
+                      </a:solidFill>
+                      <a:prstDash val="solid"/>
+                      <a:round/>
+                      <a:headEnd type="none" w="med" len="med"/>
+                      <a:tailEnd type="none" w="med" len="med"/>
+                    </a:lnB>
+                    <a:lnTlToBr w="12700" cmpd="sng">
+                      <a:noFill/>
+                      <a:prstDash val="solid"/>
+                    </a:lnTlToBr>
+                    <a:lnBlToTr w="12700" cmpd="sng">
+                      <a:noFill/>
+                      <a:prstDash val="solid"/>
+                    </a:lnBlToTr>
+                    <a:solidFill>
+                      <a:schemeClr val="bg1"/>
+                    </a:solidFill>
+                  </a:tcPr>
+                </a:tc>
+                <a:tc>
+                  <a:txBody>
+                    <a:bodyPr/>
+                    <a:lstStyle/>
+                    <a:p>
+                      <a:r>
+                        <a:rPr lang="fr-FR" sz="1800" dirty="0" smtClean="0">
+                          <a:solidFill>
+                            <a:schemeClr val="tx1"/>
+                          </a:solidFill>
+                          <a:latin typeface="Arial" panose="020B0604020202020204" pitchFamily="34" charset="0"/>
+                          <a:cs typeface="Arial" panose="020B0604020202020204" pitchFamily="34" charset="0"/>
+                        </a:rPr>
+                        <a:t>0.63</a:t>
+                      </a:r>
+                      <a:endParaRPr lang="fr-FR" sz="1800" dirty="0">
+                        <a:solidFill>
+                          <a:schemeClr val="tx1"/>
+                        </a:solidFill>
+                        <a:latin typeface="Arial" panose="020B0604020202020204" pitchFamily="34" charset="0"/>
+                        <a:cs typeface="Arial" panose="020B0604020202020204" pitchFamily="34" charset="0"/>
+                      </a:endParaRPr>
+                    </a:p>
+                  </a:txBody>
+                  <a:tcPr>
+                    <a:lnL w="12700" cap="flat" cmpd="sng" algn="ctr">
+                      <a:solidFill>
+                        <a:schemeClr val="tx1"/>
+                      </a:solidFill>
+                      <a:prstDash val="solid"/>
+                      <a:round/>
+                      <a:headEnd type="none" w="med" len="med"/>
+                      <a:tailEnd type="none" w="med" len="med"/>
+                    </a:lnL>
+                    <a:lnR w="12700" cap="flat" cmpd="sng" algn="ctr">
+                      <a:solidFill>
+                        <a:schemeClr val="tx1"/>
+                      </a:solidFill>
+                      <a:prstDash val="solid"/>
+                      <a:round/>
+                      <a:headEnd type="none" w="med" len="med"/>
+                      <a:tailEnd type="none" w="med" len="med"/>
+                    </a:lnR>
+                    <a:lnT w="12700" cap="flat" cmpd="sng" algn="ctr">
+                      <a:solidFill>
+                        <a:schemeClr val="tx1"/>
+                      </a:solidFill>
+                      <a:prstDash val="solid"/>
+                      <a:round/>
+                      <a:headEnd type="none" w="med" len="med"/>
+                      <a:tailEnd type="none" w="med" len="med"/>
+                    </a:lnT>
+                    <a:lnB w="12700" cap="flat" cmpd="sng" algn="ctr">
+                      <a:solidFill>
+                        <a:schemeClr val="tx1"/>
+                      </a:solidFill>
+                      <a:prstDash val="solid"/>
+                      <a:round/>
+                      <a:headEnd type="none" w="med" len="med"/>
+                      <a:tailEnd type="none" w="med" len="med"/>
+                    </a:lnB>
+                    <a:lnTlToBr w="12700" cmpd="sng">
+                      <a:noFill/>
+                      <a:prstDash val="solid"/>
+                    </a:lnTlToBr>
+                    <a:lnBlToTr w="12700" cmpd="sng">
+                      <a:noFill/>
+                      <a:prstDash val="solid"/>
+                    </a:lnBlToTr>
+                    <a:solidFill>
+                      <a:schemeClr val="bg1"/>
+                    </a:solidFill>
+                  </a:tcPr>
+                </a:tc>
+                <a:tc>
+                  <a:txBody>
+                    <a:bodyPr/>
+                    <a:lstStyle/>
+                    <a:p>
+                      <a:r>
+                        <a:rPr lang="fr-FR" sz="1800" dirty="0" smtClean="0">
+                          <a:solidFill>
+                            <a:schemeClr val="tx1"/>
+                          </a:solidFill>
+                          <a:latin typeface="Arial" panose="020B0604020202020204" pitchFamily="34" charset="0"/>
+                          <a:cs typeface="Arial" panose="020B0604020202020204" pitchFamily="34" charset="0"/>
+                        </a:rPr>
+                        <a:t>0.88</a:t>
+                      </a:r>
+                      <a:endParaRPr lang="fr-FR" sz="1800" dirty="0">
+                        <a:solidFill>
+                          <a:schemeClr val="tx1"/>
+                        </a:solidFill>
+                        <a:latin typeface="Arial" panose="020B0604020202020204" pitchFamily="34" charset="0"/>
+                        <a:cs typeface="Arial" panose="020B0604020202020204" pitchFamily="34" charset="0"/>
+                      </a:endParaRPr>
+                    </a:p>
+                  </a:txBody>
+                  <a:tcPr>
+                    <a:lnL w="12700" cap="flat" cmpd="sng" algn="ctr">
+                      <a:solidFill>
+                        <a:schemeClr val="tx1"/>
+                      </a:solidFill>
+                      <a:prstDash val="solid"/>
+                      <a:round/>
+                      <a:headEnd type="none" w="med" len="med"/>
+                      <a:tailEnd type="none" w="med" len="med"/>
+                    </a:lnL>
+                    <a:lnR w="12700" cap="flat" cmpd="sng" algn="ctr">
+                      <a:solidFill>
+                        <a:schemeClr val="tx1"/>
+                      </a:solidFill>
+                      <a:prstDash val="solid"/>
+                      <a:round/>
+                      <a:headEnd type="none" w="med" len="med"/>
+                      <a:tailEnd type="none" w="med" len="med"/>
+                    </a:lnR>
+                    <a:lnT w="12700" cap="flat" cmpd="sng" algn="ctr">
+                      <a:solidFill>
+                        <a:schemeClr val="tx1"/>
+                      </a:solidFill>
+                      <a:prstDash val="solid"/>
+                      <a:round/>
+                      <a:headEnd type="none" w="med" len="med"/>
+                      <a:tailEnd type="none" w="med" len="med"/>
+                    </a:lnT>
+                    <a:lnB w="12700" cap="flat" cmpd="sng" algn="ctr">
+                      <a:solidFill>
+                        <a:schemeClr val="tx1"/>
+                      </a:solidFill>
+                      <a:prstDash val="solid"/>
+                      <a:round/>
+                      <a:headEnd type="none" w="med" len="med"/>
+                      <a:tailEnd type="none" w="med" len="med"/>
+                    </a:lnB>
+                    <a:lnTlToBr w="12700" cmpd="sng">
+                      <a:noFill/>
+                      <a:prstDash val="solid"/>
+                    </a:lnTlToBr>
+                    <a:lnBlToTr w="12700" cmpd="sng">
+                      <a:noFill/>
+                      <a:prstDash val="solid"/>
+                    </a:lnBlToTr>
+                    <a:solidFill>
+                      <a:schemeClr val="bg1"/>
+                    </a:solidFill>
+                  </a:tcPr>
+                </a:tc>
+                <a:tc>
+                  <a:txBody>
+                    <a:bodyPr/>
+                    <a:lstStyle/>
+                    <a:p>
+                      <a:r>
+                        <a:rPr lang="fr-FR" sz="1800" dirty="0" smtClean="0">
+                          <a:solidFill>
+                            <a:schemeClr val="tx1"/>
+                          </a:solidFill>
+                          <a:latin typeface="Arial" panose="020B0604020202020204" pitchFamily="34" charset="0"/>
+                          <a:cs typeface="Arial" panose="020B0604020202020204" pitchFamily="34" charset="0"/>
+                        </a:rPr>
+                        <a:t>0.79</a:t>
+                      </a:r>
+                      <a:endParaRPr lang="fr-FR" sz="1800" dirty="0">
+                        <a:solidFill>
+                          <a:schemeClr val="tx1"/>
+                        </a:solidFill>
+                        <a:latin typeface="Arial" panose="020B0604020202020204" pitchFamily="34" charset="0"/>
+                        <a:cs typeface="Arial" panose="020B0604020202020204" pitchFamily="34" charset="0"/>
+                      </a:endParaRPr>
+                    </a:p>
+                  </a:txBody>
+                  <a:tcPr>
+                    <a:lnL w="12700" cap="flat" cmpd="sng" algn="ctr">
+                      <a:solidFill>
+                        <a:schemeClr val="tx1"/>
+                      </a:solidFill>
+                      <a:prstDash val="solid"/>
+                      <a:round/>
+                      <a:headEnd type="none" w="med" len="med"/>
+                      <a:tailEnd type="none" w="med" len="med"/>
+                    </a:lnL>
+                    <a:lnR w="12700" cap="flat" cmpd="sng" algn="ctr">
+                      <a:solidFill>
+                        <a:schemeClr val="tx1"/>
+                      </a:solidFill>
+                      <a:prstDash val="solid"/>
+                      <a:round/>
+                      <a:headEnd type="none" w="med" len="med"/>
+                      <a:tailEnd type="none" w="med" len="med"/>
+                    </a:lnR>
+                    <a:lnT w="12700" cap="flat" cmpd="sng" algn="ctr">
+                      <a:solidFill>
+                        <a:schemeClr val="tx1"/>
+                      </a:solidFill>
+                      <a:prstDash val="solid"/>
+                      <a:round/>
+                      <a:headEnd type="none" w="med" len="med"/>
+                      <a:tailEnd type="none" w="med" len="med"/>
+                    </a:lnT>
+                    <a:lnB w="12700" cap="flat" cmpd="sng" algn="ctr">
+                      <a:solidFill>
+                        <a:schemeClr val="tx1"/>
+                      </a:solidFill>
+                      <a:prstDash val="solid"/>
+                      <a:round/>
+                      <a:headEnd type="none" w="med" len="med"/>
+                      <a:tailEnd type="none" w="med" len="med"/>
+                    </a:lnB>
+                    <a:lnTlToBr w="12700" cmpd="sng">
+                      <a:noFill/>
+                      <a:prstDash val="solid"/>
+                    </a:lnTlToBr>
+                    <a:lnBlToTr w="12700" cmpd="sng">
+                      <a:noFill/>
+                      <a:prstDash val="solid"/>
+                    </a:lnBlToTr>
+                    <a:solidFill>
+                      <a:schemeClr val="bg1"/>
+                    </a:solidFill>
+                  </a:tcPr>
+                </a:tc>
+                <a:tc>
+                  <a:txBody>
+                    <a:bodyPr/>
+                    <a:lstStyle/>
+                    <a:p>
+                      <a:r>
+                        <a:rPr lang="fr-FR" sz="1800" dirty="0" smtClean="0">
+                          <a:solidFill>
+                            <a:schemeClr val="tx1"/>
+                          </a:solidFill>
+                          <a:latin typeface="Arial" panose="020B0604020202020204" pitchFamily="34" charset="0"/>
+                          <a:cs typeface="Arial" panose="020B0604020202020204" pitchFamily="34" charset="0"/>
+                        </a:rPr>
+                        <a:t>0.61</a:t>
+                      </a:r>
+                      <a:endParaRPr lang="fr-FR" sz="1800" dirty="0">
+                        <a:solidFill>
+                          <a:schemeClr val="tx1"/>
+                        </a:solidFill>
+                        <a:latin typeface="Arial" panose="020B0604020202020204" pitchFamily="34" charset="0"/>
+                        <a:cs typeface="Arial" panose="020B0604020202020204" pitchFamily="34" charset="0"/>
+                      </a:endParaRPr>
+                    </a:p>
+                  </a:txBody>
+                  <a:tcPr>
+                    <a:lnL w="12700" cap="flat" cmpd="sng" algn="ctr">
+                      <a:solidFill>
+                        <a:schemeClr val="tx1"/>
+                      </a:solidFill>
+                      <a:prstDash val="solid"/>
+                      <a:round/>
+                      <a:headEnd type="none" w="med" len="med"/>
+                      <a:tailEnd type="none" w="med" len="med"/>
+                    </a:lnL>
+                    <a:lnR w="12700" cap="flat" cmpd="sng" algn="ctr">
+                      <a:solidFill>
+                        <a:schemeClr val="tx1"/>
+                      </a:solidFill>
+                      <a:prstDash val="solid"/>
+                      <a:round/>
+                      <a:headEnd type="none" w="med" len="med"/>
+                      <a:tailEnd type="none" w="med" len="med"/>
+                    </a:lnR>
+                    <a:lnT w="12700" cap="flat" cmpd="sng" algn="ctr">
+                      <a:solidFill>
+                        <a:schemeClr val="tx1"/>
+                      </a:solidFill>
+                      <a:prstDash val="solid"/>
+                      <a:round/>
+                      <a:headEnd type="none" w="med" len="med"/>
+                      <a:tailEnd type="none" w="med" len="med"/>
+                    </a:lnT>
+                    <a:lnB w="12700" cap="flat" cmpd="sng" algn="ctr">
+                      <a:solidFill>
+                        <a:schemeClr val="tx1"/>
+                      </a:solidFill>
+                      <a:prstDash val="solid"/>
+                      <a:round/>
+                      <a:headEnd type="none" w="med" len="med"/>
+                      <a:tailEnd type="none" w="med" len="med"/>
+                    </a:lnB>
+                    <a:lnTlToBr w="12700" cmpd="sng">
+                      <a:noFill/>
+                      <a:prstDash val="solid"/>
+                    </a:lnTlToBr>
+                    <a:lnBlToTr w="12700" cmpd="sng">
+                      <a:noFill/>
+                      <a:prstDash val="solid"/>
+                    </a:lnBlToTr>
+                    <a:solidFill>
+                      <a:schemeClr val="bg1"/>
+                    </a:solidFill>
+                  </a:tcPr>
+                </a:tc>
+                <a:tc>
+                  <a:txBody>
+                    <a:bodyPr/>
+                    <a:lstStyle/>
+                    <a:p>
+                      <a:r>
+                        <a:rPr lang="fr-FR" sz="1800" dirty="0" smtClean="0">
+                          <a:solidFill>
+                            <a:schemeClr val="tx1"/>
+                          </a:solidFill>
+                          <a:latin typeface="Arial" panose="020B0604020202020204" pitchFamily="34" charset="0"/>
+                          <a:cs typeface="Arial" panose="020B0604020202020204" pitchFamily="34" charset="0"/>
+                        </a:rPr>
+                        <a:t>0.69</a:t>
+                      </a:r>
+                      <a:endParaRPr lang="fr-FR" sz="1800" dirty="0">
+                        <a:solidFill>
+                          <a:schemeClr val="tx1"/>
+                        </a:solidFill>
+                        <a:latin typeface="Arial" panose="020B0604020202020204" pitchFamily="34" charset="0"/>
+                        <a:cs typeface="Arial" panose="020B0604020202020204" pitchFamily="34" charset="0"/>
+                      </a:endParaRPr>
+                    </a:p>
+                  </a:txBody>
+                  <a:tcPr>
+                    <a:lnL w="12700" cap="flat" cmpd="sng" algn="ctr">
+                      <a:solidFill>
+                        <a:schemeClr val="tx1"/>
+                      </a:solidFill>
+                      <a:prstDash val="solid"/>
+                      <a:round/>
+                      <a:headEnd type="none" w="med" len="med"/>
+                      <a:tailEnd type="none" w="med" len="med"/>
+                    </a:lnL>
+                    <a:lnR w="12700" cap="flat" cmpd="sng" algn="ctr">
+                      <a:solidFill>
+                        <a:schemeClr val="tx1"/>
+                      </a:solidFill>
+                      <a:prstDash val="solid"/>
+                      <a:round/>
+                      <a:headEnd type="none" w="med" len="med"/>
+                      <a:tailEnd type="none" w="med" len="med"/>
+                    </a:lnR>
+                    <a:lnT w="12700" cap="flat" cmpd="sng" algn="ctr">
+                      <a:solidFill>
+                        <a:schemeClr val="tx1"/>
+                      </a:solidFill>
+                      <a:prstDash val="solid"/>
+                      <a:round/>
+                      <a:headEnd type="none" w="med" len="med"/>
+                      <a:tailEnd type="none" w="med" len="med"/>
+                    </a:lnT>
+                    <a:lnB w="12700" cap="flat" cmpd="sng" algn="ctr">
+                      <a:solidFill>
+                        <a:schemeClr val="tx1"/>
+                      </a:solidFill>
+                      <a:prstDash val="solid"/>
+                      <a:round/>
+                      <a:headEnd type="none" w="med" len="med"/>
+                      <a:tailEnd type="none" w="med" len="med"/>
+                    </a:lnB>
+                    <a:lnTlToBr w="12700" cmpd="sng">
+                      <a:noFill/>
+                      <a:prstDash val="solid"/>
+                    </a:lnTlToBr>
+                    <a:lnBlToTr w="12700" cmpd="sng">
+                      <a:noFill/>
+                      <a:prstDash val="solid"/>
+                    </a:lnBlToTr>
+                    <a:solidFill>
+                      <a:schemeClr val="bg1"/>
+                    </a:solidFill>
+                  </a:tcPr>
+                </a:tc>
+              </a:tr>
+            </a:tbl>
+          </a:graphicData>
+        </a:graphic>
+      </p:graphicFrame>
+      <p:sp>
+        <p:nvSpPr>
+          <p:cNvPr id="14" name="Rectangle 13"/>
+          <p:cNvSpPr/>
+          <p:nvPr/>
+        </p:nvSpPr>
+        <p:spPr>
+          <a:xfrm>
+            <a:off x="1785542" y="20280690"/>
+            <a:ext cx="10032105" cy="369332"/>
+          </a:xfrm>
+          <a:prstGeom prst="rect">
+            <a:avLst/>
+          </a:prstGeom>
+        </p:spPr>
+        <p:txBody>
+          <a:bodyPr wrap="none">
+            <a:spAutoFit/>
+          </a:bodyPr>
+          <a:lstStyle/>
+          <a:p>
+            <a:r>
+              <a:rPr lang="fr-FR" i="1" dirty="0" smtClean="0"/>
+              <a:t>Table 1. </a:t>
+            </a:r>
+            <a:r>
+              <a:rPr lang="fr-FR" i="1" dirty="0" err="1" smtClean="0"/>
+              <a:t>Comparison</a:t>
+            </a:r>
+            <a:r>
+              <a:rPr lang="fr-FR" i="1" dirty="0" smtClean="0"/>
+              <a:t> </a:t>
+            </a:r>
+            <a:r>
+              <a:rPr lang="fr-FR" i="1" dirty="0" err="1" smtClean="0"/>
+              <a:t>between</a:t>
+            </a:r>
+            <a:r>
+              <a:rPr lang="fr-FR" i="1" dirty="0" smtClean="0"/>
+              <a:t> </a:t>
+            </a:r>
+            <a:r>
+              <a:rPr lang="fr-FR" i="1" dirty="0" err="1" smtClean="0"/>
+              <a:t>our</a:t>
+            </a:r>
+            <a:r>
+              <a:rPr lang="fr-FR" i="1" dirty="0" smtClean="0"/>
+              <a:t> </a:t>
+            </a:r>
+            <a:r>
+              <a:rPr lang="fr-FR" i="1" dirty="0" err="1" smtClean="0"/>
+              <a:t>results</a:t>
+            </a:r>
+            <a:r>
+              <a:rPr lang="fr-FR" i="1" dirty="0" smtClean="0"/>
+              <a:t> and the </a:t>
+            </a:r>
+            <a:r>
+              <a:rPr lang="fr-FR" i="1" dirty="0" err="1" smtClean="0"/>
+              <a:t>result</a:t>
+            </a:r>
+            <a:r>
+              <a:rPr lang="fr-FR" i="1" dirty="0" smtClean="0"/>
+              <a:t> </a:t>
+            </a:r>
+            <a:r>
+              <a:rPr lang="fr-FR" i="1" dirty="0" err="1" smtClean="0"/>
+              <a:t>from</a:t>
+            </a:r>
+            <a:r>
+              <a:rPr lang="fr-FR" i="1" dirty="0" smtClean="0"/>
+              <a:t> the Master </a:t>
+            </a:r>
+            <a:r>
+              <a:rPr lang="fr-FR" i="1" dirty="0" err="1" smtClean="0"/>
+              <a:t>Thesis</a:t>
+            </a:r>
+            <a:r>
+              <a:rPr lang="fr-FR" i="1" dirty="0" smtClean="0"/>
+              <a:t> </a:t>
+            </a:r>
+            <a:r>
+              <a:rPr lang="fr-FR" i="1" dirty="0" err="1" smtClean="0"/>
+              <a:t>authored</a:t>
+            </a:r>
+            <a:r>
+              <a:rPr lang="fr-FR" i="1" dirty="0" smtClean="0"/>
+              <a:t> by Ida </a:t>
+            </a:r>
+            <a:r>
+              <a:rPr lang="fr-FR" i="1" dirty="0" err="1" smtClean="0"/>
+              <a:t>Meitil</a:t>
+            </a:r>
+            <a:r>
+              <a:rPr lang="fr-FR" i="1" dirty="0" smtClean="0"/>
+              <a:t> [2].</a:t>
             </a:r>
             <a:endParaRPr lang="fr-FR" i="1" dirty="0"/>
           </a:p>
@@ -6870,6 +8646,21 @@
 </file>
 
 <file path=customXml/item1.xml><?xml version="1.0" encoding="utf-8"?>
+<?mso-contentType ?>
+<FormTemplates xmlns="http://schemas.microsoft.com/sharepoint/v3/contenttype/forms">
+  <Display>DocumentLibraryForm</Display>
+  <Edit>DocumentLibraryForm</Edit>
+  <New>DocumentLibraryForm</New>
+</FormTemplates>
+</file>
+
+<file path=customXml/item2.xml><?xml version="1.0" encoding="utf-8"?>
+<p:properties xmlns:p="http://schemas.microsoft.com/office/2006/metadata/properties" xmlns:xsi="http://www.w3.org/2001/XMLSchema-instance" xmlns:pc="http://schemas.microsoft.com/office/infopath/2007/PartnerControls">
+  <documentManagement/>
+</p:properties>
+</file>
+
+<file path=customXml/item3.xml><?xml version="1.0" encoding="utf-8"?>
 <ct:contentTypeSchema xmlns:ct="http://schemas.microsoft.com/office/2006/metadata/contentType" xmlns:ma="http://schemas.microsoft.com/office/2006/metadata/properties/metaAttributes" ct:_="" ma:_="" ma:contentTypeName="Dokument" ma:contentTypeID="0x0101005E463CDCE29E264BAAEC2B3AEC8F5142" ma:contentTypeVersion="2" ma:contentTypeDescription="Opret et nyt dokument." ma:contentTypeScope="" ma:versionID="40f9935ff4a16e0d5b8e000d0b147fdc">
   <xsd:schema xmlns:xsd="http://www.w3.org/2001/XMLSchema" xmlns:xs="http://www.w3.org/2001/XMLSchema" xmlns:p="http://schemas.microsoft.com/office/2006/metadata/properties" xmlns:ns2="74242bd1-cb82-4e60-a08e-4217a7fb8d1d" targetNamespace="http://schemas.microsoft.com/office/2006/metadata/properties" ma:root="true" ma:fieldsID="4c2aca2db47d5d21ece1ec953cba830c" ns2:_="">
     <xsd:import namespace="74242bd1-cb82-4e60-a08e-4217a7fb8d1d"/>
@@ -7001,22 +8792,24 @@
 </ct:contentTypeSchema>
 </file>
 
-<file path=customXml/item2.xml><?xml version="1.0" encoding="utf-8"?>
-<p:properties xmlns:p="http://schemas.microsoft.com/office/2006/metadata/properties" xmlns:xsi="http://www.w3.org/2001/XMLSchema-instance" xmlns:pc="http://schemas.microsoft.com/office/infopath/2007/PartnerControls">
-  <documentManagement/>
-</p:properties>
+<file path=customXml/itemProps1.xml><?xml version="1.0" encoding="utf-8"?>
+<ds:datastoreItem xmlns:ds="http://schemas.openxmlformats.org/officeDocument/2006/customXml" ds:itemID="{405562AF-484A-42F9-A02C-A3F5AD59D6C1}">
+  <ds:schemaRefs>
+    <ds:schemaRef ds:uri="http://schemas.microsoft.com/sharepoint/v3/contenttype/forms"/>
+  </ds:schemaRefs>
+</ds:datastoreItem>
 </file>
 
-<file path=customXml/item3.xml><?xml version="1.0" encoding="utf-8"?>
-<?mso-contentType ?>
-<FormTemplates xmlns="http://schemas.microsoft.com/sharepoint/v3/contenttype/forms">
-  <Display>DocumentLibraryForm</Display>
-  <Edit>DocumentLibraryForm</Edit>
-  <New>DocumentLibraryForm</New>
-</FormTemplates>
+<file path=customXml/itemProps2.xml><?xml version="1.0" encoding="utf-8"?>
+<ds:datastoreItem xmlns:ds="http://schemas.openxmlformats.org/officeDocument/2006/customXml" ds:itemID="{CB370A3C-731B-4F4D-ABD0-42474AC25910}">
+  <ds:schemaRefs>
+    <ds:schemaRef ds:uri="http://schemas.microsoft.com/office/2006/metadata/properties"/>
+    <ds:schemaRef ds:uri="http://schemas.microsoft.com/office/infopath/2007/PartnerControls"/>
+  </ds:schemaRefs>
+</ds:datastoreItem>
 </file>
 
-<file path=customXml/itemProps1.xml><?xml version="1.0" encoding="utf-8"?>
+<file path=customXml/itemProps3.xml><?xml version="1.0" encoding="utf-8"?>
 <ds:datastoreItem xmlns:ds="http://schemas.openxmlformats.org/officeDocument/2006/customXml" ds:itemID="{A265213D-E9A2-401B-A85F-226A40D5C1B2}">
   <ds:schemaRefs>
     <ds:schemaRef ds:uri="http://schemas.microsoft.com/office/2006/metadata/contentType"/>
@@ -7032,21 +8825,4 @@
     <ds:schemaRef ds:uri="http://schemas.microsoft.com/internal/obd"/>
   </ds:schemaRefs>
 </ds:datastoreItem>
-</file>
-
-<file path=customXml/itemProps2.xml><?xml version="1.0" encoding="utf-8"?>
-<ds:datastoreItem xmlns:ds="http://schemas.openxmlformats.org/officeDocument/2006/customXml" ds:itemID="{CB370A3C-731B-4F4D-ABD0-42474AC25910}">
-  <ds:schemaRefs>
-    <ds:schemaRef ds:uri="http://schemas.microsoft.com/office/2006/metadata/properties"/>
-    <ds:schemaRef ds:uri="http://schemas.microsoft.com/office/infopath/2007/PartnerControls"/>
-  </ds:schemaRefs>
-</ds:datastoreItem>
-</file>
-
-<file path=customXml/itemProps3.xml><?xml version="1.0" encoding="utf-8"?>
-<ds:datastoreItem xmlns:ds="http://schemas.openxmlformats.org/officeDocument/2006/customXml" ds:itemID="{405562AF-484A-42F9-A02C-A3F5AD59D6C1}">
-  <ds:schemaRefs>
-    <ds:schemaRef ds:uri="http://schemas.microsoft.com/sharepoint/v3/contenttype/forms"/>
-  </ds:schemaRefs>
-</ds:datastoreItem>
 </file>
--- a/presentation/presentation.pptx
+++ b/presentation/presentation.pptx
@@ -129,9 +129,7 @@
 <file path=ppt/revisionInfo.xml><?xml version="1.0" encoding="utf-8"?>
 <p1510:revInfo xmlns:a="http://schemas.openxmlformats.org/drawingml/2006/main" xmlns:r="http://schemas.openxmlformats.org/officeDocument/2006/relationships" xmlns:p1510="http://schemas.microsoft.com/office/powerpoint/2015/10/main">
   <p1510:revLst>
-    <p1510:client id="{0DBF342D-DE15-4B0F-BCF3-7D3845F2B4C4}" v="967" dt="2021-11-22T14:50:30.549"/>
-    <p1510:client id="{984A2783-E19A-A49A-D5EA-E656319C99A9}" v="201" dt="2021-11-15T13:26:37.096"/>
-    <p1510:client id="{B1C7A861-C8F2-4290-BE07-1B76C3627A52}" v="380" dt="2021-11-16T13:05:23.045"/>
+    <p1510:client id="{0F665CC5-B104-4DD1-9507-F06CA9293F14}" v="40" dt="2021-11-30T11:58:36.807"/>
   </p1510:revLst>
 </p1510:revInfo>
 </file>
@@ -139,442 +137,130 @@
 <file path=ppt/changesInfos/changesInfo1.xml><?xml version="1.0" encoding="utf-8"?>
 <pc:chgInfo xmlns:a="http://schemas.openxmlformats.org/drawingml/2006/main" xmlns:r="http://schemas.openxmlformats.org/officeDocument/2006/relationships" xmlns:ac="http://schemas.microsoft.com/office/drawing/2013/main/command" xmlns:pc="http://schemas.microsoft.com/office/powerpoint/2013/main/command">
   <pc:docChgLst>
-    <pc:chgData name="Paul Jeremy Simon" userId="S::s202592@dtu.dk::54db1318-b9e5-44ac-b009-37faed20cf40" providerId="AD" clId="Web-{0DBF342D-DE15-4B0F-BCF3-7D3845F2B4C4}"/>
-    <pc:docChg chg="modSld">
-      <pc:chgData name="Paul Jeremy Simon" userId="S::s202592@dtu.dk::54db1318-b9e5-44ac-b009-37faed20cf40" providerId="AD" clId="Web-{0DBF342D-DE15-4B0F-BCF3-7D3845F2B4C4}" dt="2021-11-22T14:50:30.549" v="555" actId="1076"/>
+    <pc:chgData name="Ella Hedeboe" userId="4caa2cd0-823d-4a72-96fa-9bd0ca6a6eec" providerId="ADAL" clId="{0F665CC5-B104-4DD1-9507-F06CA9293F14}"/>
+    <pc:docChg chg="undo custSel modSld">
+      <pc:chgData name="Ella Hedeboe" userId="4caa2cd0-823d-4a72-96fa-9bd0ca6a6eec" providerId="ADAL" clId="{0F665CC5-B104-4DD1-9507-F06CA9293F14}" dt="2021-11-30T11:59:10.126" v="425" actId="122"/>
       <pc:docMkLst>
         <pc:docMk/>
       </pc:docMkLst>
-      <pc:sldChg chg="addSp delSp modSp">
-        <pc:chgData name="Paul Jeremy Simon" userId="S::s202592@dtu.dk::54db1318-b9e5-44ac-b009-37faed20cf40" providerId="AD" clId="Web-{0DBF342D-DE15-4B0F-BCF3-7D3845F2B4C4}" dt="2021-11-22T14:50:30.549" v="555" actId="1076"/>
+      <pc:sldChg chg="addSp delSp modSp mod">
+        <pc:chgData name="Ella Hedeboe" userId="4caa2cd0-823d-4a72-96fa-9bd0ca6a6eec" providerId="ADAL" clId="{0F665CC5-B104-4DD1-9507-F06CA9293F14}" dt="2021-11-30T11:59:10.126" v="425" actId="122"/>
         <pc:sldMkLst>
           <pc:docMk/>
           <pc:sldMk cId="1159526982" sldId="257"/>
         </pc:sldMkLst>
-        <pc:spChg chg="mod">
-          <ac:chgData name="Paul Jeremy Simon" userId="S::s202592@dtu.dk::54db1318-b9e5-44ac-b009-37faed20cf40" providerId="AD" clId="Web-{0DBF342D-DE15-4B0F-BCF3-7D3845F2B4C4}" dt="2021-11-22T14:23:11.460" v="412" actId="1076"/>
+        <pc:spChg chg="add del mod">
+          <ac:chgData name="Ella Hedeboe" userId="4caa2cd0-823d-4a72-96fa-9bd0ca6a6eec" providerId="ADAL" clId="{0F665CC5-B104-4DD1-9507-F06CA9293F14}" dt="2021-11-30T11:46:36.031" v="51"/>
           <ac:spMkLst>
             <pc:docMk/>
             <pc:sldMk cId="1159526982" sldId="257"/>
-            <ac:spMk id="4" creationId="{4D164955-C0E8-4C09-BF90-A5C4DE447B0C}"/>
+            <ac:spMk id="6" creationId="{3C930E48-AF6A-4EFD-AC10-B54602C877F8}"/>
           </ac:spMkLst>
         </pc:spChg>
-        <pc:spChg chg="add mod">
-          <ac:chgData name="Paul Jeremy Simon" userId="S::s202592@dtu.dk::54db1318-b9e5-44ac-b009-37faed20cf40" providerId="AD" clId="Web-{0DBF342D-DE15-4B0F-BCF3-7D3845F2B4C4}" dt="2021-11-22T14:22:42.866" v="376" actId="1076"/>
+        <pc:spChg chg="add del mod">
+          <ac:chgData name="Ella Hedeboe" userId="4caa2cd0-823d-4a72-96fa-9bd0ca6a6eec" providerId="ADAL" clId="{0F665CC5-B104-4DD1-9507-F06CA9293F14}" dt="2021-11-30T11:46:49.076" v="53"/>
           <ac:spMkLst>
             <pc:docMk/>
             <pc:sldMk cId="1159526982" sldId="257"/>
-            <ac:spMk id="5" creationId="{555DBE74-403C-4246-B0C1-4F2AAF162AFF}"/>
+            <ac:spMk id="9" creationId="{F5CB519A-3413-4F66-A392-86353C379555}"/>
+          </ac:spMkLst>
+        </pc:spChg>
+        <pc:spChg chg="add del mod">
+          <ac:chgData name="Ella Hedeboe" userId="4caa2cd0-823d-4a72-96fa-9bd0ca6a6eec" providerId="ADAL" clId="{0F665CC5-B104-4DD1-9507-F06CA9293F14}" dt="2021-11-30T11:47:09.081" v="61"/>
+          <ac:spMkLst>
+            <pc:docMk/>
+            <pc:sldMk cId="1159526982" sldId="257"/>
+            <ac:spMk id="11" creationId="{25EFBFF3-3021-41CC-9FE0-71FB0FCF1BF5}"/>
           </ac:spMkLst>
         </pc:spChg>
         <pc:spChg chg="mod">
-          <ac:chgData name="Paul Jeremy Simon" userId="S::s202592@dtu.dk::54db1318-b9e5-44ac-b009-37faed20cf40" providerId="AD" clId="Web-{0DBF342D-DE15-4B0F-BCF3-7D3845F2B4C4}" dt="2021-11-22T14:50:17.080" v="549" actId="1076"/>
+          <ac:chgData name="Ella Hedeboe" userId="4caa2cd0-823d-4a72-96fa-9bd0ca6a6eec" providerId="ADAL" clId="{0F665CC5-B104-4DD1-9507-F06CA9293F14}" dt="2021-11-30T11:55:06.210" v="361" actId="1076"/>
           <ac:spMkLst>
             <pc:docMk/>
             <pc:sldMk cId="1159526982" sldId="257"/>
-            <ac:spMk id="7" creationId="{6C496DF2-7979-46AE-9BF9-316CE5C9FBB0}"/>
-          </ac:spMkLst>
-        </pc:spChg>
-        <pc:spChg chg="add mod">
-          <ac:chgData name="Paul Jeremy Simon" userId="S::s202592@dtu.dk::54db1318-b9e5-44ac-b009-37faed20cf40" providerId="AD" clId="Web-{0DBF342D-DE15-4B0F-BCF3-7D3845F2B4C4}" dt="2021-11-22T14:44:35.341" v="518" actId="20577"/>
-          <ac:spMkLst>
-            <pc:docMk/>
-            <pc:sldMk cId="1159526982" sldId="257"/>
-            <ac:spMk id="8" creationId="{BF27FA47-F412-41BA-9674-4AB98ABB11FF}"/>
-          </ac:spMkLst>
-        </pc:spChg>
-        <pc:spChg chg="add mod">
-          <ac:chgData name="Paul Jeremy Simon" userId="S::s202592@dtu.dk::54db1318-b9e5-44ac-b009-37faed20cf40" providerId="AD" clId="Web-{0DBF342D-DE15-4B0F-BCF3-7D3845F2B4C4}" dt="2021-11-22T14:50:24.221" v="552" actId="1076"/>
-          <ac:spMkLst>
-            <pc:docMk/>
-            <pc:sldMk cId="1159526982" sldId="257"/>
-            <ac:spMk id="9" creationId="{7D584BC0-CFB4-44BF-8499-422590EEED04}"/>
-          </ac:spMkLst>
-        </pc:spChg>
-        <pc:spChg chg="add mod">
-          <ac:chgData name="Paul Jeremy Simon" userId="S::s202592@dtu.dk::54db1318-b9e5-44ac-b009-37faed20cf40" providerId="AD" clId="Web-{0DBF342D-DE15-4B0F-BCF3-7D3845F2B4C4}" dt="2021-11-22T14:50:30.549" v="555" actId="1076"/>
-          <ac:spMkLst>
-            <pc:docMk/>
-            <pc:sldMk cId="1159526982" sldId="257"/>
-            <ac:spMk id="10" creationId="{0F50DE13-E128-4F41-B202-B86A9CAA9FC5}"/>
+            <ac:spMk id="14" creationId="{00000000-0000-0000-0000-000000000000}"/>
           </ac:spMkLst>
         </pc:spChg>
         <pc:spChg chg="mod">
-          <ac:chgData name="Paul Jeremy Simon" userId="S::s202592@dtu.dk::54db1318-b9e5-44ac-b009-37faed20cf40" providerId="AD" clId="Web-{0DBF342D-DE15-4B0F-BCF3-7D3845F2B4C4}" dt="2021-11-22T14:23:11.460" v="411" actId="1076"/>
-          <ac:spMkLst>
-            <pc:docMk/>
-            <pc:sldMk cId="1159526982" sldId="257"/>
-            <ac:spMk id="17" creationId="{67CAF441-CC34-4360-BF11-287A0103A8F8}"/>
-          </ac:spMkLst>
-        </pc:spChg>
-        <pc:spChg chg="mod">
-          <ac:chgData name="Paul Jeremy Simon" userId="S::s202592@dtu.dk::54db1318-b9e5-44ac-b009-37faed20cf40" providerId="AD" clId="Web-{0DBF342D-DE15-4B0F-BCF3-7D3845F2B4C4}" dt="2021-11-22T14:23:11.460" v="410" actId="1076"/>
-          <ac:spMkLst>
-            <pc:docMk/>
-            <pc:sldMk cId="1159526982" sldId="257"/>
-            <ac:spMk id="18" creationId="{A11F58A7-6D7F-4558-989F-21EF31BF5A87}"/>
-          </ac:spMkLst>
-        </pc:spChg>
-        <pc:spChg chg="mod">
-          <ac:chgData name="Paul Jeremy Simon" userId="S::s202592@dtu.dk::54db1318-b9e5-44ac-b009-37faed20cf40" providerId="AD" clId="Web-{0DBF342D-DE15-4B0F-BCF3-7D3845F2B4C4}" dt="2021-11-22T14:50:17.080" v="551" actId="1076"/>
-          <ac:spMkLst>
-            <pc:docMk/>
-            <pc:sldMk cId="1159526982" sldId="257"/>
-            <ac:spMk id="19" creationId="{7E83F05A-E681-4C38-B5BA-7833319671E3}"/>
-          </ac:spMkLst>
-        </pc:spChg>
-        <pc:spChg chg="mod">
-          <ac:chgData name="Paul Jeremy Simon" userId="S::s202592@dtu.dk::54db1318-b9e5-44ac-b009-37faed20cf40" providerId="AD" clId="Web-{0DBF342D-DE15-4B0F-BCF3-7D3845F2B4C4}" dt="2021-11-22T14:23:11.444" v="403" actId="1076"/>
-          <ac:spMkLst>
-            <pc:docMk/>
-            <pc:sldMk cId="1159526982" sldId="257"/>
-            <ac:spMk id="26" creationId="{6C4FD808-A6A2-4EE6-B3AF-F78DBF30AC35}"/>
-          </ac:spMkLst>
-        </pc:spChg>
-        <pc:spChg chg="mod">
-          <ac:chgData name="Paul Jeremy Simon" userId="S::s202592@dtu.dk::54db1318-b9e5-44ac-b009-37faed20cf40" providerId="AD" clId="Web-{0DBF342D-DE15-4B0F-BCF3-7D3845F2B4C4}" dt="2021-11-22T14:50:17.080" v="547" actId="1076"/>
-          <ac:spMkLst>
-            <pc:docMk/>
-            <pc:sldMk cId="1159526982" sldId="257"/>
-            <ac:spMk id="28" creationId="{194DC676-6DE3-4223-B9F2-8F1AD4FDF034}"/>
-          </ac:spMkLst>
-        </pc:spChg>
-        <pc:spChg chg="mod">
-          <ac:chgData name="Paul Jeremy Simon" userId="S::s202592@dtu.dk::54db1318-b9e5-44ac-b009-37faed20cf40" providerId="AD" clId="Web-{0DBF342D-DE15-4B0F-BCF3-7D3845F2B4C4}" dt="2021-11-22T14:23:11.444" v="400" actId="1076"/>
-          <ac:spMkLst>
-            <pc:docMk/>
-            <pc:sldMk cId="1159526982" sldId="257"/>
-            <ac:spMk id="29" creationId="{6845518C-D880-4247-B237-ED013E326AF1}"/>
-          </ac:spMkLst>
-        </pc:spChg>
-        <pc:spChg chg="add mod">
-          <ac:chgData name="Paul Jeremy Simon" userId="S::s202592@dtu.dk::54db1318-b9e5-44ac-b009-37faed20cf40" providerId="AD" clId="Web-{0DBF342D-DE15-4B0F-BCF3-7D3845F2B4C4}" dt="2021-11-22T14:26:44.917" v="439" actId="20577"/>
-          <ac:spMkLst>
-            <pc:docMk/>
-            <pc:sldMk cId="1159526982" sldId="257"/>
-            <ac:spMk id="34" creationId="{18751111-F666-4ECE-A225-B1803250A9C6}"/>
-          </ac:spMkLst>
-        </pc:spChg>
-        <pc:spChg chg="mod">
-          <ac:chgData name="Paul Jeremy Simon" userId="S::s202592@dtu.dk::54db1318-b9e5-44ac-b009-37faed20cf40" providerId="AD" clId="Web-{0DBF342D-DE15-4B0F-BCF3-7D3845F2B4C4}" dt="2021-11-22T14:23:11.444" v="395" actId="1076"/>
-          <ac:spMkLst>
-            <pc:docMk/>
-            <pc:sldMk cId="1159526982" sldId="257"/>
-            <ac:spMk id="38" creationId="{457CF22A-6BB1-4870-A9E0-803F97EF2439}"/>
-          </ac:spMkLst>
-        </pc:spChg>
-        <pc:spChg chg="add mod">
-          <ac:chgData name="Paul Jeremy Simon" userId="S::s202592@dtu.dk::54db1318-b9e5-44ac-b009-37faed20cf40" providerId="AD" clId="Web-{0DBF342D-DE15-4B0F-BCF3-7D3845F2B4C4}" dt="2021-11-22T14:29:03.450" v="463" actId="20577"/>
+          <ac:chgData name="Ella Hedeboe" userId="4caa2cd0-823d-4a72-96fa-9bd0ca6a6eec" providerId="ADAL" clId="{0F665CC5-B104-4DD1-9507-F06CA9293F14}" dt="2021-11-29T15:14:22.837" v="5" actId="1076"/>
           <ac:spMkLst>
             <pc:docMk/>
             <pc:sldMk cId="1159526982" sldId="257"/>
             <ac:spMk id="39" creationId="{E416DD2D-00A9-4581-8B16-BB3C03226A4A}"/>
           </ac:spMkLst>
         </pc:spChg>
-        <pc:spChg chg="del">
-          <ac:chgData name="Paul Jeremy Simon" userId="S::s202592@dtu.dk::54db1318-b9e5-44ac-b009-37faed20cf40" providerId="AD" clId="Web-{0DBF342D-DE15-4B0F-BCF3-7D3845F2B4C4}" dt="2021-11-22T14:27:07.558" v="446"/>
+        <pc:spChg chg="mod">
+          <ac:chgData name="Ella Hedeboe" userId="4caa2cd0-823d-4a72-96fa-9bd0ca6a6eec" providerId="ADAL" clId="{0F665CC5-B104-4DD1-9507-F06CA9293F14}" dt="2021-11-30T08:16:15.382" v="27" actId="1076"/>
           <ac:spMkLst>
             <pc:docMk/>
             <pc:sldMk cId="1159526982" sldId="257"/>
-            <ac:spMk id="132" creationId="{C627242A-C3FF-D340-8CBA-FBF88A50DF20}"/>
+            <ac:spMk id="54" creationId="{00000000-0000-0000-0000-000000000000}"/>
           </ac:spMkLst>
         </pc:spChg>
-        <pc:spChg chg="del mod">
-          <ac:chgData name="Paul Jeremy Simon" userId="S::s202592@dtu.dk::54db1318-b9e5-44ac-b009-37faed20cf40" providerId="AD" clId="Web-{0DBF342D-DE15-4B0F-BCF3-7D3845F2B4C4}" dt="2021-11-22T14:27:31.042" v="448"/>
+        <pc:spChg chg="mod">
+          <ac:chgData name="Ella Hedeboe" userId="4caa2cd0-823d-4a72-96fa-9bd0ca6a6eec" providerId="ADAL" clId="{0F665CC5-B104-4DD1-9507-F06CA9293F14}" dt="2021-11-30T08:16:02.790" v="26" actId="1076"/>
           <ac:spMkLst>
             <pc:docMk/>
             <pc:sldMk cId="1159526982" sldId="257"/>
-            <ac:spMk id="133" creationId="{12E180B1-4855-554C-A6E7-BCB78D077781}"/>
+            <ac:spMk id="68" creationId="{E416DD2D-00A9-4581-8B16-BB3C03226A4A}"/>
           </ac:spMkLst>
         </pc:spChg>
-        <pc:cxnChg chg="mod">
-          <ac:chgData name="Paul Jeremy Simon" userId="S::s202592@dtu.dk::54db1318-b9e5-44ac-b009-37faed20cf40" providerId="AD" clId="Web-{0DBF342D-DE15-4B0F-BCF3-7D3845F2B4C4}" dt="2021-11-22T14:50:17.080" v="550" actId="1076"/>
-          <ac:cxnSpMkLst>
+        <pc:graphicFrameChg chg="add del mod modGraphic">
+          <ac:chgData name="Ella Hedeboe" userId="4caa2cd0-823d-4a72-96fa-9bd0ca6a6eec" providerId="ADAL" clId="{0F665CC5-B104-4DD1-9507-F06CA9293F14}" dt="2021-11-30T11:46:36.031" v="51"/>
+          <ac:graphicFrameMkLst>
             <pc:docMk/>
             <pc:sldMk cId="1159526982" sldId="257"/>
-            <ac:cxnSpMk id="6" creationId="{4BC5C381-EF6A-472E-B50A-6D5600D1C737}"/>
-          </ac:cxnSpMkLst>
-        </pc:cxnChg>
-        <pc:cxnChg chg="mod">
-          <ac:chgData name="Paul Jeremy Simon" userId="S::s202592@dtu.dk::54db1318-b9e5-44ac-b009-37faed20cf40" providerId="AD" clId="Web-{0DBF342D-DE15-4B0F-BCF3-7D3845F2B4C4}" dt="2021-11-22T14:23:11.444" v="406" actId="1076"/>
-          <ac:cxnSpMkLst>
+            <ac:graphicFrameMk id="4" creationId="{3C77AFE5-3681-4B0F-833B-FDB30071C82E}"/>
+          </ac:graphicFrameMkLst>
+        </pc:graphicFrameChg>
+        <pc:graphicFrameChg chg="add del mod">
+          <ac:chgData name="Ella Hedeboe" userId="4caa2cd0-823d-4a72-96fa-9bd0ca6a6eec" providerId="ADAL" clId="{0F665CC5-B104-4DD1-9507-F06CA9293F14}" dt="2021-11-30T11:46:49.076" v="53"/>
+          <ac:graphicFrameMkLst>
             <pc:docMk/>
             <pc:sldMk cId="1159526982" sldId="257"/>
-            <ac:cxnSpMk id="22" creationId="{D4F35B77-8D7C-46D2-872E-A831E3C3DC00}"/>
-          </ac:cxnSpMkLst>
-        </pc:cxnChg>
-        <pc:cxnChg chg="mod">
-          <ac:chgData name="Paul Jeremy Simon" userId="S::s202592@dtu.dk::54db1318-b9e5-44ac-b009-37faed20cf40" providerId="AD" clId="Web-{0DBF342D-DE15-4B0F-BCF3-7D3845F2B4C4}" dt="2021-11-22T14:23:11.444" v="405" actId="1076"/>
-          <ac:cxnSpMkLst>
+            <ac:graphicFrameMk id="7" creationId="{99A16C78-1DC6-4993-BB59-A4E2B384C550}"/>
+          </ac:graphicFrameMkLst>
+        </pc:graphicFrameChg>
+        <pc:graphicFrameChg chg="add del mod modGraphic">
+          <ac:chgData name="Ella Hedeboe" userId="4caa2cd0-823d-4a72-96fa-9bd0ca6a6eec" providerId="ADAL" clId="{0F665CC5-B104-4DD1-9507-F06CA9293F14}" dt="2021-11-30T11:47:09.081" v="61"/>
+          <ac:graphicFrameMkLst>
             <pc:docMk/>
             <pc:sldMk cId="1159526982" sldId="257"/>
-            <ac:cxnSpMk id="23" creationId="{4A3A8525-500B-468B-B048-01FC4E6A6543}"/>
-          </ac:cxnSpMkLst>
-        </pc:cxnChg>
-        <pc:cxnChg chg="mod">
-          <ac:chgData name="Paul Jeremy Simon" userId="S::s202592@dtu.dk::54db1318-b9e5-44ac-b009-37faed20cf40" providerId="AD" clId="Web-{0DBF342D-DE15-4B0F-BCF3-7D3845F2B4C4}" dt="2021-11-22T14:23:11.444" v="404" actId="1076"/>
-          <ac:cxnSpMkLst>
+            <ac:graphicFrameMk id="10" creationId="{DD77A2A2-DABD-4752-B084-A928C12BD36F}"/>
+          </ac:graphicFrameMkLst>
+        </pc:graphicFrameChg>
+        <pc:graphicFrameChg chg="del mod modGraphic">
+          <ac:chgData name="Ella Hedeboe" userId="4caa2cd0-823d-4a72-96fa-9bd0ca6a6eec" providerId="ADAL" clId="{0F665CC5-B104-4DD1-9507-F06CA9293F14}" dt="2021-11-30T11:45:34.626" v="29" actId="478"/>
+          <ac:graphicFrameMkLst>
             <pc:docMk/>
             <pc:sldMk cId="1159526982" sldId="257"/>
-            <ac:cxnSpMk id="25" creationId="{BA1EAD23-59CC-402A-A694-3E2AFC88A488}"/>
-          </ac:cxnSpMkLst>
-        </pc:cxnChg>
-        <pc:cxnChg chg="mod">
-          <ac:chgData name="Paul Jeremy Simon" userId="S::s202592@dtu.dk::54db1318-b9e5-44ac-b009-37faed20cf40" providerId="AD" clId="Web-{0DBF342D-DE15-4B0F-BCF3-7D3845F2B4C4}" dt="2021-11-22T14:50:17.080" v="548" actId="1076"/>
-          <ac:cxnSpMkLst>
+            <ac:graphicFrameMk id="13" creationId="{00000000-0000-0000-0000-000000000000}"/>
+          </ac:graphicFrameMkLst>
+        </pc:graphicFrameChg>
+        <pc:graphicFrameChg chg="add mod modGraphic">
+          <ac:chgData name="Ella Hedeboe" userId="4caa2cd0-823d-4a72-96fa-9bd0ca6a6eec" providerId="ADAL" clId="{0F665CC5-B104-4DD1-9507-F06CA9293F14}" dt="2021-11-30T11:59:10.126" v="425" actId="122"/>
+          <ac:graphicFrameMkLst>
             <pc:docMk/>
             <pc:sldMk cId="1159526982" sldId="257"/>
-            <ac:cxnSpMk id="27" creationId="{66C78038-87BC-42D3-B538-23A5A5954156}"/>
-          </ac:cxnSpMkLst>
-        </pc:cxnChg>
-        <pc:cxnChg chg="mod">
-          <ac:chgData name="Paul Jeremy Simon" userId="S::s202592@dtu.dk::54db1318-b9e5-44ac-b009-37faed20cf40" providerId="AD" clId="Web-{0DBF342D-DE15-4B0F-BCF3-7D3845F2B4C4}" dt="2021-11-22T14:23:11.444" v="399" actId="1076"/>
-          <ac:cxnSpMkLst>
+            <ac:graphicFrameMk id="16" creationId="{B3DD0E64-0B7C-4139-8170-FF729427F72A}"/>
+          </ac:graphicFrameMkLst>
+        </pc:graphicFrameChg>
+        <pc:picChg chg="mod">
+          <ac:chgData name="Ella Hedeboe" userId="4caa2cd0-823d-4a72-96fa-9bd0ca6a6eec" providerId="ADAL" clId="{0F665CC5-B104-4DD1-9507-F06CA9293F14}" dt="2021-11-29T15:15:31.301" v="11" actId="1076"/>
+          <ac:picMkLst>
             <pc:docMk/>
             <pc:sldMk cId="1159526982" sldId="257"/>
-            <ac:cxnSpMk id="31" creationId="{72A3FFE5-F991-423A-85A9-7571FF68D620}"/>
-          </ac:cxnSpMkLst>
-        </pc:cxnChg>
-        <pc:cxnChg chg="mod">
-          <ac:chgData name="Paul Jeremy Simon" userId="S::s202592@dtu.dk::54db1318-b9e5-44ac-b009-37faed20cf40" providerId="AD" clId="Web-{0DBF342D-DE15-4B0F-BCF3-7D3845F2B4C4}" dt="2021-11-22T14:23:11.444" v="398" actId="1076"/>
-          <ac:cxnSpMkLst>
+            <ac:picMk id="15" creationId="{3BC95CEC-30C8-4CC6-9A6F-CEA5128B28D7}"/>
+          </ac:picMkLst>
+        </pc:picChg>
+        <pc:picChg chg="mod">
+          <ac:chgData name="Ella Hedeboe" userId="4caa2cd0-823d-4a72-96fa-9bd0ca6a6eec" providerId="ADAL" clId="{0F665CC5-B104-4DD1-9507-F06CA9293F14}" dt="2021-11-29T15:15:25.797" v="10" actId="14100"/>
+          <ac:picMkLst>
             <pc:docMk/>
             <pc:sldMk cId="1159526982" sldId="257"/>
-            <ac:cxnSpMk id="33" creationId="{B9C2B71B-2BEC-46F8-B120-6A9184ECE9CB}"/>
-          </ac:cxnSpMkLst>
-        </pc:cxnChg>
-        <pc:cxnChg chg="mod">
-          <ac:chgData name="Paul Jeremy Simon" userId="S::s202592@dtu.dk::54db1318-b9e5-44ac-b009-37faed20cf40" providerId="AD" clId="Web-{0DBF342D-DE15-4B0F-BCF3-7D3845F2B4C4}" dt="2021-11-22T14:50:17.080" v="546" actId="1076"/>
-          <ac:cxnSpMkLst>
-            <pc:docMk/>
-            <pc:sldMk cId="1159526982" sldId="257"/>
-            <ac:cxnSpMk id="36" creationId="{80EAE9FC-1A9A-4F22-8EA1-23297ACB8088}"/>
-          </ac:cxnSpMkLst>
-        </pc:cxnChg>
-        <pc:cxnChg chg="mod">
-          <ac:chgData name="Paul Jeremy Simon" userId="S::s202592@dtu.dk::54db1318-b9e5-44ac-b009-37faed20cf40" providerId="AD" clId="Web-{0DBF342D-DE15-4B0F-BCF3-7D3845F2B4C4}" dt="2021-11-22T14:23:11.444" v="396" actId="1076"/>
-          <ac:cxnSpMkLst>
-            <pc:docMk/>
-            <pc:sldMk cId="1159526982" sldId="257"/>
-            <ac:cxnSpMk id="37" creationId="{495098AB-F631-4EB6-9BCD-A983E2A7B102}"/>
-          </ac:cxnSpMkLst>
-        </pc:cxnChg>
-      </pc:sldChg>
-    </pc:docChg>
-  </pc:docChgLst>
-  <pc:docChgLst>
-    <pc:chgData name="Paul Jeremy Simon" userId="S::s202592@dtu.dk::54db1318-b9e5-44ac-b009-37faed20cf40" providerId="AD" clId="Web-{B1C7A861-C8F2-4290-BE07-1B76C3627A52}"/>
-    <pc:docChg chg="modSld">
-      <pc:chgData name="Paul Jeremy Simon" userId="S::s202592@dtu.dk::54db1318-b9e5-44ac-b009-37faed20cf40" providerId="AD" clId="Web-{B1C7A861-C8F2-4290-BE07-1B76C3627A52}" dt="2021-11-16T13:05:23.045" v="279" actId="14100"/>
-      <pc:docMkLst>
-        <pc:docMk/>
-      </pc:docMkLst>
-      <pc:sldChg chg="addSp delSp modSp">
-        <pc:chgData name="Paul Jeremy Simon" userId="S::s202592@dtu.dk::54db1318-b9e5-44ac-b009-37faed20cf40" providerId="AD" clId="Web-{B1C7A861-C8F2-4290-BE07-1B76C3627A52}" dt="2021-11-16T13:05:23.045" v="279" actId="14100"/>
-        <pc:sldMkLst>
-          <pc:docMk/>
-          <pc:sldMk cId="1159526982" sldId="257"/>
-        </pc:sldMkLst>
-        <pc:spChg chg="add mod">
-          <ac:chgData name="Paul Jeremy Simon" userId="S::s202592@dtu.dk::54db1318-b9e5-44ac-b009-37faed20cf40" providerId="AD" clId="Web-{B1C7A861-C8F2-4290-BE07-1B76C3627A52}" dt="2021-11-16T12:53:26.667" v="112" actId="1076"/>
-          <ac:spMkLst>
-            <pc:docMk/>
-            <pc:sldMk cId="1159526982" sldId="257"/>
-            <ac:spMk id="4" creationId="{4D164955-C0E8-4C09-BF90-A5C4DE447B0C}"/>
-          </ac:spMkLst>
-        </pc:spChg>
-        <pc:spChg chg="add del">
-          <ac:chgData name="Paul Jeremy Simon" userId="S::s202592@dtu.dk::54db1318-b9e5-44ac-b009-37faed20cf40" providerId="AD" clId="Web-{B1C7A861-C8F2-4290-BE07-1B76C3627A52}" dt="2021-11-16T12:42:30.994" v="15"/>
-          <ac:spMkLst>
-            <pc:docMk/>
-            <pc:sldMk cId="1159526982" sldId="257"/>
-            <ac:spMk id="5" creationId="{D87612C7-B18D-4EFD-A14F-1DF374FA631A}"/>
-          </ac:spMkLst>
-        </pc:spChg>
-        <pc:spChg chg="add mod">
-          <ac:chgData name="Paul Jeremy Simon" userId="S::s202592@dtu.dk::54db1318-b9e5-44ac-b009-37faed20cf40" providerId="AD" clId="Web-{B1C7A861-C8F2-4290-BE07-1B76C3627A52}" dt="2021-11-16T12:55:25.827" v="146" actId="1076"/>
-          <ac:spMkLst>
-            <pc:docMk/>
-            <pc:sldMk cId="1159526982" sldId="257"/>
-            <ac:spMk id="7" creationId="{6C496DF2-7979-46AE-9BF9-316CE5C9FBB0}"/>
-          </ac:spMkLst>
-        </pc:spChg>
-        <pc:spChg chg="add mod">
-          <ac:chgData name="Paul Jeremy Simon" userId="S::s202592@dtu.dk::54db1318-b9e5-44ac-b009-37faed20cf40" providerId="AD" clId="Web-{B1C7A861-C8F2-4290-BE07-1B76C3627A52}" dt="2021-11-16T12:53:26.683" v="113" actId="1076"/>
-          <ac:spMkLst>
-            <pc:docMk/>
-            <pc:sldMk cId="1159526982" sldId="257"/>
-            <ac:spMk id="17" creationId="{67CAF441-CC34-4360-BF11-287A0103A8F8}"/>
-          </ac:spMkLst>
-        </pc:spChg>
-        <pc:spChg chg="add mod">
-          <ac:chgData name="Paul Jeremy Simon" userId="S::s202592@dtu.dk::54db1318-b9e5-44ac-b009-37faed20cf40" providerId="AD" clId="Web-{B1C7A861-C8F2-4290-BE07-1B76C3627A52}" dt="2021-11-16T12:53:26.683" v="114" actId="1076"/>
-          <ac:spMkLst>
-            <pc:docMk/>
-            <pc:sldMk cId="1159526982" sldId="257"/>
-            <ac:spMk id="18" creationId="{A11F58A7-6D7F-4558-989F-21EF31BF5A87}"/>
-          </ac:spMkLst>
-        </pc:spChg>
-        <pc:spChg chg="add mod">
-          <ac:chgData name="Paul Jeremy Simon" userId="S::s202592@dtu.dk::54db1318-b9e5-44ac-b009-37faed20cf40" providerId="AD" clId="Web-{B1C7A861-C8F2-4290-BE07-1B76C3627A52}" dt="2021-11-16T12:53:26.699" v="115" actId="1076"/>
-          <ac:spMkLst>
-            <pc:docMk/>
-            <pc:sldMk cId="1159526982" sldId="257"/>
-            <ac:spMk id="19" creationId="{7E83F05A-E681-4C38-B5BA-7833319671E3}"/>
-          </ac:spMkLst>
-        </pc:spChg>
-        <pc:spChg chg="add mod">
-          <ac:chgData name="Paul Jeremy Simon" userId="S::s202592@dtu.dk::54db1318-b9e5-44ac-b009-37faed20cf40" providerId="AD" clId="Web-{B1C7A861-C8F2-4290-BE07-1B76C3627A52}" dt="2021-11-16T12:54:37.825" v="145" actId="20577"/>
-          <ac:spMkLst>
-            <pc:docMk/>
-            <pc:sldMk cId="1159526982" sldId="257"/>
-            <ac:spMk id="26" creationId="{6C4FD808-A6A2-4EE6-B3AF-F78DBF30AC35}"/>
-          </ac:spMkLst>
-        </pc:spChg>
-        <pc:spChg chg="add mod">
-          <ac:chgData name="Paul Jeremy Simon" userId="S::s202592@dtu.dk::54db1318-b9e5-44ac-b009-37faed20cf40" providerId="AD" clId="Web-{B1C7A861-C8F2-4290-BE07-1B76C3627A52}" dt="2021-11-16T12:56:42.329" v="177" actId="14100"/>
-          <ac:spMkLst>
-            <pc:docMk/>
-            <pc:sldMk cId="1159526982" sldId="257"/>
-            <ac:spMk id="28" creationId="{194DC676-6DE3-4223-B9F2-8F1AD4FDF034}"/>
-          </ac:spMkLst>
-        </pc:spChg>
-        <pc:spChg chg="add mod">
-          <ac:chgData name="Paul Jeremy Simon" userId="S::s202592@dtu.dk::54db1318-b9e5-44ac-b009-37faed20cf40" providerId="AD" clId="Web-{B1C7A861-C8F2-4290-BE07-1B76C3627A52}" dt="2021-11-16T13:05:23.045" v="279" actId="14100"/>
-          <ac:spMkLst>
-            <pc:docMk/>
-            <pc:sldMk cId="1159526982" sldId="257"/>
-            <ac:spMk id="29" creationId="{6845518C-D880-4247-B237-ED013E326AF1}"/>
-          </ac:spMkLst>
-        </pc:spChg>
-        <pc:spChg chg="add mod">
-          <ac:chgData name="Paul Jeremy Simon" userId="S::s202592@dtu.dk::54db1318-b9e5-44ac-b009-37faed20cf40" providerId="AD" clId="Web-{B1C7A861-C8F2-4290-BE07-1B76C3627A52}" dt="2021-11-16T13:04:31.528" v="276" actId="20577"/>
-          <ac:spMkLst>
-            <pc:docMk/>
-            <pc:sldMk cId="1159526982" sldId="257"/>
-            <ac:spMk id="38" creationId="{457CF22A-6BB1-4870-A9E0-803F97EF2439}"/>
-          </ac:spMkLst>
-        </pc:spChg>
-        <pc:spChg chg="mod">
-          <ac:chgData name="Paul Jeremy Simon" userId="S::s202592@dtu.dk::54db1318-b9e5-44ac-b009-37faed20cf40" providerId="AD" clId="Web-{B1C7A861-C8F2-4290-BE07-1B76C3627A52}" dt="2021-11-16T12:43:59.996" v="22" actId="1076"/>
-          <ac:spMkLst>
-            <pc:docMk/>
-            <pc:sldMk cId="1159526982" sldId="257"/>
-            <ac:spMk id="91" creationId="{CE8C58B8-C0BC-CE41-9C20-5C588C41F47C}"/>
-          </ac:spMkLst>
-        </pc:spChg>
-        <pc:cxnChg chg="add mod">
-          <ac:chgData name="Paul Jeremy Simon" userId="S::s202592@dtu.dk::54db1318-b9e5-44ac-b009-37faed20cf40" providerId="AD" clId="Web-{B1C7A861-C8F2-4290-BE07-1B76C3627A52}" dt="2021-11-16T12:53:26.699" v="116" actId="1076"/>
-          <ac:cxnSpMkLst>
-            <pc:docMk/>
-            <pc:sldMk cId="1159526982" sldId="257"/>
-            <ac:cxnSpMk id="6" creationId="{4BC5C381-EF6A-472E-B50A-6D5600D1C737}"/>
-          </ac:cxnSpMkLst>
-        </pc:cxnChg>
-        <pc:cxnChg chg="add del mod">
-          <ac:chgData name="Paul Jeremy Simon" userId="S::s202592@dtu.dk::54db1318-b9e5-44ac-b009-37faed20cf40" providerId="AD" clId="Web-{B1C7A861-C8F2-4290-BE07-1B76C3627A52}" dt="2021-11-16T12:57:51.221" v="211"/>
-          <ac:cxnSpMkLst>
-            <pc:docMk/>
-            <pc:sldMk cId="1159526982" sldId="257"/>
-            <ac:cxnSpMk id="8" creationId="{2A2D7D3D-14C2-4338-A123-3393AC58AF7A}"/>
-          </ac:cxnSpMkLst>
-        </pc:cxnChg>
-        <pc:cxnChg chg="add del">
-          <ac:chgData name="Paul Jeremy Simon" userId="S::s202592@dtu.dk::54db1318-b9e5-44ac-b009-37faed20cf40" providerId="AD" clId="Web-{B1C7A861-C8F2-4290-BE07-1B76C3627A52}" dt="2021-11-16T12:58:29.206" v="213"/>
-          <ac:cxnSpMkLst>
-            <pc:docMk/>
-            <pc:sldMk cId="1159526982" sldId="257"/>
-            <ac:cxnSpMk id="9" creationId="{4B477C6D-62BE-4BCD-A46A-9C65C49A133D}"/>
-          </ac:cxnSpMkLst>
-        </pc:cxnChg>
-        <pc:cxnChg chg="add mod">
-          <ac:chgData name="Paul Jeremy Simon" userId="S::s202592@dtu.dk::54db1318-b9e5-44ac-b009-37faed20cf40" providerId="AD" clId="Web-{B1C7A861-C8F2-4290-BE07-1B76C3627A52}" dt="2021-11-16T12:53:26.730" v="118" actId="1076"/>
-          <ac:cxnSpMkLst>
-            <pc:docMk/>
-            <pc:sldMk cId="1159526982" sldId="257"/>
-            <ac:cxnSpMk id="22" creationId="{D4F35B77-8D7C-46D2-872E-A831E3C3DC00}"/>
-          </ac:cxnSpMkLst>
-        </pc:cxnChg>
-        <pc:cxnChg chg="add mod">
-          <ac:chgData name="Paul Jeremy Simon" userId="S::s202592@dtu.dk::54db1318-b9e5-44ac-b009-37faed20cf40" providerId="AD" clId="Web-{B1C7A861-C8F2-4290-BE07-1B76C3627A52}" dt="2021-11-16T12:53:26.730" v="119" actId="1076"/>
-          <ac:cxnSpMkLst>
-            <pc:docMk/>
-            <pc:sldMk cId="1159526982" sldId="257"/>
-            <ac:cxnSpMk id="23" creationId="{4A3A8525-500B-468B-B048-01FC4E6A6543}"/>
-          </ac:cxnSpMkLst>
-        </pc:cxnChg>
-        <pc:cxnChg chg="add mod">
-          <ac:chgData name="Paul Jeremy Simon" userId="S::s202592@dtu.dk::54db1318-b9e5-44ac-b009-37faed20cf40" providerId="AD" clId="Web-{B1C7A861-C8F2-4290-BE07-1B76C3627A52}" dt="2021-11-16T12:53:26.745" v="120" actId="1076"/>
-          <ac:cxnSpMkLst>
-            <pc:docMk/>
-            <pc:sldMk cId="1159526982" sldId="257"/>
-            <ac:cxnSpMk id="25" creationId="{BA1EAD23-59CC-402A-A694-3E2AFC88A488}"/>
-          </ac:cxnSpMkLst>
-        </pc:cxnChg>
-        <pc:cxnChg chg="add mod">
-          <ac:chgData name="Paul Jeremy Simon" userId="S::s202592@dtu.dk::54db1318-b9e5-44ac-b009-37faed20cf40" providerId="AD" clId="Web-{B1C7A861-C8F2-4290-BE07-1B76C3627A52}" dt="2021-11-16T12:56:03.890" v="148" actId="1076"/>
-          <ac:cxnSpMkLst>
-            <pc:docMk/>
-            <pc:sldMk cId="1159526982" sldId="257"/>
-            <ac:cxnSpMk id="27" creationId="{66C78038-87BC-42D3-B538-23A5A5954156}"/>
-          </ac:cxnSpMkLst>
-        </pc:cxnChg>
-        <pc:cxnChg chg="add mod">
-          <ac:chgData name="Paul Jeremy Simon" userId="S::s202592@dtu.dk::54db1318-b9e5-44ac-b009-37faed20cf40" providerId="AD" clId="Web-{B1C7A861-C8F2-4290-BE07-1B76C3627A52}" dt="2021-11-16T13:04:56.919" v="278" actId="14100"/>
-          <ac:cxnSpMkLst>
-            <pc:docMk/>
-            <pc:sldMk cId="1159526982" sldId="257"/>
-            <ac:cxnSpMk id="31" creationId="{72A3FFE5-F991-423A-85A9-7571FF68D620}"/>
-          </ac:cxnSpMkLst>
-        </pc:cxnChg>
-        <pc:cxnChg chg="add del mod">
-          <ac:chgData name="Paul Jeremy Simon" userId="S::s202592@dtu.dk::54db1318-b9e5-44ac-b009-37faed20cf40" providerId="AD" clId="Web-{B1C7A861-C8F2-4290-BE07-1B76C3627A52}" dt="2021-11-16T12:59:42.614" v="225"/>
-          <ac:cxnSpMkLst>
-            <pc:docMk/>
-            <pc:sldMk cId="1159526982" sldId="257"/>
-            <ac:cxnSpMk id="32" creationId="{F8D1FC26-9442-419E-9501-C622BB441381}"/>
-          </ac:cxnSpMkLst>
-        </pc:cxnChg>
-        <pc:cxnChg chg="add mod">
-          <ac:chgData name="Paul Jeremy Simon" userId="S::s202592@dtu.dk::54db1318-b9e5-44ac-b009-37faed20cf40" providerId="AD" clId="Web-{B1C7A861-C8F2-4290-BE07-1B76C3627A52}" dt="2021-11-16T13:01:45.586" v="243" actId="14100"/>
-          <ac:cxnSpMkLst>
-            <pc:docMk/>
-            <pc:sldMk cId="1159526982" sldId="257"/>
-            <ac:cxnSpMk id="33" creationId="{B9C2B71B-2BEC-46F8-B120-6A9184ECE9CB}"/>
-          </ac:cxnSpMkLst>
-        </pc:cxnChg>
-        <pc:cxnChg chg="add del mod">
-          <ac:chgData name="Paul Jeremy Simon" userId="S::s202592@dtu.dk::54db1318-b9e5-44ac-b009-37faed20cf40" providerId="AD" clId="Web-{B1C7A861-C8F2-4290-BE07-1B76C3627A52}" dt="2021-11-16T13:01:17.570" v="240"/>
-          <ac:cxnSpMkLst>
-            <pc:docMk/>
-            <pc:sldMk cId="1159526982" sldId="257"/>
-            <ac:cxnSpMk id="34" creationId="{5CAF3766-80B5-4786-A240-59E9CB5D3E9F}"/>
-          </ac:cxnSpMkLst>
-        </pc:cxnChg>
-        <pc:cxnChg chg="add del mod">
-          <ac:chgData name="Paul Jeremy Simon" userId="S::s202592@dtu.dk::54db1318-b9e5-44ac-b009-37faed20cf40" providerId="AD" clId="Web-{B1C7A861-C8F2-4290-BE07-1B76C3627A52}" dt="2021-11-16T13:00:57.898" v="237"/>
-          <ac:cxnSpMkLst>
-            <pc:docMk/>
-            <pc:sldMk cId="1159526982" sldId="257"/>
-            <ac:cxnSpMk id="35" creationId="{8FB25A08-2CF9-467D-A74D-E370D99C87BC}"/>
-          </ac:cxnSpMkLst>
-        </pc:cxnChg>
-        <pc:cxnChg chg="add mod">
-          <ac:chgData name="Paul Jeremy Simon" userId="S::s202592@dtu.dk::54db1318-b9e5-44ac-b009-37faed20cf40" providerId="AD" clId="Web-{B1C7A861-C8F2-4290-BE07-1B76C3627A52}" dt="2021-11-16T13:01:56.727" v="244" actId="1076"/>
-          <ac:cxnSpMkLst>
-            <pc:docMk/>
-            <pc:sldMk cId="1159526982" sldId="257"/>
-            <ac:cxnSpMk id="36" creationId="{80EAE9FC-1A9A-4F22-8EA1-23297ACB8088}"/>
-          </ac:cxnSpMkLst>
-        </pc:cxnChg>
-        <pc:cxnChg chg="add mod">
-          <ac:chgData name="Paul Jeremy Simon" userId="S::s202592@dtu.dk::54db1318-b9e5-44ac-b009-37faed20cf40" providerId="AD" clId="Web-{B1C7A861-C8F2-4290-BE07-1B76C3627A52}" dt="2021-11-16T13:02:20.619" v="246" actId="1076"/>
-          <ac:cxnSpMkLst>
-            <pc:docMk/>
-            <pc:sldMk cId="1159526982" sldId="257"/>
-            <ac:cxnSpMk id="37" creationId="{495098AB-F631-4EB6-9BCD-A983E2A7B102}"/>
-          </ac:cxnSpMkLst>
-        </pc:cxnChg>
+            <ac:picMk id="1028" creationId="{00000000-0000-0000-0000-000000000000}"/>
+          </ac:picMkLst>
+        </pc:picChg>
       </pc:sldChg>
     </pc:docChg>
   </pc:docChgLst>
@@ -663,7 +349,7 @@
           <a:p>
             <a:fld id="{C6F05EAB-B404-4249-9B6E-2AB49D341D90}" type="datetimeFigureOut">
               <a:rPr lang="aa-ET" smtClean="0"/>
-              <a:t>28/11/2021</a:t>
+              <a:t>11/30/2021</a:t>
             </a:fld>
             <a:endParaRPr lang="aa-ET"/>
           </a:p>
@@ -822,7 +508,7 @@
           <a:p>
             <a:fld id="{CC384317-2FF9-C745-838D-094DFBA5C4CC}" type="slidenum">
               <a:rPr lang="aa-ET" smtClean="0"/>
-              <a:t>‹N°›</a:t>
+              <a:t>‹#›</a:t>
             </a:fld>
             <a:endParaRPr lang="aa-ET"/>
           </a:p>
@@ -1132,7 +818,7 @@
           <a:p>
             <a:fld id="{C1520061-EEF2-4648-A61C-FD1D344FB2F0}" type="datetimeFigureOut">
               <a:rPr lang="aa-ET" smtClean="0"/>
-              <a:t>28/11/2021</a:t>
+              <a:t>11/30/2021</a:t>
             </a:fld>
             <a:endParaRPr lang="aa-ET"/>
           </a:p>
@@ -1174,7 +860,7 @@
           <a:p>
             <a:fld id="{FDB24838-7C19-CC4E-B2E6-66E840BA735D}" type="slidenum">
               <a:rPr lang="aa-ET" smtClean="0"/>
-              <a:t>‹N°›</a:t>
+              <a:t>‹#›</a:t>
             </a:fld>
             <a:endParaRPr lang="aa-ET"/>
           </a:p>
@@ -1302,7 +988,7 @@
           <a:p>
             <a:fld id="{C1520061-EEF2-4648-A61C-FD1D344FB2F0}" type="datetimeFigureOut">
               <a:rPr lang="aa-ET" smtClean="0"/>
-              <a:t>28/11/2021</a:t>
+              <a:t>11/30/2021</a:t>
             </a:fld>
             <a:endParaRPr lang="aa-ET"/>
           </a:p>
@@ -1344,7 +1030,7 @@
           <a:p>
             <a:fld id="{FDB24838-7C19-CC4E-B2E6-66E840BA735D}" type="slidenum">
               <a:rPr lang="aa-ET" smtClean="0"/>
-              <a:t>‹N°›</a:t>
+              <a:t>‹#›</a:t>
             </a:fld>
             <a:endParaRPr lang="aa-ET"/>
           </a:p>
@@ -1482,7 +1168,7 @@
           <a:p>
             <a:fld id="{C1520061-EEF2-4648-A61C-FD1D344FB2F0}" type="datetimeFigureOut">
               <a:rPr lang="aa-ET" smtClean="0"/>
-              <a:t>28/11/2021</a:t>
+              <a:t>11/30/2021</a:t>
             </a:fld>
             <a:endParaRPr lang="aa-ET"/>
           </a:p>
@@ -1524,7 +1210,7 @@
           <a:p>
             <a:fld id="{FDB24838-7C19-CC4E-B2E6-66E840BA735D}" type="slidenum">
               <a:rPr lang="aa-ET" smtClean="0"/>
-              <a:t>‹N°›</a:t>
+              <a:t>‹#›</a:t>
             </a:fld>
             <a:endParaRPr lang="aa-ET"/>
           </a:p>
@@ -1652,7 +1338,7 @@
           <a:p>
             <a:fld id="{C1520061-EEF2-4648-A61C-FD1D344FB2F0}" type="datetimeFigureOut">
               <a:rPr lang="aa-ET" smtClean="0"/>
-              <a:t>28/11/2021</a:t>
+              <a:t>11/30/2021</a:t>
             </a:fld>
             <a:endParaRPr lang="aa-ET"/>
           </a:p>
@@ -1694,7 +1380,7 @@
           <a:p>
             <a:fld id="{FDB24838-7C19-CC4E-B2E6-66E840BA735D}" type="slidenum">
               <a:rPr lang="aa-ET" smtClean="0"/>
-              <a:t>‹N°›</a:t>
+              <a:t>‹#›</a:t>
             </a:fld>
             <a:endParaRPr lang="aa-ET"/>
           </a:p>
@@ -1896,7 +1582,7 @@
           <a:p>
             <a:fld id="{C1520061-EEF2-4648-A61C-FD1D344FB2F0}" type="datetimeFigureOut">
               <a:rPr lang="aa-ET" smtClean="0"/>
-              <a:t>28/11/2021</a:t>
+              <a:t>11/30/2021</a:t>
             </a:fld>
             <a:endParaRPr lang="aa-ET"/>
           </a:p>
@@ -1938,7 +1624,7 @@
           <a:p>
             <a:fld id="{FDB24838-7C19-CC4E-B2E6-66E840BA735D}" type="slidenum">
               <a:rPr lang="aa-ET" smtClean="0"/>
-              <a:t>‹N°›</a:t>
+              <a:t>‹#›</a:t>
             </a:fld>
             <a:endParaRPr lang="aa-ET"/>
           </a:p>
@@ -2128,7 +1814,7 @@
           <a:p>
             <a:fld id="{C1520061-EEF2-4648-A61C-FD1D344FB2F0}" type="datetimeFigureOut">
               <a:rPr lang="aa-ET" smtClean="0"/>
-              <a:t>28/11/2021</a:t>
+              <a:t>11/30/2021</a:t>
             </a:fld>
             <a:endParaRPr lang="aa-ET"/>
           </a:p>
@@ -2170,7 +1856,7 @@
           <a:p>
             <a:fld id="{FDB24838-7C19-CC4E-B2E6-66E840BA735D}" type="slidenum">
               <a:rPr lang="aa-ET" smtClean="0"/>
-              <a:t>‹N°›</a:t>
+              <a:t>‹#›</a:t>
             </a:fld>
             <a:endParaRPr lang="aa-ET"/>
           </a:p>
@@ -2495,7 +2181,7 @@
           <a:p>
             <a:fld id="{C1520061-EEF2-4648-A61C-FD1D344FB2F0}" type="datetimeFigureOut">
               <a:rPr lang="aa-ET" smtClean="0"/>
-              <a:t>28/11/2021</a:t>
+              <a:t>11/30/2021</a:t>
             </a:fld>
             <a:endParaRPr lang="aa-ET"/>
           </a:p>
@@ -2537,7 +2223,7 @@
           <a:p>
             <a:fld id="{FDB24838-7C19-CC4E-B2E6-66E840BA735D}" type="slidenum">
               <a:rPr lang="aa-ET" smtClean="0"/>
-              <a:t>‹N°›</a:t>
+              <a:t>‹#›</a:t>
             </a:fld>
             <a:endParaRPr lang="aa-ET"/>
           </a:p>
@@ -2613,7 +2299,7 @@
           <a:p>
             <a:fld id="{C1520061-EEF2-4648-A61C-FD1D344FB2F0}" type="datetimeFigureOut">
               <a:rPr lang="aa-ET" smtClean="0"/>
-              <a:t>28/11/2021</a:t>
+              <a:t>11/30/2021</a:t>
             </a:fld>
             <a:endParaRPr lang="aa-ET"/>
           </a:p>
@@ -2655,7 +2341,7 @@
           <a:p>
             <a:fld id="{FDB24838-7C19-CC4E-B2E6-66E840BA735D}" type="slidenum">
               <a:rPr lang="aa-ET" smtClean="0"/>
-              <a:t>‹N°›</a:t>
+              <a:t>‹#›</a:t>
             </a:fld>
             <a:endParaRPr lang="aa-ET"/>
           </a:p>
@@ -2708,7 +2394,7 @@
           <a:p>
             <a:fld id="{C1520061-EEF2-4648-A61C-FD1D344FB2F0}" type="datetimeFigureOut">
               <a:rPr lang="aa-ET" smtClean="0"/>
-              <a:t>28/11/2021</a:t>
+              <a:t>11/30/2021</a:t>
             </a:fld>
             <a:endParaRPr lang="aa-ET"/>
           </a:p>
@@ -2750,7 +2436,7 @@
           <a:p>
             <a:fld id="{FDB24838-7C19-CC4E-B2E6-66E840BA735D}" type="slidenum">
               <a:rPr lang="aa-ET" smtClean="0"/>
-              <a:t>‹N°›</a:t>
+              <a:t>‹#›</a:t>
             </a:fld>
             <a:endParaRPr lang="aa-ET"/>
           </a:p>
@@ -2985,7 +2671,7 @@
           <a:p>
             <a:fld id="{C1520061-EEF2-4648-A61C-FD1D344FB2F0}" type="datetimeFigureOut">
               <a:rPr lang="aa-ET" smtClean="0"/>
-              <a:t>28/11/2021</a:t>
+              <a:t>11/30/2021</a:t>
             </a:fld>
             <a:endParaRPr lang="aa-ET"/>
           </a:p>
@@ -3027,7 +2713,7 @@
           <a:p>
             <a:fld id="{FDB24838-7C19-CC4E-B2E6-66E840BA735D}" type="slidenum">
               <a:rPr lang="aa-ET" smtClean="0"/>
-              <a:t>‹N°›</a:t>
+              <a:t>‹#›</a:t>
             </a:fld>
             <a:endParaRPr lang="aa-ET"/>
           </a:p>
@@ -3242,7 +2928,7 @@
           <a:p>
             <a:fld id="{C1520061-EEF2-4648-A61C-FD1D344FB2F0}" type="datetimeFigureOut">
               <a:rPr lang="aa-ET" smtClean="0"/>
-              <a:t>28/11/2021</a:t>
+              <a:t>11/30/2021</a:t>
             </a:fld>
             <a:endParaRPr lang="aa-ET"/>
           </a:p>
@@ -3284,7 +2970,7 @@
           <a:p>
             <a:fld id="{FDB24838-7C19-CC4E-B2E6-66E840BA735D}" type="slidenum">
               <a:rPr lang="aa-ET" smtClean="0"/>
-              <a:t>‹N°›</a:t>
+              <a:t>‹#›</a:t>
             </a:fld>
             <a:endParaRPr lang="aa-ET"/>
           </a:p>
@@ -3455,7 +3141,7 @@
           <a:p>
             <a:fld id="{C1520061-EEF2-4648-A61C-FD1D344FB2F0}" type="datetimeFigureOut">
               <a:rPr lang="aa-ET" smtClean="0"/>
-              <a:t>28/11/2021</a:t>
+              <a:t>11/30/2021</a:t>
             </a:fld>
             <a:endParaRPr lang="aa-ET"/>
           </a:p>
@@ -3533,7 +3219,7 @@
           <a:p>
             <a:fld id="{FDB24838-7C19-CC4E-B2E6-66E840BA735D}" type="slidenum">
               <a:rPr lang="aa-ET" smtClean="0"/>
-              <a:t>‹N°›</a:t>
+              <a:t>‹#›</a:t>
             </a:fld>
             <a:endParaRPr lang="aa-ET"/>
           </a:p>
@@ -4029,21 +3715,10 @@
                 <a:cs typeface="Arial" panose="020B0604020202020204" pitchFamily="34" charset="0"/>
                 <a:hlinkClick r:id="rId3"/>
               </a:rPr>
-              <a:t>https://</a:t>
-            </a:r>
-            <a:r>
-              <a:rPr lang="en-US" altLang="en-US" sz="4000" baseline="30000" dirty="0" smtClean="0">
-                <a:solidFill>
-                  <a:srgbClr val="000000"/>
-                </a:solidFill>
-                <a:latin typeface="Arial" panose="020B0604020202020204" pitchFamily="34" charset="0"/>
-                <a:cs typeface="Arial" panose="020B0604020202020204" pitchFamily="34" charset="0"/>
-                <a:hlinkClick r:id="rId3"/>
-              </a:rPr>
-              <a:t>github.com/HenriettaHolze/TCR-pMHC-prediction</a:t>
-            </a:r>
-            <a:r>
-              <a:rPr lang="en-US" altLang="en-US" sz="4000" dirty="0" smtClean="0">
+              <a:t>https://github.com/HenriettaHolze/TCR-pMHC-prediction</a:t>
+            </a:r>
+            <a:r>
+              <a:rPr lang="en-US" altLang="en-US" sz="4000" dirty="0">
                 <a:solidFill>
                   <a:srgbClr val="000000"/>
                 </a:solidFill>
@@ -4141,7 +3816,7 @@
           <p:cNvPr id="24" name="Straight Connector 23">
             <a:extLst>
               <a:ext uri="{FF2B5EF4-FFF2-40B4-BE49-F238E27FC236}">
-                <a16:creationId xmlns="" xmlns:a16="http://schemas.microsoft.com/office/drawing/2014/main" id="{3CD061AB-8876-704F-BE6A-E397F33852E1}"/>
+                <a16:creationId xmlns:a16="http://schemas.microsoft.com/office/drawing/2014/main" id="{3CD061AB-8876-704F-BE6A-E397F33852E1}"/>
               </a:ext>
             </a:extLst>
           </p:cNvPr>
@@ -4184,7 +3859,7 @@
           <p:cNvPr id="128" name="Round Same Side Corner Rectangle 137">
             <a:extLst>
               <a:ext uri="{FF2B5EF4-FFF2-40B4-BE49-F238E27FC236}">
-                <a16:creationId xmlns="" xmlns:a16="http://schemas.microsoft.com/office/drawing/2014/main" id="{85003210-220B-9A49-8091-B1A85DD76CE8}"/>
+                <a16:creationId xmlns:a16="http://schemas.microsoft.com/office/drawing/2014/main" id="{85003210-220B-9A49-8091-B1A85DD76CE8}"/>
               </a:ext>
             </a:extLst>
           </p:cNvPr>
@@ -4193,7 +3868,7 @@
         </p:nvSpPr>
         <p:spPr>
           <a:xfrm>
-            <a:off x="252605" y="4659779"/>
+            <a:off x="252605" y="4449749"/>
             <a:ext cx="20878415" cy="540000"/>
           </a:xfrm>
           <a:prstGeom prst="round2SameRect">
@@ -4248,7 +3923,7 @@
           <p:cNvPr id="129" name="Round Same Side Corner Rectangle 137">
             <a:extLst>
               <a:ext uri="{FF2B5EF4-FFF2-40B4-BE49-F238E27FC236}">
-                <a16:creationId xmlns="" xmlns:a16="http://schemas.microsoft.com/office/drawing/2014/main" id="{7226A277-A8A7-9549-8FCF-1175CB0CE7B6}"/>
+                <a16:creationId xmlns:a16="http://schemas.microsoft.com/office/drawing/2014/main" id="{7226A277-A8A7-9549-8FCF-1175CB0CE7B6}"/>
               </a:ext>
             </a:extLst>
           </p:cNvPr>
@@ -4257,7 +3932,7 @@
         </p:nvSpPr>
         <p:spPr>
           <a:xfrm>
-            <a:off x="252208" y="10314770"/>
+            <a:off x="309341" y="11619344"/>
             <a:ext cx="20880000" cy="540000"/>
           </a:xfrm>
           <a:prstGeom prst="round2SameRect">
@@ -4312,7 +3987,7 @@
           <p:cNvPr id="130" name="Round Same Side Corner Rectangle 137">
             <a:extLst>
               <a:ext uri="{FF2B5EF4-FFF2-40B4-BE49-F238E27FC236}">
-                <a16:creationId xmlns="" xmlns:a16="http://schemas.microsoft.com/office/drawing/2014/main" id="{0D73ACE7-C686-234D-9978-B3229B92843A}"/>
+                <a16:creationId xmlns:a16="http://schemas.microsoft.com/office/drawing/2014/main" id="{0D73ACE7-C686-234D-9978-B3229B92843A}"/>
               </a:ext>
             </a:extLst>
           </p:cNvPr>
@@ -4321,7 +3996,7 @@
         </p:nvSpPr>
         <p:spPr>
           <a:xfrm>
-            <a:off x="249258" y="18099845"/>
+            <a:off x="309341" y="19388344"/>
             <a:ext cx="20880000" cy="540000"/>
           </a:xfrm>
           <a:prstGeom prst="round2SameRect">
@@ -4376,7 +4051,7 @@
           <p:cNvPr id="91" name="TextBox 90">
             <a:extLst>
               <a:ext uri="{FF2B5EF4-FFF2-40B4-BE49-F238E27FC236}">
-                <a16:creationId xmlns="" xmlns:a16="http://schemas.microsoft.com/office/drawing/2014/main" id="{CE8C58B8-C0BC-CE41-9C20-5C588C41F47C}"/>
+                <a16:creationId xmlns:a16="http://schemas.microsoft.com/office/drawing/2014/main" id="{CE8C58B8-C0BC-CE41-9C20-5C588C41F47C}"/>
               </a:ext>
             </a:extLst>
           </p:cNvPr>
@@ -4445,7 +4120,7 @@
           <p:cNvPr id="3" name="Billede 6">
             <a:extLst>
               <a:ext uri="{FF2B5EF4-FFF2-40B4-BE49-F238E27FC236}">
-                <a16:creationId xmlns="" xmlns:a16="http://schemas.microsoft.com/office/drawing/2014/main" id="{79D342DF-0A65-4821-8F47-A3CE1793E1E6}"/>
+                <a16:creationId xmlns:a16="http://schemas.microsoft.com/office/drawing/2014/main" id="{79D342DF-0A65-4821-8F47-A3CE1793E1E6}"/>
               </a:ext>
             </a:extLst>
           </p:cNvPr>
@@ -4472,342 +4147,10 @@
       </p:pic>
       <p:sp>
         <p:nvSpPr>
-          <p:cNvPr id="4" name="Rectangle 3">
+          <p:cNvPr id="5" name="TextBox 4">
             <a:extLst>
               <a:ext uri="{FF2B5EF4-FFF2-40B4-BE49-F238E27FC236}">
-                <a16:creationId xmlns="" xmlns:a16="http://schemas.microsoft.com/office/drawing/2014/main" id="{4D164955-C0E8-4C09-BF90-A5C4DE447B0C}"/>
-              </a:ext>
-            </a:extLst>
-          </p:cNvPr>
-          <p:cNvSpPr/>
-          <p:nvPr/>
-        </p:nvSpPr>
-        <p:spPr>
-          <a:xfrm>
-            <a:off x="9039001" y="12060461"/>
-            <a:ext cx="1654969" cy="697513"/>
-          </a:xfrm>
-          <a:prstGeom prst="rect">
-            <a:avLst/>
-          </a:prstGeom>
-          <a:solidFill>
-            <a:schemeClr val="bg1"/>
-          </a:solidFill>
-          <a:ln w="28575">
-            <a:solidFill>
-              <a:srgbClr val="2F3EEA"/>
-            </a:solidFill>
-          </a:ln>
-        </p:spPr>
-        <p:style>
-          <a:lnRef idx="2">
-            <a:schemeClr val="accent1">
-              <a:shade val="50000"/>
-            </a:schemeClr>
-          </a:lnRef>
-          <a:fillRef idx="1">
-            <a:schemeClr val="accent1"/>
-          </a:fillRef>
-          <a:effectRef idx="0">
-            <a:schemeClr val="accent1"/>
-          </a:effectRef>
-          <a:fontRef idx="minor">
-            <a:schemeClr val="lt1"/>
-          </a:fontRef>
-        </p:style>
-        <p:txBody>
-          <a:bodyPr rtlCol="0" anchor="ctr"/>
-          <a:lstStyle/>
-          <a:p>
-            <a:pPr algn="ctr"/>
-            <a:r>
-              <a:rPr lang="en-GB" dirty="0">
-                <a:solidFill>
-                  <a:schemeClr val="tx1"/>
-                </a:solidFill>
-                <a:latin typeface="Arial" panose="020B0604020202020204" pitchFamily="34" charset="0"/>
-                <a:cs typeface="Arial" panose="020B0604020202020204" pitchFamily="34" charset="0"/>
-              </a:rPr>
-              <a:t>Bi-directional LSTM</a:t>
-            </a:r>
-          </a:p>
-        </p:txBody>
-      </p:sp>
-      <p:sp>
-        <p:nvSpPr>
-          <p:cNvPr id="17" name="Rectangle 16">
-            <a:extLst>
-              <a:ext uri="{FF2B5EF4-FFF2-40B4-BE49-F238E27FC236}">
-                <a16:creationId xmlns="" xmlns:a16="http://schemas.microsoft.com/office/drawing/2014/main" id="{67CAF441-CC34-4360-BF11-287A0103A8F8}"/>
-              </a:ext>
-            </a:extLst>
-          </p:cNvPr>
-          <p:cNvSpPr/>
-          <p:nvPr/>
-        </p:nvSpPr>
-        <p:spPr>
-          <a:xfrm>
-            <a:off x="7570541" y="12056799"/>
-            <a:ext cx="828864" cy="697513"/>
-          </a:xfrm>
-          <a:prstGeom prst="rect">
-            <a:avLst/>
-          </a:prstGeom>
-          <a:solidFill>
-            <a:schemeClr val="bg1"/>
-          </a:solidFill>
-          <a:ln w="28575">
-            <a:solidFill>
-              <a:srgbClr val="2F3EEA"/>
-            </a:solidFill>
-          </a:ln>
-        </p:spPr>
-        <p:style>
-          <a:lnRef idx="2">
-            <a:schemeClr val="accent1">
-              <a:shade val="50000"/>
-            </a:schemeClr>
-          </a:lnRef>
-          <a:fillRef idx="1">
-            <a:schemeClr val="accent1"/>
-          </a:fillRef>
-          <a:effectRef idx="0">
-            <a:schemeClr val="accent1"/>
-          </a:effectRef>
-          <a:fontRef idx="minor">
-            <a:schemeClr val="lt1"/>
-          </a:fontRef>
-        </p:style>
-        <p:txBody>
-          <a:bodyPr lIns="91440" tIns="45720" rIns="91440" bIns="45720" rtlCol="0" anchor="ctr"/>
-          <a:lstStyle/>
-          <a:p>
-            <a:pPr algn="ctr"/>
-            <a:r>
-              <a:rPr lang="en-GB" dirty="0">
-                <a:solidFill>
-                  <a:schemeClr val="tx1"/>
-                </a:solidFill>
-                <a:latin typeface="Arial" panose="020B0604020202020204" pitchFamily="34" charset="0"/>
-                <a:cs typeface="Arial" panose="020B0604020202020204" pitchFamily="34" charset="0"/>
-              </a:rPr>
-              <a:t>CNN</a:t>
-            </a:r>
-            <a:endParaRPr lang="en-US" dirty="0">
-              <a:latin typeface="Arial" panose="020B0604020202020204" pitchFamily="34" charset="0"/>
-              <a:cs typeface="Arial" panose="020B0604020202020204" pitchFamily="34" charset="0"/>
-            </a:endParaRPr>
-          </a:p>
-        </p:txBody>
-      </p:sp>
-      <p:sp>
-        <p:nvSpPr>
-          <p:cNvPr id="18" name="Rectangle 17">
-            <a:extLst>
-              <a:ext uri="{FF2B5EF4-FFF2-40B4-BE49-F238E27FC236}">
-                <a16:creationId xmlns="" xmlns:a16="http://schemas.microsoft.com/office/drawing/2014/main" id="{A11F58A7-6D7F-4558-989F-21EF31BF5A87}"/>
-              </a:ext>
-            </a:extLst>
-          </p:cNvPr>
-          <p:cNvSpPr/>
-          <p:nvPr/>
-        </p:nvSpPr>
-        <p:spPr>
-          <a:xfrm>
-            <a:off x="11341014" y="12060461"/>
-            <a:ext cx="891912" cy="697513"/>
-          </a:xfrm>
-          <a:prstGeom prst="rect">
-            <a:avLst/>
-          </a:prstGeom>
-          <a:solidFill>
-            <a:schemeClr val="bg1"/>
-          </a:solidFill>
-          <a:ln w="28575">
-            <a:solidFill>
-              <a:srgbClr val="2F3EEA"/>
-            </a:solidFill>
-          </a:ln>
-        </p:spPr>
-        <p:style>
-          <a:lnRef idx="2">
-            <a:schemeClr val="accent1">
-              <a:shade val="50000"/>
-            </a:schemeClr>
-          </a:lnRef>
-          <a:fillRef idx="1">
-            <a:schemeClr val="accent1"/>
-          </a:fillRef>
-          <a:effectRef idx="0">
-            <a:schemeClr val="accent1"/>
-          </a:effectRef>
-          <a:fontRef idx="minor">
-            <a:schemeClr val="lt1"/>
-          </a:fontRef>
-        </p:style>
-        <p:txBody>
-          <a:bodyPr lIns="91440" tIns="45720" rIns="91440" bIns="45720" rtlCol="0" anchor="ctr"/>
-          <a:lstStyle/>
-          <a:p>
-            <a:pPr algn="ctr"/>
-            <a:r>
-              <a:rPr lang="en-GB" dirty="0">
-                <a:solidFill>
-                  <a:schemeClr val="tx1"/>
-                </a:solidFill>
-                <a:latin typeface="Arial" panose="020B0604020202020204" pitchFamily="34" charset="0"/>
-                <a:cs typeface="Arial" panose="020B0604020202020204" pitchFamily="34" charset="0"/>
-              </a:rPr>
-              <a:t>FFNN</a:t>
-            </a:r>
-          </a:p>
-        </p:txBody>
-      </p:sp>
-      <p:sp>
-        <p:nvSpPr>
-          <p:cNvPr id="19" name="Rectangle 18">
-            <a:extLst>
-              <a:ext uri="{FF2B5EF4-FFF2-40B4-BE49-F238E27FC236}">
-                <a16:creationId xmlns="" xmlns:a16="http://schemas.microsoft.com/office/drawing/2014/main" id="{7E83F05A-E681-4C38-B5BA-7833319671E3}"/>
-              </a:ext>
-            </a:extLst>
-          </p:cNvPr>
-          <p:cNvSpPr/>
-          <p:nvPr/>
-        </p:nvSpPr>
-        <p:spPr>
-          <a:xfrm>
-            <a:off x="1785542" y="13297966"/>
-            <a:ext cx="2488042" cy="697513"/>
-          </a:xfrm>
-          <a:prstGeom prst="rect">
-            <a:avLst/>
-          </a:prstGeom>
-          <a:solidFill>
-            <a:schemeClr val="bg1"/>
-          </a:solidFill>
-          <a:ln w="28575">
-            <a:solidFill>
-              <a:srgbClr val="2F3EEA"/>
-            </a:solidFill>
-          </a:ln>
-        </p:spPr>
-        <p:style>
-          <a:lnRef idx="2">
-            <a:schemeClr val="accent1">
-              <a:shade val="50000"/>
-            </a:schemeClr>
-          </a:lnRef>
-          <a:fillRef idx="1">
-            <a:schemeClr val="accent1"/>
-          </a:fillRef>
-          <a:effectRef idx="0">
-            <a:schemeClr val="accent1"/>
-          </a:effectRef>
-          <a:fontRef idx="minor">
-            <a:schemeClr val="lt1"/>
-          </a:fontRef>
-        </p:style>
-        <p:txBody>
-          <a:bodyPr lIns="91440" tIns="45720" rIns="91440" bIns="45720" rtlCol="0" anchor="ctr"/>
-          <a:lstStyle/>
-          <a:p>
-            <a:pPr algn="ctr"/>
-            <a:r>
-              <a:rPr lang="en-GB" dirty="0">
-                <a:solidFill>
-                  <a:schemeClr val="tx1"/>
-                </a:solidFill>
-                <a:latin typeface="Arial" panose="020B0604020202020204" pitchFamily="34" charset="0"/>
-                <a:cs typeface="Arial" panose="020B0604020202020204" pitchFamily="34" charset="0"/>
-              </a:rPr>
-              <a:t>ESM </a:t>
-            </a:r>
-            <a:r>
-              <a:rPr lang="en-GB" dirty="0" smtClean="0">
-                <a:solidFill>
-                  <a:schemeClr val="tx1"/>
-                </a:solidFill>
-                <a:latin typeface="Arial" panose="020B0604020202020204" pitchFamily="34" charset="0"/>
-                <a:cs typeface="Arial" panose="020B0604020202020204" pitchFamily="34" charset="0"/>
-              </a:rPr>
-              <a:t>(</a:t>
-            </a:r>
-            <a:r>
-              <a:rPr lang="en-GB" dirty="0">
-                <a:solidFill>
-                  <a:schemeClr val="tx1"/>
-                </a:solidFill>
-                <a:latin typeface="Arial" panose="020B0604020202020204" pitchFamily="34" charset="0"/>
-                <a:cs typeface="Arial" panose="020B0604020202020204" pitchFamily="34" charset="0"/>
-              </a:rPr>
-              <a:t>Transformer</a:t>
-            </a:r>
-            <a:r>
-              <a:rPr lang="en-GB" dirty="0" smtClean="0">
-                <a:solidFill>
-                  <a:schemeClr val="tx1"/>
-                </a:solidFill>
-                <a:latin typeface="Arial" panose="020B0604020202020204" pitchFamily="34" charset="0"/>
-                <a:cs typeface="Arial" panose="020B0604020202020204" pitchFamily="34" charset="0"/>
-              </a:rPr>
-              <a:t>) [3]</a:t>
-            </a:r>
-            <a:endParaRPr lang="en-US" dirty="0">
-              <a:latin typeface="Arial" panose="020B0604020202020204" pitchFamily="34" charset="0"/>
-              <a:cs typeface="Arial" panose="020B0604020202020204" pitchFamily="34" charset="0"/>
-            </a:endParaRPr>
-          </a:p>
-        </p:txBody>
-      </p:sp>
-      <p:cxnSp>
-        <p:nvCxnSpPr>
-          <p:cNvPr id="6" name="Straight Arrow Connector 5">
-            <a:extLst>
-              <a:ext uri="{FF2B5EF4-FFF2-40B4-BE49-F238E27FC236}">
-                <a16:creationId xmlns="" xmlns:a16="http://schemas.microsoft.com/office/drawing/2014/main" id="{4BC5C381-EF6A-472E-B50A-6D5600D1C737}"/>
-              </a:ext>
-            </a:extLst>
-          </p:cNvPr>
-          <p:cNvCxnSpPr/>
-          <p:nvPr/>
-        </p:nvCxnSpPr>
-        <p:spPr>
-          <a:xfrm flipV="1">
-            <a:off x="1343025" y="13639161"/>
-            <a:ext cx="442517" cy="643"/>
-          </a:xfrm>
-          <a:prstGeom prst="straightConnector1">
-            <a:avLst/>
-          </a:prstGeom>
-          <a:ln w="28575">
-            <a:solidFill>
-              <a:srgbClr val="2F3EEA"/>
-            </a:solidFill>
-            <a:tailEnd type="triangle"/>
-          </a:ln>
-        </p:spPr>
-        <p:style>
-          <a:lnRef idx="1">
-            <a:schemeClr val="accent1"/>
-          </a:lnRef>
-          <a:fillRef idx="0">
-            <a:schemeClr val="accent1"/>
-          </a:fillRef>
-          <a:effectRef idx="0">
-            <a:schemeClr val="accent1"/>
-          </a:effectRef>
-          <a:fontRef idx="minor">
-            <a:schemeClr val="tx1"/>
-          </a:fontRef>
-        </p:style>
-      </p:cxnSp>
-      <p:sp>
-        <p:nvSpPr>
-          <p:cNvPr id="7" name="TextBox 6">
-            <a:extLst>
-              <a:ext uri="{FF2B5EF4-FFF2-40B4-BE49-F238E27FC236}">
-                <a16:creationId xmlns="" xmlns:a16="http://schemas.microsoft.com/office/drawing/2014/main" id="{6C496DF2-7979-46AE-9BF9-316CE5C9FBB0}"/>
+                <a16:creationId xmlns:a16="http://schemas.microsoft.com/office/drawing/2014/main" id="{555DBE74-403C-4246-B0C1-4F2AAF162AFF}"/>
               </a:ext>
             </a:extLst>
           </p:cNvPr>
@@ -4816,8 +4159,8 @@
         </p:nvSpPr>
         <p:spPr>
           <a:xfrm>
-            <a:off x="111934" y="13299768"/>
-            <a:ext cx="1505869" cy="646331"/>
+            <a:off x="229641" y="5032193"/>
+            <a:ext cx="12466451" cy="4231928"/>
           </a:xfrm>
           <a:prstGeom prst="rect">
             <a:avLst/>
@@ -4833,559 +4176,164 @@
           </a:bodyPr>
           <a:lstStyle/>
           <a:p>
-            <a:r>
-              <a:rPr lang="en-GB" dirty="0">
+            <a:pPr marL="285750" indent="-285750">
+              <a:spcAft>
+                <a:spcPts val="100"/>
+              </a:spcAft>
+              <a:buFont typeface="Arial"/>
+              <a:buChar char="•"/>
+            </a:pPr>
+            <a:r>
+              <a:rPr lang="en-US" sz="2400" b="0" i="0" u="none" strike="noStrike" dirty="0">
+                <a:solidFill>
+                  <a:srgbClr val="000000"/>
+                </a:solidFill>
+                <a:effectLst/>
                 <a:latin typeface="Arial" panose="020B0604020202020204" pitchFamily="34" charset="0"/>
-                <a:cs typeface="Arial" panose="020B0604020202020204" pitchFamily="34" charset="0"/>
               </a:rPr>
-              <a:t>Amino acid sequence</a:t>
-            </a:r>
-            <a:endParaRPr lang="en-US" dirty="0">
+              <a:t>Recent advances within biological sequencing and deep learning methods have made it possible to investigate key interactions of the immune system computationally.</a:t>
+            </a:r>
+          </a:p>
+          <a:p>
+            <a:pPr>
+              <a:spcAft>
+                <a:spcPts val="100"/>
+              </a:spcAft>
+            </a:pPr>
+            <a:endParaRPr lang="en-US" sz="2400" b="0" i="0" u="none" strike="noStrike" dirty="0">
+              <a:solidFill>
+                <a:srgbClr val="000000"/>
+              </a:solidFill>
+              <a:effectLst/>
+              <a:latin typeface="Arial" panose="020B0604020202020204" pitchFamily="34" charset="0"/>
+            </a:endParaRPr>
+          </a:p>
+          <a:p>
+            <a:pPr marL="285750" indent="-285750">
+              <a:spcAft>
+                <a:spcPts val="100"/>
+              </a:spcAft>
+              <a:buFont typeface="Arial"/>
+              <a:buChar char="•"/>
+            </a:pPr>
+            <a:r>
+              <a:rPr lang="en-US" sz="2400" b="0" i="0" u="none" strike="noStrike" dirty="0">
+                <a:solidFill>
+                  <a:srgbClr val="000000"/>
+                </a:solidFill>
+                <a:effectLst/>
+                <a:latin typeface="Arial" panose="020B0604020202020204" pitchFamily="34" charset="0"/>
+              </a:rPr>
+              <a:t>The adaptive immune system is a key element for fighting diseases and the T-cells are responsible for cell-mediated immune response via their surface T-cell receptors  (TCR).</a:t>
+            </a:r>
+          </a:p>
+          <a:p>
+            <a:pPr>
+              <a:spcAft>
+                <a:spcPts val="100"/>
+              </a:spcAft>
+            </a:pPr>
+            <a:endParaRPr lang="en-US" sz="2400" b="0" i="0" u="none" strike="noStrike" dirty="0">
+              <a:solidFill>
+                <a:srgbClr val="000000"/>
+              </a:solidFill>
+              <a:effectLst/>
+              <a:latin typeface="Arial" panose="020B0604020202020204" pitchFamily="34" charset="0"/>
+            </a:endParaRPr>
+          </a:p>
+          <a:p>
+            <a:pPr marL="285750" indent="-285750">
+              <a:spcAft>
+                <a:spcPts val="100"/>
+              </a:spcAft>
+              <a:buFont typeface="Arial"/>
+              <a:buChar char="•"/>
+            </a:pPr>
+            <a:r>
+              <a:rPr lang="en-US" sz="2400" b="0" i="0" u="none" strike="noStrike" dirty="0">
+                <a:solidFill>
+                  <a:srgbClr val="000000"/>
+                </a:solidFill>
+                <a:effectLst/>
+                <a:latin typeface="Arial" panose="020B0604020202020204" pitchFamily="34" charset="0"/>
+              </a:rPr>
+              <a:t>TCRs bind to peptide-Major Histocompatibility Complexes (</a:t>
+            </a:r>
+            <a:r>
+              <a:rPr lang="en-US" sz="2400" b="0" i="0" u="none" strike="noStrike" dirty="0" err="1">
+                <a:solidFill>
+                  <a:srgbClr val="000000"/>
+                </a:solidFill>
+                <a:effectLst/>
+                <a:latin typeface="Arial" panose="020B0604020202020204" pitchFamily="34" charset="0"/>
+              </a:rPr>
+              <a:t>pMHC</a:t>
+            </a:r>
+            <a:r>
+              <a:rPr lang="en-US" sz="2400" b="0" i="0" u="none" strike="noStrike" dirty="0">
+                <a:solidFill>
+                  <a:srgbClr val="000000"/>
+                </a:solidFill>
+                <a:effectLst/>
+                <a:latin typeface="Arial" panose="020B0604020202020204" pitchFamily="34" charset="0"/>
+              </a:rPr>
+              <a:t>) to form a complex that triggers an immune response.</a:t>
+            </a:r>
+          </a:p>
+          <a:p>
+            <a:pPr>
+              <a:spcAft>
+                <a:spcPts val="100"/>
+              </a:spcAft>
+            </a:pPr>
+            <a:endParaRPr lang="en-GB" sz="2400" b="1" dirty="0">
               <a:latin typeface="Arial" panose="020B0604020202020204" pitchFamily="34" charset="0"/>
               <a:cs typeface="Arial" panose="020B0604020202020204" pitchFamily="34" charset="0"/>
             </a:endParaRPr>
           </a:p>
-        </p:txBody>
-      </p:sp>
-      <p:cxnSp>
-        <p:nvCxnSpPr>
-          <p:cNvPr id="22" name="Straight Arrow Connector 21">
-            <a:extLst>
-              <a:ext uri="{FF2B5EF4-FFF2-40B4-BE49-F238E27FC236}">
-                <a16:creationId xmlns="" xmlns:a16="http://schemas.microsoft.com/office/drawing/2014/main" id="{D4F35B77-8D7C-46D2-872E-A831E3C3DC00}"/>
-              </a:ext>
-            </a:extLst>
-          </p:cNvPr>
-          <p:cNvCxnSpPr>
-            <a:cxnSpLocks/>
-          </p:cNvCxnSpPr>
-          <p:nvPr/>
-        </p:nvCxnSpPr>
-        <p:spPr>
-          <a:xfrm>
-            <a:off x="6032044" y="12378009"/>
-            <a:ext cx="1534536" cy="1356"/>
-          </a:xfrm>
-          <a:prstGeom prst="straightConnector1">
-            <a:avLst/>
-          </a:prstGeom>
-          <a:ln w="28575">
-            <a:solidFill>
-              <a:srgbClr val="2F3EEA"/>
-            </a:solidFill>
-            <a:tailEnd type="triangle"/>
-          </a:ln>
-        </p:spPr>
-        <p:style>
-          <a:lnRef idx="1">
-            <a:schemeClr val="accent1"/>
-          </a:lnRef>
-          <a:fillRef idx="0">
-            <a:schemeClr val="accent1"/>
-          </a:fillRef>
-          <a:effectRef idx="0">
-            <a:schemeClr val="accent1"/>
-          </a:effectRef>
-          <a:fontRef idx="minor">
-            <a:schemeClr val="tx1"/>
-          </a:fontRef>
-        </p:style>
-      </p:cxnSp>
-      <p:cxnSp>
-        <p:nvCxnSpPr>
-          <p:cNvPr id="23" name="Straight Arrow Connector 22">
-            <a:extLst>
-              <a:ext uri="{FF2B5EF4-FFF2-40B4-BE49-F238E27FC236}">
-                <a16:creationId xmlns="" xmlns:a16="http://schemas.microsoft.com/office/drawing/2014/main" id="{4A3A8525-500B-468B-B048-01FC4E6A6543}"/>
-              </a:ext>
-            </a:extLst>
-          </p:cNvPr>
-          <p:cNvCxnSpPr>
-            <a:cxnSpLocks/>
-          </p:cNvCxnSpPr>
-          <p:nvPr/>
-        </p:nvCxnSpPr>
-        <p:spPr>
-          <a:xfrm>
-            <a:off x="8399405" y="12384382"/>
-            <a:ext cx="639596" cy="0"/>
-          </a:xfrm>
-          <a:prstGeom prst="straightConnector1">
-            <a:avLst/>
-          </a:prstGeom>
-          <a:ln w="28575">
-            <a:solidFill>
-              <a:srgbClr val="2F3EEA"/>
-            </a:solidFill>
-            <a:tailEnd type="triangle"/>
-          </a:ln>
-        </p:spPr>
-        <p:style>
-          <a:lnRef idx="1">
-            <a:schemeClr val="accent1"/>
-          </a:lnRef>
-          <a:fillRef idx="0">
-            <a:schemeClr val="accent1"/>
-          </a:fillRef>
-          <a:effectRef idx="0">
-            <a:schemeClr val="accent1"/>
-          </a:effectRef>
-          <a:fontRef idx="minor">
-            <a:schemeClr val="tx1"/>
-          </a:fontRef>
-        </p:style>
-      </p:cxnSp>
-      <p:sp>
-        <p:nvSpPr>
-          <p:cNvPr id="26" name="TextBox 25">
-            <a:extLst>
-              <a:ext uri="{FF2B5EF4-FFF2-40B4-BE49-F238E27FC236}">
-                <a16:creationId xmlns="" xmlns:a16="http://schemas.microsoft.com/office/drawing/2014/main" id="{6C4FD808-A6A2-4EE6-B3AF-F78DBF30AC35}"/>
-              </a:ext>
-            </a:extLst>
-          </p:cNvPr>
-          <p:cNvSpPr txBox="1"/>
-          <p:nvPr/>
-        </p:nvSpPr>
-        <p:spPr>
-          <a:xfrm>
-            <a:off x="4722963" y="12047153"/>
-            <a:ext cx="1505869" cy="646331"/>
-          </a:xfrm>
-          <a:prstGeom prst="rect">
-            <a:avLst/>
-          </a:prstGeom>
-          <a:noFill/>
-        </p:spPr>
-        <p:txBody>
-          <a:bodyPr rot="0" spcFirstLastPara="0" vertOverflow="overflow" horzOverflow="overflow" vert="horz" wrap="square" lIns="91440" tIns="45720" rIns="91440" bIns="45720" numCol="1" spcCol="0" rtlCol="0" fromWordArt="0" anchor="t" anchorCtr="0" forceAA="0" compatLnSpc="1">
-            <a:prstTxWarp prst="textNoShape">
-              <a:avLst/>
-            </a:prstTxWarp>
-            <a:spAutoFit/>
-          </a:bodyPr>
-          <a:lstStyle/>
-          <a:p>
-            <a:r>
-              <a:rPr lang="en-GB" dirty="0">
-                <a:latin typeface="Arial" panose="020B0604020202020204" pitchFamily="34" charset="0"/>
-                <a:cs typeface="Arial" panose="020B0604020202020204" pitchFamily="34" charset="0"/>
-              </a:rPr>
-              <a:t>Per-residue energies</a:t>
-            </a:r>
-          </a:p>
-        </p:txBody>
-      </p:sp>
-      <p:sp>
-        <p:nvSpPr>
-          <p:cNvPr id="28" name="TextBox 27">
-            <a:extLst>
-              <a:ext uri="{FF2B5EF4-FFF2-40B4-BE49-F238E27FC236}">
-                <a16:creationId xmlns="" xmlns:a16="http://schemas.microsoft.com/office/drawing/2014/main" id="{194DC676-6DE3-4223-B9F2-8F1AD4FDF034}"/>
-              </a:ext>
-            </a:extLst>
-          </p:cNvPr>
-          <p:cNvSpPr txBox="1"/>
-          <p:nvPr/>
-        </p:nvSpPr>
-        <p:spPr>
-          <a:xfrm>
-            <a:off x="4666491" y="13298412"/>
-            <a:ext cx="1625100" cy="646331"/>
-          </a:xfrm>
-          <a:prstGeom prst="rect">
-            <a:avLst/>
-          </a:prstGeom>
-          <a:noFill/>
-        </p:spPr>
-        <p:txBody>
-          <a:bodyPr rot="0" spcFirstLastPara="0" vertOverflow="overflow" horzOverflow="overflow" vert="horz" wrap="square" lIns="91440" tIns="45720" rIns="91440" bIns="45720" numCol="1" spcCol="0" rtlCol="0" fromWordArt="0" anchor="t" anchorCtr="0" forceAA="0" compatLnSpc="1">
-            <a:prstTxWarp prst="textNoShape">
-              <a:avLst/>
-            </a:prstTxWarp>
-            <a:spAutoFit/>
-          </a:bodyPr>
-          <a:lstStyle/>
-          <a:p>
-            <a:r>
-              <a:rPr lang="en-GB" dirty="0" smtClean="0">
-                <a:latin typeface="Arial" panose="020B0604020202020204" pitchFamily="34" charset="0"/>
-                <a:cs typeface="Arial" panose="020B0604020202020204" pitchFamily="34" charset="0"/>
-              </a:rPr>
-              <a:t>Per-residue embedding</a:t>
-            </a:r>
-            <a:endParaRPr lang="en-GB" dirty="0">
-              <a:latin typeface="Arial" panose="020B0604020202020204" pitchFamily="34" charset="0"/>
-              <a:cs typeface="Arial" panose="020B0604020202020204" pitchFamily="34" charset="0"/>
-            </a:endParaRPr>
-          </a:p>
-        </p:txBody>
-      </p:sp>
-      <p:sp>
-        <p:nvSpPr>
-          <p:cNvPr id="29" name="TextBox 28">
-            <a:extLst>
-              <a:ext uri="{FF2B5EF4-FFF2-40B4-BE49-F238E27FC236}">
-                <a16:creationId xmlns="" xmlns:a16="http://schemas.microsoft.com/office/drawing/2014/main" id="{6845518C-D880-4247-B237-ED013E326AF1}"/>
-              </a:ext>
-            </a:extLst>
-          </p:cNvPr>
-          <p:cNvSpPr txBox="1"/>
-          <p:nvPr/>
-        </p:nvSpPr>
-        <p:spPr>
-          <a:xfrm>
-            <a:off x="8189917" y="11000707"/>
-            <a:ext cx="1308554" cy="646331"/>
-          </a:xfrm>
-          <a:prstGeom prst="rect">
-            <a:avLst/>
-          </a:prstGeom>
-          <a:noFill/>
-        </p:spPr>
-        <p:txBody>
-          <a:bodyPr rot="0" spcFirstLastPara="0" vertOverflow="overflow" horzOverflow="overflow" vert="horz" wrap="square" lIns="91440" tIns="45720" rIns="91440" bIns="45720" numCol="1" spcCol="0" rtlCol="0" fromWordArt="0" anchor="t" anchorCtr="0" forceAA="0" compatLnSpc="1">
-            <a:prstTxWarp prst="textNoShape">
-              <a:avLst/>
-            </a:prstTxWarp>
-            <a:spAutoFit/>
-          </a:bodyPr>
-          <a:lstStyle/>
-          <a:p>
-            <a:r>
-              <a:rPr lang="en-GB" dirty="0">
-                <a:latin typeface="Arial" panose="020B0604020202020204" pitchFamily="34" charset="0"/>
-                <a:cs typeface="Arial" panose="020B0604020202020204" pitchFamily="34" charset="0"/>
-              </a:rPr>
-              <a:t>Global energies</a:t>
-            </a:r>
-          </a:p>
-        </p:txBody>
-      </p:sp>
-      <p:sp>
-        <p:nvSpPr>
-          <p:cNvPr id="38" name="TextBox 37">
-            <a:extLst>
-              <a:ext uri="{FF2B5EF4-FFF2-40B4-BE49-F238E27FC236}">
-                <a16:creationId xmlns="" xmlns:a16="http://schemas.microsoft.com/office/drawing/2014/main" id="{457CF22A-6BB1-4870-A9E0-803F97EF2439}"/>
-              </a:ext>
-            </a:extLst>
-          </p:cNvPr>
-          <p:cNvSpPr txBox="1"/>
-          <p:nvPr/>
-        </p:nvSpPr>
-        <p:spPr>
-          <a:xfrm>
-            <a:off x="12879970" y="11905447"/>
-            <a:ext cx="2346619" cy="646331"/>
-          </a:xfrm>
-          <a:prstGeom prst="rect">
-            <a:avLst/>
-          </a:prstGeom>
-          <a:noFill/>
-        </p:spPr>
-        <p:txBody>
-          <a:bodyPr rot="0" spcFirstLastPara="0" vertOverflow="overflow" horzOverflow="overflow" vert="horz" wrap="square" lIns="91440" tIns="45720" rIns="91440" bIns="45720" numCol="1" spcCol="0" rtlCol="0" fromWordArt="0" anchor="t" anchorCtr="0" forceAA="0" compatLnSpc="1">
-            <a:prstTxWarp prst="textNoShape">
-              <a:avLst/>
-            </a:prstTxWarp>
-            <a:spAutoFit/>
-          </a:bodyPr>
-          <a:lstStyle/>
-          <a:p>
-            <a:r>
-              <a:rPr lang="en-GB" dirty="0">
-                <a:latin typeface="Arial" panose="020B0604020202020204" pitchFamily="34" charset="0"/>
-                <a:cs typeface="Arial" panose="020B0604020202020204" pitchFamily="34" charset="0"/>
-              </a:rPr>
-              <a:t>Output:</a:t>
-            </a:r>
-          </a:p>
-          <a:p>
-            <a:r>
-              <a:rPr lang="en-GB" dirty="0" smtClean="0">
-                <a:latin typeface="Arial" panose="020B0604020202020204" pitchFamily="34" charset="0"/>
-                <a:cs typeface="Arial" panose="020B0604020202020204" pitchFamily="34" charset="0"/>
-              </a:rPr>
-              <a:t>Probability of binding</a:t>
-            </a:r>
-            <a:endParaRPr lang="en-GB" dirty="0">
-              <a:latin typeface="Arial" panose="020B0604020202020204" pitchFamily="34" charset="0"/>
-              <a:cs typeface="Arial" panose="020B0604020202020204" pitchFamily="34" charset="0"/>
-            </a:endParaRPr>
-          </a:p>
-        </p:txBody>
-      </p:sp>
-      <p:sp>
-        <p:nvSpPr>
-          <p:cNvPr id="5" name="TextBox 4">
-            <a:extLst>
-              <a:ext uri="{FF2B5EF4-FFF2-40B4-BE49-F238E27FC236}">
-                <a16:creationId xmlns="" xmlns:a16="http://schemas.microsoft.com/office/drawing/2014/main" id="{555DBE74-403C-4246-B0C1-4F2AAF162AFF}"/>
-              </a:ext>
-            </a:extLst>
-          </p:cNvPr>
-          <p:cNvSpPr txBox="1"/>
-          <p:nvPr/>
-        </p:nvSpPr>
-        <p:spPr>
-          <a:xfrm>
-            <a:off x="598859" y="5589065"/>
-            <a:ext cx="8640392" cy="4647426"/>
-          </a:xfrm>
-          <a:prstGeom prst="rect">
-            <a:avLst/>
-          </a:prstGeom>
-          <a:noFill/>
-        </p:spPr>
-        <p:txBody>
-          <a:bodyPr rot="0" spcFirstLastPara="0" vertOverflow="overflow" horzOverflow="overflow" vert="horz" wrap="square" lIns="91440" tIns="45720" rIns="91440" bIns="45720" numCol="1" spcCol="0" rtlCol="0" fromWordArt="0" anchor="t" anchorCtr="0" forceAA="0" compatLnSpc="1">
-            <a:prstTxWarp prst="textNoShape">
-              <a:avLst/>
-            </a:prstTxWarp>
-            <a:spAutoFit/>
-          </a:bodyPr>
-          <a:lstStyle/>
-          <a:p>
-            <a:pPr marL="285750" indent="-285750">
-              <a:buFont typeface="Arial"/>
-              <a:buChar char="•"/>
+          <a:p>
+            <a:pPr>
+              <a:spcAft>
+                <a:spcPts val="100"/>
+              </a:spcAft>
             </a:pPr>
             <a:r>
-              <a:rPr lang="en-GB" sz="2000" dirty="0">
-                <a:latin typeface="Arial" panose="020B0604020202020204" pitchFamily="34" charset="0"/>
-                <a:cs typeface="Arial" panose="020B0604020202020204" pitchFamily="34" charset="0"/>
-              </a:rPr>
-              <a:t>Adaptive immune system is a key element for fighting diseases</a:t>
-            </a:r>
-          </a:p>
-          <a:p>
-            <a:pPr marL="285750" indent="-285750">
-              <a:buFont typeface="Arial"/>
-              <a:buChar char="•"/>
-            </a:pPr>
-            <a:r>
-              <a:rPr lang="en-GB" sz="2000" dirty="0">
-                <a:latin typeface="Arial" panose="020B0604020202020204" pitchFamily="34" charset="0"/>
-                <a:cs typeface="Arial" panose="020B0604020202020204" pitchFamily="34" charset="0"/>
-              </a:rPr>
-              <a:t>T cells are responsible for cell-mediated immune response</a:t>
-            </a:r>
-          </a:p>
-          <a:p>
-            <a:pPr marL="285750" indent="-285750">
-              <a:buFont typeface="Arial"/>
-              <a:buChar char="•"/>
-            </a:pPr>
-            <a:r>
-              <a:rPr lang="en-GB" sz="2000" dirty="0">
-                <a:latin typeface="Arial" panose="020B0604020202020204" pitchFamily="34" charset="0"/>
-                <a:cs typeface="Arial" panose="020B0604020202020204" pitchFamily="34" charset="0"/>
-              </a:rPr>
-              <a:t>T cell receptors (TCR) bind to </a:t>
-            </a:r>
-            <a:r>
-              <a:rPr lang="en-GB" sz="2000" dirty="0" err="1">
-                <a:latin typeface="Arial" panose="020B0604020202020204" pitchFamily="34" charset="0"/>
-                <a:cs typeface="Arial" panose="020B0604020202020204" pitchFamily="34" charset="0"/>
-              </a:rPr>
-              <a:t>pMHC</a:t>
-            </a:r>
-            <a:r>
-              <a:rPr lang="en-GB" sz="2000" dirty="0">
-                <a:latin typeface="Arial" panose="020B0604020202020204" pitchFamily="34" charset="0"/>
-                <a:cs typeface="Arial" panose="020B0604020202020204" pitchFamily="34" charset="0"/>
-              </a:rPr>
-              <a:t> complexes (protein – Major Histocompatibility Complex) to trigger immune response</a:t>
-            </a:r>
-          </a:p>
-          <a:p>
-            <a:pPr marL="285750" indent="-285750">
-              <a:buFont typeface="Arial"/>
-              <a:buChar char="•"/>
-            </a:pPr>
-            <a:r>
-              <a:rPr lang="en-GB" sz="2000" b="1" dirty="0">
+              <a:rPr lang="en-GB" sz="2400" b="1" dirty="0">
                 <a:latin typeface="Arial" panose="020B0604020202020204" pitchFamily="34" charset="0"/>
                 <a:cs typeface="Arial" panose="020B0604020202020204" pitchFamily="34" charset="0"/>
               </a:rPr>
               <a:t>Problem: </a:t>
             </a:r>
             <a:r>
-              <a:rPr lang="en-GB" sz="2000" dirty="0">
+              <a:rPr lang="en-US" sz="2400" b="0" i="0" u="none" strike="noStrike" dirty="0">
+                <a:solidFill>
+                  <a:srgbClr val="000000"/>
+                </a:solidFill>
+                <a:effectLst/>
                 <a:latin typeface="Arial" panose="020B0604020202020204" pitchFamily="34" charset="0"/>
-                <a:cs typeface="Arial" panose="020B0604020202020204" pitchFamily="34" charset="0"/>
               </a:rPr>
               <a:t>Predict TCR-</a:t>
             </a:r>
             <a:r>
-              <a:rPr lang="en-GB" sz="2000" dirty="0" err="1">
+              <a:rPr lang="en-US" sz="2400" b="0" i="0" u="none" strike="noStrike" dirty="0" err="1">
+                <a:solidFill>
+                  <a:srgbClr val="000000"/>
+                </a:solidFill>
+                <a:effectLst/>
                 <a:latin typeface="Arial" panose="020B0604020202020204" pitchFamily="34" charset="0"/>
-                <a:cs typeface="Arial" panose="020B0604020202020204" pitchFamily="34" charset="0"/>
               </a:rPr>
               <a:t>pMHC</a:t>
             </a:r>
             <a:r>
-              <a:rPr lang="en-GB" sz="2000" dirty="0">
+              <a:rPr lang="en-US" sz="2400" b="0" i="0" u="none" strike="noStrike" dirty="0">
+                <a:solidFill>
+                  <a:srgbClr val="000000"/>
+                </a:solidFill>
+                <a:effectLst/>
                 <a:latin typeface="Arial" panose="020B0604020202020204" pitchFamily="34" charset="0"/>
-                <a:cs typeface="Arial" panose="020B0604020202020204" pitchFamily="34" charset="0"/>
               </a:rPr>
-              <a:t> binding</a:t>
-            </a:r>
-          </a:p>
-          <a:p>
-            <a:pPr marL="285750" indent="-285750">
-              <a:buFont typeface="Arial"/>
-              <a:buChar char="•"/>
-            </a:pPr>
-            <a:r>
-              <a:rPr lang="en-GB" sz="2000" b="1" dirty="0">
-                <a:latin typeface="Arial" panose="020B0604020202020204" pitchFamily="34" charset="0"/>
-                <a:cs typeface="Arial" panose="020B0604020202020204" pitchFamily="34" charset="0"/>
-              </a:rPr>
-              <a:t>Input </a:t>
-            </a:r>
-            <a:r>
-              <a:rPr lang="en-GB" sz="2000" b="1" dirty="0" smtClean="0">
-                <a:latin typeface="Arial" panose="020B0604020202020204" pitchFamily="34" charset="0"/>
-                <a:cs typeface="Arial" panose="020B0604020202020204" pitchFamily="34" charset="0"/>
-              </a:rPr>
-              <a:t>data [1]:</a:t>
-            </a:r>
-            <a:endParaRPr lang="en-GB" sz="2000" dirty="0">
-              <a:latin typeface="Arial" panose="020B0604020202020204" pitchFamily="34" charset="0"/>
-              <a:cs typeface="Arial" panose="020B0604020202020204" pitchFamily="34" charset="0"/>
-            </a:endParaRPr>
-          </a:p>
-          <a:p>
-            <a:pPr marL="742950" lvl="1" indent="-285750">
-              <a:buFont typeface="Arial"/>
-              <a:buChar char="•"/>
-            </a:pPr>
-            <a:r>
-              <a:rPr lang="en-GB" sz="2000" dirty="0">
-                <a:latin typeface="Arial" panose="020B0604020202020204" pitchFamily="34" charset="0"/>
-                <a:cs typeface="Arial" panose="020B0604020202020204" pitchFamily="34" charset="0"/>
-              </a:rPr>
-              <a:t>Protein sequence</a:t>
-            </a:r>
-          </a:p>
-          <a:p>
-            <a:pPr marL="742950" lvl="1" indent="-285750">
-              <a:buFont typeface="Arial"/>
-              <a:buChar char="•"/>
-            </a:pPr>
-            <a:r>
-              <a:rPr lang="en-GB" sz="2000" dirty="0">
-                <a:latin typeface="Arial" panose="020B0604020202020204" pitchFamily="34" charset="0"/>
-                <a:cs typeface="Arial" panose="020B0604020202020204" pitchFamily="34" charset="0"/>
-              </a:rPr>
-              <a:t>Per-residue energy terms</a:t>
-            </a:r>
-          </a:p>
-          <a:p>
-            <a:pPr marL="742950" lvl="1" indent="-285750">
-              <a:buFont typeface="Arial"/>
-              <a:buChar char="•"/>
-            </a:pPr>
-            <a:r>
-              <a:rPr lang="en-GB" sz="2000" dirty="0">
-                <a:latin typeface="Arial" panose="020B0604020202020204" pitchFamily="34" charset="0"/>
-                <a:cs typeface="Arial" panose="020B0604020202020204" pitchFamily="34" charset="0"/>
-              </a:rPr>
-              <a:t>Global energy </a:t>
-            </a:r>
-            <a:r>
-              <a:rPr lang="en-GB" sz="2000" dirty="0" smtClean="0">
-                <a:latin typeface="Arial" panose="020B0604020202020204" pitchFamily="34" charset="0"/>
-                <a:cs typeface="Arial" panose="020B0604020202020204" pitchFamily="34" charset="0"/>
-              </a:rPr>
-              <a:t>term</a:t>
-            </a:r>
-            <a:endParaRPr lang="en-GB" sz="2000" dirty="0">
-              <a:latin typeface="Arial" panose="020B0604020202020204" pitchFamily="34" charset="0"/>
-              <a:cs typeface="Arial" panose="020B0604020202020204" pitchFamily="34" charset="0"/>
-            </a:endParaRPr>
-          </a:p>
-          <a:p>
-            <a:pPr marL="285750" indent="-285750">
-              <a:buFont typeface="Arial"/>
-              <a:buChar char="•"/>
-            </a:pPr>
-            <a:r>
-              <a:rPr lang="en-GB" sz="2000" b="1" dirty="0">
-                <a:latin typeface="Arial" panose="020B0604020202020204" pitchFamily="34" charset="0"/>
-                <a:cs typeface="Arial" panose="020B0604020202020204" pitchFamily="34" charset="0"/>
-              </a:rPr>
-              <a:t>Input dimensions:</a:t>
-            </a:r>
-            <a:endParaRPr lang="en-GB" sz="2000" dirty="0">
-              <a:latin typeface="Arial" panose="020B0604020202020204" pitchFamily="34" charset="0"/>
-              <a:cs typeface="Arial" panose="020B0604020202020204" pitchFamily="34" charset="0"/>
-            </a:endParaRPr>
-          </a:p>
-          <a:p>
-            <a:pPr marL="742950" lvl="1" indent="-285750">
-              <a:buFont typeface="Arial"/>
-              <a:buChar char="•"/>
-            </a:pPr>
-            <a:r>
-              <a:rPr lang="en-GB" sz="2000" dirty="0">
-                <a:latin typeface="Arial" panose="020B0604020202020204" pitchFamily="34" charset="0"/>
-                <a:cs typeface="Arial" panose="020B0604020202020204" pitchFamily="34" charset="0"/>
-              </a:rPr>
-              <a:t>x observations</a:t>
-            </a:r>
-            <a:endParaRPr lang="en-GB" sz="2000" b="1" dirty="0">
-              <a:latin typeface="Arial" panose="020B0604020202020204" pitchFamily="34" charset="0"/>
-              <a:cs typeface="Arial" panose="020B0604020202020204" pitchFamily="34" charset="0"/>
-            </a:endParaRPr>
-          </a:p>
-          <a:p>
-            <a:pPr marL="742950" lvl="1" indent="-285750">
-              <a:buFont typeface="Arial"/>
-              <a:buChar char="•"/>
-            </a:pPr>
-            <a:r>
-              <a:rPr lang="en-GB" sz="2000" dirty="0">
-                <a:latin typeface="Arial" panose="020B0604020202020204" pitchFamily="34" charset="0"/>
-                <a:cs typeface="Arial" panose="020B0604020202020204" pitchFamily="34" charset="0"/>
-              </a:rPr>
-              <a:t>y peptide positions</a:t>
-            </a:r>
-          </a:p>
-          <a:p>
-            <a:pPr marL="742950" lvl="1" indent="-285750">
-              <a:buFont typeface="Arial"/>
-              <a:buChar char="•"/>
-            </a:pPr>
-            <a:r>
-              <a:rPr lang="en-GB" sz="2000" dirty="0">
-                <a:latin typeface="Arial" panose="020B0604020202020204" pitchFamily="34" charset="0"/>
-                <a:cs typeface="Arial" panose="020B0604020202020204" pitchFamily="34" charset="0"/>
-              </a:rPr>
-              <a:t>z channels, including sequence embedding and energy terms</a:t>
-            </a:r>
-          </a:p>
-          <a:p>
-            <a:pPr marL="742950" lvl="1" indent="-285750">
-              <a:buFont typeface="Arial"/>
-              <a:buChar char="•"/>
-            </a:pPr>
-            <a:endParaRPr lang="en-GB" dirty="0">
-              <a:latin typeface="Arial" panose="020B0604020202020204" pitchFamily="34" charset="0"/>
-              <a:cs typeface="Arial" panose="020B0604020202020204" pitchFamily="34" charset="0"/>
-            </a:endParaRPr>
-          </a:p>
-          <a:p>
-            <a:pPr marL="285750" indent="-285750">
-              <a:buFont typeface="Arial"/>
-              <a:buChar char="•"/>
-            </a:pPr>
-            <a:endParaRPr lang="en-GB" dirty="0">
-              <a:latin typeface="Arial" panose="020B0604020202020204" pitchFamily="34" charset="0"/>
-              <a:cs typeface="Arial" panose="020B0604020202020204" pitchFamily="34" charset="0"/>
-            </a:endParaRPr>
+              <a:t> binding using molecular modeling and recurrent neural networks (RNN).</a:t>
+            </a:r>
           </a:p>
         </p:txBody>
       </p:sp>
@@ -5394,7 +4342,7 @@
           <p:cNvPr id="8" name="TextBox 7">
             <a:extLst>
               <a:ext uri="{FF2B5EF4-FFF2-40B4-BE49-F238E27FC236}">
-                <a16:creationId xmlns="" xmlns:a16="http://schemas.microsoft.com/office/drawing/2014/main" id="{BF27FA47-F412-41BA-9674-4AB98ABB11FF}"/>
+                <a16:creationId xmlns:a16="http://schemas.microsoft.com/office/drawing/2014/main" id="{BF27FA47-F412-41BA-9674-4AB98ABB11FF}"/>
               </a:ext>
             </a:extLst>
           </p:cNvPr>
@@ -5421,7 +4369,7 @@
           <a:lstStyle/>
           <a:p>
             <a:r>
-              <a:rPr lang="en-US" dirty="0" smtClean="0">
+              <a:rPr lang="en-US" dirty="0">
                 <a:latin typeface="Arial" panose="020B0604020202020204" pitchFamily="34" charset="0"/>
                 <a:ea typeface="+mn-lt"/>
                 <a:cs typeface="Arial" panose="020B0604020202020204" pitchFamily="34" charset="0"/>
@@ -5429,7 +4377,7 @@
               <a:t>[1] Magnus H. </a:t>
             </a:r>
             <a:r>
-              <a:rPr lang="en-US" dirty="0" err="1" smtClean="0">
+              <a:rPr lang="en-US" dirty="0" err="1">
                 <a:latin typeface="Arial" panose="020B0604020202020204" pitchFamily="34" charset="0"/>
                 <a:ea typeface="+mn-lt"/>
                 <a:cs typeface="Arial" panose="020B0604020202020204" pitchFamily="34" charset="0"/>
@@ -5437,7 +4385,7 @@
               <a:t>Høie</a:t>
             </a:r>
             <a:r>
-              <a:rPr lang="en-US" dirty="0" smtClean="0">
+              <a:rPr lang="en-US" dirty="0">
                 <a:latin typeface="Arial" panose="020B0604020202020204" pitchFamily="34" charset="0"/>
                 <a:ea typeface="+mn-lt"/>
                 <a:cs typeface="Arial" panose="020B0604020202020204" pitchFamily="34" charset="0"/>
@@ -5445,7 +4393,7 @@
               <a:t>. (2021). T-cell binding prediction challenge (TCR-</a:t>
             </a:r>
             <a:r>
-              <a:rPr lang="en-US" dirty="0" err="1" smtClean="0">
+              <a:rPr lang="en-US" dirty="0" err="1">
                 <a:latin typeface="Arial" panose="020B0604020202020204" pitchFamily="34" charset="0"/>
                 <a:ea typeface="+mn-lt"/>
                 <a:cs typeface="Arial" panose="020B0604020202020204" pitchFamily="34" charset="0"/>
@@ -5453,7 +4401,7 @@
               <a:t>pMHC</a:t>
             </a:r>
             <a:r>
-              <a:rPr lang="en-US" dirty="0" smtClean="0">
+              <a:rPr lang="en-US" dirty="0">
                 <a:latin typeface="Arial" panose="020B0604020202020204" pitchFamily="34" charset="0"/>
                 <a:ea typeface="+mn-lt"/>
                 <a:cs typeface="Arial" panose="020B0604020202020204" pitchFamily="34" charset="0"/>
@@ -5461,7 +4409,7 @@
               <a:t>). </a:t>
             </a:r>
             <a:r>
-              <a:rPr lang="en-US" dirty="0" err="1" smtClean="0">
+              <a:rPr lang="en-US" dirty="0" err="1">
                 <a:latin typeface="Arial" panose="020B0604020202020204" pitchFamily="34" charset="0"/>
                 <a:ea typeface="+mn-lt"/>
                 <a:cs typeface="Arial" panose="020B0604020202020204" pitchFamily="34" charset="0"/>
@@ -5469,7 +4417,7 @@
               <a:t>Github</a:t>
             </a:r>
             <a:r>
-              <a:rPr lang="en-US" dirty="0" smtClean="0">
+              <a:rPr lang="en-US" dirty="0">
                 <a:latin typeface="Arial" panose="020B0604020202020204" pitchFamily="34" charset="0"/>
                 <a:ea typeface="+mn-lt"/>
                 <a:cs typeface="Arial" panose="020B0604020202020204" pitchFamily="34" charset="0"/>
@@ -5479,7 +4427,7 @@
           </a:p>
           <a:p>
             <a:r>
-              <a:rPr lang="en-US" dirty="0" smtClean="0">
+              <a:rPr lang="en-US" dirty="0">
                 <a:latin typeface="Arial" panose="020B0604020202020204" pitchFamily="34" charset="0"/>
                 <a:ea typeface="+mn-lt"/>
                 <a:cs typeface="Arial" panose="020B0604020202020204" pitchFamily="34" charset="0"/>
@@ -5487,7 +4435,7 @@
               <a:t>[2] Ida Kristine </a:t>
             </a:r>
             <a:r>
-              <a:rPr lang="en-US" dirty="0" err="1" smtClean="0">
+              <a:rPr lang="en-US" dirty="0" err="1">
                 <a:latin typeface="Arial" panose="020B0604020202020204" pitchFamily="34" charset="0"/>
                 <a:ea typeface="+mn-lt"/>
                 <a:cs typeface="Arial" panose="020B0604020202020204" pitchFamily="34" charset="0"/>
@@ -5495,7 +4443,7 @@
               <a:t>Sandford</a:t>
             </a:r>
             <a:r>
-              <a:rPr lang="en-US" dirty="0" smtClean="0">
+              <a:rPr lang="en-US" dirty="0">
                 <a:latin typeface="Arial" panose="020B0604020202020204" pitchFamily="34" charset="0"/>
                 <a:ea typeface="+mn-lt"/>
                 <a:cs typeface="Arial" panose="020B0604020202020204" pitchFamily="34" charset="0"/>
@@ -5503,7 +4451,7 @@
               <a:t> </a:t>
             </a:r>
             <a:r>
-              <a:rPr lang="en-US" dirty="0" err="1" smtClean="0">
+              <a:rPr lang="en-US" dirty="0" err="1">
                 <a:latin typeface="Arial" panose="020B0604020202020204" pitchFamily="34" charset="0"/>
                 <a:ea typeface="+mn-lt"/>
                 <a:cs typeface="Arial" panose="020B0604020202020204" pitchFamily="34" charset="0"/>
@@ -5511,39 +4459,32 @@
               <a:t>Meitil</a:t>
             </a:r>
             <a:r>
-              <a:rPr lang="en-US" dirty="0" smtClean="0">
+              <a:rPr lang="en-US" dirty="0">
                 <a:latin typeface="Arial" panose="020B0604020202020204" pitchFamily="34" charset="0"/>
                 <a:ea typeface="+mn-lt"/>
                 <a:cs typeface="Arial" panose="020B0604020202020204" pitchFamily="34" charset="0"/>
               </a:rPr>
               <a:t>. (2021). Using deep learning for improving TCR homology modeling and its application to immunogenicity prediction [Master’s Thesis, DTU]</a:t>
             </a:r>
-            <a:endParaRPr lang="en-US" dirty="0" smtClean="0">
+            <a:endParaRPr lang="en-US" dirty="0">
               <a:latin typeface="Arial" panose="020B0604020202020204" pitchFamily="34" charset="0"/>
               <a:cs typeface="Arial" panose="020B0604020202020204" pitchFamily="34" charset="0"/>
             </a:endParaRPr>
           </a:p>
           <a:p>
             <a:r>
-              <a:rPr lang="en-US" dirty="0" smtClean="0">
+              <a:rPr lang="en-US" dirty="0">
                 <a:latin typeface="Arial" panose="020B0604020202020204" pitchFamily="34" charset="0"/>
                 <a:cs typeface="Arial" panose="020B0604020202020204" pitchFamily="34" charset="0"/>
               </a:rPr>
               <a:t>[3] Rives, A. et al. (2021). Biological structure and function emerge from scaling unsupervised learning to 250 million protein sequences</a:t>
             </a:r>
             <a:r>
-              <a:rPr lang="en-US" i="1" dirty="0" smtClean="0">
+              <a:rPr lang="en-US" i="1" dirty="0">
                 <a:latin typeface="Arial" panose="020B0604020202020204" pitchFamily="34" charset="0"/>
                 <a:cs typeface="Arial" panose="020B0604020202020204" pitchFamily="34" charset="0"/>
               </a:rPr>
               <a:t>. Proceedings of the National Academy of Sciences, 118(15).</a:t>
-            </a:r>
-            <a:r>
-              <a:rPr lang="en-US" i="1" dirty="0">
-                <a:latin typeface="Arial" panose="020B0604020202020204" pitchFamily="34" charset="0"/>
-                <a:cs typeface="Arial" panose="020B0604020202020204" pitchFamily="34" charset="0"/>
-              </a:rPr>
-              <a:t/>
             </a:r>
             <a:br>
               <a:rPr lang="en-US" i="1" dirty="0">
@@ -5563,7 +4504,7 @@
           <p:cNvPr id="39" name="Round Same Side Corner Rectangle 137">
             <a:extLst>
               <a:ext uri="{FF2B5EF4-FFF2-40B4-BE49-F238E27FC236}">
-                <a16:creationId xmlns="" xmlns:a16="http://schemas.microsoft.com/office/drawing/2014/main" id="{E416DD2D-00A9-4581-8B16-BB3C03226A4A}"/>
+                <a16:creationId xmlns:a16="http://schemas.microsoft.com/office/drawing/2014/main" id="{E416DD2D-00A9-4581-8B16-BB3C03226A4A}"/>
               </a:ext>
             </a:extLst>
           </p:cNvPr>
@@ -5572,7 +4513,7 @@
         </p:nvSpPr>
         <p:spPr>
           <a:xfrm>
-            <a:off x="251020" y="28293950"/>
+            <a:off x="251020" y="28454316"/>
             <a:ext cx="20880000" cy="540000"/>
           </a:xfrm>
           <a:prstGeom prst="round2SameRect">
@@ -5622,338 +4563,12 @@
           </a:p>
         </p:txBody>
       </p:sp>
-      <p:cxnSp>
-        <p:nvCxnSpPr>
-          <p:cNvPr id="41" name="Straight Arrow Connector 5">
-            <a:extLst>
-              <a:ext uri="{FF2B5EF4-FFF2-40B4-BE49-F238E27FC236}">
-                <a16:creationId xmlns="" xmlns:a16="http://schemas.microsoft.com/office/drawing/2014/main" id="{4BC5C381-EF6A-472E-B50A-6D5600D1C737}"/>
-              </a:ext>
-            </a:extLst>
-          </p:cNvPr>
-          <p:cNvCxnSpPr>
-            <a:stCxn id="19" idx="3"/>
-          </p:cNvCxnSpPr>
-          <p:nvPr/>
-        </p:nvCxnSpPr>
-        <p:spPr>
-          <a:xfrm flipV="1">
-            <a:off x="4273584" y="13639804"/>
-            <a:ext cx="398002" cy="6919"/>
-          </a:xfrm>
-          <a:prstGeom prst="straightConnector1">
-            <a:avLst/>
-          </a:prstGeom>
-          <a:ln w="28575">
-            <a:solidFill>
-              <a:srgbClr val="2F3EEA"/>
-            </a:solidFill>
-            <a:tailEnd type="triangle"/>
-          </a:ln>
-        </p:spPr>
-        <p:style>
-          <a:lnRef idx="1">
-            <a:schemeClr val="accent1"/>
-          </a:lnRef>
-          <a:fillRef idx="0">
-            <a:schemeClr val="accent1"/>
-          </a:fillRef>
-          <a:effectRef idx="0">
-            <a:schemeClr val="accent1"/>
-          </a:effectRef>
-          <a:fontRef idx="minor">
-            <a:schemeClr val="tx1"/>
-          </a:fontRef>
-        </p:style>
-      </p:cxnSp>
-      <p:cxnSp>
-        <p:nvCxnSpPr>
-          <p:cNvPr id="42" name="Straight Arrow Connector 5">
-            <a:extLst>
-              <a:ext uri="{FF2B5EF4-FFF2-40B4-BE49-F238E27FC236}">
-                <a16:creationId xmlns="" xmlns:a16="http://schemas.microsoft.com/office/drawing/2014/main" id="{4BC5C381-EF6A-472E-B50A-6D5600D1C737}"/>
-              </a:ext>
-            </a:extLst>
-          </p:cNvPr>
-          <p:cNvCxnSpPr/>
-          <p:nvPr/>
-        </p:nvCxnSpPr>
-        <p:spPr>
-          <a:xfrm>
-            <a:off x="5964657" y="13641887"/>
-            <a:ext cx="564304" cy="0"/>
-          </a:xfrm>
-          <a:prstGeom prst="straightConnector1">
-            <a:avLst/>
-          </a:prstGeom>
-          <a:ln w="28575">
-            <a:solidFill>
-              <a:srgbClr val="2F3EEA"/>
-            </a:solidFill>
-            <a:tailEnd type="triangle"/>
-          </a:ln>
-        </p:spPr>
-        <p:style>
-          <a:lnRef idx="1">
-            <a:schemeClr val="accent1"/>
-          </a:lnRef>
-          <a:fillRef idx="0">
-            <a:schemeClr val="accent1"/>
-          </a:fillRef>
-          <a:effectRef idx="0">
-            <a:schemeClr val="accent1"/>
-          </a:effectRef>
-          <a:fontRef idx="minor">
-            <a:schemeClr val="tx1"/>
-          </a:fontRef>
-        </p:style>
-      </p:cxnSp>
-      <p:sp>
-        <p:nvSpPr>
-          <p:cNvPr id="43" name="Rectangle 42">
-            <a:extLst>
-              <a:ext uri="{FF2B5EF4-FFF2-40B4-BE49-F238E27FC236}">
-                <a16:creationId xmlns="" xmlns:a16="http://schemas.microsoft.com/office/drawing/2014/main" id="{7E83F05A-E681-4C38-B5BA-7833319671E3}"/>
-              </a:ext>
-            </a:extLst>
-          </p:cNvPr>
-          <p:cNvSpPr/>
-          <p:nvPr/>
-        </p:nvSpPr>
-        <p:spPr>
-          <a:xfrm>
-            <a:off x="6533959" y="13299768"/>
-            <a:ext cx="801860" cy="697513"/>
-          </a:xfrm>
-          <a:prstGeom prst="rect">
-            <a:avLst/>
-          </a:prstGeom>
-          <a:solidFill>
-            <a:schemeClr val="bg1"/>
-          </a:solidFill>
-          <a:ln w="28575">
-            <a:solidFill>
-              <a:srgbClr val="2F3EEA"/>
-            </a:solidFill>
-          </a:ln>
-        </p:spPr>
-        <p:style>
-          <a:lnRef idx="2">
-            <a:schemeClr val="accent1">
-              <a:shade val="50000"/>
-            </a:schemeClr>
-          </a:lnRef>
-          <a:fillRef idx="1">
-            <a:schemeClr val="accent1"/>
-          </a:fillRef>
-          <a:effectRef idx="0">
-            <a:schemeClr val="accent1"/>
-          </a:effectRef>
-          <a:fontRef idx="minor">
-            <a:schemeClr val="lt1"/>
-          </a:fontRef>
-        </p:style>
-        <p:txBody>
-          <a:bodyPr lIns="91440" tIns="45720" rIns="91440" bIns="45720" rtlCol="0" anchor="ctr"/>
-          <a:lstStyle/>
-          <a:p>
-            <a:pPr algn="ctr"/>
-            <a:r>
-              <a:rPr lang="en-US" dirty="0" smtClean="0">
-                <a:solidFill>
-                  <a:schemeClr val="tx1"/>
-                </a:solidFill>
-                <a:latin typeface="Arial" panose="020B0604020202020204" pitchFamily="34" charset="0"/>
-                <a:cs typeface="Arial" panose="020B0604020202020204" pitchFamily="34" charset="0"/>
-              </a:rPr>
-              <a:t>PCA</a:t>
-            </a:r>
-            <a:endParaRPr lang="en-US" dirty="0">
-              <a:solidFill>
-                <a:schemeClr val="tx1"/>
-              </a:solidFill>
-              <a:latin typeface="Arial" panose="020B0604020202020204" pitchFamily="34" charset="0"/>
-              <a:cs typeface="Arial" panose="020B0604020202020204" pitchFamily="34" charset="0"/>
-            </a:endParaRPr>
-          </a:p>
-        </p:txBody>
-      </p:sp>
-      <p:cxnSp>
-        <p:nvCxnSpPr>
-          <p:cNvPr id="46" name="Straight Arrow Connector 30">
-            <a:extLst>
-              <a:ext uri="{FF2B5EF4-FFF2-40B4-BE49-F238E27FC236}">
-                <a16:creationId xmlns="" xmlns:a16="http://schemas.microsoft.com/office/drawing/2014/main" id="{72A3FFE5-F991-423A-85A9-7571FF68D620}"/>
-              </a:ext>
-            </a:extLst>
-          </p:cNvPr>
-          <p:cNvCxnSpPr/>
-          <p:nvPr/>
-        </p:nvCxnSpPr>
-        <p:spPr>
-          <a:xfrm flipV="1">
-            <a:off x="6925364" y="12379364"/>
-            <a:ext cx="0" cy="919049"/>
-          </a:xfrm>
-          <a:prstGeom prst="straightConnector1">
-            <a:avLst/>
-          </a:prstGeom>
-          <a:ln w="28575">
-            <a:solidFill>
-              <a:srgbClr val="2F3EEA"/>
-            </a:solidFill>
-          </a:ln>
-        </p:spPr>
-        <p:style>
-          <a:lnRef idx="1">
-            <a:schemeClr val="accent1"/>
-          </a:lnRef>
-          <a:fillRef idx="0">
-            <a:schemeClr val="accent1"/>
-          </a:fillRef>
-          <a:effectRef idx="0">
-            <a:schemeClr val="accent1"/>
-          </a:effectRef>
-          <a:fontRef idx="minor">
-            <a:schemeClr val="tx1"/>
-          </a:fontRef>
-        </p:style>
-      </p:cxnSp>
-      <p:cxnSp>
-        <p:nvCxnSpPr>
-          <p:cNvPr id="56" name="Straight Arrow Connector 22">
-            <a:extLst>
-              <a:ext uri="{FF2B5EF4-FFF2-40B4-BE49-F238E27FC236}">
-                <a16:creationId xmlns="" xmlns:a16="http://schemas.microsoft.com/office/drawing/2014/main" id="{4A3A8525-500B-468B-B048-01FC4E6A6543}"/>
-              </a:ext>
-            </a:extLst>
-          </p:cNvPr>
-          <p:cNvCxnSpPr>
-            <a:cxnSpLocks/>
-          </p:cNvCxnSpPr>
-          <p:nvPr/>
-        </p:nvCxnSpPr>
-        <p:spPr>
-          <a:xfrm>
-            <a:off x="10693970" y="12384382"/>
-            <a:ext cx="639596" cy="0"/>
-          </a:xfrm>
-          <a:prstGeom prst="straightConnector1">
-            <a:avLst/>
-          </a:prstGeom>
-          <a:ln w="28575">
-            <a:solidFill>
-              <a:srgbClr val="2F3EEA"/>
-            </a:solidFill>
-            <a:tailEnd type="triangle"/>
-          </a:ln>
-        </p:spPr>
-        <p:style>
-          <a:lnRef idx="1">
-            <a:schemeClr val="accent1"/>
-          </a:lnRef>
-          <a:fillRef idx="0">
-            <a:schemeClr val="accent1"/>
-          </a:fillRef>
-          <a:effectRef idx="0">
-            <a:schemeClr val="accent1"/>
-          </a:effectRef>
-          <a:fontRef idx="minor">
-            <a:schemeClr val="tx1"/>
-          </a:fontRef>
-        </p:style>
-      </p:cxnSp>
-      <p:cxnSp>
-        <p:nvCxnSpPr>
-          <p:cNvPr id="57" name="Straight Arrow Connector 22">
-            <a:extLst>
-              <a:ext uri="{FF2B5EF4-FFF2-40B4-BE49-F238E27FC236}">
-                <a16:creationId xmlns="" xmlns:a16="http://schemas.microsoft.com/office/drawing/2014/main" id="{4A3A8525-500B-468B-B048-01FC4E6A6543}"/>
-              </a:ext>
-            </a:extLst>
-          </p:cNvPr>
-          <p:cNvCxnSpPr>
-            <a:cxnSpLocks/>
-          </p:cNvCxnSpPr>
-          <p:nvPr/>
-        </p:nvCxnSpPr>
-        <p:spPr>
-          <a:xfrm>
-            <a:off x="12232926" y="12381157"/>
-            <a:ext cx="639596" cy="0"/>
-          </a:xfrm>
-          <a:prstGeom prst="straightConnector1">
-            <a:avLst/>
-          </a:prstGeom>
-          <a:ln w="28575">
-            <a:solidFill>
-              <a:srgbClr val="2F3EEA"/>
-            </a:solidFill>
-            <a:tailEnd type="triangle"/>
-          </a:ln>
-        </p:spPr>
-        <p:style>
-          <a:lnRef idx="1">
-            <a:schemeClr val="accent1"/>
-          </a:lnRef>
-          <a:fillRef idx="0">
-            <a:schemeClr val="accent1"/>
-          </a:fillRef>
-          <a:effectRef idx="0">
-            <a:schemeClr val="accent1"/>
-          </a:effectRef>
-          <a:fontRef idx="minor">
-            <a:schemeClr val="tx1"/>
-          </a:fontRef>
-        </p:style>
-      </p:cxnSp>
-      <p:cxnSp>
-        <p:nvCxnSpPr>
-          <p:cNvPr id="58" name="Straight Arrow Connector 30">
-            <a:extLst>
-              <a:ext uri="{FF2B5EF4-FFF2-40B4-BE49-F238E27FC236}">
-                <a16:creationId xmlns="" xmlns:a16="http://schemas.microsoft.com/office/drawing/2014/main" id="{72A3FFE5-F991-423A-85A9-7571FF68D620}"/>
-              </a:ext>
-            </a:extLst>
-          </p:cNvPr>
-          <p:cNvCxnSpPr/>
-          <p:nvPr/>
-        </p:nvCxnSpPr>
-        <p:spPr>
-          <a:xfrm flipV="1">
-            <a:off x="8671614" y="11647038"/>
-            <a:ext cx="0" cy="737345"/>
-          </a:xfrm>
-          <a:prstGeom prst="straightConnector1">
-            <a:avLst/>
-          </a:prstGeom>
-          <a:ln w="28575">
-            <a:solidFill>
-              <a:srgbClr val="2F3EEA"/>
-            </a:solidFill>
-          </a:ln>
-        </p:spPr>
-        <p:style>
-          <a:lnRef idx="1">
-            <a:schemeClr val="accent1"/>
-          </a:lnRef>
-          <a:fillRef idx="0">
-            <a:schemeClr val="accent1"/>
-          </a:fillRef>
-          <a:effectRef idx="0">
-            <a:schemeClr val="accent1"/>
-          </a:effectRef>
-          <a:fontRef idx="minor">
-            <a:schemeClr val="tx1"/>
-          </a:fontRef>
-        </p:style>
-      </p:cxnSp>
       <p:sp>
         <p:nvSpPr>
           <p:cNvPr id="61" name="TextBox 9">
             <a:extLst>
               <a:ext uri="{FF2B5EF4-FFF2-40B4-BE49-F238E27FC236}">
-                <a16:creationId xmlns="" xmlns:a16="http://schemas.microsoft.com/office/drawing/2014/main" id="{0F50DE13-E128-4F41-B202-B86A9CAA9FC5}"/>
+                <a16:creationId xmlns:a16="http://schemas.microsoft.com/office/drawing/2014/main" id="{0F50DE13-E128-4F41-B202-B86A9CAA9FC5}"/>
               </a:ext>
             </a:extLst>
           </p:cNvPr>
@@ -5980,7 +4595,7 @@
           <a:lstStyle/>
           <a:p>
             <a:r>
-              <a:rPr lang="en-GB" sz="3000" dirty="0" smtClean="0">
+              <a:rPr lang="en-GB" sz="3000" dirty="0">
                 <a:latin typeface="Arial" panose="020B0604020202020204" pitchFamily="34" charset="0"/>
                 <a:cs typeface="Arial" panose="020B0604020202020204" pitchFamily="34" charset="0"/>
               </a:rPr>
@@ -5989,7 +4604,7 @@
           </a:p>
           <a:p>
             <a:r>
-              <a:rPr lang="en-GB" sz="3000" dirty="0" smtClean="0">
+              <a:rPr lang="en-GB" sz="3000" dirty="0">
                 <a:latin typeface="Arial" panose="020B0604020202020204" pitchFamily="34" charset="0"/>
                 <a:cs typeface="Arial" panose="020B0604020202020204" pitchFamily="34" charset="0"/>
               </a:rPr>
@@ -5998,16 +4613,12 @@
           </a:p>
           <a:p>
             <a:r>
-              <a:rPr lang="en-GB" sz="3000" dirty="0" smtClean="0">
+              <a:rPr lang="en-GB" sz="3000" dirty="0">
                 <a:latin typeface="Arial" panose="020B0604020202020204" pitchFamily="34" charset="0"/>
                 <a:cs typeface="Arial" panose="020B0604020202020204" pitchFamily="34" charset="0"/>
               </a:rPr>
               <a:t>AUC plot</a:t>
             </a:r>
-            <a:endParaRPr lang="en-GB" sz="3000" dirty="0">
-              <a:latin typeface="Arial" panose="020B0604020202020204" pitchFamily="34" charset="0"/>
-              <a:cs typeface="Arial" panose="020B0604020202020204" pitchFamily="34" charset="0"/>
-            </a:endParaRPr>
           </a:p>
         </p:txBody>
       </p:sp>
@@ -6033,16 +4644,12 @@
           <a:lstStyle/>
           <a:p>
             <a:r>
-              <a:rPr lang="en-GB" sz="3000" dirty="0" smtClean="0">
+              <a:rPr lang="en-GB" sz="3000" dirty="0">
                 <a:latin typeface="Arial" panose="020B0604020202020204" pitchFamily="34" charset="0"/>
                 <a:cs typeface="Arial" panose="020B0604020202020204" pitchFamily="34" charset="0"/>
               </a:rPr>
               <a:t>Comparison with Ida [2]</a:t>
             </a:r>
-            <a:endParaRPr lang="en-GB" sz="3000" dirty="0">
-              <a:latin typeface="Arial" panose="020B0604020202020204" pitchFamily="34" charset="0"/>
-              <a:cs typeface="Arial" panose="020B0604020202020204" pitchFamily="34" charset="0"/>
-            </a:endParaRPr>
           </a:p>
         </p:txBody>
       </p:sp>
@@ -6051,7 +4658,7 @@
           <p:cNvPr id="68" name="Round Same Side Corner Rectangle 137">
             <a:extLst>
               <a:ext uri="{FF2B5EF4-FFF2-40B4-BE49-F238E27FC236}">
-                <a16:creationId xmlns="" xmlns:a16="http://schemas.microsoft.com/office/drawing/2014/main" id="{E416DD2D-00A9-4581-8B16-BB3C03226A4A}"/>
+                <a16:creationId xmlns:a16="http://schemas.microsoft.com/office/drawing/2014/main" id="{E416DD2D-00A9-4581-8B16-BB3C03226A4A}"/>
               </a:ext>
             </a:extLst>
           </p:cNvPr>
@@ -6060,7 +4667,7 @@
         </p:nvSpPr>
         <p:spPr>
           <a:xfrm>
-            <a:off x="251020" y="25899292"/>
+            <a:off x="251020" y="26605166"/>
             <a:ext cx="20880000" cy="540000"/>
           </a:xfrm>
           <a:prstGeom prst="round2SameRect">
@@ -6100,18 +4707,13 @@
           <a:p>
             <a:pPr algn="ctr"/>
             <a:r>
-              <a:rPr lang="en-US" sz="3200" b="1" dirty="0" smtClean="0">
+              <a:rPr lang="en-US" sz="3200" b="1" dirty="0">
                 <a:latin typeface="Arial" panose="020B0604020202020204" pitchFamily="34" charset="0"/>
                 <a:ea typeface="Arial" charset="0"/>
                 <a:cs typeface="Arial" panose="020B0604020202020204" pitchFamily="34" charset="0"/>
               </a:rPr>
               <a:t>Discussion</a:t>
             </a:r>
-            <a:endParaRPr lang="en-US" sz="3200" b="1" dirty="0">
-              <a:latin typeface="Arial" panose="020B0604020202020204" pitchFamily="34" charset="0"/>
-              <a:ea typeface="Arial" charset="0"/>
-              <a:cs typeface="Arial" panose="020B0604020202020204" pitchFamily="34" charset="0"/>
-            </a:endParaRPr>
           </a:p>
         </p:txBody>
       </p:sp>
@@ -6123,8 +4725,8 @@
         </p:nvSpPr>
         <p:spPr>
           <a:xfrm>
-            <a:off x="757234" y="26825923"/>
-            <a:ext cx="7911430" cy="923330"/>
+            <a:off x="677812" y="27435881"/>
+            <a:ext cx="7990852" cy="923330"/>
           </a:xfrm>
           <a:prstGeom prst="rect">
             <a:avLst/>
@@ -6137,7 +4739,7 @@
           <a:lstStyle/>
           <a:p>
             <a:r>
-              <a:rPr lang="en-US" dirty="0" smtClean="0">
+              <a:rPr lang="en-US" dirty="0">
                 <a:latin typeface="Arial" panose="020B0604020202020204" pitchFamily="34" charset="0"/>
                 <a:ea typeface="+mn-lt"/>
                 <a:cs typeface="Arial" panose="020B0604020202020204" pitchFamily="34" charset="0"/>
@@ -6147,7 +4749,7 @@
           </a:p>
           <a:p>
             <a:r>
-              <a:rPr lang="en-US" dirty="0" smtClean="0">
+              <a:rPr lang="en-US" dirty="0">
                 <a:latin typeface="Arial" panose="020B0604020202020204" pitchFamily="34" charset="0"/>
                 <a:ea typeface="+mn-lt"/>
                 <a:cs typeface="Arial" panose="020B0604020202020204" pitchFamily="34" charset="0"/>
@@ -6157,7 +4759,7 @@
           </a:p>
           <a:p>
             <a:r>
-              <a:rPr lang="en-US" dirty="0" smtClean="0">
+              <a:rPr lang="en-US" dirty="0">
                 <a:latin typeface="Arial" panose="020B0604020202020204" pitchFamily="34" charset="0"/>
                 <a:ea typeface="+mn-lt"/>
                 <a:cs typeface="Arial" panose="020B0604020202020204" pitchFamily="34" charset="0"/>
@@ -6176,7 +4778,7 @@
         </p:nvSpPr>
         <p:spPr>
           <a:xfrm>
-            <a:off x="6229507" y="14724431"/>
+            <a:off x="677812" y="18851332"/>
             <a:ext cx="3121817" cy="369332"/>
           </a:xfrm>
           <a:prstGeom prst="rect">
@@ -6194,19 +4796,87 @@
               <a:rPr lang="fr-FR" i="1" dirty="0"/>
               <a:t>Figure 2. Pipeline for the data.</a:t>
             </a:r>
-            <a:endParaRPr lang="fr-FR" i="1" dirty="0"/>
+          </a:p>
+        </p:txBody>
+      </p:sp>
+      <p:sp>
+        <p:nvSpPr>
+          <p:cNvPr id="44" name="ZoneTexte 43"/>
+          <p:cNvSpPr txBox="1"/>
+          <p:nvPr/>
+        </p:nvSpPr>
+        <p:spPr>
+          <a:xfrm>
+            <a:off x="13488278" y="8738754"/>
+            <a:ext cx="6677007" cy="646331"/>
+          </a:xfrm>
+          <a:prstGeom prst="rect">
+            <a:avLst/>
+          </a:prstGeom>
+          <a:noFill/>
+        </p:spPr>
+        <p:txBody>
+          <a:bodyPr wrap="square" rtlCol="0">
+            <a:spAutoFit/>
+          </a:bodyPr>
+          <a:lstStyle/>
+          <a:p>
+            <a:r>
+              <a:rPr lang="fr-FR" i="1" dirty="0"/>
+              <a:t>Figure 1. 3D-visualization of the TCR-</a:t>
+            </a:r>
+            <a:r>
+              <a:rPr lang="fr-FR" i="1" dirty="0" err="1"/>
+              <a:t>pMHC</a:t>
+            </a:r>
+            <a:r>
+              <a:rPr lang="fr-FR" i="1" dirty="0"/>
+              <a:t> </a:t>
+            </a:r>
+            <a:r>
+              <a:rPr lang="fr-FR" i="1" dirty="0" err="1"/>
+              <a:t>complex</a:t>
+            </a:r>
+            <a:r>
+              <a:rPr lang="fr-FR" i="1" dirty="0"/>
+              <a:t>. Blue: TCR-</a:t>
+            </a:r>
+            <a:r>
+              <a:rPr lang="el-GR" dirty="0"/>
+              <a:t>α</a:t>
+            </a:r>
+            <a:r>
+              <a:rPr lang="fr-FR" i="1" dirty="0"/>
+              <a:t>, </a:t>
+            </a:r>
+            <a:r>
+              <a:rPr lang="fr-FR" i="1" dirty="0" err="1"/>
+              <a:t>Purple</a:t>
+            </a:r>
+            <a:r>
+              <a:rPr lang="fr-FR" i="1" dirty="0"/>
+              <a:t>: TCR-</a:t>
+            </a:r>
+            <a:r>
+              <a:rPr lang="el-GR" dirty="0"/>
+              <a:t>β</a:t>
+            </a:r>
+            <a:r>
+              <a:rPr lang="fr-FR" i="1" dirty="0"/>
+              <a:t>, Green: Peptide, Grey: MHC.</a:t>
+            </a:r>
           </a:p>
         </p:txBody>
       </p:sp>
       <p:pic>
         <p:nvPicPr>
-          <p:cNvPr id="1026" name="Picture 2" descr="Aucune description disponible."/>
+          <p:cNvPr id="1028" name="Picture 4" descr="Aucune description disponible."/>
           <p:cNvPicPr>
             <a:picLocks noChangeAspect="1" noChangeArrowheads="1"/>
           </p:cNvPicPr>
           <p:nvPr/>
         </p:nvPicPr>
-        <p:blipFill rotWithShape="1">
+        <p:blipFill>
           <a:blip r:embed="rId5">
             <a:extLst>
               <a:ext uri="{28A0092B-C50C-407E-A947-70E740481C1C}">
@@ -6214,13 +4884,15 @@
               </a:ext>
             </a:extLst>
           </a:blip>
-          <a:srcRect l="32243" t="2752" r="34089" b="13954"/>
-          <a:stretch/>
+          <a:srcRect/>
+          <a:stretch>
+            <a:fillRect/>
+          </a:stretch>
         </p:blipFill>
         <p:spPr bwMode="auto">
-          <a:xfrm rot="16200000">
-            <a:off x="13531473" y="3533556"/>
-            <a:ext cx="4154669" cy="7643674"/>
+          <a:xfrm>
+            <a:off x="8458625" y="14029036"/>
+            <a:ext cx="12675345" cy="5279073"/>
           </a:xfrm>
           <a:prstGeom prst="rect">
             <a:avLst/>
@@ -6239,89 +4911,116 @@
       </p:pic>
       <p:sp>
         <p:nvSpPr>
-          <p:cNvPr id="44" name="ZoneTexte 43"/>
-          <p:cNvSpPr txBox="1"/>
+          <p:cNvPr id="12" name="Rectangle 11"/>
+          <p:cNvSpPr/>
           <p:nvPr/>
         </p:nvSpPr>
         <p:spPr>
           <a:xfrm>
-            <a:off x="12232926" y="9353525"/>
-            <a:ext cx="6931374" cy="646331"/>
+            <a:off x="10945640" y="18867631"/>
+            <a:ext cx="4329519" cy="369332"/>
           </a:xfrm>
           <a:prstGeom prst="rect">
             <a:avLst/>
           </a:prstGeom>
-          <a:noFill/>
         </p:spPr>
         <p:txBody>
-          <a:bodyPr wrap="square" rtlCol="0">
+          <a:bodyPr wrap="none">
             <a:spAutoFit/>
           </a:bodyPr>
           <a:lstStyle/>
           <a:p>
             <a:r>
               <a:rPr lang="fr-FR" i="1" dirty="0"/>
-              <a:t>Figure </a:t>
-            </a:r>
-            <a:r>
-              <a:rPr lang="fr-FR" i="1" dirty="0" smtClean="0"/>
-              <a:t>1. </a:t>
-            </a:r>
-            <a:r>
-              <a:rPr lang="fr-FR" i="1" dirty="0" err="1" smtClean="0"/>
-              <a:t>Three</a:t>
-            </a:r>
-            <a:r>
-              <a:rPr lang="fr-FR" i="1" dirty="0" smtClean="0"/>
-              <a:t> dimension </a:t>
-            </a:r>
-            <a:r>
-              <a:rPr lang="fr-FR" i="1" dirty="0" err="1" smtClean="0"/>
-              <a:t>visualization</a:t>
-            </a:r>
-            <a:r>
-              <a:rPr lang="fr-FR" i="1" dirty="0" smtClean="0"/>
-              <a:t> of the TCR-</a:t>
-            </a:r>
-            <a:r>
-              <a:rPr lang="fr-FR" i="1" dirty="0" err="1" smtClean="0"/>
-              <a:t>pMHC</a:t>
-            </a:r>
-            <a:r>
-              <a:rPr lang="fr-FR" i="1" dirty="0" smtClean="0"/>
-              <a:t>  </a:t>
-            </a:r>
-            <a:r>
-              <a:rPr lang="fr-FR" i="1" dirty="0" err="1" smtClean="0"/>
-              <a:t>complex</a:t>
-            </a:r>
-            <a:r>
-              <a:rPr lang="fr-FR" i="1" dirty="0" smtClean="0"/>
-              <a:t>. Blue: TCR-</a:t>
-            </a:r>
-            <a:r>
-              <a:rPr lang="el-GR" dirty="0" smtClean="0"/>
-              <a:t>α</a:t>
-            </a:r>
-            <a:r>
-              <a:rPr lang="fr-FR" i="1" dirty="0" smtClean="0"/>
-              <a:t>, </a:t>
-            </a:r>
-            <a:r>
-              <a:rPr lang="fr-FR" i="1" dirty="0" err="1" smtClean="0"/>
-              <a:t>Purple</a:t>
-            </a:r>
-            <a:r>
-              <a:rPr lang="fr-FR" i="1" dirty="0" smtClean="0"/>
-              <a:t>: TCR-</a:t>
-            </a:r>
-            <a:r>
-              <a:rPr lang="el-GR" dirty="0"/>
-              <a:t>β</a:t>
-            </a:r>
-            <a:r>
-              <a:rPr lang="fr-FR" i="1" dirty="0" smtClean="0"/>
-              <a:t>, Green: Peptide, Grey: MHC.</a:t>
+              <a:t>Figure 3. Architecture of the neural network.</a:t>
+            </a:r>
+          </a:p>
+        </p:txBody>
+      </p:sp>
+      <p:sp>
+        <p:nvSpPr>
+          <p:cNvPr id="14" name="Rectangle 13"/>
+          <p:cNvSpPr/>
+          <p:nvPr/>
+        </p:nvSpPr>
+        <p:spPr>
+          <a:xfrm>
+            <a:off x="558746" y="26140729"/>
+            <a:ext cx="8228984" cy="369332"/>
+          </a:xfrm>
+          <a:prstGeom prst="rect">
+            <a:avLst/>
+          </a:prstGeom>
+        </p:spPr>
+        <p:txBody>
+          <a:bodyPr wrap="none">
+            <a:spAutoFit/>
+          </a:bodyPr>
+          <a:lstStyle/>
+          <a:p>
+            <a:r>
+              <a:rPr lang="fr-FR" i="1" dirty="0"/>
+              <a:t>Table 1. </a:t>
+            </a:r>
+            <a:r>
+              <a:rPr lang="fr-FR" i="1" dirty="0" err="1"/>
+              <a:t>Comparison</a:t>
+            </a:r>
+            <a:r>
+              <a:rPr lang="fr-FR" i="1" dirty="0"/>
+              <a:t> </a:t>
+            </a:r>
+            <a:r>
+              <a:rPr lang="fr-FR" i="1" dirty="0" err="1"/>
+              <a:t>between</a:t>
+            </a:r>
+            <a:r>
+              <a:rPr lang="fr-FR" i="1" dirty="0"/>
+              <a:t> the </a:t>
+            </a:r>
+            <a:r>
+              <a:rPr lang="fr-FR" i="1" dirty="0" err="1"/>
+              <a:t>different</a:t>
+            </a:r>
+            <a:r>
+              <a:rPr lang="fr-FR" i="1" dirty="0"/>
+              <a:t> networks </a:t>
+            </a:r>
+            <a:r>
+              <a:rPr lang="fr-FR" i="1" dirty="0" err="1"/>
+              <a:t>that</a:t>
+            </a:r>
+            <a:r>
+              <a:rPr lang="fr-FR" i="1" dirty="0"/>
+              <a:t> </a:t>
+            </a:r>
+            <a:r>
+              <a:rPr lang="fr-FR" i="1" dirty="0" err="1"/>
+              <a:t>we</a:t>
+            </a:r>
+            <a:r>
+              <a:rPr lang="fr-FR" i="1" dirty="0"/>
+              <a:t> </a:t>
+            </a:r>
+            <a:r>
+              <a:rPr lang="fr-FR" i="1" dirty="0" err="1"/>
+              <a:t>constructed</a:t>
+            </a:r>
+            <a:r>
+              <a:rPr lang="fr-FR" i="1" dirty="0"/>
+              <a:t> in </a:t>
+            </a:r>
+            <a:r>
+              <a:rPr lang="fr-FR" i="1" dirty="0" err="1"/>
+              <a:t>this</a:t>
+            </a:r>
+            <a:r>
+              <a:rPr lang="fr-FR" i="1" dirty="0"/>
+              <a:t> </a:t>
+            </a:r>
+            <a:r>
+              <a:rPr lang="fr-FR" i="1" dirty="0" err="1"/>
+              <a:t>project</a:t>
             </a:r>
             <a:endParaRPr lang="fr-FR" i="1" dirty="0"/>
           </a:p>
@@ -6329,29 +5028,57 @@
       </p:sp>
       <p:pic>
         <p:nvPicPr>
-          <p:cNvPr id="1028" name="Picture 4" descr="Aucune description disponible."/>
+          <p:cNvPr id="15" name="Picture 14" descr="Graphical user interface&#10;&#10;Description automatically generated with low confidence">
+            <a:extLst>
+              <a:ext uri="{FF2B5EF4-FFF2-40B4-BE49-F238E27FC236}">
+                <a16:creationId xmlns:a16="http://schemas.microsoft.com/office/drawing/2014/main" id="{3BC95CEC-30C8-4CC6-9A6F-CEA5128B28D7}"/>
+              </a:ext>
+            </a:extLst>
+          </p:cNvPr>
+          <p:cNvPicPr>
+            <a:picLocks noChangeAspect="1"/>
+          </p:cNvPicPr>
+          <p:nvPr/>
+        </p:nvPicPr>
+        <p:blipFill>
+          <a:blip r:embed="rId6"/>
+          <a:stretch>
+            <a:fillRect/>
+          </a:stretch>
+        </p:blipFill>
+        <p:spPr>
+          <a:xfrm>
+            <a:off x="367747" y="16466064"/>
+            <a:ext cx="6863763" cy="2499220"/>
+          </a:xfrm>
+          <a:prstGeom prst="rect">
+            <a:avLst/>
+          </a:prstGeom>
+        </p:spPr>
+      </p:pic>
+      <p:pic>
+        <p:nvPicPr>
+          <p:cNvPr id="1026" name="Picture 2" descr="Aucune description disponible."/>
           <p:cNvPicPr>
             <a:picLocks noChangeAspect="1" noChangeArrowheads="1"/>
           </p:cNvPicPr>
           <p:nvPr/>
         </p:nvPicPr>
-        <p:blipFill>
-          <a:blip r:embed="rId6">
+        <p:blipFill rotWithShape="1">
+          <a:blip r:embed="rId7">
             <a:extLst>
               <a:ext uri="{28A0092B-C50C-407E-A947-70E740481C1C}">
                 <a14:useLocalDpi xmlns:a14="http://schemas.microsoft.com/office/drawing/2010/main" val="0"/>
               </a:ext>
             </a:extLst>
           </a:blip>
-          <a:srcRect/>
-          <a:stretch>
-            <a:fillRect/>
-          </a:stretch>
+          <a:srcRect l="32243" t="2752" r="34089" b="13954"/>
+          <a:stretch/>
         </p:blipFill>
         <p:spPr bwMode="auto">
-          <a:xfrm>
-            <a:off x="9577145" y="12812033"/>
-            <a:ext cx="11218481" cy="4672313"/>
+          <a:xfrm rot="16200000">
+            <a:off x="14979058" y="3342190"/>
+            <a:ext cx="3886583" cy="7150454"/>
           </a:xfrm>
           <a:prstGeom prst="rect">
             <a:avLst/>
@@ -6370,132 +5097,408 @@
       </p:pic>
       <p:sp>
         <p:nvSpPr>
-          <p:cNvPr id="12" name="Rectangle 11"/>
-          <p:cNvSpPr/>
+          <p:cNvPr id="52" name="TextBox 51">
+            <a:extLst>
+              <a:ext uri="{FF2B5EF4-FFF2-40B4-BE49-F238E27FC236}">
+                <a16:creationId xmlns:a16="http://schemas.microsoft.com/office/drawing/2014/main" id="{8D25C8AF-29B9-4B5F-A484-1C152F2D45F1}"/>
+              </a:ext>
+            </a:extLst>
+          </p:cNvPr>
+          <p:cNvSpPr txBox="1"/>
           <p:nvPr/>
         </p:nvSpPr>
         <p:spPr>
           <a:xfrm>
-            <a:off x="12672597" y="17455896"/>
-            <a:ext cx="4329519" cy="369332"/>
+            <a:off x="10689258" y="9642407"/>
+            <a:ext cx="10500083" cy="1608133"/>
           </a:xfrm>
           <a:prstGeom prst="rect">
             <a:avLst/>
           </a:prstGeom>
+          <a:noFill/>
         </p:spPr>
         <p:txBody>
-          <a:bodyPr wrap="none">
+          <a:bodyPr wrap="square">
             <a:spAutoFit/>
           </a:bodyPr>
           <a:lstStyle/>
           <a:p>
-            <a:r>
-              <a:rPr lang="fr-FR" i="1" dirty="0"/>
-              <a:t>Figure </a:t>
-            </a:r>
-            <a:r>
-              <a:rPr lang="fr-FR" i="1" dirty="0" smtClean="0"/>
-              <a:t>3. Architecture of the neural network.</a:t>
-            </a:r>
-            <a:endParaRPr lang="fr-FR" i="1" dirty="0"/>
+            <a:pPr algn="ctr">
+              <a:spcAft>
+                <a:spcPts val="100"/>
+              </a:spcAft>
+            </a:pPr>
+            <a:r>
+              <a:rPr lang="en-GB" sz="2400" b="1" dirty="0">
+                <a:latin typeface="Arial" panose="020B0604020202020204" pitchFamily="34" charset="0"/>
+                <a:cs typeface="Arial" panose="020B0604020202020204" pitchFamily="34" charset="0"/>
+              </a:rPr>
+              <a:t>Input dimensions</a:t>
+            </a:r>
+          </a:p>
+          <a:p>
+            <a:pPr marL="342900" indent="-342900">
+              <a:spcAft>
+                <a:spcPts val="100"/>
+              </a:spcAft>
+              <a:buFont typeface="Arial" panose="020B0604020202020204" pitchFamily="34" charset="0"/>
+              <a:buChar char="•"/>
+            </a:pPr>
+            <a:r>
+              <a:rPr lang="en-GB" sz="2400" dirty="0">
+                <a:latin typeface="Arial" panose="020B0604020202020204" pitchFamily="34" charset="0"/>
+                <a:cs typeface="Arial" panose="020B0604020202020204" pitchFamily="34" charset="0"/>
+              </a:rPr>
+              <a:t>6913 observations (4180 training, 1526 validation, 1207 test)</a:t>
+            </a:r>
+            <a:endParaRPr lang="en-GB" sz="2400" b="1" dirty="0">
+              <a:latin typeface="Arial" panose="020B0604020202020204" pitchFamily="34" charset="0"/>
+              <a:cs typeface="Arial" panose="020B0604020202020204" pitchFamily="34" charset="0"/>
+            </a:endParaRPr>
+          </a:p>
+          <a:p>
+            <a:pPr marL="342900" indent="-342900">
+              <a:spcAft>
+                <a:spcPts val="100"/>
+              </a:spcAft>
+              <a:buFont typeface="Arial" panose="020B0604020202020204" pitchFamily="34" charset="0"/>
+              <a:buChar char="•"/>
+            </a:pPr>
+            <a:r>
+              <a:rPr lang="en-GB" sz="2400" dirty="0">
+                <a:latin typeface="Arial" panose="020B0604020202020204" pitchFamily="34" charset="0"/>
+                <a:cs typeface="Arial" panose="020B0604020202020204" pitchFamily="34" charset="0"/>
+              </a:rPr>
+              <a:t>419 peptide positions (zero-padding where sequences are shorter)</a:t>
+            </a:r>
+          </a:p>
+          <a:p>
+            <a:pPr marL="342900" indent="-342900">
+              <a:spcAft>
+                <a:spcPts val="100"/>
+              </a:spcAft>
+              <a:buFont typeface="Arial" panose="020B0604020202020204" pitchFamily="34" charset="0"/>
+              <a:buChar char="•"/>
+            </a:pPr>
+            <a:r>
+              <a:rPr lang="en-GB" sz="2400" dirty="0">
+                <a:latin typeface="Arial" panose="020B0604020202020204" pitchFamily="34" charset="0"/>
+                <a:cs typeface="Arial" panose="020B0604020202020204" pitchFamily="34" charset="0"/>
+              </a:rPr>
+              <a:t>54 channels (including sequence embedding and energy terms)</a:t>
+            </a:r>
+          </a:p>
+        </p:txBody>
+      </p:sp>
+      <p:sp>
+        <p:nvSpPr>
+          <p:cNvPr id="59" name="TextBox 58">
+            <a:extLst>
+              <a:ext uri="{FF2B5EF4-FFF2-40B4-BE49-F238E27FC236}">
+                <a16:creationId xmlns:a16="http://schemas.microsoft.com/office/drawing/2014/main" id="{25FCE40A-6812-4241-9AFC-C4527E1E08D6}"/>
+              </a:ext>
+            </a:extLst>
+          </p:cNvPr>
+          <p:cNvSpPr txBox="1"/>
+          <p:nvPr/>
+        </p:nvSpPr>
+        <p:spPr>
+          <a:xfrm>
+            <a:off x="229641" y="12361309"/>
+            <a:ext cx="10459617" cy="1225977"/>
+          </a:xfrm>
+          <a:prstGeom prst="rect">
+            <a:avLst/>
+          </a:prstGeom>
+          <a:noFill/>
+        </p:spPr>
+        <p:txBody>
+          <a:bodyPr wrap="square">
+            <a:spAutoFit/>
+          </a:bodyPr>
+          <a:lstStyle/>
+          <a:p>
+            <a:pPr algn="ctr">
+              <a:spcAft>
+                <a:spcPts val="100"/>
+              </a:spcAft>
+            </a:pPr>
+            <a:r>
+              <a:rPr lang="en-GB" sz="2400" b="1" dirty="0">
+                <a:latin typeface="Arial" panose="020B0604020202020204" pitchFamily="34" charset="0"/>
+                <a:cs typeface="Arial" panose="020B0604020202020204" pitchFamily="34" charset="0"/>
+              </a:rPr>
+              <a:t>Pre-processing with protein embedding</a:t>
+            </a:r>
+          </a:p>
+          <a:p>
+            <a:pPr marL="342900" indent="-342900">
+              <a:spcAft>
+                <a:spcPts val="100"/>
+              </a:spcAft>
+              <a:buFont typeface="Arial" panose="020B0604020202020204" pitchFamily="34" charset="0"/>
+              <a:buChar char="•"/>
+            </a:pPr>
+            <a:r>
+              <a:rPr lang="en-GB" sz="2400" b="1" dirty="0">
+                <a:latin typeface="Arial" panose="020B0604020202020204" pitchFamily="34" charset="0"/>
+                <a:cs typeface="Arial" panose="020B0604020202020204" pitchFamily="34" charset="0"/>
+              </a:rPr>
+              <a:t>BLOSUM</a:t>
+            </a:r>
+          </a:p>
+          <a:p>
+            <a:pPr marL="342900" indent="-342900">
+              <a:spcAft>
+                <a:spcPts val="100"/>
+              </a:spcAft>
+              <a:buFont typeface="Arial" panose="020B0604020202020204" pitchFamily="34" charset="0"/>
+              <a:buChar char="•"/>
+            </a:pPr>
+            <a:r>
+              <a:rPr lang="en-GB" sz="2400" b="1" dirty="0">
+                <a:latin typeface="Arial" panose="020B0604020202020204" pitchFamily="34" charset="0"/>
+                <a:cs typeface="Arial" panose="020B0604020202020204" pitchFamily="34" charset="0"/>
+              </a:rPr>
+              <a:t>ESM</a:t>
+            </a:r>
+          </a:p>
+        </p:txBody>
+      </p:sp>
+      <p:sp>
+        <p:nvSpPr>
+          <p:cNvPr id="60" name="TextBox 59">
+            <a:extLst>
+              <a:ext uri="{FF2B5EF4-FFF2-40B4-BE49-F238E27FC236}">
+                <a16:creationId xmlns:a16="http://schemas.microsoft.com/office/drawing/2014/main" id="{5EC9703E-C0FE-42AC-9186-837AE535C777}"/>
+              </a:ext>
+            </a:extLst>
+          </p:cNvPr>
+          <p:cNvSpPr txBox="1"/>
+          <p:nvPr/>
+        </p:nvSpPr>
+        <p:spPr>
+          <a:xfrm>
+            <a:off x="10689258" y="12361308"/>
+            <a:ext cx="10459617" cy="461665"/>
+          </a:xfrm>
+          <a:prstGeom prst="rect">
+            <a:avLst/>
+          </a:prstGeom>
+          <a:noFill/>
+        </p:spPr>
+        <p:txBody>
+          <a:bodyPr wrap="square">
+            <a:spAutoFit/>
+          </a:bodyPr>
+          <a:lstStyle/>
+          <a:p>
+            <a:pPr algn="ctr">
+              <a:spcAft>
+                <a:spcPts val="100"/>
+              </a:spcAft>
+            </a:pPr>
+            <a:r>
+              <a:rPr lang="en-GB" sz="2400" b="1" dirty="0">
+                <a:latin typeface="Arial" panose="020B0604020202020204" pitchFamily="34" charset="0"/>
+                <a:cs typeface="Arial" panose="020B0604020202020204" pitchFamily="34" charset="0"/>
+              </a:rPr>
+              <a:t>Neural network architecture</a:t>
+            </a:r>
+          </a:p>
+        </p:txBody>
+      </p:sp>
+      <p:sp>
+        <p:nvSpPr>
+          <p:cNvPr id="62" name="TextBox 61">
+            <a:extLst>
+              <a:ext uri="{FF2B5EF4-FFF2-40B4-BE49-F238E27FC236}">
+                <a16:creationId xmlns:a16="http://schemas.microsoft.com/office/drawing/2014/main" id="{658BED85-75EA-4BFC-BF85-417C54E59FAC}"/>
+              </a:ext>
+            </a:extLst>
+          </p:cNvPr>
+          <p:cNvSpPr txBox="1"/>
+          <p:nvPr/>
+        </p:nvSpPr>
+        <p:spPr>
+          <a:xfrm>
+            <a:off x="309341" y="9596186"/>
+            <a:ext cx="10379917" cy="1608133"/>
+          </a:xfrm>
+          <a:prstGeom prst="rect">
+            <a:avLst/>
+          </a:prstGeom>
+          <a:noFill/>
+        </p:spPr>
+        <p:txBody>
+          <a:bodyPr wrap="square">
+            <a:spAutoFit/>
+          </a:bodyPr>
+          <a:lstStyle/>
+          <a:p>
+            <a:pPr algn="ctr">
+              <a:spcAft>
+                <a:spcPts val="100"/>
+              </a:spcAft>
+            </a:pPr>
+            <a:r>
+              <a:rPr lang="en-GB" sz="2400" b="1" dirty="0">
+                <a:latin typeface="Arial" panose="020B0604020202020204" pitchFamily="34" charset="0"/>
+                <a:cs typeface="Arial" panose="020B0604020202020204" pitchFamily="34" charset="0"/>
+              </a:rPr>
+              <a:t>Input data [1]</a:t>
+            </a:r>
+          </a:p>
+          <a:p>
+            <a:pPr marL="342900" indent="-342900">
+              <a:spcAft>
+                <a:spcPts val="100"/>
+              </a:spcAft>
+              <a:buFont typeface="Arial" panose="020B0604020202020204" pitchFamily="34" charset="0"/>
+              <a:buChar char="•"/>
+            </a:pPr>
+            <a:r>
+              <a:rPr lang="en-US" sz="2400" b="0" i="0" u="none" strike="noStrike" dirty="0">
+                <a:solidFill>
+                  <a:srgbClr val="000000"/>
+                </a:solidFill>
+                <a:effectLst/>
+                <a:latin typeface="Arial" panose="020B0604020202020204" pitchFamily="34" charset="0"/>
+              </a:rPr>
+              <a:t>Protein sequence (one-hot-encoding)</a:t>
+            </a:r>
+          </a:p>
+          <a:p>
+            <a:pPr marL="342900" indent="-342900">
+              <a:spcAft>
+                <a:spcPts val="100"/>
+              </a:spcAft>
+              <a:buFont typeface="Arial" panose="020B0604020202020204" pitchFamily="34" charset="0"/>
+              <a:buChar char="•"/>
+            </a:pPr>
+            <a:r>
+              <a:rPr lang="en-US" sz="2400" b="0" i="0" u="none" strike="noStrike" dirty="0">
+                <a:solidFill>
+                  <a:srgbClr val="000000"/>
+                </a:solidFill>
+                <a:effectLst/>
+                <a:latin typeface="Arial" panose="020B0604020202020204" pitchFamily="34" charset="0"/>
+              </a:rPr>
+              <a:t>Per-residue energy terms  (one value per row)</a:t>
+            </a:r>
+          </a:p>
+          <a:p>
+            <a:pPr marL="342900" indent="-342900">
+              <a:spcAft>
+                <a:spcPts val="100"/>
+              </a:spcAft>
+              <a:buFont typeface="Arial" panose="020B0604020202020204" pitchFamily="34" charset="0"/>
+              <a:buChar char="•"/>
+            </a:pPr>
+            <a:r>
+              <a:rPr lang="en-US" sz="2400" b="0" i="0" u="none" strike="noStrike" dirty="0">
+                <a:solidFill>
+                  <a:srgbClr val="000000"/>
+                </a:solidFill>
+                <a:effectLst/>
+                <a:latin typeface="Arial" panose="020B0604020202020204" pitchFamily="34" charset="0"/>
+              </a:rPr>
+              <a:t>Global energy terms (constant, one value per column)</a:t>
+            </a:r>
           </a:p>
         </p:txBody>
       </p:sp>
       <p:graphicFrame>
         <p:nvGraphicFramePr>
-          <p:cNvPr id="13" name="Tableau 12"/>
+          <p:cNvPr id="16" name="Table 16">
+            <a:extLst>
+              <a:ext uri="{FF2B5EF4-FFF2-40B4-BE49-F238E27FC236}">
+                <a16:creationId xmlns:a16="http://schemas.microsoft.com/office/drawing/2014/main" id="{B3DD0E64-0B7C-4139-8170-FF729427F72A}"/>
+              </a:ext>
+            </a:extLst>
+          </p:cNvPr>
           <p:cNvGraphicFramePr>
             <a:graphicFrameLocks noGrp="1"/>
           </p:cNvGraphicFramePr>
           <p:nvPr>
             <p:extLst>
               <p:ext uri="{D42A27DB-BD31-4B8C-83A1-F6EECF244321}">
-                <p14:modId xmlns:p14="http://schemas.microsoft.com/office/powerpoint/2010/main" val="4163292958"/>
+                <p14:modId xmlns:p14="http://schemas.microsoft.com/office/powerpoint/2010/main" val="692489850"/>
               </p:ext>
             </p:extLst>
           </p:nvPr>
         </p:nvGraphicFramePr>
         <p:xfrm>
-          <a:off x="1911125" y="20851987"/>
-          <a:ext cx="10691815" cy="1447924"/>
+          <a:off x="558746" y="22502322"/>
+          <a:ext cx="9118043" cy="3562351"/>
         </p:xfrm>
         <a:graphic>
           <a:graphicData uri="http://schemas.openxmlformats.org/drawingml/2006/table">
             <a:tbl>
               <a:tblPr firstRow="1" bandRow="1">
-                <a:tableStyleId>{5C22544A-7EE6-4342-B048-85BDC9FD1C3A}</a:tableStyleId>
+                <a:tableStyleId>{073A0DAA-6AF3-43AB-8588-CEC1D06C72B9}</a:tableStyleId>
               </a:tblPr>
               <a:tblGrid>
-                <a:gridCol w="1589280"/>
-                <a:gridCol w="1589280"/>
-                <a:gridCol w="1589280"/>
-                <a:gridCol w="1589280"/>
-                <a:gridCol w="2022423"/>
-                <a:gridCol w="1156136"/>
-                <a:gridCol w="1156136"/>
+                <a:gridCol w="2919178">
+                  <a:extLst>
+                    <a:ext uri="{9D8B030D-6E8A-4147-A177-3AD203B41FA5}">
+                      <a16:colId xmlns:a16="http://schemas.microsoft.com/office/drawing/2014/main" val="630018940"/>
+                    </a:ext>
+                  </a:extLst>
+                </a:gridCol>
+                <a:gridCol w="1239773">
+                  <a:extLst>
+                    <a:ext uri="{9D8B030D-6E8A-4147-A177-3AD203B41FA5}">
+                      <a16:colId xmlns:a16="http://schemas.microsoft.com/office/drawing/2014/main" val="1361621000"/>
+                    </a:ext>
+                  </a:extLst>
+                </a:gridCol>
+                <a:gridCol w="1239773">
+                  <a:extLst>
+                    <a:ext uri="{9D8B030D-6E8A-4147-A177-3AD203B41FA5}">
+                      <a16:colId xmlns:a16="http://schemas.microsoft.com/office/drawing/2014/main" val="3966724582"/>
+                    </a:ext>
+                  </a:extLst>
+                </a:gridCol>
+                <a:gridCol w="1239773">
+                  <a:extLst>
+                    <a:ext uri="{9D8B030D-6E8A-4147-A177-3AD203B41FA5}">
+                      <a16:colId xmlns:a16="http://schemas.microsoft.com/office/drawing/2014/main" val="2736714997"/>
+                    </a:ext>
+                  </a:extLst>
+                </a:gridCol>
+                <a:gridCol w="1239773">
+                  <a:extLst>
+                    <a:ext uri="{9D8B030D-6E8A-4147-A177-3AD203B41FA5}">
+                      <a16:colId xmlns:a16="http://schemas.microsoft.com/office/drawing/2014/main" val="3764394228"/>
+                    </a:ext>
+                  </a:extLst>
+                </a:gridCol>
+                <a:gridCol w="1239773">
+                  <a:extLst>
+                    <a:ext uri="{9D8B030D-6E8A-4147-A177-3AD203B41FA5}">
+                      <a16:colId xmlns:a16="http://schemas.microsoft.com/office/drawing/2014/main" val="4125354729"/>
+                    </a:ext>
+                  </a:extLst>
+                </a:gridCol>
               </a:tblGrid>
-              <a:tr h="437004">
+              <a:tr h="514351">
                 <a:tc>
                   <a:txBody>
                     <a:bodyPr/>
                     <a:lstStyle/>
                     <a:p>
-                      <a:endParaRPr lang="fr-FR" sz="1800" dirty="0">
-                        <a:solidFill>
-                          <a:schemeClr val="tx1"/>
-                        </a:solidFill>
-                        <a:latin typeface="Arial" panose="020B0604020202020204" pitchFamily="34" charset="0"/>
-                        <a:cs typeface="Arial" panose="020B0604020202020204" pitchFamily="34" charset="0"/>
-                      </a:endParaRPr>
+                      <a:pPr algn="ctr"/>
+                      <a:r>
+                        <a:rPr lang="en-US" sz="2200" dirty="0"/>
+                        <a:t>Network architecture</a:t>
+                      </a:r>
+                      <a:endParaRPr lang="da-DK" sz="2200" dirty="0"/>
                     </a:p>
                   </a:txBody>
-                  <a:tcPr>
-                    <a:lnL w="12700" cap="flat" cmpd="sng" algn="ctr">
-                      <a:solidFill>
-                        <a:schemeClr val="tx1"/>
-                      </a:solidFill>
-                      <a:prstDash val="solid"/>
-                      <a:round/>
-                      <a:headEnd type="none" w="med" len="med"/>
-                      <a:tailEnd type="none" w="med" len="med"/>
-                    </a:lnL>
-                    <a:lnR w="12700" cap="flat" cmpd="sng" algn="ctr">
-                      <a:solidFill>
-                        <a:schemeClr val="tx1"/>
-                      </a:solidFill>
-                      <a:prstDash val="solid"/>
-                      <a:round/>
-                      <a:headEnd type="none" w="med" len="med"/>
-                      <a:tailEnd type="none" w="med" len="med"/>
-                    </a:lnR>
-                    <a:lnT w="12700" cap="flat" cmpd="sng" algn="ctr">
-                      <a:solidFill>
-                        <a:schemeClr val="tx1"/>
-                      </a:solidFill>
-                      <a:prstDash val="solid"/>
-                      <a:round/>
-                      <a:headEnd type="none" w="med" len="med"/>
-                      <a:tailEnd type="none" w="med" len="med"/>
-                    </a:lnT>
-                    <a:lnB w="12700" cap="flat" cmpd="sng" algn="ctr">
-                      <a:solidFill>
-                        <a:schemeClr val="tx1"/>
-                      </a:solidFill>
-                      <a:prstDash val="solid"/>
-                      <a:round/>
-                      <a:headEnd type="none" w="med" len="med"/>
-                      <a:tailEnd type="none" w="med" len="med"/>
-                    </a:lnB>
-                    <a:lnTlToBr w="12700" cmpd="sng">
-                      <a:noFill/>
-                      <a:prstDash val="solid"/>
-                    </a:lnTlToBr>
-                    <a:lnBlToTr w="12700" cmpd="sng">
-                      <a:noFill/>
-                      <a:prstDash val="solid"/>
-                    </a:lnBlToTr>
+                  <a:tcPr anchor="ctr">
                     <a:solidFill>
-                      <a:schemeClr val="bg1"/>
+                      <a:srgbClr val="990000"/>
                     </a:solidFill>
                   </a:tcPr>
                 </a:tc>
@@ -6504,72 +5507,17 @@
                     <a:bodyPr/>
                     <a:lstStyle/>
                     <a:p>
+                      <a:pPr algn="ctr"/>
                       <a:r>
-                        <a:rPr lang="fr-FR" sz="1800" dirty="0" smtClean="0">
-                          <a:solidFill>
-                            <a:schemeClr val="tx1"/>
-                          </a:solidFill>
-                          <a:latin typeface="Arial" panose="020B0604020202020204" pitchFamily="34" charset="0"/>
-                          <a:cs typeface="Arial" panose="020B0604020202020204" pitchFamily="34" charset="0"/>
-                        </a:rPr>
+                        <a:rPr lang="en-US" sz="2200" b="1" dirty="0"/>
                         <a:t>AUC</a:t>
                       </a:r>
-                      <a:endParaRPr lang="fr-FR" sz="1800" dirty="0">
-                        <a:solidFill>
-                          <a:schemeClr val="tx1"/>
-                        </a:solidFill>
-                        <a:latin typeface="Arial" panose="020B0604020202020204" pitchFamily="34" charset="0"/>
-                        <a:cs typeface="Arial" panose="020B0604020202020204" pitchFamily="34" charset="0"/>
-                      </a:endParaRPr>
+                      <a:endParaRPr lang="da-DK" sz="2200" b="1" dirty="0"/>
                     </a:p>
                   </a:txBody>
-                  <a:tcPr>
-                    <a:lnL w="12700" cap="flat" cmpd="sng" algn="ctr">
-                      <a:solidFill>
-                        <a:schemeClr val="tx1"/>
-                      </a:solidFill>
-                      <a:prstDash val="solid"/>
-                      <a:round/>
-                      <a:headEnd type="none" w="med" len="med"/>
-                      <a:tailEnd type="none" w="med" len="med"/>
-                    </a:lnL>
-                    <a:lnR w="12700" cap="flat" cmpd="sng" algn="ctr">
-                      <a:solidFill>
-                        <a:schemeClr val="tx1"/>
-                      </a:solidFill>
-                      <a:prstDash val="solid"/>
-                      <a:round/>
-                      <a:headEnd type="none" w="med" len="med"/>
-                      <a:tailEnd type="none" w="med" len="med"/>
-                    </a:lnR>
-                    <a:lnT w="12700" cap="flat" cmpd="sng" algn="ctr">
-                      <a:solidFill>
-                        <a:schemeClr val="tx1"/>
-                      </a:solidFill>
-                      <a:prstDash val="solid"/>
-                      <a:round/>
-                      <a:headEnd type="none" w="med" len="med"/>
-                      <a:tailEnd type="none" w="med" len="med"/>
-                    </a:lnT>
-                    <a:lnB w="12700" cap="flat" cmpd="sng" algn="ctr">
-                      <a:solidFill>
-                        <a:schemeClr val="tx1"/>
-                      </a:solidFill>
-                      <a:prstDash val="solid"/>
-                      <a:round/>
-                      <a:headEnd type="none" w="med" len="med"/>
-                      <a:tailEnd type="none" w="med" len="med"/>
-                    </a:lnB>
-                    <a:lnTlToBr w="12700" cmpd="sng">
-                      <a:noFill/>
-                      <a:prstDash val="solid"/>
-                    </a:lnTlToBr>
-                    <a:lnBlToTr w="12700" cmpd="sng">
-                      <a:noFill/>
-                      <a:prstDash val="solid"/>
-                    </a:lnBlToTr>
+                  <a:tcPr anchor="ctr">
                     <a:solidFill>
-                      <a:schemeClr val="bg1"/>
+                      <a:srgbClr val="990000"/>
                     </a:solidFill>
                   </a:tcPr>
                 </a:tc>
@@ -6578,72 +5526,17 @@
                     <a:bodyPr/>
                     <a:lstStyle/>
                     <a:p>
+                      <a:pPr algn="ctr"/>
                       <a:r>
-                        <a:rPr lang="fr-FR" sz="1800" dirty="0" smtClean="0">
-                          <a:solidFill>
-                            <a:schemeClr val="tx1"/>
-                          </a:solidFill>
-                          <a:latin typeface="Arial" panose="020B0604020202020204" pitchFamily="34" charset="0"/>
-                          <a:cs typeface="Arial" panose="020B0604020202020204" pitchFamily="34" charset="0"/>
-                        </a:rPr>
+                        <a:rPr lang="en-US" sz="2200" dirty="0"/>
                         <a:t>MCC</a:t>
                       </a:r>
-                      <a:endParaRPr lang="fr-FR" sz="1800" dirty="0">
-                        <a:solidFill>
-                          <a:schemeClr val="tx1"/>
-                        </a:solidFill>
-                        <a:latin typeface="Arial" panose="020B0604020202020204" pitchFamily="34" charset="0"/>
-                        <a:cs typeface="Arial" panose="020B0604020202020204" pitchFamily="34" charset="0"/>
-                      </a:endParaRPr>
+                      <a:endParaRPr lang="da-DK" sz="2200" dirty="0"/>
                     </a:p>
                   </a:txBody>
-                  <a:tcPr>
-                    <a:lnL w="12700" cap="flat" cmpd="sng" algn="ctr">
-                      <a:solidFill>
-                        <a:schemeClr val="tx1"/>
-                      </a:solidFill>
-                      <a:prstDash val="solid"/>
-                      <a:round/>
-                      <a:headEnd type="none" w="med" len="med"/>
-                      <a:tailEnd type="none" w="med" len="med"/>
-                    </a:lnL>
-                    <a:lnR w="12700" cap="flat" cmpd="sng" algn="ctr">
-                      <a:solidFill>
-                        <a:schemeClr val="tx1"/>
-                      </a:solidFill>
-                      <a:prstDash val="solid"/>
-                      <a:round/>
-                      <a:headEnd type="none" w="med" len="med"/>
-                      <a:tailEnd type="none" w="med" len="med"/>
-                    </a:lnR>
-                    <a:lnT w="12700" cap="flat" cmpd="sng" algn="ctr">
-                      <a:solidFill>
-                        <a:schemeClr val="tx1"/>
-                      </a:solidFill>
-                      <a:prstDash val="solid"/>
-                      <a:round/>
-                      <a:headEnd type="none" w="med" len="med"/>
-                      <a:tailEnd type="none" w="med" len="med"/>
-                    </a:lnT>
-                    <a:lnB w="12700" cap="flat" cmpd="sng" algn="ctr">
-                      <a:solidFill>
-                        <a:schemeClr val="tx1"/>
-                      </a:solidFill>
-                      <a:prstDash val="solid"/>
-                      <a:round/>
-                      <a:headEnd type="none" w="med" len="med"/>
-                      <a:tailEnd type="none" w="med" len="med"/>
-                    </a:lnB>
-                    <a:lnTlToBr w="12700" cmpd="sng">
-                      <a:noFill/>
-                      <a:prstDash val="solid"/>
-                    </a:lnTlToBr>
-                    <a:lnBlToTr w="12700" cmpd="sng">
-                      <a:noFill/>
-                      <a:prstDash val="solid"/>
-                    </a:lnBlToTr>
+                  <a:tcPr anchor="ctr">
                     <a:solidFill>
-                      <a:schemeClr val="bg1"/>
+                      <a:srgbClr val="990000"/>
                     </a:solidFill>
                   </a:tcPr>
                 </a:tc>
@@ -6652,72 +5545,17 @@
                     <a:bodyPr/>
                     <a:lstStyle/>
                     <a:p>
+                      <a:pPr algn="ctr"/>
                       <a:r>
-                        <a:rPr lang="fr-FR" sz="1800" dirty="0" err="1" smtClean="0">
-                          <a:solidFill>
-                            <a:schemeClr val="tx1"/>
-                          </a:solidFill>
-                          <a:latin typeface="Arial" panose="020B0604020202020204" pitchFamily="34" charset="0"/>
-                          <a:cs typeface="Arial" panose="020B0604020202020204" pitchFamily="34" charset="0"/>
-                        </a:rPr>
-                        <a:t>Accuracy</a:t>
+                        <a:rPr lang="en-US" sz="2200" dirty="0"/>
+                        <a:t>Precision</a:t>
                       </a:r>
-                      <a:endParaRPr lang="fr-FR" sz="1800" dirty="0">
-                        <a:solidFill>
-                          <a:schemeClr val="tx1"/>
-                        </a:solidFill>
-                        <a:latin typeface="Arial" panose="020B0604020202020204" pitchFamily="34" charset="0"/>
-                        <a:cs typeface="Arial" panose="020B0604020202020204" pitchFamily="34" charset="0"/>
-                      </a:endParaRPr>
+                      <a:endParaRPr lang="da-DK" sz="2200" dirty="0"/>
                     </a:p>
                   </a:txBody>
-                  <a:tcPr>
-                    <a:lnL w="12700" cap="flat" cmpd="sng" algn="ctr">
-                      <a:solidFill>
-                        <a:schemeClr val="tx1"/>
-                      </a:solidFill>
-                      <a:prstDash val="solid"/>
-                      <a:round/>
-                      <a:headEnd type="none" w="med" len="med"/>
-                      <a:tailEnd type="none" w="med" len="med"/>
-                    </a:lnL>
-                    <a:lnR w="12700" cap="flat" cmpd="sng" algn="ctr">
-                      <a:solidFill>
-                        <a:schemeClr val="tx1"/>
-                      </a:solidFill>
-                      <a:prstDash val="solid"/>
-                      <a:round/>
-                      <a:headEnd type="none" w="med" len="med"/>
-                      <a:tailEnd type="none" w="med" len="med"/>
-                    </a:lnR>
-                    <a:lnT w="12700" cap="flat" cmpd="sng" algn="ctr">
-                      <a:solidFill>
-                        <a:schemeClr val="tx1"/>
-                      </a:solidFill>
-                      <a:prstDash val="solid"/>
-                      <a:round/>
-                      <a:headEnd type="none" w="med" len="med"/>
-                      <a:tailEnd type="none" w="med" len="med"/>
-                    </a:lnT>
-                    <a:lnB w="12700" cap="flat" cmpd="sng" algn="ctr">
-                      <a:solidFill>
-                        <a:schemeClr val="tx1"/>
-                      </a:solidFill>
-                      <a:prstDash val="solid"/>
-                      <a:round/>
-                      <a:headEnd type="none" w="med" len="med"/>
-                      <a:tailEnd type="none" w="med" len="med"/>
-                    </a:lnB>
-                    <a:lnTlToBr w="12700" cmpd="sng">
-                      <a:noFill/>
-                      <a:prstDash val="solid"/>
-                    </a:lnTlToBr>
-                    <a:lnBlToTr w="12700" cmpd="sng">
-                      <a:noFill/>
-                      <a:prstDash val="solid"/>
-                    </a:lnBlToTr>
+                  <a:tcPr anchor="ctr">
                     <a:solidFill>
-                      <a:schemeClr val="bg1"/>
+                      <a:srgbClr val="990000"/>
                     </a:solidFill>
                   </a:tcPr>
                 </a:tc>
@@ -6726,72 +5564,17 @@
                     <a:bodyPr/>
                     <a:lstStyle/>
                     <a:p>
+                      <a:pPr algn="ctr"/>
                       <a:r>
-                        <a:rPr lang="fr-FR" sz="1800" dirty="0" err="1" smtClean="0">
-                          <a:solidFill>
-                            <a:schemeClr val="tx1"/>
-                          </a:solidFill>
-                          <a:latin typeface="Arial" panose="020B0604020202020204" pitchFamily="34" charset="0"/>
-                          <a:cs typeface="Arial" panose="020B0604020202020204" pitchFamily="34" charset="0"/>
-                        </a:rPr>
-                        <a:t>Precision</a:t>
+                        <a:rPr lang="en-US" sz="2200" dirty="0"/>
+                        <a:t>Recall</a:t>
                       </a:r>
-                      <a:endParaRPr lang="fr-FR" sz="1800" dirty="0">
-                        <a:solidFill>
-                          <a:schemeClr val="tx1"/>
-                        </a:solidFill>
-                        <a:latin typeface="Arial" panose="020B0604020202020204" pitchFamily="34" charset="0"/>
-                        <a:cs typeface="Arial" panose="020B0604020202020204" pitchFamily="34" charset="0"/>
-                      </a:endParaRPr>
+                      <a:endParaRPr lang="da-DK" sz="2200" dirty="0"/>
                     </a:p>
                   </a:txBody>
-                  <a:tcPr>
-                    <a:lnL w="12700" cap="flat" cmpd="sng" algn="ctr">
-                      <a:solidFill>
-                        <a:schemeClr val="tx1"/>
-                      </a:solidFill>
-                      <a:prstDash val="solid"/>
-                      <a:round/>
-                      <a:headEnd type="none" w="med" len="med"/>
-                      <a:tailEnd type="none" w="med" len="med"/>
-                    </a:lnL>
-                    <a:lnR w="12700" cap="flat" cmpd="sng" algn="ctr">
-                      <a:solidFill>
-                        <a:schemeClr val="tx1"/>
-                      </a:solidFill>
-                      <a:prstDash val="solid"/>
-                      <a:round/>
-                      <a:headEnd type="none" w="med" len="med"/>
-                      <a:tailEnd type="none" w="med" len="med"/>
-                    </a:lnR>
-                    <a:lnT w="12700" cap="flat" cmpd="sng" algn="ctr">
-                      <a:solidFill>
-                        <a:schemeClr val="tx1"/>
-                      </a:solidFill>
-                      <a:prstDash val="solid"/>
-                      <a:round/>
-                      <a:headEnd type="none" w="med" len="med"/>
-                      <a:tailEnd type="none" w="med" len="med"/>
-                    </a:lnT>
-                    <a:lnB w="12700" cap="flat" cmpd="sng" algn="ctr">
-                      <a:solidFill>
-                        <a:schemeClr val="tx1"/>
-                      </a:solidFill>
-                      <a:prstDash val="solid"/>
-                      <a:round/>
-                      <a:headEnd type="none" w="med" len="med"/>
-                      <a:tailEnd type="none" w="med" len="med"/>
-                    </a:lnB>
-                    <a:lnTlToBr w="12700" cmpd="sng">
-                      <a:noFill/>
-                      <a:prstDash val="solid"/>
-                    </a:lnTlToBr>
-                    <a:lnBlToTr w="12700" cmpd="sng">
-                      <a:noFill/>
-                      <a:prstDash val="solid"/>
-                    </a:lnBlToTr>
+                  <a:tcPr anchor="ctr">
                     <a:solidFill>
-                      <a:schemeClr val="bg1"/>
+                      <a:srgbClr val="990000"/>
                     </a:solidFill>
                   </a:tcPr>
                 </a:tc>
@@ -6800,1275 +5583,418 @@
                     <a:bodyPr/>
                     <a:lstStyle/>
                     <a:p>
+                      <a:pPr algn="ctr"/>
                       <a:r>
-                        <a:rPr lang="fr-FR" sz="1800" dirty="0" err="1" smtClean="0">
-                          <a:solidFill>
-                            <a:schemeClr val="tx1"/>
-                          </a:solidFill>
-                          <a:latin typeface="Arial" panose="020B0604020202020204" pitchFamily="34" charset="0"/>
-                          <a:cs typeface="Arial" panose="020B0604020202020204" pitchFamily="34" charset="0"/>
-                        </a:rPr>
-                        <a:t>Recall</a:t>
+                        <a:rPr lang="en-US" sz="2200" dirty="0"/>
+                        <a:t>F1</a:t>
                       </a:r>
-                      <a:endParaRPr lang="fr-FR" sz="1800" dirty="0">
-                        <a:solidFill>
-                          <a:schemeClr val="tx1"/>
-                        </a:solidFill>
-                        <a:latin typeface="Arial" panose="020B0604020202020204" pitchFamily="34" charset="0"/>
-                        <a:cs typeface="Arial" panose="020B0604020202020204" pitchFamily="34" charset="0"/>
-                      </a:endParaRPr>
+                      <a:endParaRPr lang="da-DK" sz="2200" dirty="0"/>
                     </a:p>
                   </a:txBody>
-                  <a:tcPr>
-                    <a:lnL w="12700" cap="flat" cmpd="sng" algn="ctr">
-                      <a:solidFill>
-                        <a:schemeClr val="tx1"/>
-                      </a:solidFill>
-                      <a:prstDash val="solid"/>
-                      <a:round/>
-                      <a:headEnd type="none" w="med" len="med"/>
-                      <a:tailEnd type="none" w="med" len="med"/>
-                    </a:lnL>
-                    <a:lnR w="12700" cap="flat" cmpd="sng" algn="ctr">
-                      <a:solidFill>
-                        <a:schemeClr val="tx1"/>
-                      </a:solidFill>
-                      <a:prstDash val="solid"/>
-                      <a:round/>
-                      <a:headEnd type="none" w="med" len="med"/>
-                      <a:tailEnd type="none" w="med" len="med"/>
-                    </a:lnR>
-                    <a:lnT w="12700" cap="flat" cmpd="sng" algn="ctr">
-                      <a:solidFill>
-                        <a:schemeClr val="tx1"/>
-                      </a:solidFill>
-                      <a:prstDash val="solid"/>
-                      <a:round/>
-                      <a:headEnd type="none" w="med" len="med"/>
-                      <a:tailEnd type="none" w="med" len="med"/>
-                    </a:lnT>
-                    <a:lnB w="12700" cap="flat" cmpd="sng" algn="ctr">
-                      <a:solidFill>
-                        <a:schemeClr val="tx1"/>
-                      </a:solidFill>
-                      <a:prstDash val="solid"/>
-                      <a:round/>
-                      <a:headEnd type="none" w="med" len="med"/>
-                      <a:tailEnd type="none" w="med" len="med"/>
-                    </a:lnB>
-                    <a:lnTlToBr w="12700" cmpd="sng">
-                      <a:noFill/>
-                      <a:prstDash val="solid"/>
-                    </a:lnTlToBr>
-                    <a:lnBlToTr w="12700" cmpd="sng">
-                      <a:noFill/>
-                      <a:prstDash val="solid"/>
-                    </a:lnBlToTr>
+                  <a:tcPr anchor="ctr">
                     <a:solidFill>
-                      <a:schemeClr val="bg1"/>
+                      <a:srgbClr val="990000"/>
                     </a:solidFill>
                   </a:tcPr>
+                </a:tc>
+                <a:extLst>
+                  <a:ext uri="{0D108BD9-81ED-4DB2-BD59-A6C34878D82A}">
+                    <a16:rowId xmlns:a16="http://schemas.microsoft.com/office/drawing/2014/main" val="2350932793"/>
+                  </a:ext>
+                </a:extLst>
+              </a:tr>
+              <a:tr h="762000">
+                <a:tc>
+                  <a:txBody>
+                    <a:bodyPr/>
+                    <a:lstStyle/>
+                    <a:p>
+                      <a:pPr algn="ctr"/>
+                      <a:r>
+                        <a:rPr lang="en-US" sz="2200" dirty="0"/>
+                        <a:t>Vanilla architecture</a:t>
+                      </a:r>
+                      <a:endParaRPr lang="da-DK" sz="2200" dirty="0"/>
+                    </a:p>
+                  </a:txBody>
+                  <a:tcPr anchor="ctr"/>
                 </a:tc>
                 <a:tc>
                   <a:txBody>
                     <a:bodyPr/>
                     <a:lstStyle/>
                     <a:p>
+                      <a:pPr algn="ctr"/>
                       <a:r>
-                        <a:rPr lang="fr-FR" sz="1800" dirty="0" smtClean="0">
-                          <a:solidFill>
-                            <a:schemeClr val="tx1"/>
-                          </a:solidFill>
-                          <a:latin typeface="Arial" panose="020B0604020202020204" pitchFamily="34" charset="0"/>
-                          <a:cs typeface="Arial" panose="020B0604020202020204" pitchFamily="34" charset="0"/>
-                        </a:rPr>
-                        <a:t>F1</a:t>
+                        <a:rPr lang="en-US" sz="2200" dirty="0"/>
+                        <a:t>0.82</a:t>
                       </a:r>
-                      <a:endParaRPr lang="fr-FR" sz="1800" dirty="0">
-                        <a:solidFill>
-                          <a:schemeClr val="tx1"/>
-                        </a:solidFill>
-                        <a:latin typeface="Arial" panose="020B0604020202020204" pitchFamily="34" charset="0"/>
-                        <a:cs typeface="Arial" panose="020B0604020202020204" pitchFamily="34" charset="0"/>
-                      </a:endParaRPr>
+                      <a:endParaRPr lang="da-DK" sz="2200" dirty="0"/>
                     </a:p>
                   </a:txBody>
-                  <a:tcPr>
-                    <a:lnL w="12700" cap="flat" cmpd="sng" algn="ctr">
-                      <a:solidFill>
-                        <a:schemeClr val="tx1"/>
-                      </a:solidFill>
-                      <a:prstDash val="solid"/>
-                      <a:round/>
-                      <a:headEnd type="none" w="med" len="med"/>
-                      <a:tailEnd type="none" w="med" len="med"/>
-                    </a:lnL>
-                    <a:lnR w="12700" cap="flat" cmpd="sng" algn="ctr">
-                      <a:solidFill>
-                        <a:schemeClr val="tx1"/>
-                      </a:solidFill>
-                      <a:prstDash val="solid"/>
-                      <a:round/>
-                      <a:headEnd type="none" w="med" len="med"/>
-                      <a:tailEnd type="none" w="med" len="med"/>
-                    </a:lnR>
-                    <a:lnT w="12700" cap="flat" cmpd="sng" algn="ctr">
-                      <a:solidFill>
-                        <a:schemeClr val="tx1"/>
-                      </a:solidFill>
-                      <a:prstDash val="solid"/>
-                      <a:round/>
-                      <a:headEnd type="none" w="med" len="med"/>
-                      <a:tailEnd type="none" w="med" len="med"/>
-                    </a:lnT>
-                    <a:lnB w="12700" cap="flat" cmpd="sng" algn="ctr">
-                      <a:solidFill>
-                        <a:schemeClr val="tx1"/>
-                      </a:solidFill>
-                      <a:prstDash val="solid"/>
-                      <a:round/>
-                      <a:headEnd type="none" w="med" len="med"/>
-                      <a:tailEnd type="none" w="med" len="med"/>
-                    </a:lnB>
-                    <a:lnTlToBr w="12700" cmpd="sng">
-                      <a:noFill/>
-                      <a:prstDash val="solid"/>
-                    </a:lnTlToBr>
-                    <a:lnBlToTr w="12700" cmpd="sng">
-                      <a:noFill/>
-                      <a:prstDash val="solid"/>
-                    </a:lnBlToTr>
-                    <a:solidFill>
-                      <a:schemeClr val="bg1"/>
-                    </a:solidFill>
-                  </a:tcPr>
-                </a:tc>
-              </a:tr>
-              <a:tr h="370840">
-                <a:tc>
-                  <a:txBody>
-                    <a:bodyPr/>
-                    <a:lstStyle/>
-                    <a:p>
-                      <a:r>
-                        <a:rPr lang="fr-FR" sz="1800" dirty="0" smtClean="0">
-                          <a:solidFill>
-                            <a:schemeClr val="tx1"/>
-                          </a:solidFill>
-                          <a:latin typeface="Arial" panose="020B0604020202020204" pitchFamily="34" charset="0"/>
-                          <a:cs typeface="Arial" panose="020B0604020202020204" pitchFamily="34" charset="0"/>
-                        </a:rPr>
-                        <a:t>Our </a:t>
-                      </a:r>
-                      <a:r>
-                        <a:rPr lang="fr-FR" sz="1800" dirty="0" err="1" smtClean="0">
-                          <a:solidFill>
-                            <a:schemeClr val="tx1"/>
-                          </a:solidFill>
-                          <a:latin typeface="Arial" panose="020B0604020202020204" pitchFamily="34" charset="0"/>
-                          <a:cs typeface="Arial" panose="020B0604020202020204" pitchFamily="34" charset="0"/>
-                        </a:rPr>
-                        <a:t>results</a:t>
-                      </a:r>
-                      <a:endParaRPr lang="fr-FR" sz="1800" dirty="0">
-                        <a:solidFill>
-                          <a:schemeClr val="tx1"/>
-                        </a:solidFill>
-                        <a:latin typeface="Arial" panose="020B0604020202020204" pitchFamily="34" charset="0"/>
-                        <a:cs typeface="Arial" panose="020B0604020202020204" pitchFamily="34" charset="0"/>
-                      </a:endParaRPr>
-                    </a:p>
-                  </a:txBody>
-                  <a:tcPr>
-                    <a:lnL w="12700" cap="flat" cmpd="sng" algn="ctr">
-                      <a:solidFill>
-                        <a:schemeClr val="tx1"/>
-                      </a:solidFill>
-                      <a:prstDash val="solid"/>
-                      <a:round/>
-                      <a:headEnd type="none" w="med" len="med"/>
-                      <a:tailEnd type="none" w="med" len="med"/>
-                    </a:lnL>
-                    <a:lnR w="12700" cap="flat" cmpd="sng" algn="ctr">
-                      <a:solidFill>
-                        <a:schemeClr val="tx1"/>
-                      </a:solidFill>
-                      <a:prstDash val="solid"/>
-                      <a:round/>
-                      <a:headEnd type="none" w="med" len="med"/>
-                      <a:tailEnd type="none" w="med" len="med"/>
-                    </a:lnR>
-                    <a:lnT w="12700" cap="flat" cmpd="sng" algn="ctr">
-                      <a:solidFill>
-                        <a:schemeClr val="tx1"/>
-                      </a:solidFill>
-                      <a:prstDash val="solid"/>
-                      <a:round/>
-                      <a:headEnd type="none" w="med" len="med"/>
-                      <a:tailEnd type="none" w="med" len="med"/>
-                    </a:lnT>
-                    <a:lnB w="12700" cap="flat" cmpd="sng" algn="ctr">
-                      <a:solidFill>
-                        <a:schemeClr val="tx1"/>
-                      </a:solidFill>
-                      <a:prstDash val="solid"/>
-                      <a:round/>
-                      <a:headEnd type="none" w="med" len="med"/>
-                      <a:tailEnd type="none" w="med" len="med"/>
-                    </a:lnB>
-                    <a:lnTlToBr w="12700" cmpd="sng">
-                      <a:noFill/>
-                      <a:prstDash val="solid"/>
-                    </a:lnTlToBr>
-                    <a:lnBlToTr w="12700" cmpd="sng">
-                      <a:noFill/>
-                      <a:prstDash val="solid"/>
-                    </a:lnBlToTr>
-                    <a:solidFill>
-                      <a:schemeClr val="bg1"/>
-                    </a:solidFill>
-                  </a:tcPr>
+                  <a:tcPr anchor="ctr"/>
                 </a:tc>
                 <a:tc>
                   <a:txBody>
                     <a:bodyPr/>
                     <a:lstStyle/>
                     <a:p>
-                      <a:endParaRPr lang="fr-FR" sz="1800" dirty="0">
-                        <a:solidFill>
-                          <a:schemeClr val="tx1"/>
-                        </a:solidFill>
-                        <a:latin typeface="Arial" panose="020B0604020202020204" pitchFamily="34" charset="0"/>
-                        <a:cs typeface="Arial" panose="020B0604020202020204" pitchFamily="34" charset="0"/>
-                      </a:endParaRPr>
+                      <a:pPr algn="ctr"/>
+                      <a:r>
+                        <a:rPr lang="en-US" sz="2200" dirty="0"/>
+                        <a:t>0.473</a:t>
+                      </a:r>
+                      <a:endParaRPr lang="da-DK" sz="2200" dirty="0"/>
                     </a:p>
                   </a:txBody>
-                  <a:tcPr>
-                    <a:lnL w="12700" cap="flat" cmpd="sng" algn="ctr">
-                      <a:solidFill>
-                        <a:schemeClr val="tx1"/>
-                      </a:solidFill>
-                      <a:prstDash val="solid"/>
-                      <a:round/>
-                      <a:headEnd type="none" w="med" len="med"/>
-                      <a:tailEnd type="none" w="med" len="med"/>
-                    </a:lnL>
-                    <a:lnR w="12700" cap="flat" cmpd="sng" algn="ctr">
-                      <a:solidFill>
-                        <a:schemeClr val="tx1"/>
-                      </a:solidFill>
-                      <a:prstDash val="solid"/>
-                      <a:round/>
-                      <a:headEnd type="none" w="med" len="med"/>
-                      <a:tailEnd type="none" w="med" len="med"/>
-                    </a:lnR>
-                    <a:lnT w="12700" cap="flat" cmpd="sng" algn="ctr">
-                      <a:solidFill>
-                        <a:schemeClr val="tx1"/>
-                      </a:solidFill>
-                      <a:prstDash val="solid"/>
-                      <a:round/>
-                      <a:headEnd type="none" w="med" len="med"/>
-                      <a:tailEnd type="none" w="med" len="med"/>
-                    </a:lnT>
-                    <a:lnB w="12700" cap="flat" cmpd="sng" algn="ctr">
-                      <a:solidFill>
-                        <a:schemeClr val="tx1"/>
-                      </a:solidFill>
-                      <a:prstDash val="solid"/>
-                      <a:round/>
-                      <a:headEnd type="none" w="med" len="med"/>
-                      <a:tailEnd type="none" w="med" len="med"/>
-                    </a:lnB>
-                    <a:lnTlToBr w="12700" cmpd="sng">
-                      <a:noFill/>
-                      <a:prstDash val="solid"/>
-                    </a:lnTlToBr>
-                    <a:lnBlToTr w="12700" cmpd="sng">
-                      <a:noFill/>
-                      <a:prstDash val="solid"/>
-                    </a:lnBlToTr>
-                    <a:solidFill>
-                      <a:schemeClr val="bg1"/>
-                    </a:solidFill>
-                  </a:tcPr>
+                  <a:tcPr anchor="ctr"/>
                 </a:tc>
                 <a:tc>
                   <a:txBody>
                     <a:bodyPr/>
                     <a:lstStyle/>
                     <a:p>
-                      <a:endParaRPr lang="fr-FR" sz="1800" dirty="0">
-                        <a:solidFill>
-                          <a:schemeClr val="tx1"/>
-                        </a:solidFill>
-                        <a:latin typeface="Arial" panose="020B0604020202020204" pitchFamily="34" charset="0"/>
-                        <a:cs typeface="Arial" panose="020B0604020202020204" pitchFamily="34" charset="0"/>
-                      </a:endParaRPr>
+                      <a:pPr algn="ctr"/>
+                      <a:r>
+                        <a:rPr lang="en-US" sz="2200" dirty="0"/>
+                        <a:t>0.572</a:t>
+                      </a:r>
+                      <a:endParaRPr lang="da-DK" sz="2200" dirty="0"/>
                     </a:p>
                   </a:txBody>
-                  <a:tcPr>
-                    <a:lnL w="12700" cap="flat" cmpd="sng" algn="ctr">
-                      <a:solidFill>
-                        <a:schemeClr val="tx1"/>
-                      </a:solidFill>
-                      <a:prstDash val="solid"/>
-                      <a:round/>
-                      <a:headEnd type="none" w="med" len="med"/>
-                      <a:tailEnd type="none" w="med" len="med"/>
-                    </a:lnL>
-                    <a:lnR w="12700" cap="flat" cmpd="sng" algn="ctr">
-                      <a:solidFill>
-                        <a:schemeClr val="tx1"/>
-                      </a:solidFill>
-                      <a:prstDash val="solid"/>
-                      <a:round/>
-                      <a:headEnd type="none" w="med" len="med"/>
-                      <a:tailEnd type="none" w="med" len="med"/>
-                    </a:lnR>
-                    <a:lnT w="12700" cap="flat" cmpd="sng" algn="ctr">
-                      <a:solidFill>
-                        <a:schemeClr val="tx1"/>
-                      </a:solidFill>
-                      <a:prstDash val="solid"/>
-                      <a:round/>
-                      <a:headEnd type="none" w="med" len="med"/>
-                      <a:tailEnd type="none" w="med" len="med"/>
-                    </a:lnT>
-                    <a:lnB w="12700" cap="flat" cmpd="sng" algn="ctr">
-                      <a:solidFill>
-                        <a:schemeClr val="tx1"/>
-                      </a:solidFill>
-                      <a:prstDash val="solid"/>
-                      <a:round/>
-                      <a:headEnd type="none" w="med" len="med"/>
-                      <a:tailEnd type="none" w="med" len="med"/>
-                    </a:lnB>
-                    <a:lnTlToBr w="12700" cmpd="sng">
-                      <a:noFill/>
-                      <a:prstDash val="solid"/>
-                    </a:lnTlToBr>
-                    <a:lnBlToTr w="12700" cmpd="sng">
-                      <a:noFill/>
-                      <a:prstDash val="solid"/>
-                    </a:lnBlToTr>
-                    <a:solidFill>
-                      <a:schemeClr val="bg1"/>
-                    </a:solidFill>
-                  </a:tcPr>
+                  <a:tcPr anchor="ctr"/>
                 </a:tc>
                 <a:tc>
                   <a:txBody>
                     <a:bodyPr/>
                     <a:lstStyle/>
                     <a:p>
-                      <a:endParaRPr lang="fr-FR" sz="1800" dirty="0">
-                        <a:solidFill>
-                          <a:schemeClr val="tx1"/>
-                        </a:solidFill>
-                        <a:latin typeface="Arial" panose="020B0604020202020204" pitchFamily="34" charset="0"/>
-                        <a:cs typeface="Arial" panose="020B0604020202020204" pitchFamily="34" charset="0"/>
-                      </a:endParaRPr>
+                      <a:pPr algn="ctr"/>
+                      <a:r>
+                        <a:rPr lang="en-US" sz="2200" dirty="0"/>
+                        <a:t>0.658</a:t>
+                      </a:r>
+                      <a:endParaRPr lang="da-DK" sz="2200" dirty="0"/>
                     </a:p>
                   </a:txBody>
-                  <a:tcPr>
-                    <a:lnL w="12700" cap="flat" cmpd="sng" algn="ctr">
-                      <a:solidFill>
-                        <a:schemeClr val="tx1"/>
-                      </a:solidFill>
-                      <a:prstDash val="solid"/>
-                      <a:round/>
-                      <a:headEnd type="none" w="med" len="med"/>
-                      <a:tailEnd type="none" w="med" len="med"/>
-                    </a:lnL>
-                    <a:lnR w="12700" cap="flat" cmpd="sng" algn="ctr">
-                      <a:solidFill>
-                        <a:schemeClr val="tx1"/>
-                      </a:solidFill>
-                      <a:prstDash val="solid"/>
-                      <a:round/>
-                      <a:headEnd type="none" w="med" len="med"/>
-                      <a:tailEnd type="none" w="med" len="med"/>
-                    </a:lnR>
-                    <a:lnT w="12700" cap="flat" cmpd="sng" algn="ctr">
-                      <a:solidFill>
-                        <a:schemeClr val="tx1"/>
-                      </a:solidFill>
-                      <a:prstDash val="solid"/>
-                      <a:round/>
-                      <a:headEnd type="none" w="med" len="med"/>
-                      <a:tailEnd type="none" w="med" len="med"/>
-                    </a:lnT>
-                    <a:lnB w="12700" cap="flat" cmpd="sng" algn="ctr">
-                      <a:solidFill>
-                        <a:schemeClr val="tx1"/>
-                      </a:solidFill>
-                      <a:prstDash val="solid"/>
-                      <a:round/>
-                      <a:headEnd type="none" w="med" len="med"/>
-                      <a:tailEnd type="none" w="med" len="med"/>
-                    </a:lnB>
-                    <a:lnTlToBr w="12700" cmpd="sng">
-                      <a:noFill/>
-                      <a:prstDash val="solid"/>
-                    </a:lnTlToBr>
-                    <a:lnBlToTr w="12700" cmpd="sng">
-                      <a:noFill/>
-                      <a:prstDash val="solid"/>
-                    </a:lnBlToTr>
-                    <a:solidFill>
-                      <a:schemeClr val="bg1"/>
-                    </a:solidFill>
-                  </a:tcPr>
+                  <a:tcPr anchor="ctr"/>
                 </a:tc>
                 <a:tc>
                   <a:txBody>
                     <a:bodyPr/>
                     <a:lstStyle/>
                     <a:p>
-                      <a:endParaRPr lang="fr-FR" sz="1800" dirty="0">
-                        <a:solidFill>
-                          <a:schemeClr val="tx1"/>
-                        </a:solidFill>
-                        <a:latin typeface="Arial" panose="020B0604020202020204" pitchFamily="34" charset="0"/>
-                        <a:cs typeface="Arial" panose="020B0604020202020204" pitchFamily="34" charset="0"/>
-                      </a:endParaRPr>
+                      <a:pPr algn="ctr"/>
+                      <a:r>
+                        <a:rPr lang="en-US" sz="2200" dirty="0"/>
+                        <a:t>0.612</a:t>
+                      </a:r>
+                      <a:endParaRPr lang="da-DK" sz="2200" dirty="0"/>
                     </a:p>
                   </a:txBody>
-                  <a:tcPr>
-                    <a:lnL w="12700" cap="flat" cmpd="sng" algn="ctr">
-                      <a:solidFill>
-                        <a:schemeClr val="tx1"/>
-                      </a:solidFill>
-                      <a:prstDash val="solid"/>
-                      <a:round/>
-                      <a:headEnd type="none" w="med" len="med"/>
-                      <a:tailEnd type="none" w="med" len="med"/>
-                    </a:lnL>
-                    <a:lnR w="12700" cap="flat" cmpd="sng" algn="ctr">
-                      <a:solidFill>
-                        <a:schemeClr val="tx1"/>
-                      </a:solidFill>
-                      <a:prstDash val="solid"/>
-                      <a:round/>
-                      <a:headEnd type="none" w="med" len="med"/>
-                      <a:tailEnd type="none" w="med" len="med"/>
-                    </a:lnR>
-                    <a:lnT w="12700" cap="flat" cmpd="sng" algn="ctr">
-                      <a:solidFill>
-                        <a:schemeClr val="tx1"/>
-                      </a:solidFill>
-                      <a:prstDash val="solid"/>
-                      <a:round/>
-                      <a:headEnd type="none" w="med" len="med"/>
-                      <a:tailEnd type="none" w="med" len="med"/>
-                    </a:lnT>
-                    <a:lnB w="12700" cap="flat" cmpd="sng" algn="ctr">
-                      <a:solidFill>
-                        <a:schemeClr val="tx1"/>
-                      </a:solidFill>
-                      <a:prstDash val="solid"/>
-                      <a:round/>
-                      <a:headEnd type="none" w="med" len="med"/>
-                      <a:tailEnd type="none" w="med" len="med"/>
-                    </a:lnB>
-                    <a:lnTlToBr w="12700" cmpd="sng">
-                      <a:noFill/>
-                      <a:prstDash val="solid"/>
-                    </a:lnTlToBr>
-                    <a:lnBlToTr w="12700" cmpd="sng">
-                      <a:noFill/>
-                      <a:prstDash val="solid"/>
-                    </a:lnBlToTr>
-                    <a:solidFill>
-                      <a:schemeClr val="bg1"/>
-                    </a:solidFill>
-                  </a:tcPr>
+                  <a:tcPr anchor="ctr"/>
+                </a:tc>
+                <a:extLst>
+                  <a:ext uri="{0D108BD9-81ED-4DB2-BD59-A6C34878D82A}">
+                    <a16:rowId xmlns:a16="http://schemas.microsoft.com/office/drawing/2014/main" val="2262440005"/>
+                  </a:ext>
+                </a:extLst>
+              </a:tr>
+              <a:tr h="762000">
+                <a:tc>
+                  <a:txBody>
+                    <a:bodyPr/>
+                    <a:lstStyle/>
+                    <a:p>
+                      <a:pPr algn="ctr"/>
+                      <a:r>
+                        <a:rPr lang="en-US" sz="2200" dirty="0"/>
+                        <a:t>Improved architecture </a:t>
+                      </a:r>
+                      <a:endParaRPr lang="da-DK" sz="2200" dirty="0"/>
+                    </a:p>
+                  </a:txBody>
+                  <a:tcPr anchor="ctr"/>
                 </a:tc>
                 <a:tc>
                   <a:txBody>
                     <a:bodyPr/>
                     <a:lstStyle/>
                     <a:p>
-                      <a:endParaRPr lang="fr-FR" sz="1800" dirty="0">
-                        <a:solidFill>
-                          <a:schemeClr val="tx1"/>
-                        </a:solidFill>
-                        <a:latin typeface="Arial" panose="020B0604020202020204" pitchFamily="34" charset="0"/>
-                        <a:cs typeface="Arial" panose="020B0604020202020204" pitchFamily="34" charset="0"/>
-                      </a:endParaRPr>
+                      <a:pPr algn="ctr"/>
+                      <a:r>
+                        <a:rPr lang="en-US" sz="2200" dirty="0"/>
+                        <a:t>0.86</a:t>
+                      </a:r>
+                      <a:endParaRPr lang="da-DK" sz="2200" dirty="0"/>
                     </a:p>
                   </a:txBody>
-                  <a:tcPr>
-                    <a:lnL w="12700" cap="flat" cmpd="sng" algn="ctr">
-                      <a:solidFill>
-                        <a:schemeClr val="tx1"/>
-                      </a:solidFill>
-                      <a:prstDash val="solid"/>
-                      <a:round/>
-                      <a:headEnd type="none" w="med" len="med"/>
-                      <a:tailEnd type="none" w="med" len="med"/>
-                    </a:lnL>
-                    <a:lnR w="12700" cap="flat" cmpd="sng" algn="ctr">
-                      <a:solidFill>
-                        <a:schemeClr val="tx1"/>
-                      </a:solidFill>
-                      <a:prstDash val="solid"/>
-                      <a:round/>
-                      <a:headEnd type="none" w="med" len="med"/>
-                      <a:tailEnd type="none" w="med" len="med"/>
-                    </a:lnR>
-                    <a:lnT w="12700" cap="flat" cmpd="sng" algn="ctr">
-                      <a:solidFill>
-                        <a:schemeClr val="tx1"/>
-                      </a:solidFill>
-                      <a:prstDash val="solid"/>
-                      <a:round/>
-                      <a:headEnd type="none" w="med" len="med"/>
-                      <a:tailEnd type="none" w="med" len="med"/>
-                    </a:lnT>
-                    <a:lnB w="12700" cap="flat" cmpd="sng" algn="ctr">
-                      <a:solidFill>
-                        <a:schemeClr val="tx1"/>
-                      </a:solidFill>
-                      <a:prstDash val="solid"/>
-                      <a:round/>
-                      <a:headEnd type="none" w="med" len="med"/>
-                      <a:tailEnd type="none" w="med" len="med"/>
-                    </a:lnB>
-                    <a:lnTlToBr w="12700" cmpd="sng">
-                      <a:noFill/>
-                      <a:prstDash val="solid"/>
-                    </a:lnTlToBr>
-                    <a:lnBlToTr w="12700" cmpd="sng">
-                      <a:noFill/>
-                      <a:prstDash val="solid"/>
-                    </a:lnBlToTr>
-                    <a:solidFill>
-                      <a:schemeClr val="bg1"/>
-                    </a:solidFill>
-                  </a:tcPr>
+                  <a:tcPr anchor="ctr"/>
                 </a:tc>
                 <a:tc>
                   <a:txBody>
                     <a:bodyPr/>
                     <a:lstStyle/>
                     <a:p>
-                      <a:endParaRPr lang="fr-FR" sz="1800" dirty="0">
-                        <a:solidFill>
-                          <a:schemeClr val="tx1"/>
-                        </a:solidFill>
-                        <a:latin typeface="Arial" panose="020B0604020202020204" pitchFamily="34" charset="0"/>
-                        <a:cs typeface="Arial" panose="020B0604020202020204" pitchFamily="34" charset="0"/>
-                      </a:endParaRPr>
+                      <a:pPr algn="ctr"/>
+                      <a:r>
+                        <a:rPr lang="en-US" sz="2200" dirty="0"/>
+                        <a:t>0.452</a:t>
+                      </a:r>
+                      <a:endParaRPr lang="da-DK" sz="2200" dirty="0"/>
                     </a:p>
                   </a:txBody>
-                  <a:tcPr>
-                    <a:lnL w="12700" cap="flat" cmpd="sng" algn="ctr">
-                      <a:solidFill>
-                        <a:schemeClr val="tx1"/>
-                      </a:solidFill>
-                      <a:prstDash val="solid"/>
-                      <a:round/>
-                      <a:headEnd type="none" w="med" len="med"/>
-                      <a:tailEnd type="none" w="med" len="med"/>
-                    </a:lnL>
-                    <a:lnR w="12700" cap="flat" cmpd="sng" algn="ctr">
-                      <a:solidFill>
-                        <a:schemeClr val="tx1"/>
-                      </a:solidFill>
-                      <a:prstDash val="solid"/>
-                      <a:round/>
-                      <a:headEnd type="none" w="med" len="med"/>
-                      <a:tailEnd type="none" w="med" len="med"/>
-                    </a:lnR>
-                    <a:lnT w="12700" cap="flat" cmpd="sng" algn="ctr">
-                      <a:solidFill>
-                        <a:schemeClr val="tx1"/>
-                      </a:solidFill>
-                      <a:prstDash val="solid"/>
-                      <a:round/>
-                      <a:headEnd type="none" w="med" len="med"/>
-                      <a:tailEnd type="none" w="med" len="med"/>
-                    </a:lnT>
-                    <a:lnB w="12700" cap="flat" cmpd="sng" algn="ctr">
-                      <a:solidFill>
-                        <a:schemeClr val="tx1"/>
-                      </a:solidFill>
-                      <a:prstDash val="solid"/>
-                      <a:round/>
-                      <a:headEnd type="none" w="med" len="med"/>
-                      <a:tailEnd type="none" w="med" len="med"/>
-                    </a:lnB>
-                    <a:lnTlToBr w="12700" cmpd="sng">
-                      <a:noFill/>
-                      <a:prstDash val="solid"/>
-                    </a:lnTlToBr>
-                    <a:lnBlToTr w="12700" cmpd="sng">
-                      <a:noFill/>
-                      <a:prstDash val="solid"/>
-                    </a:lnBlToTr>
-                    <a:solidFill>
-                      <a:schemeClr val="bg1"/>
-                    </a:solidFill>
-                  </a:tcPr>
-                </a:tc>
-              </a:tr>
-              <a:tr h="370840">
-                <a:tc>
-                  <a:txBody>
-                    <a:bodyPr/>
-                    <a:lstStyle/>
-                    <a:p>
-                      <a:r>
-                        <a:rPr lang="fr-FR" sz="1800" dirty="0" smtClean="0">
-                          <a:solidFill>
-                            <a:schemeClr val="tx1"/>
-                          </a:solidFill>
-                          <a:latin typeface="Arial" panose="020B0604020202020204" pitchFamily="34" charset="0"/>
-                          <a:cs typeface="Arial" panose="020B0604020202020204" pitchFamily="34" charset="0"/>
-                        </a:rPr>
-                        <a:t>Ida </a:t>
-                      </a:r>
-                      <a:r>
-                        <a:rPr lang="fr-FR" sz="1800" dirty="0" err="1" smtClean="0">
-                          <a:solidFill>
-                            <a:schemeClr val="tx1"/>
-                          </a:solidFill>
-                          <a:latin typeface="Arial" panose="020B0604020202020204" pitchFamily="34" charset="0"/>
-                          <a:cs typeface="Arial" panose="020B0604020202020204" pitchFamily="34" charset="0"/>
-                        </a:rPr>
-                        <a:t>Meitil’s</a:t>
-                      </a:r>
-                      <a:r>
-                        <a:rPr lang="fr-FR" sz="1800" dirty="0" smtClean="0">
-                          <a:solidFill>
-                            <a:schemeClr val="tx1"/>
-                          </a:solidFill>
-                          <a:latin typeface="Arial" panose="020B0604020202020204" pitchFamily="34" charset="0"/>
-                          <a:cs typeface="Arial" panose="020B0604020202020204" pitchFamily="34" charset="0"/>
-                        </a:rPr>
-                        <a:t> </a:t>
-                      </a:r>
-                      <a:r>
-                        <a:rPr lang="fr-FR" sz="1800" dirty="0" err="1" smtClean="0">
-                          <a:solidFill>
-                            <a:schemeClr val="tx1"/>
-                          </a:solidFill>
-                          <a:latin typeface="Arial" panose="020B0604020202020204" pitchFamily="34" charset="0"/>
-                          <a:cs typeface="Arial" panose="020B0604020202020204" pitchFamily="34" charset="0"/>
-                        </a:rPr>
-                        <a:t>results</a:t>
-                      </a:r>
-                      <a:endParaRPr lang="fr-FR" sz="1800" dirty="0">
-                        <a:solidFill>
-                          <a:schemeClr val="tx1"/>
-                        </a:solidFill>
-                        <a:latin typeface="Arial" panose="020B0604020202020204" pitchFamily="34" charset="0"/>
-                        <a:cs typeface="Arial" panose="020B0604020202020204" pitchFamily="34" charset="0"/>
-                      </a:endParaRPr>
-                    </a:p>
-                  </a:txBody>
-                  <a:tcPr>
-                    <a:lnL w="12700" cap="flat" cmpd="sng" algn="ctr">
-                      <a:solidFill>
-                        <a:schemeClr val="tx1"/>
-                      </a:solidFill>
-                      <a:prstDash val="solid"/>
-                      <a:round/>
-                      <a:headEnd type="none" w="med" len="med"/>
-                      <a:tailEnd type="none" w="med" len="med"/>
-                    </a:lnL>
-                    <a:lnR w="12700" cap="flat" cmpd="sng" algn="ctr">
-                      <a:solidFill>
-                        <a:schemeClr val="tx1"/>
-                      </a:solidFill>
-                      <a:prstDash val="solid"/>
-                      <a:round/>
-                      <a:headEnd type="none" w="med" len="med"/>
-                      <a:tailEnd type="none" w="med" len="med"/>
-                    </a:lnR>
-                    <a:lnT w="12700" cap="flat" cmpd="sng" algn="ctr">
-                      <a:solidFill>
-                        <a:schemeClr val="tx1"/>
-                      </a:solidFill>
-                      <a:prstDash val="solid"/>
-                      <a:round/>
-                      <a:headEnd type="none" w="med" len="med"/>
-                      <a:tailEnd type="none" w="med" len="med"/>
-                    </a:lnT>
-                    <a:lnB w="12700" cap="flat" cmpd="sng" algn="ctr">
-                      <a:solidFill>
-                        <a:schemeClr val="tx1"/>
-                      </a:solidFill>
-                      <a:prstDash val="solid"/>
-                      <a:round/>
-                      <a:headEnd type="none" w="med" len="med"/>
-                      <a:tailEnd type="none" w="med" len="med"/>
-                    </a:lnB>
-                    <a:lnTlToBr w="12700" cmpd="sng">
-                      <a:noFill/>
-                      <a:prstDash val="solid"/>
-                    </a:lnTlToBr>
-                    <a:lnBlToTr w="12700" cmpd="sng">
-                      <a:noFill/>
-                      <a:prstDash val="solid"/>
-                    </a:lnBlToTr>
-                    <a:solidFill>
-                      <a:schemeClr val="bg1"/>
-                    </a:solidFill>
-                  </a:tcPr>
+                  <a:tcPr anchor="ctr"/>
                 </a:tc>
                 <a:tc>
                   <a:txBody>
                     <a:bodyPr/>
                     <a:lstStyle/>
                     <a:p>
+                      <a:pPr algn="ctr"/>
                       <a:r>
-                        <a:rPr lang="fr-FR" sz="1800" dirty="0" smtClean="0">
-                          <a:solidFill>
-                            <a:schemeClr val="tx1"/>
-                          </a:solidFill>
-                          <a:latin typeface="Arial" panose="020B0604020202020204" pitchFamily="34" charset="0"/>
-                          <a:cs typeface="Arial" panose="020B0604020202020204" pitchFamily="34" charset="0"/>
-                        </a:rPr>
-                        <a:t>0.84</a:t>
+                        <a:rPr lang="en-US" sz="2200" dirty="0"/>
+                        <a:t>0.468</a:t>
                       </a:r>
-                      <a:endParaRPr lang="fr-FR" sz="1800" dirty="0">
-                        <a:solidFill>
-                          <a:schemeClr val="tx1"/>
-                        </a:solidFill>
-                        <a:latin typeface="Arial" panose="020B0604020202020204" pitchFamily="34" charset="0"/>
-                        <a:cs typeface="Arial" panose="020B0604020202020204" pitchFamily="34" charset="0"/>
-                      </a:endParaRPr>
+                      <a:endParaRPr lang="da-DK" sz="2200" dirty="0"/>
                     </a:p>
                   </a:txBody>
-                  <a:tcPr>
-                    <a:lnL w="12700" cap="flat" cmpd="sng" algn="ctr">
-                      <a:solidFill>
-                        <a:schemeClr val="tx1"/>
-                      </a:solidFill>
-                      <a:prstDash val="solid"/>
-                      <a:round/>
-                      <a:headEnd type="none" w="med" len="med"/>
-                      <a:tailEnd type="none" w="med" len="med"/>
-                    </a:lnL>
-                    <a:lnR w="12700" cap="flat" cmpd="sng" algn="ctr">
-                      <a:solidFill>
-                        <a:schemeClr val="tx1"/>
-                      </a:solidFill>
-                      <a:prstDash val="solid"/>
-                      <a:round/>
-                      <a:headEnd type="none" w="med" len="med"/>
-                      <a:tailEnd type="none" w="med" len="med"/>
-                    </a:lnR>
-                    <a:lnT w="12700" cap="flat" cmpd="sng" algn="ctr">
-                      <a:solidFill>
-                        <a:schemeClr val="tx1"/>
-                      </a:solidFill>
-                      <a:prstDash val="solid"/>
-                      <a:round/>
-                      <a:headEnd type="none" w="med" len="med"/>
-                      <a:tailEnd type="none" w="med" len="med"/>
-                    </a:lnT>
-                    <a:lnB w="12700" cap="flat" cmpd="sng" algn="ctr">
-                      <a:solidFill>
-                        <a:schemeClr val="tx1"/>
-                      </a:solidFill>
-                      <a:prstDash val="solid"/>
-                      <a:round/>
-                      <a:headEnd type="none" w="med" len="med"/>
-                      <a:tailEnd type="none" w="med" len="med"/>
-                    </a:lnB>
-                    <a:lnTlToBr w="12700" cmpd="sng">
-                      <a:noFill/>
-                      <a:prstDash val="solid"/>
-                    </a:lnTlToBr>
-                    <a:lnBlToTr w="12700" cmpd="sng">
-                      <a:noFill/>
-                      <a:prstDash val="solid"/>
-                    </a:lnBlToTr>
-                    <a:solidFill>
-                      <a:schemeClr val="bg1"/>
-                    </a:solidFill>
-                  </a:tcPr>
+                  <a:tcPr anchor="ctr"/>
                 </a:tc>
                 <a:tc>
                   <a:txBody>
                     <a:bodyPr/>
                     <a:lstStyle/>
                     <a:p>
+                      <a:pPr algn="ctr"/>
                       <a:r>
-                        <a:rPr lang="fr-FR" sz="1800" dirty="0" smtClean="0">
-                          <a:solidFill>
-                            <a:schemeClr val="tx1"/>
-                          </a:solidFill>
-                          <a:latin typeface="Arial" panose="020B0604020202020204" pitchFamily="34" charset="0"/>
-                          <a:cs typeface="Arial" panose="020B0604020202020204" pitchFamily="34" charset="0"/>
-                        </a:rPr>
-                        <a:t>0.63</a:t>
+                        <a:rPr lang="en-US" sz="2200" dirty="0"/>
+                        <a:t>0.833</a:t>
                       </a:r>
-                      <a:endParaRPr lang="fr-FR" sz="1800" dirty="0">
-                        <a:solidFill>
-                          <a:schemeClr val="tx1"/>
-                        </a:solidFill>
-                        <a:latin typeface="Arial" panose="020B0604020202020204" pitchFamily="34" charset="0"/>
-                        <a:cs typeface="Arial" panose="020B0604020202020204" pitchFamily="34" charset="0"/>
-                      </a:endParaRPr>
+                      <a:endParaRPr lang="da-DK" sz="2200" dirty="0"/>
                     </a:p>
                   </a:txBody>
-                  <a:tcPr>
-                    <a:lnL w="12700" cap="flat" cmpd="sng" algn="ctr">
-                      <a:solidFill>
-                        <a:schemeClr val="tx1"/>
-                      </a:solidFill>
-                      <a:prstDash val="solid"/>
-                      <a:round/>
-                      <a:headEnd type="none" w="med" len="med"/>
-                      <a:tailEnd type="none" w="med" len="med"/>
-                    </a:lnL>
-                    <a:lnR w="12700" cap="flat" cmpd="sng" algn="ctr">
-                      <a:solidFill>
-                        <a:schemeClr val="tx1"/>
-                      </a:solidFill>
-                      <a:prstDash val="solid"/>
-                      <a:round/>
-                      <a:headEnd type="none" w="med" len="med"/>
-                      <a:tailEnd type="none" w="med" len="med"/>
-                    </a:lnR>
-                    <a:lnT w="12700" cap="flat" cmpd="sng" algn="ctr">
-                      <a:solidFill>
-                        <a:schemeClr val="tx1"/>
-                      </a:solidFill>
-                      <a:prstDash val="solid"/>
-                      <a:round/>
-                      <a:headEnd type="none" w="med" len="med"/>
-                      <a:tailEnd type="none" w="med" len="med"/>
-                    </a:lnT>
-                    <a:lnB w="12700" cap="flat" cmpd="sng" algn="ctr">
-                      <a:solidFill>
-                        <a:schemeClr val="tx1"/>
-                      </a:solidFill>
-                      <a:prstDash val="solid"/>
-                      <a:round/>
-                      <a:headEnd type="none" w="med" len="med"/>
-                      <a:tailEnd type="none" w="med" len="med"/>
-                    </a:lnB>
-                    <a:lnTlToBr w="12700" cmpd="sng">
-                      <a:noFill/>
-                      <a:prstDash val="solid"/>
-                    </a:lnTlToBr>
-                    <a:lnBlToTr w="12700" cmpd="sng">
-                      <a:noFill/>
-                      <a:prstDash val="solid"/>
-                    </a:lnBlToTr>
-                    <a:solidFill>
-                      <a:schemeClr val="bg1"/>
-                    </a:solidFill>
-                  </a:tcPr>
+                  <a:tcPr anchor="ctr"/>
                 </a:tc>
                 <a:tc>
                   <a:txBody>
                     <a:bodyPr/>
                     <a:lstStyle/>
                     <a:p>
+                      <a:pPr algn="ctr"/>
                       <a:r>
-                        <a:rPr lang="fr-FR" sz="1800" dirty="0" smtClean="0">
-                          <a:solidFill>
-                            <a:schemeClr val="tx1"/>
-                          </a:solidFill>
-                          <a:latin typeface="Arial" panose="020B0604020202020204" pitchFamily="34" charset="0"/>
-                          <a:cs typeface="Arial" panose="020B0604020202020204" pitchFamily="34" charset="0"/>
-                        </a:rPr>
-                        <a:t>0.88</a:t>
+                        <a:rPr lang="en-US" sz="2200" dirty="0"/>
+                        <a:t>0.600</a:t>
                       </a:r>
-                      <a:endParaRPr lang="fr-FR" sz="1800" dirty="0">
-                        <a:solidFill>
-                          <a:schemeClr val="tx1"/>
-                        </a:solidFill>
-                        <a:latin typeface="Arial" panose="020B0604020202020204" pitchFamily="34" charset="0"/>
-                        <a:cs typeface="Arial" panose="020B0604020202020204" pitchFamily="34" charset="0"/>
-                      </a:endParaRPr>
+                      <a:endParaRPr lang="da-DK" sz="2200" dirty="0"/>
                     </a:p>
                   </a:txBody>
-                  <a:tcPr>
-                    <a:lnL w="12700" cap="flat" cmpd="sng" algn="ctr">
-                      <a:solidFill>
-                        <a:schemeClr val="tx1"/>
-                      </a:solidFill>
-                      <a:prstDash val="solid"/>
-                      <a:round/>
-                      <a:headEnd type="none" w="med" len="med"/>
-                      <a:tailEnd type="none" w="med" len="med"/>
-                    </a:lnL>
-                    <a:lnR w="12700" cap="flat" cmpd="sng" algn="ctr">
-                      <a:solidFill>
-                        <a:schemeClr val="tx1"/>
-                      </a:solidFill>
-                      <a:prstDash val="solid"/>
-                      <a:round/>
-                      <a:headEnd type="none" w="med" len="med"/>
-                      <a:tailEnd type="none" w="med" len="med"/>
-                    </a:lnR>
-                    <a:lnT w="12700" cap="flat" cmpd="sng" algn="ctr">
-                      <a:solidFill>
-                        <a:schemeClr val="tx1"/>
-                      </a:solidFill>
-                      <a:prstDash val="solid"/>
-                      <a:round/>
-                      <a:headEnd type="none" w="med" len="med"/>
-                      <a:tailEnd type="none" w="med" len="med"/>
-                    </a:lnT>
-                    <a:lnB w="12700" cap="flat" cmpd="sng" algn="ctr">
-                      <a:solidFill>
-                        <a:schemeClr val="tx1"/>
-                      </a:solidFill>
-                      <a:prstDash val="solid"/>
-                      <a:round/>
-                      <a:headEnd type="none" w="med" len="med"/>
-                      <a:tailEnd type="none" w="med" len="med"/>
-                    </a:lnB>
-                    <a:lnTlToBr w="12700" cmpd="sng">
-                      <a:noFill/>
-                      <a:prstDash val="solid"/>
-                    </a:lnTlToBr>
-                    <a:lnBlToTr w="12700" cmpd="sng">
-                      <a:noFill/>
-                      <a:prstDash val="solid"/>
-                    </a:lnBlToTr>
-                    <a:solidFill>
-                      <a:schemeClr val="bg1"/>
-                    </a:solidFill>
-                  </a:tcPr>
+                  <a:tcPr anchor="ctr"/>
+                </a:tc>
+                <a:extLst>
+                  <a:ext uri="{0D108BD9-81ED-4DB2-BD59-A6C34878D82A}">
+                    <a16:rowId xmlns:a16="http://schemas.microsoft.com/office/drawing/2014/main" val="3805626318"/>
+                  </a:ext>
+                </a:extLst>
+              </a:tr>
+              <a:tr h="762000">
+                <a:tc>
+                  <a:txBody>
+                    <a:bodyPr/>
+                    <a:lstStyle/>
+                    <a:p>
+                      <a:pPr algn="ctr"/>
+                      <a:r>
+                        <a:rPr lang="en-US" sz="2200" dirty="0"/>
+                        <a:t>Improved architecture with BLOSUM encoding</a:t>
+                      </a:r>
+                      <a:endParaRPr lang="da-DK" sz="2200" dirty="0"/>
+                    </a:p>
+                  </a:txBody>
+                  <a:tcPr anchor="ctr"/>
                 </a:tc>
                 <a:tc>
                   <a:txBody>
                     <a:bodyPr/>
                     <a:lstStyle/>
                     <a:p>
+                      <a:pPr algn="ctr"/>
                       <a:r>
-                        <a:rPr lang="fr-FR" sz="1800" dirty="0" smtClean="0">
-                          <a:solidFill>
-                            <a:schemeClr val="tx1"/>
-                          </a:solidFill>
-                          <a:latin typeface="Arial" panose="020B0604020202020204" pitchFamily="34" charset="0"/>
-                          <a:cs typeface="Arial" panose="020B0604020202020204" pitchFamily="34" charset="0"/>
-                        </a:rPr>
-                        <a:t>0.79</a:t>
+                        <a:rPr lang="en-US" sz="2200" dirty="0"/>
+                        <a:t>0.88</a:t>
                       </a:r>
-                      <a:endParaRPr lang="fr-FR" sz="1800" dirty="0">
-                        <a:solidFill>
-                          <a:schemeClr val="tx1"/>
-                        </a:solidFill>
-                        <a:latin typeface="Arial" panose="020B0604020202020204" pitchFamily="34" charset="0"/>
-                        <a:cs typeface="Arial" panose="020B0604020202020204" pitchFamily="34" charset="0"/>
-                      </a:endParaRPr>
+                      <a:endParaRPr lang="da-DK" sz="2200" dirty="0"/>
                     </a:p>
                   </a:txBody>
-                  <a:tcPr>
-                    <a:lnL w="12700" cap="flat" cmpd="sng" algn="ctr">
-                      <a:solidFill>
-                        <a:schemeClr val="tx1"/>
-                      </a:solidFill>
-                      <a:prstDash val="solid"/>
-                      <a:round/>
-                      <a:headEnd type="none" w="med" len="med"/>
-                      <a:tailEnd type="none" w="med" len="med"/>
-                    </a:lnL>
-                    <a:lnR w="12700" cap="flat" cmpd="sng" algn="ctr">
-                      <a:solidFill>
-                        <a:schemeClr val="tx1"/>
-                      </a:solidFill>
-                      <a:prstDash val="solid"/>
-                      <a:round/>
-                      <a:headEnd type="none" w="med" len="med"/>
-                      <a:tailEnd type="none" w="med" len="med"/>
-                    </a:lnR>
-                    <a:lnT w="12700" cap="flat" cmpd="sng" algn="ctr">
-                      <a:solidFill>
-                        <a:schemeClr val="tx1"/>
-                      </a:solidFill>
-                      <a:prstDash val="solid"/>
-                      <a:round/>
-                      <a:headEnd type="none" w="med" len="med"/>
-                      <a:tailEnd type="none" w="med" len="med"/>
-                    </a:lnT>
-                    <a:lnB w="12700" cap="flat" cmpd="sng" algn="ctr">
-                      <a:solidFill>
-                        <a:schemeClr val="tx1"/>
-                      </a:solidFill>
-                      <a:prstDash val="solid"/>
-                      <a:round/>
-                      <a:headEnd type="none" w="med" len="med"/>
-                      <a:tailEnd type="none" w="med" len="med"/>
-                    </a:lnB>
-                    <a:lnTlToBr w="12700" cmpd="sng">
-                      <a:noFill/>
-                      <a:prstDash val="solid"/>
-                    </a:lnTlToBr>
-                    <a:lnBlToTr w="12700" cmpd="sng">
-                      <a:noFill/>
-                      <a:prstDash val="solid"/>
-                    </a:lnBlToTr>
-                    <a:solidFill>
-                      <a:schemeClr val="bg1"/>
-                    </a:solidFill>
-                  </a:tcPr>
+                  <a:tcPr anchor="ctr"/>
                 </a:tc>
                 <a:tc>
                   <a:txBody>
                     <a:bodyPr/>
                     <a:lstStyle/>
                     <a:p>
+                      <a:pPr algn="ctr"/>
                       <a:r>
-                        <a:rPr lang="fr-FR" sz="1800" dirty="0" smtClean="0">
-                          <a:solidFill>
-                            <a:schemeClr val="tx1"/>
-                          </a:solidFill>
-                          <a:latin typeface="Arial" panose="020B0604020202020204" pitchFamily="34" charset="0"/>
-                          <a:cs typeface="Arial" panose="020B0604020202020204" pitchFamily="34" charset="0"/>
-                        </a:rPr>
-                        <a:t>0.61</a:t>
+                        <a:rPr lang="en-US" sz="2200" dirty="0"/>
+                        <a:t>0.568</a:t>
                       </a:r>
-                      <a:endParaRPr lang="fr-FR" sz="1800" dirty="0">
-                        <a:solidFill>
-                          <a:schemeClr val="tx1"/>
-                        </a:solidFill>
-                        <a:latin typeface="Arial" panose="020B0604020202020204" pitchFamily="34" charset="0"/>
-                        <a:cs typeface="Arial" panose="020B0604020202020204" pitchFamily="34" charset="0"/>
-                      </a:endParaRPr>
+                      <a:endParaRPr lang="da-DK" sz="2200" dirty="0"/>
                     </a:p>
                   </a:txBody>
-                  <a:tcPr>
-                    <a:lnL w="12700" cap="flat" cmpd="sng" algn="ctr">
-                      <a:solidFill>
-                        <a:schemeClr val="tx1"/>
-                      </a:solidFill>
-                      <a:prstDash val="solid"/>
-                      <a:round/>
-                      <a:headEnd type="none" w="med" len="med"/>
-                      <a:tailEnd type="none" w="med" len="med"/>
-                    </a:lnL>
-                    <a:lnR w="12700" cap="flat" cmpd="sng" algn="ctr">
-                      <a:solidFill>
-                        <a:schemeClr val="tx1"/>
-                      </a:solidFill>
-                      <a:prstDash val="solid"/>
-                      <a:round/>
-                      <a:headEnd type="none" w="med" len="med"/>
-                      <a:tailEnd type="none" w="med" len="med"/>
-                    </a:lnR>
-                    <a:lnT w="12700" cap="flat" cmpd="sng" algn="ctr">
-                      <a:solidFill>
-                        <a:schemeClr val="tx1"/>
-                      </a:solidFill>
-                      <a:prstDash val="solid"/>
-                      <a:round/>
-                      <a:headEnd type="none" w="med" len="med"/>
-                      <a:tailEnd type="none" w="med" len="med"/>
-                    </a:lnT>
-                    <a:lnB w="12700" cap="flat" cmpd="sng" algn="ctr">
-                      <a:solidFill>
-                        <a:schemeClr val="tx1"/>
-                      </a:solidFill>
-                      <a:prstDash val="solid"/>
-                      <a:round/>
-                      <a:headEnd type="none" w="med" len="med"/>
-                      <a:tailEnd type="none" w="med" len="med"/>
-                    </a:lnB>
-                    <a:lnTlToBr w="12700" cmpd="sng">
-                      <a:noFill/>
-                      <a:prstDash val="solid"/>
-                    </a:lnTlToBr>
-                    <a:lnBlToTr w="12700" cmpd="sng">
-                      <a:noFill/>
-                      <a:prstDash val="solid"/>
-                    </a:lnBlToTr>
-                    <a:solidFill>
-                      <a:schemeClr val="bg1"/>
-                    </a:solidFill>
-                  </a:tcPr>
+                  <a:tcPr anchor="ctr"/>
                 </a:tc>
                 <a:tc>
                   <a:txBody>
                     <a:bodyPr/>
                     <a:lstStyle/>
                     <a:p>
+                      <a:pPr algn="ctr"/>
                       <a:r>
-                        <a:rPr lang="fr-FR" sz="1800" dirty="0" smtClean="0">
-                          <a:solidFill>
-                            <a:schemeClr val="tx1"/>
-                          </a:solidFill>
-                          <a:latin typeface="Arial" panose="020B0604020202020204" pitchFamily="34" charset="0"/>
-                          <a:cs typeface="Arial" panose="020B0604020202020204" pitchFamily="34" charset="0"/>
-                        </a:rPr>
-                        <a:t>0.69</a:t>
+                        <a:rPr lang="en-US" sz="2200" dirty="0"/>
+                        <a:t>0.632</a:t>
                       </a:r>
-                      <a:endParaRPr lang="fr-FR" sz="1800" dirty="0">
-                        <a:solidFill>
-                          <a:schemeClr val="tx1"/>
-                        </a:solidFill>
-                        <a:latin typeface="Arial" panose="020B0604020202020204" pitchFamily="34" charset="0"/>
-                        <a:cs typeface="Arial" panose="020B0604020202020204" pitchFamily="34" charset="0"/>
-                      </a:endParaRPr>
+                      <a:endParaRPr lang="da-DK" sz="2200" dirty="0"/>
                     </a:p>
                   </a:txBody>
-                  <a:tcPr>
-                    <a:lnL w="12700" cap="flat" cmpd="sng" algn="ctr">
-                      <a:solidFill>
-                        <a:schemeClr val="tx1"/>
-                      </a:solidFill>
-                      <a:prstDash val="solid"/>
-                      <a:round/>
-                      <a:headEnd type="none" w="med" len="med"/>
-                      <a:tailEnd type="none" w="med" len="med"/>
-                    </a:lnL>
-                    <a:lnR w="12700" cap="flat" cmpd="sng" algn="ctr">
-                      <a:solidFill>
-                        <a:schemeClr val="tx1"/>
-                      </a:solidFill>
-                      <a:prstDash val="solid"/>
-                      <a:round/>
-                      <a:headEnd type="none" w="med" len="med"/>
-                      <a:tailEnd type="none" w="med" len="med"/>
-                    </a:lnR>
-                    <a:lnT w="12700" cap="flat" cmpd="sng" algn="ctr">
-                      <a:solidFill>
-                        <a:schemeClr val="tx1"/>
-                      </a:solidFill>
-                      <a:prstDash val="solid"/>
-                      <a:round/>
-                      <a:headEnd type="none" w="med" len="med"/>
-                      <a:tailEnd type="none" w="med" len="med"/>
-                    </a:lnT>
-                    <a:lnB w="12700" cap="flat" cmpd="sng" algn="ctr">
-                      <a:solidFill>
-                        <a:schemeClr val="tx1"/>
-                      </a:solidFill>
-                      <a:prstDash val="solid"/>
-                      <a:round/>
-                      <a:headEnd type="none" w="med" len="med"/>
-                      <a:tailEnd type="none" w="med" len="med"/>
-                    </a:lnB>
-                    <a:lnTlToBr w="12700" cmpd="sng">
-                      <a:noFill/>
-                      <a:prstDash val="solid"/>
-                    </a:lnTlToBr>
-                    <a:lnBlToTr w="12700" cmpd="sng">
-                      <a:noFill/>
-                      <a:prstDash val="solid"/>
-                    </a:lnBlToTr>
-                    <a:solidFill>
-                      <a:schemeClr val="bg1"/>
-                    </a:solidFill>
-                  </a:tcPr>
+                  <a:tcPr anchor="ctr"/>
                 </a:tc>
+                <a:tc>
+                  <a:txBody>
+                    <a:bodyPr/>
+                    <a:lstStyle/>
+                    <a:p>
+                      <a:pPr algn="ctr"/>
+                      <a:r>
+                        <a:rPr lang="en-US" sz="2200" dirty="0"/>
+                        <a:t>0.741</a:t>
+                      </a:r>
+                      <a:endParaRPr lang="da-DK" sz="2200" dirty="0"/>
+                    </a:p>
+                  </a:txBody>
+                  <a:tcPr anchor="ctr"/>
+                </a:tc>
+                <a:tc>
+                  <a:txBody>
+                    <a:bodyPr/>
+                    <a:lstStyle/>
+                    <a:p>
+                      <a:pPr algn="ctr"/>
+                      <a:r>
+                        <a:rPr lang="en-US" sz="2200" dirty="0"/>
+                        <a:t>0.682</a:t>
+                      </a:r>
+                      <a:endParaRPr lang="da-DK" sz="2200" dirty="0"/>
+                    </a:p>
+                  </a:txBody>
+                  <a:tcPr anchor="ctr"/>
+                </a:tc>
+                <a:extLst>
+                  <a:ext uri="{0D108BD9-81ED-4DB2-BD59-A6C34878D82A}">
+                    <a16:rowId xmlns:a16="http://schemas.microsoft.com/office/drawing/2014/main" val="3022607923"/>
+                  </a:ext>
+                </a:extLst>
+              </a:tr>
+              <a:tr h="762000">
+                <a:tc>
+                  <a:txBody>
+                    <a:bodyPr/>
+                    <a:lstStyle/>
+                    <a:p>
+                      <a:pPr algn="ctr"/>
+                      <a:r>
+                        <a:rPr lang="en-US" sz="2200" dirty="0"/>
+                        <a:t>Improved architecture with ESM encoding</a:t>
+                      </a:r>
+                      <a:endParaRPr lang="da-DK" sz="2200" dirty="0"/>
+                    </a:p>
+                  </a:txBody>
+                  <a:tcPr anchor="ctr"/>
+                </a:tc>
+                <a:tc>
+                  <a:txBody>
+                    <a:bodyPr/>
+                    <a:lstStyle/>
+                    <a:p>
+                      <a:pPr algn="ctr"/>
+                      <a:r>
+                        <a:rPr lang="en-US" sz="2200" dirty="0"/>
+                        <a:t>0.9</a:t>
+                      </a:r>
+                      <a:endParaRPr lang="da-DK" sz="2200" dirty="0"/>
+                    </a:p>
+                  </a:txBody>
+                  <a:tcPr anchor="ctr"/>
+                </a:tc>
+                <a:tc>
+                  <a:txBody>
+                    <a:bodyPr/>
+                    <a:lstStyle/>
+                    <a:p>
+                      <a:pPr algn="ctr"/>
+                      <a:r>
+                        <a:rPr lang="en-US" sz="2200" dirty="0"/>
+                        <a:t>0.612</a:t>
+                      </a:r>
+                      <a:endParaRPr lang="da-DK" sz="2200" dirty="0"/>
+                    </a:p>
+                  </a:txBody>
+                  <a:tcPr anchor="ctr"/>
+                </a:tc>
+                <a:tc>
+                  <a:txBody>
+                    <a:bodyPr/>
+                    <a:lstStyle/>
+                    <a:p>
+                      <a:pPr algn="ctr"/>
+                      <a:r>
+                        <a:rPr lang="en-US" sz="2200" dirty="0"/>
+                        <a:t>0.676</a:t>
+                      </a:r>
+                      <a:endParaRPr lang="da-DK" sz="2200" dirty="0"/>
+                    </a:p>
+                  </a:txBody>
+                  <a:tcPr anchor="ctr"/>
+                </a:tc>
+                <a:tc>
+                  <a:txBody>
+                    <a:bodyPr/>
+                    <a:lstStyle/>
+                    <a:p>
+                      <a:pPr algn="ctr"/>
+                      <a:r>
+                        <a:rPr lang="en-US" sz="2200" dirty="0"/>
+                        <a:t>0.753</a:t>
+                      </a:r>
+                      <a:endParaRPr lang="da-DK" sz="2200" dirty="0"/>
+                    </a:p>
+                  </a:txBody>
+                  <a:tcPr anchor="ctr"/>
+                </a:tc>
+                <a:tc>
+                  <a:txBody>
+                    <a:bodyPr/>
+                    <a:lstStyle/>
+                    <a:p>
+                      <a:pPr algn="ctr"/>
+                      <a:r>
+                        <a:rPr lang="en-US" sz="2200" dirty="0"/>
+                        <a:t>0.712</a:t>
+                      </a:r>
+                      <a:endParaRPr lang="da-DK" sz="2200" dirty="0"/>
+                    </a:p>
+                  </a:txBody>
+                  <a:tcPr anchor="ctr"/>
+                </a:tc>
+                <a:extLst>
+                  <a:ext uri="{0D108BD9-81ED-4DB2-BD59-A6C34878D82A}">
+                    <a16:rowId xmlns:a16="http://schemas.microsoft.com/office/drawing/2014/main" val="73323118"/>
+                  </a:ext>
+                </a:extLst>
               </a:tr>
             </a:tbl>
           </a:graphicData>
         </a:graphic>
       </p:graphicFrame>
-      <p:sp>
-        <p:nvSpPr>
-          <p:cNvPr id="14" name="Rectangle 13"/>
-          <p:cNvSpPr/>
-          <p:nvPr/>
-        </p:nvSpPr>
-        <p:spPr>
-          <a:xfrm>
-            <a:off x="1785542" y="20280690"/>
-            <a:ext cx="10032105" cy="369332"/>
-          </a:xfrm>
-          <a:prstGeom prst="rect">
-            <a:avLst/>
-          </a:prstGeom>
-        </p:spPr>
-        <p:txBody>
-          <a:bodyPr wrap="none">
-            <a:spAutoFit/>
-          </a:bodyPr>
-          <a:lstStyle/>
-          <a:p>
-            <a:r>
-              <a:rPr lang="fr-FR" i="1" dirty="0" smtClean="0"/>
-              <a:t>Table 1. </a:t>
-            </a:r>
-            <a:r>
-              <a:rPr lang="fr-FR" i="1" dirty="0" err="1" smtClean="0"/>
-              <a:t>Comparison</a:t>
-            </a:r>
-            <a:r>
-              <a:rPr lang="fr-FR" i="1" dirty="0" smtClean="0"/>
-              <a:t> </a:t>
-            </a:r>
-            <a:r>
-              <a:rPr lang="fr-FR" i="1" dirty="0" err="1" smtClean="0"/>
-              <a:t>between</a:t>
-            </a:r>
-            <a:r>
-              <a:rPr lang="fr-FR" i="1" dirty="0" smtClean="0"/>
-              <a:t> </a:t>
-            </a:r>
-            <a:r>
-              <a:rPr lang="fr-FR" i="1" dirty="0" err="1" smtClean="0"/>
-              <a:t>our</a:t>
-            </a:r>
-            <a:r>
-              <a:rPr lang="fr-FR" i="1" dirty="0" smtClean="0"/>
-              <a:t> </a:t>
-            </a:r>
-            <a:r>
-              <a:rPr lang="fr-FR" i="1" dirty="0" err="1" smtClean="0"/>
-              <a:t>results</a:t>
-            </a:r>
-            <a:r>
-              <a:rPr lang="fr-FR" i="1" dirty="0" smtClean="0"/>
-              <a:t> and the </a:t>
-            </a:r>
-            <a:r>
-              <a:rPr lang="fr-FR" i="1" dirty="0" err="1" smtClean="0"/>
-              <a:t>result</a:t>
-            </a:r>
-            <a:r>
-              <a:rPr lang="fr-FR" i="1" dirty="0" smtClean="0"/>
-              <a:t> </a:t>
-            </a:r>
-            <a:r>
-              <a:rPr lang="fr-FR" i="1" dirty="0" err="1" smtClean="0"/>
-              <a:t>from</a:t>
-            </a:r>
-            <a:r>
-              <a:rPr lang="fr-FR" i="1" dirty="0" smtClean="0"/>
-              <a:t> the Master </a:t>
-            </a:r>
-            <a:r>
-              <a:rPr lang="fr-FR" i="1" dirty="0" err="1" smtClean="0"/>
-              <a:t>Thesis</a:t>
-            </a:r>
-            <a:r>
-              <a:rPr lang="fr-FR" i="1" dirty="0" smtClean="0"/>
-              <a:t> </a:t>
-            </a:r>
-            <a:r>
-              <a:rPr lang="fr-FR" i="1" dirty="0" err="1" smtClean="0"/>
-              <a:t>authored</a:t>
-            </a:r>
-            <a:r>
-              <a:rPr lang="fr-FR" i="1" dirty="0" smtClean="0"/>
-              <a:t> by Ida </a:t>
-            </a:r>
-            <a:r>
-              <a:rPr lang="fr-FR" i="1" dirty="0" err="1" smtClean="0"/>
-              <a:t>Meitil</a:t>
-            </a:r>
-            <a:r>
-              <a:rPr lang="fr-FR" i="1" dirty="0" smtClean="0"/>
-              <a:t> [2].</a:t>
-            </a:r>
-            <a:endParaRPr lang="fr-FR" i="1" dirty="0"/>
-          </a:p>
-        </p:txBody>
-      </p:sp>
     </p:spTree>
     <p:extLst>
       <p:ext uri="{BB962C8B-B14F-4D97-AF65-F5344CB8AC3E}">
@@ -8079,13 +6005,6 @@
   <p:clrMapOvr>
     <a:masterClrMapping/>
   </p:clrMapOvr>
-  <p:timing>
-    <p:tnLst>
-      <p:par>
-        <p:cTn id="1" dur="indefinite" restart="never" nodeType="tmRoot"/>
-      </p:par>
-    </p:tnLst>
-  </p:timing>
 </p:sld>
 </file>
 
@@ -8646,21 +6565,12 @@
 </file>
 
 <file path=customXml/item1.xml><?xml version="1.0" encoding="utf-8"?>
-<?mso-contentType ?>
-<FormTemplates xmlns="http://schemas.microsoft.com/sharepoint/v3/contenttype/forms">
-  <Display>DocumentLibraryForm</Display>
-  <Edit>DocumentLibraryForm</Edit>
-  <New>DocumentLibraryForm</New>
-</FormTemplates>
-</file>
-
-<file path=customXml/item2.xml><?xml version="1.0" encoding="utf-8"?>
 <p:properties xmlns:p="http://schemas.microsoft.com/office/2006/metadata/properties" xmlns:xsi="http://www.w3.org/2001/XMLSchema-instance" xmlns:pc="http://schemas.microsoft.com/office/infopath/2007/PartnerControls">
   <documentManagement/>
 </p:properties>
 </file>
 
-<file path=customXml/item3.xml><?xml version="1.0" encoding="utf-8"?>
+<file path=customXml/item2.xml><?xml version="1.0" encoding="utf-8"?>
 <ct:contentTypeSchema xmlns:ct="http://schemas.microsoft.com/office/2006/metadata/contentType" xmlns:ma="http://schemas.microsoft.com/office/2006/metadata/properties/metaAttributes" ct:_="" ma:_="" ma:contentTypeName="Dokument" ma:contentTypeID="0x0101005E463CDCE29E264BAAEC2B3AEC8F5142" ma:contentTypeVersion="2" ma:contentTypeDescription="Opret et nyt dokument." ma:contentTypeScope="" ma:versionID="40f9935ff4a16e0d5b8e000d0b147fdc">
   <xsd:schema xmlns:xsd="http://www.w3.org/2001/XMLSchema" xmlns:xs="http://www.w3.org/2001/XMLSchema" xmlns:p="http://schemas.microsoft.com/office/2006/metadata/properties" xmlns:ns2="74242bd1-cb82-4e60-a08e-4217a7fb8d1d" targetNamespace="http://schemas.microsoft.com/office/2006/metadata/properties" ma:root="true" ma:fieldsID="4c2aca2db47d5d21ece1ec953cba830c" ns2:_="">
     <xsd:import namespace="74242bd1-cb82-4e60-a08e-4217a7fb8d1d"/>
@@ -8792,15 +6702,16 @@
 </ct:contentTypeSchema>
 </file>
 
-<file path=customXml/itemProps1.xml><?xml version="1.0" encoding="utf-8"?>
-<ds:datastoreItem xmlns:ds="http://schemas.openxmlformats.org/officeDocument/2006/customXml" ds:itemID="{405562AF-484A-42F9-A02C-A3F5AD59D6C1}">
-  <ds:schemaRefs>
-    <ds:schemaRef ds:uri="http://schemas.microsoft.com/sharepoint/v3/contenttype/forms"/>
-  </ds:schemaRefs>
-</ds:datastoreItem>
+<file path=customXml/item3.xml><?xml version="1.0" encoding="utf-8"?>
+<?mso-contentType ?>
+<FormTemplates xmlns="http://schemas.microsoft.com/sharepoint/v3/contenttype/forms">
+  <Display>DocumentLibraryForm</Display>
+  <Edit>DocumentLibraryForm</Edit>
+  <New>DocumentLibraryForm</New>
+</FormTemplates>
 </file>
 
-<file path=customXml/itemProps2.xml><?xml version="1.0" encoding="utf-8"?>
+<file path=customXml/itemProps1.xml><?xml version="1.0" encoding="utf-8"?>
 <ds:datastoreItem xmlns:ds="http://schemas.openxmlformats.org/officeDocument/2006/customXml" ds:itemID="{CB370A3C-731B-4F4D-ABD0-42474AC25910}">
   <ds:schemaRefs>
     <ds:schemaRef ds:uri="http://schemas.microsoft.com/office/2006/metadata/properties"/>
@@ -8809,7 +6720,7 @@
 </ds:datastoreItem>
 </file>
 
-<file path=customXml/itemProps3.xml><?xml version="1.0" encoding="utf-8"?>
+<file path=customXml/itemProps2.xml><?xml version="1.0" encoding="utf-8"?>
 <ds:datastoreItem xmlns:ds="http://schemas.openxmlformats.org/officeDocument/2006/customXml" ds:itemID="{A265213D-E9A2-401B-A85F-226A40D5C1B2}">
   <ds:schemaRefs>
     <ds:schemaRef ds:uri="http://schemas.microsoft.com/office/2006/metadata/contentType"/>
@@ -8825,4 +6736,12 @@
     <ds:schemaRef ds:uri="http://schemas.microsoft.com/internal/obd"/>
   </ds:schemaRefs>
 </ds:datastoreItem>
+</file>
+
+<file path=customXml/itemProps3.xml><?xml version="1.0" encoding="utf-8"?>
+<ds:datastoreItem xmlns:ds="http://schemas.openxmlformats.org/officeDocument/2006/customXml" ds:itemID="{405562AF-484A-42F9-A02C-A3F5AD59D6C1}">
+  <ds:schemaRefs>
+    <ds:schemaRef ds:uri="http://schemas.microsoft.com/sharepoint/v3/contenttype/forms"/>
+  </ds:schemaRefs>
+</ds:datastoreItem>
 </file>
--- a/presentation/presentation.pptx
+++ b/presentation/presentation.pptx
@@ -349,7 +349,7 @@
           <a:p>
             <a:fld id="{C6F05EAB-B404-4249-9B6E-2AB49D341D90}" type="datetimeFigureOut">
               <a:rPr lang="aa-ET" smtClean="0"/>
-              <a:t>11/30/2021</a:t>
+              <a:t>01/12/2021</a:t>
             </a:fld>
             <a:endParaRPr lang="aa-ET"/>
           </a:p>
@@ -508,7 +508,7 @@
           <a:p>
             <a:fld id="{CC384317-2FF9-C745-838D-094DFBA5C4CC}" type="slidenum">
               <a:rPr lang="aa-ET" smtClean="0"/>
-              <a:t>‹#›</a:t>
+              <a:t>‹N°›</a:t>
             </a:fld>
             <a:endParaRPr lang="aa-ET"/>
           </a:p>
@@ -818,7 +818,7 @@
           <a:p>
             <a:fld id="{C1520061-EEF2-4648-A61C-FD1D344FB2F0}" type="datetimeFigureOut">
               <a:rPr lang="aa-ET" smtClean="0"/>
-              <a:t>11/30/2021</a:t>
+              <a:t>01/12/2021</a:t>
             </a:fld>
             <a:endParaRPr lang="aa-ET"/>
           </a:p>
@@ -860,7 +860,7 @@
           <a:p>
             <a:fld id="{FDB24838-7C19-CC4E-B2E6-66E840BA735D}" type="slidenum">
               <a:rPr lang="aa-ET" smtClean="0"/>
-              <a:t>‹#›</a:t>
+              <a:t>‹N°›</a:t>
             </a:fld>
             <a:endParaRPr lang="aa-ET"/>
           </a:p>
@@ -988,7 +988,7 @@
           <a:p>
             <a:fld id="{C1520061-EEF2-4648-A61C-FD1D344FB2F0}" type="datetimeFigureOut">
               <a:rPr lang="aa-ET" smtClean="0"/>
-              <a:t>11/30/2021</a:t>
+              <a:t>01/12/2021</a:t>
             </a:fld>
             <a:endParaRPr lang="aa-ET"/>
           </a:p>
@@ -1030,7 +1030,7 @@
           <a:p>
             <a:fld id="{FDB24838-7C19-CC4E-B2E6-66E840BA735D}" type="slidenum">
               <a:rPr lang="aa-ET" smtClean="0"/>
-              <a:t>‹#›</a:t>
+              <a:t>‹N°›</a:t>
             </a:fld>
             <a:endParaRPr lang="aa-ET"/>
           </a:p>
@@ -1168,7 +1168,7 @@
           <a:p>
             <a:fld id="{C1520061-EEF2-4648-A61C-FD1D344FB2F0}" type="datetimeFigureOut">
               <a:rPr lang="aa-ET" smtClean="0"/>
-              <a:t>11/30/2021</a:t>
+              <a:t>01/12/2021</a:t>
             </a:fld>
             <a:endParaRPr lang="aa-ET"/>
           </a:p>
@@ -1210,7 +1210,7 @@
           <a:p>
             <a:fld id="{FDB24838-7C19-CC4E-B2E6-66E840BA735D}" type="slidenum">
               <a:rPr lang="aa-ET" smtClean="0"/>
-              <a:t>‹#›</a:t>
+              <a:t>‹N°›</a:t>
             </a:fld>
             <a:endParaRPr lang="aa-ET"/>
           </a:p>
@@ -1338,7 +1338,7 @@
           <a:p>
             <a:fld id="{C1520061-EEF2-4648-A61C-FD1D344FB2F0}" type="datetimeFigureOut">
               <a:rPr lang="aa-ET" smtClean="0"/>
-              <a:t>11/30/2021</a:t>
+              <a:t>01/12/2021</a:t>
             </a:fld>
             <a:endParaRPr lang="aa-ET"/>
           </a:p>
@@ -1380,7 +1380,7 @@
           <a:p>
             <a:fld id="{FDB24838-7C19-CC4E-B2E6-66E840BA735D}" type="slidenum">
               <a:rPr lang="aa-ET" smtClean="0"/>
-              <a:t>‹#›</a:t>
+              <a:t>‹N°›</a:t>
             </a:fld>
             <a:endParaRPr lang="aa-ET"/>
           </a:p>
@@ -1582,7 +1582,7 @@
           <a:p>
             <a:fld id="{C1520061-EEF2-4648-A61C-FD1D344FB2F0}" type="datetimeFigureOut">
               <a:rPr lang="aa-ET" smtClean="0"/>
-              <a:t>11/30/2021</a:t>
+              <a:t>01/12/2021</a:t>
             </a:fld>
             <a:endParaRPr lang="aa-ET"/>
           </a:p>
@@ -1624,7 +1624,7 @@
           <a:p>
             <a:fld id="{FDB24838-7C19-CC4E-B2E6-66E840BA735D}" type="slidenum">
               <a:rPr lang="aa-ET" smtClean="0"/>
-              <a:t>‹#›</a:t>
+              <a:t>‹N°›</a:t>
             </a:fld>
             <a:endParaRPr lang="aa-ET"/>
           </a:p>
@@ -1814,7 +1814,7 @@
           <a:p>
             <a:fld id="{C1520061-EEF2-4648-A61C-FD1D344FB2F0}" type="datetimeFigureOut">
               <a:rPr lang="aa-ET" smtClean="0"/>
-              <a:t>11/30/2021</a:t>
+              <a:t>01/12/2021</a:t>
             </a:fld>
             <a:endParaRPr lang="aa-ET"/>
           </a:p>
@@ -1856,7 +1856,7 @@
           <a:p>
             <a:fld id="{FDB24838-7C19-CC4E-B2E6-66E840BA735D}" type="slidenum">
               <a:rPr lang="aa-ET" smtClean="0"/>
-              <a:t>‹#›</a:t>
+              <a:t>‹N°›</a:t>
             </a:fld>
             <a:endParaRPr lang="aa-ET"/>
           </a:p>
@@ -2181,7 +2181,7 @@
           <a:p>
             <a:fld id="{C1520061-EEF2-4648-A61C-FD1D344FB2F0}" type="datetimeFigureOut">
               <a:rPr lang="aa-ET" smtClean="0"/>
-              <a:t>11/30/2021</a:t>
+              <a:t>01/12/2021</a:t>
             </a:fld>
             <a:endParaRPr lang="aa-ET"/>
           </a:p>
@@ -2223,7 +2223,7 @@
           <a:p>
             <a:fld id="{FDB24838-7C19-CC4E-B2E6-66E840BA735D}" type="slidenum">
               <a:rPr lang="aa-ET" smtClean="0"/>
-              <a:t>‹#›</a:t>
+              <a:t>‹N°›</a:t>
             </a:fld>
             <a:endParaRPr lang="aa-ET"/>
           </a:p>
@@ -2299,7 +2299,7 @@
           <a:p>
             <a:fld id="{C1520061-EEF2-4648-A61C-FD1D344FB2F0}" type="datetimeFigureOut">
               <a:rPr lang="aa-ET" smtClean="0"/>
-              <a:t>11/30/2021</a:t>
+              <a:t>01/12/2021</a:t>
             </a:fld>
             <a:endParaRPr lang="aa-ET"/>
           </a:p>
@@ -2341,7 +2341,7 @@
           <a:p>
             <a:fld id="{FDB24838-7C19-CC4E-B2E6-66E840BA735D}" type="slidenum">
               <a:rPr lang="aa-ET" smtClean="0"/>
-              <a:t>‹#›</a:t>
+              <a:t>‹N°›</a:t>
             </a:fld>
             <a:endParaRPr lang="aa-ET"/>
           </a:p>
@@ -2394,7 +2394,7 @@
           <a:p>
             <a:fld id="{C1520061-EEF2-4648-A61C-FD1D344FB2F0}" type="datetimeFigureOut">
               <a:rPr lang="aa-ET" smtClean="0"/>
-              <a:t>11/30/2021</a:t>
+              <a:t>01/12/2021</a:t>
             </a:fld>
             <a:endParaRPr lang="aa-ET"/>
           </a:p>
@@ -2436,7 +2436,7 @@
           <a:p>
             <a:fld id="{FDB24838-7C19-CC4E-B2E6-66E840BA735D}" type="slidenum">
               <a:rPr lang="aa-ET" smtClean="0"/>
-              <a:t>‹#›</a:t>
+              <a:t>‹N°›</a:t>
             </a:fld>
             <a:endParaRPr lang="aa-ET"/>
           </a:p>
@@ -2671,7 +2671,7 @@
           <a:p>
             <a:fld id="{C1520061-EEF2-4648-A61C-FD1D344FB2F0}" type="datetimeFigureOut">
               <a:rPr lang="aa-ET" smtClean="0"/>
-              <a:t>11/30/2021</a:t>
+              <a:t>01/12/2021</a:t>
             </a:fld>
             <a:endParaRPr lang="aa-ET"/>
           </a:p>
@@ -2713,7 +2713,7 @@
           <a:p>
             <a:fld id="{FDB24838-7C19-CC4E-B2E6-66E840BA735D}" type="slidenum">
               <a:rPr lang="aa-ET" smtClean="0"/>
-              <a:t>‹#›</a:t>
+              <a:t>‹N°›</a:t>
             </a:fld>
             <a:endParaRPr lang="aa-ET"/>
           </a:p>
@@ -2928,7 +2928,7 @@
           <a:p>
             <a:fld id="{C1520061-EEF2-4648-A61C-FD1D344FB2F0}" type="datetimeFigureOut">
               <a:rPr lang="aa-ET" smtClean="0"/>
-              <a:t>11/30/2021</a:t>
+              <a:t>01/12/2021</a:t>
             </a:fld>
             <a:endParaRPr lang="aa-ET"/>
           </a:p>
@@ -2970,7 +2970,7 @@
           <a:p>
             <a:fld id="{FDB24838-7C19-CC4E-B2E6-66E840BA735D}" type="slidenum">
               <a:rPr lang="aa-ET" smtClean="0"/>
-              <a:t>‹#›</a:t>
+              <a:t>‹N°›</a:t>
             </a:fld>
             <a:endParaRPr lang="aa-ET"/>
           </a:p>
@@ -3141,7 +3141,7 @@
           <a:p>
             <a:fld id="{C1520061-EEF2-4648-A61C-FD1D344FB2F0}" type="datetimeFigureOut">
               <a:rPr lang="aa-ET" smtClean="0"/>
-              <a:t>11/30/2021</a:t>
+              <a:t>01/12/2021</a:t>
             </a:fld>
             <a:endParaRPr lang="aa-ET"/>
           </a:p>
@@ -3219,7 +3219,7 @@
           <a:p>
             <a:fld id="{FDB24838-7C19-CC4E-B2E6-66E840BA735D}" type="slidenum">
               <a:rPr lang="aa-ET" smtClean="0"/>
-              <a:t>‹#›</a:t>
+              <a:t>‹N°›</a:t>
             </a:fld>
             <a:endParaRPr lang="aa-ET"/>
           </a:p>
@@ -3556,7 +3556,7 @@
         </p:nvSpPr>
         <p:spPr bwMode="auto">
           <a:xfrm>
-            <a:off x="3195226" y="234140"/>
+            <a:off x="2876866" y="80951"/>
             <a:ext cx="17938744" cy="2098083"/>
           </a:xfrm>
           <a:prstGeom prst="rect">
@@ -3658,7 +3658,7 @@
         </p:nvSpPr>
         <p:spPr bwMode="auto">
           <a:xfrm>
-            <a:off x="4525682" y="2839332"/>
+            <a:off x="4207322" y="2686143"/>
             <a:ext cx="15277831" cy="1146367"/>
           </a:xfrm>
           <a:prstGeom prst="rect">
@@ -3816,7 +3816,7 @@
           <p:cNvPr id="24" name="Straight Connector 23">
             <a:extLst>
               <a:ext uri="{FF2B5EF4-FFF2-40B4-BE49-F238E27FC236}">
-                <a16:creationId xmlns:a16="http://schemas.microsoft.com/office/drawing/2014/main" id="{3CD061AB-8876-704F-BE6A-E397F33852E1}"/>
+                <a16:creationId xmlns:a16="http://schemas.microsoft.com/office/drawing/2014/main" xmlns="" id="{3CD061AB-8876-704F-BE6A-E397F33852E1}"/>
               </a:ext>
             </a:extLst>
           </p:cNvPr>
@@ -3827,7 +3827,7 @@
         </p:nvCxnSpPr>
         <p:spPr>
           <a:xfrm>
-            <a:off x="-10390" y="4273147"/>
+            <a:off x="-10390" y="3928821"/>
             <a:ext cx="21408967" cy="0"/>
           </a:xfrm>
           <a:prstGeom prst="line">
@@ -3859,7 +3859,7 @@
           <p:cNvPr id="128" name="Round Same Side Corner Rectangle 137">
             <a:extLst>
               <a:ext uri="{FF2B5EF4-FFF2-40B4-BE49-F238E27FC236}">
-                <a16:creationId xmlns:a16="http://schemas.microsoft.com/office/drawing/2014/main" id="{85003210-220B-9A49-8091-B1A85DD76CE8}"/>
+                <a16:creationId xmlns:a16="http://schemas.microsoft.com/office/drawing/2014/main" xmlns="" id="{85003210-220B-9A49-8091-B1A85DD76CE8}"/>
               </a:ext>
             </a:extLst>
           </p:cNvPr>
@@ -3868,7 +3868,7 @@
         </p:nvSpPr>
         <p:spPr>
           <a:xfrm>
-            <a:off x="252605" y="4449749"/>
+            <a:off x="252605" y="4105423"/>
             <a:ext cx="20878415" cy="540000"/>
           </a:xfrm>
           <a:prstGeom prst="round2SameRect">
@@ -3923,7 +3923,7 @@
           <p:cNvPr id="129" name="Round Same Side Corner Rectangle 137">
             <a:extLst>
               <a:ext uri="{FF2B5EF4-FFF2-40B4-BE49-F238E27FC236}">
-                <a16:creationId xmlns:a16="http://schemas.microsoft.com/office/drawing/2014/main" id="{7226A277-A8A7-9549-8FCF-1175CB0CE7B6}"/>
+                <a16:creationId xmlns:a16="http://schemas.microsoft.com/office/drawing/2014/main" xmlns="" id="{7226A277-A8A7-9549-8FCF-1175CB0CE7B6}"/>
               </a:ext>
             </a:extLst>
           </p:cNvPr>
@@ -3932,7 +3932,7 @@
         </p:nvSpPr>
         <p:spPr>
           <a:xfrm>
-            <a:off x="309341" y="11619344"/>
+            <a:off x="309341" y="11205292"/>
             <a:ext cx="20880000" cy="540000"/>
           </a:xfrm>
           <a:prstGeom prst="round2SameRect">
@@ -3987,7 +3987,7 @@
           <p:cNvPr id="130" name="Round Same Side Corner Rectangle 137">
             <a:extLst>
               <a:ext uri="{FF2B5EF4-FFF2-40B4-BE49-F238E27FC236}">
-                <a16:creationId xmlns:a16="http://schemas.microsoft.com/office/drawing/2014/main" id="{0D73ACE7-C686-234D-9978-B3229B92843A}"/>
+                <a16:creationId xmlns:a16="http://schemas.microsoft.com/office/drawing/2014/main" xmlns="" id="{0D73ACE7-C686-234D-9978-B3229B92843A}"/>
               </a:ext>
             </a:extLst>
           </p:cNvPr>
@@ -3996,7 +3996,7 @@
         </p:nvSpPr>
         <p:spPr>
           <a:xfrm>
-            <a:off x="309341" y="19388344"/>
+            <a:off x="309341" y="19044018"/>
             <a:ext cx="20880000" cy="540000"/>
           </a:xfrm>
           <a:prstGeom prst="round2SameRect">
@@ -4051,7 +4051,7 @@
           <p:cNvPr id="91" name="TextBox 90">
             <a:extLst>
               <a:ext uri="{FF2B5EF4-FFF2-40B4-BE49-F238E27FC236}">
-                <a16:creationId xmlns:a16="http://schemas.microsoft.com/office/drawing/2014/main" id="{CE8C58B8-C0BC-CE41-9C20-5C588C41F47C}"/>
+                <a16:creationId xmlns:a16="http://schemas.microsoft.com/office/drawing/2014/main" xmlns="" id="{CE8C58B8-C0BC-CE41-9C20-5C588C41F47C}"/>
               </a:ext>
             </a:extLst>
           </p:cNvPr>
@@ -4060,7 +4060,7 @@
         </p:nvSpPr>
         <p:spPr>
           <a:xfrm>
-            <a:off x="20165285" y="2953656"/>
+            <a:off x="19846925" y="2448363"/>
             <a:ext cx="1536700" cy="1200329"/>
           </a:xfrm>
           <a:prstGeom prst="rect">
@@ -4120,7 +4120,7 @@
           <p:cNvPr id="3" name="Billede 6">
             <a:extLst>
               <a:ext uri="{FF2B5EF4-FFF2-40B4-BE49-F238E27FC236}">
-                <a16:creationId xmlns:a16="http://schemas.microsoft.com/office/drawing/2014/main" id="{79D342DF-0A65-4821-8F47-A3CE1793E1E6}"/>
+                <a16:creationId xmlns:a16="http://schemas.microsoft.com/office/drawing/2014/main" xmlns="" id="{79D342DF-0A65-4821-8F47-A3CE1793E1E6}"/>
               </a:ext>
             </a:extLst>
           </p:cNvPr>
@@ -4137,7 +4137,7 @@
         </p:blipFill>
         <p:spPr>
           <a:xfrm>
-            <a:off x="309341" y="354355"/>
+            <a:off x="172349" y="240008"/>
             <a:ext cx="2361742" cy="3446251"/>
           </a:xfrm>
           <a:prstGeom prst="rect">
@@ -4150,7 +4150,7 @@
           <p:cNvPr id="5" name="TextBox 4">
             <a:extLst>
               <a:ext uri="{FF2B5EF4-FFF2-40B4-BE49-F238E27FC236}">
-                <a16:creationId xmlns:a16="http://schemas.microsoft.com/office/drawing/2014/main" id="{555DBE74-403C-4246-B0C1-4F2AAF162AFF}"/>
+                <a16:creationId xmlns:a16="http://schemas.microsoft.com/office/drawing/2014/main" xmlns="" id="{555DBE74-403C-4246-B0C1-4F2AAF162AFF}"/>
               </a:ext>
             </a:extLst>
           </p:cNvPr>
@@ -4159,7 +4159,7 @@
         </p:nvSpPr>
         <p:spPr>
           <a:xfrm>
-            <a:off x="229641" y="5032193"/>
+            <a:off x="229641" y="4687867"/>
             <a:ext cx="12466451" cy="4231928"/>
           </a:xfrm>
           <a:prstGeom prst="rect">
@@ -4190,6 +4190,7 @@
                 </a:solidFill>
                 <a:effectLst/>
                 <a:latin typeface="Arial" panose="020B0604020202020204" pitchFamily="34" charset="0"/>
+                <a:cs typeface="Arial" panose="020B0604020202020204" pitchFamily="34" charset="0"/>
               </a:rPr>
               <a:t>Recent advances within biological sequencing and deep learning methods have made it possible to investigate key interactions of the immune system computationally.</a:t>
             </a:r>
@@ -4206,6 +4207,7 @@
               </a:solidFill>
               <a:effectLst/>
               <a:latin typeface="Arial" panose="020B0604020202020204" pitchFamily="34" charset="0"/>
+              <a:cs typeface="Arial" panose="020B0604020202020204" pitchFamily="34" charset="0"/>
             </a:endParaRPr>
           </a:p>
           <a:p>
@@ -4223,6 +4225,7 @@
                 </a:solidFill>
                 <a:effectLst/>
                 <a:latin typeface="Arial" panose="020B0604020202020204" pitchFamily="34" charset="0"/>
+                <a:cs typeface="Arial" panose="020B0604020202020204" pitchFamily="34" charset="0"/>
               </a:rPr>
               <a:t>The adaptive immune system is a key element for fighting diseases and the T-cells are responsible for cell-mediated immune response via their surface T-cell receptors  (TCR).</a:t>
             </a:r>
@@ -4239,6 +4242,7 @@
               </a:solidFill>
               <a:effectLst/>
               <a:latin typeface="Arial" panose="020B0604020202020204" pitchFamily="34" charset="0"/>
+              <a:cs typeface="Arial" panose="020B0604020202020204" pitchFamily="34" charset="0"/>
             </a:endParaRPr>
           </a:p>
           <a:p>
@@ -4256,6 +4260,7 @@
                 </a:solidFill>
                 <a:effectLst/>
                 <a:latin typeface="Arial" panose="020B0604020202020204" pitchFamily="34" charset="0"/>
+                <a:cs typeface="Arial" panose="020B0604020202020204" pitchFamily="34" charset="0"/>
               </a:rPr>
               <a:t>TCRs bind to peptide-Major Histocompatibility Complexes (</a:t>
             </a:r>
@@ -4266,6 +4271,7 @@
                 </a:solidFill>
                 <a:effectLst/>
                 <a:latin typeface="Arial" panose="020B0604020202020204" pitchFamily="34" charset="0"/>
+                <a:cs typeface="Arial" panose="020B0604020202020204" pitchFamily="34" charset="0"/>
               </a:rPr>
               <a:t>pMHC</a:t>
             </a:r>
@@ -4276,6 +4282,7 @@
                 </a:solidFill>
                 <a:effectLst/>
                 <a:latin typeface="Arial" panose="020B0604020202020204" pitchFamily="34" charset="0"/>
+                <a:cs typeface="Arial" panose="020B0604020202020204" pitchFamily="34" charset="0"/>
               </a:rPr>
               <a:t>) to form a complex that triggers an immune response.</a:t>
             </a:r>
@@ -4311,6 +4318,7 @@
                 </a:solidFill>
                 <a:effectLst/>
                 <a:latin typeface="Arial" panose="020B0604020202020204" pitchFamily="34" charset="0"/>
+                <a:cs typeface="Arial" panose="020B0604020202020204" pitchFamily="34" charset="0"/>
               </a:rPr>
               <a:t>Predict TCR-</a:t>
             </a:r>
@@ -4321,6 +4329,7 @@
                 </a:solidFill>
                 <a:effectLst/>
                 <a:latin typeface="Arial" panose="020B0604020202020204" pitchFamily="34" charset="0"/>
+                <a:cs typeface="Arial" panose="020B0604020202020204" pitchFamily="34" charset="0"/>
               </a:rPr>
               <a:t>pMHC</a:t>
             </a:r>
@@ -4331,6 +4340,7 @@
                 </a:solidFill>
                 <a:effectLst/>
                 <a:latin typeface="Arial" panose="020B0604020202020204" pitchFamily="34" charset="0"/>
+                <a:cs typeface="Arial" panose="020B0604020202020204" pitchFamily="34" charset="0"/>
               </a:rPr>
               <a:t> binding using molecular modeling and recurrent neural networks (RNN).</a:t>
             </a:r>
@@ -4342,7 +4352,7 @@
           <p:cNvPr id="8" name="TextBox 7">
             <a:extLst>
               <a:ext uri="{FF2B5EF4-FFF2-40B4-BE49-F238E27FC236}">
-                <a16:creationId xmlns:a16="http://schemas.microsoft.com/office/drawing/2014/main" id="{BF27FA47-F412-41BA-9674-4AB98ABB11FF}"/>
+                <a16:creationId xmlns:a16="http://schemas.microsoft.com/office/drawing/2014/main" xmlns="" id="{BF27FA47-F412-41BA-9674-4AB98ABB11FF}"/>
               </a:ext>
             </a:extLst>
           </p:cNvPr>
@@ -4351,7 +4361,7 @@
         </p:nvSpPr>
         <p:spPr>
           <a:xfrm>
-            <a:off x="281270" y="29211249"/>
+            <a:off x="172349" y="29211249"/>
             <a:ext cx="20409853" cy="1200329"/>
           </a:xfrm>
           <a:prstGeom prst="rect">
@@ -4504,7 +4514,7 @@
           <p:cNvPr id="39" name="Round Same Side Corner Rectangle 137">
             <a:extLst>
               <a:ext uri="{FF2B5EF4-FFF2-40B4-BE49-F238E27FC236}">
-                <a16:creationId xmlns:a16="http://schemas.microsoft.com/office/drawing/2014/main" id="{E416DD2D-00A9-4581-8B16-BB3C03226A4A}"/>
+                <a16:creationId xmlns:a16="http://schemas.microsoft.com/office/drawing/2014/main" xmlns="" id="{E416DD2D-00A9-4581-8B16-BB3C03226A4A}"/>
               </a:ext>
             </a:extLst>
           </p:cNvPr>
@@ -4513,7 +4523,7 @@
         </p:nvSpPr>
         <p:spPr>
           <a:xfrm>
-            <a:off x="251020" y="28454316"/>
+            <a:off x="229640" y="28589431"/>
             <a:ext cx="20880000" cy="540000"/>
           </a:xfrm>
           <a:prstGeom prst="round2SameRect">
@@ -4568,7 +4578,7 @@
           <p:cNvPr id="61" name="TextBox 9">
             <a:extLst>
               <a:ext uri="{FF2B5EF4-FFF2-40B4-BE49-F238E27FC236}">
-                <a16:creationId xmlns:a16="http://schemas.microsoft.com/office/drawing/2014/main" id="{0F50DE13-E128-4F41-B202-B86A9CAA9FC5}"/>
+                <a16:creationId xmlns:a16="http://schemas.microsoft.com/office/drawing/2014/main" xmlns="" id="{0F50DE13-E128-4F41-B202-B86A9CAA9FC5}"/>
               </a:ext>
             </a:extLst>
           </p:cNvPr>
@@ -4577,8 +4587,8 @@
         </p:nvSpPr>
         <p:spPr>
           <a:xfrm>
-            <a:off x="15572764" y="22622274"/>
-            <a:ext cx="3591536" cy="1477328"/>
+            <a:off x="12609741" y="21445101"/>
+            <a:ext cx="4881846" cy="3323987"/>
           </a:xfrm>
           <a:prstGeom prst="rect">
             <a:avLst/>
@@ -4595,11 +4605,47 @@
           <a:lstStyle/>
           <a:p>
             <a:r>
+              <a:rPr lang="en-GB" sz="3000" dirty="0" smtClean="0">
+                <a:latin typeface="Arial" panose="020B0604020202020204" pitchFamily="34" charset="0"/>
+                <a:cs typeface="Arial" panose="020B0604020202020204" pitchFamily="34" charset="0"/>
+              </a:rPr>
+              <a:t>From 2</a:t>
+            </a:r>
+            <a:r>
+              <a:rPr lang="en-GB" sz="3000" baseline="30000" dirty="0" smtClean="0">
+                <a:latin typeface="Arial" panose="020B0604020202020204" pitchFamily="34" charset="0"/>
+                <a:cs typeface="Arial" panose="020B0604020202020204" pitchFamily="34" charset="0"/>
+              </a:rPr>
+              <a:t>nd</a:t>
+            </a:r>
+            <a:r>
+              <a:rPr lang="en-GB" sz="3000" dirty="0" smtClean="0">
+                <a:latin typeface="Arial" panose="020B0604020202020204" pitchFamily="34" charset="0"/>
+                <a:cs typeface="Arial" panose="020B0604020202020204" pitchFamily="34" charset="0"/>
+              </a:rPr>
+              <a:t> architecture, dropout is applied to avoid overfitting</a:t>
+            </a:r>
+          </a:p>
+          <a:p>
+            <a:endParaRPr lang="en-GB" sz="3000" dirty="0">
+              <a:latin typeface="Arial" panose="020B0604020202020204" pitchFamily="34" charset="0"/>
+              <a:cs typeface="Arial" panose="020B0604020202020204" pitchFamily="34" charset="0"/>
+            </a:endParaRPr>
+          </a:p>
+          <a:p>
+            <a:r>
+              <a:rPr lang="en-GB" sz="3000" dirty="0" smtClean="0">
+                <a:latin typeface="Arial" panose="020B0604020202020204" pitchFamily="34" charset="0"/>
+                <a:cs typeface="Arial" panose="020B0604020202020204" pitchFamily="34" charset="0"/>
+              </a:rPr>
+              <a:t>MCC </a:t>
+            </a:r>
+            <a:r>
               <a:rPr lang="en-GB" sz="3000" dirty="0">
                 <a:latin typeface="Arial" panose="020B0604020202020204" pitchFamily="34" charset="0"/>
                 <a:cs typeface="Arial" panose="020B0604020202020204" pitchFamily="34" charset="0"/>
               </a:rPr>
-              <a:t>MCC on test</a:t>
+              <a:t>on test</a:t>
             </a:r>
           </a:p>
           <a:p>
@@ -4618,37 +4664,6 @@
                 <a:cs typeface="Arial" panose="020B0604020202020204" pitchFamily="34" charset="0"/>
               </a:rPr>
               <a:t>AUC plot</a:t>
-            </a:r>
-          </a:p>
-        </p:txBody>
-      </p:sp>
-      <p:sp>
-        <p:nvSpPr>
-          <p:cNvPr id="53" name="Rectangle 52"/>
-          <p:cNvSpPr/>
-          <p:nvPr/>
-        </p:nvSpPr>
-        <p:spPr>
-          <a:xfrm>
-            <a:off x="15839674" y="20677013"/>
-            <a:ext cx="4221027" cy="553998"/>
-          </a:xfrm>
-          <a:prstGeom prst="rect">
-            <a:avLst/>
-          </a:prstGeom>
-        </p:spPr>
-        <p:txBody>
-          <a:bodyPr wrap="none">
-            <a:spAutoFit/>
-          </a:bodyPr>
-          <a:lstStyle/>
-          <a:p>
-            <a:r>
-              <a:rPr lang="en-GB" sz="3000" dirty="0">
-                <a:latin typeface="Arial" panose="020B0604020202020204" pitchFamily="34" charset="0"/>
-                <a:cs typeface="Arial" panose="020B0604020202020204" pitchFamily="34" charset="0"/>
-              </a:rPr>
-              <a:t>Comparison with Ida [2]</a:t>
             </a:r>
           </a:p>
         </p:txBody>
@@ -4658,7 +4673,7 @@
           <p:cNvPr id="68" name="Round Same Side Corner Rectangle 137">
             <a:extLst>
               <a:ext uri="{FF2B5EF4-FFF2-40B4-BE49-F238E27FC236}">
-                <a16:creationId xmlns:a16="http://schemas.microsoft.com/office/drawing/2014/main" id="{E416DD2D-00A9-4581-8B16-BB3C03226A4A}"/>
+                <a16:creationId xmlns:a16="http://schemas.microsoft.com/office/drawing/2014/main" xmlns="" id="{E416DD2D-00A9-4581-8B16-BB3C03226A4A}"/>
               </a:ext>
             </a:extLst>
           </p:cNvPr>
@@ -4667,7 +4682,7 @@
         </p:nvSpPr>
         <p:spPr>
           <a:xfrm>
-            <a:off x="251020" y="26605166"/>
+            <a:off x="252605" y="25991103"/>
             <a:ext cx="20880000" cy="540000"/>
           </a:xfrm>
           <a:prstGeom prst="round2SameRect">
@@ -4725,8 +4740,8 @@
         </p:nvSpPr>
         <p:spPr>
           <a:xfrm>
-            <a:off x="677812" y="27435881"/>
-            <a:ext cx="7990852" cy="923330"/>
+            <a:off x="229640" y="26631311"/>
+            <a:ext cx="20901379" cy="1938992"/>
           </a:xfrm>
           <a:prstGeom prst="rect">
             <a:avLst/>
@@ -4738,35 +4753,100 @@
           </a:bodyPr>
           <a:lstStyle/>
           <a:p>
-            <a:r>
-              <a:rPr lang="en-US" dirty="0">
+            <a:pPr marL="342900" indent="-342900" algn="just">
+              <a:buFont typeface="Arial" panose="020B0604020202020204" pitchFamily="34" charset="0"/>
+              <a:buChar char="•"/>
+            </a:pPr>
+            <a:r>
+              <a:rPr lang="en-US" sz="2400" dirty="0">
                 <a:latin typeface="Arial" panose="020B0604020202020204" pitchFamily="34" charset="0"/>
                 <a:ea typeface="+mn-lt"/>
                 <a:cs typeface="Arial" panose="020B0604020202020204" pitchFamily="34" charset="0"/>
               </a:rPr>
-              <a:t>High number of negative</a:t>
-            </a:r>
-          </a:p>
-          <a:p>
-            <a:r>
-              <a:rPr lang="en-US" dirty="0">
+              <a:t>The dataset is really skewed towards </a:t>
+            </a:r>
+            <a:r>
+              <a:rPr lang="en-US" sz="2400" dirty="0" smtClean="0">
                 <a:latin typeface="Arial" panose="020B0604020202020204" pitchFamily="34" charset="0"/>
                 <a:ea typeface="+mn-lt"/>
                 <a:cs typeface="Arial" panose="020B0604020202020204" pitchFamily="34" charset="0"/>
               </a:rPr>
-              <a:t>BERT</a:t>
-            </a:r>
-          </a:p>
-          <a:p>
-            <a:r>
-              <a:rPr lang="en-US" dirty="0">
+              <a:t>negative (75%) </a:t>
+            </a:r>
+            <a:r>
+              <a:rPr lang="en-US" sz="2400" dirty="0">
                 <a:latin typeface="Arial" panose="020B0604020202020204" pitchFamily="34" charset="0"/>
                 <a:ea typeface="+mn-lt"/>
                 <a:cs typeface="Arial" panose="020B0604020202020204" pitchFamily="34" charset="0"/>
               </a:rPr>
-              <a:t>Graph based approach</a:t>
-            </a:r>
-            <a:endParaRPr lang="fr-FR" dirty="0"/>
+              <a:t>which makes metrics like accuracy less reliable. Changing the threshold gives a better MCC because the model tends to predict more negatives. The best threshold is found to be </a:t>
+            </a:r>
+            <a:r>
+              <a:rPr lang="en-US" sz="2400" dirty="0" smtClean="0">
+                <a:latin typeface="Arial" panose="020B0604020202020204" pitchFamily="34" charset="0"/>
+                <a:ea typeface="+mn-lt"/>
+                <a:cs typeface="Arial" panose="020B0604020202020204" pitchFamily="34" charset="0"/>
+              </a:rPr>
+              <a:t>0.63 during validation and is applied for testing.</a:t>
+            </a:r>
+            <a:endParaRPr lang="en-US" sz="2400" dirty="0">
+              <a:latin typeface="Arial" panose="020B0604020202020204" pitchFamily="34" charset="0"/>
+              <a:ea typeface="+mn-lt"/>
+              <a:cs typeface="Arial" panose="020B0604020202020204" pitchFamily="34" charset="0"/>
+            </a:endParaRPr>
+          </a:p>
+          <a:p>
+            <a:pPr marL="342900" indent="-342900">
+              <a:buFont typeface="Arial" panose="020B0604020202020204" pitchFamily="34" charset="0"/>
+              <a:buChar char="•"/>
+            </a:pPr>
+            <a:r>
+              <a:rPr lang="en-US" sz="2400" dirty="0" smtClean="0">
+                <a:latin typeface="Arial" panose="020B0604020202020204" pitchFamily="34" charset="0"/>
+                <a:ea typeface="+mn-lt"/>
+                <a:cs typeface="Arial" panose="020B0604020202020204" pitchFamily="34" charset="0"/>
+              </a:rPr>
+              <a:t>The model </a:t>
+            </a:r>
+            <a:r>
+              <a:rPr lang="en-US" sz="2400" dirty="0" err="1" smtClean="0">
+                <a:latin typeface="Arial" panose="020B0604020202020204" pitchFamily="34" charset="0"/>
+                <a:ea typeface="+mn-lt"/>
+                <a:cs typeface="Arial" panose="020B0604020202020204" pitchFamily="34" charset="0"/>
+              </a:rPr>
+              <a:t>overfits</a:t>
+            </a:r>
+            <a:r>
+              <a:rPr lang="en-US" sz="2400" dirty="0" smtClean="0">
+                <a:latin typeface="Arial" panose="020B0604020202020204" pitchFamily="34" charset="0"/>
+                <a:ea typeface="+mn-lt"/>
+                <a:cs typeface="Arial" panose="020B0604020202020204" pitchFamily="34" charset="0"/>
+              </a:rPr>
+              <a:t> the dataset. If we were to predict binding for other peptides, the model would likely fail. This can be shown by leave-one-out cross-validation [2].</a:t>
+            </a:r>
+            <a:endParaRPr lang="en-US" sz="2400" dirty="0">
+              <a:latin typeface="Arial" panose="020B0604020202020204" pitchFamily="34" charset="0"/>
+              <a:ea typeface="+mn-lt"/>
+              <a:cs typeface="Arial" panose="020B0604020202020204" pitchFamily="34" charset="0"/>
+            </a:endParaRPr>
+          </a:p>
+          <a:p>
+            <a:pPr marL="342900" indent="-342900">
+              <a:buFont typeface="Arial" panose="020B0604020202020204" pitchFamily="34" charset="0"/>
+              <a:buChar char="•"/>
+            </a:pPr>
+            <a:r>
+              <a:rPr lang="en-US" sz="2400" dirty="0" smtClean="0">
+                <a:latin typeface="Arial" panose="020B0604020202020204" pitchFamily="34" charset="0"/>
+                <a:ea typeface="+mn-lt"/>
+                <a:cs typeface="Arial" panose="020B0604020202020204" pitchFamily="34" charset="0"/>
+              </a:rPr>
+              <a:t>TCR-BERT</a:t>
+            </a:r>
+            <a:endParaRPr lang="fr-FR" sz="2400" dirty="0">
+              <a:latin typeface="Arial" panose="020B0604020202020204" pitchFamily="34" charset="0"/>
+              <a:cs typeface="Arial" panose="020B0604020202020204" pitchFamily="34" charset="0"/>
+            </a:endParaRPr>
           </a:p>
         </p:txBody>
       </p:sp>
@@ -4778,8 +4858,8 @@
         </p:nvSpPr>
         <p:spPr>
           <a:xfrm>
-            <a:off x="677812" y="18851332"/>
-            <a:ext cx="3121817" cy="369332"/>
+            <a:off x="251020" y="18491999"/>
+            <a:ext cx="5506636" cy="369332"/>
           </a:xfrm>
           <a:prstGeom prst="rect">
             <a:avLst/>
@@ -4793,9 +4873,37 @@
           <a:lstStyle/>
           <a:p>
             <a:r>
-              <a:rPr lang="fr-FR" i="1" dirty="0"/>
-              <a:t>Figure 2. Pipeline for the data.</a:t>
-            </a:r>
+              <a:rPr lang="fr-FR" i="1" dirty="0">
+                <a:latin typeface="Arial" panose="020B0604020202020204" pitchFamily="34" charset="0"/>
+                <a:cs typeface="Arial" panose="020B0604020202020204" pitchFamily="34" charset="0"/>
+              </a:rPr>
+              <a:t>Figure 2. Pipeline for the </a:t>
+            </a:r>
+            <a:r>
+              <a:rPr lang="fr-FR" i="1" dirty="0" err="1" smtClean="0">
+                <a:latin typeface="Arial" panose="020B0604020202020204" pitchFamily="34" charset="0"/>
+                <a:cs typeface="Arial" panose="020B0604020202020204" pitchFamily="34" charset="0"/>
+              </a:rPr>
+              <a:t>pre-processing</a:t>
+            </a:r>
+            <a:r>
+              <a:rPr lang="fr-FR" i="1" dirty="0" smtClean="0">
+                <a:latin typeface="Arial" panose="020B0604020202020204" pitchFamily="34" charset="0"/>
+                <a:cs typeface="Arial" panose="020B0604020202020204" pitchFamily="34" charset="0"/>
+              </a:rPr>
+              <a:t> of the data</a:t>
+            </a:r>
+            <a:r>
+              <a:rPr lang="fr-FR" i="1" dirty="0" smtClean="0">
+                <a:latin typeface="Arial" panose="020B0604020202020204" pitchFamily="34" charset="0"/>
+                <a:cs typeface="Arial" panose="020B0604020202020204" pitchFamily="34" charset="0"/>
+              </a:rPr>
+              <a:t>.</a:t>
+            </a:r>
+            <a:endParaRPr lang="fr-FR" i="1" dirty="0">
+              <a:latin typeface="Arial" panose="020B0604020202020204" pitchFamily="34" charset="0"/>
+              <a:cs typeface="Arial" panose="020B0604020202020204" pitchFamily="34" charset="0"/>
+            </a:endParaRPr>
           </a:p>
         </p:txBody>
       </p:sp>
@@ -4807,7 +4915,7 @@
         </p:nvSpPr>
         <p:spPr>
           <a:xfrm>
-            <a:off x="13488278" y="8738754"/>
+            <a:off x="13488278" y="8394428"/>
             <a:ext cx="6677007" cy="646331"/>
           </a:xfrm>
           <a:prstGeom prst="rect">
@@ -4822,47 +4930,80 @@
           <a:lstStyle/>
           <a:p>
             <a:r>
-              <a:rPr lang="fr-FR" i="1" dirty="0"/>
+              <a:rPr lang="fr-FR" i="1" dirty="0">
+                <a:latin typeface="Arial" panose="020B0604020202020204" pitchFamily="34" charset="0"/>
+                <a:cs typeface="Arial" panose="020B0604020202020204" pitchFamily="34" charset="0"/>
+              </a:rPr>
               <a:t>Figure 1. 3D-visualization of the TCR-</a:t>
             </a:r>
             <a:r>
-              <a:rPr lang="fr-FR" i="1" dirty="0" err="1"/>
+              <a:rPr lang="fr-FR" i="1" dirty="0" err="1">
+                <a:latin typeface="Arial" panose="020B0604020202020204" pitchFamily="34" charset="0"/>
+                <a:cs typeface="Arial" panose="020B0604020202020204" pitchFamily="34" charset="0"/>
+              </a:rPr>
               <a:t>pMHC</a:t>
             </a:r>
             <a:r>
-              <a:rPr lang="fr-FR" i="1" dirty="0"/>
+              <a:rPr lang="fr-FR" i="1" dirty="0">
+                <a:latin typeface="Arial" panose="020B0604020202020204" pitchFamily="34" charset="0"/>
+                <a:cs typeface="Arial" panose="020B0604020202020204" pitchFamily="34" charset="0"/>
+              </a:rPr>
               <a:t> </a:t>
             </a:r>
             <a:r>
-              <a:rPr lang="fr-FR" i="1" dirty="0" err="1"/>
+              <a:rPr lang="fr-FR" i="1" dirty="0" err="1">
+                <a:latin typeface="Arial" panose="020B0604020202020204" pitchFamily="34" charset="0"/>
+                <a:cs typeface="Arial" panose="020B0604020202020204" pitchFamily="34" charset="0"/>
+              </a:rPr>
               <a:t>complex</a:t>
             </a:r>
             <a:r>
-              <a:rPr lang="fr-FR" i="1" dirty="0"/>
+              <a:rPr lang="fr-FR" i="1" dirty="0">
+                <a:latin typeface="Arial" panose="020B0604020202020204" pitchFamily="34" charset="0"/>
+                <a:cs typeface="Arial" panose="020B0604020202020204" pitchFamily="34" charset="0"/>
+              </a:rPr>
               <a:t>. Blue: TCR-</a:t>
             </a:r>
             <a:r>
-              <a:rPr lang="el-GR" dirty="0"/>
+              <a:rPr lang="el-GR" dirty="0">
+                <a:latin typeface="Arial" panose="020B0604020202020204" pitchFamily="34" charset="0"/>
+                <a:cs typeface="Arial" panose="020B0604020202020204" pitchFamily="34" charset="0"/>
+              </a:rPr>
               <a:t>α</a:t>
             </a:r>
             <a:r>
-              <a:rPr lang="fr-FR" i="1" dirty="0"/>
+              <a:rPr lang="fr-FR" i="1" dirty="0">
+                <a:latin typeface="Arial" panose="020B0604020202020204" pitchFamily="34" charset="0"/>
+                <a:cs typeface="Arial" panose="020B0604020202020204" pitchFamily="34" charset="0"/>
+              </a:rPr>
               <a:t>, </a:t>
             </a:r>
             <a:r>
-              <a:rPr lang="fr-FR" i="1" dirty="0" err="1"/>
+              <a:rPr lang="fr-FR" i="1" dirty="0" err="1">
+                <a:latin typeface="Arial" panose="020B0604020202020204" pitchFamily="34" charset="0"/>
+                <a:cs typeface="Arial" panose="020B0604020202020204" pitchFamily="34" charset="0"/>
+              </a:rPr>
               <a:t>Purple</a:t>
             </a:r>
             <a:r>
-              <a:rPr lang="fr-FR" i="1" dirty="0"/>
+              <a:rPr lang="fr-FR" i="1" dirty="0">
+                <a:latin typeface="Arial" panose="020B0604020202020204" pitchFamily="34" charset="0"/>
+                <a:cs typeface="Arial" panose="020B0604020202020204" pitchFamily="34" charset="0"/>
+              </a:rPr>
               <a:t>: TCR-</a:t>
             </a:r>
             <a:r>
-              <a:rPr lang="el-GR" dirty="0"/>
+              <a:rPr lang="el-GR" dirty="0">
+                <a:latin typeface="Arial" panose="020B0604020202020204" pitchFamily="34" charset="0"/>
+                <a:cs typeface="Arial" panose="020B0604020202020204" pitchFamily="34" charset="0"/>
+              </a:rPr>
               <a:t>β</a:t>
             </a:r>
             <a:r>
-              <a:rPr lang="fr-FR" i="1" dirty="0"/>
+              <a:rPr lang="fr-FR" i="1" dirty="0">
+                <a:latin typeface="Arial" panose="020B0604020202020204" pitchFamily="34" charset="0"/>
+                <a:cs typeface="Arial" panose="020B0604020202020204" pitchFamily="34" charset="0"/>
+              </a:rPr>
               <a:t>, Green: Peptide, Grey: MHC.</a:t>
             </a:r>
           </a:p>
@@ -4891,8 +5032,8 @@
         </p:blipFill>
         <p:spPr bwMode="auto">
           <a:xfrm>
-            <a:off x="8458625" y="14029036"/>
-            <a:ext cx="12675345" cy="5279073"/>
+            <a:off x="11245119" y="14363511"/>
+            <a:ext cx="9944222" cy="4198660"/>
           </a:xfrm>
           <a:prstGeom prst="rect">
             <a:avLst/>
@@ -4917,8 +5058,8 @@
         </p:nvSpPr>
         <p:spPr>
           <a:xfrm>
-            <a:off x="10945640" y="18867631"/>
-            <a:ext cx="4329519" cy="369332"/>
+            <a:off x="11245119" y="18507006"/>
+            <a:ext cx="4664482" cy="369332"/>
           </a:xfrm>
           <a:prstGeom prst="rect">
             <a:avLst/>
@@ -4931,7 +5072,10 @@
           <a:lstStyle/>
           <a:p>
             <a:r>
-              <a:rPr lang="fr-FR" i="1" dirty="0"/>
+              <a:rPr lang="fr-FR" i="1" dirty="0">
+                <a:latin typeface="Arial" panose="020B0604020202020204" pitchFamily="34" charset="0"/>
+                <a:cs typeface="Arial" panose="020B0604020202020204" pitchFamily="34" charset="0"/>
+              </a:rPr>
               <a:t>Figure 3. Architecture of the neural network.</a:t>
             </a:r>
           </a:p>
@@ -4945,84 +5089,135 @@
         </p:nvSpPr>
         <p:spPr>
           <a:xfrm>
-            <a:off x="558746" y="26140729"/>
-            <a:ext cx="8228984" cy="369332"/>
+            <a:off x="309341" y="23695084"/>
+            <a:ext cx="8347903" cy="646331"/>
           </a:xfrm>
           <a:prstGeom prst="rect">
             <a:avLst/>
           </a:prstGeom>
         </p:spPr>
         <p:txBody>
-          <a:bodyPr wrap="none">
+          <a:bodyPr wrap="square">
             <a:spAutoFit/>
           </a:bodyPr>
           <a:lstStyle/>
           <a:p>
             <a:r>
-              <a:rPr lang="fr-FR" i="1" dirty="0"/>
+              <a:rPr lang="fr-FR" i="1" dirty="0">
+                <a:latin typeface="Arial" panose="020B0604020202020204" pitchFamily="34" charset="0"/>
+                <a:cs typeface="Arial" panose="020B0604020202020204" pitchFamily="34" charset="0"/>
+              </a:rPr>
               <a:t>Table 1. </a:t>
             </a:r>
             <a:r>
-              <a:rPr lang="fr-FR" i="1" dirty="0" err="1"/>
+              <a:rPr lang="fr-FR" i="1" dirty="0" err="1">
+                <a:latin typeface="Arial" panose="020B0604020202020204" pitchFamily="34" charset="0"/>
+                <a:cs typeface="Arial" panose="020B0604020202020204" pitchFamily="34" charset="0"/>
+              </a:rPr>
               <a:t>Comparison</a:t>
             </a:r>
             <a:r>
-              <a:rPr lang="fr-FR" i="1" dirty="0"/>
+              <a:rPr lang="fr-FR" i="1" dirty="0">
+                <a:latin typeface="Arial" panose="020B0604020202020204" pitchFamily="34" charset="0"/>
+                <a:cs typeface="Arial" panose="020B0604020202020204" pitchFamily="34" charset="0"/>
+              </a:rPr>
               <a:t> </a:t>
             </a:r>
             <a:r>
-              <a:rPr lang="fr-FR" i="1" dirty="0" err="1"/>
+              <a:rPr lang="fr-FR" i="1" dirty="0" err="1">
+                <a:latin typeface="Arial" panose="020B0604020202020204" pitchFamily="34" charset="0"/>
+                <a:cs typeface="Arial" panose="020B0604020202020204" pitchFamily="34" charset="0"/>
+              </a:rPr>
               <a:t>between</a:t>
             </a:r>
             <a:r>
-              <a:rPr lang="fr-FR" i="1" dirty="0"/>
+              <a:rPr lang="fr-FR" i="1" dirty="0">
+                <a:latin typeface="Arial" panose="020B0604020202020204" pitchFamily="34" charset="0"/>
+                <a:cs typeface="Arial" panose="020B0604020202020204" pitchFamily="34" charset="0"/>
+              </a:rPr>
               <a:t> the </a:t>
             </a:r>
             <a:r>
-              <a:rPr lang="fr-FR" i="1" dirty="0" err="1"/>
+              <a:rPr lang="fr-FR" i="1" dirty="0" err="1">
+                <a:latin typeface="Arial" panose="020B0604020202020204" pitchFamily="34" charset="0"/>
+                <a:cs typeface="Arial" panose="020B0604020202020204" pitchFamily="34" charset="0"/>
+              </a:rPr>
               <a:t>different</a:t>
             </a:r>
             <a:r>
-              <a:rPr lang="fr-FR" i="1" dirty="0"/>
+              <a:rPr lang="fr-FR" i="1" dirty="0">
+                <a:latin typeface="Arial" panose="020B0604020202020204" pitchFamily="34" charset="0"/>
+                <a:cs typeface="Arial" panose="020B0604020202020204" pitchFamily="34" charset="0"/>
+              </a:rPr>
               <a:t> networks </a:t>
             </a:r>
             <a:r>
-              <a:rPr lang="fr-FR" i="1" dirty="0" err="1"/>
+              <a:rPr lang="fr-FR" i="1" dirty="0" err="1">
+                <a:latin typeface="Arial" panose="020B0604020202020204" pitchFamily="34" charset="0"/>
+                <a:cs typeface="Arial" panose="020B0604020202020204" pitchFamily="34" charset="0"/>
+              </a:rPr>
               <a:t>that</a:t>
             </a:r>
             <a:r>
-              <a:rPr lang="fr-FR" i="1" dirty="0"/>
+              <a:rPr lang="fr-FR" i="1" dirty="0">
+                <a:latin typeface="Arial" panose="020B0604020202020204" pitchFamily="34" charset="0"/>
+                <a:cs typeface="Arial" panose="020B0604020202020204" pitchFamily="34" charset="0"/>
+              </a:rPr>
               <a:t> </a:t>
             </a:r>
             <a:r>
-              <a:rPr lang="fr-FR" i="1" dirty="0" err="1"/>
+              <a:rPr lang="fr-FR" i="1" dirty="0" err="1">
+                <a:latin typeface="Arial" panose="020B0604020202020204" pitchFamily="34" charset="0"/>
+                <a:cs typeface="Arial" panose="020B0604020202020204" pitchFamily="34" charset="0"/>
+              </a:rPr>
               <a:t>we</a:t>
             </a:r>
             <a:r>
-              <a:rPr lang="fr-FR" i="1" dirty="0"/>
+              <a:rPr lang="fr-FR" i="1" dirty="0">
+                <a:latin typeface="Arial" panose="020B0604020202020204" pitchFamily="34" charset="0"/>
+                <a:cs typeface="Arial" panose="020B0604020202020204" pitchFamily="34" charset="0"/>
+              </a:rPr>
               <a:t> </a:t>
             </a:r>
             <a:r>
-              <a:rPr lang="fr-FR" i="1" dirty="0" err="1"/>
+              <a:rPr lang="fr-FR" i="1" dirty="0" err="1">
+                <a:latin typeface="Arial" panose="020B0604020202020204" pitchFamily="34" charset="0"/>
+                <a:cs typeface="Arial" panose="020B0604020202020204" pitchFamily="34" charset="0"/>
+              </a:rPr>
               <a:t>constructed</a:t>
             </a:r>
             <a:r>
-              <a:rPr lang="fr-FR" i="1" dirty="0"/>
+              <a:rPr lang="fr-FR" i="1" dirty="0">
+                <a:latin typeface="Arial" panose="020B0604020202020204" pitchFamily="34" charset="0"/>
+                <a:cs typeface="Arial" panose="020B0604020202020204" pitchFamily="34" charset="0"/>
+              </a:rPr>
               <a:t> in </a:t>
             </a:r>
             <a:r>
-              <a:rPr lang="fr-FR" i="1" dirty="0" err="1"/>
+              <a:rPr lang="fr-FR" i="1" dirty="0" err="1">
+                <a:latin typeface="Arial" panose="020B0604020202020204" pitchFamily="34" charset="0"/>
+                <a:cs typeface="Arial" panose="020B0604020202020204" pitchFamily="34" charset="0"/>
+              </a:rPr>
               <a:t>this</a:t>
             </a:r>
             <a:r>
-              <a:rPr lang="fr-FR" i="1" dirty="0"/>
+              <a:rPr lang="fr-FR" i="1" dirty="0">
+                <a:latin typeface="Arial" panose="020B0604020202020204" pitchFamily="34" charset="0"/>
+                <a:cs typeface="Arial" panose="020B0604020202020204" pitchFamily="34" charset="0"/>
+              </a:rPr>
               <a:t> </a:t>
             </a:r>
             <a:r>
-              <a:rPr lang="fr-FR" i="1" dirty="0" err="1"/>
+              <a:rPr lang="fr-FR" i="1" dirty="0" err="1">
+                <a:latin typeface="Arial" panose="020B0604020202020204" pitchFamily="34" charset="0"/>
+                <a:cs typeface="Arial" panose="020B0604020202020204" pitchFamily="34" charset="0"/>
+              </a:rPr>
               <a:t>project</a:t>
             </a:r>
-            <a:endParaRPr lang="fr-FR" i="1" dirty="0"/>
+            <a:endParaRPr lang="fr-FR" i="1" dirty="0">
+              <a:latin typeface="Arial" panose="020B0604020202020204" pitchFamily="34" charset="0"/>
+              <a:cs typeface="Arial" panose="020B0604020202020204" pitchFamily="34" charset="0"/>
+            </a:endParaRPr>
           </a:p>
         </p:txBody>
       </p:sp>
@@ -5031,7 +5226,7 @@
           <p:cNvPr id="15" name="Picture 14" descr="Graphical user interface&#10;&#10;Description automatically generated with low confidence">
             <a:extLst>
               <a:ext uri="{FF2B5EF4-FFF2-40B4-BE49-F238E27FC236}">
-                <a16:creationId xmlns:a16="http://schemas.microsoft.com/office/drawing/2014/main" id="{3BC95CEC-30C8-4CC6-9A6F-CEA5128B28D7}"/>
+                <a16:creationId xmlns:a16="http://schemas.microsoft.com/office/drawing/2014/main" xmlns="" id="{3BC95CEC-30C8-4CC6-9A6F-CEA5128B28D7}"/>
               </a:ext>
             </a:extLst>
           </p:cNvPr>
@@ -5048,8 +5243,8 @@
         </p:blipFill>
         <p:spPr>
           <a:xfrm>
-            <a:off x="367747" y="16466064"/>
-            <a:ext cx="6863763" cy="2499220"/>
+            <a:off x="252605" y="14260665"/>
+            <a:ext cx="10628481" cy="3859584"/>
           </a:xfrm>
           <a:prstGeom prst="rect">
             <a:avLst/>
@@ -5077,7 +5272,7 @@
         </p:blipFill>
         <p:spPr bwMode="auto">
           <a:xfrm rot="16200000">
-            <a:off x="14979058" y="3342190"/>
+            <a:off x="14979058" y="2997864"/>
             <a:ext cx="3886583" cy="7150454"/>
           </a:xfrm>
           <a:prstGeom prst="rect">
@@ -5100,7 +5295,7 @@
           <p:cNvPr id="52" name="TextBox 51">
             <a:extLst>
               <a:ext uri="{FF2B5EF4-FFF2-40B4-BE49-F238E27FC236}">
-                <a16:creationId xmlns:a16="http://schemas.microsoft.com/office/drawing/2014/main" id="{8D25C8AF-29B9-4B5F-A484-1C152F2D45F1}"/>
+                <a16:creationId xmlns:a16="http://schemas.microsoft.com/office/drawing/2014/main" xmlns="" id="{8D25C8AF-29B9-4B5F-A484-1C152F2D45F1}"/>
               </a:ext>
             </a:extLst>
           </p:cNvPr>
@@ -5109,7 +5304,7 @@
         </p:nvSpPr>
         <p:spPr>
           <a:xfrm>
-            <a:off x="10689258" y="9642407"/>
+            <a:off x="10630937" y="9257692"/>
             <a:ext cx="10500083" cy="1608133"/>
           </a:xfrm>
           <a:prstGeom prst="rect">
@@ -5195,7 +5390,7 @@
           <p:cNvPr id="59" name="TextBox 58">
             <a:extLst>
               <a:ext uri="{FF2B5EF4-FFF2-40B4-BE49-F238E27FC236}">
-                <a16:creationId xmlns:a16="http://schemas.microsoft.com/office/drawing/2014/main" id="{25FCE40A-6812-4241-9AFC-C4527E1E08D6}"/>
+                <a16:creationId xmlns:a16="http://schemas.microsoft.com/office/drawing/2014/main" xmlns="" id="{25FCE40A-6812-4241-9AFC-C4527E1E08D6}"/>
               </a:ext>
             </a:extLst>
           </p:cNvPr>
@@ -5204,8 +5399,8 @@
         </p:nvSpPr>
         <p:spPr>
           <a:xfrm>
-            <a:off x="229641" y="12361309"/>
-            <a:ext cx="10459617" cy="1225977"/>
+            <a:off x="251020" y="11913270"/>
+            <a:ext cx="20938321" cy="1595309"/>
           </a:xfrm>
           <a:prstGeom prst="rect">
             <a:avLst/>
@@ -5229,6 +5424,244 @@
                 <a:cs typeface="Arial" panose="020B0604020202020204" pitchFamily="34" charset="0"/>
               </a:rPr>
               <a:t>Pre-processing with protein embedding</a:t>
+            </a:r>
+          </a:p>
+          <a:p>
+            <a:pPr marL="342900" indent="-342900" algn="just">
+              <a:spcAft>
+                <a:spcPts val="100"/>
+              </a:spcAft>
+              <a:buFont typeface="Arial" panose="020B0604020202020204" pitchFamily="34" charset="0"/>
+              <a:buChar char="•"/>
+            </a:pPr>
+            <a:r>
+              <a:rPr lang="en-GB" sz="2400" b="1" dirty="0" smtClean="0">
+                <a:latin typeface="Arial" panose="020B0604020202020204" pitchFamily="34" charset="0"/>
+                <a:cs typeface="Arial" panose="020B0604020202020204" pitchFamily="34" charset="0"/>
+              </a:rPr>
+              <a:t>BLOSUM (</a:t>
+            </a:r>
+            <a:r>
+              <a:rPr lang="en-GB" sz="2400" b="1" dirty="0" err="1" smtClean="0">
+                <a:latin typeface="Arial" panose="020B0604020202020204" pitchFamily="34" charset="0"/>
+                <a:cs typeface="Arial" panose="020B0604020202020204" pitchFamily="34" charset="0"/>
+              </a:rPr>
+              <a:t>BLOcks</a:t>
+            </a:r>
+            <a:r>
+              <a:rPr lang="en-GB" sz="2400" b="1" dirty="0" smtClean="0">
+                <a:latin typeface="Arial" panose="020B0604020202020204" pitchFamily="34" charset="0"/>
+                <a:cs typeface="Arial" panose="020B0604020202020204" pitchFamily="34" charset="0"/>
+              </a:rPr>
+              <a:t> </a:t>
+            </a:r>
+            <a:r>
+              <a:rPr lang="en-GB" sz="2400" b="1" dirty="0" err="1">
+                <a:latin typeface="Arial" panose="020B0604020202020204" pitchFamily="34" charset="0"/>
+                <a:cs typeface="Arial" panose="020B0604020202020204" pitchFamily="34" charset="0"/>
+              </a:rPr>
+              <a:t>SUbstitution</a:t>
+            </a:r>
+            <a:r>
+              <a:rPr lang="en-GB" sz="2400" b="1" dirty="0">
+                <a:latin typeface="Arial" panose="020B0604020202020204" pitchFamily="34" charset="0"/>
+                <a:cs typeface="Arial" panose="020B0604020202020204" pitchFamily="34" charset="0"/>
+              </a:rPr>
+              <a:t> Matrix</a:t>
+            </a:r>
+            <a:r>
+              <a:rPr lang="en-GB" sz="2400" b="1" dirty="0" smtClean="0">
+                <a:latin typeface="Arial" panose="020B0604020202020204" pitchFamily="34" charset="0"/>
+                <a:cs typeface="Arial" panose="020B0604020202020204" pitchFamily="34" charset="0"/>
+              </a:rPr>
+              <a:t>): </a:t>
+            </a:r>
+            <a:r>
+              <a:rPr lang="en-GB" sz="2400" dirty="0" smtClean="0">
+                <a:latin typeface="Arial" panose="020B0604020202020204" pitchFamily="34" charset="0"/>
+                <a:cs typeface="Arial" panose="020B0604020202020204" pitchFamily="34" charset="0"/>
+              </a:rPr>
+              <a:t>Captures the biochemical properties of amino acids. It turns one-hot encoding into a vector with less 0s.</a:t>
+            </a:r>
+            <a:endParaRPr lang="en-GB" sz="2400" b="1" dirty="0" smtClean="0">
+              <a:latin typeface="Arial" panose="020B0604020202020204" pitchFamily="34" charset="0"/>
+              <a:cs typeface="Arial" panose="020B0604020202020204" pitchFamily="34" charset="0"/>
+            </a:endParaRPr>
+          </a:p>
+          <a:p>
+            <a:pPr marL="342900" indent="-342900" algn="just">
+              <a:spcAft>
+                <a:spcPts val="100"/>
+              </a:spcAft>
+              <a:buFont typeface="Arial" panose="020B0604020202020204" pitchFamily="34" charset="0"/>
+              <a:buChar char="•"/>
+            </a:pPr>
+            <a:r>
+              <a:rPr lang="en-GB" sz="2400" b="1" dirty="0">
+                <a:latin typeface="Arial" panose="020B0604020202020204" pitchFamily="34" charset="0"/>
+                <a:cs typeface="Arial" panose="020B0604020202020204" pitchFamily="34" charset="0"/>
+              </a:rPr>
+              <a:t>ESM </a:t>
+            </a:r>
+            <a:r>
+              <a:rPr lang="en-GB" sz="2400" b="1" dirty="0" smtClean="0">
+                <a:latin typeface="Arial" panose="020B0604020202020204" pitchFamily="34" charset="0"/>
+                <a:cs typeface="Arial" panose="020B0604020202020204" pitchFamily="34" charset="0"/>
+              </a:rPr>
+              <a:t>(</a:t>
+            </a:r>
+            <a:r>
+              <a:rPr lang="en-GB" sz="2400" b="1" dirty="0">
+                <a:latin typeface="Arial" panose="020B0604020202020204" pitchFamily="34" charset="0"/>
+                <a:cs typeface="Arial" panose="020B0604020202020204" pitchFamily="34" charset="0"/>
+              </a:rPr>
+              <a:t>Evolutionary Scale </a:t>
+            </a:r>
+            <a:r>
+              <a:rPr lang="en-GB" sz="2400" b="1" dirty="0" err="1">
+                <a:latin typeface="Arial" panose="020B0604020202020204" pitchFamily="34" charset="0"/>
+                <a:cs typeface="Arial" panose="020B0604020202020204" pitchFamily="34" charset="0"/>
+              </a:rPr>
+              <a:t>Modeling</a:t>
+            </a:r>
+            <a:r>
+              <a:rPr lang="en-GB" sz="2400" b="1" dirty="0" smtClean="0">
+                <a:latin typeface="Arial" panose="020B0604020202020204" pitchFamily="34" charset="0"/>
+                <a:cs typeface="Arial" panose="020B0604020202020204" pitchFamily="34" charset="0"/>
+              </a:rPr>
+              <a:t>) [3]: </a:t>
+            </a:r>
+            <a:r>
+              <a:rPr lang="en-GB" sz="2400" dirty="0" smtClean="0">
+                <a:latin typeface="Arial" panose="020B0604020202020204" pitchFamily="34" charset="0"/>
+                <a:cs typeface="Arial" panose="020B0604020202020204" pitchFamily="34" charset="0"/>
+              </a:rPr>
+              <a:t>A transformer, i.e. a </a:t>
+            </a:r>
+            <a:r>
+              <a:rPr lang="en-US" sz="2400" dirty="0" smtClean="0">
+                <a:latin typeface="Arial" panose="020B0604020202020204" pitchFamily="34" charset="0"/>
+                <a:cs typeface="Arial" panose="020B0604020202020204" pitchFamily="34" charset="0"/>
+              </a:rPr>
+              <a:t>series </a:t>
+            </a:r>
+            <a:r>
+              <a:rPr lang="en-US" sz="2400" dirty="0">
+                <a:latin typeface="Arial" panose="020B0604020202020204" pitchFamily="34" charset="0"/>
+                <a:cs typeface="Arial" panose="020B0604020202020204" pitchFamily="34" charset="0"/>
+              </a:rPr>
+              <a:t>of </a:t>
+            </a:r>
+            <a:r>
+              <a:rPr lang="en-US" sz="2400" dirty="0" smtClean="0">
+                <a:latin typeface="Arial" panose="020B0604020202020204" pitchFamily="34" charset="0"/>
+                <a:cs typeface="Arial" panose="020B0604020202020204" pitchFamily="34" charset="0"/>
+              </a:rPr>
+              <a:t>blocks that </a:t>
+            </a:r>
+            <a:r>
+              <a:rPr lang="en-US" sz="2400" dirty="0">
+                <a:latin typeface="Arial" panose="020B0604020202020204" pitchFamily="34" charset="0"/>
+                <a:cs typeface="Arial" panose="020B0604020202020204" pitchFamily="34" charset="0"/>
+              </a:rPr>
+              <a:t>alternate self-attention with feed-forward </a:t>
+            </a:r>
+            <a:r>
+              <a:rPr lang="en-US" sz="2400" dirty="0" smtClean="0">
+                <a:latin typeface="Arial" panose="020B0604020202020204" pitchFamily="34" charset="0"/>
+                <a:cs typeface="Arial" panose="020B0604020202020204" pitchFamily="34" charset="0"/>
+              </a:rPr>
+              <a:t>connections. It has been trained beforehand with 250 million sequences and has 650 million weights. The output is a vector of size 1280 for each amino acid position.</a:t>
+            </a:r>
+            <a:endParaRPr lang="en-GB" sz="2400" b="1" dirty="0">
+              <a:latin typeface="Arial" panose="020B0604020202020204" pitchFamily="34" charset="0"/>
+              <a:cs typeface="Arial" panose="020B0604020202020204" pitchFamily="34" charset="0"/>
+            </a:endParaRPr>
+          </a:p>
+        </p:txBody>
+      </p:sp>
+      <p:sp>
+        <p:nvSpPr>
+          <p:cNvPr id="60" name="TextBox 59">
+            <a:extLst>
+              <a:ext uri="{FF2B5EF4-FFF2-40B4-BE49-F238E27FC236}">
+                <a16:creationId xmlns:a16="http://schemas.microsoft.com/office/drawing/2014/main" xmlns="" id="{5EC9703E-C0FE-42AC-9186-837AE535C777}"/>
+              </a:ext>
+            </a:extLst>
+          </p:cNvPr>
+          <p:cNvSpPr txBox="1"/>
+          <p:nvPr/>
+        </p:nvSpPr>
+        <p:spPr>
+          <a:xfrm>
+            <a:off x="5519532" y="13801143"/>
+            <a:ext cx="10459617" cy="461665"/>
+          </a:xfrm>
+          <a:prstGeom prst="rect">
+            <a:avLst/>
+          </a:prstGeom>
+          <a:noFill/>
+        </p:spPr>
+        <p:txBody>
+          <a:bodyPr wrap="square">
+            <a:spAutoFit/>
+          </a:bodyPr>
+          <a:lstStyle/>
+          <a:p>
+            <a:pPr algn="ctr">
+              <a:spcAft>
+                <a:spcPts val="100"/>
+              </a:spcAft>
+            </a:pPr>
+            <a:r>
+              <a:rPr lang="en-GB" sz="2400" b="1" dirty="0">
+                <a:latin typeface="Arial" panose="020B0604020202020204" pitchFamily="34" charset="0"/>
+                <a:cs typeface="Arial" panose="020B0604020202020204" pitchFamily="34" charset="0"/>
+              </a:rPr>
+              <a:t>Neural network architecture</a:t>
+            </a:r>
+          </a:p>
+        </p:txBody>
+      </p:sp>
+      <p:sp>
+        <p:nvSpPr>
+          <p:cNvPr id="62" name="TextBox 61">
+            <a:extLst>
+              <a:ext uri="{FF2B5EF4-FFF2-40B4-BE49-F238E27FC236}">
+                <a16:creationId xmlns:a16="http://schemas.microsoft.com/office/drawing/2014/main" xmlns="" id="{658BED85-75EA-4BFC-BF85-417C54E59FAC}"/>
+              </a:ext>
+            </a:extLst>
+          </p:cNvPr>
+          <p:cNvSpPr txBox="1"/>
+          <p:nvPr/>
+        </p:nvSpPr>
+        <p:spPr>
+          <a:xfrm>
+            <a:off x="229641" y="9225409"/>
+            <a:ext cx="10379917" cy="1608133"/>
+          </a:xfrm>
+          <a:prstGeom prst="rect">
+            <a:avLst/>
+          </a:prstGeom>
+          <a:noFill/>
+        </p:spPr>
+        <p:txBody>
+          <a:bodyPr wrap="square">
+            <a:spAutoFit/>
+          </a:bodyPr>
+          <a:lstStyle/>
+          <a:p>
+            <a:pPr algn="ctr">
+              <a:spcAft>
+                <a:spcPts val="100"/>
+              </a:spcAft>
+            </a:pPr>
+            <a:r>
+              <a:rPr lang="en-GB" sz="2400" b="1" dirty="0">
+                <a:latin typeface="Arial" panose="020B0604020202020204" pitchFamily="34" charset="0"/>
+                <a:cs typeface="Arial" panose="020B0604020202020204" pitchFamily="34" charset="0"/>
+              </a:rPr>
+              <a:t>Input data [1]</a:t>
             </a:r>
           </a:p>
           <a:p>
@@ -5240,11 +5673,15 @@
               <a:buChar char="•"/>
             </a:pPr>
             <a:r>
-              <a:rPr lang="en-GB" sz="2400" b="1" dirty="0">
-                <a:latin typeface="Arial" panose="020B0604020202020204" pitchFamily="34" charset="0"/>
-                <a:cs typeface="Arial" panose="020B0604020202020204" pitchFamily="34" charset="0"/>
-              </a:rPr>
-              <a:t>BLOSUM</a:t>
+              <a:rPr lang="en-US" sz="2400" b="0" i="0" u="none" strike="noStrike" dirty="0">
+                <a:solidFill>
+                  <a:srgbClr val="000000"/>
+                </a:solidFill>
+                <a:effectLst/>
+                <a:latin typeface="Arial" panose="020B0604020202020204" pitchFamily="34" charset="0"/>
+                <a:cs typeface="Arial" panose="020B0604020202020204" pitchFamily="34" charset="0"/>
+              </a:rPr>
+              <a:t>Protein sequence (one-hot-encoding)</a:t>
             </a:r>
           </a:p>
           <a:p>
@@ -5256,97 +5693,15 @@
               <a:buChar char="•"/>
             </a:pPr>
             <a:r>
-              <a:rPr lang="en-GB" sz="2400" b="1" dirty="0">
-                <a:latin typeface="Arial" panose="020B0604020202020204" pitchFamily="34" charset="0"/>
-                <a:cs typeface="Arial" panose="020B0604020202020204" pitchFamily="34" charset="0"/>
-              </a:rPr>
-              <a:t>ESM</a:t>
-            </a:r>
-          </a:p>
-        </p:txBody>
-      </p:sp>
-      <p:sp>
-        <p:nvSpPr>
-          <p:cNvPr id="60" name="TextBox 59">
-            <a:extLst>
-              <a:ext uri="{FF2B5EF4-FFF2-40B4-BE49-F238E27FC236}">
-                <a16:creationId xmlns:a16="http://schemas.microsoft.com/office/drawing/2014/main" id="{5EC9703E-C0FE-42AC-9186-837AE535C777}"/>
-              </a:ext>
-            </a:extLst>
-          </p:cNvPr>
-          <p:cNvSpPr txBox="1"/>
-          <p:nvPr/>
-        </p:nvSpPr>
-        <p:spPr>
-          <a:xfrm>
-            <a:off x="10689258" y="12361308"/>
-            <a:ext cx="10459617" cy="461665"/>
-          </a:xfrm>
-          <a:prstGeom prst="rect">
-            <a:avLst/>
-          </a:prstGeom>
-          <a:noFill/>
-        </p:spPr>
-        <p:txBody>
-          <a:bodyPr wrap="square">
-            <a:spAutoFit/>
-          </a:bodyPr>
-          <a:lstStyle/>
-          <a:p>
-            <a:pPr algn="ctr">
-              <a:spcAft>
-                <a:spcPts val="100"/>
-              </a:spcAft>
-            </a:pPr>
-            <a:r>
-              <a:rPr lang="en-GB" sz="2400" b="1" dirty="0">
-                <a:latin typeface="Arial" panose="020B0604020202020204" pitchFamily="34" charset="0"/>
-                <a:cs typeface="Arial" panose="020B0604020202020204" pitchFamily="34" charset="0"/>
-              </a:rPr>
-              <a:t>Neural network architecture</a:t>
-            </a:r>
-          </a:p>
-        </p:txBody>
-      </p:sp>
-      <p:sp>
-        <p:nvSpPr>
-          <p:cNvPr id="62" name="TextBox 61">
-            <a:extLst>
-              <a:ext uri="{FF2B5EF4-FFF2-40B4-BE49-F238E27FC236}">
-                <a16:creationId xmlns:a16="http://schemas.microsoft.com/office/drawing/2014/main" id="{658BED85-75EA-4BFC-BF85-417C54E59FAC}"/>
-              </a:ext>
-            </a:extLst>
-          </p:cNvPr>
-          <p:cNvSpPr txBox="1"/>
-          <p:nvPr/>
-        </p:nvSpPr>
-        <p:spPr>
-          <a:xfrm>
-            <a:off x="309341" y="9596186"/>
-            <a:ext cx="10379917" cy="1608133"/>
-          </a:xfrm>
-          <a:prstGeom prst="rect">
-            <a:avLst/>
-          </a:prstGeom>
-          <a:noFill/>
-        </p:spPr>
-        <p:txBody>
-          <a:bodyPr wrap="square">
-            <a:spAutoFit/>
-          </a:bodyPr>
-          <a:lstStyle/>
-          <a:p>
-            <a:pPr algn="ctr">
-              <a:spcAft>
-                <a:spcPts val="100"/>
-              </a:spcAft>
-            </a:pPr>
-            <a:r>
-              <a:rPr lang="en-GB" sz="2400" b="1" dirty="0">
-                <a:latin typeface="Arial" panose="020B0604020202020204" pitchFamily="34" charset="0"/>
-                <a:cs typeface="Arial" panose="020B0604020202020204" pitchFamily="34" charset="0"/>
-              </a:rPr>
-              <a:t>Input data [1]</a:t>
+              <a:rPr lang="en-US" sz="2400" b="0" i="0" u="none" strike="noStrike" dirty="0">
+                <a:solidFill>
+                  <a:srgbClr val="000000"/>
+                </a:solidFill>
+                <a:effectLst/>
+                <a:latin typeface="Arial" panose="020B0604020202020204" pitchFamily="34" charset="0"/>
+                <a:cs typeface="Arial" panose="020B0604020202020204" pitchFamily="34" charset="0"/>
+              </a:rPr>
+              <a:t>Per-residue energy terms  (one value per row)</a:t>
             </a:r>
           </a:p>
           <a:p>
@@ -5364,44 +5719,7 @@
                 </a:solidFill>
                 <a:effectLst/>
                 <a:latin typeface="Arial" panose="020B0604020202020204" pitchFamily="34" charset="0"/>
-              </a:rPr>
-              <a:t>Protein sequence (one-hot-encoding)</a:t>
-            </a:r>
-          </a:p>
-          <a:p>
-            <a:pPr marL="342900" indent="-342900">
-              <a:spcAft>
-                <a:spcPts val="100"/>
-              </a:spcAft>
-              <a:buFont typeface="Arial" panose="020B0604020202020204" pitchFamily="34" charset="0"/>
-              <a:buChar char="•"/>
-            </a:pPr>
-            <a:r>
-              <a:rPr lang="en-US" sz="2400" b="0" i="0" u="none" strike="noStrike" dirty="0">
-                <a:solidFill>
-                  <a:srgbClr val="000000"/>
-                </a:solidFill>
-                <a:effectLst/>
-                <a:latin typeface="Arial" panose="020B0604020202020204" pitchFamily="34" charset="0"/>
-              </a:rPr>
-              <a:t>Per-residue energy terms  (one value per row)</a:t>
-            </a:r>
-          </a:p>
-          <a:p>
-            <a:pPr marL="342900" indent="-342900">
-              <a:spcAft>
-                <a:spcPts val="100"/>
-              </a:spcAft>
-              <a:buFont typeface="Arial" panose="020B0604020202020204" pitchFamily="34" charset="0"/>
-              <a:buChar char="•"/>
-            </a:pPr>
-            <a:r>
-              <a:rPr lang="en-US" sz="2400" b="0" i="0" u="none" strike="noStrike" dirty="0">
-                <a:solidFill>
-                  <a:srgbClr val="000000"/>
-                </a:solidFill>
-                <a:effectLst/>
-                <a:latin typeface="Arial" panose="020B0604020202020204" pitchFamily="34" charset="0"/>
+                <a:cs typeface="Arial" panose="020B0604020202020204" pitchFamily="34" charset="0"/>
               </a:rPr>
               <a:t>Global energy terms (constant, one value per column)</a:t>
             </a:r>
@@ -5413,7 +5731,7 @@
           <p:cNvPr id="16" name="Table 16">
             <a:extLst>
               <a:ext uri="{FF2B5EF4-FFF2-40B4-BE49-F238E27FC236}">
-                <a16:creationId xmlns:a16="http://schemas.microsoft.com/office/drawing/2014/main" id="{B3DD0E64-0B7C-4139-8170-FF729427F72A}"/>
+                <a16:creationId xmlns:a16="http://schemas.microsoft.com/office/drawing/2014/main" xmlns="" id="{B3DD0E64-0B7C-4139-8170-FF729427F72A}"/>
               </a:ext>
             </a:extLst>
           </p:cNvPr>
@@ -5423,14 +5741,14 @@
           <p:nvPr>
             <p:extLst>
               <p:ext uri="{D42A27DB-BD31-4B8C-83A1-F6EECF244321}">
-                <p14:modId xmlns:p14="http://schemas.microsoft.com/office/powerpoint/2010/main" val="692489850"/>
+                <p14:modId xmlns:p14="http://schemas.microsoft.com/office/powerpoint/2010/main" val="1570940618"/>
               </p:ext>
             </p:extLst>
           </p:nvPr>
         </p:nvGraphicFramePr>
         <p:xfrm>
-          <a:off x="558746" y="22502322"/>
-          <a:ext cx="9118043" cy="3562351"/>
+          <a:off x="309341" y="20020833"/>
+          <a:ext cx="8347903" cy="3562351"/>
         </p:xfrm>
         <a:graphic>
           <a:graphicData uri="http://schemas.openxmlformats.org/drawingml/2006/table">
@@ -5439,45 +5757,45 @@
                 <a:tableStyleId>{073A0DAA-6AF3-43AB-8588-CEC1D06C72B9}</a:tableStyleId>
               </a:tblPr>
               <a:tblGrid>
-                <a:gridCol w="2919178">
+                <a:gridCol w="3371090">
                   <a:extLst>
                     <a:ext uri="{9D8B030D-6E8A-4147-A177-3AD203B41FA5}">
-                      <a16:colId xmlns:a16="http://schemas.microsoft.com/office/drawing/2014/main" val="630018940"/>
+                      <a16:colId xmlns:a16="http://schemas.microsoft.com/office/drawing/2014/main" xmlns="" val="630018940"/>
                     </a:ext>
                   </a:extLst>
                 </a:gridCol>
-                <a:gridCol w="1239773">
+                <a:gridCol w="805180">
                   <a:extLst>
                     <a:ext uri="{9D8B030D-6E8A-4147-A177-3AD203B41FA5}">
-                      <a16:colId xmlns:a16="http://schemas.microsoft.com/office/drawing/2014/main" val="1361621000"/>
+                      <a16:colId xmlns:a16="http://schemas.microsoft.com/office/drawing/2014/main" xmlns="" val="1361621000"/>
                     </a:ext>
                   </a:extLst>
                 </a:gridCol>
-                <a:gridCol w="1239773">
+                <a:gridCol w="887730">
                   <a:extLst>
                     <a:ext uri="{9D8B030D-6E8A-4147-A177-3AD203B41FA5}">
-                      <a16:colId xmlns:a16="http://schemas.microsoft.com/office/drawing/2014/main" val="3966724582"/>
+                      <a16:colId xmlns:a16="http://schemas.microsoft.com/office/drawing/2014/main" xmlns="" val="3966724582"/>
                     </a:ext>
                   </a:extLst>
                 </a:gridCol>
-                <a:gridCol w="1239773">
+                <a:gridCol w="1395730">
                   <a:extLst>
                     <a:ext uri="{9D8B030D-6E8A-4147-A177-3AD203B41FA5}">
-                      <a16:colId xmlns:a16="http://schemas.microsoft.com/office/drawing/2014/main" val="2736714997"/>
+                      <a16:colId xmlns:a16="http://schemas.microsoft.com/office/drawing/2014/main" xmlns="" val="2736714997"/>
                     </a:ext>
                   </a:extLst>
                 </a:gridCol>
-                <a:gridCol w="1239773">
+                <a:gridCol w="1000443">
                   <a:extLst>
                     <a:ext uri="{9D8B030D-6E8A-4147-A177-3AD203B41FA5}">
-                      <a16:colId xmlns:a16="http://schemas.microsoft.com/office/drawing/2014/main" val="3764394228"/>
+                      <a16:colId xmlns:a16="http://schemas.microsoft.com/office/drawing/2014/main" xmlns="" val="3764394228"/>
                     </a:ext>
                   </a:extLst>
                 </a:gridCol>
-                <a:gridCol w="1239773">
+                <a:gridCol w="887730">
                   <a:extLst>
                     <a:ext uri="{9D8B030D-6E8A-4147-A177-3AD203B41FA5}">
-                      <a16:colId xmlns:a16="http://schemas.microsoft.com/office/drawing/2014/main" val="4125354729"/>
+                      <a16:colId xmlns:a16="http://schemas.microsoft.com/office/drawing/2014/main" xmlns="" val="4125354729"/>
                     </a:ext>
                   </a:extLst>
                 </a:gridCol>
@@ -5490,10 +5808,16 @@
                     <a:p>
                       <a:pPr algn="ctr"/>
                       <a:r>
-                        <a:rPr lang="en-US" sz="2200" dirty="0"/>
+                        <a:rPr lang="en-US" sz="2000" dirty="0">
+                          <a:latin typeface="Arial" panose="020B0604020202020204" pitchFamily="34" charset="0"/>
+                          <a:cs typeface="Arial" panose="020B0604020202020204" pitchFamily="34" charset="0"/>
+                        </a:rPr>
                         <a:t>Network architecture</a:t>
                       </a:r>
-                      <a:endParaRPr lang="da-DK" sz="2200" dirty="0"/>
+                      <a:endParaRPr lang="da-DK" sz="2000" dirty="0">
+                        <a:latin typeface="Arial" panose="020B0604020202020204" pitchFamily="34" charset="0"/>
+                        <a:cs typeface="Arial" panose="020B0604020202020204" pitchFamily="34" charset="0"/>
+                      </a:endParaRPr>
                     </a:p>
                   </a:txBody>
                   <a:tcPr anchor="ctr">
@@ -5509,10 +5833,16 @@
                     <a:p>
                       <a:pPr algn="ctr"/>
                       <a:r>
-                        <a:rPr lang="en-US" sz="2200" b="1" dirty="0"/>
+                        <a:rPr lang="en-US" sz="2000" b="1" dirty="0">
+                          <a:latin typeface="Arial" panose="020B0604020202020204" pitchFamily="34" charset="0"/>
+                          <a:cs typeface="Arial" panose="020B0604020202020204" pitchFamily="34" charset="0"/>
+                        </a:rPr>
                         <a:t>AUC</a:t>
                       </a:r>
-                      <a:endParaRPr lang="da-DK" sz="2200" b="1" dirty="0"/>
+                      <a:endParaRPr lang="da-DK" sz="2000" b="1" dirty="0">
+                        <a:latin typeface="Arial" panose="020B0604020202020204" pitchFamily="34" charset="0"/>
+                        <a:cs typeface="Arial" panose="020B0604020202020204" pitchFamily="34" charset="0"/>
+                      </a:endParaRPr>
                     </a:p>
                   </a:txBody>
                   <a:tcPr anchor="ctr">
@@ -5528,10 +5858,16 @@
                     <a:p>
                       <a:pPr algn="ctr"/>
                       <a:r>
-                        <a:rPr lang="en-US" sz="2200" dirty="0"/>
+                        <a:rPr lang="en-US" sz="2000" dirty="0">
+                          <a:latin typeface="Arial" panose="020B0604020202020204" pitchFamily="34" charset="0"/>
+                          <a:cs typeface="Arial" panose="020B0604020202020204" pitchFamily="34" charset="0"/>
+                        </a:rPr>
                         <a:t>MCC</a:t>
                       </a:r>
-                      <a:endParaRPr lang="da-DK" sz="2200" dirty="0"/>
+                      <a:endParaRPr lang="da-DK" sz="2000" dirty="0">
+                        <a:latin typeface="Arial" panose="020B0604020202020204" pitchFamily="34" charset="0"/>
+                        <a:cs typeface="Arial" panose="020B0604020202020204" pitchFamily="34" charset="0"/>
+                      </a:endParaRPr>
                     </a:p>
                   </a:txBody>
                   <a:tcPr anchor="ctr">
@@ -5547,10 +5883,16 @@
                     <a:p>
                       <a:pPr algn="ctr"/>
                       <a:r>
-                        <a:rPr lang="en-US" sz="2200" dirty="0"/>
+                        <a:rPr lang="en-US" sz="2000" dirty="0">
+                          <a:latin typeface="Arial" panose="020B0604020202020204" pitchFamily="34" charset="0"/>
+                          <a:cs typeface="Arial" panose="020B0604020202020204" pitchFamily="34" charset="0"/>
+                        </a:rPr>
                         <a:t>Precision</a:t>
                       </a:r>
-                      <a:endParaRPr lang="da-DK" sz="2200" dirty="0"/>
+                      <a:endParaRPr lang="da-DK" sz="2000" dirty="0">
+                        <a:latin typeface="Arial" panose="020B0604020202020204" pitchFamily="34" charset="0"/>
+                        <a:cs typeface="Arial" panose="020B0604020202020204" pitchFamily="34" charset="0"/>
+                      </a:endParaRPr>
                     </a:p>
                   </a:txBody>
                   <a:tcPr anchor="ctr">
@@ -5566,10 +5908,16 @@
                     <a:p>
                       <a:pPr algn="ctr"/>
                       <a:r>
-                        <a:rPr lang="en-US" sz="2200" dirty="0"/>
+                        <a:rPr lang="en-US" sz="2000" dirty="0">
+                          <a:latin typeface="Arial" panose="020B0604020202020204" pitchFamily="34" charset="0"/>
+                          <a:cs typeface="Arial" panose="020B0604020202020204" pitchFamily="34" charset="0"/>
+                        </a:rPr>
                         <a:t>Recall</a:t>
                       </a:r>
-                      <a:endParaRPr lang="da-DK" sz="2200" dirty="0"/>
+                      <a:endParaRPr lang="da-DK" sz="2000" dirty="0">
+                        <a:latin typeface="Arial" panose="020B0604020202020204" pitchFamily="34" charset="0"/>
+                        <a:cs typeface="Arial" panose="020B0604020202020204" pitchFamily="34" charset="0"/>
+                      </a:endParaRPr>
                     </a:p>
                   </a:txBody>
                   <a:tcPr anchor="ctr">
@@ -5585,10 +5933,16 @@
                     <a:p>
                       <a:pPr algn="ctr"/>
                       <a:r>
-                        <a:rPr lang="en-US" sz="2200" dirty="0"/>
+                        <a:rPr lang="en-US" sz="2000" dirty="0">
+                          <a:latin typeface="Arial" panose="020B0604020202020204" pitchFamily="34" charset="0"/>
+                          <a:cs typeface="Arial" panose="020B0604020202020204" pitchFamily="34" charset="0"/>
+                        </a:rPr>
                         <a:t>F1</a:t>
                       </a:r>
-                      <a:endParaRPr lang="da-DK" sz="2200" dirty="0"/>
+                      <a:endParaRPr lang="da-DK" sz="2000" dirty="0">
+                        <a:latin typeface="Arial" panose="020B0604020202020204" pitchFamily="34" charset="0"/>
+                        <a:cs typeface="Arial" panose="020B0604020202020204" pitchFamily="34" charset="0"/>
+                      </a:endParaRPr>
                     </a:p>
                   </a:txBody>
                   <a:tcPr anchor="ctr">
@@ -5599,7 +5953,7 @@
                 </a:tc>
                 <a:extLst>
                   <a:ext uri="{0D108BD9-81ED-4DB2-BD59-A6C34878D82A}">
-                    <a16:rowId xmlns:a16="http://schemas.microsoft.com/office/drawing/2014/main" val="2350932793"/>
+                    <a16:rowId xmlns:a16="http://schemas.microsoft.com/office/drawing/2014/main" xmlns="" val="2350932793"/>
                   </a:ext>
                 </a:extLst>
               </a:tr>
@@ -5611,10 +5965,16 @@
                     <a:p>
                       <a:pPr algn="ctr"/>
                       <a:r>
-                        <a:rPr lang="en-US" sz="2200" dirty="0"/>
+                        <a:rPr lang="en-US" sz="2000" dirty="0">
+                          <a:latin typeface="Arial" panose="020B0604020202020204" pitchFamily="34" charset="0"/>
+                          <a:cs typeface="Arial" panose="020B0604020202020204" pitchFamily="34" charset="0"/>
+                        </a:rPr>
                         <a:t>Vanilla architecture</a:t>
                       </a:r>
-                      <a:endParaRPr lang="da-DK" sz="2200" dirty="0"/>
+                      <a:endParaRPr lang="da-DK" sz="2000" dirty="0">
+                        <a:latin typeface="Arial" panose="020B0604020202020204" pitchFamily="34" charset="0"/>
+                        <a:cs typeface="Arial" panose="020B0604020202020204" pitchFamily="34" charset="0"/>
+                      </a:endParaRPr>
                     </a:p>
                   </a:txBody>
                   <a:tcPr anchor="ctr"/>
@@ -5626,10 +5986,16 @@
                     <a:p>
                       <a:pPr algn="ctr"/>
                       <a:r>
-                        <a:rPr lang="en-US" sz="2200" dirty="0"/>
+                        <a:rPr lang="en-US" sz="2000" dirty="0">
+                          <a:latin typeface="Arial" panose="020B0604020202020204" pitchFamily="34" charset="0"/>
+                          <a:cs typeface="Arial" panose="020B0604020202020204" pitchFamily="34" charset="0"/>
+                        </a:rPr>
                         <a:t>0.82</a:t>
                       </a:r>
-                      <a:endParaRPr lang="da-DK" sz="2200" dirty="0"/>
+                      <a:endParaRPr lang="da-DK" sz="2000" dirty="0">
+                        <a:latin typeface="Arial" panose="020B0604020202020204" pitchFamily="34" charset="0"/>
+                        <a:cs typeface="Arial" panose="020B0604020202020204" pitchFamily="34" charset="0"/>
+                      </a:endParaRPr>
                     </a:p>
                   </a:txBody>
                   <a:tcPr anchor="ctr"/>
@@ -5641,10 +6007,16 @@
                     <a:p>
                       <a:pPr algn="ctr"/>
                       <a:r>
-                        <a:rPr lang="en-US" sz="2200" dirty="0"/>
+                        <a:rPr lang="en-US" sz="2000" dirty="0">
+                          <a:latin typeface="Arial" panose="020B0604020202020204" pitchFamily="34" charset="0"/>
+                          <a:cs typeface="Arial" panose="020B0604020202020204" pitchFamily="34" charset="0"/>
+                        </a:rPr>
                         <a:t>0.473</a:t>
                       </a:r>
-                      <a:endParaRPr lang="da-DK" sz="2200" dirty="0"/>
+                      <a:endParaRPr lang="da-DK" sz="2000" dirty="0">
+                        <a:latin typeface="Arial" panose="020B0604020202020204" pitchFamily="34" charset="0"/>
+                        <a:cs typeface="Arial" panose="020B0604020202020204" pitchFamily="34" charset="0"/>
+                      </a:endParaRPr>
                     </a:p>
                   </a:txBody>
                   <a:tcPr anchor="ctr"/>
@@ -5656,10 +6028,16 @@
                     <a:p>
                       <a:pPr algn="ctr"/>
                       <a:r>
-                        <a:rPr lang="en-US" sz="2200" dirty="0"/>
+                        <a:rPr lang="en-US" sz="2000" dirty="0">
+                          <a:latin typeface="Arial" panose="020B0604020202020204" pitchFamily="34" charset="0"/>
+                          <a:cs typeface="Arial" panose="020B0604020202020204" pitchFamily="34" charset="0"/>
+                        </a:rPr>
                         <a:t>0.572</a:t>
                       </a:r>
-                      <a:endParaRPr lang="da-DK" sz="2200" dirty="0"/>
+                      <a:endParaRPr lang="da-DK" sz="2000" dirty="0">
+                        <a:latin typeface="Arial" panose="020B0604020202020204" pitchFamily="34" charset="0"/>
+                        <a:cs typeface="Arial" panose="020B0604020202020204" pitchFamily="34" charset="0"/>
+                      </a:endParaRPr>
                     </a:p>
                   </a:txBody>
                   <a:tcPr anchor="ctr"/>
@@ -5671,10 +6049,16 @@
                     <a:p>
                       <a:pPr algn="ctr"/>
                       <a:r>
-                        <a:rPr lang="en-US" sz="2200" dirty="0"/>
+                        <a:rPr lang="en-US" sz="2000" dirty="0">
+                          <a:latin typeface="Arial" panose="020B0604020202020204" pitchFamily="34" charset="0"/>
+                          <a:cs typeface="Arial" panose="020B0604020202020204" pitchFamily="34" charset="0"/>
+                        </a:rPr>
                         <a:t>0.658</a:t>
                       </a:r>
-                      <a:endParaRPr lang="da-DK" sz="2200" dirty="0"/>
+                      <a:endParaRPr lang="da-DK" sz="2000" dirty="0">
+                        <a:latin typeface="Arial" panose="020B0604020202020204" pitchFamily="34" charset="0"/>
+                        <a:cs typeface="Arial" panose="020B0604020202020204" pitchFamily="34" charset="0"/>
+                      </a:endParaRPr>
                     </a:p>
                   </a:txBody>
                   <a:tcPr anchor="ctr"/>
@@ -5686,17 +6070,23 @@
                     <a:p>
                       <a:pPr algn="ctr"/>
                       <a:r>
-                        <a:rPr lang="en-US" sz="2200" dirty="0"/>
+                        <a:rPr lang="en-US" sz="2000" dirty="0">
+                          <a:latin typeface="Arial" panose="020B0604020202020204" pitchFamily="34" charset="0"/>
+                          <a:cs typeface="Arial" panose="020B0604020202020204" pitchFamily="34" charset="0"/>
+                        </a:rPr>
                         <a:t>0.612</a:t>
                       </a:r>
-                      <a:endParaRPr lang="da-DK" sz="2200" dirty="0"/>
+                      <a:endParaRPr lang="da-DK" sz="2000" dirty="0">
+                        <a:latin typeface="Arial" panose="020B0604020202020204" pitchFamily="34" charset="0"/>
+                        <a:cs typeface="Arial" panose="020B0604020202020204" pitchFamily="34" charset="0"/>
+                      </a:endParaRPr>
                     </a:p>
                   </a:txBody>
                   <a:tcPr anchor="ctr"/>
                 </a:tc>
                 <a:extLst>
                   <a:ext uri="{0D108BD9-81ED-4DB2-BD59-A6C34878D82A}">
-                    <a16:rowId xmlns:a16="http://schemas.microsoft.com/office/drawing/2014/main" val="2262440005"/>
+                    <a16:rowId xmlns:a16="http://schemas.microsoft.com/office/drawing/2014/main" xmlns="" val="2262440005"/>
                   </a:ext>
                 </a:extLst>
               </a:tr>
@@ -5708,10 +6098,16 @@
                     <a:p>
                       <a:pPr algn="ctr"/>
                       <a:r>
-                        <a:rPr lang="en-US" sz="2200" dirty="0"/>
+                        <a:rPr lang="en-US" sz="2000" dirty="0">
+                          <a:latin typeface="Arial" panose="020B0604020202020204" pitchFamily="34" charset="0"/>
+                          <a:cs typeface="Arial" panose="020B0604020202020204" pitchFamily="34" charset="0"/>
+                        </a:rPr>
                         <a:t>Improved architecture </a:t>
                       </a:r>
-                      <a:endParaRPr lang="da-DK" sz="2200" dirty="0"/>
+                      <a:endParaRPr lang="da-DK" sz="2000" dirty="0">
+                        <a:latin typeface="Arial" panose="020B0604020202020204" pitchFamily="34" charset="0"/>
+                        <a:cs typeface="Arial" panose="020B0604020202020204" pitchFamily="34" charset="0"/>
+                      </a:endParaRPr>
                     </a:p>
                   </a:txBody>
                   <a:tcPr anchor="ctr"/>
@@ -5723,10 +6119,16 @@
                     <a:p>
                       <a:pPr algn="ctr"/>
                       <a:r>
-                        <a:rPr lang="en-US" sz="2200" dirty="0"/>
+                        <a:rPr lang="en-US" sz="2000" dirty="0">
+                          <a:latin typeface="Arial" panose="020B0604020202020204" pitchFamily="34" charset="0"/>
+                          <a:cs typeface="Arial" panose="020B0604020202020204" pitchFamily="34" charset="0"/>
+                        </a:rPr>
                         <a:t>0.86</a:t>
                       </a:r>
-                      <a:endParaRPr lang="da-DK" sz="2200" dirty="0"/>
+                      <a:endParaRPr lang="da-DK" sz="2000" dirty="0">
+                        <a:latin typeface="Arial" panose="020B0604020202020204" pitchFamily="34" charset="0"/>
+                        <a:cs typeface="Arial" panose="020B0604020202020204" pitchFamily="34" charset="0"/>
+                      </a:endParaRPr>
                     </a:p>
                   </a:txBody>
                   <a:tcPr anchor="ctr"/>
@@ -5738,10 +6140,16 @@
                     <a:p>
                       <a:pPr algn="ctr"/>
                       <a:r>
-                        <a:rPr lang="en-US" sz="2200" dirty="0"/>
+                        <a:rPr lang="en-US" sz="2000" dirty="0">
+                          <a:latin typeface="Arial" panose="020B0604020202020204" pitchFamily="34" charset="0"/>
+                          <a:cs typeface="Arial" panose="020B0604020202020204" pitchFamily="34" charset="0"/>
+                        </a:rPr>
                         <a:t>0.452</a:t>
                       </a:r>
-                      <a:endParaRPr lang="da-DK" sz="2200" dirty="0"/>
+                      <a:endParaRPr lang="da-DK" sz="2000" dirty="0">
+                        <a:latin typeface="Arial" panose="020B0604020202020204" pitchFamily="34" charset="0"/>
+                        <a:cs typeface="Arial" panose="020B0604020202020204" pitchFamily="34" charset="0"/>
+                      </a:endParaRPr>
                     </a:p>
                   </a:txBody>
                   <a:tcPr anchor="ctr"/>
@@ -5753,10 +6161,16 @@
                     <a:p>
                       <a:pPr algn="ctr"/>
                       <a:r>
-                        <a:rPr lang="en-US" sz="2200" dirty="0"/>
+                        <a:rPr lang="en-US" sz="2000" dirty="0">
+                          <a:latin typeface="Arial" panose="020B0604020202020204" pitchFamily="34" charset="0"/>
+                          <a:cs typeface="Arial" panose="020B0604020202020204" pitchFamily="34" charset="0"/>
+                        </a:rPr>
                         <a:t>0.468</a:t>
                       </a:r>
-                      <a:endParaRPr lang="da-DK" sz="2200" dirty="0"/>
+                      <a:endParaRPr lang="da-DK" sz="2000" dirty="0">
+                        <a:latin typeface="Arial" panose="020B0604020202020204" pitchFamily="34" charset="0"/>
+                        <a:cs typeface="Arial" panose="020B0604020202020204" pitchFamily="34" charset="0"/>
+                      </a:endParaRPr>
                     </a:p>
                   </a:txBody>
                   <a:tcPr anchor="ctr"/>
@@ -5768,10 +6182,16 @@
                     <a:p>
                       <a:pPr algn="ctr"/>
                       <a:r>
-                        <a:rPr lang="en-US" sz="2200" dirty="0"/>
+                        <a:rPr lang="en-US" sz="2000" dirty="0">
+                          <a:latin typeface="Arial" panose="020B0604020202020204" pitchFamily="34" charset="0"/>
+                          <a:cs typeface="Arial" panose="020B0604020202020204" pitchFamily="34" charset="0"/>
+                        </a:rPr>
                         <a:t>0.833</a:t>
                       </a:r>
-                      <a:endParaRPr lang="da-DK" sz="2200" dirty="0"/>
+                      <a:endParaRPr lang="da-DK" sz="2000" dirty="0">
+                        <a:latin typeface="Arial" panose="020B0604020202020204" pitchFamily="34" charset="0"/>
+                        <a:cs typeface="Arial" panose="020B0604020202020204" pitchFamily="34" charset="0"/>
+                      </a:endParaRPr>
                     </a:p>
                   </a:txBody>
                   <a:tcPr anchor="ctr"/>
@@ -5783,17 +6203,23 @@
                     <a:p>
                       <a:pPr algn="ctr"/>
                       <a:r>
-                        <a:rPr lang="en-US" sz="2200" dirty="0"/>
+                        <a:rPr lang="en-US" sz="2000" dirty="0">
+                          <a:latin typeface="Arial" panose="020B0604020202020204" pitchFamily="34" charset="0"/>
+                          <a:cs typeface="Arial" panose="020B0604020202020204" pitchFamily="34" charset="0"/>
+                        </a:rPr>
                         <a:t>0.600</a:t>
                       </a:r>
-                      <a:endParaRPr lang="da-DK" sz="2200" dirty="0"/>
+                      <a:endParaRPr lang="da-DK" sz="2000" dirty="0">
+                        <a:latin typeface="Arial" panose="020B0604020202020204" pitchFamily="34" charset="0"/>
+                        <a:cs typeface="Arial" panose="020B0604020202020204" pitchFamily="34" charset="0"/>
+                      </a:endParaRPr>
                     </a:p>
                   </a:txBody>
                   <a:tcPr anchor="ctr"/>
                 </a:tc>
                 <a:extLst>
                   <a:ext uri="{0D108BD9-81ED-4DB2-BD59-A6C34878D82A}">
-                    <a16:rowId xmlns:a16="http://schemas.microsoft.com/office/drawing/2014/main" val="3805626318"/>
+                    <a16:rowId xmlns:a16="http://schemas.microsoft.com/office/drawing/2014/main" xmlns="" val="3805626318"/>
                   </a:ext>
                 </a:extLst>
               </a:tr>
@@ -5805,10 +6231,16 @@
                     <a:p>
                       <a:pPr algn="ctr"/>
                       <a:r>
-                        <a:rPr lang="en-US" sz="2200" dirty="0"/>
+                        <a:rPr lang="en-US" sz="2000" dirty="0">
+                          <a:latin typeface="Arial" panose="020B0604020202020204" pitchFamily="34" charset="0"/>
+                          <a:cs typeface="Arial" panose="020B0604020202020204" pitchFamily="34" charset="0"/>
+                        </a:rPr>
                         <a:t>Improved architecture with BLOSUM encoding</a:t>
                       </a:r>
-                      <a:endParaRPr lang="da-DK" sz="2200" dirty="0"/>
+                      <a:endParaRPr lang="da-DK" sz="2000" dirty="0">
+                        <a:latin typeface="Arial" panose="020B0604020202020204" pitchFamily="34" charset="0"/>
+                        <a:cs typeface="Arial" panose="020B0604020202020204" pitchFamily="34" charset="0"/>
+                      </a:endParaRPr>
                     </a:p>
                   </a:txBody>
                   <a:tcPr anchor="ctr"/>
@@ -5820,10 +6252,16 @@
                     <a:p>
                       <a:pPr algn="ctr"/>
                       <a:r>
-                        <a:rPr lang="en-US" sz="2200" dirty="0"/>
+                        <a:rPr lang="en-US" sz="2000" dirty="0">
+                          <a:latin typeface="Arial" panose="020B0604020202020204" pitchFamily="34" charset="0"/>
+                          <a:cs typeface="Arial" panose="020B0604020202020204" pitchFamily="34" charset="0"/>
+                        </a:rPr>
                         <a:t>0.88</a:t>
                       </a:r>
-                      <a:endParaRPr lang="da-DK" sz="2200" dirty="0"/>
+                      <a:endParaRPr lang="da-DK" sz="2000" dirty="0">
+                        <a:latin typeface="Arial" panose="020B0604020202020204" pitchFamily="34" charset="0"/>
+                        <a:cs typeface="Arial" panose="020B0604020202020204" pitchFamily="34" charset="0"/>
+                      </a:endParaRPr>
                     </a:p>
                   </a:txBody>
                   <a:tcPr anchor="ctr"/>
@@ -5835,10 +6273,16 @@
                     <a:p>
                       <a:pPr algn="ctr"/>
                       <a:r>
-                        <a:rPr lang="en-US" sz="2200" dirty="0"/>
+                        <a:rPr lang="en-US" sz="2000" dirty="0">
+                          <a:latin typeface="Arial" panose="020B0604020202020204" pitchFamily="34" charset="0"/>
+                          <a:cs typeface="Arial" panose="020B0604020202020204" pitchFamily="34" charset="0"/>
+                        </a:rPr>
                         <a:t>0.568</a:t>
                       </a:r>
-                      <a:endParaRPr lang="da-DK" sz="2200" dirty="0"/>
+                      <a:endParaRPr lang="da-DK" sz="2000" dirty="0">
+                        <a:latin typeface="Arial" panose="020B0604020202020204" pitchFamily="34" charset="0"/>
+                        <a:cs typeface="Arial" panose="020B0604020202020204" pitchFamily="34" charset="0"/>
+                      </a:endParaRPr>
                     </a:p>
                   </a:txBody>
                   <a:tcPr anchor="ctr"/>
@@ -5850,10 +6294,16 @@
                     <a:p>
                       <a:pPr algn="ctr"/>
                       <a:r>
-                        <a:rPr lang="en-US" sz="2200" dirty="0"/>
+                        <a:rPr lang="en-US" sz="2000" dirty="0">
+                          <a:latin typeface="Arial" panose="020B0604020202020204" pitchFamily="34" charset="0"/>
+                          <a:cs typeface="Arial" panose="020B0604020202020204" pitchFamily="34" charset="0"/>
+                        </a:rPr>
                         <a:t>0.632</a:t>
                       </a:r>
-                      <a:endParaRPr lang="da-DK" sz="2200" dirty="0"/>
+                      <a:endParaRPr lang="da-DK" sz="2000" dirty="0">
+                        <a:latin typeface="Arial" panose="020B0604020202020204" pitchFamily="34" charset="0"/>
+                        <a:cs typeface="Arial" panose="020B0604020202020204" pitchFamily="34" charset="0"/>
+                      </a:endParaRPr>
                     </a:p>
                   </a:txBody>
                   <a:tcPr anchor="ctr"/>
@@ -5865,10 +6315,16 @@
                     <a:p>
                       <a:pPr algn="ctr"/>
                       <a:r>
-                        <a:rPr lang="en-US" sz="2200" dirty="0"/>
+                        <a:rPr lang="en-US" sz="2000" dirty="0">
+                          <a:latin typeface="Arial" panose="020B0604020202020204" pitchFamily="34" charset="0"/>
+                          <a:cs typeface="Arial" panose="020B0604020202020204" pitchFamily="34" charset="0"/>
+                        </a:rPr>
                         <a:t>0.741</a:t>
                       </a:r>
-                      <a:endParaRPr lang="da-DK" sz="2200" dirty="0"/>
+                      <a:endParaRPr lang="da-DK" sz="2000" dirty="0">
+                        <a:latin typeface="Arial" panose="020B0604020202020204" pitchFamily="34" charset="0"/>
+                        <a:cs typeface="Arial" panose="020B0604020202020204" pitchFamily="34" charset="0"/>
+                      </a:endParaRPr>
                     </a:p>
                   </a:txBody>
                   <a:tcPr anchor="ctr"/>
@@ -5880,17 +6336,23 @@
                     <a:p>
                       <a:pPr algn="ctr"/>
                       <a:r>
-                        <a:rPr lang="en-US" sz="2200" dirty="0"/>
+                        <a:rPr lang="en-US" sz="2000" dirty="0">
+                          <a:latin typeface="Arial" panose="020B0604020202020204" pitchFamily="34" charset="0"/>
+                          <a:cs typeface="Arial" panose="020B0604020202020204" pitchFamily="34" charset="0"/>
+                        </a:rPr>
                         <a:t>0.682</a:t>
                       </a:r>
-                      <a:endParaRPr lang="da-DK" sz="2200" dirty="0"/>
+                      <a:endParaRPr lang="da-DK" sz="2000" dirty="0">
+                        <a:latin typeface="Arial" panose="020B0604020202020204" pitchFamily="34" charset="0"/>
+                        <a:cs typeface="Arial" panose="020B0604020202020204" pitchFamily="34" charset="0"/>
+                      </a:endParaRPr>
                     </a:p>
                   </a:txBody>
                   <a:tcPr anchor="ctr"/>
                 </a:tc>
                 <a:extLst>
                   <a:ext uri="{0D108BD9-81ED-4DB2-BD59-A6C34878D82A}">
-                    <a16:rowId xmlns:a16="http://schemas.microsoft.com/office/drawing/2014/main" val="3022607923"/>
+                    <a16:rowId xmlns:a16="http://schemas.microsoft.com/office/drawing/2014/main" xmlns="" val="3022607923"/>
                   </a:ext>
                 </a:extLst>
               </a:tr>
@@ -5902,10 +6364,16 @@
                     <a:p>
                       <a:pPr algn="ctr"/>
                       <a:r>
-                        <a:rPr lang="en-US" sz="2200" dirty="0"/>
+                        <a:rPr lang="en-US" sz="2000" dirty="0">
+                          <a:latin typeface="Arial" panose="020B0604020202020204" pitchFamily="34" charset="0"/>
+                          <a:cs typeface="Arial" panose="020B0604020202020204" pitchFamily="34" charset="0"/>
+                        </a:rPr>
                         <a:t>Improved architecture with ESM encoding</a:t>
                       </a:r>
-                      <a:endParaRPr lang="da-DK" sz="2200" dirty="0"/>
+                      <a:endParaRPr lang="da-DK" sz="2000" dirty="0">
+                        <a:latin typeface="Arial" panose="020B0604020202020204" pitchFamily="34" charset="0"/>
+                        <a:cs typeface="Arial" panose="020B0604020202020204" pitchFamily="34" charset="0"/>
+                      </a:endParaRPr>
                     </a:p>
                   </a:txBody>
                   <a:tcPr anchor="ctr"/>
@@ -5917,10 +6385,16 @@
                     <a:p>
                       <a:pPr algn="ctr"/>
                       <a:r>
-                        <a:rPr lang="en-US" sz="2200" dirty="0"/>
+                        <a:rPr lang="en-US" sz="2000" dirty="0">
+                          <a:latin typeface="Arial" panose="020B0604020202020204" pitchFamily="34" charset="0"/>
+                          <a:cs typeface="Arial" panose="020B0604020202020204" pitchFamily="34" charset="0"/>
+                        </a:rPr>
                         <a:t>0.9</a:t>
                       </a:r>
-                      <a:endParaRPr lang="da-DK" sz="2200" dirty="0"/>
+                      <a:endParaRPr lang="da-DK" sz="2000" dirty="0">
+                        <a:latin typeface="Arial" panose="020B0604020202020204" pitchFamily="34" charset="0"/>
+                        <a:cs typeface="Arial" panose="020B0604020202020204" pitchFamily="34" charset="0"/>
+                      </a:endParaRPr>
                     </a:p>
                   </a:txBody>
                   <a:tcPr anchor="ctr"/>
@@ -5932,10 +6406,16 @@
                     <a:p>
                       <a:pPr algn="ctr"/>
                       <a:r>
-                        <a:rPr lang="en-US" sz="2200" dirty="0"/>
+                        <a:rPr lang="en-US" sz="2000" dirty="0">
+                          <a:latin typeface="Arial" panose="020B0604020202020204" pitchFamily="34" charset="0"/>
+                          <a:cs typeface="Arial" panose="020B0604020202020204" pitchFamily="34" charset="0"/>
+                        </a:rPr>
                         <a:t>0.612</a:t>
                       </a:r>
-                      <a:endParaRPr lang="da-DK" sz="2200" dirty="0"/>
+                      <a:endParaRPr lang="da-DK" sz="2000" dirty="0">
+                        <a:latin typeface="Arial" panose="020B0604020202020204" pitchFamily="34" charset="0"/>
+                        <a:cs typeface="Arial" panose="020B0604020202020204" pitchFamily="34" charset="0"/>
+                      </a:endParaRPr>
                     </a:p>
                   </a:txBody>
                   <a:tcPr anchor="ctr"/>
@@ -5947,10 +6427,16 @@
                     <a:p>
                       <a:pPr algn="ctr"/>
                       <a:r>
-                        <a:rPr lang="en-US" sz="2200" dirty="0"/>
+                        <a:rPr lang="en-US" sz="2000" dirty="0">
+                          <a:latin typeface="Arial" panose="020B0604020202020204" pitchFamily="34" charset="0"/>
+                          <a:cs typeface="Arial" panose="020B0604020202020204" pitchFamily="34" charset="0"/>
+                        </a:rPr>
                         <a:t>0.676</a:t>
                       </a:r>
-                      <a:endParaRPr lang="da-DK" sz="2200" dirty="0"/>
+                      <a:endParaRPr lang="da-DK" sz="2000" dirty="0">
+                        <a:latin typeface="Arial" panose="020B0604020202020204" pitchFamily="34" charset="0"/>
+                        <a:cs typeface="Arial" panose="020B0604020202020204" pitchFamily="34" charset="0"/>
+                      </a:endParaRPr>
                     </a:p>
                   </a:txBody>
                   <a:tcPr anchor="ctr"/>
@@ -5962,10 +6448,16 @@
                     <a:p>
                       <a:pPr algn="ctr"/>
                       <a:r>
-                        <a:rPr lang="en-US" sz="2200" dirty="0"/>
+                        <a:rPr lang="en-US" sz="2000" dirty="0">
+                          <a:latin typeface="Arial" panose="020B0604020202020204" pitchFamily="34" charset="0"/>
+                          <a:cs typeface="Arial" panose="020B0604020202020204" pitchFamily="34" charset="0"/>
+                        </a:rPr>
                         <a:t>0.753</a:t>
                       </a:r>
-                      <a:endParaRPr lang="da-DK" sz="2200" dirty="0"/>
+                      <a:endParaRPr lang="da-DK" sz="2000" dirty="0">
+                        <a:latin typeface="Arial" panose="020B0604020202020204" pitchFamily="34" charset="0"/>
+                        <a:cs typeface="Arial" panose="020B0604020202020204" pitchFamily="34" charset="0"/>
+                      </a:endParaRPr>
                     </a:p>
                   </a:txBody>
                   <a:tcPr anchor="ctr"/>
@@ -5977,17 +6469,23 @@
                     <a:p>
                       <a:pPr algn="ctr"/>
                       <a:r>
-                        <a:rPr lang="en-US" sz="2200" dirty="0"/>
+                        <a:rPr lang="en-US" sz="2000" dirty="0">
+                          <a:latin typeface="Arial" panose="020B0604020202020204" pitchFamily="34" charset="0"/>
+                          <a:cs typeface="Arial" panose="020B0604020202020204" pitchFamily="34" charset="0"/>
+                        </a:rPr>
                         <a:t>0.712</a:t>
                       </a:r>
-                      <a:endParaRPr lang="da-DK" sz="2200" dirty="0"/>
+                      <a:endParaRPr lang="da-DK" sz="2000" dirty="0">
+                        <a:latin typeface="Arial" panose="020B0604020202020204" pitchFamily="34" charset="0"/>
+                        <a:cs typeface="Arial" panose="020B0604020202020204" pitchFamily="34" charset="0"/>
+                      </a:endParaRPr>
                     </a:p>
                   </a:txBody>
                   <a:tcPr anchor="ctr"/>
                 </a:tc>
                 <a:extLst>
                   <a:ext uri="{0D108BD9-81ED-4DB2-BD59-A6C34878D82A}">
-                    <a16:rowId xmlns:a16="http://schemas.microsoft.com/office/drawing/2014/main" val="73323118"/>
+                    <a16:rowId xmlns:a16="http://schemas.microsoft.com/office/drawing/2014/main" xmlns="" val="73323118"/>
                   </a:ext>
                 </a:extLst>
               </a:tr>
@@ -6005,6 +6503,13 @@
   <p:clrMapOvr>
     <a:masterClrMapping/>
   </p:clrMapOvr>
+  <p:timing>
+    <p:tnLst>
+      <p:par>
+        <p:cTn id="1" dur="indefinite" restart="never" nodeType="tmRoot"/>
+      </p:par>
+    </p:tnLst>
+  </p:timing>
 </p:sld>
 </file>
 
@@ -6565,9 +7070,12 @@
 </file>
 
 <file path=customXml/item1.xml><?xml version="1.0" encoding="utf-8"?>
-<p:properties xmlns:p="http://schemas.microsoft.com/office/2006/metadata/properties" xmlns:xsi="http://www.w3.org/2001/XMLSchema-instance" xmlns:pc="http://schemas.microsoft.com/office/infopath/2007/PartnerControls">
-  <documentManagement/>
-</p:properties>
+<?mso-contentType ?>
+<FormTemplates xmlns="http://schemas.microsoft.com/sharepoint/v3/contenttype/forms">
+  <Display>DocumentLibraryForm</Display>
+  <Edit>DocumentLibraryForm</Edit>
+  <New>DocumentLibraryForm</New>
+</FormTemplates>
 </file>
 
 <file path=customXml/item2.xml><?xml version="1.0" encoding="utf-8"?>
@@ -6703,19 +7211,15 @@
 </file>
 
 <file path=customXml/item3.xml><?xml version="1.0" encoding="utf-8"?>
-<?mso-contentType ?>
-<FormTemplates xmlns="http://schemas.microsoft.com/sharepoint/v3/contenttype/forms">
-  <Display>DocumentLibraryForm</Display>
-  <Edit>DocumentLibraryForm</Edit>
-  <New>DocumentLibraryForm</New>
-</FormTemplates>
+<p:properties xmlns:p="http://schemas.microsoft.com/office/2006/metadata/properties" xmlns:xsi="http://www.w3.org/2001/XMLSchema-instance" xmlns:pc="http://schemas.microsoft.com/office/infopath/2007/PartnerControls">
+  <documentManagement/>
+</p:properties>
 </file>
 
 <file path=customXml/itemProps1.xml><?xml version="1.0" encoding="utf-8"?>
-<ds:datastoreItem xmlns:ds="http://schemas.openxmlformats.org/officeDocument/2006/customXml" ds:itemID="{CB370A3C-731B-4F4D-ABD0-42474AC25910}">
+<ds:datastoreItem xmlns:ds="http://schemas.openxmlformats.org/officeDocument/2006/customXml" ds:itemID="{405562AF-484A-42F9-A02C-A3F5AD59D6C1}">
   <ds:schemaRefs>
-    <ds:schemaRef ds:uri="http://schemas.microsoft.com/office/2006/metadata/properties"/>
-    <ds:schemaRef ds:uri="http://schemas.microsoft.com/office/infopath/2007/PartnerControls"/>
+    <ds:schemaRef ds:uri="http://schemas.microsoft.com/sharepoint/v3/contenttype/forms"/>
   </ds:schemaRefs>
 </ds:datastoreItem>
 </file>
@@ -6739,9 +7243,10 @@
 </file>
 
 <file path=customXml/itemProps3.xml><?xml version="1.0" encoding="utf-8"?>
-<ds:datastoreItem xmlns:ds="http://schemas.openxmlformats.org/officeDocument/2006/customXml" ds:itemID="{405562AF-484A-42F9-A02C-A3F5AD59D6C1}">
+<ds:datastoreItem xmlns:ds="http://schemas.openxmlformats.org/officeDocument/2006/customXml" ds:itemID="{CB370A3C-731B-4F4D-ABD0-42474AC25910}">
   <ds:schemaRefs>
-    <ds:schemaRef ds:uri="http://schemas.microsoft.com/sharepoint/v3/contenttype/forms"/>
+    <ds:schemaRef ds:uri="http://schemas.microsoft.com/office/2006/metadata/properties"/>
+    <ds:schemaRef ds:uri="http://schemas.microsoft.com/office/infopath/2007/PartnerControls"/>
   </ds:schemaRefs>
 </ds:datastoreItem>
 </file>
--- a/presentation/presentation.pptx
+++ b/presentation/presentation.pptx
@@ -349,7 +349,7 @@
           <a:p>
             <a:fld id="{C6F05EAB-B404-4249-9B6E-2AB49D341D90}" type="datetimeFigureOut">
               <a:rPr lang="aa-ET" smtClean="0"/>
-              <a:t>01/12/2021</a:t>
+              <a:t>12/2/21</a:t>
             </a:fld>
             <a:endParaRPr lang="aa-ET"/>
           </a:p>
@@ -508,7 +508,7 @@
           <a:p>
             <a:fld id="{CC384317-2FF9-C745-838D-094DFBA5C4CC}" type="slidenum">
               <a:rPr lang="aa-ET" smtClean="0"/>
-              <a:t>‹N°›</a:t>
+              <a:t>‹#›</a:t>
             </a:fld>
             <a:endParaRPr lang="aa-ET"/>
           </a:p>
@@ -818,7 +818,7 @@
           <a:p>
             <a:fld id="{C1520061-EEF2-4648-A61C-FD1D344FB2F0}" type="datetimeFigureOut">
               <a:rPr lang="aa-ET" smtClean="0"/>
-              <a:t>01/12/2021</a:t>
+              <a:t>12/2/21</a:t>
             </a:fld>
             <a:endParaRPr lang="aa-ET"/>
           </a:p>
@@ -860,7 +860,7 @@
           <a:p>
             <a:fld id="{FDB24838-7C19-CC4E-B2E6-66E840BA735D}" type="slidenum">
               <a:rPr lang="aa-ET" smtClean="0"/>
-              <a:t>‹N°›</a:t>
+              <a:t>‹#›</a:t>
             </a:fld>
             <a:endParaRPr lang="aa-ET"/>
           </a:p>
@@ -988,7 +988,7 @@
           <a:p>
             <a:fld id="{C1520061-EEF2-4648-A61C-FD1D344FB2F0}" type="datetimeFigureOut">
               <a:rPr lang="aa-ET" smtClean="0"/>
-              <a:t>01/12/2021</a:t>
+              <a:t>12/2/21</a:t>
             </a:fld>
             <a:endParaRPr lang="aa-ET"/>
           </a:p>
@@ -1030,7 +1030,7 @@
           <a:p>
             <a:fld id="{FDB24838-7C19-CC4E-B2E6-66E840BA735D}" type="slidenum">
               <a:rPr lang="aa-ET" smtClean="0"/>
-              <a:t>‹N°›</a:t>
+              <a:t>‹#›</a:t>
             </a:fld>
             <a:endParaRPr lang="aa-ET"/>
           </a:p>
@@ -1168,7 +1168,7 @@
           <a:p>
             <a:fld id="{C1520061-EEF2-4648-A61C-FD1D344FB2F0}" type="datetimeFigureOut">
               <a:rPr lang="aa-ET" smtClean="0"/>
-              <a:t>01/12/2021</a:t>
+              <a:t>12/2/21</a:t>
             </a:fld>
             <a:endParaRPr lang="aa-ET"/>
           </a:p>
@@ -1210,7 +1210,7 @@
           <a:p>
             <a:fld id="{FDB24838-7C19-CC4E-B2E6-66E840BA735D}" type="slidenum">
               <a:rPr lang="aa-ET" smtClean="0"/>
-              <a:t>‹N°›</a:t>
+              <a:t>‹#›</a:t>
             </a:fld>
             <a:endParaRPr lang="aa-ET"/>
           </a:p>
@@ -1338,7 +1338,7 @@
           <a:p>
             <a:fld id="{C1520061-EEF2-4648-A61C-FD1D344FB2F0}" type="datetimeFigureOut">
               <a:rPr lang="aa-ET" smtClean="0"/>
-              <a:t>01/12/2021</a:t>
+              <a:t>12/2/21</a:t>
             </a:fld>
             <a:endParaRPr lang="aa-ET"/>
           </a:p>
@@ -1380,7 +1380,7 @@
           <a:p>
             <a:fld id="{FDB24838-7C19-CC4E-B2E6-66E840BA735D}" type="slidenum">
               <a:rPr lang="aa-ET" smtClean="0"/>
-              <a:t>‹N°›</a:t>
+              <a:t>‹#›</a:t>
             </a:fld>
             <a:endParaRPr lang="aa-ET"/>
           </a:p>
@@ -1582,7 +1582,7 @@
           <a:p>
             <a:fld id="{C1520061-EEF2-4648-A61C-FD1D344FB2F0}" type="datetimeFigureOut">
               <a:rPr lang="aa-ET" smtClean="0"/>
-              <a:t>01/12/2021</a:t>
+              <a:t>12/2/21</a:t>
             </a:fld>
             <a:endParaRPr lang="aa-ET"/>
           </a:p>
@@ -1624,7 +1624,7 @@
           <a:p>
             <a:fld id="{FDB24838-7C19-CC4E-B2E6-66E840BA735D}" type="slidenum">
               <a:rPr lang="aa-ET" smtClean="0"/>
-              <a:t>‹N°›</a:t>
+              <a:t>‹#›</a:t>
             </a:fld>
             <a:endParaRPr lang="aa-ET"/>
           </a:p>
@@ -1814,7 +1814,7 @@
           <a:p>
             <a:fld id="{C1520061-EEF2-4648-A61C-FD1D344FB2F0}" type="datetimeFigureOut">
               <a:rPr lang="aa-ET" smtClean="0"/>
-              <a:t>01/12/2021</a:t>
+              <a:t>12/2/21</a:t>
             </a:fld>
             <a:endParaRPr lang="aa-ET"/>
           </a:p>
@@ -1856,7 +1856,7 @@
           <a:p>
             <a:fld id="{FDB24838-7C19-CC4E-B2E6-66E840BA735D}" type="slidenum">
               <a:rPr lang="aa-ET" smtClean="0"/>
-              <a:t>‹N°›</a:t>
+              <a:t>‹#›</a:t>
             </a:fld>
             <a:endParaRPr lang="aa-ET"/>
           </a:p>
@@ -2181,7 +2181,7 @@
           <a:p>
             <a:fld id="{C1520061-EEF2-4648-A61C-FD1D344FB2F0}" type="datetimeFigureOut">
               <a:rPr lang="aa-ET" smtClean="0"/>
-              <a:t>01/12/2021</a:t>
+              <a:t>12/2/21</a:t>
             </a:fld>
             <a:endParaRPr lang="aa-ET"/>
           </a:p>
@@ -2223,7 +2223,7 @@
           <a:p>
             <a:fld id="{FDB24838-7C19-CC4E-B2E6-66E840BA735D}" type="slidenum">
               <a:rPr lang="aa-ET" smtClean="0"/>
-              <a:t>‹N°›</a:t>
+              <a:t>‹#›</a:t>
             </a:fld>
             <a:endParaRPr lang="aa-ET"/>
           </a:p>
@@ -2299,7 +2299,7 @@
           <a:p>
             <a:fld id="{C1520061-EEF2-4648-A61C-FD1D344FB2F0}" type="datetimeFigureOut">
               <a:rPr lang="aa-ET" smtClean="0"/>
-              <a:t>01/12/2021</a:t>
+              <a:t>12/2/21</a:t>
             </a:fld>
             <a:endParaRPr lang="aa-ET"/>
           </a:p>
@@ -2341,7 +2341,7 @@
           <a:p>
             <a:fld id="{FDB24838-7C19-CC4E-B2E6-66E840BA735D}" type="slidenum">
               <a:rPr lang="aa-ET" smtClean="0"/>
-              <a:t>‹N°›</a:t>
+              <a:t>‹#›</a:t>
             </a:fld>
             <a:endParaRPr lang="aa-ET"/>
           </a:p>
@@ -2394,7 +2394,7 @@
           <a:p>
             <a:fld id="{C1520061-EEF2-4648-A61C-FD1D344FB2F0}" type="datetimeFigureOut">
               <a:rPr lang="aa-ET" smtClean="0"/>
-              <a:t>01/12/2021</a:t>
+              <a:t>12/2/21</a:t>
             </a:fld>
             <a:endParaRPr lang="aa-ET"/>
           </a:p>
@@ -2436,7 +2436,7 @@
           <a:p>
             <a:fld id="{FDB24838-7C19-CC4E-B2E6-66E840BA735D}" type="slidenum">
               <a:rPr lang="aa-ET" smtClean="0"/>
-              <a:t>‹N°›</a:t>
+              <a:t>‹#›</a:t>
             </a:fld>
             <a:endParaRPr lang="aa-ET"/>
           </a:p>
@@ -2671,7 +2671,7 @@
           <a:p>
             <a:fld id="{C1520061-EEF2-4648-A61C-FD1D344FB2F0}" type="datetimeFigureOut">
               <a:rPr lang="aa-ET" smtClean="0"/>
-              <a:t>01/12/2021</a:t>
+              <a:t>12/2/21</a:t>
             </a:fld>
             <a:endParaRPr lang="aa-ET"/>
           </a:p>
@@ -2713,7 +2713,7 @@
           <a:p>
             <a:fld id="{FDB24838-7C19-CC4E-B2E6-66E840BA735D}" type="slidenum">
               <a:rPr lang="aa-ET" smtClean="0"/>
-              <a:t>‹N°›</a:t>
+              <a:t>‹#›</a:t>
             </a:fld>
             <a:endParaRPr lang="aa-ET"/>
           </a:p>
@@ -2928,7 +2928,7 @@
           <a:p>
             <a:fld id="{C1520061-EEF2-4648-A61C-FD1D344FB2F0}" type="datetimeFigureOut">
               <a:rPr lang="aa-ET" smtClean="0"/>
-              <a:t>01/12/2021</a:t>
+              <a:t>12/2/21</a:t>
             </a:fld>
             <a:endParaRPr lang="aa-ET"/>
           </a:p>
@@ -2970,7 +2970,7 @@
           <a:p>
             <a:fld id="{FDB24838-7C19-CC4E-B2E6-66E840BA735D}" type="slidenum">
               <a:rPr lang="aa-ET" smtClean="0"/>
-              <a:t>‹N°›</a:t>
+              <a:t>‹#›</a:t>
             </a:fld>
             <a:endParaRPr lang="aa-ET"/>
           </a:p>
@@ -3141,7 +3141,7 @@
           <a:p>
             <a:fld id="{C1520061-EEF2-4648-A61C-FD1D344FB2F0}" type="datetimeFigureOut">
               <a:rPr lang="aa-ET" smtClean="0"/>
-              <a:t>01/12/2021</a:t>
+              <a:t>12/2/21</a:t>
             </a:fld>
             <a:endParaRPr lang="aa-ET"/>
           </a:p>
@@ -3219,7 +3219,7 @@
           <a:p>
             <a:fld id="{FDB24838-7C19-CC4E-B2E6-66E840BA735D}" type="slidenum">
               <a:rPr lang="aa-ET" smtClean="0"/>
-              <a:t>‹N°›</a:t>
+              <a:t>‹#›</a:t>
             </a:fld>
             <a:endParaRPr lang="aa-ET"/>
           </a:p>
@@ -3816,7 +3816,7 @@
           <p:cNvPr id="24" name="Straight Connector 23">
             <a:extLst>
               <a:ext uri="{FF2B5EF4-FFF2-40B4-BE49-F238E27FC236}">
-                <a16:creationId xmlns:a16="http://schemas.microsoft.com/office/drawing/2014/main" xmlns="" id="{3CD061AB-8876-704F-BE6A-E397F33852E1}"/>
+                <a16:creationId xmlns:a16="http://schemas.microsoft.com/office/drawing/2014/main" id="{3CD061AB-8876-704F-BE6A-E397F33852E1}"/>
               </a:ext>
             </a:extLst>
           </p:cNvPr>
@@ -3859,7 +3859,7 @@
           <p:cNvPr id="128" name="Round Same Side Corner Rectangle 137">
             <a:extLst>
               <a:ext uri="{FF2B5EF4-FFF2-40B4-BE49-F238E27FC236}">
-                <a16:creationId xmlns:a16="http://schemas.microsoft.com/office/drawing/2014/main" xmlns="" id="{85003210-220B-9A49-8091-B1A85DD76CE8}"/>
+                <a16:creationId xmlns:a16="http://schemas.microsoft.com/office/drawing/2014/main" id="{85003210-220B-9A49-8091-B1A85DD76CE8}"/>
               </a:ext>
             </a:extLst>
           </p:cNvPr>
@@ -3923,7 +3923,7 @@
           <p:cNvPr id="129" name="Round Same Side Corner Rectangle 137">
             <a:extLst>
               <a:ext uri="{FF2B5EF4-FFF2-40B4-BE49-F238E27FC236}">
-                <a16:creationId xmlns:a16="http://schemas.microsoft.com/office/drawing/2014/main" xmlns="" id="{7226A277-A8A7-9549-8FCF-1175CB0CE7B6}"/>
+                <a16:creationId xmlns:a16="http://schemas.microsoft.com/office/drawing/2014/main" id="{7226A277-A8A7-9549-8FCF-1175CB0CE7B6}"/>
               </a:ext>
             </a:extLst>
           </p:cNvPr>
@@ -3987,7 +3987,7 @@
           <p:cNvPr id="130" name="Round Same Side Corner Rectangle 137">
             <a:extLst>
               <a:ext uri="{FF2B5EF4-FFF2-40B4-BE49-F238E27FC236}">
-                <a16:creationId xmlns:a16="http://schemas.microsoft.com/office/drawing/2014/main" xmlns="" id="{0D73ACE7-C686-234D-9978-B3229B92843A}"/>
+                <a16:creationId xmlns:a16="http://schemas.microsoft.com/office/drawing/2014/main" id="{0D73ACE7-C686-234D-9978-B3229B92843A}"/>
               </a:ext>
             </a:extLst>
           </p:cNvPr>
@@ -4051,7 +4051,7 @@
           <p:cNvPr id="91" name="TextBox 90">
             <a:extLst>
               <a:ext uri="{FF2B5EF4-FFF2-40B4-BE49-F238E27FC236}">
-                <a16:creationId xmlns:a16="http://schemas.microsoft.com/office/drawing/2014/main" xmlns="" id="{CE8C58B8-C0BC-CE41-9C20-5C588C41F47C}"/>
+                <a16:creationId xmlns:a16="http://schemas.microsoft.com/office/drawing/2014/main" id="{CE8C58B8-C0BC-CE41-9C20-5C588C41F47C}"/>
               </a:ext>
             </a:extLst>
           </p:cNvPr>
@@ -4120,7 +4120,7 @@
           <p:cNvPr id="3" name="Billede 6">
             <a:extLst>
               <a:ext uri="{FF2B5EF4-FFF2-40B4-BE49-F238E27FC236}">
-                <a16:creationId xmlns:a16="http://schemas.microsoft.com/office/drawing/2014/main" xmlns="" id="{79D342DF-0A65-4821-8F47-A3CE1793E1E6}"/>
+                <a16:creationId xmlns:a16="http://schemas.microsoft.com/office/drawing/2014/main" id="{79D342DF-0A65-4821-8F47-A3CE1793E1E6}"/>
               </a:ext>
             </a:extLst>
           </p:cNvPr>
@@ -4150,7 +4150,7 @@
           <p:cNvPr id="5" name="TextBox 4">
             <a:extLst>
               <a:ext uri="{FF2B5EF4-FFF2-40B4-BE49-F238E27FC236}">
-                <a16:creationId xmlns:a16="http://schemas.microsoft.com/office/drawing/2014/main" xmlns="" id="{555DBE74-403C-4246-B0C1-4F2AAF162AFF}"/>
+                <a16:creationId xmlns:a16="http://schemas.microsoft.com/office/drawing/2014/main" id="{555DBE74-403C-4246-B0C1-4F2AAF162AFF}"/>
               </a:ext>
             </a:extLst>
           </p:cNvPr>
@@ -4352,7 +4352,7 @@
           <p:cNvPr id="8" name="TextBox 7">
             <a:extLst>
               <a:ext uri="{FF2B5EF4-FFF2-40B4-BE49-F238E27FC236}">
-                <a16:creationId xmlns:a16="http://schemas.microsoft.com/office/drawing/2014/main" xmlns="" id="{BF27FA47-F412-41BA-9674-4AB98ABB11FF}"/>
+                <a16:creationId xmlns:a16="http://schemas.microsoft.com/office/drawing/2014/main" id="{BF27FA47-F412-41BA-9674-4AB98ABB11FF}"/>
               </a:ext>
             </a:extLst>
           </p:cNvPr>
@@ -4514,7 +4514,7 @@
           <p:cNvPr id="39" name="Round Same Side Corner Rectangle 137">
             <a:extLst>
               <a:ext uri="{FF2B5EF4-FFF2-40B4-BE49-F238E27FC236}">
-                <a16:creationId xmlns:a16="http://schemas.microsoft.com/office/drawing/2014/main" xmlns="" id="{E416DD2D-00A9-4581-8B16-BB3C03226A4A}"/>
+                <a16:creationId xmlns:a16="http://schemas.microsoft.com/office/drawing/2014/main" id="{E416DD2D-00A9-4581-8B16-BB3C03226A4A}"/>
               </a:ext>
             </a:extLst>
           </p:cNvPr>
@@ -4578,7 +4578,7 @@
           <p:cNvPr id="61" name="TextBox 9">
             <a:extLst>
               <a:ext uri="{FF2B5EF4-FFF2-40B4-BE49-F238E27FC236}">
-                <a16:creationId xmlns:a16="http://schemas.microsoft.com/office/drawing/2014/main" xmlns="" id="{0F50DE13-E128-4F41-B202-B86A9CAA9FC5}"/>
+                <a16:creationId xmlns:a16="http://schemas.microsoft.com/office/drawing/2014/main" id="{0F50DE13-E128-4F41-B202-B86A9CAA9FC5}"/>
               </a:ext>
             </a:extLst>
           </p:cNvPr>
@@ -4605,21 +4605,21 @@
           <a:lstStyle/>
           <a:p>
             <a:r>
-              <a:rPr lang="en-GB" sz="3000" dirty="0" smtClean="0">
+              <a:rPr lang="en-GB" sz="3000" dirty="0">
                 <a:latin typeface="Arial" panose="020B0604020202020204" pitchFamily="34" charset="0"/>
                 <a:cs typeface="Arial" panose="020B0604020202020204" pitchFamily="34" charset="0"/>
               </a:rPr>
               <a:t>From 2</a:t>
             </a:r>
             <a:r>
-              <a:rPr lang="en-GB" sz="3000" baseline="30000" dirty="0" smtClean="0">
+              <a:rPr lang="en-GB" sz="3000" baseline="30000" dirty="0">
                 <a:latin typeface="Arial" panose="020B0604020202020204" pitchFamily="34" charset="0"/>
                 <a:cs typeface="Arial" panose="020B0604020202020204" pitchFamily="34" charset="0"/>
               </a:rPr>
               <a:t>nd</a:t>
             </a:r>
             <a:r>
-              <a:rPr lang="en-GB" sz="3000" dirty="0" smtClean="0">
+              <a:rPr lang="en-GB" sz="3000" dirty="0">
                 <a:latin typeface="Arial" panose="020B0604020202020204" pitchFamily="34" charset="0"/>
                 <a:cs typeface="Arial" panose="020B0604020202020204" pitchFamily="34" charset="0"/>
               </a:rPr>
@@ -4634,18 +4634,11 @@
           </a:p>
           <a:p>
             <a:r>
-              <a:rPr lang="en-GB" sz="3000" dirty="0" smtClean="0">
-                <a:latin typeface="Arial" panose="020B0604020202020204" pitchFamily="34" charset="0"/>
-                <a:cs typeface="Arial" panose="020B0604020202020204" pitchFamily="34" charset="0"/>
-              </a:rPr>
-              <a:t>MCC </a:t>
-            </a:r>
-            <a:r>
               <a:rPr lang="en-GB" sz="3000" dirty="0">
                 <a:latin typeface="Arial" panose="020B0604020202020204" pitchFamily="34" charset="0"/>
                 <a:cs typeface="Arial" panose="020B0604020202020204" pitchFamily="34" charset="0"/>
               </a:rPr>
-              <a:t>on test</a:t>
+              <a:t>MCC on test</a:t>
             </a:r>
           </a:p>
           <a:p>
@@ -4673,7 +4666,7 @@
           <p:cNvPr id="68" name="Round Same Side Corner Rectangle 137">
             <a:extLst>
               <a:ext uri="{FF2B5EF4-FFF2-40B4-BE49-F238E27FC236}">
-                <a16:creationId xmlns:a16="http://schemas.microsoft.com/office/drawing/2014/main" xmlns="" id="{E416DD2D-00A9-4581-8B16-BB3C03226A4A}"/>
+                <a16:creationId xmlns:a16="http://schemas.microsoft.com/office/drawing/2014/main" id="{E416DD2D-00A9-4581-8B16-BB3C03226A4A}"/>
               </a:ext>
             </a:extLst>
           </p:cNvPr>
@@ -4763,37 +4756,8 @@
                 <a:ea typeface="+mn-lt"/>
                 <a:cs typeface="Arial" panose="020B0604020202020204" pitchFamily="34" charset="0"/>
               </a:rPr>
-              <a:t>The dataset is really skewed towards </a:t>
-            </a:r>
-            <a:r>
-              <a:rPr lang="en-US" sz="2400" dirty="0" smtClean="0">
-                <a:latin typeface="Arial" panose="020B0604020202020204" pitchFamily="34" charset="0"/>
-                <a:ea typeface="+mn-lt"/>
-                <a:cs typeface="Arial" panose="020B0604020202020204" pitchFamily="34" charset="0"/>
-              </a:rPr>
-              <a:t>negative (75%) </a:t>
-            </a:r>
-            <a:r>
-              <a:rPr lang="en-US" sz="2400" dirty="0">
-                <a:latin typeface="Arial" panose="020B0604020202020204" pitchFamily="34" charset="0"/>
-                <a:ea typeface="+mn-lt"/>
-                <a:cs typeface="Arial" panose="020B0604020202020204" pitchFamily="34" charset="0"/>
-              </a:rPr>
-              <a:t>which makes metrics like accuracy less reliable. Changing the threshold gives a better MCC because the model tends to predict more negatives. The best threshold is found to be </a:t>
-            </a:r>
-            <a:r>
-              <a:rPr lang="en-US" sz="2400" dirty="0" smtClean="0">
-                <a:latin typeface="Arial" panose="020B0604020202020204" pitchFamily="34" charset="0"/>
-                <a:ea typeface="+mn-lt"/>
-                <a:cs typeface="Arial" panose="020B0604020202020204" pitchFamily="34" charset="0"/>
-              </a:rPr>
-              <a:t>0.63 during validation and is applied for testing.</a:t>
-            </a:r>
-            <a:endParaRPr lang="en-US" sz="2400" dirty="0">
-              <a:latin typeface="Arial" panose="020B0604020202020204" pitchFamily="34" charset="0"/>
-              <a:ea typeface="+mn-lt"/>
-              <a:cs typeface="Arial" panose="020B0604020202020204" pitchFamily="34" charset="0"/>
-            </a:endParaRPr>
+              <a:t>The dataset is really skewed towards negative (75%) which makes metrics like accuracy less reliable. Changing the threshold gives a better MCC because the model tends to predict more negatives. The best threshold is found to be 0.63 during validation and is applied for testing.</a:t>
+            </a:r>
           </a:p>
           <a:p>
             <a:pPr marL="342900" indent="-342900">
@@ -4801,7 +4765,7 @@
               <a:buChar char="•"/>
             </a:pPr>
             <a:r>
-              <a:rPr lang="en-US" sz="2400" dirty="0" smtClean="0">
+              <a:rPr lang="en-US" sz="2400" dirty="0">
                 <a:latin typeface="Arial" panose="020B0604020202020204" pitchFamily="34" charset="0"/>
                 <a:ea typeface="+mn-lt"/>
                 <a:cs typeface="Arial" panose="020B0604020202020204" pitchFamily="34" charset="0"/>
@@ -4809,7 +4773,7 @@
               <a:t>The model </a:t>
             </a:r>
             <a:r>
-              <a:rPr lang="en-US" sz="2400" dirty="0" err="1" smtClean="0">
+              <a:rPr lang="en-US" sz="2400" dirty="0" err="1">
                 <a:latin typeface="Arial" panose="020B0604020202020204" pitchFamily="34" charset="0"/>
                 <a:ea typeface="+mn-lt"/>
                 <a:cs typeface="Arial" panose="020B0604020202020204" pitchFamily="34" charset="0"/>
@@ -4817,18 +4781,13 @@
               <a:t>overfits</a:t>
             </a:r>
             <a:r>
-              <a:rPr lang="en-US" sz="2400" dirty="0" smtClean="0">
+              <a:rPr lang="en-US" sz="2400" dirty="0">
                 <a:latin typeface="Arial" panose="020B0604020202020204" pitchFamily="34" charset="0"/>
                 <a:ea typeface="+mn-lt"/>
                 <a:cs typeface="Arial" panose="020B0604020202020204" pitchFamily="34" charset="0"/>
               </a:rPr>
               <a:t> the dataset. If we were to predict binding for other peptides, the model would likely fail. This can be shown by leave-one-out cross-validation [2].</a:t>
             </a:r>
-            <a:endParaRPr lang="en-US" sz="2400" dirty="0">
-              <a:latin typeface="Arial" panose="020B0604020202020204" pitchFamily="34" charset="0"/>
-              <a:ea typeface="+mn-lt"/>
-              <a:cs typeface="Arial" panose="020B0604020202020204" pitchFamily="34" charset="0"/>
-            </a:endParaRPr>
           </a:p>
           <a:p>
             <a:pPr marL="342900" indent="-342900">
@@ -4836,7 +4795,7 @@
               <a:buChar char="•"/>
             </a:pPr>
             <a:r>
-              <a:rPr lang="en-US" sz="2400" dirty="0" smtClean="0">
+              <a:rPr lang="en-US" sz="2400" dirty="0">
                 <a:latin typeface="Arial" panose="020B0604020202020204" pitchFamily="34" charset="0"/>
                 <a:ea typeface="+mn-lt"/>
                 <a:cs typeface="Arial" panose="020B0604020202020204" pitchFamily="34" charset="0"/>
@@ -4880,30 +4839,19 @@
               <a:t>Figure 2. Pipeline for the </a:t>
             </a:r>
             <a:r>
-              <a:rPr lang="fr-FR" i="1" dirty="0" err="1" smtClean="0">
+              <a:rPr lang="fr-FR" i="1" dirty="0" err="1">
                 <a:latin typeface="Arial" panose="020B0604020202020204" pitchFamily="34" charset="0"/>
                 <a:cs typeface="Arial" panose="020B0604020202020204" pitchFamily="34" charset="0"/>
               </a:rPr>
               <a:t>pre-processing</a:t>
             </a:r>
             <a:r>
-              <a:rPr lang="fr-FR" i="1" dirty="0" smtClean="0">
-                <a:latin typeface="Arial" panose="020B0604020202020204" pitchFamily="34" charset="0"/>
-                <a:cs typeface="Arial" panose="020B0604020202020204" pitchFamily="34" charset="0"/>
-              </a:rPr>
-              <a:t> of the data</a:t>
-            </a:r>
-            <a:r>
-              <a:rPr lang="fr-FR" i="1" dirty="0" smtClean="0">
-                <a:latin typeface="Arial" panose="020B0604020202020204" pitchFamily="34" charset="0"/>
-                <a:cs typeface="Arial" panose="020B0604020202020204" pitchFamily="34" charset="0"/>
-              </a:rPr>
-              <a:t>.</a:t>
-            </a:r>
-            <a:endParaRPr lang="fr-FR" i="1" dirty="0">
-              <a:latin typeface="Arial" panose="020B0604020202020204" pitchFamily="34" charset="0"/>
-              <a:cs typeface="Arial" panose="020B0604020202020204" pitchFamily="34" charset="0"/>
-            </a:endParaRPr>
+              <a:rPr lang="fr-FR" i="1" dirty="0">
+                <a:latin typeface="Arial" panose="020B0604020202020204" pitchFamily="34" charset="0"/>
+                <a:cs typeface="Arial" panose="020B0604020202020204" pitchFamily="34" charset="0"/>
+              </a:rPr>
+              <a:t> of the data.</a:t>
+            </a:r>
           </a:p>
         </p:txBody>
       </p:sp>
@@ -5226,7 +5174,7 @@
           <p:cNvPr id="15" name="Picture 14" descr="Graphical user interface&#10;&#10;Description automatically generated with low confidence">
             <a:extLst>
               <a:ext uri="{FF2B5EF4-FFF2-40B4-BE49-F238E27FC236}">
-                <a16:creationId xmlns:a16="http://schemas.microsoft.com/office/drawing/2014/main" xmlns="" id="{3BC95CEC-30C8-4CC6-9A6F-CEA5128B28D7}"/>
+                <a16:creationId xmlns:a16="http://schemas.microsoft.com/office/drawing/2014/main" id="{3BC95CEC-30C8-4CC6-9A6F-CEA5128B28D7}"/>
               </a:ext>
             </a:extLst>
           </p:cNvPr>
@@ -5295,7 +5243,7 @@
           <p:cNvPr id="52" name="TextBox 51">
             <a:extLst>
               <a:ext uri="{FF2B5EF4-FFF2-40B4-BE49-F238E27FC236}">
-                <a16:creationId xmlns:a16="http://schemas.microsoft.com/office/drawing/2014/main" xmlns="" id="{8D25C8AF-29B9-4B5F-A484-1C152F2D45F1}"/>
+                <a16:creationId xmlns:a16="http://schemas.microsoft.com/office/drawing/2014/main" id="{8D25C8AF-29B9-4B5F-A484-1C152F2D45F1}"/>
               </a:ext>
             </a:extLst>
           </p:cNvPr>
@@ -5390,7 +5338,7 @@
           <p:cNvPr id="59" name="TextBox 58">
             <a:extLst>
               <a:ext uri="{FF2B5EF4-FFF2-40B4-BE49-F238E27FC236}">
-                <a16:creationId xmlns:a16="http://schemas.microsoft.com/office/drawing/2014/main" xmlns="" id="{25FCE40A-6812-4241-9AFC-C4527E1E08D6}"/>
+                <a16:creationId xmlns:a16="http://schemas.microsoft.com/office/drawing/2014/main" id="{25FCE40A-6812-4241-9AFC-C4527E1E08D6}"/>
               </a:ext>
             </a:extLst>
           </p:cNvPr>
@@ -5435,21 +5383,21 @@
               <a:buChar char="•"/>
             </a:pPr>
             <a:r>
-              <a:rPr lang="en-GB" sz="2400" b="1" dirty="0" smtClean="0">
+              <a:rPr lang="en-GB" sz="2400" b="1" dirty="0">
                 <a:latin typeface="Arial" panose="020B0604020202020204" pitchFamily="34" charset="0"/>
                 <a:cs typeface="Arial" panose="020B0604020202020204" pitchFamily="34" charset="0"/>
               </a:rPr>
               <a:t>BLOSUM (</a:t>
             </a:r>
             <a:r>
-              <a:rPr lang="en-GB" sz="2400" b="1" dirty="0" err="1" smtClean="0">
+              <a:rPr lang="en-GB" sz="2400" b="1" dirty="0" err="1">
                 <a:latin typeface="Arial" panose="020B0604020202020204" pitchFamily="34" charset="0"/>
                 <a:cs typeface="Arial" panose="020B0604020202020204" pitchFamily="34" charset="0"/>
               </a:rPr>
               <a:t>BLOcks</a:t>
             </a:r>
             <a:r>
-              <a:rPr lang="en-GB" sz="2400" b="1" dirty="0" smtClean="0">
+              <a:rPr lang="en-GB" sz="2400" b="1" dirty="0">
                 <a:latin typeface="Arial" panose="020B0604020202020204" pitchFamily="34" charset="0"/>
                 <a:cs typeface="Arial" panose="020B0604020202020204" pitchFamily="34" charset="0"/>
               </a:rPr>
@@ -5467,23 +5415,23 @@
                 <a:latin typeface="Arial" panose="020B0604020202020204" pitchFamily="34" charset="0"/>
                 <a:cs typeface="Arial" panose="020B0604020202020204" pitchFamily="34" charset="0"/>
               </a:rPr>
-              <a:t> Matrix</a:t>
-            </a:r>
-            <a:r>
-              <a:rPr lang="en-GB" sz="2400" b="1" dirty="0" smtClean="0">
-                <a:latin typeface="Arial" panose="020B0604020202020204" pitchFamily="34" charset="0"/>
-                <a:cs typeface="Arial" panose="020B0604020202020204" pitchFamily="34" charset="0"/>
-              </a:rPr>
-              <a:t>): </a:t>
-            </a:r>
-            <a:r>
-              <a:rPr lang="en-GB" sz="2400" dirty="0" smtClean="0">
-                <a:latin typeface="Arial" panose="020B0604020202020204" pitchFamily="34" charset="0"/>
-                <a:cs typeface="Arial" panose="020B0604020202020204" pitchFamily="34" charset="0"/>
-              </a:rPr>
-              <a:t>Captures the biochemical properties of amino acids. It turns one-hot encoding into a vector with less 0s.</a:t>
-            </a:r>
-            <a:endParaRPr lang="en-GB" sz="2400" b="1" dirty="0" smtClean="0">
+              <a:t> Matrix): </a:t>
+            </a:r>
+            <a:r>
+              <a:rPr lang="en-GB" sz="2400" dirty="0">
+                <a:latin typeface="Arial" panose="020B0604020202020204" pitchFamily="34" charset="0"/>
+                <a:cs typeface="Arial" panose="020B0604020202020204" pitchFamily="34" charset="0"/>
+              </a:rPr>
+              <a:t>Captures the biochemical properties of amino acids. It turns one-hot encoding into a non </a:t>
+            </a:r>
+            <a:r>
+              <a:rPr lang="en-GB" sz="2400">
+                <a:latin typeface="Arial" panose="020B0604020202020204" pitchFamily="34" charset="0"/>
+                <a:cs typeface="Arial" panose="020B0604020202020204" pitchFamily="34" charset="0"/>
+              </a:rPr>
+              <a:t>sparse vector.</a:t>
+            </a:r>
+            <a:endParaRPr lang="en-GB" sz="2400" b="1" dirty="0">
               <a:latin typeface="Arial" panose="020B0604020202020204" pitchFamily="34" charset="0"/>
               <a:cs typeface="Arial" panose="020B0604020202020204" pitchFamily="34" charset="0"/>
             </a:endParaRPr>
@@ -5501,77 +5449,35 @@
                 <a:latin typeface="Arial" panose="020B0604020202020204" pitchFamily="34" charset="0"/>
                 <a:cs typeface="Arial" panose="020B0604020202020204" pitchFamily="34" charset="0"/>
               </a:rPr>
-              <a:t>ESM </a:t>
-            </a:r>
-            <a:r>
-              <a:rPr lang="en-GB" sz="2400" b="1" dirty="0" smtClean="0">
-                <a:latin typeface="Arial" panose="020B0604020202020204" pitchFamily="34" charset="0"/>
-                <a:cs typeface="Arial" panose="020B0604020202020204" pitchFamily="34" charset="0"/>
-              </a:rPr>
-              <a:t>(</a:t>
+              <a:t>ESM (Evolutionary Scale </a:t>
+            </a:r>
+            <a:r>
+              <a:rPr lang="en-GB" sz="2400" b="1" dirty="0" err="1">
+                <a:latin typeface="Arial" panose="020B0604020202020204" pitchFamily="34" charset="0"/>
+                <a:cs typeface="Arial" panose="020B0604020202020204" pitchFamily="34" charset="0"/>
+              </a:rPr>
+              <a:t>Modeling</a:t>
             </a:r>
             <a:r>
               <a:rPr lang="en-GB" sz="2400" b="1" dirty="0">
                 <a:latin typeface="Arial" panose="020B0604020202020204" pitchFamily="34" charset="0"/>
                 <a:cs typeface="Arial" panose="020B0604020202020204" pitchFamily="34" charset="0"/>
               </a:rPr>
-              <a:t>Evolutionary Scale </a:t>
-            </a:r>
-            <a:r>
-              <a:rPr lang="en-GB" sz="2400" b="1" dirty="0" err="1">
-                <a:latin typeface="Arial" panose="020B0604020202020204" pitchFamily="34" charset="0"/>
-                <a:cs typeface="Arial" panose="020B0604020202020204" pitchFamily="34" charset="0"/>
-              </a:rPr>
-              <a:t>Modeling</a:t>
-            </a:r>
-            <a:r>
-              <a:rPr lang="en-GB" sz="2400" b="1" dirty="0" smtClean="0">
-                <a:latin typeface="Arial" panose="020B0604020202020204" pitchFamily="34" charset="0"/>
-                <a:cs typeface="Arial" panose="020B0604020202020204" pitchFamily="34" charset="0"/>
-              </a:rPr>
               <a:t>) [3]: </a:t>
             </a:r>
             <a:r>
-              <a:rPr lang="en-GB" sz="2400" dirty="0" smtClean="0">
+              <a:rPr lang="en-GB" sz="2400" dirty="0">
                 <a:latin typeface="Arial" panose="020B0604020202020204" pitchFamily="34" charset="0"/>
                 <a:cs typeface="Arial" panose="020B0604020202020204" pitchFamily="34" charset="0"/>
               </a:rPr>
               <a:t>A transformer, i.e. a </a:t>
             </a:r>
             <a:r>
-              <a:rPr lang="en-US" sz="2400" dirty="0" smtClean="0">
-                <a:latin typeface="Arial" panose="020B0604020202020204" pitchFamily="34" charset="0"/>
-                <a:cs typeface="Arial" panose="020B0604020202020204" pitchFamily="34" charset="0"/>
-              </a:rPr>
-              <a:t>series </a:t>
-            </a:r>
-            <a:r>
               <a:rPr lang="en-US" sz="2400" dirty="0">
                 <a:latin typeface="Arial" panose="020B0604020202020204" pitchFamily="34" charset="0"/>
                 <a:cs typeface="Arial" panose="020B0604020202020204" pitchFamily="34" charset="0"/>
               </a:rPr>
-              <a:t>of </a:t>
-            </a:r>
-            <a:r>
-              <a:rPr lang="en-US" sz="2400" dirty="0" smtClean="0">
-                <a:latin typeface="Arial" panose="020B0604020202020204" pitchFamily="34" charset="0"/>
-                <a:cs typeface="Arial" panose="020B0604020202020204" pitchFamily="34" charset="0"/>
-              </a:rPr>
-              <a:t>blocks that </a:t>
-            </a:r>
-            <a:r>
-              <a:rPr lang="en-US" sz="2400" dirty="0">
-                <a:latin typeface="Arial" panose="020B0604020202020204" pitchFamily="34" charset="0"/>
-                <a:cs typeface="Arial" panose="020B0604020202020204" pitchFamily="34" charset="0"/>
-              </a:rPr>
-              <a:t>alternate self-attention with feed-forward </a:t>
-            </a:r>
-            <a:r>
-              <a:rPr lang="en-US" sz="2400" dirty="0" smtClean="0">
-                <a:latin typeface="Arial" panose="020B0604020202020204" pitchFamily="34" charset="0"/>
-                <a:cs typeface="Arial" panose="020B0604020202020204" pitchFamily="34" charset="0"/>
-              </a:rPr>
-              <a:t>connections. It has been trained beforehand with 250 million sequences and has 650 million weights. The output is a vector of size 1280 for each amino acid position.</a:t>
+              <a:t>series of blocks that alternate self-attention with feed-forward connections. It has been trained beforehand with 250 million sequences and has 650 million weights. The output is a vector of size 1280 for each amino acid position.</a:t>
             </a:r>
             <a:endParaRPr lang="en-GB" sz="2400" b="1" dirty="0">
               <a:latin typeface="Arial" panose="020B0604020202020204" pitchFamily="34" charset="0"/>
@@ -5585,7 +5491,7 @@
           <p:cNvPr id="60" name="TextBox 59">
             <a:extLst>
               <a:ext uri="{FF2B5EF4-FFF2-40B4-BE49-F238E27FC236}">
-                <a16:creationId xmlns:a16="http://schemas.microsoft.com/office/drawing/2014/main" xmlns="" id="{5EC9703E-C0FE-42AC-9186-837AE535C777}"/>
+                <a16:creationId xmlns:a16="http://schemas.microsoft.com/office/drawing/2014/main" id="{5EC9703E-C0FE-42AC-9186-837AE535C777}"/>
               </a:ext>
             </a:extLst>
           </p:cNvPr>
@@ -5628,7 +5534,7 @@
           <p:cNvPr id="62" name="TextBox 61">
             <a:extLst>
               <a:ext uri="{FF2B5EF4-FFF2-40B4-BE49-F238E27FC236}">
-                <a16:creationId xmlns:a16="http://schemas.microsoft.com/office/drawing/2014/main" xmlns="" id="{658BED85-75EA-4BFC-BF85-417C54E59FAC}"/>
+                <a16:creationId xmlns:a16="http://schemas.microsoft.com/office/drawing/2014/main" id="{658BED85-75EA-4BFC-BF85-417C54E59FAC}"/>
               </a:ext>
             </a:extLst>
           </p:cNvPr>
@@ -5731,7 +5637,7 @@
           <p:cNvPr id="16" name="Table 16">
             <a:extLst>
               <a:ext uri="{FF2B5EF4-FFF2-40B4-BE49-F238E27FC236}">
-                <a16:creationId xmlns:a16="http://schemas.microsoft.com/office/drawing/2014/main" xmlns="" id="{B3DD0E64-0B7C-4139-8170-FF729427F72A}"/>
+                <a16:creationId xmlns:a16="http://schemas.microsoft.com/office/drawing/2014/main" id="{B3DD0E64-0B7C-4139-8170-FF729427F72A}"/>
               </a:ext>
             </a:extLst>
           </p:cNvPr>
@@ -5760,42 +5666,42 @@
                 <a:gridCol w="3371090">
                   <a:extLst>
                     <a:ext uri="{9D8B030D-6E8A-4147-A177-3AD203B41FA5}">
-                      <a16:colId xmlns:a16="http://schemas.microsoft.com/office/drawing/2014/main" xmlns="" val="630018940"/>
+                      <a16:colId xmlns:a16="http://schemas.microsoft.com/office/drawing/2014/main" val="630018940"/>
                     </a:ext>
                   </a:extLst>
                 </a:gridCol>
                 <a:gridCol w="805180">
                   <a:extLst>
                     <a:ext uri="{9D8B030D-6E8A-4147-A177-3AD203B41FA5}">
-                      <a16:colId xmlns:a16="http://schemas.microsoft.com/office/drawing/2014/main" xmlns="" val="1361621000"/>
+                      <a16:colId xmlns:a16="http://schemas.microsoft.com/office/drawing/2014/main" val="1361621000"/>
                     </a:ext>
                   </a:extLst>
                 </a:gridCol>
                 <a:gridCol w="887730">
                   <a:extLst>
                     <a:ext uri="{9D8B030D-6E8A-4147-A177-3AD203B41FA5}">
-                      <a16:colId xmlns:a16="http://schemas.microsoft.com/office/drawing/2014/main" xmlns="" val="3966724582"/>
+                      <a16:colId xmlns:a16="http://schemas.microsoft.com/office/drawing/2014/main" val="3966724582"/>
                     </a:ext>
                   </a:extLst>
                 </a:gridCol>
                 <a:gridCol w="1395730">
                   <a:extLst>
                     <a:ext uri="{9D8B030D-6E8A-4147-A177-3AD203B41FA5}">
-                      <a16:colId xmlns:a16="http://schemas.microsoft.com/office/drawing/2014/main" xmlns="" val="2736714997"/>
+                      <a16:colId xmlns:a16="http://schemas.microsoft.com/office/drawing/2014/main" val="2736714997"/>
                     </a:ext>
                   </a:extLst>
                 </a:gridCol>
                 <a:gridCol w="1000443">
                   <a:extLst>
                     <a:ext uri="{9D8B030D-6E8A-4147-A177-3AD203B41FA5}">
-                      <a16:colId xmlns:a16="http://schemas.microsoft.com/office/drawing/2014/main" xmlns="" val="3764394228"/>
+                      <a16:colId xmlns:a16="http://schemas.microsoft.com/office/drawing/2014/main" val="3764394228"/>
                     </a:ext>
                   </a:extLst>
                 </a:gridCol>
                 <a:gridCol w="887730">
                   <a:extLst>
                     <a:ext uri="{9D8B030D-6E8A-4147-A177-3AD203B41FA5}">
-                      <a16:colId xmlns:a16="http://schemas.microsoft.com/office/drawing/2014/main" xmlns="" val="4125354729"/>
+                      <a16:colId xmlns:a16="http://schemas.microsoft.com/office/drawing/2014/main" val="4125354729"/>
                     </a:ext>
                   </a:extLst>
                 </a:gridCol>
@@ -5953,7 +5859,7 @@
                 </a:tc>
                 <a:extLst>
                   <a:ext uri="{0D108BD9-81ED-4DB2-BD59-A6C34878D82A}">
-                    <a16:rowId xmlns:a16="http://schemas.microsoft.com/office/drawing/2014/main" xmlns="" val="2350932793"/>
+                    <a16:rowId xmlns:a16="http://schemas.microsoft.com/office/drawing/2014/main" val="2350932793"/>
                   </a:ext>
                 </a:extLst>
               </a:tr>
@@ -6086,7 +5992,7 @@
                 </a:tc>
                 <a:extLst>
                   <a:ext uri="{0D108BD9-81ED-4DB2-BD59-A6C34878D82A}">
-                    <a16:rowId xmlns:a16="http://schemas.microsoft.com/office/drawing/2014/main" xmlns="" val="2262440005"/>
+                    <a16:rowId xmlns:a16="http://schemas.microsoft.com/office/drawing/2014/main" val="2262440005"/>
                   </a:ext>
                 </a:extLst>
               </a:tr>
@@ -6219,7 +6125,7 @@
                 </a:tc>
                 <a:extLst>
                   <a:ext uri="{0D108BD9-81ED-4DB2-BD59-A6C34878D82A}">
-                    <a16:rowId xmlns:a16="http://schemas.microsoft.com/office/drawing/2014/main" xmlns="" val="3805626318"/>
+                    <a16:rowId xmlns:a16="http://schemas.microsoft.com/office/drawing/2014/main" val="3805626318"/>
                   </a:ext>
                 </a:extLst>
               </a:tr>
@@ -6352,7 +6258,7 @@
                 </a:tc>
                 <a:extLst>
                   <a:ext uri="{0D108BD9-81ED-4DB2-BD59-A6C34878D82A}">
-                    <a16:rowId xmlns:a16="http://schemas.microsoft.com/office/drawing/2014/main" xmlns="" val="3022607923"/>
+                    <a16:rowId xmlns:a16="http://schemas.microsoft.com/office/drawing/2014/main" val="3022607923"/>
                   </a:ext>
                 </a:extLst>
               </a:tr>
@@ -6485,7 +6391,7 @@
                 </a:tc>
                 <a:extLst>
                   <a:ext uri="{0D108BD9-81ED-4DB2-BD59-A6C34878D82A}">
-                    <a16:rowId xmlns:a16="http://schemas.microsoft.com/office/drawing/2014/main" xmlns="" val="73323118"/>
+                    <a16:rowId xmlns:a16="http://schemas.microsoft.com/office/drawing/2014/main" val="73323118"/>
                   </a:ext>
                 </a:extLst>
               </a:tr>
@@ -6503,13 +6409,6 @@
   <p:clrMapOvr>
     <a:masterClrMapping/>
   </p:clrMapOvr>
-  <p:timing>
-    <p:tnLst>
-      <p:par>
-        <p:cTn id="1" dur="indefinite" restart="never" nodeType="tmRoot"/>
-      </p:par>
-    </p:tnLst>
-  </p:timing>
 </p:sld>
 </file>
 
@@ -7070,12 +6969,9 @@
 </file>
 
 <file path=customXml/item1.xml><?xml version="1.0" encoding="utf-8"?>
-<?mso-contentType ?>
-<FormTemplates xmlns="http://schemas.microsoft.com/sharepoint/v3/contenttype/forms">
-  <Display>DocumentLibraryForm</Display>
-  <Edit>DocumentLibraryForm</Edit>
-  <New>DocumentLibraryForm</New>
-</FormTemplates>
+<p:properties xmlns:p="http://schemas.microsoft.com/office/2006/metadata/properties" xmlns:xsi="http://www.w3.org/2001/XMLSchema-instance" xmlns:pc="http://schemas.microsoft.com/office/infopath/2007/PartnerControls">
+  <documentManagement/>
+</p:properties>
 </file>
 
 <file path=customXml/item2.xml><?xml version="1.0" encoding="utf-8"?>
@@ -7211,15 +7107,19 @@
 </file>
 
 <file path=customXml/item3.xml><?xml version="1.0" encoding="utf-8"?>
-<p:properties xmlns:p="http://schemas.microsoft.com/office/2006/metadata/properties" xmlns:xsi="http://www.w3.org/2001/XMLSchema-instance" xmlns:pc="http://schemas.microsoft.com/office/infopath/2007/PartnerControls">
-  <documentManagement/>
-</p:properties>
+<?mso-contentType ?>
+<FormTemplates xmlns="http://schemas.microsoft.com/sharepoint/v3/contenttype/forms">
+  <Display>DocumentLibraryForm</Display>
+  <Edit>DocumentLibraryForm</Edit>
+  <New>DocumentLibraryForm</New>
+</FormTemplates>
 </file>
 
 <file path=customXml/itemProps1.xml><?xml version="1.0" encoding="utf-8"?>
-<ds:datastoreItem xmlns:ds="http://schemas.openxmlformats.org/officeDocument/2006/customXml" ds:itemID="{405562AF-484A-42F9-A02C-A3F5AD59D6C1}">
+<ds:datastoreItem xmlns:ds="http://schemas.openxmlformats.org/officeDocument/2006/customXml" ds:itemID="{CB370A3C-731B-4F4D-ABD0-42474AC25910}">
   <ds:schemaRefs>
-    <ds:schemaRef ds:uri="http://schemas.microsoft.com/sharepoint/v3/contenttype/forms"/>
+    <ds:schemaRef ds:uri="http://schemas.microsoft.com/office/2006/metadata/properties"/>
+    <ds:schemaRef ds:uri="http://schemas.microsoft.com/office/infopath/2007/PartnerControls"/>
   </ds:schemaRefs>
 </ds:datastoreItem>
 </file>
@@ -7243,10 +7143,9 @@
 </file>
 
 <file path=customXml/itemProps3.xml><?xml version="1.0" encoding="utf-8"?>
-<ds:datastoreItem xmlns:ds="http://schemas.openxmlformats.org/officeDocument/2006/customXml" ds:itemID="{CB370A3C-731B-4F4D-ABD0-42474AC25910}">
+<ds:datastoreItem xmlns:ds="http://schemas.openxmlformats.org/officeDocument/2006/customXml" ds:itemID="{405562AF-484A-42F9-A02C-A3F5AD59D6C1}">
   <ds:schemaRefs>
-    <ds:schemaRef ds:uri="http://schemas.microsoft.com/office/2006/metadata/properties"/>
-    <ds:schemaRef ds:uri="http://schemas.microsoft.com/office/infopath/2007/PartnerControls"/>
+    <ds:schemaRef ds:uri="http://schemas.microsoft.com/sharepoint/v3/contenttype/forms"/>
   </ds:schemaRefs>
 </ds:datastoreItem>
 </file>
--- a/presentation/presentation.pptx
+++ b/presentation/presentation.pptx
@@ -349,7 +349,7 @@
           <a:p>
             <a:fld id="{C6F05EAB-B404-4249-9B6E-2AB49D341D90}" type="datetimeFigureOut">
               <a:rPr lang="aa-ET" smtClean="0"/>
-              <a:t>12/2/21</a:t>
+              <a:t>12/5/21</a:t>
             </a:fld>
             <a:endParaRPr lang="aa-ET"/>
           </a:p>
@@ -818,7 +818,7 @@
           <a:p>
             <a:fld id="{C1520061-EEF2-4648-A61C-FD1D344FB2F0}" type="datetimeFigureOut">
               <a:rPr lang="aa-ET" smtClean="0"/>
-              <a:t>12/2/21</a:t>
+              <a:t>12/5/21</a:t>
             </a:fld>
             <a:endParaRPr lang="aa-ET"/>
           </a:p>
@@ -988,7 +988,7 @@
           <a:p>
             <a:fld id="{C1520061-EEF2-4648-A61C-FD1D344FB2F0}" type="datetimeFigureOut">
               <a:rPr lang="aa-ET" smtClean="0"/>
-              <a:t>12/2/21</a:t>
+              <a:t>12/5/21</a:t>
             </a:fld>
             <a:endParaRPr lang="aa-ET"/>
           </a:p>
@@ -1168,7 +1168,7 @@
           <a:p>
             <a:fld id="{C1520061-EEF2-4648-A61C-FD1D344FB2F0}" type="datetimeFigureOut">
               <a:rPr lang="aa-ET" smtClean="0"/>
-              <a:t>12/2/21</a:t>
+              <a:t>12/5/21</a:t>
             </a:fld>
             <a:endParaRPr lang="aa-ET"/>
           </a:p>
@@ -1338,7 +1338,7 @@
           <a:p>
             <a:fld id="{C1520061-EEF2-4648-A61C-FD1D344FB2F0}" type="datetimeFigureOut">
               <a:rPr lang="aa-ET" smtClean="0"/>
-              <a:t>12/2/21</a:t>
+              <a:t>12/5/21</a:t>
             </a:fld>
             <a:endParaRPr lang="aa-ET"/>
           </a:p>
@@ -1582,7 +1582,7 @@
           <a:p>
             <a:fld id="{C1520061-EEF2-4648-A61C-FD1D344FB2F0}" type="datetimeFigureOut">
               <a:rPr lang="aa-ET" smtClean="0"/>
-              <a:t>12/2/21</a:t>
+              <a:t>12/5/21</a:t>
             </a:fld>
             <a:endParaRPr lang="aa-ET"/>
           </a:p>
@@ -1814,7 +1814,7 @@
           <a:p>
             <a:fld id="{C1520061-EEF2-4648-A61C-FD1D344FB2F0}" type="datetimeFigureOut">
               <a:rPr lang="aa-ET" smtClean="0"/>
-              <a:t>12/2/21</a:t>
+              <a:t>12/5/21</a:t>
             </a:fld>
             <a:endParaRPr lang="aa-ET"/>
           </a:p>
@@ -2181,7 +2181,7 @@
           <a:p>
             <a:fld id="{C1520061-EEF2-4648-A61C-FD1D344FB2F0}" type="datetimeFigureOut">
               <a:rPr lang="aa-ET" smtClean="0"/>
-              <a:t>12/2/21</a:t>
+              <a:t>12/5/21</a:t>
             </a:fld>
             <a:endParaRPr lang="aa-ET"/>
           </a:p>
@@ -2299,7 +2299,7 @@
           <a:p>
             <a:fld id="{C1520061-EEF2-4648-A61C-FD1D344FB2F0}" type="datetimeFigureOut">
               <a:rPr lang="aa-ET" smtClean="0"/>
-              <a:t>12/2/21</a:t>
+              <a:t>12/5/21</a:t>
             </a:fld>
             <a:endParaRPr lang="aa-ET"/>
           </a:p>
@@ -2394,7 +2394,7 @@
           <a:p>
             <a:fld id="{C1520061-EEF2-4648-A61C-FD1D344FB2F0}" type="datetimeFigureOut">
               <a:rPr lang="aa-ET" smtClean="0"/>
-              <a:t>12/2/21</a:t>
+              <a:t>12/5/21</a:t>
             </a:fld>
             <a:endParaRPr lang="aa-ET"/>
           </a:p>
@@ -2671,7 +2671,7 @@
           <a:p>
             <a:fld id="{C1520061-EEF2-4648-A61C-FD1D344FB2F0}" type="datetimeFigureOut">
               <a:rPr lang="aa-ET" smtClean="0"/>
-              <a:t>12/2/21</a:t>
+              <a:t>12/5/21</a:t>
             </a:fld>
             <a:endParaRPr lang="aa-ET"/>
           </a:p>
@@ -2928,7 +2928,7 @@
           <a:p>
             <a:fld id="{C1520061-EEF2-4648-A61C-FD1D344FB2F0}" type="datetimeFigureOut">
               <a:rPr lang="aa-ET" smtClean="0"/>
-              <a:t>12/2/21</a:t>
+              <a:t>12/5/21</a:t>
             </a:fld>
             <a:endParaRPr lang="aa-ET"/>
           </a:p>
@@ -3141,7 +3141,7 @@
           <a:p>
             <a:fld id="{C1520061-EEF2-4648-A61C-FD1D344FB2F0}" type="datetimeFigureOut">
               <a:rPr lang="aa-ET" smtClean="0"/>
-              <a:t>12/2/21</a:t>
+              <a:t>12/5/21</a:t>
             </a:fld>
             <a:endParaRPr lang="aa-ET"/>
           </a:p>
@@ -3641,7 +3641,7 @@
               </a:rPr>
               <a:t> </a:t>
             </a:r>
-            <a:endParaRPr lang="da-DK" dirty="0">
+            <a:endParaRPr lang="en-US" dirty="0">
               <a:latin typeface="Arial" panose="020B0604020202020204" pitchFamily="34" charset="0"/>
               <a:cs typeface="Arial" panose="020B0604020202020204" pitchFamily="34" charset="0"/>
             </a:endParaRPr>
@@ -3694,7 +3694,47 @@
                 <a:latin typeface="Arial" panose="020B0604020202020204" pitchFamily="34" charset="0"/>
                 <a:cs typeface="Arial" panose="020B0604020202020204" pitchFamily="34" charset="0"/>
               </a:rPr>
-              <a:t>Ella Hedeboe s211253, Henrietta Holze s215945, Christian Johansen s202770, Paul Simon s202592</a:t>
+              <a:t>Ella </a:t>
+            </a:r>
+            <a:r>
+              <a:rPr lang="en-US" altLang="en-US" sz="4000" baseline="30000" dirty="0" err="1">
+                <a:solidFill>
+                  <a:srgbClr val="000000"/>
+                </a:solidFill>
+                <a:latin typeface="Arial" panose="020B0604020202020204" pitchFamily="34" charset="0"/>
+                <a:cs typeface="Arial" panose="020B0604020202020204" pitchFamily="34" charset="0"/>
+              </a:rPr>
+              <a:t>Hedeboe</a:t>
+            </a:r>
+            <a:r>
+              <a:rPr lang="en-US" altLang="en-US" sz="4000" baseline="30000" dirty="0">
+                <a:solidFill>
+                  <a:srgbClr val="000000"/>
+                </a:solidFill>
+                <a:latin typeface="Arial" panose="020B0604020202020204" pitchFamily="34" charset="0"/>
+                <a:cs typeface="Arial" panose="020B0604020202020204" pitchFamily="34" charset="0"/>
+              </a:rPr>
+              <a:t> s211253, Henrietta </a:t>
+            </a:r>
+            <a:r>
+              <a:rPr lang="en-US" altLang="en-US" sz="4000" baseline="30000" dirty="0" err="1">
+                <a:solidFill>
+                  <a:srgbClr val="000000"/>
+                </a:solidFill>
+                <a:latin typeface="Arial" panose="020B0604020202020204" pitchFamily="34" charset="0"/>
+                <a:cs typeface="Arial" panose="020B0604020202020204" pitchFamily="34" charset="0"/>
+              </a:rPr>
+              <a:t>Holze</a:t>
+            </a:r>
+            <a:r>
+              <a:rPr lang="en-US" altLang="en-US" sz="4000" baseline="30000" dirty="0">
+                <a:solidFill>
+                  <a:srgbClr val="000000"/>
+                </a:solidFill>
+                <a:latin typeface="Arial" panose="020B0604020202020204" pitchFamily="34" charset="0"/>
+                <a:cs typeface="Arial" panose="020B0604020202020204" pitchFamily="34" charset="0"/>
+              </a:rPr>
+              <a:t> s215945, Christian Johansen s202770, Paul Simon s202592</a:t>
             </a:r>
           </a:p>
           <a:p>
@@ -3767,7 +3807,7 @@
           </a:bodyPr>
           <a:lstStyle/>
           <a:p>
-            <a:endParaRPr lang="en-US" sz="1238">
+            <a:endParaRPr lang="en-US" sz="1238" dirty="0">
               <a:latin typeface="Arial" panose="020B0604020202020204" pitchFamily="34" charset="0"/>
               <a:cs typeface="Arial" panose="020B0604020202020204" pitchFamily="34" charset="0"/>
             </a:endParaRPr>
@@ -3804,7 +3844,7 @@
           </a:bodyPr>
           <a:lstStyle/>
           <a:p>
-            <a:endParaRPr lang="en-US" sz="1238">
+            <a:endParaRPr lang="en-US" sz="1238" dirty="0">
               <a:latin typeface="Arial" panose="020B0604020202020204" pitchFamily="34" charset="0"/>
               <a:cs typeface="Arial" panose="020B0604020202020204" pitchFamily="34" charset="0"/>
             </a:endParaRPr>
@@ -3868,7 +3908,7 @@
         </p:nvSpPr>
         <p:spPr>
           <a:xfrm>
-            <a:off x="252605" y="4105423"/>
+            <a:off x="270283" y="4105423"/>
             <a:ext cx="20878415" cy="540000"/>
           </a:xfrm>
           <a:prstGeom prst="round2SameRect">
@@ -3932,7 +3972,7 @@
         </p:nvSpPr>
         <p:spPr>
           <a:xfrm>
-            <a:off x="309341" y="11205292"/>
+            <a:off x="269490" y="10986633"/>
             <a:ext cx="20880000" cy="540000"/>
           </a:xfrm>
           <a:prstGeom prst="round2SameRect">
@@ -3996,7 +4036,7 @@
         </p:nvSpPr>
         <p:spPr>
           <a:xfrm>
-            <a:off x="309341" y="19044018"/>
+            <a:off x="269490" y="19044018"/>
             <a:ext cx="20880000" cy="540000"/>
           </a:xfrm>
           <a:prstGeom prst="round2SameRect">
@@ -4046,75 +4086,6 @@
           </a:p>
         </p:txBody>
       </p:sp>
-      <p:sp>
-        <p:nvSpPr>
-          <p:cNvPr id="91" name="TextBox 90">
-            <a:extLst>
-              <a:ext uri="{FF2B5EF4-FFF2-40B4-BE49-F238E27FC236}">
-                <a16:creationId xmlns:a16="http://schemas.microsoft.com/office/drawing/2014/main" id="{CE8C58B8-C0BC-CE41-9C20-5C588C41F47C}"/>
-              </a:ext>
-            </a:extLst>
-          </p:cNvPr>
-          <p:cNvSpPr txBox="1"/>
-          <p:nvPr/>
-        </p:nvSpPr>
-        <p:spPr>
-          <a:xfrm>
-            <a:off x="19846925" y="2448363"/>
-            <a:ext cx="1536700" cy="1200329"/>
-          </a:xfrm>
-          <a:prstGeom prst="rect">
-            <a:avLst/>
-          </a:prstGeom>
-          <a:noFill/>
-        </p:spPr>
-        <p:txBody>
-          <a:bodyPr wrap="square" lIns="91440" tIns="45720" rIns="91440" bIns="45720" rtlCol="0" anchor="t">
-            <a:spAutoFit/>
-          </a:bodyPr>
-          <a:lstStyle/>
-          <a:p>
-            <a:r>
-              <a:rPr lang="en-GB" dirty="0">
-                <a:latin typeface="Arial" panose="020B0604020202020204" pitchFamily="34" charset="0"/>
-                <a:cs typeface="Arial" panose="020B0604020202020204" pitchFamily="34" charset="0"/>
-              </a:rPr>
-              <a:t>H</a:t>
-            </a:r>
-            <a:r>
-              <a:rPr lang="aa-ET" dirty="0">
-                <a:latin typeface="Arial" panose="020B0604020202020204" pitchFamily="34" charset="0"/>
-                <a:cs typeface="Arial" panose="020B0604020202020204" pitchFamily="34" charset="0"/>
-              </a:rPr>
-              <a:t>ex code color </a:t>
-            </a:r>
-          </a:p>
-          <a:p>
-            <a:r>
-              <a:rPr lang="en-GB" dirty="0">
-                <a:latin typeface="Arial" panose="020B0604020202020204" pitchFamily="34" charset="0"/>
-                <a:ea typeface="+mn-lt"/>
-                <a:cs typeface="Arial" panose="020B0604020202020204" pitchFamily="34" charset="0"/>
-              </a:rPr>
-              <a:t>#990000</a:t>
-            </a:r>
-          </a:p>
-          <a:p>
-            <a:r>
-              <a:rPr lang="en-GB" dirty="0">
-                <a:latin typeface="Arial" panose="020B0604020202020204" pitchFamily="34" charset="0"/>
-                <a:ea typeface="+mn-lt"/>
-                <a:cs typeface="Arial" panose="020B0604020202020204" pitchFamily="34" charset="0"/>
-              </a:rPr>
-              <a:t>#2F3EEA</a:t>
-            </a:r>
-            <a:endParaRPr lang="en-GB" dirty="0">
-              <a:latin typeface="Arial" panose="020B0604020202020204" pitchFamily="34" charset="0"/>
-              <a:cs typeface="Arial" panose="020B0604020202020204" pitchFamily="34" charset="0"/>
-            </a:endParaRPr>
-          </a:p>
-        </p:txBody>
-      </p:sp>
       <p:pic>
         <p:nvPicPr>
           <p:cNvPr id="3" name="Billede 6">
@@ -4159,8 +4130,8 @@
         </p:nvSpPr>
         <p:spPr>
           <a:xfrm>
-            <a:off x="229641" y="4687867"/>
-            <a:ext cx="12466451" cy="4231928"/>
+            <a:off x="229642" y="4833341"/>
+            <a:ext cx="10460930" cy="4285789"/>
           </a:xfrm>
           <a:prstGeom prst="rect">
             <a:avLst/>
@@ -4176,9 +4147,9 @@
           </a:bodyPr>
           <a:lstStyle/>
           <a:p>
-            <a:pPr marL="285750" indent="-285750">
+            <a:pPr marL="285750" indent="-285750" algn="just">
               <a:spcAft>
-                <a:spcPts val="100"/>
+                <a:spcPts val="1300"/>
               </a:spcAft>
               <a:buFont typeface="Arial"/>
               <a:buChar char="•"/>
@@ -4196,24 +4167,9 @@
             </a:r>
           </a:p>
           <a:p>
-            <a:pPr>
+            <a:pPr marL="285750" indent="-285750" algn="just">
               <a:spcAft>
-                <a:spcPts val="100"/>
-              </a:spcAft>
-            </a:pPr>
-            <a:endParaRPr lang="en-US" sz="2400" b="0" i="0" u="none" strike="noStrike" dirty="0">
-              <a:solidFill>
-                <a:srgbClr val="000000"/>
-              </a:solidFill>
-              <a:effectLst/>
-              <a:latin typeface="Arial" panose="020B0604020202020204" pitchFamily="34" charset="0"/>
-              <a:cs typeface="Arial" panose="020B0604020202020204" pitchFamily="34" charset="0"/>
-            </a:endParaRPr>
-          </a:p>
-          <a:p>
-            <a:pPr marL="285750" indent="-285750">
-              <a:spcAft>
-                <a:spcPts val="100"/>
+                <a:spcPts val="1300"/>
               </a:spcAft>
               <a:buFont typeface="Arial"/>
               <a:buChar char="•"/>
@@ -4227,28 +4183,13 @@
                 <a:latin typeface="Arial" panose="020B0604020202020204" pitchFamily="34" charset="0"/>
                 <a:cs typeface="Arial" panose="020B0604020202020204" pitchFamily="34" charset="0"/>
               </a:rPr>
-              <a:t>The adaptive immune system is a key element for fighting diseases and the T-cells are responsible for cell-mediated immune response via their surface T-cell receptors  (TCR).</a:t>
-            </a:r>
-          </a:p>
-          <a:p>
-            <a:pPr>
+              <a:t>The adaptive immune system is a key element for fighting diseases and the T-cells are responsible for cell-mediated immune response via their surface T-cell receptors (TCR).</a:t>
+            </a:r>
+          </a:p>
+          <a:p>
+            <a:pPr marL="285750" indent="-285750" algn="just">
               <a:spcAft>
-                <a:spcPts val="100"/>
-              </a:spcAft>
-            </a:pPr>
-            <a:endParaRPr lang="en-US" sz="2400" b="0" i="0" u="none" strike="noStrike" dirty="0">
-              <a:solidFill>
-                <a:srgbClr val="000000"/>
-              </a:solidFill>
-              <a:effectLst/>
-              <a:latin typeface="Arial" panose="020B0604020202020204" pitchFamily="34" charset="0"/>
-              <a:cs typeface="Arial" panose="020B0604020202020204" pitchFamily="34" charset="0"/>
-            </a:endParaRPr>
-          </a:p>
-          <a:p>
-            <a:pPr marL="285750" indent="-285750">
-              <a:spcAft>
-                <a:spcPts val="100"/>
+                <a:spcPts val="1300"/>
               </a:spcAft>
               <a:buFont typeface="Arial"/>
               <a:buChar char="•"/>
@@ -4286,26 +4227,19 @@
               </a:rPr>
               <a:t>) to form a complex that triggers an immune response.</a:t>
             </a:r>
-          </a:p>
-          <a:p>
-            <a:pPr>
+            <a:endParaRPr lang="en-US" sz="2400" b="1" dirty="0">
+              <a:latin typeface="Arial" panose="020B0604020202020204" pitchFamily="34" charset="0"/>
+              <a:cs typeface="Arial" panose="020B0604020202020204" pitchFamily="34" charset="0"/>
+            </a:endParaRPr>
+          </a:p>
+          <a:p>
+            <a:pPr algn="just">
               <a:spcAft>
                 <a:spcPts val="100"/>
               </a:spcAft>
             </a:pPr>
-            <a:endParaRPr lang="en-GB" sz="2400" b="1" dirty="0">
-              <a:latin typeface="Arial" panose="020B0604020202020204" pitchFamily="34" charset="0"/>
-              <a:cs typeface="Arial" panose="020B0604020202020204" pitchFamily="34" charset="0"/>
-            </a:endParaRPr>
-          </a:p>
-          <a:p>
-            <a:pPr>
-              <a:spcAft>
-                <a:spcPts val="100"/>
-              </a:spcAft>
-            </a:pPr>
-            <a:r>
-              <a:rPr lang="en-GB" sz="2400" b="1" dirty="0">
+            <a:r>
+              <a:rPr lang="en-US" sz="2400" b="1" dirty="0">
                 <a:latin typeface="Arial" panose="020B0604020202020204" pitchFamily="34" charset="0"/>
                 <a:cs typeface="Arial" panose="020B0604020202020204" pitchFamily="34" charset="0"/>
               </a:rPr>
@@ -4379,12 +4313,20 @@
           <a:lstStyle/>
           <a:p>
             <a:r>
+              <a:rPr lang="en-US" baseline="30000" dirty="0">
+                <a:latin typeface="Arial" panose="020B0604020202020204" pitchFamily="34" charset="0"/>
+                <a:ea typeface="+mn-lt"/>
+                <a:cs typeface="Arial" panose="020B0604020202020204" pitchFamily="34" charset="0"/>
+              </a:rPr>
+              <a:t>1</a:t>
+            </a:r>
+            <a:r>
               <a:rPr lang="en-US" dirty="0">
                 <a:latin typeface="Arial" panose="020B0604020202020204" pitchFamily="34" charset="0"/>
                 <a:ea typeface="+mn-lt"/>
                 <a:cs typeface="Arial" panose="020B0604020202020204" pitchFamily="34" charset="0"/>
               </a:rPr>
-              <a:t>[1] Magnus H. </a:t>
+              <a:t>Magnus H. </a:t>
             </a:r>
             <a:r>
               <a:rPr lang="en-US" dirty="0" err="1">
@@ -4432,62 +4374,40 @@
                 <a:ea typeface="+mn-lt"/>
                 <a:cs typeface="Arial" panose="020B0604020202020204" pitchFamily="34" charset="0"/>
               </a:rPr>
-              <a:t> repository,  Link: https://github.com/CBH2021/tcr-pmhc </a:t>
-            </a:r>
-          </a:p>
-          <a:p>
+              <a:t> repository,  </a:t>
+            </a:r>
             <a:r>
               <a:rPr lang="en-US" dirty="0">
                 <a:latin typeface="Arial" panose="020B0604020202020204" pitchFamily="34" charset="0"/>
                 <a:ea typeface="+mn-lt"/>
                 <a:cs typeface="Arial" panose="020B0604020202020204" pitchFamily="34" charset="0"/>
-              </a:rPr>
-              <a:t>[2] Ida Kristine </a:t>
-            </a:r>
-            <a:r>
-              <a:rPr lang="en-US" dirty="0" err="1">
+                <a:hlinkClick r:id="rId5"/>
+              </a:rPr>
+              <a:t>https://github.com/CBH2021/tcr-pmhc</a:t>
+            </a:r>
+            <a:r>
+              <a:rPr lang="en-US" dirty="0">
                 <a:latin typeface="Arial" panose="020B0604020202020204" pitchFamily="34" charset="0"/>
                 <a:ea typeface="+mn-lt"/>
                 <a:cs typeface="Arial" panose="020B0604020202020204" pitchFamily="34" charset="0"/>
               </a:rPr>
-              <a:t>Sandford</a:t>
+              <a:t> </a:t>
+            </a:r>
+          </a:p>
+          <a:p>
+            <a:r>
+              <a:rPr lang="en-US" baseline="30000" dirty="0">
+                <a:latin typeface="Arial" panose="020B0604020202020204" pitchFamily="34" charset="0"/>
+                <a:cs typeface="Arial" panose="020B0604020202020204" pitchFamily="34" charset="0"/>
+              </a:rPr>
+              <a:t>2</a:t>
             </a:r>
             <a:r>
               <a:rPr lang="en-US" dirty="0">
                 <a:latin typeface="Arial" panose="020B0604020202020204" pitchFamily="34" charset="0"/>
-                <a:ea typeface="+mn-lt"/>
-                <a:cs typeface="Arial" panose="020B0604020202020204" pitchFamily="34" charset="0"/>
-              </a:rPr>
-              <a:t> </a:t>
-            </a:r>
-            <a:r>
-              <a:rPr lang="en-US" dirty="0" err="1">
-                <a:latin typeface="Arial" panose="020B0604020202020204" pitchFamily="34" charset="0"/>
-                <a:ea typeface="+mn-lt"/>
-                <a:cs typeface="Arial" panose="020B0604020202020204" pitchFamily="34" charset="0"/>
-              </a:rPr>
-              <a:t>Meitil</a:t>
-            </a:r>
-            <a:r>
-              <a:rPr lang="en-US" dirty="0">
-                <a:latin typeface="Arial" panose="020B0604020202020204" pitchFamily="34" charset="0"/>
-                <a:ea typeface="+mn-lt"/>
-                <a:cs typeface="Arial" panose="020B0604020202020204" pitchFamily="34" charset="0"/>
-              </a:rPr>
-              <a:t>. (2021). Using deep learning for improving TCR homology modeling and its application to immunogenicity prediction [Master’s Thesis, DTU]</a:t>
-            </a:r>
-            <a:endParaRPr lang="en-US" dirty="0">
-              <a:latin typeface="Arial" panose="020B0604020202020204" pitchFamily="34" charset="0"/>
-              <a:cs typeface="Arial" panose="020B0604020202020204" pitchFamily="34" charset="0"/>
-            </a:endParaRPr>
-          </a:p>
-          <a:p>
-            <a:r>
-              <a:rPr lang="en-US" dirty="0">
-                <a:latin typeface="Arial" panose="020B0604020202020204" pitchFamily="34" charset="0"/>
-                <a:cs typeface="Arial" panose="020B0604020202020204" pitchFamily="34" charset="0"/>
-              </a:rPr>
-              <a:t>[3] Rives, A. et al. (2021). Biological structure and function emerge from scaling unsupervised learning to 250 million protein sequences</a:t>
+                <a:cs typeface="Arial" panose="020B0604020202020204" pitchFamily="34" charset="0"/>
+              </a:rPr>
+              <a:t>Rives, A. et al. (2021). Biological structure and function emerge from scaling unsupervised learning to 250 million protein sequences</a:t>
             </a:r>
             <a:r>
               <a:rPr lang="en-US" i="1" dirty="0">
@@ -4502,7 +4422,49 @@
                 <a:cs typeface="Arial" panose="020B0604020202020204" pitchFamily="34" charset="0"/>
               </a:rPr>
             </a:br>
-            <a:endParaRPr lang="en-US" i="1" dirty="0">
+            <a:r>
+              <a:rPr lang="en-US" baseline="30000" dirty="0">
+                <a:latin typeface="Arial" panose="020B0604020202020204" pitchFamily="34" charset="0"/>
+                <a:ea typeface="+mn-lt"/>
+                <a:cs typeface="Arial" panose="020B0604020202020204" pitchFamily="34" charset="0"/>
+              </a:rPr>
+              <a:t>3</a:t>
+            </a:r>
+            <a:r>
+              <a:rPr lang="en-US" dirty="0">
+                <a:latin typeface="Arial" panose="020B0604020202020204" pitchFamily="34" charset="0"/>
+                <a:ea typeface="+mn-lt"/>
+                <a:cs typeface="Arial" panose="020B0604020202020204" pitchFamily="34" charset="0"/>
+              </a:rPr>
+              <a:t>Ida Kristine Sandford </a:t>
+            </a:r>
+            <a:r>
+              <a:rPr lang="en-US" dirty="0" err="1">
+                <a:latin typeface="Arial" panose="020B0604020202020204" pitchFamily="34" charset="0"/>
+                <a:ea typeface="+mn-lt"/>
+                <a:cs typeface="Arial" panose="020B0604020202020204" pitchFamily="34" charset="0"/>
+              </a:rPr>
+              <a:t>Meitil</a:t>
+            </a:r>
+            <a:r>
+              <a:rPr lang="en-US" dirty="0">
+                <a:latin typeface="Arial" panose="020B0604020202020204" pitchFamily="34" charset="0"/>
+                <a:ea typeface="+mn-lt"/>
+                <a:cs typeface="Arial" panose="020B0604020202020204" pitchFamily="34" charset="0"/>
+              </a:rPr>
+              <a:t>. (2021). Using deep learning for improving TCR homology modeling and its application to immunogenicity prediction [Master’s Thesis, DTU]</a:t>
+            </a:r>
+          </a:p>
+          <a:p>
+            <a:r>
+              <a:rPr lang="en-US" dirty="0">
+                <a:latin typeface="Arial" panose="020B0604020202020204" pitchFamily="34" charset="0"/>
+                <a:ea typeface="+mn-lt"/>
+                <a:cs typeface="Arial" panose="020B0604020202020204" pitchFamily="34" charset="0"/>
+              </a:rPr>
+              <a:t>4 TCR-BERT</a:t>
+            </a:r>
+            <a:endParaRPr lang="en-US" dirty="0">
               <a:latin typeface="Arial" panose="020B0604020202020204" pitchFamily="34" charset="0"/>
               <a:cs typeface="Arial" panose="020B0604020202020204" pitchFamily="34" charset="0"/>
             </a:endParaRPr>
@@ -4523,7 +4485,7 @@
         </p:nvSpPr>
         <p:spPr>
           <a:xfrm>
-            <a:off x="229640" y="28589431"/>
+            <a:off x="269490" y="28589431"/>
             <a:ext cx="20880000" cy="540000"/>
           </a:xfrm>
           <a:prstGeom prst="round2SameRect">
@@ -4575,94 +4537,6 @@
       </p:sp>
       <p:sp>
         <p:nvSpPr>
-          <p:cNvPr id="61" name="TextBox 9">
-            <a:extLst>
-              <a:ext uri="{FF2B5EF4-FFF2-40B4-BE49-F238E27FC236}">
-                <a16:creationId xmlns:a16="http://schemas.microsoft.com/office/drawing/2014/main" id="{0F50DE13-E128-4F41-B202-B86A9CAA9FC5}"/>
-              </a:ext>
-            </a:extLst>
-          </p:cNvPr>
-          <p:cNvSpPr txBox="1"/>
-          <p:nvPr/>
-        </p:nvSpPr>
-        <p:spPr>
-          <a:xfrm>
-            <a:off x="12609741" y="21445101"/>
-            <a:ext cx="4881846" cy="3323987"/>
-          </a:xfrm>
-          <a:prstGeom prst="rect">
-            <a:avLst/>
-          </a:prstGeom>
-          <a:noFill/>
-        </p:spPr>
-        <p:txBody>
-          <a:bodyPr rot="0" spcFirstLastPara="0" vertOverflow="overflow" horzOverflow="overflow" vert="horz" wrap="square" lIns="91440" tIns="45720" rIns="91440" bIns="45720" numCol="1" spcCol="0" rtlCol="0" fromWordArt="0" anchor="t" anchorCtr="0" forceAA="0" compatLnSpc="1">
-            <a:prstTxWarp prst="textNoShape">
-              <a:avLst/>
-            </a:prstTxWarp>
-            <a:spAutoFit/>
-          </a:bodyPr>
-          <a:lstStyle/>
-          <a:p>
-            <a:r>
-              <a:rPr lang="en-GB" sz="3000" dirty="0">
-                <a:latin typeface="Arial" panose="020B0604020202020204" pitchFamily="34" charset="0"/>
-                <a:cs typeface="Arial" panose="020B0604020202020204" pitchFamily="34" charset="0"/>
-              </a:rPr>
-              <a:t>From 2</a:t>
-            </a:r>
-            <a:r>
-              <a:rPr lang="en-GB" sz="3000" baseline="30000" dirty="0">
-                <a:latin typeface="Arial" panose="020B0604020202020204" pitchFamily="34" charset="0"/>
-                <a:cs typeface="Arial" panose="020B0604020202020204" pitchFamily="34" charset="0"/>
-              </a:rPr>
-              <a:t>nd</a:t>
-            </a:r>
-            <a:r>
-              <a:rPr lang="en-GB" sz="3000" dirty="0">
-                <a:latin typeface="Arial" panose="020B0604020202020204" pitchFamily="34" charset="0"/>
-                <a:cs typeface="Arial" panose="020B0604020202020204" pitchFamily="34" charset="0"/>
-              </a:rPr>
-              <a:t> architecture, dropout is applied to avoid overfitting</a:t>
-            </a:r>
-          </a:p>
-          <a:p>
-            <a:endParaRPr lang="en-GB" sz="3000" dirty="0">
-              <a:latin typeface="Arial" panose="020B0604020202020204" pitchFamily="34" charset="0"/>
-              <a:cs typeface="Arial" panose="020B0604020202020204" pitchFamily="34" charset="0"/>
-            </a:endParaRPr>
-          </a:p>
-          <a:p>
-            <a:r>
-              <a:rPr lang="en-GB" sz="3000" dirty="0">
-                <a:latin typeface="Arial" panose="020B0604020202020204" pitchFamily="34" charset="0"/>
-                <a:cs typeface="Arial" panose="020B0604020202020204" pitchFamily="34" charset="0"/>
-              </a:rPr>
-              <a:t>MCC on test</a:t>
-            </a:r>
-          </a:p>
-          <a:p>
-            <a:r>
-              <a:rPr lang="en-GB" sz="3000" dirty="0">
-                <a:latin typeface="Arial" panose="020B0604020202020204" pitchFamily="34" charset="0"/>
-                <a:cs typeface="Arial" panose="020B0604020202020204" pitchFamily="34" charset="0"/>
-              </a:rPr>
-              <a:t>Confusion matrix</a:t>
-            </a:r>
-          </a:p>
-          <a:p>
-            <a:r>
-              <a:rPr lang="en-GB" sz="3000" dirty="0">
-                <a:latin typeface="Arial" panose="020B0604020202020204" pitchFamily="34" charset="0"/>
-                <a:cs typeface="Arial" panose="020B0604020202020204" pitchFamily="34" charset="0"/>
-              </a:rPr>
-              <a:t>AUC plot</a:t>
-            </a:r>
-          </a:p>
-        </p:txBody>
-      </p:sp>
-      <p:sp>
-        <p:nvSpPr>
           <p:cNvPr id="68" name="Round Same Side Corner Rectangle 137">
             <a:extLst>
               <a:ext uri="{FF2B5EF4-FFF2-40B4-BE49-F238E27FC236}">
@@ -4675,7 +4549,7 @@
         </p:nvSpPr>
         <p:spPr>
           <a:xfrm>
-            <a:off x="252605" y="25991103"/>
+            <a:off x="269490" y="24931231"/>
             <a:ext cx="20880000" cy="540000"/>
           </a:xfrm>
           <a:prstGeom prst="round2SameRect">
@@ -4733,8 +4607,8 @@
         </p:nvSpPr>
         <p:spPr>
           <a:xfrm>
-            <a:off x="229640" y="26631311"/>
-            <a:ext cx="20901379" cy="1938992"/>
+            <a:off x="192698" y="25866268"/>
+            <a:ext cx="20938321" cy="2677656"/>
           </a:xfrm>
           <a:prstGeom prst="rect">
             <a:avLst/>
@@ -4756,7 +4630,7 @@
                 <a:ea typeface="+mn-lt"/>
                 <a:cs typeface="Arial" panose="020B0604020202020204" pitchFamily="34" charset="0"/>
               </a:rPr>
-              <a:t>The dataset is really skewed towards negative (75%) which makes metrics like accuracy less reliable. Changing the threshold gives a better MCC because the model tends to predict more negatives. The best threshold is found to be 0.63 during validation and is applied for testing.</a:t>
+              <a:t>(Challenge of imbalance of dataset) The dataset is really skewed towards negative (75%) which makes metrics like accuracy less reliable. Changing the threshold gives a better MCC because the model tends to predict more negatives. The best threshold is found to be 0.63 during validation and is applied for testing.</a:t>
             </a:r>
           </a:p>
           <a:p>
@@ -4770,15 +4644,15 @@
                 <a:ea typeface="+mn-lt"/>
                 <a:cs typeface="Arial" panose="020B0604020202020204" pitchFamily="34" charset="0"/>
               </a:rPr>
-              <a:t>The model </a:t>
-            </a:r>
-            <a:r>
-              <a:rPr lang="en-US" sz="2400" dirty="0" err="1">
+              <a:t>The model overfits the dataset. If we were to predict binding for other peptides, the model would likely fail. This can be shown by leave-one-out cross-validation</a:t>
+            </a:r>
+            <a:r>
+              <a:rPr lang="en-US" sz="2400" baseline="30000" dirty="0">
                 <a:latin typeface="Arial" panose="020B0604020202020204" pitchFamily="34" charset="0"/>
                 <a:ea typeface="+mn-lt"/>
                 <a:cs typeface="Arial" panose="020B0604020202020204" pitchFamily="34" charset="0"/>
               </a:rPr>
-              <a:t>overfits</a:t>
+              <a:t>3</a:t>
             </a:r>
             <a:r>
               <a:rPr lang="en-US" sz="2400" dirty="0">
@@ -4786,7 +4660,7 @@
                 <a:ea typeface="+mn-lt"/>
                 <a:cs typeface="Arial" panose="020B0604020202020204" pitchFamily="34" charset="0"/>
               </a:rPr>
-              <a:t> the dataset. If we were to predict binding for other peptides, the model would likely fail. This can be shown by leave-one-out cross-validation [2].</a:t>
+              <a:t>.</a:t>
             </a:r>
           </a:p>
           <a:p>
@@ -4800,9 +4674,18 @@
                 <a:ea typeface="+mn-lt"/>
                 <a:cs typeface="Arial" panose="020B0604020202020204" pitchFamily="34" charset="0"/>
               </a:rPr>
-              <a:t>TCR-BERT</a:t>
-            </a:r>
-            <a:endParaRPr lang="fr-FR" sz="2400" dirty="0">
+              <a:t>TCR-BERT “outlook” embeddings work well </a:t>
+            </a:r>
+            <a:r>
+              <a:rPr lang="en-US" sz="2400" dirty="0">
+                <a:latin typeface="Arial" panose="020B0604020202020204" pitchFamily="34" charset="0"/>
+                <a:ea typeface="+mn-lt"/>
+                <a:cs typeface="Arial" panose="020B0604020202020204" pitchFamily="34" charset="0"/>
+                <a:sym typeface="Wingdings" pitchFamily="2" charset="2"/>
+              </a:rPr>
+              <a:t> would be good to have TCR-specific embeddings (e.g. transfer learning) (like in preprint) but data availability is major challenge</a:t>
+            </a:r>
+            <a:endParaRPr lang="en-US" sz="2400" dirty="0">
               <a:latin typeface="Arial" panose="020B0604020202020204" pitchFamily="34" charset="0"/>
               <a:cs typeface="Arial" panose="020B0604020202020204" pitchFamily="34" charset="0"/>
             </a:endParaRPr>
@@ -4817,7 +4700,7 @@
         </p:nvSpPr>
         <p:spPr>
           <a:xfrm>
-            <a:off x="251020" y="18491999"/>
+            <a:off x="429925" y="18491999"/>
             <a:ext cx="5506636" cy="369332"/>
           </a:xfrm>
           <a:prstGeom prst="rect">
@@ -4832,25 +4715,11 @@
           <a:lstStyle/>
           <a:p>
             <a:r>
-              <a:rPr lang="fr-FR" i="1" dirty="0">
-                <a:latin typeface="Arial" panose="020B0604020202020204" pitchFamily="34" charset="0"/>
-                <a:cs typeface="Arial" panose="020B0604020202020204" pitchFamily="34" charset="0"/>
-              </a:rPr>
-              <a:t>Figure 2. Pipeline for the </a:t>
-            </a:r>
-            <a:r>
-              <a:rPr lang="fr-FR" i="1" dirty="0" err="1">
-                <a:latin typeface="Arial" panose="020B0604020202020204" pitchFamily="34" charset="0"/>
-                <a:cs typeface="Arial" panose="020B0604020202020204" pitchFamily="34" charset="0"/>
-              </a:rPr>
-              <a:t>pre-processing</a:t>
-            </a:r>
-            <a:r>
-              <a:rPr lang="fr-FR" i="1" dirty="0">
-                <a:latin typeface="Arial" panose="020B0604020202020204" pitchFamily="34" charset="0"/>
-                <a:cs typeface="Arial" panose="020B0604020202020204" pitchFamily="34" charset="0"/>
-              </a:rPr>
-              <a:t> of the data.</a:t>
+              <a:rPr lang="en-US" i="1" dirty="0">
+                <a:latin typeface="Arial" panose="020B0604020202020204" pitchFamily="34" charset="0"/>
+                <a:cs typeface="Arial" panose="020B0604020202020204" pitchFamily="34" charset="0"/>
+              </a:rPr>
+              <a:t>Figure 2. Pipeline for the pre-processing of the data.</a:t>
             </a:r>
           </a:p>
         </p:txBody>
@@ -4863,8 +4732,8 @@
         </p:nvSpPr>
         <p:spPr>
           <a:xfrm>
-            <a:off x="13488278" y="8394428"/>
-            <a:ext cx="6677007" cy="646331"/>
+            <a:off x="19274589" y="5018197"/>
+            <a:ext cx="1818500" cy="2585323"/>
           </a:xfrm>
           <a:prstGeom prst="rect">
             <a:avLst/>
@@ -4878,110 +4747,142 @@
           <a:lstStyle/>
           <a:p>
             <a:r>
-              <a:rPr lang="fr-FR" i="1" dirty="0">
+              <a:rPr lang="en-US" i="1" dirty="0">
                 <a:latin typeface="Arial" panose="020B0604020202020204" pitchFamily="34" charset="0"/>
                 <a:cs typeface="Arial" panose="020B0604020202020204" pitchFamily="34" charset="0"/>
               </a:rPr>
               <a:t>Figure 1. 3D-visualization of the TCR-</a:t>
             </a:r>
             <a:r>
-              <a:rPr lang="fr-FR" i="1" dirty="0" err="1">
+              <a:rPr lang="en-US" i="1" dirty="0" err="1">
                 <a:latin typeface="Arial" panose="020B0604020202020204" pitchFamily="34" charset="0"/>
                 <a:cs typeface="Arial" panose="020B0604020202020204" pitchFamily="34" charset="0"/>
               </a:rPr>
               <a:t>pMHC</a:t>
             </a:r>
             <a:r>
-              <a:rPr lang="fr-FR" i="1" dirty="0">
-                <a:latin typeface="Arial" panose="020B0604020202020204" pitchFamily="34" charset="0"/>
-                <a:cs typeface="Arial" panose="020B0604020202020204" pitchFamily="34" charset="0"/>
-              </a:rPr>
-              <a:t> </a:t>
-            </a:r>
-            <a:r>
-              <a:rPr lang="fr-FR" i="1" dirty="0" err="1">
-                <a:latin typeface="Arial" panose="020B0604020202020204" pitchFamily="34" charset="0"/>
-                <a:cs typeface="Arial" panose="020B0604020202020204" pitchFamily="34" charset="0"/>
-              </a:rPr>
-              <a:t>complex</a:t>
-            </a:r>
-            <a:r>
-              <a:rPr lang="fr-FR" i="1" dirty="0">
-                <a:latin typeface="Arial" panose="020B0604020202020204" pitchFamily="34" charset="0"/>
-                <a:cs typeface="Arial" panose="020B0604020202020204" pitchFamily="34" charset="0"/>
-              </a:rPr>
-              <a:t>. Blue: TCR-</a:t>
-            </a:r>
-            <a:r>
-              <a:rPr lang="el-GR" dirty="0">
+              <a:rPr lang="en-US" i="1" dirty="0">
+                <a:latin typeface="Arial" panose="020B0604020202020204" pitchFamily="34" charset="0"/>
+                <a:cs typeface="Arial" panose="020B0604020202020204" pitchFamily="34" charset="0"/>
+              </a:rPr>
+              <a:t> complex. Blue and purple: TCR </a:t>
+            </a:r>
+            <a:r>
+              <a:rPr lang="en-US" dirty="0">
                 <a:latin typeface="Arial" panose="020B0604020202020204" pitchFamily="34" charset="0"/>
                 <a:cs typeface="Arial" panose="020B0604020202020204" pitchFamily="34" charset="0"/>
               </a:rPr>
               <a:t>α</a:t>
             </a:r>
             <a:r>
-              <a:rPr lang="fr-FR" i="1" dirty="0">
-                <a:latin typeface="Arial" panose="020B0604020202020204" pitchFamily="34" charset="0"/>
-                <a:cs typeface="Arial" panose="020B0604020202020204" pitchFamily="34" charset="0"/>
-              </a:rPr>
-              <a:t>, </a:t>
-            </a:r>
-            <a:r>
-              <a:rPr lang="fr-FR" i="1" dirty="0" err="1">
-                <a:latin typeface="Arial" panose="020B0604020202020204" pitchFamily="34" charset="0"/>
-                <a:cs typeface="Arial" panose="020B0604020202020204" pitchFamily="34" charset="0"/>
-              </a:rPr>
-              <a:t>Purple</a:t>
-            </a:r>
-            <a:r>
-              <a:rPr lang="fr-FR" i="1" dirty="0">
-                <a:latin typeface="Arial" panose="020B0604020202020204" pitchFamily="34" charset="0"/>
-                <a:cs typeface="Arial" panose="020B0604020202020204" pitchFamily="34" charset="0"/>
-              </a:rPr>
-              <a:t>: TCR-</a:t>
-            </a:r>
-            <a:r>
-              <a:rPr lang="el-GR" dirty="0">
+              <a:rPr lang="en-US" i="1" dirty="0">
+                <a:latin typeface="Arial" panose="020B0604020202020204" pitchFamily="34" charset="0"/>
+                <a:cs typeface="Arial" panose="020B0604020202020204" pitchFamily="34" charset="0"/>
+              </a:rPr>
+              <a:t> and </a:t>
+            </a:r>
+            <a:r>
+              <a:rPr lang="en-US" dirty="0">
                 <a:latin typeface="Arial" panose="020B0604020202020204" pitchFamily="34" charset="0"/>
                 <a:cs typeface="Arial" panose="020B0604020202020204" pitchFamily="34" charset="0"/>
               </a:rPr>
               <a:t>β</a:t>
             </a:r>
             <a:r>
-              <a:rPr lang="fr-FR" i="1" dirty="0">
-                <a:latin typeface="Arial" panose="020B0604020202020204" pitchFamily="34" charset="0"/>
-                <a:cs typeface="Arial" panose="020B0604020202020204" pitchFamily="34" charset="0"/>
-              </a:rPr>
-              <a:t>, Green: Peptide, Grey: MHC.</a:t>
+              <a:rPr lang="en-US" i="1" dirty="0">
+                <a:latin typeface="Arial" panose="020B0604020202020204" pitchFamily="34" charset="0"/>
+                <a:cs typeface="Arial" panose="020B0604020202020204" pitchFamily="34" charset="0"/>
+              </a:rPr>
+              <a:t> chain, Green: Peptide, Grey: MHC.</a:t>
+            </a:r>
+          </a:p>
+        </p:txBody>
+      </p:sp>
+      <p:sp>
+        <p:nvSpPr>
+          <p:cNvPr id="12" name="Rectangle 11"/>
+          <p:cNvSpPr/>
+          <p:nvPr/>
+        </p:nvSpPr>
+        <p:spPr>
+          <a:xfrm>
+            <a:off x="10863981" y="18327712"/>
+            <a:ext cx="10210304" cy="646331"/>
+          </a:xfrm>
+          <a:prstGeom prst="rect">
+            <a:avLst/>
+          </a:prstGeom>
+        </p:spPr>
+        <p:txBody>
+          <a:bodyPr wrap="square">
+            <a:spAutoFit/>
+          </a:bodyPr>
+          <a:lstStyle/>
+          <a:p>
+            <a:r>
+              <a:rPr lang="en-US" i="1" dirty="0">
+                <a:latin typeface="Arial" panose="020B0604020202020204" pitchFamily="34" charset="0"/>
+                <a:cs typeface="Arial" panose="020B0604020202020204" pitchFamily="34" charset="0"/>
+              </a:rPr>
+              <a:t>Figure 3. Architecture of the neural network. 2 convolutional layers with max pooling followed by Long short-term memory (LSTM) and dense feed forward neural network. </a:t>
+            </a:r>
+          </a:p>
+        </p:txBody>
+      </p:sp>
+      <p:sp>
+        <p:nvSpPr>
+          <p:cNvPr id="14" name="Rectangle 13"/>
+          <p:cNvSpPr/>
+          <p:nvPr/>
+        </p:nvSpPr>
+        <p:spPr>
+          <a:xfrm>
+            <a:off x="309341" y="23695084"/>
+            <a:ext cx="8347903" cy="646331"/>
+          </a:xfrm>
+          <a:prstGeom prst="rect">
+            <a:avLst/>
+          </a:prstGeom>
+        </p:spPr>
+        <p:txBody>
+          <a:bodyPr wrap="square">
+            <a:spAutoFit/>
+          </a:bodyPr>
+          <a:lstStyle/>
+          <a:p>
+            <a:r>
+              <a:rPr lang="en-US" i="1" dirty="0">
+                <a:latin typeface="Arial" panose="020B0604020202020204" pitchFamily="34" charset="0"/>
+                <a:cs typeface="Arial" panose="020B0604020202020204" pitchFamily="34" charset="0"/>
+              </a:rPr>
+              <a:t>Table 1. Comparison of the performance on test set between different data preprocessing methods and network architectures.</a:t>
             </a:r>
           </a:p>
         </p:txBody>
       </p:sp>
       <p:pic>
         <p:nvPicPr>
-          <p:cNvPr id="1028" name="Picture 4" descr="Aucune description disponible."/>
+          <p:cNvPr id="1026" name="Picture 2" descr="Aucune description disponible."/>
           <p:cNvPicPr>
             <a:picLocks noChangeAspect="1" noChangeArrowheads="1"/>
           </p:cNvPicPr>
           <p:nvPr/>
         </p:nvPicPr>
-        <p:blipFill>
-          <a:blip r:embed="rId5">
+        <p:blipFill rotWithShape="1">
+          <a:blip r:embed="rId6">
             <a:extLst>
               <a:ext uri="{28A0092B-C50C-407E-A947-70E740481C1C}">
                 <a14:useLocalDpi xmlns:a14="http://schemas.microsoft.com/office/drawing/2010/main" val="0"/>
               </a:ext>
             </a:extLst>
           </a:blip>
-          <a:srcRect/>
-          <a:stretch>
-            <a:fillRect/>
-          </a:stretch>
+          <a:srcRect l="32243" t="2752" r="34089" b="13954"/>
+          <a:stretch/>
         </p:blipFill>
         <p:spPr bwMode="auto">
-          <a:xfrm>
-            <a:off x="11245119" y="14363511"/>
-            <a:ext cx="9944222" cy="4198660"/>
+          <a:xfrm rot="16200000">
+            <a:off x="12897544" y="3063361"/>
+            <a:ext cx="4186050" cy="7701408"/>
           </a:xfrm>
           <a:prstGeom prst="rect">
             <a:avLst/>
@@ -5000,246 +4901,6 @@
       </p:pic>
       <p:sp>
         <p:nvSpPr>
-          <p:cNvPr id="12" name="Rectangle 11"/>
-          <p:cNvSpPr/>
-          <p:nvPr/>
-        </p:nvSpPr>
-        <p:spPr>
-          <a:xfrm>
-            <a:off x="11245119" y="18507006"/>
-            <a:ext cx="4664482" cy="369332"/>
-          </a:xfrm>
-          <a:prstGeom prst="rect">
-            <a:avLst/>
-          </a:prstGeom>
-        </p:spPr>
-        <p:txBody>
-          <a:bodyPr wrap="none">
-            <a:spAutoFit/>
-          </a:bodyPr>
-          <a:lstStyle/>
-          <a:p>
-            <a:r>
-              <a:rPr lang="fr-FR" i="1" dirty="0">
-                <a:latin typeface="Arial" panose="020B0604020202020204" pitchFamily="34" charset="0"/>
-                <a:cs typeface="Arial" panose="020B0604020202020204" pitchFamily="34" charset="0"/>
-              </a:rPr>
-              <a:t>Figure 3. Architecture of the neural network.</a:t>
-            </a:r>
-          </a:p>
-        </p:txBody>
-      </p:sp>
-      <p:sp>
-        <p:nvSpPr>
-          <p:cNvPr id="14" name="Rectangle 13"/>
-          <p:cNvSpPr/>
-          <p:nvPr/>
-        </p:nvSpPr>
-        <p:spPr>
-          <a:xfrm>
-            <a:off x="309341" y="23695084"/>
-            <a:ext cx="8347903" cy="646331"/>
-          </a:xfrm>
-          <a:prstGeom prst="rect">
-            <a:avLst/>
-          </a:prstGeom>
-        </p:spPr>
-        <p:txBody>
-          <a:bodyPr wrap="square">
-            <a:spAutoFit/>
-          </a:bodyPr>
-          <a:lstStyle/>
-          <a:p>
-            <a:r>
-              <a:rPr lang="fr-FR" i="1" dirty="0">
-                <a:latin typeface="Arial" panose="020B0604020202020204" pitchFamily="34" charset="0"/>
-                <a:cs typeface="Arial" panose="020B0604020202020204" pitchFamily="34" charset="0"/>
-              </a:rPr>
-              <a:t>Table 1. </a:t>
-            </a:r>
-            <a:r>
-              <a:rPr lang="fr-FR" i="1" dirty="0" err="1">
-                <a:latin typeface="Arial" panose="020B0604020202020204" pitchFamily="34" charset="0"/>
-                <a:cs typeface="Arial" panose="020B0604020202020204" pitchFamily="34" charset="0"/>
-              </a:rPr>
-              <a:t>Comparison</a:t>
-            </a:r>
-            <a:r>
-              <a:rPr lang="fr-FR" i="1" dirty="0">
-                <a:latin typeface="Arial" panose="020B0604020202020204" pitchFamily="34" charset="0"/>
-                <a:cs typeface="Arial" panose="020B0604020202020204" pitchFamily="34" charset="0"/>
-              </a:rPr>
-              <a:t> </a:t>
-            </a:r>
-            <a:r>
-              <a:rPr lang="fr-FR" i="1" dirty="0" err="1">
-                <a:latin typeface="Arial" panose="020B0604020202020204" pitchFamily="34" charset="0"/>
-                <a:cs typeface="Arial" panose="020B0604020202020204" pitchFamily="34" charset="0"/>
-              </a:rPr>
-              <a:t>between</a:t>
-            </a:r>
-            <a:r>
-              <a:rPr lang="fr-FR" i="1" dirty="0">
-                <a:latin typeface="Arial" panose="020B0604020202020204" pitchFamily="34" charset="0"/>
-                <a:cs typeface="Arial" panose="020B0604020202020204" pitchFamily="34" charset="0"/>
-              </a:rPr>
-              <a:t> the </a:t>
-            </a:r>
-            <a:r>
-              <a:rPr lang="fr-FR" i="1" dirty="0" err="1">
-                <a:latin typeface="Arial" panose="020B0604020202020204" pitchFamily="34" charset="0"/>
-                <a:cs typeface="Arial" panose="020B0604020202020204" pitchFamily="34" charset="0"/>
-              </a:rPr>
-              <a:t>different</a:t>
-            </a:r>
-            <a:r>
-              <a:rPr lang="fr-FR" i="1" dirty="0">
-                <a:latin typeface="Arial" panose="020B0604020202020204" pitchFamily="34" charset="0"/>
-                <a:cs typeface="Arial" panose="020B0604020202020204" pitchFamily="34" charset="0"/>
-              </a:rPr>
-              <a:t> networks </a:t>
-            </a:r>
-            <a:r>
-              <a:rPr lang="fr-FR" i="1" dirty="0" err="1">
-                <a:latin typeface="Arial" panose="020B0604020202020204" pitchFamily="34" charset="0"/>
-                <a:cs typeface="Arial" panose="020B0604020202020204" pitchFamily="34" charset="0"/>
-              </a:rPr>
-              <a:t>that</a:t>
-            </a:r>
-            <a:r>
-              <a:rPr lang="fr-FR" i="1" dirty="0">
-                <a:latin typeface="Arial" panose="020B0604020202020204" pitchFamily="34" charset="0"/>
-                <a:cs typeface="Arial" panose="020B0604020202020204" pitchFamily="34" charset="0"/>
-              </a:rPr>
-              <a:t> </a:t>
-            </a:r>
-            <a:r>
-              <a:rPr lang="fr-FR" i="1" dirty="0" err="1">
-                <a:latin typeface="Arial" panose="020B0604020202020204" pitchFamily="34" charset="0"/>
-                <a:cs typeface="Arial" panose="020B0604020202020204" pitchFamily="34" charset="0"/>
-              </a:rPr>
-              <a:t>we</a:t>
-            </a:r>
-            <a:r>
-              <a:rPr lang="fr-FR" i="1" dirty="0">
-                <a:latin typeface="Arial" panose="020B0604020202020204" pitchFamily="34" charset="0"/>
-                <a:cs typeface="Arial" panose="020B0604020202020204" pitchFamily="34" charset="0"/>
-              </a:rPr>
-              <a:t> </a:t>
-            </a:r>
-            <a:r>
-              <a:rPr lang="fr-FR" i="1" dirty="0" err="1">
-                <a:latin typeface="Arial" panose="020B0604020202020204" pitchFamily="34" charset="0"/>
-                <a:cs typeface="Arial" panose="020B0604020202020204" pitchFamily="34" charset="0"/>
-              </a:rPr>
-              <a:t>constructed</a:t>
-            </a:r>
-            <a:r>
-              <a:rPr lang="fr-FR" i="1" dirty="0">
-                <a:latin typeface="Arial" panose="020B0604020202020204" pitchFamily="34" charset="0"/>
-                <a:cs typeface="Arial" panose="020B0604020202020204" pitchFamily="34" charset="0"/>
-              </a:rPr>
-              <a:t> in </a:t>
-            </a:r>
-            <a:r>
-              <a:rPr lang="fr-FR" i="1" dirty="0" err="1">
-                <a:latin typeface="Arial" panose="020B0604020202020204" pitchFamily="34" charset="0"/>
-                <a:cs typeface="Arial" panose="020B0604020202020204" pitchFamily="34" charset="0"/>
-              </a:rPr>
-              <a:t>this</a:t>
-            </a:r>
-            <a:r>
-              <a:rPr lang="fr-FR" i="1" dirty="0">
-                <a:latin typeface="Arial" panose="020B0604020202020204" pitchFamily="34" charset="0"/>
-                <a:cs typeface="Arial" panose="020B0604020202020204" pitchFamily="34" charset="0"/>
-              </a:rPr>
-              <a:t> </a:t>
-            </a:r>
-            <a:r>
-              <a:rPr lang="fr-FR" i="1" dirty="0" err="1">
-                <a:latin typeface="Arial" panose="020B0604020202020204" pitchFamily="34" charset="0"/>
-                <a:cs typeface="Arial" panose="020B0604020202020204" pitchFamily="34" charset="0"/>
-              </a:rPr>
-              <a:t>project</a:t>
-            </a:r>
-            <a:endParaRPr lang="fr-FR" i="1" dirty="0">
-              <a:latin typeface="Arial" panose="020B0604020202020204" pitchFamily="34" charset="0"/>
-              <a:cs typeface="Arial" panose="020B0604020202020204" pitchFamily="34" charset="0"/>
-            </a:endParaRPr>
-          </a:p>
-        </p:txBody>
-      </p:sp>
-      <p:pic>
-        <p:nvPicPr>
-          <p:cNvPr id="15" name="Picture 14" descr="Graphical user interface&#10;&#10;Description automatically generated with low confidence">
-            <a:extLst>
-              <a:ext uri="{FF2B5EF4-FFF2-40B4-BE49-F238E27FC236}">
-                <a16:creationId xmlns:a16="http://schemas.microsoft.com/office/drawing/2014/main" id="{3BC95CEC-30C8-4CC6-9A6F-CEA5128B28D7}"/>
-              </a:ext>
-            </a:extLst>
-          </p:cNvPr>
-          <p:cNvPicPr>
-            <a:picLocks noChangeAspect="1"/>
-          </p:cNvPicPr>
-          <p:nvPr/>
-        </p:nvPicPr>
-        <p:blipFill>
-          <a:blip r:embed="rId6"/>
-          <a:stretch>
-            <a:fillRect/>
-          </a:stretch>
-        </p:blipFill>
-        <p:spPr>
-          <a:xfrm>
-            <a:off x="252605" y="14260665"/>
-            <a:ext cx="10628481" cy="3859584"/>
-          </a:xfrm>
-          <a:prstGeom prst="rect">
-            <a:avLst/>
-          </a:prstGeom>
-        </p:spPr>
-      </p:pic>
-      <p:pic>
-        <p:nvPicPr>
-          <p:cNvPr id="1026" name="Picture 2" descr="Aucune description disponible."/>
-          <p:cNvPicPr>
-            <a:picLocks noChangeAspect="1" noChangeArrowheads="1"/>
-          </p:cNvPicPr>
-          <p:nvPr/>
-        </p:nvPicPr>
-        <p:blipFill rotWithShape="1">
-          <a:blip r:embed="rId7">
-            <a:extLst>
-              <a:ext uri="{28A0092B-C50C-407E-A947-70E740481C1C}">
-                <a14:useLocalDpi xmlns:a14="http://schemas.microsoft.com/office/drawing/2010/main" val="0"/>
-              </a:ext>
-            </a:extLst>
-          </a:blip>
-          <a:srcRect l="32243" t="2752" r="34089" b="13954"/>
-          <a:stretch/>
-        </p:blipFill>
-        <p:spPr bwMode="auto">
-          <a:xfrm rot="16200000">
-            <a:off x="14979058" y="2997864"/>
-            <a:ext cx="3886583" cy="7150454"/>
-          </a:xfrm>
-          <a:prstGeom prst="rect">
-            <a:avLst/>
-          </a:prstGeom>
-          <a:noFill/>
-          <a:extLst>
-            <a:ext uri="{909E8E84-426E-40DD-AFC4-6F175D3DCCD1}">
-              <a14:hiddenFill xmlns:a14="http://schemas.microsoft.com/office/drawing/2010/main">
-                <a:solidFill>
-                  <a:srgbClr val="FFFFFF"/>
-                </a:solidFill>
-              </a14:hiddenFill>
-            </a:ext>
-          </a:extLst>
-        </p:spPr>
-      </p:pic>
-      <p:sp>
-        <p:nvSpPr>
           <p:cNvPr id="52" name="TextBox 51">
             <a:extLst>
               <a:ext uri="{FF2B5EF4-FFF2-40B4-BE49-F238E27FC236}">
@@ -5252,7 +4913,7 @@
         </p:nvSpPr>
         <p:spPr>
           <a:xfrm>
-            <a:off x="10630937" y="9257692"/>
+            <a:off x="10690571" y="9225409"/>
             <a:ext cx="10500083" cy="1608133"/>
           </a:xfrm>
           <a:prstGeom prst="rect">
@@ -5272,7 +4933,7 @@
               </a:spcAft>
             </a:pPr>
             <a:r>
-              <a:rPr lang="en-GB" sz="2400" b="1" dirty="0">
+              <a:rPr lang="en-US" sz="2400" b="1" dirty="0">
                 <a:latin typeface="Arial" panose="020B0604020202020204" pitchFamily="34" charset="0"/>
                 <a:cs typeface="Arial" panose="020B0604020202020204" pitchFamily="34" charset="0"/>
               </a:rPr>
@@ -5288,13 +4949,13 @@
               <a:buChar char="•"/>
             </a:pPr>
             <a:r>
-              <a:rPr lang="en-GB" sz="2400" dirty="0">
+              <a:rPr lang="en-US" sz="2400" dirty="0">
                 <a:latin typeface="Arial" panose="020B0604020202020204" pitchFamily="34" charset="0"/>
                 <a:cs typeface="Arial" panose="020B0604020202020204" pitchFamily="34" charset="0"/>
               </a:rPr>
               <a:t>6913 observations (4180 training, 1526 validation, 1207 test)</a:t>
             </a:r>
-            <a:endParaRPr lang="en-GB" sz="2400" b="1" dirty="0">
+            <a:endParaRPr lang="en-US" sz="2400" b="1" dirty="0">
               <a:latin typeface="Arial" panose="020B0604020202020204" pitchFamily="34" charset="0"/>
               <a:cs typeface="Arial" panose="020B0604020202020204" pitchFamily="34" charset="0"/>
             </a:endParaRPr>
@@ -5308,7 +4969,7 @@
               <a:buChar char="•"/>
             </a:pPr>
             <a:r>
-              <a:rPr lang="en-GB" sz="2400" dirty="0">
+              <a:rPr lang="en-US" sz="2400" dirty="0">
                 <a:latin typeface="Arial" panose="020B0604020202020204" pitchFamily="34" charset="0"/>
                 <a:cs typeface="Arial" panose="020B0604020202020204" pitchFamily="34" charset="0"/>
               </a:rPr>
@@ -5324,7 +4985,7 @@
               <a:buChar char="•"/>
             </a:pPr>
             <a:r>
-              <a:rPr lang="en-GB" sz="2400" dirty="0">
+              <a:rPr lang="en-US" sz="2400" dirty="0">
                 <a:latin typeface="Arial" panose="020B0604020202020204" pitchFamily="34" charset="0"/>
                 <a:cs typeface="Arial" panose="020B0604020202020204" pitchFamily="34" charset="0"/>
               </a:rPr>
@@ -5347,8 +5008,8 @@
         </p:nvSpPr>
         <p:spPr>
           <a:xfrm>
-            <a:off x="251020" y="11913270"/>
-            <a:ext cx="20938321" cy="1595309"/>
+            <a:off x="251021" y="11694611"/>
+            <a:ext cx="10358537" cy="3072636"/>
           </a:xfrm>
           <a:prstGeom prst="rect">
             <a:avLst/>
@@ -5367,7 +5028,7 @@
               </a:spcAft>
             </a:pPr>
             <a:r>
-              <a:rPr lang="en-GB" sz="2400" b="1" dirty="0">
+              <a:rPr lang="en-US" sz="2400" b="1" dirty="0">
                 <a:latin typeface="Arial" panose="020B0604020202020204" pitchFamily="34" charset="0"/>
                 <a:cs typeface="Arial" panose="020B0604020202020204" pitchFamily="34" charset="0"/>
               </a:rPr>
@@ -5383,55 +5044,48 @@
               <a:buChar char="•"/>
             </a:pPr>
             <a:r>
-              <a:rPr lang="en-GB" sz="2400" b="1" dirty="0">
+              <a:rPr lang="en-US" sz="2400" b="1" dirty="0">
                 <a:latin typeface="Arial" panose="020B0604020202020204" pitchFamily="34" charset="0"/>
                 <a:cs typeface="Arial" panose="020B0604020202020204" pitchFamily="34" charset="0"/>
               </a:rPr>
               <a:t>BLOSUM (</a:t>
             </a:r>
             <a:r>
-              <a:rPr lang="en-GB" sz="2400" b="1" dirty="0" err="1">
+              <a:rPr lang="en-US" sz="2400" b="1" dirty="0" err="1">
                 <a:latin typeface="Arial" panose="020B0604020202020204" pitchFamily="34" charset="0"/>
                 <a:cs typeface="Arial" panose="020B0604020202020204" pitchFamily="34" charset="0"/>
               </a:rPr>
               <a:t>BLOcks</a:t>
             </a:r>
             <a:r>
-              <a:rPr lang="en-GB" sz="2400" b="1" dirty="0">
+              <a:rPr lang="en-US" sz="2400" b="1" dirty="0">
                 <a:latin typeface="Arial" panose="020B0604020202020204" pitchFamily="34" charset="0"/>
                 <a:cs typeface="Arial" panose="020B0604020202020204" pitchFamily="34" charset="0"/>
               </a:rPr>
               <a:t> </a:t>
             </a:r>
             <a:r>
-              <a:rPr lang="en-GB" sz="2400" b="1" dirty="0" err="1">
+              <a:rPr lang="en-US" sz="2400" b="1" dirty="0" err="1">
                 <a:latin typeface="Arial" panose="020B0604020202020204" pitchFamily="34" charset="0"/>
                 <a:cs typeface="Arial" panose="020B0604020202020204" pitchFamily="34" charset="0"/>
               </a:rPr>
               <a:t>SUbstitution</a:t>
             </a:r>
             <a:r>
-              <a:rPr lang="en-GB" sz="2400" b="1" dirty="0">
+              <a:rPr lang="en-US" sz="2400" b="1" dirty="0">
                 <a:latin typeface="Arial" panose="020B0604020202020204" pitchFamily="34" charset="0"/>
                 <a:cs typeface="Arial" panose="020B0604020202020204" pitchFamily="34" charset="0"/>
               </a:rPr>
               <a:t> Matrix): </a:t>
             </a:r>
             <a:r>
-              <a:rPr lang="en-GB" sz="2400" dirty="0">
-                <a:latin typeface="Arial" panose="020B0604020202020204" pitchFamily="34" charset="0"/>
-                <a:cs typeface="Arial" panose="020B0604020202020204" pitchFamily="34" charset="0"/>
-              </a:rPr>
-              <a:t>Captures the biochemical properties of amino acids. It turns one-hot encoding into a non </a:t>
-            </a:r>
-            <a:r>
-              <a:rPr lang="en-GB" sz="2400">
-                <a:latin typeface="Arial" panose="020B0604020202020204" pitchFamily="34" charset="0"/>
-                <a:cs typeface="Arial" panose="020B0604020202020204" pitchFamily="34" charset="0"/>
-              </a:rPr>
-              <a:t>sparse vector.</a:t>
-            </a:r>
-            <a:endParaRPr lang="en-GB" sz="2400" b="1" dirty="0">
+              <a:rPr lang="en-US" sz="2400" dirty="0">
+                <a:latin typeface="Arial" panose="020B0604020202020204" pitchFamily="34" charset="0"/>
+                <a:cs typeface="Arial" panose="020B0604020202020204" pitchFamily="34" charset="0"/>
+              </a:rPr>
+              <a:t>Captures the biochemical properties of amino acids. It turns one-hot encoding into a non sparse vector.</a:t>
+            </a:r>
+            <a:endParaRPr lang="en-US" sz="2400" b="1" dirty="0">
               <a:latin typeface="Arial" panose="020B0604020202020204" pitchFamily="34" charset="0"/>
               <a:cs typeface="Arial" panose="020B0604020202020204" pitchFamily="34" charset="0"/>
             </a:endParaRPr>
@@ -5445,44 +5099,33 @@
               <a:buChar char="•"/>
             </a:pPr>
             <a:r>
-              <a:rPr lang="en-GB" sz="2400" b="1" dirty="0">
-                <a:latin typeface="Arial" panose="020B0604020202020204" pitchFamily="34" charset="0"/>
-                <a:cs typeface="Arial" panose="020B0604020202020204" pitchFamily="34" charset="0"/>
-              </a:rPr>
-              <a:t>ESM (Evolutionary Scale </a:t>
-            </a:r>
-            <a:r>
-              <a:rPr lang="en-GB" sz="2400" b="1" dirty="0" err="1">
-                <a:latin typeface="Arial" panose="020B0604020202020204" pitchFamily="34" charset="0"/>
-                <a:cs typeface="Arial" panose="020B0604020202020204" pitchFamily="34" charset="0"/>
-              </a:rPr>
-              <a:t>Modeling</a:t>
-            </a:r>
-            <a:r>
-              <a:rPr lang="en-GB" sz="2400" b="1" dirty="0">
-                <a:latin typeface="Arial" panose="020B0604020202020204" pitchFamily="34" charset="0"/>
-                <a:cs typeface="Arial" panose="020B0604020202020204" pitchFamily="34" charset="0"/>
-              </a:rPr>
-              <a:t>) [3]: </a:t>
-            </a:r>
-            <a:r>
-              <a:rPr lang="en-GB" sz="2400" dirty="0">
-                <a:latin typeface="Arial" panose="020B0604020202020204" pitchFamily="34" charset="0"/>
-                <a:cs typeface="Arial" panose="020B0604020202020204" pitchFamily="34" charset="0"/>
-              </a:rPr>
-              <a:t>A transformer, i.e. a </a:t>
+              <a:rPr lang="en-US" sz="2400" b="1" dirty="0">
+                <a:latin typeface="Arial" panose="020B0604020202020204" pitchFamily="34" charset="0"/>
+                <a:cs typeface="Arial" panose="020B0604020202020204" pitchFamily="34" charset="0"/>
+              </a:rPr>
+              <a:t>ESM (Evolutionary Scale Modeling)</a:t>
+            </a:r>
+            <a:r>
+              <a:rPr lang="en-US" sz="2400" b="1" baseline="30000" dirty="0">
+                <a:latin typeface="Arial" panose="020B0604020202020204" pitchFamily="34" charset="0"/>
+                <a:cs typeface="Arial" panose="020B0604020202020204" pitchFamily="34" charset="0"/>
+              </a:rPr>
+              <a:t>2</a:t>
+            </a:r>
+            <a:r>
+              <a:rPr lang="en-US" sz="2400" b="1" dirty="0">
+                <a:latin typeface="Arial" panose="020B0604020202020204" pitchFamily="34" charset="0"/>
+                <a:cs typeface="Arial" panose="020B0604020202020204" pitchFamily="34" charset="0"/>
+              </a:rPr>
+              <a:t>: </a:t>
             </a:r>
             <a:r>
               <a:rPr lang="en-US" sz="2400" dirty="0">
                 <a:latin typeface="Arial" panose="020B0604020202020204" pitchFamily="34" charset="0"/>
                 <a:cs typeface="Arial" panose="020B0604020202020204" pitchFamily="34" charset="0"/>
               </a:rPr>
-              <a:t>series of blocks that alternate self-attention with feed-forward connections. It has been trained beforehand with 250 million sequences and has 650 million weights. The output is a vector of size 1280 for each amino acid position.</a:t>
-            </a:r>
-            <a:endParaRPr lang="en-GB" sz="2400" b="1" dirty="0">
-              <a:latin typeface="Arial" panose="020B0604020202020204" pitchFamily="34" charset="0"/>
-              <a:cs typeface="Arial" panose="020B0604020202020204" pitchFamily="34" charset="0"/>
-            </a:endParaRPr>
+              <a:t>A transformer, i.e. a series of blocks that alternate self-attention with feed-forward connections. It has been trained beforehand with 250 million sequences and has 650 million weights. The output is a vector of size 1280 for each amino acid position.</a:t>
+            </a:r>
           </a:p>
         </p:txBody>
       </p:sp>
@@ -5500,8 +5143,8 @@
         </p:nvSpPr>
         <p:spPr>
           <a:xfrm>
-            <a:off x="5519532" y="13801143"/>
-            <a:ext cx="10459617" cy="461665"/>
+            <a:off x="10691813" y="11694611"/>
+            <a:ext cx="10497528" cy="1595309"/>
           </a:xfrm>
           <a:prstGeom prst="rect">
             <a:avLst/>
@@ -5520,12 +5163,55 @@
               </a:spcAft>
             </a:pPr>
             <a:r>
-              <a:rPr lang="en-GB" sz="2400" b="1" dirty="0">
-                <a:latin typeface="Arial" panose="020B0604020202020204" pitchFamily="34" charset="0"/>
-                <a:cs typeface="Arial" panose="020B0604020202020204" pitchFamily="34" charset="0"/>
-              </a:rPr>
-              <a:t>Neural network architecture</a:t>
-            </a:r>
+              <a:rPr lang="en-US" sz="2400" b="1" dirty="0">
+                <a:latin typeface="Arial" panose="020B0604020202020204" pitchFamily="34" charset="0"/>
+                <a:cs typeface="Arial" panose="020B0604020202020204" pitchFamily="34" charset="0"/>
+              </a:rPr>
+              <a:t>Neural network architecture and training</a:t>
+            </a:r>
+          </a:p>
+          <a:p>
+            <a:pPr marL="342900" indent="-342900">
+              <a:spcAft>
+                <a:spcPts val="100"/>
+              </a:spcAft>
+              <a:buFont typeface="Arial" panose="020B0604020202020204" pitchFamily="34" charset="0"/>
+              <a:buChar char="•"/>
+            </a:pPr>
+            <a:r>
+              <a:rPr lang="en-US" sz="2400" dirty="0">
+                <a:latin typeface="Arial" panose="020B0604020202020204" pitchFamily="34" charset="0"/>
+                <a:cs typeface="Arial" panose="020B0604020202020204" pitchFamily="34" charset="0"/>
+              </a:rPr>
+              <a:t>Early stopping, Adam optimizer with weight decay</a:t>
+            </a:r>
+          </a:p>
+          <a:p>
+            <a:pPr marL="342900" indent="-342900">
+              <a:spcAft>
+                <a:spcPts val="100"/>
+              </a:spcAft>
+              <a:buFont typeface="Arial" panose="020B0604020202020204" pitchFamily="34" charset="0"/>
+              <a:buChar char="•"/>
+            </a:pPr>
+            <a:r>
+              <a:rPr lang="en-US" sz="2400" b="1" dirty="0">
+                <a:latin typeface="Arial" panose="020B0604020202020204" pitchFamily="34" charset="0"/>
+                <a:cs typeface="Arial" panose="020B0604020202020204" pitchFamily="34" charset="0"/>
+              </a:rPr>
+              <a:t>Improvements: </a:t>
+            </a:r>
+            <a:r>
+              <a:rPr lang="en-US" sz="2400" dirty="0">
+                <a:latin typeface="Arial" panose="020B0604020202020204" pitchFamily="34" charset="0"/>
+                <a:cs typeface="Arial" panose="020B0604020202020204" pitchFamily="34" charset="0"/>
+              </a:rPr>
+              <a:t>More dense layers, division into local and global features, more drop out, additional batch normalization</a:t>
+            </a:r>
+            <a:endParaRPr lang="en-US" sz="2400" b="1" dirty="0">
+              <a:latin typeface="Arial" panose="020B0604020202020204" pitchFamily="34" charset="0"/>
+              <a:cs typeface="Arial" panose="020B0604020202020204" pitchFamily="34" charset="0"/>
+            </a:endParaRPr>
           </a:p>
         </p:txBody>
       </p:sp>
@@ -5563,11 +5249,18 @@
               </a:spcAft>
             </a:pPr>
             <a:r>
-              <a:rPr lang="en-GB" sz="2400" b="1" dirty="0">
-                <a:latin typeface="Arial" panose="020B0604020202020204" pitchFamily="34" charset="0"/>
-                <a:cs typeface="Arial" panose="020B0604020202020204" pitchFamily="34" charset="0"/>
-              </a:rPr>
-              <a:t>Input data [1]</a:t>
+              <a:rPr lang="en-US" sz="2400" b="1" dirty="0">
+                <a:latin typeface="Arial" panose="020B0604020202020204" pitchFamily="34" charset="0"/>
+                <a:cs typeface="Arial" panose="020B0604020202020204" pitchFamily="34" charset="0"/>
+              </a:rPr>
+              <a:t>Input data</a:t>
+            </a:r>
+            <a:r>
+              <a:rPr lang="en-US" sz="2400" b="1" baseline="30000" dirty="0">
+                <a:latin typeface="Arial" panose="020B0604020202020204" pitchFamily="34" charset="0"/>
+                <a:cs typeface="Arial" panose="020B0604020202020204" pitchFamily="34" charset="0"/>
+              </a:rPr>
+              <a:t>1</a:t>
             </a:r>
           </a:p>
           <a:p>
@@ -5587,7 +5280,7 @@
                 <a:latin typeface="Arial" panose="020B0604020202020204" pitchFamily="34" charset="0"/>
                 <a:cs typeface="Arial" panose="020B0604020202020204" pitchFamily="34" charset="0"/>
               </a:rPr>
-              <a:t>Protein sequence (one-hot-encoding)</a:t>
+              <a:t>Protein sequence of TCR, peptide, MHC (one-hot-encoding)</a:t>
             </a:r>
           </a:p>
           <a:p>
@@ -5647,14 +5340,14 @@
           <p:nvPr>
             <p:extLst>
               <p:ext uri="{D42A27DB-BD31-4B8C-83A1-F6EECF244321}">
-                <p14:modId xmlns:p14="http://schemas.microsoft.com/office/powerpoint/2010/main" val="1570940618"/>
+                <p14:modId xmlns:p14="http://schemas.microsoft.com/office/powerpoint/2010/main" val="584529370"/>
               </p:ext>
             </p:extLst>
           </p:nvPr>
         </p:nvGraphicFramePr>
         <p:xfrm>
-          <a:off x="309341" y="20020833"/>
-          <a:ext cx="8347903" cy="3562351"/>
+          <a:off x="298584" y="20020833"/>
+          <a:ext cx="8022762" cy="3562351"/>
         </p:xfrm>
         <a:graphic>
           <a:graphicData uri="http://schemas.openxmlformats.org/drawingml/2006/table">
@@ -5663,7 +5356,7 @@
                 <a:tableStyleId>{073A0DAA-6AF3-43AB-8588-CEC1D06C72B9}</a:tableStyleId>
               </a:tblPr>
               <a:tblGrid>
-                <a:gridCol w="3371090">
+                <a:gridCol w="3045949">
                   <a:extLst>
                     <a:ext uri="{9D8B030D-6E8A-4147-A177-3AD203B41FA5}">
                       <a16:colId xmlns:a16="http://schemas.microsoft.com/office/drawing/2014/main" val="630018940"/>
@@ -5712,7 +5405,7 @@
                     <a:bodyPr/>
                     <a:lstStyle/>
                     <a:p>
-                      <a:pPr algn="ctr"/>
+                      <a:pPr algn="l"/>
                       <a:r>
                         <a:rPr lang="en-US" sz="2000" dirty="0">
                           <a:latin typeface="Arial" panose="020B0604020202020204" pitchFamily="34" charset="0"/>
@@ -5869,126 +5562,180 @@
                     <a:bodyPr/>
                     <a:lstStyle/>
                     <a:p>
-                      <a:pPr algn="ctr"/>
+                      <a:pPr algn="l" rtl="0" fontAlgn="t">
+                        <a:spcBef>
+                          <a:spcPts val="0"/>
+                        </a:spcBef>
+                        <a:spcAft>
+                          <a:spcPts val="0"/>
+                        </a:spcAft>
+                      </a:pPr>
                       <a:r>
-                        <a:rPr lang="en-US" sz="2000" dirty="0">
+                        <a:rPr lang="en-GB" sz="2000" b="0" i="0" u="none" strike="noStrike">
+                          <a:solidFill>
+                            <a:srgbClr val="000000"/>
+                          </a:solidFill>
+                          <a:effectLst/>
                           <a:latin typeface="Arial" panose="020B0604020202020204" pitchFamily="34" charset="0"/>
-                          <a:cs typeface="Arial" panose="020B0604020202020204" pitchFamily="34" charset="0"/>
                         </a:rPr>
                         <a:t>Vanilla architecture</a:t>
                       </a:r>
-                      <a:endParaRPr lang="da-DK" sz="2000" dirty="0">
-                        <a:latin typeface="Arial" panose="020B0604020202020204" pitchFamily="34" charset="0"/>
-                        <a:cs typeface="Arial" panose="020B0604020202020204" pitchFamily="34" charset="0"/>
+                      <a:endParaRPr lang="en-GB" sz="2000">
+                        <a:effectLst/>
                       </a:endParaRPr>
                     </a:p>
                   </a:txBody>
-                  <a:tcPr anchor="ctr"/>
+                  <a:tcPr marL="63500" marR="63500" marT="63500" marB="63500"/>
                 </a:tc>
                 <a:tc>
                   <a:txBody>
                     <a:bodyPr/>
                     <a:lstStyle/>
                     <a:p>
-                      <a:pPr algn="ctr"/>
+                      <a:pPr algn="ctr" rtl="0" fontAlgn="t">
+                        <a:spcBef>
+                          <a:spcPts val="0"/>
+                        </a:spcBef>
+                        <a:spcAft>
+                          <a:spcPts val="0"/>
+                        </a:spcAft>
+                      </a:pPr>
                       <a:r>
-                        <a:rPr lang="en-US" sz="2000" dirty="0">
+                        <a:rPr lang="en-DK" sz="2000" b="0" i="0" u="none" strike="noStrike">
+                          <a:solidFill>
+                            <a:srgbClr val="000000"/>
+                          </a:solidFill>
+                          <a:effectLst/>
                           <a:latin typeface="Arial" panose="020B0604020202020204" pitchFamily="34" charset="0"/>
-                          <a:cs typeface="Arial" panose="020B0604020202020204" pitchFamily="34" charset="0"/>
                         </a:rPr>
                         <a:t>0.82</a:t>
                       </a:r>
-                      <a:endParaRPr lang="da-DK" sz="2000" dirty="0">
-                        <a:latin typeface="Arial" panose="020B0604020202020204" pitchFamily="34" charset="0"/>
-                        <a:cs typeface="Arial" panose="020B0604020202020204" pitchFamily="34" charset="0"/>
+                      <a:endParaRPr lang="en-DK" sz="2000">
+                        <a:effectLst/>
                       </a:endParaRPr>
                     </a:p>
                   </a:txBody>
-                  <a:tcPr anchor="ctr"/>
+                  <a:tcPr marL="63500" marR="63500" marT="63500" marB="63500"/>
                 </a:tc>
                 <a:tc>
                   <a:txBody>
                     <a:bodyPr/>
                     <a:lstStyle/>
                     <a:p>
-                      <a:pPr algn="ctr"/>
+                      <a:pPr algn="ctr" rtl="0" fontAlgn="t">
+                        <a:spcBef>
+                          <a:spcPts val="0"/>
+                        </a:spcBef>
+                        <a:spcAft>
+                          <a:spcPts val="0"/>
+                        </a:spcAft>
+                      </a:pPr>
                       <a:r>
-                        <a:rPr lang="en-US" sz="2000" dirty="0">
+                        <a:rPr lang="en-DK" sz="2000" b="0" i="0" u="none" strike="noStrike">
+                          <a:solidFill>
+                            <a:srgbClr val="000000"/>
+                          </a:solidFill>
+                          <a:effectLst/>
                           <a:latin typeface="Arial" panose="020B0604020202020204" pitchFamily="34" charset="0"/>
-                          <a:cs typeface="Arial" panose="020B0604020202020204" pitchFamily="34" charset="0"/>
                         </a:rPr>
                         <a:t>0.473</a:t>
                       </a:r>
-                      <a:endParaRPr lang="da-DK" sz="2000" dirty="0">
-                        <a:latin typeface="Arial" panose="020B0604020202020204" pitchFamily="34" charset="0"/>
-                        <a:cs typeface="Arial" panose="020B0604020202020204" pitchFamily="34" charset="0"/>
+                      <a:endParaRPr lang="en-DK" sz="2000">
+                        <a:effectLst/>
                       </a:endParaRPr>
                     </a:p>
                   </a:txBody>
-                  <a:tcPr anchor="ctr"/>
+                  <a:tcPr marL="63500" marR="63500" marT="63500" marB="63500"/>
                 </a:tc>
                 <a:tc>
                   <a:txBody>
                     <a:bodyPr/>
                     <a:lstStyle/>
                     <a:p>
-                      <a:pPr algn="ctr"/>
+                      <a:pPr algn="ctr" rtl="0" fontAlgn="t">
+                        <a:spcBef>
+                          <a:spcPts val="0"/>
+                        </a:spcBef>
+                        <a:spcAft>
+                          <a:spcPts val="0"/>
+                        </a:spcAft>
+                      </a:pPr>
                       <a:r>
-                        <a:rPr lang="en-US" sz="2000" dirty="0">
+                        <a:rPr lang="en-DK" sz="2000" b="0" i="0" u="none" strike="noStrike" dirty="0">
+                          <a:solidFill>
+                            <a:srgbClr val="000000"/>
+                          </a:solidFill>
+                          <a:effectLst/>
                           <a:latin typeface="Arial" panose="020B0604020202020204" pitchFamily="34" charset="0"/>
-                          <a:cs typeface="Arial" panose="020B0604020202020204" pitchFamily="34" charset="0"/>
                         </a:rPr>
                         <a:t>0.572</a:t>
                       </a:r>
-                      <a:endParaRPr lang="da-DK" sz="2000" dirty="0">
-                        <a:latin typeface="Arial" panose="020B0604020202020204" pitchFamily="34" charset="0"/>
-                        <a:cs typeface="Arial" panose="020B0604020202020204" pitchFamily="34" charset="0"/>
+                      <a:endParaRPr lang="en-DK" sz="2000" dirty="0">
+                        <a:effectLst/>
                       </a:endParaRPr>
                     </a:p>
                   </a:txBody>
-                  <a:tcPr anchor="ctr"/>
+                  <a:tcPr marL="63500" marR="63500" marT="63500" marB="63500"/>
                 </a:tc>
                 <a:tc>
                   <a:txBody>
                     <a:bodyPr/>
                     <a:lstStyle/>
                     <a:p>
-                      <a:pPr algn="ctr"/>
+                      <a:pPr algn="ctr" rtl="0" fontAlgn="t">
+                        <a:spcBef>
+                          <a:spcPts val="0"/>
+                        </a:spcBef>
+                        <a:spcAft>
+                          <a:spcPts val="0"/>
+                        </a:spcAft>
+                      </a:pPr>
                       <a:r>
-                        <a:rPr lang="en-US" sz="2000" dirty="0">
+                        <a:rPr lang="en-DK" sz="2000" b="0" i="0" u="none" strike="noStrike" dirty="0">
+                          <a:solidFill>
+                            <a:srgbClr val="000000"/>
+                          </a:solidFill>
+                          <a:effectLst/>
                           <a:latin typeface="Arial" panose="020B0604020202020204" pitchFamily="34" charset="0"/>
-                          <a:cs typeface="Arial" panose="020B0604020202020204" pitchFamily="34" charset="0"/>
                         </a:rPr>
                         <a:t>0.658</a:t>
                       </a:r>
-                      <a:endParaRPr lang="da-DK" sz="2000" dirty="0">
-                        <a:latin typeface="Arial" panose="020B0604020202020204" pitchFamily="34" charset="0"/>
-                        <a:cs typeface="Arial" panose="020B0604020202020204" pitchFamily="34" charset="0"/>
+                      <a:endParaRPr lang="en-DK" sz="2000" dirty="0">
+                        <a:effectLst/>
                       </a:endParaRPr>
                     </a:p>
                   </a:txBody>
-                  <a:tcPr anchor="ctr"/>
+                  <a:tcPr marL="63500" marR="63500" marT="63500" marB="63500"/>
                 </a:tc>
                 <a:tc>
                   <a:txBody>
                     <a:bodyPr/>
                     <a:lstStyle/>
                     <a:p>
-                      <a:pPr algn="ctr"/>
+                      <a:pPr algn="ctr" rtl="0" fontAlgn="t">
+                        <a:spcBef>
+                          <a:spcPts val="0"/>
+                        </a:spcBef>
+                        <a:spcAft>
+                          <a:spcPts val="0"/>
+                        </a:spcAft>
+                      </a:pPr>
                       <a:r>
-                        <a:rPr lang="en-US" sz="2000" dirty="0">
+                        <a:rPr lang="en-DK" sz="2000" b="0" i="0" u="none" strike="noStrike" dirty="0">
+                          <a:solidFill>
+                            <a:srgbClr val="000000"/>
+                          </a:solidFill>
+                          <a:effectLst/>
                           <a:latin typeface="Arial" panose="020B0604020202020204" pitchFamily="34" charset="0"/>
-                          <a:cs typeface="Arial" panose="020B0604020202020204" pitchFamily="34" charset="0"/>
                         </a:rPr>
                         <a:t>0.612</a:t>
                       </a:r>
-                      <a:endParaRPr lang="da-DK" sz="2000" dirty="0">
-                        <a:latin typeface="Arial" panose="020B0604020202020204" pitchFamily="34" charset="0"/>
-                        <a:cs typeface="Arial" panose="020B0604020202020204" pitchFamily="34" charset="0"/>
+                      <a:endParaRPr lang="en-DK" sz="2000" dirty="0">
+                        <a:effectLst/>
                       </a:endParaRPr>
                     </a:p>
                   </a:txBody>
-                  <a:tcPr anchor="ctr"/>
+                  <a:tcPr marL="63500" marR="63500" marT="63500" marB="63500"/>
                 </a:tc>
                 <a:extLst>
                   <a:ext uri="{0D108BD9-81ED-4DB2-BD59-A6C34878D82A}">
@@ -6002,126 +5749,180 @@
                     <a:bodyPr/>
                     <a:lstStyle/>
                     <a:p>
-                      <a:pPr algn="ctr"/>
+                      <a:pPr algn="l" rtl="0" fontAlgn="t">
+                        <a:spcBef>
+                          <a:spcPts val="0"/>
+                        </a:spcBef>
+                        <a:spcAft>
+                          <a:spcPts val="0"/>
+                        </a:spcAft>
+                      </a:pPr>
                       <a:r>
-                        <a:rPr lang="en-US" sz="2000" dirty="0">
+                        <a:rPr lang="en-GB" sz="2000" b="0" i="0" u="none" strike="noStrike">
+                          <a:solidFill>
+                            <a:srgbClr val="000000"/>
+                          </a:solidFill>
+                          <a:effectLst/>
                           <a:latin typeface="Arial" panose="020B0604020202020204" pitchFamily="34" charset="0"/>
-                          <a:cs typeface="Arial" panose="020B0604020202020204" pitchFamily="34" charset="0"/>
                         </a:rPr>
-                        <a:t>Improved architecture </a:t>
+                        <a:t>Improved architecture</a:t>
                       </a:r>
-                      <a:endParaRPr lang="da-DK" sz="2000" dirty="0">
-                        <a:latin typeface="Arial" panose="020B0604020202020204" pitchFamily="34" charset="0"/>
-                        <a:cs typeface="Arial" panose="020B0604020202020204" pitchFamily="34" charset="0"/>
+                      <a:endParaRPr lang="en-GB" sz="2000">
+                        <a:effectLst/>
                       </a:endParaRPr>
                     </a:p>
                   </a:txBody>
-                  <a:tcPr anchor="ctr"/>
+                  <a:tcPr marL="63500" marR="63500" marT="63500" marB="63500"/>
                 </a:tc>
                 <a:tc>
                   <a:txBody>
                     <a:bodyPr/>
                     <a:lstStyle/>
                     <a:p>
-                      <a:pPr algn="ctr"/>
+                      <a:pPr algn="ctr" rtl="0" fontAlgn="t">
+                        <a:spcBef>
+                          <a:spcPts val="0"/>
+                        </a:spcBef>
+                        <a:spcAft>
+                          <a:spcPts val="0"/>
+                        </a:spcAft>
+                      </a:pPr>
                       <a:r>
-                        <a:rPr lang="en-US" sz="2000" dirty="0">
+                        <a:rPr lang="en-DK" sz="2000" b="0" i="0" u="none" strike="noStrike">
+                          <a:solidFill>
+                            <a:srgbClr val="000000"/>
+                          </a:solidFill>
+                          <a:effectLst/>
                           <a:latin typeface="Arial" panose="020B0604020202020204" pitchFamily="34" charset="0"/>
-                          <a:cs typeface="Arial" panose="020B0604020202020204" pitchFamily="34" charset="0"/>
                         </a:rPr>
                         <a:t>0.86</a:t>
                       </a:r>
-                      <a:endParaRPr lang="da-DK" sz="2000" dirty="0">
-                        <a:latin typeface="Arial" panose="020B0604020202020204" pitchFamily="34" charset="0"/>
-                        <a:cs typeface="Arial" panose="020B0604020202020204" pitchFamily="34" charset="0"/>
+                      <a:endParaRPr lang="en-DK" sz="2000">
+                        <a:effectLst/>
                       </a:endParaRPr>
                     </a:p>
                   </a:txBody>
-                  <a:tcPr anchor="ctr"/>
+                  <a:tcPr marL="63500" marR="63500" marT="63500" marB="63500"/>
                 </a:tc>
                 <a:tc>
                   <a:txBody>
                     <a:bodyPr/>
                     <a:lstStyle/>
                     <a:p>
-                      <a:pPr algn="ctr"/>
+                      <a:pPr algn="ctr" rtl="0" fontAlgn="t">
+                        <a:spcBef>
+                          <a:spcPts val="0"/>
+                        </a:spcBef>
+                        <a:spcAft>
+                          <a:spcPts val="0"/>
+                        </a:spcAft>
+                      </a:pPr>
                       <a:r>
-                        <a:rPr lang="en-US" sz="2000" dirty="0">
+                        <a:rPr lang="en-DK" sz="2000" b="0" i="0" u="none" strike="noStrike" dirty="0">
+                          <a:solidFill>
+                            <a:srgbClr val="000000"/>
+                          </a:solidFill>
+                          <a:effectLst/>
                           <a:latin typeface="Arial" panose="020B0604020202020204" pitchFamily="34" charset="0"/>
-                          <a:cs typeface="Arial" panose="020B0604020202020204" pitchFamily="34" charset="0"/>
                         </a:rPr>
-                        <a:t>0.452</a:t>
+                        <a:t>0.469</a:t>
                       </a:r>
-                      <a:endParaRPr lang="da-DK" sz="2000" dirty="0">
-                        <a:latin typeface="Arial" panose="020B0604020202020204" pitchFamily="34" charset="0"/>
-                        <a:cs typeface="Arial" panose="020B0604020202020204" pitchFamily="34" charset="0"/>
+                      <a:endParaRPr lang="en-DK" sz="2000" dirty="0">
+                        <a:effectLst/>
                       </a:endParaRPr>
                     </a:p>
                   </a:txBody>
-                  <a:tcPr anchor="ctr"/>
+                  <a:tcPr marL="63500" marR="63500" marT="63500" marB="63500"/>
                 </a:tc>
                 <a:tc>
                   <a:txBody>
                     <a:bodyPr/>
                     <a:lstStyle/>
                     <a:p>
-                      <a:pPr algn="ctr"/>
+                      <a:pPr algn="ctr" rtl="0" fontAlgn="t">
+                        <a:spcBef>
+                          <a:spcPts val="0"/>
+                        </a:spcBef>
+                        <a:spcAft>
+                          <a:spcPts val="0"/>
+                        </a:spcAft>
+                      </a:pPr>
                       <a:r>
-                        <a:rPr lang="en-US" sz="2000" dirty="0">
+                        <a:rPr lang="en-DK" sz="2000" b="0" i="0" u="none" strike="noStrike" dirty="0">
+                          <a:solidFill>
+                            <a:srgbClr val="000000"/>
+                          </a:solidFill>
+                          <a:effectLst/>
                           <a:latin typeface="Arial" panose="020B0604020202020204" pitchFamily="34" charset="0"/>
-                          <a:cs typeface="Arial" panose="020B0604020202020204" pitchFamily="34" charset="0"/>
                         </a:rPr>
-                        <a:t>0.468</a:t>
+                        <a:t>0.5</a:t>
                       </a:r>
-                      <a:endParaRPr lang="da-DK" sz="2000" dirty="0">
-                        <a:latin typeface="Arial" panose="020B0604020202020204" pitchFamily="34" charset="0"/>
-                        <a:cs typeface="Arial" panose="020B0604020202020204" pitchFamily="34" charset="0"/>
+                      <a:endParaRPr lang="en-DK" sz="2000" dirty="0">
+                        <a:effectLst/>
                       </a:endParaRPr>
                     </a:p>
                   </a:txBody>
-                  <a:tcPr anchor="ctr"/>
+                  <a:tcPr marL="63500" marR="63500" marT="63500" marB="63500"/>
                 </a:tc>
                 <a:tc>
                   <a:txBody>
                     <a:bodyPr/>
                     <a:lstStyle/>
                     <a:p>
-                      <a:pPr algn="ctr"/>
+                      <a:pPr algn="ctr" rtl="0" fontAlgn="t">
+                        <a:spcBef>
+                          <a:spcPts val="0"/>
+                        </a:spcBef>
+                        <a:spcAft>
+                          <a:spcPts val="0"/>
+                        </a:spcAft>
+                      </a:pPr>
                       <a:r>
-                        <a:rPr lang="en-US" sz="2000" dirty="0">
+                        <a:rPr lang="en-DK" sz="2000" b="0" i="0" u="none" strike="noStrike">
+                          <a:solidFill>
+                            <a:srgbClr val="000000"/>
+                          </a:solidFill>
+                          <a:effectLst/>
                           <a:latin typeface="Arial" panose="020B0604020202020204" pitchFamily="34" charset="0"/>
-                          <a:cs typeface="Arial" panose="020B0604020202020204" pitchFamily="34" charset="0"/>
                         </a:rPr>
-                        <a:t>0.833</a:t>
+                        <a:t>0.794</a:t>
                       </a:r>
-                      <a:endParaRPr lang="da-DK" sz="2000" dirty="0">
-                        <a:latin typeface="Arial" panose="020B0604020202020204" pitchFamily="34" charset="0"/>
-                        <a:cs typeface="Arial" panose="020B0604020202020204" pitchFamily="34" charset="0"/>
+                      <a:endParaRPr lang="en-DK" sz="2000">
+                        <a:effectLst/>
                       </a:endParaRPr>
                     </a:p>
                   </a:txBody>
-                  <a:tcPr anchor="ctr"/>
+                  <a:tcPr marL="63500" marR="63500" marT="63500" marB="63500"/>
                 </a:tc>
                 <a:tc>
                   <a:txBody>
                     <a:bodyPr/>
                     <a:lstStyle/>
                     <a:p>
-                      <a:pPr algn="ctr"/>
+                      <a:pPr algn="ctr" rtl="0" fontAlgn="t">
+                        <a:spcBef>
+                          <a:spcPts val="0"/>
+                        </a:spcBef>
+                        <a:spcAft>
+                          <a:spcPts val="0"/>
+                        </a:spcAft>
+                      </a:pPr>
                       <a:r>
-                        <a:rPr lang="en-US" sz="2000" dirty="0">
+                        <a:rPr lang="en-DK" sz="2000" b="0" i="0" u="none" strike="noStrike">
+                          <a:solidFill>
+                            <a:srgbClr val="000000"/>
+                          </a:solidFill>
+                          <a:effectLst/>
                           <a:latin typeface="Arial" panose="020B0604020202020204" pitchFamily="34" charset="0"/>
-                          <a:cs typeface="Arial" panose="020B0604020202020204" pitchFamily="34" charset="0"/>
                         </a:rPr>
-                        <a:t>0.600</a:t>
+                        <a:t>0.614</a:t>
                       </a:r>
-                      <a:endParaRPr lang="da-DK" sz="2000" dirty="0">
-                        <a:latin typeface="Arial" panose="020B0604020202020204" pitchFamily="34" charset="0"/>
-                        <a:cs typeface="Arial" panose="020B0604020202020204" pitchFamily="34" charset="0"/>
+                      <a:endParaRPr lang="en-DK" sz="2000">
+                        <a:effectLst/>
                       </a:endParaRPr>
                     </a:p>
                   </a:txBody>
-                  <a:tcPr anchor="ctr"/>
+                  <a:tcPr marL="63500" marR="63500" marT="63500" marB="63500"/>
                 </a:tc>
                 <a:extLst>
                   <a:ext uri="{0D108BD9-81ED-4DB2-BD59-A6C34878D82A}">
@@ -6135,126 +5936,180 @@
                     <a:bodyPr/>
                     <a:lstStyle/>
                     <a:p>
-                      <a:pPr algn="ctr"/>
+                      <a:pPr algn="l" rtl="0" fontAlgn="t">
+                        <a:spcBef>
+                          <a:spcPts val="0"/>
+                        </a:spcBef>
+                        <a:spcAft>
+                          <a:spcPts val="0"/>
+                        </a:spcAft>
+                      </a:pPr>
                       <a:r>
-                        <a:rPr lang="en-US" sz="2000" dirty="0">
+                        <a:rPr lang="en-GB" sz="2000" b="0" i="0" u="none" strike="noStrike" dirty="0">
+                          <a:solidFill>
+                            <a:srgbClr val="000000"/>
+                          </a:solidFill>
+                          <a:effectLst/>
                           <a:latin typeface="Arial" panose="020B0604020202020204" pitchFamily="34" charset="0"/>
-                          <a:cs typeface="Arial" panose="020B0604020202020204" pitchFamily="34" charset="0"/>
                         </a:rPr>
                         <a:t>Improved architecture with BLOSUM encoding</a:t>
                       </a:r>
-                      <a:endParaRPr lang="da-DK" sz="2000" dirty="0">
-                        <a:latin typeface="Arial" panose="020B0604020202020204" pitchFamily="34" charset="0"/>
-                        <a:cs typeface="Arial" panose="020B0604020202020204" pitchFamily="34" charset="0"/>
+                      <a:endParaRPr lang="en-GB" sz="2000" dirty="0">
+                        <a:effectLst/>
                       </a:endParaRPr>
                     </a:p>
                   </a:txBody>
-                  <a:tcPr anchor="ctr"/>
+                  <a:tcPr marL="63500" marR="63500" marT="63500" marB="63500"/>
                 </a:tc>
                 <a:tc>
                   <a:txBody>
                     <a:bodyPr/>
                     <a:lstStyle/>
                     <a:p>
-                      <a:pPr algn="ctr"/>
+                      <a:pPr algn="ctr" rtl="0" fontAlgn="t">
+                        <a:spcBef>
+                          <a:spcPts val="0"/>
+                        </a:spcBef>
+                        <a:spcAft>
+                          <a:spcPts val="0"/>
+                        </a:spcAft>
+                      </a:pPr>
                       <a:r>
-                        <a:rPr lang="en-US" sz="2000" dirty="0">
+                        <a:rPr lang="en-DK" sz="2000" b="0" i="0" u="none" strike="noStrike">
+                          <a:solidFill>
+                            <a:srgbClr val="000000"/>
+                          </a:solidFill>
+                          <a:effectLst/>
                           <a:latin typeface="Arial" panose="020B0604020202020204" pitchFamily="34" charset="0"/>
-                          <a:cs typeface="Arial" panose="020B0604020202020204" pitchFamily="34" charset="0"/>
                         </a:rPr>
-                        <a:t>0.88</a:t>
+                        <a:t>0.87</a:t>
                       </a:r>
-                      <a:endParaRPr lang="da-DK" sz="2000" dirty="0">
-                        <a:latin typeface="Arial" panose="020B0604020202020204" pitchFamily="34" charset="0"/>
-                        <a:cs typeface="Arial" panose="020B0604020202020204" pitchFamily="34" charset="0"/>
+                      <a:endParaRPr lang="en-DK" sz="2000">
+                        <a:effectLst/>
                       </a:endParaRPr>
                     </a:p>
                   </a:txBody>
-                  <a:tcPr anchor="ctr"/>
+                  <a:tcPr marL="63500" marR="63500" marT="63500" marB="63500"/>
                 </a:tc>
                 <a:tc>
                   <a:txBody>
                     <a:bodyPr/>
                     <a:lstStyle/>
                     <a:p>
-                      <a:pPr algn="ctr"/>
+                      <a:pPr algn="ctr" rtl="0" fontAlgn="t">
+                        <a:spcBef>
+                          <a:spcPts val="0"/>
+                        </a:spcBef>
+                        <a:spcAft>
+                          <a:spcPts val="0"/>
+                        </a:spcAft>
+                      </a:pPr>
                       <a:r>
-                        <a:rPr lang="en-US" sz="2000" dirty="0">
+                        <a:rPr lang="en-DK" sz="2000" b="0" i="0" u="none" strike="noStrike">
+                          <a:solidFill>
+                            <a:srgbClr val="000000"/>
+                          </a:solidFill>
+                          <a:effectLst/>
                           <a:latin typeface="Arial" panose="020B0604020202020204" pitchFamily="34" charset="0"/>
-                          <a:cs typeface="Arial" panose="020B0604020202020204" pitchFamily="34" charset="0"/>
                         </a:rPr>
-                        <a:t>0.568</a:t>
+                        <a:t>0.559</a:t>
                       </a:r>
-                      <a:endParaRPr lang="da-DK" sz="2000" dirty="0">
-                        <a:latin typeface="Arial" panose="020B0604020202020204" pitchFamily="34" charset="0"/>
-                        <a:cs typeface="Arial" panose="020B0604020202020204" pitchFamily="34" charset="0"/>
+                      <a:endParaRPr lang="en-DK" sz="2000">
+                        <a:effectLst/>
                       </a:endParaRPr>
                     </a:p>
                   </a:txBody>
-                  <a:tcPr anchor="ctr"/>
+                  <a:tcPr marL="63500" marR="63500" marT="63500" marB="63500"/>
                 </a:tc>
                 <a:tc>
                   <a:txBody>
                     <a:bodyPr/>
                     <a:lstStyle/>
                     <a:p>
-                      <a:pPr algn="ctr"/>
+                      <a:pPr algn="ctr" rtl="0" fontAlgn="t">
+                        <a:spcBef>
+                          <a:spcPts val="0"/>
+                        </a:spcBef>
+                        <a:spcAft>
+                          <a:spcPts val="0"/>
+                        </a:spcAft>
+                      </a:pPr>
                       <a:r>
-                        <a:rPr lang="en-US" sz="2000" dirty="0">
+                        <a:rPr lang="en-DK" sz="2000" b="0" i="0" u="none" strike="noStrike">
+                          <a:solidFill>
+                            <a:srgbClr val="000000"/>
+                          </a:solidFill>
+                          <a:effectLst/>
                           <a:latin typeface="Arial" panose="020B0604020202020204" pitchFamily="34" charset="0"/>
-                          <a:cs typeface="Arial" panose="020B0604020202020204" pitchFamily="34" charset="0"/>
                         </a:rPr>
-                        <a:t>0.632</a:t>
+                        <a:t>0.623</a:t>
                       </a:r>
-                      <a:endParaRPr lang="da-DK" sz="2000" dirty="0">
-                        <a:latin typeface="Arial" panose="020B0604020202020204" pitchFamily="34" charset="0"/>
-                        <a:cs typeface="Arial" panose="020B0604020202020204" pitchFamily="34" charset="0"/>
+                      <a:endParaRPr lang="en-DK" sz="2000">
+                        <a:effectLst/>
                       </a:endParaRPr>
                     </a:p>
                   </a:txBody>
-                  <a:tcPr anchor="ctr"/>
+                  <a:tcPr marL="63500" marR="63500" marT="63500" marB="63500"/>
                 </a:tc>
                 <a:tc>
                   <a:txBody>
                     <a:bodyPr/>
                     <a:lstStyle/>
                     <a:p>
-                      <a:pPr algn="ctr"/>
+                      <a:pPr algn="ctr" rtl="0" fontAlgn="t">
+                        <a:spcBef>
+                          <a:spcPts val="0"/>
+                        </a:spcBef>
+                        <a:spcAft>
+                          <a:spcPts val="0"/>
+                        </a:spcAft>
+                      </a:pPr>
                       <a:r>
-                        <a:rPr lang="en-US" sz="2000" dirty="0">
+                        <a:rPr lang="en-DK" sz="2000" b="0" i="0" u="none" strike="noStrike">
+                          <a:solidFill>
+                            <a:srgbClr val="000000"/>
+                          </a:solidFill>
+                          <a:effectLst/>
                           <a:latin typeface="Arial" panose="020B0604020202020204" pitchFamily="34" charset="0"/>
-                          <a:cs typeface="Arial" panose="020B0604020202020204" pitchFamily="34" charset="0"/>
                         </a:rPr>
-                        <a:t>0.741</a:t>
+                        <a:t>0.738</a:t>
                       </a:r>
-                      <a:endParaRPr lang="da-DK" sz="2000" dirty="0">
-                        <a:latin typeface="Arial" panose="020B0604020202020204" pitchFamily="34" charset="0"/>
-                        <a:cs typeface="Arial" panose="020B0604020202020204" pitchFamily="34" charset="0"/>
+                      <a:endParaRPr lang="en-DK" sz="2000">
+                        <a:effectLst/>
                       </a:endParaRPr>
                     </a:p>
                   </a:txBody>
-                  <a:tcPr anchor="ctr"/>
+                  <a:tcPr marL="63500" marR="63500" marT="63500" marB="63500"/>
                 </a:tc>
                 <a:tc>
                   <a:txBody>
                     <a:bodyPr/>
                     <a:lstStyle/>
                     <a:p>
-                      <a:pPr algn="ctr"/>
+                      <a:pPr algn="ctr" rtl="0" fontAlgn="t">
+                        <a:spcBef>
+                          <a:spcPts val="0"/>
+                        </a:spcBef>
+                        <a:spcAft>
+                          <a:spcPts val="0"/>
+                        </a:spcAft>
+                      </a:pPr>
                       <a:r>
-                        <a:rPr lang="en-US" sz="2000" dirty="0">
+                        <a:rPr lang="en-DK" sz="2000" b="0" i="0" u="none" strike="noStrike">
+                          <a:solidFill>
+                            <a:srgbClr val="000000"/>
+                          </a:solidFill>
+                          <a:effectLst/>
                           <a:latin typeface="Arial" panose="020B0604020202020204" pitchFamily="34" charset="0"/>
-                          <a:cs typeface="Arial" panose="020B0604020202020204" pitchFamily="34" charset="0"/>
                         </a:rPr>
-                        <a:t>0.682</a:t>
+                        <a:t>0.676</a:t>
                       </a:r>
-                      <a:endParaRPr lang="da-DK" sz="2000" dirty="0">
-                        <a:latin typeface="Arial" panose="020B0604020202020204" pitchFamily="34" charset="0"/>
-                        <a:cs typeface="Arial" panose="020B0604020202020204" pitchFamily="34" charset="0"/>
+                      <a:endParaRPr lang="en-DK" sz="2000">
+                        <a:effectLst/>
                       </a:endParaRPr>
                     </a:p>
                   </a:txBody>
-                  <a:tcPr anchor="ctr"/>
+                  <a:tcPr marL="63500" marR="63500" marT="63500" marB="63500"/>
                 </a:tc>
                 <a:extLst>
                   <a:ext uri="{0D108BD9-81ED-4DB2-BD59-A6C34878D82A}">
@@ -6268,126 +6123,180 @@
                     <a:bodyPr/>
                     <a:lstStyle/>
                     <a:p>
-                      <a:pPr algn="ctr"/>
+                      <a:pPr algn="l" rtl="0" fontAlgn="t">
+                        <a:spcBef>
+                          <a:spcPts val="0"/>
+                        </a:spcBef>
+                        <a:spcAft>
+                          <a:spcPts val="0"/>
+                        </a:spcAft>
+                      </a:pPr>
                       <a:r>
-                        <a:rPr lang="en-US" sz="2000" dirty="0">
+                        <a:rPr lang="en-GB" sz="2000" b="0" i="0" u="none" strike="noStrike" dirty="0">
+                          <a:solidFill>
+                            <a:srgbClr val="000000"/>
+                          </a:solidFill>
+                          <a:effectLst/>
                           <a:latin typeface="Arial" panose="020B0604020202020204" pitchFamily="34" charset="0"/>
-                          <a:cs typeface="Arial" panose="020B0604020202020204" pitchFamily="34" charset="0"/>
                         </a:rPr>
                         <a:t>Improved architecture with ESM encoding</a:t>
                       </a:r>
-                      <a:endParaRPr lang="da-DK" sz="2000" dirty="0">
-                        <a:latin typeface="Arial" panose="020B0604020202020204" pitchFamily="34" charset="0"/>
-                        <a:cs typeface="Arial" panose="020B0604020202020204" pitchFamily="34" charset="0"/>
+                      <a:endParaRPr lang="en-GB" sz="2000" dirty="0">
+                        <a:effectLst/>
                       </a:endParaRPr>
                     </a:p>
                   </a:txBody>
-                  <a:tcPr anchor="ctr"/>
+                  <a:tcPr marL="63500" marR="63500" marT="63500" marB="63500"/>
                 </a:tc>
                 <a:tc>
                   <a:txBody>
                     <a:bodyPr/>
                     <a:lstStyle/>
                     <a:p>
-                      <a:pPr algn="ctr"/>
+                      <a:pPr algn="ctr" rtl="0" fontAlgn="t">
+                        <a:spcBef>
+                          <a:spcPts val="0"/>
+                        </a:spcBef>
+                        <a:spcAft>
+                          <a:spcPts val="0"/>
+                        </a:spcAft>
+                      </a:pPr>
                       <a:r>
-                        <a:rPr lang="en-US" sz="2000" dirty="0">
+                        <a:rPr lang="en-DK" sz="2000" b="0" i="0" u="none" strike="noStrike">
+                          <a:solidFill>
+                            <a:srgbClr val="000000"/>
+                          </a:solidFill>
+                          <a:effectLst/>
                           <a:latin typeface="Arial" panose="020B0604020202020204" pitchFamily="34" charset="0"/>
-                          <a:cs typeface="Arial" panose="020B0604020202020204" pitchFamily="34" charset="0"/>
                         </a:rPr>
-                        <a:t>0.9</a:t>
+                        <a:t>0.87</a:t>
                       </a:r>
-                      <a:endParaRPr lang="da-DK" sz="2000" dirty="0">
-                        <a:latin typeface="Arial" panose="020B0604020202020204" pitchFamily="34" charset="0"/>
-                        <a:cs typeface="Arial" panose="020B0604020202020204" pitchFamily="34" charset="0"/>
+                      <a:endParaRPr lang="en-DK" sz="2000">
+                        <a:effectLst/>
                       </a:endParaRPr>
                     </a:p>
                   </a:txBody>
-                  <a:tcPr anchor="ctr"/>
+                  <a:tcPr marL="63500" marR="63500" marT="63500" marB="63500"/>
                 </a:tc>
                 <a:tc>
                   <a:txBody>
                     <a:bodyPr/>
                     <a:lstStyle/>
                     <a:p>
-                      <a:pPr algn="ctr"/>
+                      <a:pPr algn="ctr" rtl="0" fontAlgn="t">
+                        <a:spcBef>
+                          <a:spcPts val="0"/>
+                        </a:spcBef>
+                        <a:spcAft>
+                          <a:spcPts val="0"/>
+                        </a:spcAft>
+                      </a:pPr>
                       <a:r>
-                        <a:rPr lang="en-US" sz="2000" dirty="0">
+                        <a:rPr lang="en-DK" sz="2000" b="0" i="0" u="none" strike="noStrike">
+                          <a:solidFill>
+                            <a:srgbClr val="000000"/>
+                          </a:solidFill>
+                          <a:effectLst/>
                           <a:latin typeface="Arial" panose="020B0604020202020204" pitchFamily="34" charset="0"/>
-                          <a:cs typeface="Arial" panose="020B0604020202020204" pitchFamily="34" charset="0"/>
                         </a:rPr>
-                        <a:t>0.612</a:t>
+                        <a:t>0.584</a:t>
                       </a:r>
-                      <a:endParaRPr lang="da-DK" sz="2000" dirty="0">
-                        <a:latin typeface="Arial" panose="020B0604020202020204" pitchFamily="34" charset="0"/>
-                        <a:cs typeface="Arial" panose="020B0604020202020204" pitchFamily="34" charset="0"/>
+                      <a:endParaRPr lang="en-DK" sz="2000">
+                        <a:effectLst/>
                       </a:endParaRPr>
                     </a:p>
                   </a:txBody>
-                  <a:tcPr anchor="ctr"/>
+                  <a:tcPr marL="63500" marR="63500" marT="63500" marB="63500"/>
                 </a:tc>
                 <a:tc>
                   <a:txBody>
                     <a:bodyPr/>
                     <a:lstStyle/>
                     <a:p>
-                      <a:pPr algn="ctr"/>
+                      <a:pPr algn="ctr" rtl="0" fontAlgn="t">
+                        <a:spcBef>
+                          <a:spcPts val="0"/>
+                        </a:spcBef>
+                        <a:spcAft>
+                          <a:spcPts val="0"/>
+                        </a:spcAft>
+                      </a:pPr>
                       <a:r>
-                        <a:rPr lang="en-US" sz="2000" dirty="0">
+                        <a:rPr lang="en-DK" sz="2000" b="0" i="0" u="none" strike="noStrike">
+                          <a:solidFill>
+                            <a:srgbClr val="000000"/>
+                          </a:solidFill>
+                          <a:effectLst/>
                           <a:latin typeface="Arial" panose="020B0604020202020204" pitchFamily="34" charset="0"/>
-                          <a:cs typeface="Arial" panose="020B0604020202020204" pitchFamily="34" charset="0"/>
                         </a:rPr>
-                        <a:t>0.676</a:t>
+                        <a:t>0.678</a:t>
                       </a:r>
-                      <a:endParaRPr lang="da-DK" sz="2000" dirty="0">
-                        <a:latin typeface="Arial" panose="020B0604020202020204" pitchFamily="34" charset="0"/>
-                        <a:cs typeface="Arial" panose="020B0604020202020204" pitchFamily="34" charset="0"/>
+                      <a:endParaRPr lang="en-DK" sz="2000">
+                        <a:effectLst/>
                       </a:endParaRPr>
                     </a:p>
                   </a:txBody>
-                  <a:tcPr anchor="ctr"/>
+                  <a:tcPr marL="63500" marR="63500" marT="63500" marB="63500"/>
                 </a:tc>
                 <a:tc>
                   <a:txBody>
                     <a:bodyPr/>
                     <a:lstStyle/>
                     <a:p>
-                      <a:pPr algn="ctr"/>
+                      <a:pPr algn="ctr" rtl="0" fontAlgn="t">
+                        <a:spcBef>
+                          <a:spcPts val="0"/>
+                        </a:spcBef>
+                        <a:spcAft>
+                          <a:spcPts val="0"/>
+                        </a:spcAft>
+                      </a:pPr>
                       <a:r>
-                        <a:rPr lang="en-US" sz="2000" dirty="0">
+                        <a:rPr lang="en-DK" sz="2000" b="0" i="0" u="none" strike="noStrike">
+                          <a:solidFill>
+                            <a:srgbClr val="000000"/>
+                          </a:solidFill>
+                          <a:effectLst/>
                           <a:latin typeface="Arial" panose="020B0604020202020204" pitchFamily="34" charset="0"/>
-                          <a:cs typeface="Arial" panose="020B0604020202020204" pitchFamily="34" charset="0"/>
                         </a:rPr>
-                        <a:t>0.753</a:t>
+                        <a:t>0.700</a:t>
                       </a:r>
-                      <a:endParaRPr lang="da-DK" sz="2000" dirty="0">
-                        <a:latin typeface="Arial" panose="020B0604020202020204" pitchFamily="34" charset="0"/>
-                        <a:cs typeface="Arial" panose="020B0604020202020204" pitchFamily="34" charset="0"/>
+                      <a:endParaRPr lang="en-DK" sz="2000">
+                        <a:effectLst/>
                       </a:endParaRPr>
                     </a:p>
                   </a:txBody>
-                  <a:tcPr anchor="ctr"/>
+                  <a:tcPr marL="63500" marR="63500" marT="63500" marB="63500"/>
                 </a:tc>
                 <a:tc>
                   <a:txBody>
                     <a:bodyPr/>
                     <a:lstStyle/>
                     <a:p>
-                      <a:pPr algn="ctr"/>
+                      <a:pPr algn="ctr" rtl="0" fontAlgn="t">
+                        <a:spcBef>
+                          <a:spcPts val="0"/>
+                        </a:spcBef>
+                        <a:spcAft>
+                          <a:spcPts val="0"/>
+                        </a:spcAft>
+                      </a:pPr>
                       <a:r>
-                        <a:rPr lang="en-US" sz="2000" dirty="0">
+                        <a:rPr lang="en-DK" sz="2000" b="0" i="0" u="none" strike="noStrike" dirty="0">
+                          <a:solidFill>
+                            <a:srgbClr val="000000"/>
+                          </a:solidFill>
+                          <a:effectLst/>
                           <a:latin typeface="Arial" panose="020B0604020202020204" pitchFamily="34" charset="0"/>
-                          <a:cs typeface="Arial" panose="020B0604020202020204" pitchFamily="34" charset="0"/>
                         </a:rPr>
-                        <a:t>0.712</a:t>
+                        <a:t>0.689</a:t>
                       </a:r>
-                      <a:endParaRPr lang="da-DK" sz="2000" dirty="0">
-                        <a:latin typeface="Arial" panose="020B0604020202020204" pitchFamily="34" charset="0"/>
-                        <a:cs typeface="Arial" panose="020B0604020202020204" pitchFamily="34" charset="0"/>
+                      <a:endParaRPr lang="en-DK" sz="2000" dirty="0">
+                        <a:effectLst/>
                       </a:endParaRPr>
                     </a:p>
                   </a:txBody>
-                  <a:tcPr anchor="ctr"/>
+                  <a:tcPr marL="63500" marR="63500" marT="63500" marB="63500"/>
                 </a:tc>
                 <a:extLst>
                   <a:ext uri="{0D108BD9-81ED-4DB2-BD59-A6C34878D82A}">
@@ -6399,6 +6308,623 @@
           </a:graphicData>
         </a:graphic>
       </p:graphicFrame>
+      <p:pic>
+        <p:nvPicPr>
+          <p:cNvPr id="34" name="Picture 33">
+            <a:extLst>
+              <a:ext uri="{FF2B5EF4-FFF2-40B4-BE49-F238E27FC236}">
+                <a16:creationId xmlns:a16="http://schemas.microsoft.com/office/drawing/2014/main" id="{009AA18F-AFE2-5D47-9309-6D28CEF1AEC7}"/>
+              </a:ext>
+            </a:extLst>
+          </p:cNvPr>
+          <p:cNvPicPr>
+            <a:picLocks noChangeAspect="1"/>
+          </p:cNvPicPr>
+          <p:nvPr/>
+        </p:nvPicPr>
+        <p:blipFill>
+          <a:blip r:embed="rId7"/>
+          <a:stretch>
+            <a:fillRect/>
+          </a:stretch>
+        </p:blipFill>
+        <p:spPr>
+          <a:xfrm>
+            <a:off x="10863980" y="13643578"/>
+            <a:ext cx="10358538" cy="4529321"/>
+          </a:xfrm>
+          <a:prstGeom prst="rect">
+            <a:avLst/>
+          </a:prstGeom>
+        </p:spPr>
+      </p:pic>
+      <p:sp>
+        <p:nvSpPr>
+          <p:cNvPr id="10" name="TextBox 9">
+            <a:extLst>
+              <a:ext uri="{FF2B5EF4-FFF2-40B4-BE49-F238E27FC236}">
+                <a16:creationId xmlns:a16="http://schemas.microsoft.com/office/drawing/2014/main" id="{5305FA10-9288-7B48-90B7-C15D115D1054}"/>
+              </a:ext>
+            </a:extLst>
+          </p:cNvPr>
+          <p:cNvSpPr txBox="1"/>
+          <p:nvPr/>
+        </p:nvSpPr>
+        <p:spPr>
+          <a:xfrm>
+            <a:off x="14928577" y="22763053"/>
+            <a:ext cx="6164511" cy="1938992"/>
+          </a:xfrm>
+          <a:prstGeom prst="rect">
+            <a:avLst/>
+          </a:prstGeom>
+          <a:noFill/>
+        </p:spPr>
+        <p:txBody>
+          <a:bodyPr wrap="square" rtlCol="0">
+            <a:spAutoFit/>
+          </a:bodyPr>
+          <a:lstStyle/>
+          <a:p>
+            <a:pPr marL="342900" indent="-342900">
+              <a:buFont typeface="Arial" panose="020B0604020202020204" pitchFamily="34" charset="0"/>
+              <a:buChar char="•"/>
+            </a:pPr>
+            <a:r>
+              <a:rPr lang="en-US" sz="2400" dirty="0">
+                <a:latin typeface="Arial" panose="020B0604020202020204" pitchFamily="34" charset="0"/>
+                <a:cs typeface="Arial" panose="020B0604020202020204" pitchFamily="34" charset="0"/>
+              </a:rPr>
+              <a:t>Both changes in network architecture and protein sequence embeddings improve prediction of binding</a:t>
+            </a:r>
+          </a:p>
+          <a:p>
+            <a:pPr marL="342900" indent="-342900">
+              <a:buFont typeface="Arial" panose="020B0604020202020204" pitchFamily="34" charset="0"/>
+              <a:buChar char="•"/>
+            </a:pPr>
+            <a:r>
+              <a:rPr lang="en-US" sz="2400" dirty="0">
+                <a:latin typeface="Arial" panose="020B0604020202020204" pitchFamily="34" charset="0"/>
+                <a:cs typeface="Arial" panose="020B0604020202020204" pitchFamily="34" charset="0"/>
+              </a:rPr>
+              <a:t>The highest MCC is obtained by setting the threshold to 0.7</a:t>
+            </a:r>
+          </a:p>
+        </p:txBody>
+      </p:sp>
+      <p:sp>
+        <p:nvSpPr>
+          <p:cNvPr id="42" name="Rectangle 41">
+            <a:extLst>
+              <a:ext uri="{FF2B5EF4-FFF2-40B4-BE49-F238E27FC236}">
+                <a16:creationId xmlns:a16="http://schemas.microsoft.com/office/drawing/2014/main" id="{8F9D5055-0619-1C43-BE80-475271362937}"/>
+              </a:ext>
+            </a:extLst>
+          </p:cNvPr>
+          <p:cNvSpPr/>
+          <p:nvPr/>
+        </p:nvSpPr>
+        <p:spPr>
+          <a:xfrm>
+            <a:off x="12540867" y="19896278"/>
+            <a:ext cx="2280602" cy="4801314"/>
+          </a:xfrm>
+          <a:prstGeom prst="rect">
+            <a:avLst/>
+          </a:prstGeom>
+        </p:spPr>
+        <p:txBody>
+          <a:bodyPr wrap="square">
+            <a:spAutoFit/>
+          </a:bodyPr>
+          <a:lstStyle/>
+          <a:p>
+            <a:r>
+              <a:rPr lang="en-US" i="1" dirty="0">
+                <a:latin typeface="Arial" panose="020B0604020202020204" pitchFamily="34" charset="0"/>
+                <a:cs typeface="Arial" panose="020B0604020202020204" pitchFamily="34" charset="0"/>
+              </a:rPr>
+              <a:t>Figure 4. Evaluation of training and performance of improved architecture model with ESM encoding. Top: Receiver operating characteristic (ROC) curve on the test set.</a:t>
+            </a:r>
+          </a:p>
+          <a:p>
+            <a:r>
+              <a:rPr lang="en-US" i="1" dirty="0">
+                <a:latin typeface="Arial" panose="020B0604020202020204" pitchFamily="34" charset="0"/>
+                <a:cs typeface="Arial" panose="020B0604020202020204" pitchFamily="34" charset="0"/>
+              </a:rPr>
+              <a:t>Bottom: Cross entropy loss of training and validation set and point of early stopping.</a:t>
+            </a:r>
+          </a:p>
+        </p:txBody>
+      </p:sp>
+      <p:pic>
+        <p:nvPicPr>
+          <p:cNvPr id="1028" name="Picture 4">
+            <a:extLst>
+              <a:ext uri="{FF2B5EF4-FFF2-40B4-BE49-F238E27FC236}">
+                <a16:creationId xmlns:a16="http://schemas.microsoft.com/office/drawing/2014/main" id="{3F9F01C9-07DA-264D-BEC8-52DCD921122E}"/>
+              </a:ext>
+            </a:extLst>
+          </p:cNvPr>
+          <p:cNvPicPr>
+            <a:picLocks noChangeAspect="1" noChangeArrowheads="1"/>
+          </p:cNvPicPr>
+          <p:nvPr/>
+        </p:nvPicPr>
+        <p:blipFill>
+          <a:blip r:embed="rId8">
+            <a:extLst>
+              <a:ext uri="{28A0092B-C50C-407E-A947-70E740481C1C}">
+                <a14:useLocalDpi xmlns:a14="http://schemas.microsoft.com/office/drawing/2010/main" val="0"/>
+              </a:ext>
+            </a:extLst>
+          </a:blip>
+          <a:srcRect/>
+          <a:stretch>
+            <a:fillRect/>
+          </a:stretch>
+        </p:blipFill>
+        <p:spPr bwMode="auto">
+          <a:xfrm>
+            <a:off x="8599640" y="22209530"/>
+            <a:ext cx="3782199" cy="2521467"/>
+          </a:xfrm>
+          <a:prstGeom prst="rect">
+            <a:avLst/>
+          </a:prstGeom>
+          <a:noFill/>
+          <a:extLst>
+            <a:ext uri="{909E8E84-426E-40DD-AFC4-6F175D3DCCD1}">
+              <a14:hiddenFill xmlns:a14="http://schemas.microsoft.com/office/drawing/2010/main">
+                <a:solidFill>
+                  <a:srgbClr val="FFFFFF"/>
+                </a:solidFill>
+              </a14:hiddenFill>
+            </a:ext>
+          </a:extLst>
+        </p:spPr>
+      </p:pic>
+      <p:graphicFrame>
+        <p:nvGraphicFramePr>
+          <p:cNvPr id="6" name="Table 6">
+            <a:extLst>
+              <a:ext uri="{FF2B5EF4-FFF2-40B4-BE49-F238E27FC236}">
+                <a16:creationId xmlns:a16="http://schemas.microsoft.com/office/drawing/2014/main" id="{3760B689-1A4D-3246-9088-5992D7F633AE}"/>
+              </a:ext>
+            </a:extLst>
+          </p:cNvPr>
+          <p:cNvGraphicFramePr>
+            <a:graphicFrameLocks noGrp="1"/>
+          </p:cNvGraphicFramePr>
+          <p:nvPr>
+            <p:extLst>
+              <p:ext uri="{D42A27DB-BD31-4B8C-83A1-F6EECF244321}">
+                <p14:modId xmlns:p14="http://schemas.microsoft.com/office/powerpoint/2010/main" val="344986021"/>
+              </p:ext>
+            </p:extLst>
+          </p:nvPr>
+        </p:nvGraphicFramePr>
+        <p:xfrm>
+          <a:off x="15163765" y="19796358"/>
+          <a:ext cx="5929323" cy="2103120"/>
+        </p:xfrm>
+        <a:graphic>
+          <a:graphicData uri="http://schemas.openxmlformats.org/drawingml/2006/table">
+            <a:tbl>
+              <a:tblPr firstRow="1" bandRow="1">
+                <a:tableStyleId>{073A0DAA-6AF3-43AB-8588-CEC1D06C72B9}</a:tableStyleId>
+              </a:tblPr>
+              <a:tblGrid>
+                <a:gridCol w="1976441">
+                  <a:extLst>
+                    <a:ext uri="{9D8B030D-6E8A-4147-A177-3AD203B41FA5}">
+                      <a16:colId xmlns:a16="http://schemas.microsoft.com/office/drawing/2014/main" val="2349603488"/>
+                    </a:ext>
+                  </a:extLst>
+                </a:gridCol>
+                <a:gridCol w="1976441">
+                  <a:extLst>
+                    <a:ext uri="{9D8B030D-6E8A-4147-A177-3AD203B41FA5}">
+                      <a16:colId xmlns:a16="http://schemas.microsoft.com/office/drawing/2014/main" val="3515897520"/>
+                    </a:ext>
+                  </a:extLst>
+                </a:gridCol>
+                <a:gridCol w="1976441">
+                  <a:extLst>
+                    <a:ext uri="{9D8B030D-6E8A-4147-A177-3AD203B41FA5}">
+                      <a16:colId xmlns:a16="http://schemas.microsoft.com/office/drawing/2014/main" val="3363298409"/>
+                    </a:ext>
+                  </a:extLst>
+                </a:gridCol>
+              </a:tblGrid>
+              <a:tr h="370840">
+                <a:tc>
+                  <a:txBody>
+                    <a:bodyPr/>
+                    <a:lstStyle/>
+                    <a:p>
+                      <a:endParaRPr lang="en-DK" sz="2000" b="1" dirty="0">
+                        <a:solidFill>
+                          <a:schemeClr val="bg1"/>
+                        </a:solidFill>
+                        <a:latin typeface="Arial" panose="020B0604020202020204" pitchFamily="34" charset="0"/>
+                        <a:cs typeface="Arial" panose="020B0604020202020204" pitchFamily="34" charset="0"/>
+                      </a:endParaRPr>
+                    </a:p>
+                  </a:txBody>
+                  <a:tcPr>
+                    <a:solidFill>
+                      <a:schemeClr val="bg1"/>
+                    </a:solidFill>
+                  </a:tcPr>
+                </a:tc>
+                <a:tc>
+                  <a:txBody>
+                    <a:bodyPr/>
+                    <a:lstStyle/>
+                    <a:p>
+                      <a:r>
+                        <a:rPr lang="en-DK" sz="2000" dirty="0">
+                          <a:latin typeface="Arial" panose="020B0604020202020204" pitchFamily="34" charset="0"/>
+                          <a:cs typeface="Arial" panose="020B0604020202020204" pitchFamily="34" charset="0"/>
+                        </a:rPr>
+                        <a:t>Predicted: Negative</a:t>
+                      </a:r>
+                    </a:p>
+                  </a:txBody>
+                  <a:tcPr>
+                    <a:solidFill>
+                      <a:srgbClr val="990000"/>
+                    </a:solidFill>
+                  </a:tcPr>
+                </a:tc>
+                <a:tc>
+                  <a:txBody>
+                    <a:bodyPr/>
+                    <a:lstStyle/>
+                    <a:p>
+                      <a:r>
+                        <a:rPr lang="en-DK" sz="2000" dirty="0">
+                          <a:latin typeface="Arial" panose="020B0604020202020204" pitchFamily="34" charset="0"/>
+                          <a:cs typeface="Arial" panose="020B0604020202020204" pitchFamily="34" charset="0"/>
+                        </a:rPr>
+                        <a:t>Predicted: Positive</a:t>
+                      </a:r>
+                    </a:p>
+                  </a:txBody>
+                  <a:tcPr>
+                    <a:solidFill>
+                      <a:srgbClr val="990000"/>
+                    </a:solidFill>
+                  </a:tcPr>
+                </a:tc>
+                <a:extLst>
+                  <a:ext uri="{0D108BD9-81ED-4DB2-BD59-A6C34878D82A}">
+                    <a16:rowId xmlns:a16="http://schemas.microsoft.com/office/drawing/2014/main" val="3087985295"/>
+                  </a:ext>
+                </a:extLst>
+              </a:tr>
+              <a:tr h="370840">
+                <a:tc>
+                  <a:txBody>
+                    <a:bodyPr/>
+                    <a:lstStyle/>
+                    <a:p>
+                      <a:r>
+                        <a:rPr lang="en-DK" sz="2000" b="1" dirty="0">
+                          <a:solidFill>
+                            <a:schemeClr val="bg1"/>
+                          </a:solidFill>
+                          <a:latin typeface="Arial" panose="020B0604020202020204" pitchFamily="34" charset="0"/>
+                          <a:cs typeface="Arial" panose="020B0604020202020204" pitchFamily="34" charset="0"/>
+                        </a:rPr>
+                        <a:t>Actual: Negative</a:t>
+                      </a:r>
+                    </a:p>
+                  </a:txBody>
+                  <a:tcPr>
+                    <a:solidFill>
+                      <a:srgbClr val="990000"/>
+                    </a:solidFill>
+                  </a:tcPr>
+                </a:tc>
+                <a:tc>
+                  <a:txBody>
+                    <a:bodyPr/>
+                    <a:lstStyle/>
+                    <a:p>
+                      <a:pPr algn="ctr"/>
+                      <a:r>
+                        <a:rPr lang="en-DK" sz="2000" dirty="0">
+                          <a:latin typeface="Arial" panose="020B0604020202020204" pitchFamily="34" charset="0"/>
+                          <a:cs typeface="Arial" panose="020B0604020202020204" pitchFamily="34" charset="0"/>
+                        </a:rPr>
+                        <a:t>806</a:t>
+                      </a:r>
+                    </a:p>
+                  </a:txBody>
+                  <a:tcPr/>
+                </a:tc>
+                <a:tc>
+                  <a:txBody>
+                    <a:bodyPr/>
+                    <a:lstStyle/>
+                    <a:p>
+                      <a:pPr algn="ctr"/>
+                      <a:r>
+                        <a:rPr lang="en-DK" sz="2000" dirty="0">
+                          <a:latin typeface="Arial" panose="020B0604020202020204" pitchFamily="34" charset="0"/>
+                          <a:cs typeface="Arial" panose="020B0604020202020204" pitchFamily="34" charset="0"/>
+                        </a:rPr>
+                        <a:t>100</a:t>
+                      </a:r>
+                    </a:p>
+                  </a:txBody>
+                  <a:tcPr/>
+                </a:tc>
+                <a:extLst>
+                  <a:ext uri="{0D108BD9-81ED-4DB2-BD59-A6C34878D82A}">
+                    <a16:rowId xmlns:a16="http://schemas.microsoft.com/office/drawing/2014/main" val="1359549375"/>
+                  </a:ext>
+                </a:extLst>
+              </a:tr>
+              <a:tr h="370840">
+                <a:tc>
+                  <a:txBody>
+                    <a:bodyPr/>
+                    <a:lstStyle/>
+                    <a:p>
+                      <a:r>
+                        <a:rPr lang="en-DK" sz="2000" b="1" dirty="0">
+                          <a:solidFill>
+                            <a:schemeClr val="bg1"/>
+                          </a:solidFill>
+                          <a:latin typeface="Arial" panose="020B0604020202020204" pitchFamily="34" charset="0"/>
+                          <a:cs typeface="Arial" panose="020B0604020202020204" pitchFamily="34" charset="0"/>
+                        </a:rPr>
+                        <a:t>Actual: Positive</a:t>
+                      </a:r>
+                    </a:p>
+                  </a:txBody>
+                  <a:tcPr>
+                    <a:solidFill>
+                      <a:srgbClr val="990000"/>
+                    </a:solidFill>
+                  </a:tcPr>
+                </a:tc>
+                <a:tc>
+                  <a:txBody>
+                    <a:bodyPr/>
+                    <a:lstStyle/>
+                    <a:p>
+                      <a:pPr algn="ctr"/>
+                      <a:r>
+                        <a:rPr lang="en-DK" sz="2000" dirty="0">
+                          <a:latin typeface="Arial" panose="020B0604020202020204" pitchFamily="34" charset="0"/>
+                          <a:cs typeface="Arial" panose="020B0604020202020204" pitchFamily="34" charset="0"/>
+                        </a:rPr>
+                        <a:t>90</a:t>
+                      </a:r>
+                    </a:p>
+                  </a:txBody>
+                  <a:tcPr/>
+                </a:tc>
+                <a:tc>
+                  <a:txBody>
+                    <a:bodyPr/>
+                    <a:lstStyle/>
+                    <a:p>
+                      <a:pPr algn="ctr"/>
+                      <a:r>
+                        <a:rPr lang="en-DK" sz="2000" dirty="0">
+                          <a:latin typeface="Arial" panose="020B0604020202020204" pitchFamily="34" charset="0"/>
+                          <a:cs typeface="Arial" panose="020B0604020202020204" pitchFamily="34" charset="0"/>
+                        </a:rPr>
+                        <a:t>211</a:t>
+                      </a:r>
+                    </a:p>
+                  </a:txBody>
+                  <a:tcPr/>
+                </a:tc>
+                <a:extLst>
+                  <a:ext uri="{0D108BD9-81ED-4DB2-BD59-A6C34878D82A}">
+                    <a16:rowId xmlns:a16="http://schemas.microsoft.com/office/drawing/2014/main" val="1069740977"/>
+                  </a:ext>
+                </a:extLst>
+              </a:tr>
+            </a:tbl>
+          </a:graphicData>
+        </a:graphic>
+      </p:graphicFrame>
+      <p:sp>
+        <p:nvSpPr>
+          <p:cNvPr id="46" name="Rectangle 45">
+            <a:extLst>
+              <a:ext uri="{FF2B5EF4-FFF2-40B4-BE49-F238E27FC236}">
+                <a16:creationId xmlns:a16="http://schemas.microsoft.com/office/drawing/2014/main" id="{964E3663-361F-234F-8DB1-125E94CA453E}"/>
+              </a:ext>
+            </a:extLst>
+          </p:cNvPr>
+          <p:cNvSpPr/>
+          <p:nvPr/>
+        </p:nvSpPr>
+        <p:spPr>
+          <a:xfrm>
+            <a:off x="15104132" y="22017731"/>
+            <a:ext cx="5929323" cy="646331"/>
+          </a:xfrm>
+          <a:prstGeom prst="rect">
+            <a:avLst/>
+          </a:prstGeom>
+        </p:spPr>
+        <p:txBody>
+          <a:bodyPr wrap="square">
+            <a:spAutoFit/>
+          </a:bodyPr>
+          <a:lstStyle/>
+          <a:p>
+            <a:r>
+              <a:rPr lang="en-US" i="1" dirty="0">
+                <a:latin typeface="Arial" panose="020B0604020202020204" pitchFamily="34" charset="0"/>
+                <a:cs typeface="Arial" panose="020B0604020202020204" pitchFamily="34" charset="0"/>
+              </a:rPr>
+              <a:t>Table 2. Confusion matrix on test set for model with improved architecture and ESM encoded </a:t>
+            </a:r>
+          </a:p>
+        </p:txBody>
+      </p:sp>
+      <p:grpSp>
+        <p:nvGrpSpPr>
+          <p:cNvPr id="11" name="Group 10">
+            <a:extLst>
+              <a:ext uri="{FF2B5EF4-FFF2-40B4-BE49-F238E27FC236}">
+                <a16:creationId xmlns:a16="http://schemas.microsoft.com/office/drawing/2014/main" id="{3AED7200-7C92-B14A-84E4-06156227898D}"/>
+              </a:ext>
+            </a:extLst>
+          </p:cNvPr>
+          <p:cNvGrpSpPr/>
+          <p:nvPr/>
+        </p:nvGrpSpPr>
+        <p:grpSpPr>
+          <a:xfrm>
+            <a:off x="8758664" y="19712968"/>
+            <a:ext cx="3782199" cy="2521467"/>
+            <a:chOff x="8758664" y="19786120"/>
+            <a:chExt cx="3782199" cy="2521467"/>
+          </a:xfrm>
+        </p:grpSpPr>
+        <p:pic>
+          <p:nvPicPr>
+            <p:cNvPr id="4" name="Picture 2">
+              <a:extLst>
+                <a:ext uri="{FF2B5EF4-FFF2-40B4-BE49-F238E27FC236}">
+                  <a16:creationId xmlns:a16="http://schemas.microsoft.com/office/drawing/2014/main" id="{A70BCE07-72DC-0247-A3B9-AB0B19DA3D7C}"/>
+                </a:ext>
+              </a:extLst>
+            </p:cNvPr>
+            <p:cNvPicPr>
+              <a:picLocks noChangeAspect="1" noChangeArrowheads="1"/>
+            </p:cNvPicPr>
+            <p:nvPr/>
+          </p:nvPicPr>
+          <p:blipFill>
+            <a:blip r:embed="rId9">
+              <a:extLst>
+                <a:ext uri="{28A0092B-C50C-407E-A947-70E740481C1C}">
+                  <a14:useLocalDpi xmlns:a14="http://schemas.microsoft.com/office/drawing/2010/main" val="0"/>
+                </a:ext>
+              </a:extLst>
+            </a:blip>
+            <a:srcRect/>
+            <a:stretch>
+              <a:fillRect/>
+            </a:stretch>
+          </p:blipFill>
+          <p:spPr bwMode="auto">
+            <a:xfrm>
+              <a:off x="8758664" y="19786121"/>
+              <a:ext cx="3782199" cy="2521466"/>
+            </a:xfrm>
+            <a:prstGeom prst="rect">
+              <a:avLst/>
+            </a:prstGeom>
+            <a:noFill/>
+            <a:extLst>
+              <a:ext uri="{909E8E84-426E-40DD-AFC4-6F175D3DCCD1}">
+                <a14:hiddenFill xmlns:a14="http://schemas.microsoft.com/office/drawing/2010/main">
+                  <a:solidFill>
+                    <a:srgbClr val="FFFFFF"/>
+                  </a:solidFill>
+                </a14:hiddenFill>
+              </a:ext>
+            </a:extLst>
+          </p:spPr>
+        </p:pic>
+        <p:sp>
+          <p:nvSpPr>
+            <p:cNvPr id="9" name="Rectangle 8">
+              <a:extLst>
+                <a:ext uri="{FF2B5EF4-FFF2-40B4-BE49-F238E27FC236}">
+                  <a16:creationId xmlns:a16="http://schemas.microsoft.com/office/drawing/2014/main" id="{66A57E36-D0AE-F64A-8DC0-85C4FBDEDA93}"/>
+                </a:ext>
+              </a:extLst>
+            </p:cNvPr>
+            <p:cNvSpPr/>
+            <p:nvPr/>
+          </p:nvSpPr>
+          <p:spPr>
+            <a:xfrm>
+              <a:off x="10377275" y="19786120"/>
+              <a:ext cx="1200641" cy="234713"/>
+            </a:xfrm>
+            <a:prstGeom prst="rect">
+              <a:avLst/>
+            </a:prstGeom>
+            <a:solidFill>
+              <a:schemeClr val="bg1"/>
+            </a:solidFill>
+            <a:ln>
+              <a:noFill/>
+            </a:ln>
+          </p:spPr>
+          <p:style>
+            <a:lnRef idx="2">
+              <a:schemeClr val="accent1">
+                <a:shade val="50000"/>
+              </a:schemeClr>
+            </a:lnRef>
+            <a:fillRef idx="1">
+              <a:schemeClr val="accent1"/>
+            </a:fillRef>
+            <a:effectRef idx="0">
+              <a:schemeClr val="accent1"/>
+            </a:effectRef>
+            <a:fontRef idx="minor">
+              <a:schemeClr val="lt1"/>
+            </a:fontRef>
+          </p:style>
+          <p:txBody>
+            <a:bodyPr rtlCol="0" anchor="ctr"/>
+            <a:lstStyle/>
+            <a:p>
+              <a:pPr algn="ctr"/>
+              <a:endParaRPr lang="en-DK"/>
+            </a:p>
+          </p:txBody>
+        </p:sp>
+      </p:grpSp>
+      <p:pic>
+        <p:nvPicPr>
+          <p:cNvPr id="13" name="Picture 12">
+            <a:extLst>
+              <a:ext uri="{FF2B5EF4-FFF2-40B4-BE49-F238E27FC236}">
+                <a16:creationId xmlns:a16="http://schemas.microsoft.com/office/drawing/2014/main" id="{61D7E7CE-F29E-0E48-AB01-D8F922CEE716}"/>
+              </a:ext>
+            </a:extLst>
+          </p:cNvPr>
+          <p:cNvPicPr>
+            <a:picLocks noChangeAspect="1"/>
+          </p:cNvPicPr>
+          <p:nvPr/>
+        </p:nvPicPr>
+        <p:blipFill>
+          <a:blip r:embed="rId10"/>
+          <a:stretch>
+            <a:fillRect/>
+          </a:stretch>
+        </p:blipFill>
+        <p:spPr>
+          <a:xfrm>
+            <a:off x="429925" y="15370674"/>
+            <a:ext cx="9865487" cy="2940566"/>
+          </a:xfrm>
+          <a:prstGeom prst="rect">
+            <a:avLst/>
+          </a:prstGeom>
+        </p:spPr>
+      </p:pic>
     </p:spTree>
     <p:extLst>
       <p:ext uri="{BB962C8B-B14F-4D97-AF65-F5344CB8AC3E}">
@@ -6969,12 +7495,6 @@
 </file>
 
 <file path=customXml/item1.xml><?xml version="1.0" encoding="utf-8"?>
-<p:properties xmlns:p="http://schemas.microsoft.com/office/2006/metadata/properties" xmlns:xsi="http://www.w3.org/2001/XMLSchema-instance" xmlns:pc="http://schemas.microsoft.com/office/infopath/2007/PartnerControls">
-  <documentManagement/>
-</p:properties>
-</file>
-
-<file path=customXml/item2.xml><?xml version="1.0" encoding="utf-8"?>
 <ct:contentTypeSchema xmlns:ct="http://schemas.microsoft.com/office/2006/metadata/contentType" xmlns:ma="http://schemas.microsoft.com/office/2006/metadata/properties/metaAttributes" ct:_="" ma:_="" ma:contentTypeName="Dokument" ma:contentTypeID="0x0101005E463CDCE29E264BAAEC2B3AEC8F5142" ma:contentTypeVersion="2" ma:contentTypeDescription="Opret et nyt dokument." ma:contentTypeScope="" ma:versionID="40f9935ff4a16e0d5b8e000d0b147fdc">
   <xsd:schema xmlns:xsd="http://www.w3.org/2001/XMLSchema" xmlns:xs="http://www.w3.org/2001/XMLSchema" xmlns:p="http://schemas.microsoft.com/office/2006/metadata/properties" xmlns:ns2="74242bd1-cb82-4e60-a08e-4217a7fb8d1d" targetNamespace="http://schemas.microsoft.com/office/2006/metadata/properties" ma:root="true" ma:fieldsID="4c2aca2db47d5d21ece1ec953cba830c" ns2:_="">
     <xsd:import namespace="74242bd1-cb82-4e60-a08e-4217a7fb8d1d"/>
@@ -7106,6 +7626,12 @@
 </ct:contentTypeSchema>
 </file>
 
+<file path=customXml/item2.xml><?xml version="1.0" encoding="utf-8"?>
+<p:properties xmlns:p="http://schemas.microsoft.com/office/2006/metadata/properties" xmlns:xsi="http://www.w3.org/2001/XMLSchema-instance" xmlns:pc="http://schemas.microsoft.com/office/infopath/2007/PartnerControls">
+  <documentManagement/>
+</p:properties>
+</file>
+
 <file path=customXml/item3.xml><?xml version="1.0" encoding="utf-8"?>
 <?mso-contentType ?>
 <FormTemplates xmlns="http://schemas.microsoft.com/sharepoint/v3/contenttype/forms">
@@ -7116,15 +7642,6 @@
 </file>
 
 <file path=customXml/itemProps1.xml><?xml version="1.0" encoding="utf-8"?>
-<ds:datastoreItem xmlns:ds="http://schemas.openxmlformats.org/officeDocument/2006/customXml" ds:itemID="{CB370A3C-731B-4F4D-ABD0-42474AC25910}">
-  <ds:schemaRefs>
-    <ds:schemaRef ds:uri="http://schemas.microsoft.com/office/2006/metadata/properties"/>
-    <ds:schemaRef ds:uri="http://schemas.microsoft.com/office/infopath/2007/PartnerControls"/>
-  </ds:schemaRefs>
-</ds:datastoreItem>
-</file>
-
-<file path=customXml/itemProps2.xml><?xml version="1.0" encoding="utf-8"?>
 <ds:datastoreItem xmlns:ds="http://schemas.openxmlformats.org/officeDocument/2006/customXml" ds:itemID="{A265213D-E9A2-401B-A85F-226A40D5C1B2}">
   <ds:schemaRefs>
     <ds:schemaRef ds:uri="http://schemas.microsoft.com/office/2006/metadata/contentType"/>
@@ -7142,6 +7659,15 @@
 </ds:datastoreItem>
 </file>
 
+<file path=customXml/itemProps2.xml><?xml version="1.0" encoding="utf-8"?>
+<ds:datastoreItem xmlns:ds="http://schemas.openxmlformats.org/officeDocument/2006/customXml" ds:itemID="{CB370A3C-731B-4F4D-ABD0-42474AC25910}">
+  <ds:schemaRefs>
+    <ds:schemaRef ds:uri="http://schemas.microsoft.com/office/2006/metadata/properties"/>
+    <ds:schemaRef ds:uri="http://schemas.microsoft.com/office/infopath/2007/PartnerControls"/>
+  </ds:schemaRefs>
+</ds:datastoreItem>
+</file>
+
 <file path=customXml/itemProps3.xml><?xml version="1.0" encoding="utf-8"?>
 <ds:datastoreItem xmlns:ds="http://schemas.openxmlformats.org/officeDocument/2006/customXml" ds:itemID="{405562AF-484A-42F9-A02C-A3F5AD59D6C1}">
   <ds:schemaRefs>

--- a/presentation/presentation.pptx
+++ b/presentation/presentation.pptx
@@ -349,7 +349,7 @@
           <a:p>
             <a:fld id="{C6F05EAB-B404-4249-9B6E-2AB49D341D90}" type="datetimeFigureOut">
               <a:rPr lang="aa-ET" smtClean="0"/>
-              <a:t>12/5/21</a:t>
+              <a:t>06/12/2021</a:t>
             </a:fld>
             <a:endParaRPr lang="aa-ET"/>
           </a:p>
@@ -508,7 +508,7 @@
           <a:p>
             <a:fld id="{CC384317-2FF9-C745-838D-094DFBA5C4CC}" type="slidenum">
               <a:rPr lang="aa-ET" smtClean="0"/>
-              <a:t>‹#›</a:t>
+              <a:t>‹N°›</a:t>
             </a:fld>
             <a:endParaRPr lang="aa-ET"/>
           </a:p>
@@ -818,7 +818,7 @@
           <a:p>
             <a:fld id="{C1520061-EEF2-4648-A61C-FD1D344FB2F0}" type="datetimeFigureOut">
               <a:rPr lang="aa-ET" smtClean="0"/>
-              <a:t>12/5/21</a:t>
+              <a:t>06/12/2021</a:t>
             </a:fld>
             <a:endParaRPr lang="aa-ET"/>
           </a:p>
@@ -860,7 +860,7 @@
           <a:p>
             <a:fld id="{FDB24838-7C19-CC4E-B2E6-66E840BA735D}" type="slidenum">
               <a:rPr lang="aa-ET" smtClean="0"/>
-              <a:t>‹#›</a:t>
+              <a:t>‹N°›</a:t>
             </a:fld>
             <a:endParaRPr lang="aa-ET"/>
           </a:p>
@@ -988,7 +988,7 @@
           <a:p>
             <a:fld id="{C1520061-EEF2-4648-A61C-FD1D344FB2F0}" type="datetimeFigureOut">
               <a:rPr lang="aa-ET" smtClean="0"/>
-              <a:t>12/5/21</a:t>
+              <a:t>06/12/2021</a:t>
             </a:fld>
             <a:endParaRPr lang="aa-ET"/>
           </a:p>
@@ -1030,7 +1030,7 @@
           <a:p>
             <a:fld id="{FDB24838-7C19-CC4E-B2E6-66E840BA735D}" type="slidenum">
               <a:rPr lang="aa-ET" smtClean="0"/>
-              <a:t>‹#›</a:t>
+              <a:t>‹N°›</a:t>
             </a:fld>
             <a:endParaRPr lang="aa-ET"/>
           </a:p>
@@ -1168,7 +1168,7 @@
           <a:p>
             <a:fld id="{C1520061-EEF2-4648-A61C-FD1D344FB2F0}" type="datetimeFigureOut">
               <a:rPr lang="aa-ET" smtClean="0"/>
-              <a:t>12/5/21</a:t>
+              <a:t>06/12/2021</a:t>
             </a:fld>
             <a:endParaRPr lang="aa-ET"/>
           </a:p>
@@ -1210,7 +1210,7 @@
           <a:p>
             <a:fld id="{FDB24838-7C19-CC4E-B2E6-66E840BA735D}" type="slidenum">
               <a:rPr lang="aa-ET" smtClean="0"/>
-              <a:t>‹#›</a:t>
+              <a:t>‹N°›</a:t>
             </a:fld>
             <a:endParaRPr lang="aa-ET"/>
           </a:p>
@@ -1338,7 +1338,7 @@
           <a:p>
             <a:fld id="{C1520061-EEF2-4648-A61C-FD1D344FB2F0}" type="datetimeFigureOut">
               <a:rPr lang="aa-ET" smtClean="0"/>
-              <a:t>12/5/21</a:t>
+              <a:t>06/12/2021</a:t>
             </a:fld>
             <a:endParaRPr lang="aa-ET"/>
           </a:p>
@@ -1380,7 +1380,7 @@
           <a:p>
             <a:fld id="{FDB24838-7C19-CC4E-B2E6-66E840BA735D}" type="slidenum">
               <a:rPr lang="aa-ET" smtClean="0"/>
-              <a:t>‹#›</a:t>
+              <a:t>‹N°›</a:t>
             </a:fld>
             <a:endParaRPr lang="aa-ET"/>
           </a:p>
@@ -1582,7 +1582,7 @@
           <a:p>
             <a:fld id="{C1520061-EEF2-4648-A61C-FD1D344FB2F0}" type="datetimeFigureOut">
               <a:rPr lang="aa-ET" smtClean="0"/>
-              <a:t>12/5/21</a:t>
+              <a:t>06/12/2021</a:t>
             </a:fld>
             <a:endParaRPr lang="aa-ET"/>
           </a:p>
@@ -1624,7 +1624,7 @@
           <a:p>
             <a:fld id="{FDB24838-7C19-CC4E-B2E6-66E840BA735D}" type="slidenum">
               <a:rPr lang="aa-ET" smtClean="0"/>
-              <a:t>‹#›</a:t>
+              <a:t>‹N°›</a:t>
             </a:fld>
             <a:endParaRPr lang="aa-ET"/>
           </a:p>
@@ -1814,7 +1814,7 @@
           <a:p>
             <a:fld id="{C1520061-EEF2-4648-A61C-FD1D344FB2F0}" type="datetimeFigureOut">
               <a:rPr lang="aa-ET" smtClean="0"/>
-              <a:t>12/5/21</a:t>
+              <a:t>06/12/2021</a:t>
             </a:fld>
             <a:endParaRPr lang="aa-ET"/>
           </a:p>
@@ -1856,7 +1856,7 @@
           <a:p>
             <a:fld id="{FDB24838-7C19-CC4E-B2E6-66E840BA735D}" type="slidenum">
               <a:rPr lang="aa-ET" smtClean="0"/>
-              <a:t>‹#›</a:t>
+              <a:t>‹N°›</a:t>
             </a:fld>
             <a:endParaRPr lang="aa-ET"/>
           </a:p>
@@ -2181,7 +2181,7 @@
           <a:p>
             <a:fld id="{C1520061-EEF2-4648-A61C-FD1D344FB2F0}" type="datetimeFigureOut">
               <a:rPr lang="aa-ET" smtClean="0"/>
-              <a:t>12/5/21</a:t>
+              <a:t>06/12/2021</a:t>
             </a:fld>
             <a:endParaRPr lang="aa-ET"/>
           </a:p>
@@ -2223,7 +2223,7 @@
           <a:p>
             <a:fld id="{FDB24838-7C19-CC4E-B2E6-66E840BA735D}" type="slidenum">
               <a:rPr lang="aa-ET" smtClean="0"/>
-              <a:t>‹#›</a:t>
+              <a:t>‹N°›</a:t>
             </a:fld>
             <a:endParaRPr lang="aa-ET"/>
           </a:p>
@@ -2299,7 +2299,7 @@
           <a:p>
             <a:fld id="{C1520061-EEF2-4648-A61C-FD1D344FB2F0}" type="datetimeFigureOut">
               <a:rPr lang="aa-ET" smtClean="0"/>
-              <a:t>12/5/21</a:t>
+              <a:t>06/12/2021</a:t>
             </a:fld>
             <a:endParaRPr lang="aa-ET"/>
           </a:p>
@@ -2341,7 +2341,7 @@
           <a:p>
             <a:fld id="{FDB24838-7C19-CC4E-B2E6-66E840BA735D}" type="slidenum">
               <a:rPr lang="aa-ET" smtClean="0"/>
-              <a:t>‹#›</a:t>
+              <a:t>‹N°›</a:t>
             </a:fld>
             <a:endParaRPr lang="aa-ET"/>
           </a:p>
@@ -2394,7 +2394,7 @@
           <a:p>
             <a:fld id="{C1520061-EEF2-4648-A61C-FD1D344FB2F0}" type="datetimeFigureOut">
               <a:rPr lang="aa-ET" smtClean="0"/>
-              <a:t>12/5/21</a:t>
+              <a:t>06/12/2021</a:t>
             </a:fld>
             <a:endParaRPr lang="aa-ET"/>
           </a:p>
@@ -2436,7 +2436,7 @@
           <a:p>
             <a:fld id="{FDB24838-7C19-CC4E-B2E6-66E840BA735D}" type="slidenum">
               <a:rPr lang="aa-ET" smtClean="0"/>
-              <a:t>‹#›</a:t>
+              <a:t>‹N°›</a:t>
             </a:fld>
             <a:endParaRPr lang="aa-ET"/>
           </a:p>
@@ -2671,7 +2671,7 @@
           <a:p>
             <a:fld id="{C1520061-EEF2-4648-A61C-FD1D344FB2F0}" type="datetimeFigureOut">
               <a:rPr lang="aa-ET" smtClean="0"/>
-              <a:t>12/5/21</a:t>
+              <a:t>06/12/2021</a:t>
             </a:fld>
             <a:endParaRPr lang="aa-ET"/>
           </a:p>
@@ -2713,7 +2713,7 @@
           <a:p>
             <a:fld id="{FDB24838-7C19-CC4E-B2E6-66E840BA735D}" type="slidenum">
               <a:rPr lang="aa-ET" smtClean="0"/>
-              <a:t>‹#›</a:t>
+              <a:t>‹N°›</a:t>
             </a:fld>
             <a:endParaRPr lang="aa-ET"/>
           </a:p>
@@ -2928,7 +2928,7 @@
           <a:p>
             <a:fld id="{C1520061-EEF2-4648-A61C-FD1D344FB2F0}" type="datetimeFigureOut">
               <a:rPr lang="aa-ET" smtClean="0"/>
-              <a:t>12/5/21</a:t>
+              <a:t>06/12/2021</a:t>
             </a:fld>
             <a:endParaRPr lang="aa-ET"/>
           </a:p>
@@ -2970,7 +2970,7 @@
           <a:p>
             <a:fld id="{FDB24838-7C19-CC4E-B2E6-66E840BA735D}" type="slidenum">
               <a:rPr lang="aa-ET" smtClean="0"/>
-              <a:t>‹#›</a:t>
+              <a:t>‹N°›</a:t>
             </a:fld>
             <a:endParaRPr lang="aa-ET"/>
           </a:p>
@@ -3141,7 +3141,7 @@
           <a:p>
             <a:fld id="{C1520061-EEF2-4648-A61C-FD1D344FB2F0}" type="datetimeFigureOut">
               <a:rPr lang="aa-ET" smtClean="0"/>
-              <a:t>12/5/21</a:t>
+              <a:t>06/12/2021</a:t>
             </a:fld>
             <a:endParaRPr lang="aa-ET"/>
           </a:p>
@@ -3219,7 +3219,7 @@
           <a:p>
             <a:fld id="{FDB24838-7C19-CC4E-B2E6-66E840BA735D}" type="slidenum">
               <a:rPr lang="aa-ET" smtClean="0"/>
-              <a:t>‹#›</a:t>
+              <a:t>‹N°›</a:t>
             </a:fld>
             <a:endParaRPr lang="aa-ET"/>
           </a:p>
@@ -3856,7 +3856,7 @@
           <p:cNvPr id="24" name="Straight Connector 23">
             <a:extLst>
               <a:ext uri="{FF2B5EF4-FFF2-40B4-BE49-F238E27FC236}">
-                <a16:creationId xmlns:a16="http://schemas.microsoft.com/office/drawing/2014/main" id="{3CD061AB-8876-704F-BE6A-E397F33852E1}"/>
+                <a16:creationId xmlns:a16="http://schemas.microsoft.com/office/drawing/2014/main" xmlns="" id="{3CD061AB-8876-704F-BE6A-E397F33852E1}"/>
               </a:ext>
             </a:extLst>
           </p:cNvPr>
@@ -3899,7 +3899,7 @@
           <p:cNvPr id="128" name="Round Same Side Corner Rectangle 137">
             <a:extLst>
               <a:ext uri="{FF2B5EF4-FFF2-40B4-BE49-F238E27FC236}">
-                <a16:creationId xmlns:a16="http://schemas.microsoft.com/office/drawing/2014/main" id="{85003210-220B-9A49-8091-B1A85DD76CE8}"/>
+                <a16:creationId xmlns:a16="http://schemas.microsoft.com/office/drawing/2014/main" xmlns="" id="{85003210-220B-9A49-8091-B1A85DD76CE8}"/>
               </a:ext>
             </a:extLst>
           </p:cNvPr>
@@ -3963,7 +3963,7 @@
           <p:cNvPr id="129" name="Round Same Side Corner Rectangle 137">
             <a:extLst>
               <a:ext uri="{FF2B5EF4-FFF2-40B4-BE49-F238E27FC236}">
-                <a16:creationId xmlns:a16="http://schemas.microsoft.com/office/drawing/2014/main" id="{7226A277-A8A7-9549-8FCF-1175CB0CE7B6}"/>
+                <a16:creationId xmlns:a16="http://schemas.microsoft.com/office/drawing/2014/main" xmlns="" id="{7226A277-A8A7-9549-8FCF-1175CB0CE7B6}"/>
               </a:ext>
             </a:extLst>
           </p:cNvPr>
@@ -4027,7 +4027,7 @@
           <p:cNvPr id="130" name="Round Same Side Corner Rectangle 137">
             <a:extLst>
               <a:ext uri="{FF2B5EF4-FFF2-40B4-BE49-F238E27FC236}">
-                <a16:creationId xmlns:a16="http://schemas.microsoft.com/office/drawing/2014/main" id="{0D73ACE7-C686-234D-9978-B3229B92843A}"/>
+                <a16:creationId xmlns:a16="http://schemas.microsoft.com/office/drawing/2014/main" xmlns="" id="{0D73ACE7-C686-234D-9978-B3229B92843A}"/>
               </a:ext>
             </a:extLst>
           </p:cNvPr>
@@ -4091,7 +4091,7 @@
           <p:cNvPr id="3" name="Billede 6">
             <a:extLst>
               <a:ext uri="{FF2B5EF4-FFF2-40B4-BE49-F238E27FC236}">
-                <a16:creationId xmlns:a16="http://schemas.microsoft.com/office/drawing/2014/main" id="{79D342DF-0A65-4821-8F47-A3CE1793E1E6}"/>
+                <a16:creationId xmlns:a16="http://schemas.microsoft.com/office/drawing/2014/main" xmlns="" id="{79D342DF-0A65-4821-8F47-A3CE1793E1E6}"/>
               </a:ext>
             </a:extLst>
           </p:cNvPr>
@@ -4121,7 +4121,7 @@
           <p:cNvPr id="5" name="TextBox 4">
             <a:extLst>
               <a:ext uri="{FF2B5EF4-FFF2-40B4-BE49-F238E27FC236}">
-                <a16:creationId xmlns:a16="http://schemas.microsoft.com/office/drawing/2014/main" id="{555DBE74-403C-4246-B0C1-4F2AAF162AFF}"/>
+                <a16:creationId xmlns:a16="http://schemas.microsoft.com/office/drawing/2014/main" xmlns="" id="{555DBE74-403C-4246-B0C1-4F2AAF162AFF}"/>
               </a:ext>
             </a:extLst>
           </p:cNvPr>
@@ -4286,7 +4286,7 @@
           <p:cNvPr id="8" name="TextBox 7">
             <a:extLst>
               <a:ext uri="{FF2B5EF4-FFF2-40B4-BE49-F238E27FC236}">
-                <a16:creationId xmlns:a16="http://schemas.microsoft.com/office/drawing/2014/main" id="{BF27FA47-F412-41BA-9674-4AB98ABB11FF}"/>
+                <a16:creationId xmlns:a16="http://schemas.microsoft.com/office/drawing/2014/main" xmlns="" id="{BF27FA47-F412-41BA-9674-4AB98ABB11FF}"/>
               </a:ext>
             </a:extLst>
           </p:cNvPr>
@@ -4295,7 +4295,7 @@
         </p:nvSpPr>
         <p:spPr>
           <a:xfrm>
-            <a:off x="172349" y="29211249"/>
+            <a:off x="235849" y="28957249"/>
             <a:ext cx="20409853" cy="1200329"/>
           </a:xfrm>
           <a:prstGeom prst="rect">
@@ -4457,12 +4457,76 @@
           </a:p>
           <a:p>
             <a:r>
+              <a:rPr lang="en-US" baseline="30000" dirty="0" smtClean="0">
+                <a:latin typeface="Arial" panose="020B0604020202020204" pitchFamily="34" charset="0"/>
+                <a:ea typeface="+mn-lt"/>
+                <a:cs typeface="Arial" panose="020B0604020202020204" pitchFamily="34" charset="0"/>
+              </a:rPr>
+              <a:t>4</a:t>
+            </a:r>
+            <a:r>
+              <a:rPr lang="en-US" dirty="0" smtClean="0">
+                <a:latin typeface="Arial" panose="020B0604020202020204" pitchFamily="34" charset="0"/>
+                <a:ea typeface="+mn-lt"/>
+                <a:cs typeface="Arial" panose="020B0604020202020204" pitchFamily="34" charset="0"/>
+              </a:rPr>
+              <a:t>Wu</a:t>
+            </a:r>
+            <a:r>
               <a:rPr lang="en-US" dirty="0">
                 <a:latin typeface="Arial" panose="020B0604020202020204" pitchFamily="34" charset="0"/>
                 <a:ea typeface="+mn-lt"/>
                 <a:cs typeface="Arial" panose="020B0604020202020204" pitchFamily="34" charset="0"/>
               </a:rPr>
-              <a:t>4 TCR-BERT</a:t>
+              <a:t>, K</a:t>
+            </a:r>
+            <a:r>
+              <a:rPr lang="en-US" dirty="0" smtClean="0">
+                <a:latin typeface="Arial" panose="020B0604020202020204" pitchFamily="34" charset="0"/>
+                <a:ea typeface="+mn-lt"/>
+                <a:cs typeface="Arial" panose="020B0604020202020204" pitchFamily="34" charset="0"/>
+              </a:rPr>
+              <a:t>. et al. </a:t>
+            </a:r>
+            <a:r>
+              <a:rPr lang="en-US" dirty="0">
+                <a:latin typeface="Arial" panose="020B0604020202020204" pitchFamily="34" charset="0"/>
+                <a:ea typeface="+mn-lt"/>
+                <a:cs typeface="Arial" panose="020B0604020202020204" pitchFamily="34" charset="0"/>
+              </a:rPr>
+              <a:t>(2021). TCR-BERT: learning the grammar of T-cell receptors for flexible antigen-</a:t>
+            </a:r>
+            <a:r>
+              <a:rPr lang="en-US" dirty="0" err="1">
+                <a:latin typeface="Arial" panose="020B0604020202020204" pitchFamily="34" charset="0"/>
+                <a:ea typeface="+mn-lt"/>
+                <a:cs typeface="Arial" panose="020B0604020202020204" pitchFamily="34" charset="0"/>
+              </a:rPr>
+              <a:t>xbinding</a:t>
+            </a:r>
+            <a:r>
+              <a:rPr lang="en-US" dirty="0">
+                <a:latin typeface="Arial" panose="020B0604020202020204" pitchFamily="34" charset="0"/>
+                <a:ea typeface="+mn-lt"/>
+                <a:cs typeface="Arial" panose="020B0604020202020204" pitchFamily="34" charset="0"/>
+              </a:rPr>
+              <a:t> analyses. </a:t>
+            </a:r>
+            <a:r>
+              <a:rPr lang="en-US" i="1" dirty="0" err="1">
+                <a:latin typeface="Arial" panose="020B0604020202020204" pitchFamily="34" charset="0"/>
+                <a:ea typeface="+mn-lt"/>
+                <a:cs typeface="Arial" panose="020B0604020202020204" pitchFamily="34" charset="0"/>
+              </a:rPr>
+              <a:t>bioRxiv</a:t>
+            </a:r>
+            <a:r>
+              <a:rPr lang="en-US" dirty="0">
+                <a:latin typeface="Arial" panose="020B0604020202020204" pitchFamily="34" charset="0"/>
+                <a:ea typeface="+mn-lt"/>
+                <a:cs typeface="Arial" panose="020B0604020202020204" pitchFamily="34" charset="0"/>
+              </a:rPr>
+              <a:t>.</a:t>
             </a:r>
             <a:endParaRPr lang="en-US" dirty="0">
               <a:latin typeface="Arial" panose="020B0604020202020204" pitchFamily="34" charset="0"/>
@@ -4476,7 +4540,7 @@
           <p:cNvPr id="39" name="Round Same Side Corner Rectangle 137">
             <a:extLst>
               <a:ext uri="{FF2B5EF4-FFF2-40B4-BE49-F238E27FC236}">
-                <a16:creationId xmlns:a16="http://schemas.microsoft.com/office/drawing/2014/main" id="{E416DD2D-00A9-4581-8B16-BB3C03226A4A}"/>
+                <a16:creationId xmlns:a16="http://schemas.microsoft.com/office/drawing/2014/main" xmlns="" id="{E416DD2D-00A9-4581-8B16-BB3C03226A4A}"/>
               </a:ext>
             </a:extLst>
           </p:cNvPr>
@@ -4485,7 +4549,7 @@
         </p:nvSpPr>
         <p:spPr>
           <a:xfrm>
-            <a:off x="269490" y="28589431"/>
+            <a:off x="269490" y="28310031"/>
             <a:ext cx="20880000" cy="540000"/>
           </a:xfrm>
           <a:prstGeom prst="round2SameRect">
@@ -4540,7 +4604,7 @@
           <p:cNvPr id="68" name="Round Same Side Corner Rectangle 137">
             <a:extLst>
               <a:ext uri="{FF2B5EF4-FFF2-40B4-BE49-F238E27FC236}">
-                <a16:creationId xmlns:a16="http://schemas.microsoft.com/office/drawing/2014/main" id="{E416DD2D-00A9-4581-8B16-BB3C03226A4A}"/>
+                <a16:creationId xmlns:a16="http://schemas.microsoft.com/office/drawing/2014/main" xmlns="" id="{E416DD2D-00A9-4581-8B16-BB3C03226A4A}"/>
               </a:ext>
             </a:extLst>
           </p:cNvPr>
@@ -4607,7 +4671,7 @@
         </p:nvSpPr>
         <p:spPr>
           <a:xfrm>
-            <a:off x="192698" y="25866268"/>
+            <a:off x="222652" y="25556472"/>
             <a:ext cx="20938321" cy="2677656"/>
           </a:xfrm>
           <a:prstGeom prst="rect">
@@ -4683,7 +4747,34 @@
                 <a:cs typeface="Arial" panose="020B0604020202020204" pitchFamily="34" charset="0"/>
                 <a:sym typeface="Wingdings" pitchFamily="2" charset="2"/>
               </a:rPr>
-              <a:t> would be good to have TCR-specific embeddings (e.g. transfer learning) (like in preprint) but data availability is major challenge</a:t>
+              <a:t> would be good to have TCR-specific embeddings (e.g. transfer learning) (like in preprint) but data availability is major </a:t>
+            </a:r>
+            <a:r>
+              <a:rPr lang="en-US" sz="2400" dirty="0" smtClean="0">
+                <a:latin typeface="Arial" panose="020B0604020202020204" pitchFamily="34" charset="0"/>
+                <a:ea typeface="+mn-lt"/>
+                <a:cs typeface="Arial" panose="020B0604020202020204" pitchFamily="34" charset="0"/>
+                <a:sym typeface="Wingdings" pitchFamily="2" charset="2"/>
+              </a:rPr>
+              <a:t>challenge</a:t>
+            </a:r>
+            <a:r>
+              <a:rPr lang="en-US" sz="2400" baseline="30000" dirty="0">
+                <a:latin typeface="Arial" panose="020B0604020202020204" pitchFamily="34" charset="0"/>
+                <a:ea typeface="+mn-lt"/>
+                <a:cs typeface="Arial" panose="020B0604020202020204" pitchFamily="34" charset="0"/>
+                <a:sym typeface="Wingdings" pitchFamily="2" charset="2"/>
+              </a:rPr>
+              <a:t>4</a:t>
+            </a:r>
+            <a:r>
+              <a:rPr lang="en-US" sz="2400" dirty="0" smtClean="0">
+                <a:latin typeface="Arial" panose="020B0604020202020204" pitchFamily="34" charset="0"/>
+                <a:ea typeface="+mn-lt"/>
+                <a:cs typeface="Arial" panose="020B0604020202020204" pitchFamily="34" charset="0"/>
+                <a:sym typeface="Wingdings" pitchFamily="2" charset="2"/>
+              </a:rPr>
+              <a:t>.</a:t>
             </a:r>
             <a:endParaRPr lang="en-US" sz="2400" dirty="0">
               <a:latin typeface="Arial" panose="020B0604020202020204" pitchFamily="34" charset="0"/>
@@ -4904,7 +4995,7 @@
           <p:cNvPr id="52" name="TextBox 51">
             <a:extLst>
               <a:ext uri="{FF2B5EF4-FFF2-40B4-BE49-F238E27FC236}">
-                <a16:creationId xmlns:a16="http://schemas.microsoft.com/office/drawing/2014/main" id="{8D25C8AF-29B9-4B5F-A484-1C152F2D45F1}"/>
+                <a16:creationId xmlns:a16="http://schemas.microsoft.com/office/drawing/2014/main" xmlns="" id="{8D25C8AF-29B9-4B5F-A484-1C152F2D45F1}"/>
               </a:ext>
             </a:extLst>
           </p:cNvPr>
@@ -4999,7 +5090,7 @@
           <p:cNvPr id="59" name="TextBox 58">
             <a:extLst>
               <a:ext uri="{FF2B5EF4-FFF2-40B4-BE49-F238E27FC236}">
-                <a16:creationId xmlns:a16="http://schemas.microsoft.com/office/drawing/2014/main" id="{25FCE40A-6812-4241-9AFC-C4527E1E08D6}"/>
+                <a16:creationId xmlns:a16="http://schemas.microsoft.com/office/drawing/2014/main" xmlns="" id="{25FCE40A-6812-4241-9AFC-C4527E1E08D6}"/>
               </a:ext>
             </a:extLst>
           </p:cNvPr>
@@ -5134,7 +5225,7 @@
           <p:cNvPr id="60" name="TextBox 59">
             <a:extLst>
               <a:ext uri="{FF2B5EF4-FFF2-40B4-BE49-F238E27FC236}">
-                <a16:creationId xmlns:a16="http://schemas.microsoft.com/office/drawing/2014/main" id="{5EC9703E-C0FE-42AC-9186-837AE535C777}"/>
+                <a16:creationId xmlns:a16="http://schemas.microsoft.com/office/drawing/2014/main" xmlns="" id="{5EC9703E-C0FE-42AC-9186-837AE535C777}"/>
               </a:ext>
             </a:extLst>
           </p:cNvPr>
@@ -5220,7 +5311,7 @@
           <p:cNvPr id="62" name="TextBox 61">
             <a:extLst>
               <a:ext uri="{FF2B5EF4-FFF2-40B4-BE49-F238E27FC236}">
-                <a16:creationId xmlns:a16="http://schemas.microsoft.com/office/drawing/2014/main" id="{658BED85-75EA-4BFC-BF85-417C54E59FAC}"/>
+                <a16:creationId xmlns:a16="http://schemas.microsoft.com/office/drawing/2014/main" xmlns="" id="{658BED85-75EA-4BFC-BF85-417C54E59FAC}"/>
               </a:ext>
             </a:extLst>
           </p:cNvPr>
@@ -5330,7 +5421,7 @@
           <p:cNvPr id="16" name="Table 16">
             <a:extLst>
               <a:ext uri="{FF2B5EF4-FFF2-40B4-BE49-F238E27FC236}">
-                <a16:creationId xmlns:a16="http://schemas.microsoft.com/office/drawing/2014/main" id="{B3DD0E64-0B7C-4139-8170-FF729427F72A}"/>
+                <a16:creationId xmlns:a16="http://schemas.microsoft.com/office/drawing/2014/main" xmlns="" id="{B3DD0E64-0B7C-4139-8170-FF729427F72A}"/>
               </a:ext>
             </a:extLst>
           </p:cNvPr>
@@ -5359,42 +5450,42 @@
                 <a:gridCol w="3045949">
                   <a:extLst>
                     <a:ext uri="{9D8B030D-6E8A-4147-A177-3AD203B41FA5}">
-                      <a16:colId xmlns:a16="http://schemas.microsoft.com/office/drawing/2014/main" val="630018940"/>
+                      <a16:colId xmlns:a16="http://schemas.microsoft.com/office/drawing/2014/main" xmlns="" val="630018940"/>
                     </a:ext>
                   </a:extLst>
                 </a:gridCol>
                 <a:gridCol w="805180">
                   <a:extLst>
                     <a:ext uri="{9D8B030D-6E8A-4147-A177-3AD203B41FA5}">
-                      <a16:colId xmlns:a16="http://schemas.microsoft.com/office/drawing/2014/main" val="1361621000"/>
+                      <a16:colId xmlns:a16="http://schemas.microsoft.com/office/drawing/2014/main" xmlns="" val="1361621000"/>
                     </a:ext>
                   </a:extLst>
                 </a:gridCol>
                 <a:gridCol w="887730">
                   <a:extLst>
                     <a:ext uri="{9D8B030D-6E8A-4147-A177-3AD203B41FA5}">
-                      <a16:colId xmlns:a16="http://schemas.microsoft.com/office/drawing/2014/main" val="3966724582"/>
+                      <a16:colId xmlns:a16="http://schemas.microsoft.com/office/drawing/2014/main" xmlns="" val="3966724582"/>
                     </a:ext>
                   </a:extLst>
                 </a:gridCol>
                 <a:gridCol w="1395730">
                   <a:extLst>
                     <a:ext uri="{9D8B030D-6E8A-4147-A177-3AD203B41FA5}">
-                      <a16:colId xmlns:a16="http://schemas.microsoft.com/office/drawing/2014/main" val="2736714997"/>
+                      <a16:colId xmlns:a16="http://schemas.microsoft.com/office/drawing/2014/main" xmlns="" val="2736714997"/>
                     </a:ext>
                   </a:extLst>
                 </a:gridCol>
                 <a:gridCol w="1000443">
                   <a:extLst>
                     <a:ext uri="{9D8B030D-6E8A-4147-A177-3AD203B41FA5}">
-                      <a16:colId xmlns:a16="http://schemas.microsoft.com/office/drawing/2014/main" val="3764394228"/>
+                      <a16:colId xmlns:a16="http://schemas.microsoft.com/office/drawing/2014/main" xmlns="" val="3764394228"/>
                     </a:ext>
                   </a:extLst>
                 </a:gridCol>
                 <a:gridCol w="887730">
                   <a:extLst>
                     <a:ext uri="{9D8B030D-6E8A-4147-A177-3AD203B41FA5}">
-                      <a16:colId xmlns:a16="http://schemas.microsoft.com/office/drawing/2014/main" val="4125354729"/>
+                      <a16:colId xmlns:a16="http://schemas.microsoft.com/office/drawing/2014/main" xmlns="" val="4125354729"/>
                     </a:ext>
                   </a:extLst>
                 </a:gridCol>
@@ -5552,7 +5643,7 @@
                 </a:tc>
                 <a:extLst>
                   <a:ext uri="{0D108BD9-81ED-4DB2-BD59-A6C34878D82A}">
-                    <a16:rowId xmlns:a16="http://schemas.microsoft.com/office/drawing/2014/main" val="2350932793"/>
+                    <a16:rowId xmlns:a16="http://schemas.microsoft.com/office/drawing/2014/main" xmlns="" val="2350932793"/>
                   </a:ext>
                 </a:extLst>
               </a:tr>
@@ -5601,7 +5692,7 @@
                         </a:spcAft>
                       </a:pPr>
                       <a:r>
-                        <a:rPr lang="en-DK" sz="2000" b="0" i="0" u="none" strike="noStrike">
+                        <a:rPr lang="aa-ET" sz="2000" b="0" i="0" u="none" strike="noStrike">
                           <a:solidFill>
                             <a:srgbClr val="000000"/>
                           </a:solidFill>
@@ -5610,7 +5701,7 @@
                         </a:rPr>
                         <a:t>0.82</a:t>
                       </a:r>
-                      <a:endParaRPr lang="en-DK" sz="2000">
+                      <a:endParaRPr lang="aa-ET" sz="2000">
                         <a:effectLst/>
                       </a:endParaRPr>
                     </a:p>
@@ -5631,7 +5722,7 @@
                         </a:spcAft>
                       </a:pPr>
                       <a:r>
-                        <a:rPr lang="en-DK" sz="2000" b="0" i="0" u="none" strike="noStrike">
+                        <a:rPr lang="aa-ET" sz="2000" b="0" i="0" u="none" strike="noStrike">
                           <a:solidFill>
                             <a:srgbClr val="000000"/>
                           </a:solidFill>
@@ -5640,7 +5731,7 @@
                         </a:rPr>
                         <a:t>0.473</a:t>
                       </a:r>
-                      <a:endParaRPr lang="en-DK" sz="2000">
+                      <a:endParaRPr lang="aa-ET" sz="2000">
                         <a:effectLst/>
                       </a:endParaRPr>
                     </a:p>
@@ -5661,7 +5752,7 @@
                         </a:spcAft>
                       </a:pPr>
                       <a:r>
-                        <a:rPr lang="en-DK" sz="2000" b="0" i="0" u="none" strike="noStrike" dirty="0">
+                        <a:rPr lang="aa-ET" sz="2000" b="0" i="0" u="none" strike="noStrike" dirty="0">
                           <a:solidFill>
                             <a:srgbClr val="000000"/>
                           </a:solidFill>
@@ -5670,7 +5761,7 @@
                         </a:rPr>
                         <a:t>0.572</a:t>
                       </a:r>
-                      <a:endParaRPr lang="en-DK" sz="2000" dirty="0">
+                      <a:endParaRPr lang="aa-ET" sz="2000" dirty="0">
                         <a:effectLst/>
                       </a:endParaRPr>
                     </a:p>
@@ -5691,7 +5782,7 @@
                         </a:spcAft>
                       </a:pPr>
                       <a:r>
-                        <a:rPr lang="en-DK" sz="2000" b="0" i="0" u="none" strike="noStrike" dirty="0">
+                        <a:rPr lang="aa-ET" sz="2000" b="0" i="0" u="none" strike="noStrike" dirty="0">
                           <a:solidFill>
                             <a:srgbClr val="000000"/>
                           </a:solidFill>
@@ -5700,7 +5791,7 @@
                         </a:rPr>
                         <a:t>0.658</a:t>
                       </a:r>
-                      <a:endParaRPr lang="en-DK" sz="2000" dirty="0">
+                      <a:endParaRPr lang="aa-ET" sz="2000" dirty="0">
                         <a:effectLst/>
                       </a:endParaRPr>
                     </a:p>
@@ -5721,7 +5812,7 @@
                         </a:spcAft>
                       </a:pPr>
                       <a:r>
-                        <a:rPr lang="en-DK" sz="2000" b="0" i="0" u="none" strike="noStrike" dirty="0">
+                        <a:rPr lang="aa-ET" sz="2000" b="0" i="0" u="none" strike="noStrike" dirty="0">
                           <a:solidFill>
                             <a:srgbClr val="000000"/>
                           </a:solidFill>
@@ -5730,7 +5821,7 @@
                         </a:rPr>
                         <a:t>0.612</a:t>
                       </a:r>
-                      <a:endParaRPr lang="en-DK" sz="2000" dirty="0">
+                      <a:endParaRPr lang="aa-ET" sz="2000" dirty="0">
                         <a:effectLst/>
                       </a:endParaRPr>
                     </a:p>
@@ -5739,7 +5830,7 @@
                 </a:tc>
                 <a:extLst>
                   <a:ext uri="{0D108BD9-81ED-4DB2-BD59-A6C34878D82A}">
-                    <a16:rowId xmlns:a16="http://schemas.microsoft.com/office/drawing/2014/main" val="2262440005"/>
+                    <a16:rowId xmlns:a16="http://schemas.microsoft.com/office/drawing/2014/main" xmlns="" val="2262440005"/>
                   </a:ext>
                 </a:extLst>
               </a:tr>
@@ -5788,7 +5879,7 @@
                         </a:spcAft>
                       </a:pPr>
                       <a:r>
-                        <a:rPr lang="en-DK" sz="2000" b="0" i="0" u="none" strike="noStrike">
+                        <a:rPr lang="aa-ET" sz="2000" b="0" i="0" u="none" strike="noStrike">
                           <a:solidFill>
                             <a:srgbClr val="000000"/>
                           </a:solidFill>
@@ -5797,7 +5888,7 @@
                         </a:rPr>
                         <a:t>0.86</a:t>
                       </a:r>
-                      <a:endParaRPr lang="en-DK" sz="2000">
+                      <a:endParaRPr lang="aa-ET" sz="2000">
                         <a:effectLst/>
                       </a:endParaRPr>
                     </a:p>
@@ -5818,7 +5909,7 @@
                         </a:spcAft>
                       </a:pPr>
                       <a:r>
-                        <a:rPr lang="en-DK" sz="2000" b="0" i="0" u="none" strike="noStrike" dirty="0">
+                        <a:rPr lang="aa-ET" sz="2000" b="0" i="0" u="none" strike="noStrike" dirty="0">
                           <a:solidFill>
                             <a:srgbClr val="000000"/>
                           </a:solidFill>
@@ -5827,7 +5918,7 @@
                         </a:rPr>
                         <a:t>0.469</a:t>
                       </a:r>
-                      <a:endParaRPr lang="en-DK" sz="2000" dirty="0">
+                      <a:endParaRPr lang="aa-ET" sz="2000" dirty="0">
                         <a:effectLst/>
                       </a:endParaRPr>
                     </a:p>
@@ -5848,7 +5939,7 @@
                         </a:spcAft>
                       </a:pPr>
                       <a:r>
-                        <a:rPr lang="en-DK" sz="2000" b="0" i="0" u="none" strike="noStrike" dirty="0">
+                        <a:rPr lang="aa-ET" sz="2000" b="0" i="0" u="none" strike="noStrike" dirty="0">
                           <a:solidFill>
                             <a:srgbClr val="000000"/>
                           </a:solidFill>
@@ -5857,7 +5948,7 @@
                         </a:rPr>
                         <a:t>0.5</a:t>
                       </a:r>
-                      <a:endParaRPr lang="en-DK" sz="2000" dirty="0">
+                      <a:endParaRPr lang="aa-ET" sz="2000" dirty="0">
                         <a:effectLst/>
                       </a:endParaRPr>
                     </a:p>
@@ -5878,7 +5969,7 @@
                         </a:spcAft>
                       </a:pPr>
                       <a:r>
-                        <a:rPr lang="en-DK" sz="2000" b="0" i="0" u="none" strike="noStrike">
+                        <a:rPr lang="aa-ET" sz="2000" b="0" i="0" u="none" strike="noStrike">
                           <a:solidFill>
                             <a:srgbClr val="000000"/>
                           </a:solidFill>
@@ -5887,7 +5978,7 @@
                         </a:rPr>
                         <a:t>0.794</a:t>
                       </a:r>
-                      <a:endParaRPr lang="en-DK" sz="2000">
+                      <a:endParaRPr lang="aa-ET" sz="2000">
                         <a:effectLst/>
                       </a:endParaRPr>
                     </a:p>
@@ -5908,7 +5999,7 @@
                         </a:spcAft>
                       </a:pPr>
                       <a:r>
-                        <a:rPr lang="en-DK" sz="2000" b="0" i="0" u="none" strike="noStrike">
+                        <a:rPr lang="aa-ET" sz="2000" b="0" i="0" u="none" strike="noStrike">
                           <a:solidFill>
                             <a:srgbClr val="000000"/>
                           </a:solidFill>
@@ -5917,7 +6008,7 @@
                         </a:rPr>
                         <a:t>0.614</a:t>
                       </a:r>
-                      <a:endParaRPr lang="en-DK" sz="2000">
+                      <a:endParaRPr lang="aa-ET" sz="2000">
                         <a:effectLst/>
                       </a:endParaRPr>
                     </a:p>
@@ -5926,7 +6017,7 @@
                 </a:tc>
                 <a:extLst>
                   <a:ext uri="{0D108BD9-81ED-4DB2-BD59-A6C34878D82A}">
-                    <a16:rowId xmlns:a16="http://schemas.microsoft.com/office/drawing/2014/main" val="3805626318"/>
+                    <a16:rowId xmlns:a16="http://schemas.microsoft.com/office/drawing/2014/main" xmlns="" val="3805626318"/>
                   </a:ext>
                 </a:extLst>
               </a:tr>
@@ -5975,7 +6066,7 @@
                         </a:spcAft>
                       </a:pPr>
                       <a:r>
-                        <a:rPr lang="en-DK" sz="2000" b="0" i="0" u="none" strike="noStrike">
+                        <a:rPr lang="aa-ET" sz="2000" b="0" i="0" u="none" strike="noStrike">
                           <a:solidFill>
                             <a:srgbClr val="000000"/>
                           </a:solidFill>
@@ -5984,7 +6075,7 @@
                         </a:rPr>
                         <a:t>0.87</a:t>
                       </a:r>
-                      <a:endParaRPr lang="en-DK" sz="2000">
+                      <a:endParaRPr lang="aa-ET" sz="2000">
                         <a:effectLst/>
                       </a:endParaRPr>
                     </a:p>
@@ -6005,7 +6096,7 @@
                         </a:spcAft>
                       </a:pPr>
                       <a:r>
-                        <a:rPr lang="en-DK" sz="2000" b="0" i="0" u="none" strike="noStrike">
+                        <a:rPr lang="aa-ET" sz="2000" b="0" i="0" u="none" strike="noStrike">
                           <a:solidFill>
                             <a:srgbClr val="000000"/>
                           </a:solidFill>
@@ -6014,7 +6105,7 @@
                         </a:rPr>
                         <a:t>0.559</a:t>
                       </a:r>
-                      <a:endParaRPr lang="en-DK" sz="2000">
+                      <a:endParaRPr lang="aa-ET" sz="2000">
                         <a:effectLst/>
                       </a:endParaRPr>
                     </a:p>
@@ -6035,7 +6126,7 @@
                         </a:spcAft>
                       </a:pPr>
                       <a:r>
-                        <a:rPr lang="en-DK" sz="2000" b="0" i="0" u="none" strike="noStrike">
+                        <a:rPr lang="aa-ET" sz="2000" b="0" i="0" u="none" strike="noStrike">
                           <a:solidFill>
                             <a:srgbClr val="000000"/>
                           </a:solidFill>
@@ -6044,7 +6135,7 @@
                         </a:rPr>
                         <a:t>0.623</a:t>
                       </a:r>
-                      <a:endParaRPr lang="en-DK" sz="2000">
+                      <a:endParaRPr lang="aa-ET" sz="2000">
                         <a:effectLst/>
                       </a:endParaRPr>
                     </a:p>
@@ -6065,7 +6156,7 @@
                         </a:spcAft>
                       </a:pPr>
                       <a:r>
-                        <a:rPr lang="en-DK" sz="2000" b="0" i="0" u="none" strike="noStrike">
+                        <a:rPr lang="aa-ET" sz="2000" b="0" i="0" u="none" strike="noStrike">
                           <a:solidFill>
                             <a:srgbClr val="000000"/>
                           </a:solidFill>
@@ -6074,7 +6165,7 @@
                         </a:rPr>
                         <a:t>0.738</a:t>
                       </a:r>
-                      <a:endParaRPr lang="en-DK" sz="2000">
+                      <a:endParaRPr lang="aa-ET" sz="2000">
                         <a:effectLst/>
                       </a:endParaRPr>
                     </a:p>
@@ -6095,7 +6186,7 @@
                         </a:spcAft>
                       </a:pPr>
                       <a:r>
-                        <a:rPr lang="en-DK" sz="2000" b="0" i="0" u="none" strike="noStrike">
+                        <a:rPr lang="aa-ET" sz="2000" b="0" i="0" u="none" strike="noStrike">
                           <a:solidFill>
                             <a:srgbClr val="000000"/>
                           </a:solidFill>
@@ -6104,7 +6195,7 @@
                         </a:rPr>
                         <a:t>0.676</a:t>
                       </a:r>
-                      <a:endParaRPr lang="en-DK" sz="2000">
+                      <a:endParaRPr lang="aa-ET" sz="2000">
                         <a:effectLst/>
                       </a:endParaRPr>
                     </a:p>
@@ -6113,7 +6204,7 @@
                 </a:tc>
                 <a:extLst>
                   <a:ext uri="{0D108BD9-81ED-4DB2-BD59-A6C34878D82A}">
-                    <a16:rowId xmlns:a16="http://schemas.microsoft.com/office/drawing/2014/main" val="3022607923"/>
+                    <a16:rowId xmlns:a16="http://schemas.microsoft.com/office/drawing/2014/main" xmlns="" val="3022607923"/>
                   </a:ext>
                 </a:extLst>
               </a:tr>
@@ -6162,7 +6253,7 @@
                         </a:spcAft>
                       </a:pPr>
                       <a:r>
-                        <a:rPr lang="en-DK" sz="2000" b="0" i="0" u="none" strike="noStrike">
+                        <a:rPr lang="aa-ET" sz="2000" b="0" i="0" u="none" strike="noStrike">
                           <a:solidFill>
                             <a:srgbClr val="000000"/>
                           </a:solidFill>
@@ -6171,7 +6262,7 @@
                         </a:rPr>
                         <a:t>0.87</a:t>
                       </a:r>
-                      <a:endParaRPr lang="en-DK" sz="2000">
+                      <a:endParaRPr lang="aa-ET" sz="2000">
                         <a:effectLst/>
                       </a:endParaRPr>
                     </a:p>
@@ -6192,7 +6283,7 @@
                         </a:spcAft>
                       </a:pPr>
                       <a:r>
-                        <a:rPr lang="en-DK" sz="2000" b="0" i="0" u="none" strike="noStrike">
+                        <a:rPr lang="aa-ET" sz="2000" b="0" i="0" u="none" strike="noStrike">
                           <a:solidFill>
                             <a:srgbClr val="000000"/>
                           </a:solidFill>
@@ -6201,7 +6292,7 @@
                         </a:rPr>
                         <a:t>0.584</a:t>
                       </a:r>
-                      <a:endParaRPr lang="en-DK" sz="2000">
+                      <a:endParaRPr lang="aa-ET" sz="2000">
                         <a:effectLst/>
                       </a:endParaRPr>
                     </a:p>
@@ -6222,7 +6313,7 @@
                         </a:spcAft>
                       </a:pPr>
                       <a:r>
-                        <a:rPr lang="en-DK" sz="2000" b="0" i="0" u="none" strike="noStrike">
+                        <a:rPr lang="aa-ET" sz="2000" b="0" i="0" u="none" strike="noStrike">
                           <a:solidFill>
                             <a:srgbClr val="000000"/>
                           </a:solidFill>
@@ -6231,7 +6322,7 @@
                         </a:rPr>
                         <a:t>0.678</a:t>
                       </a:r>
-                      <a:endParaRPr lang="en-DK" sz="2000">
+                      <a:endParaRPr lang="aa-ET" sz="2000">
                         <a:effectLst/>
                       </a:endParaRPr>
                     </a:p>
@@ -6252,7 +6343,7 @@
                         </a:spcAft>
                       </a:pPr>
                       <a:r>
-                        <a:rPr lang="en-DK" sz="2000" b="0" i="0" u="none" strike="noStrike">
+                        <a:rPr lang="aa-ET" sz="2000" b="0" i="0" u="none" strike="noStrike">
                           <a:solidFill>
                             <a:srgbClr val="000000"/>
                           </a:solidFill>
@@ -6261,7 +6352,7 @@
                         </a:rPr>
                         <a:t>0.700</a:t>
                       </a:r>
-                      <a:endParaRPr lang="en-DK" sz="2000">
+                      <a:endParaRPr lang="aa-ET" sz="2000">
                         <a:effectLst/>
                       </a:endParaRPr>
                     </a:p>
@@ -6282,7 +6373,7 @@
                         </a:spcAft>
                       </a:pPr>
                       <a:r>
-                        <a:rPr lang="en-DK" sz="2000" b="0" i="0" u="none" strike="noStrike" dirty="0">
+                        <a:rPr lang="aa-ET" sz="2000" b="0" i="0" u="none" strike="noStrike" dirty="0">
                           <a:solidFill>
                             <a:srgbClr val="000000"/>
                           </a:solidFill>
@@ -6291,7 +6382,7 @@
                         </a:rPr>
                         <a:t>0.689</a:t>
                       </a:r>
-                      <a:endParaRPr lang="en-DK" sz="2000" dirty="0">
+                      <a:endParaRPr lang="aa-ET" sz="2000" dirty="0">
                         <a:effectLst/>
                       </a:endParaRPr>
                     </a:p>
@@ -6300,7 +6391,7 @@
                 </a:tc>
                 <a:extLst>
                   <a:ext uri="{0D108BD9-81ED-4DB2-BD59-A6C34878D82A}">
-                    <a16:rowId xmlns:a16="http://schemas.microsoft.com/office/drawing/2014/main" val="73323118"/>
+                    <a16:rowId xmlns:a16="http://schemas.microsoft.com/office/drawing/2014/main" xmlns="" val="73323118"/>
                   </a:ext>
                 </a:extLst>
               </a:tr>
@@ -6313,7 +6404,7 @@
           <p:cNvPr id="34" name="Picture 33">
             <a:extLst>
               <a:ext uri="{FF2B5EF4-FFF2-40B4-BE49-F238E27FC236}">
-                <a16:creationId xmlns:a16="http://schemas.microsoft.com/office/drawing/2014/main" id="{009AA18F-AFE2-5D47-9309-6D28CEF1AEC7}"/>
+                <a16:creationId xmlns:a16="http://schemas.microsoft.com/office/drawing/2014/main" xmlns="" id="{009AA18F-AFE2-5D47-9309-6D28CEF1AEC7}"/>
               </a:ext>
             </a:extLst>
           </p:cNvPr>
@@ -6343,7 +6434,7 @@
           <p:cNvPr id="10" name="TextBox 9">
             <a:extLst>
               <a:ext uri="{FF2B5EF4-FFF2-40B4-BE49-F238E27FC236}">
-                <a16:creationId xmlns:a16="http://schemas.microsoft.com/office/drawing/2014/main" id="{5305FA10-9288-7B48-90B7-C15D115D1054}"/>
+                <a16:creationId xmlns:a16="http://schemas.microsoft.com/office/drawing/2014/main" xmlns="" id="{5305FA10-9288-7B48-90B7-C15D115D1054}"/>
               </a:ext>
             </a:extLst>
           </p:cNvPr>
@@ -6398,7 +6489,7 @@
           <p:cNvPr id="42" name="Rectangle 41">
             <a:extLst>
               <a:ext uri="{FF2B5EF4-FFF2-40B4-BE49-F238E27FC236}">
-                <a16:creationId xmlns:a16="http://schemas.microsoft.com/office/drawing/2014/main" id="{8F9D5055-0619-1C43-BE80-475271362937}"/>
+                <a16:creationId xmlns:a16="http://schemas.microsoft.com/office/drawing/2014/main" xmlns="" id="{8F9D5055-0619-1C43-BE80-475271362937}"/>
               </a:ext>
             </a:extLst>
           </p:cNvPr>
@@ -6444,7 +6535,7 @@
           <p:cNvPr id="1028" name="Picture 4">
             <a:extLst>
               <a:ext uri="{FF2B5EF4-FFF2-40B4-BE49-F238E27FC236}">
-                <a16:creationId xmlns:a16="http://schemas.microsoft.com/office/drawing/2014/main" id="{3F9F01C9-07DA-264D-BEC8-52DCD921122E}"/>
+                <a16:creationId xmlns:a16="http://schemas.microsoft.com/office/drawing/2014/main" xmlns="" id="{3F9F01C9-07DA-264D-BEC8-52DCD921122E}"/>
               </a:ext>
             </a:extLst>
           </p:cNvPr>
@@ -6491,7 +6582,7 @@
           <p:cNvPr id="6" name="Table 6">
             <a:extLst>
               <a:ext uri="{FF2B5EF4-FFF2-40B4-BE49-F238E27FC236}">
-                <a16:creationId xmlns:a16="http://schemas.microsoft.com/office/drawing/2014/main" id="{3760B689-1A4D-3246-9088-5992D7F633AE}"/>
+                <a16:creationId xmlns:a16="http://schemas.microsoft.com/office/drawing/2014/main" xmlns="" id="{3760B689-1A4D-3246-9088-5992D7F633AE}"/>
               </a:ext>
             </a:extLst>
           </p:cNvPr>
@@ -6520,21 +6611,21 @@
                 <a:gridCol w="1976441">
                   <a:extLst>
                     <a:ext uri="{9D8B030D-6E8A-4147-A177-3AD203B41FA5}">
-                      <a16:colId xmlns:a16="http://schemas.microsoft.com/office/drawing/2014/main" val="2349603488"/>
+                      <a16:colId xmlns:a16="http://schemas.microsoft.com/office/drawing/2014/main" xmlns="" val="2349603488"/>
                     </a:ext>
                   </a:extLst>
                 </a:gridCol>
                 <a:gridCol w="1976441">
                   <a:extLst>
                     <a:ext uri="{9D8B030D-6E8A-4147-A177-3AD203B41FA5}">
-                      <a16:colId xmlns:a16="http://schemas.microsoft.com/office/drawing/2014/main" val="3515897520"/>
+                      <a16:colId xmlns:a16="http://schemas.microsoft.com/office/drawing/2014/main" xmlns="" val="3515897520"/>
                     </a:ext>
                   </a:extLst>
                 </a:gridCol>
                 <a:gridCol w="1976441">
                   <a:extLst>
                     <a:ext uri="{9D8B030D-6E8A-4147-A177-3AD203B41FA5}">
-                      <a16:colId xmlns:a16="http://schemas.microsoft.com/office/drawing/2014/main" val="3363298409"/>
+                      <a16:colId xmlns:a16="http://schemas.microsoft.com/office/drawing/2014/main" xmlns="" val="3363298409"/>
                     </a:ext>
                   </a:extLst>
                 </a:gridCol>
@@ -6545,7 +6636,7 @@
                     <a:bodyPr/>
                     <a:lstStyle/>
                     <a:p>
-                      <a:endParaRPr lang="en-DK" sz="2000" b="1" dirty="0">
+                      <a:endParaRPr lang="aa-ET" sz="2000" b="1" dirty="0">
                         <a:solidFill>
                           <a:schemeClr val="bg1"/>
                         </a:solidFill>
@@ -6566,7 +6657,7 @@
                     <a:lstStyle/>
                     <a:p>
                       <a:r>
-                        <a:rPr lang="en-DK" sz="2000" dirty="0">
+                        <a:rPr lang="aa-ET" sz="2000" dirty="0">
                           <a:latin typeface="Arial" panose="020B0604020202020204" pitchFamily="34" charset="0"/>
                           <a:cs typeface="Arial" panose="020B0604020202020204" pitchFamily="34" charset="0"/>
                         </a:rPr>
@@ -6586,7 +6677,7 @@
                     <a:lstStyle/>
                     <a:p>
                       <a:r>
-                        <a:rPr lang="en-DK" sz="2000" dirty="0">
+                        <a:rPr lang="aa-ET" sz="2000" dirty="0">
                           <a:latin typeface="Arial" panose="020B0604020202020204" pitchFamily="34" charset="0"/>
                           <a:cs typeface="Arial" panose="020B0604020202020204" pitchFamily="34" charset="0"/>
                         </a:rPr>
@@ -6602,7 +6693,7 @@
                 </a:tc>
                 <a:extLst>
                   <a:ext uri="{0D108BD9-81ED-4DB2-BD59-A6C34878D82A}">
-                    <a16:rowId xmlns:a16="http://schemas.microsoft.com/office/drawing/2014/main" val="3087985295"/>
+                    <a16:rowId xmlns:a16="http://schemas.microsoft.com/office/drawing/2014/main" xmlns="" val="3087985295"/>
                   </a:ext>
                 </a:extLst>
               </a:tr>
@@ -6613,7 +6704,7 @@
                     <a:lstStyle/>
                     <a:p>
                       <a:r>
-                        <a:rPr lang="en-DK" sz="2000" b="1" dirty="0">
+                        <a:rPr lang="aa-ET" sz="2000" b="1" dirty="0">
                           <a:solidFill>
                             <a:schemeClr val="bg1"/>
                           </a:solidFill>
@@ -6637,7 +6728,7 @@
                     <a:p>
                       <a:pPr algn="ctr"/>
                       <a:r>
-                        <a:rPr lang="en-DK" sz="2000" dirty="0">
+                        <a:rPr lang="aa-ET" sz="2000" dirty="0">
                           <a:latin typeface="Arial" panose="020B0604020202020204" pitchFamily="34" charset="0"/>
                           <a:cs typeface="Arial" panose="020B0604020202020204" pitchFamily="34" charset="0"/>
                         </a:rPr>
@@ -6654,7 +6745,7 @@
                     <a:p>
                       <a:pPr algn="ctr"/>
                       <a:r>
-                        <a:rPr lang="en-DK" sz="2000" dirty="0">
+                        <a:rPr lang="aa-ET" sz="2000" dirty="0">
                           <a:latin typeface="Arial" panose="020B0604020202020204" pitchFamily="34" charset="0"/>
                           <a:cs typeface="Arial" panose="020B0604020202020204" pitchFamily="34" charset="0"/>
                         </a:rPr>
@@ -6666,7 +6757,7 @@
                 </a:tc>
                 <a:extLst>
                   <a:ext uri="{0D108BD9-81ED-4DB2-BD59-A6C34878D82A}">
-                    <a16:rowId xmlns:a16="http://schemas.microsoft.com/office/drawing/2014/main" val="1359549375"/>
+                    <a16:rowId xmlns:a16="http://schemas.microsoft.com/office/drawing/2014/main" xmlns="" val="1359549375"/>
                   </a:ext>
                 </a:extLst>
               </a:tr>
@@ -6677,7 +6768,7 @@
                     <a:lstStyle/>
                     <a:p>
                       <a:r>
-                        <a:rPr lang="en-DK" sz="2000" b="1" dirty="0">
+                        <a:rPr lang="aa-ET" sz="2000" b="1" dirty="0">
                           <a:solidFill>
                             <a:schemeClr val="bg1"/>
                           </a:solidFill>
@@ -6701,7 +6792,7 @@
                     <a:p>
                       <a:pPr algn="ctr"/>
                       <a:r>
-                        <a:rPr lang="en-DK" sz="2000" dirty="0">
+                        <a:rPr lang="aa-ET" sz="2000" dirty="0">
                           <a:latin typeface="Arial" panose="020B0604020202020204" pitchFamily="34" charset="0"/>
                           <a:cs typeface="Arial" panose="020B0604020202020204" pitchFamily="34" charset="0"/>
                         </a:rPr>
@@ -6718,7 +6809,7 @@
                     <a:p>
                       <a:pPr algn="ctr"/>
                       <a:r>
-                        <a:rPr lang="en-DK" sz="2000" dirty="0">
+                        <a:rPr lang="aa-ET" sz="2000" dirty="0">
                           <a:latin typeface="Arial" panose="020B0604020202020204" pitchFamily="34" charset="0"/>
                           <a:cs typeface="Arial" panose="020B0604020202020204" pitchFamily="34" charset="0"/>
                         </a:rPr>
@@ -6730,7 +6821,7 @@
                 </a:tc>
                 <a:extLst>
                   <a:ext uri="{0D108BD9-81ED-4DB2-BD59-A6C34878D82A}">
-                    <a16:rowId xmlns:a16="http://schemas.microsoft.com/office/drawing/2014/main" val="1069740977"/>
+                    <a16:rowId xmlns:a16="http://schemas.microsoft.com/office/drawing/2014/main" xmlns="" val="1069740977"/>
                   </a:ext>
                 </a:extLst>
               </a:tr>
@@ -6743,7 +6834,7 @@
           <p:cNvPr id="46" name="Rectangle 45">
             <a:extLst>
               <a:ext uri="{FF2B5EF4-FFF2-40B4-BE49-F238E27FC236}">
-                <a16:creationId xmlns:a16="http://schemas.microsoft.com/office/drawing/2014/main" id="{964E3663-361F-234F-8DB1-125E94CA453E}"/>
+                <a16:creationId xmlns:a16="http://schemas.microsoft.com/office/drawing/2014/main" xmlns="" id="{964E3663-361F-234F-8DB1-125E94CA453E}"/>
               </a:ext>
             </a:extLst>
           </p:cNvPr>
@@ -6780,7 +6871,7 @@
           <p:cNvPr id="11" name="Group 10">
             <a:extLst>
               <a:ext uri="{FF2B5EF4-FFF2-40B4-BE49-F238E27FC236}">
-                <a16:creationId xmlns:a16="http://schemas.microsoft.com/office/drawing/2014/main" id="{3AED7200-7C92-B14A-84E4-06156227898D}"/>
+                <a16:creationId xmlns:a16="http://schemas.microsoft.com/office/drawing/2014/main" xmlns="" id="{3AED7200-7C92-B14A-84E4-06156227898D}"/>
               </a:ext>
             </a:extLst>
           </p:cNvPr>
@@ -6800,7 +6891,7 @@
             <p:cNvPr id="4" name="Picture 2">
               <a:extLst>
                 <a:ext uri="{FF2B5EF4-FFF2-40B4-BE49-F238E27FC236}">
-                  <a16:creationId xmlns:a16="http://schemas.microsoft.com/office/drawing/2014/main" id="{A70BCE07-72DC-0247-A3B9-AB0B19DA3D7C}"/>
+                  <a16:creationId xmlns:a16="http://schemas.microsoft.com/office/drawing/2014/main" xmlns="" id="{A70BCE07-72DC-0247-A3B9-AB0B19DA3D7C}"/>
                 </a:ext>
               </a:extLst>
             </p:cNvPr>
@@ -6847,7 +6938,7 @@
             <p:cNvPr id="9" name="Rectangle 8">
               <a:extLst>
                 <a:ext uri="{FF2B5EF4-FFF2-40B4-BE49-F238E27FC236}">
-                  <a16:creationId xmlns:a16="http://schemas.microsoft.com/office/drawing/2014/main" id="{66A57E36-D0AE-F64A-8DC0-85C4FBDEDA93}"/>
+                  <a16:creationId xmlns:a16="http://schemas.microsoft.com/office/drawing/2014/main" xmlns="" id="{66A57E36-D0AE-F64A-8DC0-85C4FBDEDA93}"/>
                 </a:ext>
               </a:extLst>
             </p:cNvPr>
@@ -6890,7 +6981,7 @@
             <a:lstStyle/>
             <a:p>
               <a:pPr algn="ctr"/>
-              <a:endParaRPr lang="en-DK"/>
+              <a:endParaRPr lang="aa-ET"/>
             </a:p>
           </p:txBody>
         </p:sp>
@@ -6900,7 +6991,7 @@
           <p:cNvPr id="13" name="Picture 12">
             <a:extLst>
               <a:ext uri="{FF2B5EF4-FFF2-40B4-BE49-F238E27FC236}">
-                <a16:creationId xmlns:a16="http://schemas.microsoft.com/office/drawing/2014/main" id="{61D7E7CE-F29E-0E48-AB01-D8F922CEE716}"/>
+                <a16:creationId xmlns:a16="http://schemas.microsoft.com/office/drawing/2014/main" xmlns="" id="{61D7E7CE-F29E-0E48-AB01-D8F922CEE716}"/>
               </a:ext>
             </a:extLst>
           </p:cNvPr>
@@ -7495,6 +7586,21 @@
 </file>
 
 <file path=customXml/item1.xml><?xml version="1.0" encoding="utf-8"?>
+<?mso-contentType ?>
+<FormTemplates xmlns="http://schemas.microsoft.com/sharepoint/v3/contenttype/forms">
+  <Display>DocumentLibraryForm</Display>
+  <Edit>DocumentLibraryForm</Edit>
+  <New>DocumentLibraryForm</New>
+</FormTemplates>
+</file>
+
+<file path=customXml/item2.xml><?xml version="1.0" encoding="utf-8"?>
+<p:properties xmlns:p="http://schemas.microsoft.com/office/2006/metadata/properties" xmlns:xsi="http://www.w3.org/2001/XMLSchema-instance" xmlns:pc="http://schemas.microsoft.com/office/infopath/2007/PartnerControls">
+  <documentManagement/>
+</p:properties>
+</file>
+
+<file path=customXml/item3.xml><?xml version="1.0" encoding="utf-8"?>
 <ct:contentTypeSchema xmlns:ct="http://schemas.microsoft.com/office/2006/metadata/contentType" xmlns:ma="http://schemas.microsoft.com/office/2006/metadata/properties/metaAttributes" ct:_="" ma:_="" ma:contentTypeName="Dokument" ma:contentTypeID="0x0101005E463CDCE29E264BAAEC2B3AEC8F5142" ma:contentTypeVersion="2" ma:contentTypeDescription="Opret et nyt dokument." ma:contentTypeScope="" ma:versionID="40f9935ff4a16e0d5b8e000d0b147fdc">
   <xsd:schema xmlns:xsd="http://www.w3.org/2001/XMLSchema" xmlns:xs="http://www.w3.org/2001/XMLSchema" xmlns:p="http://schemas.microsoft.com/office/2006/metadata/properties" xmlns:ns2="74242bd1-cb82-4e60-a08e-4217a7fb8d1d" targetNamespace="http://schemas.microsoft.com/office/2006/metadata/properties" ma:root="true" ma:fieldsID="4c2aca2db47d5d21ece1ec953cba830c" ns2:_="">
     <xsd:import namespace="74242bd1-cb82-4e60-a08e-4217a7fb8d1d"/>
@@ -7626,22 +7732,24 @@
 </ct:contentTypeSchema>
 </file>
 
-<file path=customXml/item2.xml><?xml version="1.0" encoding="utf-8"?>
-<p:properties xmlns:p="http://schemas.microsoft.com/office/2006/metadata/properties" xmlns:xsi="http://www.w3.org/2001/XMLSchema-instance" xmlns:pc="http://schemas.microsoft.com/office/infopath/2007/PartnerControls">
-  <documentManagement/>
-</p:properties>
+<file path=customXml/itemProps1.xml><?xml version="1.0" encoding="utf-8"?>
+<ds:datastoreItem xmlns:ds="http://schemas.openxmlformats.org/officeDocument/2006/customXml" ds:itemID="{405562AF-484A-42F9-A02C-A3F5AD59D6C1}">
+  <ds:schemaRefs>
+    <ds:schemaRef ds:uri="http://schemas.microsoft.com/sharepoint/v3/contenttype/forms"/>
+  </ds:schemaRefs>
+</ds:datastoreItem>
 </file>
 
-<file path=customXml/item3.xml><?xml version="1.0" encoding="utf-8"?>
-<?mso-contentType ?>
-<FormTemplates xmlns="http://schemas.microsoft.com/sharepoint/v3/contenttype/forms">
-  <Display>DocumentLibraryForm</Display>
-  <Edit>DocumentLibraryForm</Edit>
-  <New>DocumentLibraryForm</New>
-</FormTemplates>
+<file path=customXml/itemProps2.xml><?xml version="1.0" encoding="utf-8"?>
+<ds:datastoreItem xmlns:ds="http://schemas.openxmlformats.org/officeDocument/2006/customXml" ds:itemID="{CB370A3C-731B-4F4D-ABD0-42474AC25910}">
+  <ds:schemaRefs>
+    <ds:schemaRef ds:uri="http://schemas.microsoft.com/office/2006/metadata/properties"/>
+    <ds:schemaRef ds:uri="http://schemas.microsoft.com/office/infopath/2007/PartnerControls"/>
+  </ds:schemaRefs>
+</ds:datastoreItem>
 </file>
 
-<file path=customXml/itemProps1.xml><?xml version="1.0" encoding="utf-8"?>
+<file path=customXml/itemProps3.xml><?xml version="1.0" encoding="utf-8"?>
 <ds:datastoreItem xmlns:ds="http://schemas.openxmlformats.org/officeDocument/2006/customXml" ds:itemID="{A265213D-E9A2-401B-A85F-226A40D5C1B2}">
   <ds:schemaRefs>
     <ds:schemaRef ds:uri="http://schemas.microsoft.com/office/2006/metadata/contentType"/>
@@ -7657,21 +7765,4 @@
     <ds:schemaRef ds:uri="http://schemas.microsoft.com/internal/obd"/>
   </ds:schemaRefs>
 </ds:datastoreItem>
-</file>
-
-<file path=customXml/itemProps2.xml><?xml version="1.0" encoding="utf-8"?>
-<ds:datastoreItem xmlns:ds="http://schemas.openxmlformats.org/officeDocument/2006/customXml" ds:itemID="{CB370A3C-731B-4F4D-ABD0-42474AC25910}">
-  <ds:schemaRefs>
-    <ds:schemaRef ds:uri="http://schemas.microsoft.com/office/2006/metadata/properties"/>
-    <ds:schemaRef ds:uri="http://schemas.microsoft.com/office/infopath/2007/PartnerControls"/>
-  </ds:schemaRefs>
-</ds:datastoreItem>
-</file>
-
-<file path=customXml/itemProps3.xml><?xml version="1.0" encoding="utf-8"?>
-<ds:datastoreItem xmlns:ds="http://schemas.openxmlformats.org/officeDocument/2006/customXml" ds:itemID="{405562AF-484A-42F9-A02C-A3F5AD59D6C1}">
-  <ds:schemaRefs>
-    <ds:schemaRef ds:uri="http://schemas.microsoft.com/sharepoint/v3/contenttype/forms"/>
-  </ds:schemaRefs>
-</ds:datastoreItem>
 </file>
--- a/presentation/presentation.pptx
+++ b/presentation/presentation.pptx
@@ -349,7 +349,7 @@
           <a:p>
             <a:fld id="{C6F05EAB-B404-4249-9B6E-2AB49D341D90}" type="datetimeFigureOut">
               <a:rPr lang="aa-ET" smtClean="0"/>
-              <a:t>06/12/2021</a:t>
+              <a:t>12/7/21</a:t>
             </a:fld>
             <a:endParaRPr lang="aa-ET"/>
           </a:p>
@@ -508,7 +508,7 @@
           <a:p>
             <a:fld id="{CC384317-2FF9-C745-838D-094DFBA5C4CC}" type="slidenum">
               <a:rPr lang="aa-ET" smtClean="0"/>
-              <a:t>‹N°›</a:t>
+              <a:t>‹#›</a:t>
             </a:fld>
             <a:endParaRPr lang="aa-ET"/>
           </a:p>
@@ -818,7 +818,7 @@
           <a:p>
             <a:fld id="{C1520061-EEF2-4648-A61C-FD1D344FB2F0}" type="datetimeFigureOut">
               <a:rPr lang="aa-ET" smtClean="0"/>
-              <a:t>06/12/2021</a:t>
+              <a:t>12/7/21</a:t>
             </a:fld>
             <a:endParaRPr lang="aa-ET"/>
           </a:p>
@@ -860,7 +860,7 @@
           <a:p>
             <a:fld id="{FDB24838-7C19-CC4E-B2E6-66E840BA735D}" type="slidenum">
               <a:rPr lang="aa-ET" smtClean="0"/>
-              <a:t>‹N°›</a:t>
+              <a:t>‹#›</a:t>
             </a:fld>
             <a:endParaRPr lang="aa-ET"/>
           </a:p>
@@ -988,7 +988,7 @@
           <a:p>
             <a:fld id="{C1520061-EEF2-4648-A61C-FD1D344FB2F0}" type="datetimeFigureOut">
               <a:rPr lang="aa-ET" smtClean="0"/>
-              <a:t>06/12/2021</a:t>
+              <a:t>12/7/21</a:t>
             </a:fld>
             <a:endParaRPr lang="aa-ET"/>
           </a:p>
@@ -1030,7 +1030,7 @@
           <a:p>
             <a:fld id="{FDB24838-7C19-CC4E-B2E6-66E840BA735D}" type="slidenum">
               <a:rPr lang="aa-ET" smtClean="0"/>
-              <a:t>‹N°›</a:t>
+              <a:t>‹#›</a:t>
             </a:fld>
             <a:endParaRPr lang="aa-ET"/>
           </a:p>
@@ -1168,7 +1168,7 @@
           <a:p>
             <a:fld id="{C1520061-EEF2-4648-A61C-FD1D344FB2F0}" type="datetimeFigureOut">
               <a:rPr lang="aa-ET" smtClean="0"/>
-              <a:t>06/12/2021</a:t>
+              <a:t>12/7/21</a:t>
             </a:fld>
             <a:endParaRPr lang="aa-ET"/>
           </a:p>
@@ -1210,7 +1210,7 @@
           <a:p>
             <a:fld id="{FDB24838-7C19-CC4E-B2E6-66E840BA735D}" type="slidenum">
               <a:rPr lang="aa-ET" smtClean="0"/>
-              <a:t>‹N°›</a:t>
+              <a:t>‹#›</a:t>
             </a:fld>
             <a:endParaRPr lang="aa-ET"/>
           </a:p>
@@ -1338,7 +1338,7 @@
           <a:p>
             <a:fld id="{C1520061-EEF2-4648-A61C-FD1D344FB2F0}" type="datetimeFigureOut">
               <a:rPr lang="aa-ET" smtClean="0"/>
-              <a:t>06/12/2021</a:t>
+              <a:t>12/7/21</a:t>
             </a:fld>
             <a:endParaRPr lang="aa-ET"/>
           </a:p>
@@ -1380,7 +1380,7 @@
           <a:p>
             <a:fld id="{FDB24838-7C19-CC4E-B2E6-66E840BA735D}" type="slidenum">
               <a:rPr lang="aa-ET" smtClean="0"/>
-              <a:t>‹N°›</a:t>
+              <a:t>‹#›</a:t>
             </a:fld>
             <a:endParaRPr lang="aa-ET"/>
           </a:p>
@@ -1582,7 +1582,7 @@
           <a:p>
             <a:fld id="{C1520061-EEF2-4648-A61C-FD1D344FB2F0}" type="datetimeFigureOut">
               <a:rPr lang="aa-ET" smtClean="0"/>
-              <a:t>06/12/2021</a:t>
+              <a:t>12/7/21</a:t>
             </a:fld>
             <a:endParaRPr lang="aa-ET"/>
           </a:p>
@@ -1624,7 +1624,7 @@
           <a:p>
             <a:fld id="{FDB24838-7C19-CC4E-B2E6-66E840BA735D}" type="slidenum">
               <a:rPr lang="aa-ET" smtClean="0"/>
-              <a:t>‹N°›</a:t>
+              <a:t>‹#›</a:t>
             </a:fld>
             <a:endParaRPr lang="aa-ET"/>
           </a:p>
@@ -1814,7 +1814,7 @@
           <a:p>
             <a:fld id="{C1520061-EEF2-4648-A61C-FD1D344FB2F0}" type="datetimeFigureOut">
               <a:rPr lang="aa-ET" smtClean="0"/>
-              <a:t>06/12/2021</a:t>
+              <a:t>12/7/21</a:t>
             </a:fld>
             <a:endParaRPr lang="aa-ET"/>
           </a:p>
@@ -1856,7 +1856,7 @@
           <a:p>
             <a:fld id="{FDB24838-7C19-CC4E-B2E6-66E840BA735D}" type="slidenum">
               <a:rPr lang="aa-ET" smtClean="0"/>
-              <a:t>‹N°›</a:t>
+              <a:t>‹#›</a:t>
             </a:fld>
             <a:endParaRPr lang="aa-ET"/>
           </a:p>
@@ -2181,7 +2181,7 @@
           <a:p>
             <a:fld id="{C1520061-EEF2-4648-A61C-FD1D344FB2F0}" type="datetimeFigureOut">
               <a:rPr lang="aa-ET" smtClean="0"/>
-              <a:t>06/12/2021</a:t>
+              <a:t>12/7/21</a:t>
             </a:fld>
             <a:endParaRPr lang="aa-ET"/>
           </a:p>
@@ -2223,7 +2223,7 @@
           <a:p>
             <a:fld id="{FDB24838-7C19-CC4E-B2E6-66E840BA735D}" type="slidenum">
               <a:rPr lang="aa-ET" smtClean="0"/>
-              <a:t>‹N°›</a:t>
+              <a:t>‹#›</a:t>
             </a:fld>
             <a:endParaRPr lang="aa-ET"/>
           </a:p>
@@ -2299,7 +2299,7 @@
           <a:p>
             <a:fld id="{C1520061-EEF2-4648-A61C-FD1D344FB2F0}" type="datetimeFigureOut">
               <a:rPr lang="aa-ET" smtClean="0"/>
-              <a:t>06/12/2021</a:t>
+              <a:t>12/7/21</a:t>
             </a:fld>
             <a:endParaRPr lang="aa-ET"/>
           </a:p>
@@ -2341,7 +2341,7 @@
           <a:p>
             <a:fld id="{FDB24838-7C19-CC4E-B2E6-66E840BA735D}" type="slidenum">
               <a:rPr lang="aa-ET" smtClean="0"/>
-              <a:t>‹N°›</a:t>
+              <a:t>‹#›</a:t>
             </a:fld>
             <a:endParaRPr lang="aa-ET"/>
           </a:p>
@@ -2394,7 +2394,7 @@
           <a:p>
             <a:fld id="{C1520061-EEF2-4648-A61C-FD1D344FB2F0}" type="datetimeFigureOut">
               <a:rPr lang="aa-ET" smtClean="0"/>
-              <a:t>06/12/2021</a:t>
+              <a:t>12/7/21</a:t>
             </a:fld>
             <a:endParaRPr lang="aa-ET"/>
           </a:p>
@@ -2436,7 +2436,7 @@
           <a:p>
             <a:fld id="{FDB24838-7C19-CC4E-B2E6-66E840BA735D}" type="slidenum">
               <a:rPr lang="aa-ET" smtClean="0"/>
-              <a:t>‹N°›</a:t>
+              <a:t>‹#›</a:t>
             </a:fld>
             <a:endParaRPr lang="aa-ET"/>
           </a:p>
@@ -2671,7 +2671,7 @@
           <a:p>
             <a:fld id="{C1520061-EEF2-4648-A61C-FD1D344FB2F0}" type="datetimeFigureOut">
               <a:rPr lang="aa-ET" smtClean="0"/>
-              <a:t>06/12/2021</a:t>
+              <a:t>12/7/21</a:t>
             </a:fld>
             <a:endParaRPr lang="aa-ET"/>
           </a:p>
@@ -2713,7 +2713,7 @@
           <a:p>
             <a:fld id="{FDB24838-7C19-CC4E-B2E6-66E840BA735D}" type="slidenum">
               <a:rPr lang="aa-ET" smtClean="0"/>
-              <a:t>‹N°›</a:t>
+              <a:t>‹#›</a:t>
             </a:fld>
             <a:endParaRPr lang="aa-ET"/>
           </a:p>
@@ -2928,7 +2928,7 @@
           <a:p>
             <a:fld id="{C1520061-EEF2-4648-A61C-FD1D344FB2F0}" type="datetimeFigureOut">
               <a:rPr lang="aa-ET" smtClean="0"/>
-              <a:t>06/12/2021</a:t>
+              <a:t>12/7/21</a:t>
             </a:fld>
             <a:endParaRPr lang="aa-ET"/>
           </a:p>
@@ -2970,7 +2970,7 @@
           <a:p>
             <a:fld id="{FDB24838-7C19-CC4E-B2E6-66E840BA735D}" type="slidenum">
               <a:rPr lang="aa-ET" smtClean="0"/>
-              <a:t>‹N°›</a:t>
+              <a:t>‹#›</a:t>
             </a:fld>
             <a:endParaRPr lang="aa-ET"/>
           </a:p>
@@ -3141,7 +3141,7 @@
           <a:p>
             <a:fld id="{C1520061-EEF2-4648-A61C-FD1D344FB2F0}" type="datetimeFigureOut">
               <a:rPr lang="aa-ET" smtClean="0"/>
-              <a:t>06/12/2021</a:t>
+              <a:t>12/7/21</a:t>
             </a:fld>
             <a:endParaRPr lang="aa-ET"/>
           </a:p>
@@ -3219,7 +3219,7 @@
           <a:p>
             <a:fld id="{FDB24838-7C19-CC4E-B2E6-66E840BA735D}" type="slidenum">
               <a:rPr lang="aa-ET" smtClean="0"/>
-              <a:t>‹N°›</a:t>
+              <a:t>‹#›</a:t>
             </a:fld>
             <a:endParaRPr lang="aa-ET"/>
           </a:p>
@@ -3856,7 +3856,7 @@
           <p:cNvPr id="24" name="Straight Connector 23">
             <a:extLst>
               <a:ext uri="{FF2B5EF4-FFF2-40B4-BE49-F238E27FC236}">
-                <a16:creationId xmlns:a16="http://schemas.microsoft.com/office/drawing/2014/main" xmlns="" id="{3CD061AB-8876-704F-BE6A-E397F33852E1}"/>
+                <a16:creationId xmlns:a16="http://schemas.microsoft.com/office/drawing/2014/main" id="{3CD061AB-8876-704F-BE6A-E397F33852E1}"/>
               </a:ext>
             </a:extLst>
           </p:cNvPr>
@@ -3899,7 +3899,7 @@
           <p:cNvPr id="128" name="Round Same Side Corner Rectangle 137">
             <a:extLst>
               <a:ext uri="{FF2B5EF4-FFF2-40B4-BE49-F238E27FC236}">
-                <a16:creationId xmlns:a16="http://schemas.microsoft.com/office/drawing/2014/main" xmlns="" id="{85003210-220B-9A49-8091-B1A85DD76CE8}"/>
+                <a16:creationId xmlns:a16="http://schemas.microsoft.com/office/drawing/2014/main" id="{85003210-220B-9A49-8091-B1A85DD76CE8}"/>
               </a:ext>
             </a:extLst>
           </p:cNvPr>
@@ -3963,7 +3963,7 @@
           <p:cNvPr id="129" name="Round Same Side Corner Rectangle 137">
             <a:extLst>
               <a:ext uri="{FF2B5EF4-FFF2-40B4-BE49-F238E27FC236}">
-                <a16:creationId xmlns:a16="http://schemas.microsoft.com/office/drawing/2014/main" xmlns="" id="{7226A277-A8A7-9549-8FCF-1175CB0CE7B6}"/>
+                <a16:creationId xmlns:a16="http://schemas.microsoft.com/office/drawing/2014/main" id="{7226A277-A8A7-9549-8FCF-1175CB0CE7B6}"/>
               </a:ext>
             </a:extLst>
           </p:cNvPr>
@@ -4027,7 +4027,7 @@
           <p:cNvPr id="130" name="Round Same Side Corner Rectangle 137">
             <a:extLst>
               <a:ext uri="{FF2B5EF4-FFF2-40B4-BE49-F238E27FC236}">
-                <a16:creationId xmlns:a16="http://schemas.microsoft.com/office/drawing/2014/main" xmlns="" id="{0D73ACE7-C686-234D-9978-B3229B92843A}"/>
+                <a16:creationId xmlns:a16="http://schemas.microsoft.com/office/drawing/2014/main" id="{0D73ACE7-C686-234D-9978-B3229B92843A}"/>
               </a:ext>
             </a:extLst>
           </p:cNvPr>
@@ -4091,7 +4091,7 @@
           <p:cNvPr id="3" name="Billede 6">
             <a:extLst>
               <a:ext uri="{FF2B5EF4-FFF2-40B4-BE49-F238E27FC236}">
-                <a16:creationId xmlns:a16="http://schemas.microsoft.com/office/drawing/2014/main" xmlns="" id="{79D342DF-0A65-4821-8F47-A3CE1793E1E6}"/>
+                <a16:creationId xmlns:a16="http://schemas.microsoft.com/office/drawing/2014/main" id="{79D342DF-0A65-4821-8F47-A3CE1793E1E6}"/>
               </a:ext>
             </a:extLst>
           </p:cNvPr>
@@ -4121,7 +4121,7 @@
           <p:cNvPr id="5" name="TextBox 4">
             <a:extLst>
               <a:ext uri="{FF2B5EF4-FFF2-40B4-BE49-F238E27FC236}">
-                <a16:creationId xmlns:a16="http://schemas.microsoft.com/office/drawing/2014/main" xmlns="" id="{555DBE74-403C-4246-B0C1-4F2AAF162AFF}"/>
+                <a16:creationId xmlns:a16="http://schemas.microsoft.com/office/drawing/2014/main" id="{555DBE74-403C-4246-B0C1-4F2AAF162AFF}"/>
               </a:ext>
             </a:extLst>
           </p:cNvPr>
@@ -4286,7 +4286,7 @@
           <p:cNvPr id="8" name="TextBox 7">
             <a:extLst>
               <a:ext uri="{FF2B5EF4-FFF2-40B4-BE49-F238E27FC236}">
-                <a16:creationId xmlns:a16="http://schemas.microsoft.com/office/drawing/2014/main" xmlns="" id="{BF27FA47-F412-41BA-9674-4AB98ABB11FF}"/>
+                <a16:creationId xmlns:a16="http://schemas.microsoft.com/office/drawing/2014/main" id="{BF27FA47-F412-41BA-9674-4AB98ABB11FF}"/>
               </a:ext>
             </a:extLst>
           </p:cNvPr>
@@ -4457,7 +4457,7 @@
           </a:p>
           <a:p>
             <a:r>
-              <a:rPr lang="en-US" baseline="30000" dirty="0" smtClean="0">
+              <a:rPr lang="en-US" baseline="30000" dirty="0">
                 <a:latin typeface="Arial" panose="020B0604020202020204" pitchFamily="34" charset="0"/>
                 <a:ea typeface="+mn-lt"/>
                 <a:cs typeface="Arial" panose="020B0604020202020204" pitchFamily="34" charset="0"/>
@@ -4465,36 +4465,12 @@
               <a:t>4</a:t>
             </a:r>
             <a:r>
-              <a:rPr lang="en-US" dirty="0" smtClean="0">
+              <a:rPr lang="en-US" dirty="0">
                 <a:latin typeface="Arial" panose="020B0604020202020204" pitchFamily="34" charset="0"/>
                 <a:ea typeface="+mn-lt"/>
                 <a:cs typeface="Arial" panose="020B0604020202020204" pitchFamily="34" charset="0"/>
               </a:rPr>
-              <a:t>Wu</a:t>
-            </a:r>
-            <a:r>
-              <a:rPr lang="en-US" dirty="0">
-                <a:latin typeface="Arial" panose="020B0604020202020204" pitchFamily="34" charset="0"/>
-                <a:ea typeface="+mn-lt"/>
-                <a:cs typeface="Arial" panose="020B0604020202020204" pitchFamily="34" charset="0"/>
-              </a:rPr>
-              <a:t>, K</a:t>
-            </a:r>
-            <a:r>
-              <a:rPr lang="en-US" dirty="0" smtClean="0">
-                <a:latin typeface="Arial" panose="020B0604020202020204" pitchFamily="34" charset="0"/>
-                <a:ea typeface="+mn-lt"/>
-                <a:cs typeface="Arial" panose="020B0604020202020204" pitchFamily="34" charset="0"/>
-              </a:rPr>
-              <a:t>. et al. </a:t>
-            </a:r>
-            <a:r>
-              <a:rPr lang="en-US" dirty="0">
-                <a:latin typeface="Arial" panose="020B0604020202020204" pitchFamily="34" charset="0"/>
-                <a:ea typeface="+mn-lt"/>
-                <a:cs typeface="Arial" panose="020B0604020202020204" pitchFamily="34" charset="0"/>
-              </a:rPr>
-              <a:t>(2021). TCR-BERT: learning the grammar of T-cell receptors for flexible antigen-</a:t>
+              <a:t>Wu, K. et al. (2021). TCR-BERT: learning the grammar of T-cell receptors for flexible antigen-</a:t>
             </a:r>
             <a:r>
               <a:rPr lang="en-US" dirty="0" err="1">
@@ -4540,7 +4516,7 @@
           <p:cNvPr id="39" name="Round Same Side Corner Rectangle 137">
             <a:extLst>
               <a:ext uri="{FF2B5EF4-FFF2-40B4-BE49-F238E27FC236}">
-                <a16:creationId xmlns:a16="http://schemas.microsoft.com/office/drawing/2014/main" xmlns="" id="{E416DD2D-00A9-4581-8B16-BB3C03226A4A}"/>
+                <a16:creationId xmlns:a16="http://schemas.microsoft.com/office/drawing/2014/main" id="{E416DD2D-00A9-4581-8B16-BB3C03226A4A}"/>
               </a:ext>
             </a:extLst>
           </p:cNvPr>
@@ -4604,7 +4580,7 @@
           <p:cNvPr id="68" name="Round Same Side Corner Rectangle 137">
             <a:extLst>
               <a:ext uri="{FF2B5EF4-FFF2-40B4-BE49-F238E27FC236}">
-                <a16:creationId xmlns:a16="http://schemas.microsoft.com/office/drawing/2014/main" xmlns="" id="{E416DD2D-00A9-4581-8B16-BB3C03226A4A}"/>
+                <a16:creationId xmlns:a16="http://schemas.microsoft.com/office/drawing/2014/main" id="{E416DD2D-00A9-4581-8B16-BB3C03226A4A}"/>
               </a:ext>
             </a:extLst>
           </p:cNvPr>
@@ -4672,7 +4648,7 @@
         <p:spPr>
           <a:xfrm>
             <a:off x="222652" y="25556472"/>
-            <a:ext cx="20938321" cy="2677656"/>
+            <a:ext cx="20938321" cy="3046988"/>
           </a:xfrm>
           <a:prstGeom prst="rect">
             <a:avLst/>
@@ -4747,34 +4723,61 @@
                 <a:cs typeface="Arial" panose="020B0604020202020204" pitchFamily="34" charset="0"/>
                 <a:sym typeface="Wingdings" pitchFamily="2" charset="2"/>
               </a:rPr>
-              <a:t> would be good to have TCR-specific embeddings (e.g. transfer learning) (like in preprint) but data availability is major </a:t>
-            </a:r>
-            <a:r>
-              <a:rPr lang="en-US" sz="2400" dirty="0" smtClean="0">
+              <a:t> would be good to have TCR-specific embeddings (e.g. transfer learning) (like in preprint) but data availability is major challenge</a:t>
+            </a:r>
+            <a:r>
+              <a:rPr lang="en-US" sz="2400" baseline="30000" dirty="0">
                 <a:latin typeface="Arial" panose="020B0604020202020204" pitchFamily="34" charset="0"/>
                 <a:ea typeface="+mn-lt"/>
                 <a:cs typeface="Arial" panose="020B0604020202020204" pitchFamily="34" charset="0"/>
                 <a:sym typeface="Wingdings" pitchFamily="2" charset="2"/>
               </a:rPr>
-              <a:t>challenge</a:t>
-            </a:r>
-            <a:r>
-              <a:rPr lang="en-US" sz="2400" baseline="30000" dirty="0">
+              <a:t>4</a:t>
+            </a:r>
+            <a:r>
+              <a:rPr lang="en-US" sz="2400" dirty="0">
                 <a:latin typeface="Arial" panose="020B0604020202020204" pitchFamily="34" charset="0"/>
                 <a:ea typeface="+mn-lt"/>
                 <a:cs typeface="Arial" panose="020B0604020202020204" pitchFamily="34" charset="0"/>
                 <a:sym typeface="Wingdings" pitchFamily="2" charset="2"/>
               </a:rPr>
+              <a:t>. The ESM Transformer is trained using evolutionary sequences. To improve our model a TCR-specific transformer such as TCR-BERT could be used to generate </a:t>
+            </a:r>
+            <a:r>
+              <a:rPr lang="en-US" sz="2400">
+                <a:latin typeface="Arial" panose="020B0604020202020204" pitchFamily="34" charset="0"/>
+                <a:ea typeface="+mn-lt"/>
+                <a:cs typeface="Arial" panose="020B0604020202020204" pitchFamily="34" charset="0"/>
+                <a:sym typeface="Wingdings" pitchFamily="2" charset="2"/>
+              </a:rPr>
+              <a:t>TCR-specific embeddings</a:t>
+            </a:r>
+            <a:r>
+              <a:rPr lang="en-US" sz="2400" baseline="30000">
+                <a:latin typeface="Arial" panose="020B0604020202020204" pitchFamily="34" charset="0"/>
+                <a:ea typeface="+mn-lt"/>
+                <a:cs typeface="Arial" panose="020B0604020202020204" pitchFamily="34" charset="0"/>
+                <a:sym typeface="Wingdings" pitchFamily="2" charset="2"/>
+              </a:rPr>
               <a:t>4</a:t>
             </a:r>
             <a:r>
-              <a:rPr lang="en-US" sz="2400" dirty="0" smtClean="0">
+              <a:rPr lang="en-US" sz="2400">
                 <a:latin typeface="Arial" panose="020B0604020202020204" pitchFamily="34" charset="0"/>
                 <a:ea typeface="+mn-lt"/>
                 <a:cs typeface="Arial" panose="020B0604020202020204" pitchFamily="34" charset="0"/>
                 <a:sym typeface="Wingdings" pitchFamily="2" charset="2"/>
               </a:rPr>
-              <a:t>.</a:t>
+              <a:t>. </a:t>
+            </a:r>
+            <a:r>
+              <a:rPr lang="en-US" sz="2400" dirty="0">
+                <a:latin typeface="Arial" panose="020B0604020202020204" pitchFamily="34" charset="0"/>
+                <a:ea typeface="+mn-lt"/>
+                <a:cs typeface="Arial" panose="020B0604020202020204" pitchFamily="34" charset="0"/>
+                <a:sym typeface="Wingdings" pitchFamily="2" charset="2"/>
+              </a:rPr>
+              <a:t>These embeddings should be more specific for our problem than ESM.</a:t>
             </a:r>
             <a:endParaRPr lang="en-US" sz="2400" dirty="0">
               <a:latin typeface="Arial" panose="020B0604020202020204" pitchFamily="34" charset="0"/>
@@ -4995,7 +4998,7 @@
           <p:cNvPr id="52" name="TextBox 51">
             <a:extLst>
               <a:ext uri="{FF2B5EF4-FFF2-40B4-BE49-F238E27FC236}">
-                <a16:creationId xmlns:a16="http://schemas.microsoft.com/office/drawing/2014/main" xmlns="" id="{8D25C8AF-29B9-4B5F-A484-1C152F2D45F1}"/>
+                <a16:creationId xmlns:a16="http://schemas.microsoft.com/office/drawing/2014/main" id="{8D25C8AF-29B9-4B5F-A484-1C152F2D45F1}"/>
               </a:ext>
             </a:extLst>
           </p:cNvPr>
@@ -5090,7 +5093,7 @@
           <p:cNvPr id="59" name="TextBox 58">
             <a:extLst>
               <a:ext uri="{FF2B5EF4-FFF2-40B4-BE49-F238E27FC236}">
-                <a16:creationId xmlns:a16="http://schemas.microsoft.com/office/drawing/2014/main" xmlns="" id="{25FCE40A-6812-4241-9AFC-C4527E1E08D6}"/>
+                <a16:creationId xmlns:a16="http://schemas.microsoft.com/office/drawing/2014/main" id="{25FCE40A-6812-4241-9AFC-C4527E1E08D6}"/>
               </a:ext>
             </a:extLst>
           </p:cNvPr>
@@ -5225,7 +5228,7 @@
           <p:cNvPr id="60" name="TextBox 59">
             <a:extLst>
               <a:ext uri="{FF2B5EF4-FFF2-40B4-BE49-F238E27FC236}">
-                <a16:creationId xmlns:a16="http://schemas.microsoft.com/office/drawing/2014/main" xmlns="" id="{5EC9703E-C0FE-42AC-9186-837AE535C777}"/>
+                <a16:creationId xmlns:a16="http://schemas.microsoft.com/office/drawing/2014/main" id="{5EC9703E-C0FE-42AC-9186-837AE535C777}"/>
               </a:ext>
             </a:extLst>
           </p:cNvPr>
@@ -5311,7 +5314,7 @@
           <p:cNvPr id="62" name="TextBox 61">
             <a:extLst>
               <a:ext uri="{FF2B5EF4-FFF2-40B4-BE49-F238E27FC236}">
-                <a16:creationId xmlns:a16="http://schemas.microsoft.com/office/drawing/2014/main" xmlns="" id="{658BED85-75EA-4BFC-BF85-417C54E59FAC}"/>
+                <a16:creationId xmlns:a16="http://schemas.microsoft.com/office/drawing/2014/main" id="{658BED85-75EA-4BFC-BF85-417C54E59FAC}"/>
               </a:ext>
             </a:extLst>
           </p:cNvPr>
@@ -5421,7 +5424,7 @@
           <p:cNvPr id="16" name="Table 16">
             <a:extLst>
               <a:ext uri="{FF2B5EF4-FFF2-40B4-BE49-F238E27FC236}">
-                <a16:creationId xmlns:a16="http://schemas.microsoft.com/office/drawing/2014/main" xmlns="" id="{B3DD0E64-0B7C-4139-8170-FF729427F72A}"/>
+                <a16:creationId xmlns:a16="http://schemas.microsoft.com/office/drawing/2014/main" id="{B3DD0E64-0B7C-4139-8170-FF729427F72A}"/>
               </a:ext>
             </a:extLst>
           </p:cNvPr>
@@ -5450,42 +5453,42 @@
                 <a:gridCol w="3045949">
                   <a:extLst>
                     <a:ext uri="{9D8B030D-6E8A-4147-A177-3AD203B41FA5}">
-                      <a16:colId xmlns:a16="http://schemas.microsoft.com/office/drawing/2014/main" xmlns="" val="630018940"/>
+                      <a16:colId xmlns:a16="http://schemas.microsoft.com/office/drawing/2014/main" val="630018940"/>
                     </a:ext>
                   </a:extLst>
                 </a:gridCol>
                 <a:gridCol w="805180">
                   <a:extLst>
                     <a:ext uri="{9D8B030D-6E8A-4147-A177-3AD203B41FA5}">
-                      <a16:colId xmlns:a16="http://schemas.microsoft.com/office/drawing/2014/main" xmlns="" val="1361621000"/>
+                      <a16:colId xmlns:a16="http://schemas.microsoft.com/office/drawing/2014/main" val="1361621000"/>
                     </a:ext>
                   </a:extLst>
                 </a:gridCol>
                 <a:gridCol w="887730">
                   <a:extLst>
                     <a:ext uri="{9D8B030D-6E8A-4147-A177-3AD203B41FA5}">
-                      <a16:colId xmlns:a16="http://schemas.microsoft.com/office/drawing/2014/main" xmlns="" val="3966724582"/>
+                      <a16:colId xmlns:a16="http://schemas.microsoft.com/office/drawing/2014/main" val="3966724582"/>
                     </a:ext>
                   </a:extLst>
                 </a:gridCol>
                 <a:gridCol w="1395730">
                   <a:extLst>
                     <a:ext uri="{9D8B030D-6E8A-4147-A177-3AD203B41FA5}">
-                      <a16:colId xmlns:a16="http://schemas.microsoft.com/office/drawing/2014/main" xmlns="" val="2736714997"/>
+                      <a16:colId xmlns:a16="http://schemas.microsoft.com/office/drawing/2014/main" val="2736714997"/>
                     </a:ext>
                   </a:extLst>
                 </a:gridCol>
                 <a:gridCol w="1000443">
                   <a:extLst>
                     <a:ext uri="{9D8B030D-6E8A-4147-A177-3AD203B41FA5}">
-                      <a16:colId xmlns:a16="http://schemas.microsoft.com/office/drawing/2014/main" xmlns="" val="3764394228"/>
+                      <a16:colId xmlns:a16="http://schemas.microsoft.com/office/drawing/2014/main" val="3764394228"/>
                     </a:ext>
                   </a:extLst>
                 </a:gridCol>
                 <a:gridCol w="887730">
                   <a:extLst>
                     <a:ext uri="{9D8B030D-6E8A-4147-A177-3AD203B41FA5}">
-                      <a16:colId xmlns:a16="http://schemas.microsoft.com/office/drawing/2014/main" xmlns="" val="4125354729"/>
+                      <a16:colId xmlns:a16="http://schemas.microsoft.com/office/drawing/2014/main" val="4125354729"/>
                     </a:ext>
                   </a:extLst>
                 </a:gridCol>
@@ -5643,7 +5646,7 @@
                 </a:tc>
                 <a:extLst>
                   <a:ext uri="{0D108BD9-81ED-4DB2-BD59-A6C34878D82A}">
-                    <a16:rowId xmlns:a16="http://schemas.microsoft.com/office/drawing/2014/main" xmlns="" val="2350932793"/>
+                    <a16:rowId xmlns:a16="http://schemas.microsoft.com/office/drawing/2014/main" val="2350932793"/>
                   </a:ext>
                 </a:extLst>
               </a:tr>
@@ -5830,7 +5833,7 @@
                 </a:tc>
                 <a:extLst>
                   <a:ext uri="{0D108BD9-81ED-4DB2-BD59-A6C34878D82A}">
-                    <a16:rowId xmlns:a16="http://schemas.microsoft.com/office/drawing/2014/main" xmlns="" val="2262440005"/>
+                    <a16:rowId xmlns:a16="http://schemas.microsoft.com/office/drawing/2014/main" val="2262440005"/>
                   </a:ext>
                 </a:extLst>
               </a:tr>
@@ -6017,7 +6020,7 @@
                 </a:tc>
                 <a:extLst>
                   <a:ext uri="{0D108BD9-81ED-4DB2-BD59-A6C34878D82A}">
-                    <a16:rowId xmlns:a16="http://schemas.microsoft.com/office/drawing/2014/main" xmlns="" val="3805626318"/>
+                    <a16:rowId xmlns:a16="http://schemas.microsoft.com/office/drawing/2014/main" val="3805626318"/>
                   </a:ext>
                 </a:extLst>
               </a:tr>
@@ -6204,7 +6207,7 @@
                 </a:tc>
                 <a:extLst>
                   <a:ext uri="{0D108BD9-81ED-4DB2-BD59-A6C34878D82A}">
-                    <a16:rowId xmlns:a16="http://schemas.microsoft.com/office/drawing/2014/main" xmlns="" val="3022607923"/>
+                    <a16:rowId xmlns:a16="http://schemas.microsoft.com/office/drawing/2014/main" val="3022607923"/>
                   </a:ext>
                 </a:extLst>
               </a:tr>
@@ -6391,7 +6394,7 @@
                 </a:tc>
                 <a:extLst>
                   <a:ext uri="{0D108BD9-81ED-4DB2-BD59-A6C34878D82A}">
-                    <a16:rowId xmlns:a16="http://schemas.microsoft.com/office/drawing/2014/main" xmlns="" val="73323118"/>
+                    <a16:rowId xmlns:a16="http://schemas.microsoft.com/office/drawing/2014/main" val="73323118"/>
                   </a:ext>
                 </a:extLst>
               </a:tr>
@@ -6404,7 +6407,7 @@
           <p:cNvPr id="34" name="Picture 33">
             <a:extLst>
               <a:ext uri="{FF2B5EF4-FFF2-40B4-BE49-F238E27FC236}">
-                <a16:creationId xmlns:a16="http://schemas.microsoft.com/office/drawing/2014/main" xmlns="" id="{009AA18F-AFE2-5D47-9309-6D28CEF1AEC7}"/>
+                <a16:creationId xmlns:a16="http://schemas.microsoft.com/office/drawing/2014/main" id="{009AA18F-AFE2-5D47-9309-6D28CEF1AEC7}"/>
               </a:ext>
             </a:extLst>
           </p:cNvPr>
@@ -6434,7 +6437,7 @@
           <p:cNvPr id="10" name="TextBox 9">
             <a:extLst>
               <a:ext uri="{FF2B5EF4-FFF2-40B4-BE49-F238E27FC236}">
-                <a16:creationId xmlns:a16="http://schemas.microsoft.com/office/drawing/2014/main" xmlns="" id="{5305FA10-9288-7B48-90B7-C15D115D1054}"/>
+                <a16:creationId xmlns:a16="http://schemas.microsoft.com/office/drawing/2014/main" id="{5305FA10-9288-7B48-90B7-C15D115D1054}"/>
               </a:ext>
             </a:extLst>
           </p:cNvPr>
@@ -6489,7 +6492,7 @@
           <p:cNvPr id="42" name="Rectangle 41">
             <a:extLst>
               <a:ext uri="{FF2B5EF4-FFF2-40B4-BE49-F238E27FC236}">
-                <a16:creationId xmlns:a16="http://schemas.microsoft.com/office/drawing/2014/main" xmlns="" id="{8F9D5055-0619-1C43-BE80-475271362937}"/>
+                <a16:creationId xmlns:a16="http://schemas.microsoft.com/office/drawing/2014/main" id="{8F9D5055-0619-1C43-BE80-475271362937}"/>
               </a:ext>
             </a:extLst>
           </p:cNvPr>
@@ -6535,7 +6538,7 @@
           <p:cNvPr id="1028" name="Picture 4">
             <a:extLst>
               <a:ext uri="{FF2B5EF4-FFF2-40B4-BE49-F238E27FC236}">
-                <a16:creationId xmlns:a16="http://schemas.microsoft.com/office/drawing/2014/main" xmlns="" id="{3F9F01C9-07DA-264D-BEC8-52DCD921122E}"/>
+                <a16:creationId xmlns:a16="http://schemas.microsoft.com/office/drawing/2014/main" id="{3F9F01C9-07DA-264D-BEC8-52DCD921122E}"/>
               </a:ext>
             </a:extLst>
           </p:cNvPr>
@@ -6582,7 +6585,7 @@
           <p:cNvPr id="6" name="Table 6">
             <a:extLst>
               <a:ext uri="{FF2B5EF4-FFF2-40B4-BE49-F238E27FC236}">
-                <a16:creationId xmlns:a16="http://schemas.microsoft.com/office/drawing/2014/main" xmlns="" id="{3760B689-1A4D-3246-9088-5992D7F633AE}"/>
+                <a16:creationId xmlns:a16="http://schemas.microsoft.com/office/drawing/2014/main" id="{3760B689-1A4D-3246-9088-5992D7F633AE}"/>
               </a:ext>
             </a:extLst>
           </p:cNvPr>
@@ -6611,21 +6614,21 @@
                 <a:gridCol w="1976441">
                   <a:extLst>
                     <a:ext uri="{9D8B030D-6E8A-4147-A177-3AD203B41FA5}">
-                      <a16:colId xmlns:a16="http://schemas.microsoft.com/office/drawing/2014/main" xmlns="" val="2349603488"/>
+                      <a16:colId xmlns:a16="http://schemas.microsoft.com/office/drawing/2014/main" val="2349603488"/>
                     </a:ext>
                   </a:extLst>
                 </a:gridCol>
                 <a:gridCol w="1976441">
                   <a:extLst>
                     <a:ext uri="{9D8B030D-6E8A-4147-A177-3AD203B41FA5}">
-                      <a16:colId xmlns:a16="http://schemas.microsoft.com/office/drawing/2014/main" xmlns="" val="3515897520"/>
+                      <a16:colId xmlns:a16="http://schemas.microsoft.com/office/drawing/2014/main" val="3515897520"/>
                     </a:ext>
                   </a:extLst>
                 </a:gridCol>
                 <a:gridCol w="1976441">
                   <a:extLst>
                     <a:ext uri="{9D8B030D-6E8A-4147-A177-3AD203B41FA5}">
-                      <a16:colId xmlns:a16="http://schemas.microsoft.com/office/drawing/2014/main" xmlns="" val="3363298409"/>
+                      <a16:colId xmlns:a16="http://schemas.microsoft.com/office/drawing/2014/main" val="3363298409"/>
                     </a:ext>
                   </a:extLst>
                 </a:gridCol>
@@ -6693,7 +6696,7 @@
                 </a:tc>
                 <a:extLst>
                   <a:ext uri="{0D108BD9-81ED-4DB2-BD59-A6C34878D82A}">
-                    <a16:rowId xmlns:a16="http://schemas.microsoft.com/office/drawing/2014/main" xmlns="" val="3087985295"/>
+                    <a16:rowId xmlns:a16="http://schemas.microsoft.com/office/drawing/2014/main" val="3087985295"/>
                   </a:ext>
                 </a:extLst>
               </a:tr>
@@ -6757,7 +6760,7 @@
                 </a:tc>
                 <a:extLst>
                   <a:ext uri="{0D108BD9-81ED-4DB2-BD59-A6C34878D82A}">
-                    <a16:rowId xmlns:a16="http://schemas.microsoft.com/office/drawing/2014/main" xmlns="" val="1359549375"/>
+                    <a16:rowId xmlns:a16="http://schemas.microsoft.com/office/drawing/2014/main" val="1359549375"/>
                   </a:ext>
                 </a:extLst>
               </a:tr>
@@ -6821,7 +6824,7 @@
                 </a:tc>
                 <a:extLst>
                   <a:ext uri="{0D108BD9-81ED-4DB2-BD59-A6C34878D82A}">
-                    <a16:rowId xmlns:a16="http://schemas.microsoft.com/office/drawing/2014/main" xmlns="" val="1069740977"/>
+                    <a16:rowId xmlns:a16="http://schemas.microsoft.com/office/drawing/2014/main" val="1069740977"/>
                   </a:ext>
                 </a:extLst>
               </a:tr>
@@ -6834,7 +6837,7 @@
           <p:cNvPr id="46" name="Rectangle 45">
             <a:extLst>
               <a:ext uri="{FF2B5EF4-FFF2-40B4-BE49-F238E27FC236}">
-                <a16:creationId xmlns:a16="http://schemas.microsoft.com/office/drawing/2014/main" xmlns="" id="{964E3663-361F-234F-8DB1-125E94CA453E}"/>
+                <a16:creationId xmlns:a16="http://schemas.microsoft.com/office/drawing/2014/main" id="{964E3663-361F-234F-8DB1-125E94CA453E}"/>
               </a:ext>
             </a:extLst>
           </p:cNvPr>
@@ -6871,7 +6874,7 @@
           <p:cNvPr id="11" name="Group 10">
             <a:extLst>
               <a:ext uri="{FF2B5EF4-FFF2-40B4-BE49-F238E27FC236}">
-                <a16:creationId xmlns:a16="http://schemas.microsoft.com/office/drawing/2014/main" xmlns="" id="{3AED7200-7C92-B14A-84E4-06156227898D}"/>
+                <a16:creationId xmlns:a16="http://schemas.microsoft.com/office/drawing/2014/main" id="{3AED7200-7C92-B14A-84E4-06156227898D}"/>
               </a:ext>
             </a:extLst>
           </p:cNvPr>
@@ -6891,7 +6894,7 @@
             <p:cNvPr id="4" name="Picture 2">
               <a:extLst>
                 <a:ext uri="{FF2B5EF4-FFF2-40B4-BE49-F238E27FC236}">
-                  <a16:creationId xmlns:a16="http://schemas.microsoft.com/office/drawing/2014/main" xmlns="" id="{A70BCE07-72DC-0247-A3B9-AB0B19DA3D7C}"/>
+                  <a16:creationId xmlns:a16="http://schemas.microsoft.com/office/drawing/2014/main" id="{A70BCE07-72DC-0247-A3B9-AB0B19DA3D7C}"/>
                 </a:ext>
               </a:extLst>
             </p:cNvPr>
@@ -6938,7 +6941,7 @@
             <p:cNvPr id="9" name="Rectangle 8">
               <a:extLst>
                 <a:ext uri="{FF2B5EF4-FFF2-40B4-BE49-F238E27FC236}">
-                  <a16:creationId xmlns:a16="http://schemas.microsoft.com/office/drawing/2014/main" xmlns="" id="{66A57E36-D0AE-F64A-8DC0-85C4FBDEDA93}"/>
+                  <a16:creationId xmlns:a16="http://schemas.microsoft.com/office/drawing/2014/main" id="{66A57E36-D0AE-F64A-8DC0-85C4FBDEDA93}"/>
                 </a:ext>
               </a:extLst>
             </p:cNvPr>
@@ -6991,7 +6994,7 @@
           <p:cNvPr id="13" name="Picture 12">
             <a:extLst>
               <a:ext uri="{FF2B5EF4-FFF2-40B4-BE49-F238E27FC236}">
-                <a16:creationId xmlns:a16="http://schemas.microsoft.com/office/drawing/2014/main" xmlns="" id="{61D7E7CE-F29E-0E48-AB01-D8F922CEE716}"/>
+                <a16:creationId xmlns:a16="http://schemas.microsoft.com/office/drawing/2014/main" id="{61D7E7CE-F29E-0E48-AB01-D8F922CEE716}"/>
               </a:ext>
             </a:extLst>
           </p:cNvPr>
@@ -7586,18 +7589,18 @@
 </file>
 
 <file path=customXml/item1.xml><?xml version="1.0" encoding="utf-8"?>
+<p:properties xmlns:p="http://schemas.microsoft.com/office/2006/metadata/properties" xmlns:xsi="http://www.w3.org/2001/XMLSchema-instance" xmlns:pc="http://schemas.microsoft.com/office/infopath/2007/PartnerControls">
+  <documentManagement/>
+</p:properties>
+</file>
+
+<file path=customXml/item2.xml><?xml version="1.0" encoding="utf-8"?>
 <?mso-contentType ?>
 <FormTemplates xmlns="http://schemas.microsoft.com/sharepoint/v3/contenttype/forms">
   <Display>DocumentLibraryForm</Display>
   <Edit>DocumentLibraryForm</Edit>
   <New>DocumentLibraryForm</New>
 </FormTemplates>
-</file>
-
-<file path=customXml/item2.xml><?xml version="1.0" encoding="utf-8"?>
-<p:properties xmlns:p="http://schemas.microsoft.com/office/2006/metadata/properties" xmlns:xsi="http://www.w3.org/2001/XMLSchema-instance" xmlns:pc="http://schemas.microsoft.com/office/infopath/2007/PartnerControls">
-  <documentManagement/>
-</p:properties>
 </file>
 
 <file path=customXml/item3.xml><?xml version="1.0" encoding="utf-8"?>
@@ -7733,18 +7736,18 @@
 </file>
 
 <file path=customXml/itemProps1.xml><?xml version="1.0" encoding="utf-8"?>
-<ds:datastoreItem xmlns:ds="http://schemas.openxmlformats.org/officeDocument/2006/customXml" ds:itemID="{405562AF-484A-42F9-A02C-A3F5AD59D6C1}">
+<ds:datastoreItem xmlns:ds="http://schemas.openxmlformats.org/officeDocument/2006/customXml" ds:itemID="{CB370A3C-731B-4F4D-ABD0-42474AC25910}">
   <ds:schemaRefs>
-    <ds:schemaRef ds:uri="http://schemas.microsoft.com/sharepoint/v3/contenttype/forms"/>
+    <ds:schemaRef ds:uri="http://schemas.microsoft.com/office/2006/metadata/properties"/>
+    <ds:schemaRef ds:uri="http://schemas.microsoft.com/office/infopath/2007/PartnerControls"/>
   </ds:schemaRefs>
 </ds:datastoreItem>
 </file>
 
 <file path=customXml/itemProps2.xml><?xml version="1.0" encoding="utf-8"?>
-<ds:datastoreItem xmlns:ds="http://schemas.openxmlformats.org/officeDocument/2006/customXml" ds:itemID="{CB370A3C-731B-4F4D-ABD0-42474AC25910}">
+<ds:datastoreItem xmlns:ds="http://schemas.openxmlformats.org/officeDocument/2006/customXml" ds:itemID="{405562AF-484A-42F9-A02C-A3F5AD59D6C1}">
   <ds:schemaRefs>
-    <ds:schemaRef ds:uri="http://schemas.microsoft.com/office/2006/metadata/properties"/>
-    <ds:schemaRef ds:uri="http://schemas.microsoft.com/office/infopath/2007/PartnerControls"/>
+    <ds:schemaRef ds:uri="http://schemas.microsoft.com/sharepoint/v3/contenttype/forms"/>
   </ds:schemaRefs>
 </ds:datastoreItem>
 </file>

--- a/presentation/presentation.pptx
+++ b/presentation/presentation.pptx
@@ -3556,8 +3556,8 @@
         </p:nvSpPr>
         <p:spPr bwMode="auto">
           <a:xfrm>
-            <a:off x="2876866" y="80951"/>
-            <a:ext cx="17938744" cy="2098083"/>
+            <a:off x="2560217" y="342211"/>
+            <a:ext cx="18655249" cy="1944195"/>
           </a:xfrm>
           <a:prstGeom prst="rect">
             <a:avLst/>
@@ -3578,7 +3578,7 @@
           <a:p>
             <a:pPr algn="ctr"/>
             <a:r>
-              <a:rPr lang="en-US" sz="6600" dirty="0">
+              <a:rPr lang="en-US" sz="6100" dirty="0">
                 <a:ln w="0"/>
                 <a:effectLst>
                   <a:outerShdw blurRad="38100" dist="19050" dir="2700000" algn="tl" rotWithShape="0">
@@ -3594,7 +3594,7 @@
               <a:t>Prediction of TCR-</a:t>
             </a:r>
             <a:r>
-              <a:rPr lang="en-US" sz="6600" dirty="0" err="1">
+              <a:rPr lang="en-US" sz="6100" dirty="0" err="1">
                 <a:ln w="0"/>
                 <a:effectLst>
                   <a:outerShdw blurRad="38100" dist="19050" dir="2700000" algn="tl" rotWithShape="0">
@@ -3610,7 +3610,7 @@
               <a:t>pMHC</a:t>
             </a:r>
             <a:r>
-              <a:rPr lang="en-US" sz="6600" dirty="0">
+              <a:rPr lang="en-US" sz="6100" dirty="0">
                 <a:ln w="0"/>
                 <a:effectLst>
                   <a:outerShdw blurRad="38100" dist="19050" dir="2700000" algn="tl" rotWithShape="0">
@@ -3623,10 +3623,10 @@
                 <a:ea typeface="+mn-lt"/>
                 <a:cs typeface="Arial" panose="020B0604020202020204" pitchFamily="34" charset="0"/>
               </a:rPr>
-              <a:t> interactions using molecular modeling and recurrent networks</a:t>
-            </a:r>
-            <a:r>
-              <a:rPr lang="en-US" sz="6600" dirty="0">
+              <a:t> interactions using sequence embeddings and recurrent neural networks</a:t>
+            </a:r>
+            <a:r>
+              <a:rPr lang="en-US" sz="6100" dirty="0">
                 <a:ln w="0"/>
                 <a:effectLst>
                   <a:outerShdw blurRad="38100" dist="19050" dir="2700000" algn="tl" rotWithShape="0">
@@ -3641,7 +3641,7 @@
               </a:rPr>
               <a:t> </a:t>
             </a:r>
-            <a:endParaRPr lang="en-US" dirty="0">
+            <a:endParaRPr lang="en-US" sz="6100" dirty="0">
               <a:latin typeface="Arial" panose="020B0604020202020204" pitchFamily="34" charset="0"/>
               <a:cs typeface="Arial" panose="020B0604020202020204" pitchFamily="34" charset="0"/>
             </a:endParaRPr>
@@ -4036,7 +4036,7 @@
         </p:nvSpPr>
         <p:spPr>
           <a:xfrm>
-            <a:off x="269490" y="19044018"/>
+            <a:off x="269490" y="19305278"/>
             <a:ext cx="20880000" cy="540000"/>
           </a:xfrm>
           <a:prstGeom prst="round2SameRect">
@@ -4589,7 +4589,7 @@
         </p:nvSpPr>
         <p:spPr>
           <a:xfrm>
-            <a:off x="269490" y="24931231"/>
+            <a:off x="269490" y="25427619"/>
             <a:ext cx="20880000" cy="540000"/>
           </a:xfrm>
           <a:prstGeom prst="round2SameRect">
@@ -4647,8 +4647,8 @@
         </p:nvSpPr>
         <p:spPr>
           <a:xfrm>
-            <a:off x="222652" y="25556472"/>
-            <a:ext cx="20938321" cy="3046988"/>
+            <a:off x="222652" y="26078986"/>
+            <a:ext cx="20938321" cy="2092881"/>
           </a:xfrm>
           <a:prstGeom prst="rect">
             <a:avLst/>
@@ -4661,6 +4661,9 @@
           <a:lstStyle/>
           <a:p>
             <a:pPr marL="342900" indent="-342900" algn="just">
+              <a:spcAft>
+                <a:spcPts val="1200"/>
+              </a:spcAft>
               <a:buFont typeface="Arial" panose="020B0604020202020204" pitchFamily="34" charset="0"/>
               <a:buChar char="•"/>
             </a:pPr>
@@ -4670,11 +4673,14 @@
                 <a:ea typeface="+mn-lt"/>
                 <a:cs typeface="Arial" panose="020B0604020202020204" pitchFamily="34" charset="0"/>
               </a:rPr>
-              <a:t>(Challenge of imbalance of dataset) The dataset is really skewed towards negative (75%) which makes metrics like accuracy less reliable. Changing the threshold gives a better MCC because the model tends to predict more negatives. The best threshold is found to be 0.63 during validation and is applied for testing.</a:t>
+              <a:t>The class imbalance of the dataset (75% negatives) is addressed by using a weighted loss function and calibrating the threshold based on the MCC. MCC and F1 score are still preferred over accuracy and AUC as evaluation metrics. Alternatively, positive examples could be oversampled by interpolation, generating more training examples in addition to the artificial negative swapped examples. </a:t>
             </a:r>
           </a:p>
           <a:p>
             <a:pPr marL="342900" indent="-342900">
+              <a:spcAft>
+                <a:spcPts val="1200"/>
+              </a:spcAft>
               <a:buFont typeface="Arial" panose="020B0604020202020204" pitchFamily="34" charset="0"/>
               <a:buChar char="•"/>
             </a:pPr>
@@ -4683,101 +4689,27 @@
                 <a:latin typeface="Arial" panose="020B0604020202020204" pitchFamily="34" charset="0"/>
                 <a:ea typeface="+mn-lt"/>
                 <a:cs typeface="Arial" panose="020B0604020202020204" pitchFamily="34" charset="0"/>
-              </a:rPr>
-              <a:t>The model overfits the dataset. If we were to predict binding for other peptides, the model would likely fail. This can be shown by leave-one-out cross-validation</a:t>
+                <a:sym typeface="Wingdings" pitchFamily="2" charset="2"/>
+              </a:rPr>
+              <a:t>The here used ESM Transformer is trained on diverse protein sequences. TCR-specific embeddings as generated by the TCR-BERT</a:t>
             </a:r>
             <a:r>
               <a:rPr lang="en-US" sz="2400" baseline="30000" dirty="0">
                 <a:latin typeface="Arial" panose="020B0604020202020204" pitchFamily="34" charset="0"/>
                 <a:ea typeface="+mn-lt"/>
                 <a:cs typeface="Arial" panose="020B0604020202020204" pitchFamily="34" charset="0"/>
-              </a:rPr>
-              <a:t>3</a:t>
+                <a:sym typeface="Wingdings" pitchFamily="2" charset="2"/>
+              </a:rPr>
+              <a:t>4 </a:t>
             </a:r>
             <a:r>
               <a:rPr lang="en-US" sz="2400" dirty="0">
                 <a:latin typeface="Arial" panose="020B0604020202020204" pitchFamily="34" charset="0"/>
                 <a:ea typeface="+mn-lt"/>
                 <a:cs typeface="Arial" panose="020B0604020202020204" pitchFamily="34" charset="0"/>
-              </a:rPr>
-              <a:t>.</a:t>
-            </a:r>
-          </a:p>
-          <a:p>
-            <a:pPr marL="342900" indent="-342900">
-              <a:buFont typeface="Arial" panose="020B0604020202020204" pitchFamily="34" charset="0"/>
-              <a:buChar char="•"/>
-            </a:pPr>
-            <a:r>
-              <a:rPr lang="en-US" sz="2400" dirty="0">
-                <a:latin typeface="Arial" panose="020B0604020202020204" pitchFamily="34" charset="0"/>
-                <a:ea typeface="+mn-lt"/>
-                <a:cs typeface="Arial" panose="020B0604020202020204" pitchFamily="34" charset="0"/>
-              </a:rPr>
-              <a:t>TCR-BERT “outlook” embeddings work well </a:t>
-            </a:r>
-            <a:r>
-              <a:rPr lang="en-US" sz="2400" dirty="0">
-                <a:latin typeface="Arial" panose="020B0604020202020204" pitchFamily="34" charset="0"/>
-                <a:ea typeface="+mn-lt"/>
-                <a:cs typeface="Arial" panose="020B0604020202020204" pitchFamily="34" charset="0"/>
                 <a:sym typeface="Wingdings" pitchFamily="2" charset="2"/>
               </a:rPr>
-              <a:t> would be good to have TCR-specific embeddings (e.g. transfer learning) (like in preprint) but data availability is major challenge</a:t>
-            </a:r>
-            <a:r>
-              <a:rPr lang="en-US" sz="2400" baseline="30000" dirty="0">
-                <a:latin typeface="Arial" panose="020B0604020202020204" pitchFamily="34" charset="0"/>
-                <a:ea typeface="+mn-lt"/>
-                <a:cs typeface="Arial" panose="020B0604020202020204" pitchFamily="34" charset="0"/>
-                <a:sym typeface="Wingdings" pitchFamily="2" charset="2"/>
-              </a:rPr>
-              <a:t>4</a:t>
-            </a:r>
-            <a:r>
-              <a:rPr lang="en-US" sz="2400" dirty="0">
-                <a:latin typeface="Arial" panose="020B0604020202020204" pitchFamily="34" charset="0"/>
-                <a:ea typeface="+mn-lt"/>
-                <a:cs typeface="Arial" panose="020B0604020202020204" pitchFamily="34" charset="0"/>
-                <a:sym typeface="Wingdings" pitchFamily="2" charset="2"/>
-              </a:rPr>
-              <a:t>. The ESM Transformer is trained using evolutionary sequences. To improve our model a TCR-specific transformer such as TCR-BERT could be used to generate </a:t>
-            </a:r>
-            <a:r>
-              <a:rPr lang="en-US" sz="2400">
-                <a:latin typeface="Arial" panose="020B0604020202020204" pitchFamily="34" charset="0"/>
-                <a:ea typeface="+mn-lt"/>
-                <a:cs typeface="Arial" panose="020B0604020202020204" pitchFamily="34" charset="0"/>
-                <a:sym typeface="Wingdings" pitchFamily="2" charset="2"/>
-              </a:rPr>
-              <a:t>TCR-specific embeddings</a:t>
-            </a:r>
-            <a:r>
-              <a:rPr lang="en-US" sz="2400" baseline="30000">
-                <a:latin typeface="Arial" panose="020B0604020202020204" pitchFamily="34" charset="0"/>
-                <a:ea typeface="+mn-lt"/>
-                <a:cs typeface="Arial" panose="020B0604020202020204" pitchFamily="34" charset="0"/>
-                <a:sym typeface="Wingdings" pitchFamily="2" charset="2"/>
-              </a:rPr>
-              <a:t>4</a:t>
-            </a:r>
-            <a:r>
-              <a:rPr lang="en-US" sz="2400">
-                <a:latin typeface="Arial" panose="020B0604020202020204" pitchFamily="34" charset="0"/>
-                <a:ea typeface="+mn-lt"/>
-                <a:cs typeface="Arial" panose="020B0604020202020204" pitchFamily="34" charset="0"/>
-                <a:sym typeface="Wingdings" pitchFamily="2" charset="2"/>
-              </a:rPr>
-              <a:t>. </a:t>
-            </a:r>
-            <a:r>
-              <a:rPr lang="en-US" sz="2400" dirty="0">
-                <a:latin typeface="Arial" panose="020B0604020202020204" pitchFamily="34" charset="0"/>
-                <a:ea typeface="+mn-lt"/>
-                <a:cs typeface="Arial" panose="020B0604020202020204" pitchFamily="34" charset="0"/>
-                <a:sym typeface="Wingdings" pitchFamily="2" charset="2"/>
-              </a:rPr>
-              <a:t>These embeddings should be more specific for our problem than ESM.</a:t>
+              <a:t>model could improve our performance. </a:t>
             </a:r>
             <a:endParaRPr lang="en-US" sz="2400" dirty="0">
               <a:latin typeface="Arial" panose="020B0604020202020204" pitchFamily="34" charset="0"/>
@@ -4794,8 +4726,8 @@
         </p:nvSpPr>
         <p:spPr>
           <a:xfrm>
-            <a:off x="429925" y="18491999"/>
-            <a:ext cx="5506636" cy="369332"/>
+            <a:off x="429925" y="18510594"/>
+            <a:ext cx="9947350" cy="646331"/>
           </a:xfrm>
           <a:prstGeom prst="rect">
             <a:avLst/>
@@ -4803,7 +4735,7 @@
           <a:noFill/>
         </p:spPr>
         <p:txBody>
-          <a:bodyPr wrap="none" rtlCol="0">
+          <a:bodyPr wrap="square" rtlCol="0">
             <a:spAutoFit/>
           </a:bodyPr>
           <a:lstStyle/>
@@ -4813,7 +4745,7 @@
                 <a:latin typeface="Arial" panose="020B0604020202020204" pitchFamily="34" charset="0"/>
                 <a:cs typeface="Arial" panose="020B0604020202020204" pitchFamily="34" charset="0"/>
               </a:rPr>
-              <a:t>Figure 2. Pipeline for the pre-processing of the data.</a:t>
+              <a:t>Figure 2. Pipeline for embedding the peptide and TCR protein sequences to generate the pre-processed dataset.</a:t>
             </a:r>
           </a:p>
         </p:txBody>
@@ -4900,7 +4832,7 @@
         </p:nvSpPr>
         <p:spPr>
           <a:xfrm>
-            <a:off x="10863981" y="18327712"/>
+            <a:off x="10863981" y="18510594"/>
             <a:ext cx="10210304" cy="646331"/>
           </a:xfrm>
           <a:prstGeom prst="rect">
@@ -4931,8 +4863,8 @@
         </p:nvSpPr>
         <p:spPr>
           <a:xfrm>
-            <a:off x="309341" y="23695084"/>
-            <a:ext cx="8347903" cy="646331"/>
+            <a:off x="229641" y="23982470"/>
+            <a:ext cx="8427603" cy="646331"/>
           </a:xfrm>
           <a:prstGeom prst="rect">
             <a:avLst/>
@@ -4949,7 +4881,7 @@
                 <a:latin typeface="Arial" panose="020B0604020202020204" pitchFamily="34" charset="0"/>
                 <a:cs typeface="Arial" panose="020B0604020202020204" pitchFamily="34" charset="0"/>
               </a:rPr>
-              <a:t>Table 1. Comparison of the performance on test set between different data preprocessing methods and network architectures.</a:t>
+              <a:t>Table 1. Comparison of the performance on the test set between different data preprocessing methods and network architectures.</a:t>
             </a:r>
           </a:p>
         </p:txBody>
@@ -5103,7 +5035,7 @@
         <p:spPr>
           <a:xfrm>
             <a:off x="251021" y="11694611"/>
-            <a:ext cx="10358537" cy="3072636"/>
+            <a:ext cx="10358537" cy="3749744"/>
           </a:xfrm>
           <a:prstGeom prst="rect">
             <a:avLst/>
@@ -5118,7 +5050,7 @@
           <a:p>
             <a:pPr algn="ctr">
               <a:spcAft>
-                <a:spcPts val="100"/>
+                <a:spcPts val="1300"/>
               </a:spcAft>
             </a:pPr>
             <a:r>
@@ -5132,7 +5064,7 @@
           <a:p>
             <a:pPr marL="342900" indent="-342900" algn="just">
               <a:spcAft>
-                <a:spcPts val="100"/>
+                <a:spcPts val="1300"/>
               </a:spcAft>
               <a:buFont typeface="Arial" panose="020B0604020202020204" pitchFamily="34" charset="0"/>
               <a:buChar char="•"/>
@@ -5177,7 +5109,7 @@
                 <a:latin typeface="Arial" panose="020B0604020202020204" pitchFamily="34" charset="0"/>
                 <a:cs typeface="Arial" panose="020B0604020202020204" pitchFamily="34" charset="0"/>
               </a:rPr>
-              <a:t>Captures the biochemical properties of amino acids. It turns one-hot encoding into a non sparse vector.</a:t>
+              <a:t>Captures the biochemical properties of amino acids and turns one-hot encoding into a non-sparse vector.</a:t>
             </a:r>
             <a:endParaRPr lang="en-US" sz="2400" b="1" dirty="0">
               <a:latin typeface="Arial" panose="020B0604020202020204" pitchFamily="34" charset="0"/>
@@ -5187,7 +5119,7 @@
           <a:p>
             <a:pPr marL="342900" indent="-342900" algn="just">
               <a:spcAft>
-                <a:spcPts val="100"/>
+                <a:spcPts val="1300"/>
               </a:spcAft>
               <a:buFont typeface="Arial" panose="020B0604020202020204" pitchFamily="34" charset="0"/>
               <a:buChar char="•"/>
@@ -5218,7 +5150,7 @@
                 <a:latin typeface="Arial" panose="020B0604020202020204" pitchFamily="34" charset="0"/>
                 <a:cs typeface="Arial" panose="020B0604020202020204" pitchFamily="34" charset="0"/>
               </a:rPr>
-              <a:t>A transformer, i.e. a series of blocks that alternate self-attention with feed-forward connections. It has been trained beforehand with 250 million sequences and has 650 million weights. The output is a vector of size 1280 for each amino acid position.</a:t>
+              <a:t>A transformer, i.e. a series of blocks that alternate self-attention with feed-forward connections. The ESM model was pre-trained with 250 million sequences and has 650 million weights. The output is a vector of size 1280 for each amino acid position.</a:t>
             </a:r>
           </a:p>
         </p:txBody>
@@ -5238,7 +5170,7 @@
         <p:spPr>
           <a:xfrm>
             <a:off x="10691813" y="11694611"/>
-            <a:ext cx="10497528" cy="1595309"/>
+            <a:ext cx="10497528" cy="2272417"/>
           </a:xfrm>
           <a:prstGeom prst="rect">
             <a:avLst/>
@@ -5253,7 +5185,7 @@
           <a:p>
             <a:pPr algn="ctr">
               <a:spcAft>
-                <a:spcPts val="100"/>
+                <a:spcPts val="1300"/>
               </a:spcAft>
             </a:pPr>
             <a:r>
@@ -5267,7 +5199,7 @@
           <a:p>
             <a:pPr marL="342900" indent="-342900">
               <a:spcAft>
-                <a:spcPts val="100"/>
+                <a:spcPts val="1300"/>
               </a:spcAft>
               <a:buFont typeface="Arial" panose="020B0604020202020204" pitchFamily="34" charset="0"/>
               <a:buChar char="•"/>
@@ -5283,7 +5215,7 @@
           <a:p>
             <a:pPr marL="342900" indent="-342900">
               <a:spcAft>
-                <a:spcPts val="100"/>
+                <a:spcPts val="1300"/>
               </a:spcAft>
               <a:buFont typeface="Arial" panose="020B0604020202020204" pitchFamily="34" charset="0"/>
               <a:buChar char="•"/>
@@ -5300,12 +5232,8 @@
                 <a:latin typeface="Arial" panose="020B0604020202020204" pitchFamily="34" charset="0"/>
                 <a:cs typeface="Arial" panose="020B0604020202020204" pitchFamily="34" charset="0"/>
               </a:rPr>
-              <a:t>More dense layers, division into local and global features, more drop out, additional batch normalization</a:t>
-            </a:r>
-            <a:endParaRPr lang="en-US" sz="2400" b="1" dirty="0">
-              <a:latin typeface="Arial" panose="020B0604020202020204" pitchFamily="34" charset="0"/>
-              <a:cs typeface="Arial" panose="020B0604020202020204" pitchFamily="34" charset="0"/>
-            </a:endParaRPr>
+              <a:t>More dense layers, division into local and global features, more drop out, additional batch normalization, weighted binary cross-entropy loss, more CNN filters for ESM embeddings</a:t>
+            </a:r>
           </a:p>
         </p:txBody>
       </p:sp>
@@ -5354,7 +5282,7 @@
                 <a:latin typeface="Arial" panose="020B0604020202020204" pitchFamily="34" charset="0"/>
                 <a:cs typeface="Arial" panose="020B0604020202020204" pitchFamily="34" charset="0"/>
               </a:rPr>
-              <a:t>1</a:t>
+              <a:t>1,3</a:t>
             </a:r>
           </a:p>
           <a:p>
@@ -5434,13 +5362,13 @@
           <p:nvPr>
             <p:extLst>
               <p:ext uri="{D42A27DB-BD31-4B8C-83A1-F6EECF244321}">
-                <p14:modId xmlns:p14="http://schemas.microsoft.com/office/powerpoint/2010/main" val="584529370"/>
+                <p14:modId xmlns:p14="http://schemas.microsoft.com/office/powerpoint/2010/main" val="3072953671"/>
               </p:ext>
             </p:extLst>
           </p:nvPr>
         </p:nvGraphicFramePr>
         <p:xfrm>
-          <a:off x="298584" y="20020833"/>
+          <a:off x="350836" y="20308219"/>
           <a:ext cx="8022762" cy="3562351"/>
         </p:xfrm>
         <a:graphic>
@@ -5665,7 +5593,7 @@
                         </a:spcAft>
                       </a:pPr>
                       <a:r>
-                        <a:rPr lang="en-GB" sz="2000" b="0" i="0" u="none" strike="noStrike">
+                        <a:rPr lang="en-GB" sz="2000" b="1" i="0" u="none" strike="noStrike" dirty="0">
                           <a:solidFill>
                             <a:srgbClr val="000000"/>
                           </a:solidFill>
@@ -5674,12 +5602,12 @@
                         </a:rPr>
                         <a:t>Vanilla architecture</a:t>
                       </a:r>
-                      <a:endParaRPr lang="en-GB" sz="2000">
+                      <a:endParaRPr lang="en-GB" sz="2000" b="1" dirty="0">
                         <a:effectLst/>
                       </a:endParaRPr>
                     </a:p>
                   </a:txBody>
-                  <a:tcPr marL="63500" marR="63500" marT="63500" marB="63500"/>
+                  <a:tcPr marL="63500" marR="63500" marT="63500" marB="63500" anchor="ctr"/>
                 </a:tc>
                 <a:tc>
                   <a:txBody>
@@ -5709,7 +5637,7 @@
                       </a:endParaRPr>
                     </a:p>
                   </a:txBody>
-                  <a:tcPr marL="63500" marR="63500" marT="63500" marB="63500"/>
+                  <a:tcPr marL="63500" marR="63500" marT="63500" marB="63500" anchor="ctr"/>
                 </a:tc>
                 <a:tc>
                   <a:txBody>
@@ -5739,7 +5667,7 @@
                       </a:endParaRPr>
                     </a:p>
                   </a:txBody>
-                  <a:tcPr marL="63500" marR="63500" marT="63500" marB="63500"/>
+                  <a:tcPr marL="63500" marR="63500" marT="63500" marB="63500" anchor="ctr"/>
                 </a:tc>
                 <a:tc>
                   <a:txBody>
@@ -5769,7 +5697,7 @@
                       </a:endParaRPr>
                     </a:p>
                   </a:txBody>
-                  <a:tcPr marL="63500" marR="63500" marT="63500" marB="63500"/>
+                  <a:tcPr marL="63500" marR="63500" marT="63500" marB="63500" anchor="ctr"/>
                 </a:tc>
                 <a:tc>
                   <a:txBody>
@@ -5799,7 +5727,7 @@
                       </a:endParaRPr>
                     </a:p>
                   </a:txBody>
-                  <a:tcPr marL="63500" marR="63500" marT="63500" marB="63500"/>
+                  <a:tcPr marL="63500" marR="63500" marT="63500" marB="63500" anchor="ctr"/>
                 </a:tc>
                 <a:tc>
                   <a:txBody>
@@ -5829,7 +5757,7 @@
                       </a:endParaRPr>
                     </a:p>
                   </a:txBody>
-                  <a:tcPr marL="63500" marR="63500" marT="63500" marB="63500"/>
+                  <a:tcPr marL="63500" marR="63500" marT="63500" marB="63500" anchor="ctr"/>
                 </a:tc>
                 <a:extLst>
                   <a:ext uri="{0D108BD9-81ED-4DB2-BD59-A6C34878D82A}">
@@ -5852,7 +5780,7 @@
                         </a:spcAft>
                       </a:pPr>
                       <a:r>
-                        <a:rPr lang="en-GB" sz="2000" b="0" i="0" u="none" strike="noStrike">
+                        <a:rPr lang="en-GB" sz="2000" b="1" i="0" u="none" strike="noStrike" dirty="0">
                           <a:solidFill>
                             <a:srgbClr val="000000"/>
                           </a:solidFill>
@@ -5861,12 +5789,12 @@
                         </a:rPr>
                         <a:t>Improved architecture</a:t>
                       </a:r>
-                      <a:endParaRPr lang="en-GB" sz="2000">
+                      <a:endParaRPr lang="en-GB" sz="2000" b="1" dirty="0">
                         <a:effectLst/>
                       </a:endParaRPr>
                     </a:p>
                   </a:txBody>
-                  <a:tcPr marL="63500" marR="63500" marT="63500" marB="63500"/>
+                  <a:tcPr marL="63500" marR="63500" marT="63500" marB="63500" anchor="ctr"/>
                 </a:tc>
                 <a:tc>
                   <a:txBody>
@@ -5896,7 +5824,7 @@
                       </a:endParaRPr>
                     </a:p>
                   </a:txBody>
-                  <a:tcPr marL="63500" marR="63500" marT="63500" marB="63500"/>
+                  <a:tcPr marL="63500" marR="63500" marT="63500" marB="63500" anchor="ctr"/>
                 </a:tc>
                 <a:tc>
                   <a:txBody>
@@ -5926,7 +5854,7 @@
                       </a:endParaRPr>
                     </a:p>
                   </a:txBody>
-                  <a:tcPr marL="63500" marR="63500" marT="63500" marB="63500"/>
+                  <a:tcPr marL="63500" marR="63500" marT="63500" marB="63500" anchor="ctr"/>
                 </a:tc>
                 <a:tc>
                   <a:txBody>
@@ -5956,7 +5884,7 @@
                       </a:endParaRPr>
                     </a:p>
                   </a:txBody>
-                  <a:tcPr marL="63500" marR="63500" marT="63500" marB="63500"/>
+                  <a:tcPr marL="63500" marR="63500" marT="63500" marB="63500" anchor="ctr"/>
                 </a:tc>
                 <a:tc>
                   <a:txBody>
@@ -5986,7 +5914,7 @@
                       </a:endParaRPr>
                     </a:p>
                   </a:txBody>
-                  <a:tcPr marL="63500" marR="63500" marT="63500" marB="63500"/>
+                  <a:tcPr marL="63500" marR="63500" marT="63500" marB="63500" anchor="ctr"/>
                 </a:tc>
                 <a:tc>
                   <a:txBody>
@@ -6016,7 +5944,7 @@
                       </a:endParaRPr>
                     </a:p>
                   </a:txBody>
-                  <a:tcPr marL="63500" marR="63500" marT="63500" marB="63500"/>
+                  <a:tcPr marL="63500" marR="63500" marT="63500" marB="63500" anchor="ctr"/>
                 </a:tc>
                 <a:extLst>
                   <a:ext uri="{0D108BD9-81ED-4DB2-BD59-A6C34878D82A}">
@@ -6039,7 +5967,7 @@
                         </a:spcAft>
                       </a:pPr>
                       <a:r>
-                        <a:rPr lang="en-GB" sz="2000" b="0" i="0" u="none" strike="noStrike" dirty="0">
+                        <a:rPr lang="en-GB" sz="2000" b="1" i="0" u="none" strike="noStrike" dirty="0">
                           <a:solidFill>
                             <a:srgbClr val="000000"/>
                           </a:solidFill>
@@ -6048,12 +5976,12 @@
                         </a:rPr>
                         <a:t>Improved architecture with BLOSUM encoding</a:t>
                       </a:r>
-                      <a:endParaRPr lang="en-GB" sz="2000" dirty="0">
+                      <a:endParaRPr lang="en-GB" sz="2000" b="1" dirty="0">
                         <a:effectLst/>
                       </a:endParaRPr>
                     </a:p>
                   </a:txBody>
-                  <a:tcPr marL="63500" marR="63500" marT="63500" marB="63500"/>
+                  <a:tcPr marL="63500" marR="63500" marT="63500" marB="63500" anchor="ctr"/>
                 </a:tc>
                 <a:tc>
                   <a:txBody>
@@ -6083,7 +6011,7 @@
                       </a:endParaRPr>
                     </a:p>
                   </a:txBody>
-                  <a:tcPr marL="63500" marR="63500" marT="63500" marB="63500"/>
+                  <a:tcPr marL="63500" marR="63500" marT="63500" marB="63500" anchor="ctr"/>
                 </a:tc>
                 <a:tc>
                   <a:txBody>
@@ -6113,7 +6041,7 @@
                       </a:endParaRPr>
                     </a:p>
                   </a:txBody>
-                  <a:tcPr marL="63500" marR="63500" marT="63500" marB="63500"/>
+                  <a:tcPr marL="63500" marR="63500" marT="63500" marB="63500" anchor="ctr"/>
                 </a:tc>
                 <a:tc>
                   <a:txBody>
@@ -6143,7 +6071,7 @@
                       </a:endParaRPr>
                     </a:p>
                   </a:txBody>
-                  <a:tcPr marL="63500" marR="63500" marT="63500" marB="63500"/>
+                  <a:tcPr marL="63500" marR="63500" marT="63500" marB="63500" anchor="ctr"/>
                 </a:tc>
                 <a:tc>
                   <a:txBody>
@@ -6173,7 +6101,7 @@
                       </a:endParaRPr>
                     </a:p>
                   </a:txBody>
-                  <a:tcPr marL="63500" marR="63500" marT="63500" marB="63500"/>
+                  <a:tcPr marL="63500" marR="63500" marT="63500" marB="63500" anchor="ctr"/>
                 </a:tc>
                 <a:tc>
                   <a:txBody>
@@ -6203,7 +6131,7 @@
                       </a:endParaRPr>
                     </a:p>
                   </a:txBody>
-                  <a:tcPr marL="63500" marR="63500" marT="63500" marB="63500"/>
+                  <a:tcPr marL="63500" marR="63500" marT="63500" marB="63500" anchor="ctr"/>
                 </a:tc>
                 <a:extLst>
                   <a:ext uri="{0D108BD9-81ED-4DB2-BD59-A6C34878D82A}">
@@ -6226,7 +6154,7 @@
                         </a:spcAft>
                       </a:pPr>
                       <a:r>
-                        <a:rPr lang="en-GB" sz="2000" b="0" i="0" u="none" strike="noStrike" dirty="0">
+                        <a:rPr lang="en-GB" sz="2000" b="1" i="0" u="none" strike="noStrike" dirty="0">
                           <a:solidFill>
                             <a:srgbClr val="000000"/>
                           </a:solidFill>
@@ -6235,12 +6163,12 @@
                         </a:rPr>
                         <a:t>Improved architecture with ESM encoding</a:t>
                       </a:r>
-                      <a:endParaRPr lang="en-GB" sz="2000" dirty="0">
+                      <a:endParaRPr lang="en-GB" sz="2000" b="1" dirty="0">
                         <a:effectLst/>
                       </a:endParaRPr>
                     </a:p>
                   </a:txBody>
-                  <a:tcPr marL="63500" marR="63500" marT="63500" marB="63500"/>
+                  <a:tcPr marL="63500" marR="63500" marT="63500" marB="63500" anchor="ctr"/>
                 </a:tc>
                 <a:tc>
                   <a:txBody>
@@ -6270,7 +6198,7 @@
                       </a:endParaRPr>
                     </a:p>
                   </a:txBody>
-                  <a:tcPr marL="63500" marR="63500" marT="63500" marB="63500"/>
+                  <a:tcPr marL="63500" marR="63500" marT="63500" marB="63500" anchor="ctr"/>
                 </a:tc>
                 <a:tc>
                   <a:txBody>
@@ -6300,7 +6228,7 @@
                       </a:endParaRPr>
                     </a:p>
                   </a:txBody>
-                  <a:tcPr marL="63500" marR="63500" marT="63500" marB="63500"/>
+                  <a:tcPr marL="63500" marR="63500" marT="63500" marB="63500" anchor="ctr"/>
                 </a:tc>
                 <a:tc>
                   <a:txBody>
@@ -6330,7 +6258,7 @@
                       </a:endParaRPr>
                     </a:p>
                   </a:txBody>
-                  <a:tcPr marL="63500" marR="63500" marT="63500" marB="63500"/>
+                  <a:tcPr marL="63500" marR="63500" marT="63500" marB="63500" anchor="ctr"/>
                 </a:tc>
                 <a:tc>
                   <a:txBody>
@@ -6360,7 +6288,7 @@
                       </a:endParaRPr>
                     </a:p>
                   </a:txBody>
-                  <a:tcPr marL="63500" marR="63500" marT="63500" marB="63500"/>
+                  <a:tcPr marL="63500" marR="63500" marT="63500" marB="63500" anchor="ctr"/>
                 </a:tc>
                 <a:tc>
                   <a:txBody>
@@ -6390,7 +6318,7 @@
                       </a:endParaRPr>
                     </a:p>
                   </a:txBody>
-                  <a:tcPr marL="63500" marR="63500" marT="63500" marB="63500"/>
+                  <a:tcPr marL="63500" marR="63500" marT="63500" marB="63500" anchor="ctr"/>
                 </a:tc>
                 <a:extLst>
                   <a:ext uri="{0D108BD9-81ED-4DB2-BD59-A6C34878D82A}">
@@ -6424,7 +6352,7 @@
         </p:blipFill>
         <p:spPr>
           <a:xfrm>
-            <a:off x="10863980" y="13643578"/>
+            <a:off x="10863980" y="13878712"/>
             <a:ext cx="10358538" cy="4529321"/>
           </a:xfrm>
           <a:prstGeom prst="rect">
@@ -6446,8 +6374,8 @@
         </p:nvSpPr>
         <p:spPr>
           <a:xfrm>
-            <a:off x="14928577" y="22763053"/>
-            <a:ext cx="6164511" cy="1938992"/>
+            <a:off x="14970038" y="23259446"/>
+            <a:ext cx="6211335" cy="2092881"/>
           </a:xfrm>
           <a:prstGeom prst="rect">
             <a:avLst/>
@@ -6461,6 +6389,9 @@
           <a:lstStyle/>
           <a:p>
             <a:pPr marL="342900" indent="-342900">
+              <a:spcAft>
+                <a:spcPts val="1200"/>
+              </a:spcAft>
               <a:buFont typeface="Arial" panose="020B0604020202020204" pitchFamily="34" charset="0"/>
               <a:buChar char="•"/>
             </a:pPr>
@@ -6469,11 +6400,28 @@
                 <a:latin typeface="Arial" panose="020B0604020202020204" pitchFamily="34" charset="0"/>
                 <a:cs typeface="Arial" panose="020B0604020202020204" pitchFamily="34" charset="0"/>
               </a:rPr>
-              <a:t>Both changes in network architecture and protein sequence embeddings improve prediction of binding</a:t>
+              <a:t>Both changes in network architecture and protein sequence embeddings improve prediction of TCR-</a:t>
+            </a:r>
+            <a:r>
+              <a:rPr lang="en-US" sz="2400" dirty="0" err="1">
+                <a:latin typeface="Arial" panose="020B0604020202020204" pitchFamily="34" charset="0"/>
+                <a:cs typeface="Arial" panose="020B0604020202020204" pitchFamily="34" charset="0"/>
+              </a:rPr>
+              <a:t>pMHC</a:t>
+            </a:r>
+            <a:r>
+              <a:rPr lang="en-US" sz="2400" dirty="0">
+                <a:latin typeface="Arial" panose="020B0604020202020204" pitchFamily="34" charset="0"/>
+                <a:cs typeface="Arial" panose="020B0604020202020204" pitchFamily="34" charset="0"/>
+              </a:rPr>
+              <a:t> binding</a:t>
             </a:r>
           </a:p>
           <a:p>
             <a:pPr marL="342900" indent="-342900">
+              <a:spcAft>
+                <a:spcPts val="1200"/>
+              </a:spcAft>
               <a:buFont typeface="Arial" panose="020B0604020202020204" pitchFamily="34" charset="0"/>
               <a:buChar char="•"/>
             </a:pPr>
@@ -6482,7 +6430,7 @@
                 <a:latin typeface="Arial" panose="020B0604020202020204" pitchFamily="34" charset="0"/>
                 <a:cs typeface="Arial" panose="020B0604020202020204" pitchFamily="34" charset="0"/>
               </a:rPr>
-              <a:t>The highest MCC is obtained by setting the threshold to 0.7</a:t>
+              <a:t>The optimal threshold of 0.7 is calibrated based on the MCC of the validation set</a:t>
             </a:r>
           </a:p>
         </p:txBody>
@@ -6501,8 +6449,8 @@
         </p:nvSpPr>
         <p:spPr>
           <a:xfrm>
-            <a:off x="12540867" y="19896278"/>
-            <a:ext cx="2280602" cy="4801314"/>
+            <a:off x="12540867" y="20131412"/>
+            <a:ext cx="2280602" cy="5078313"/>
           </a:xfrm>
           <a:prstGeom prst="rect">
             <a:avLst/>
@@ -6519,7 +6467,16 @@
                 <a:latin typeface="Arial" panose="020B0604020202020204" pitchFamily="34" charset="0"/>
                 <a:cs typeface="Arial" panose="020B0604020202020204" pitchFamily="34" charset="0"/>
               </a:rPr>
-              <a:t>Figure 4. Evaluation of training and performance of improved architecture model with ESM encoding. Top: Receiver operating characteristic (ROC) curve on the test set.</a:t>
+              <a:t>Figure 4. Evaluation of training and performance of improved architecture model with ESM embedding. </a:t>
+            </a:r>
+          </a:p>
+          <a:p>
+            <a:r>
+              <a:rPr lang="en-US" i="1" dirty="0">
+                <a:latin typeface="Arial" panose="020B0604020202020204" pitchFamily="34" charset="0"/>
+                <a:cs typeface="Arial" panose="020B0604020202020204" pitchFamily="34" charset="0"/>
+              </a:rPr>
+              <a:t>Top: Receiver operating characteristic (ROC) curve on the test set. </a:t>
             </a:r>
           </a:p>
           <a:p>
@@ -6562,7 +6519,7 @@
         </p:blipFill>
         <p:spPr bwMode="auto">
           <a:xfrm>
-            <a:off x="8599640" y="22209530"/>
+            <a:off x="8599640" y="22496916"/>
             <a:ext cx="3782199" cy="2521467"/>
           </a:xfrm>
           <a:prstGeom prst="rect">
@@ -6595,13 +6552,13 @@
           <p:nvPr>
             <p:extLst>
               <p:ext uri="{D42A27DB-BD31-4B8C-83A1-F6EECF244321}">
-                <p14:modId xmlns:p14="http://schemas.microsoft.com/office/powerpoint/2010/main" val="344986021"/>
+                <p14:modId xmlns:p14="http://schemas.microsoft.com/office/powerpoint/2010/main" val="2150497418"/>
               </p:ext>
             </p:extLst>
           </p:nvPr>
         </p:nvGraphicFramePr>
         <p:xfrm>
-          <a:off x="15163765" y="19796358"/>
+          <a:off x="15163765" y="20057618"/>
           <a:ext cx="5929323" cy="2103120"/>
         </p:xfrm>
         <a:graphic>
@@ -6739,7 +6696,7 @@
                       </a:r>
                     </a:p>
                   </a:txBody>
-                  <a:tcPr/>
+                  <a:tcPr anchor="ctr"/>
                 </a:tc>
                 <a:tc>
                   <a:txBody>
@@ -6756,7 +6713,7 @@
                       </a:r>
                     </a:p>
                   </a:txBody>
-                  <a:tcPr/>
+                  <a:tcPr anchor="ctr"/>
                 </a:tc>
                 <a:extLst>
                   <a:ext uri="{0D108BD9-81ED-4DB2-BD59-A6C34878D82A}">
@@ -6803,7 +6760,7 @@
                       </a:r>
                     </a:p>
                   </a:txBody>
-                  <a:tcPr/>
+                  <a:tcPr anchor="ctr"/>
                 </a:tc>
                 <a:tc>
                   <a:txBody>
@@ -6820,7 +6777,7 @@
                       </a:r>
                     </a:p>
                   </a:txBody>
-                  <a:tcPr/>
+                  <a:tcPr anchor="ctr"/>
                 </a:tc>
                 <a:extLst>
                   <a:ext uri="{0D108BD9-81ED-4DB2-BD59-A6C34878D82A}">
@@ -6846,8 +6803,8 @@
         </p:nvSpPr>
         <p:spPr>
           <a:xfrm>
-            <a:off x="15104132" y="22017731"/>
-            <a:ext cx="5929323" cy="646331"/>
+            <a:off x="15104132" y="22200613"/>
+            <a:ext cx="6044566" cy="923330"/>
           </a:xfrm>
           <a:prstGeom prst="rect">
             <a:avLst/>
@@ -6864,7 +6821,7 @@
                 <a:latin typeface="Arial" panose="020B0604020202020204" pitchFamily="34" charset="0"/>
                 <a:cs typeface="Arial" panose="020B0604020202020204" pitchFamily="34" charset="0"/>
               </a:rPr>
-              <a:t>Table 2. Confusion matrix on test set for model with improved architecture and ESM encoded </a:t>
+              <a:t>Table 2. Confusion matrix on the test set for model with improved architecture and ESM embeddings with threshold 0.7, determined by optimal MCC.</a:t>
             </a:r>
           </a:p>
         </p:txBody>
@@ -6883,10 +6840,10 @@
         </p:nvGrpSpPr>
         <p:grpSpPr>
           <a:xfrm>
-            <a:off x="8758664" y="19712968"/>
-            <a:ext cx="3782199" cy="2521467"/>
-            <a:chOff x="8758664" y="19786120"/>
-            <a:chExt cx="3782199" cy="2521467"/>
+            <a:off x="8758664" y="20000355"/>
+            <a:ext cx="3782199" cy="2521466"/>
+            <a:chOff x="8758664" y="19786121"/>
+            <a:chExt cx="3782199" cy="2521466"/>
           </a:xfrm>
         </p:grpSpPr>
         <p:pic>
@@ -6950,7 +6907,7 @@
           </p:nvSpPr>
           <p:spPr>
             <a:xfrm>
-              <a:off x="10377275" y="19786120"/>
+              <a:off x="10377275" y="19805575"/>
               <a:ext cx="1200641" cy="234713"/>
             </a:xfrm>
             <a:prstGeom prst="rect">
@@ -7011,7 +6968,7 @@
         </p:blipFill>
         <p:spPr>
           <a:xfrm>
-            <a:off x="429925" y="15370674"/>
+            <a:off x="429925" y="15475178"/>
             <a:ext cx="9865487" cy="2940566"/>
           </a:xfrm>
           <a:prstGeom prst="rect">
@@ -7589,21 +7546,6 @@
 </file>
 
 <file path=customXml/item1.xml><?xml version="1.0" encoding="utf-8"?>
-<p:properties xmlns:p="http://schemas.microsoft.com/office/2006/metadata/properties" xmlns:xsi="http://www.w3.org/2001/XMLSchema-instance" xmlns:pc="http://schemas.microsoft.com/office/infopath/2007/PartnerControls">
-  <documentManagement/>
-</p:properties>
-</file>
-
-<file path=customXml/item2.xml><?xml version="1.0" encoding="utf-8"?>
-<?mso-contentType ?>
-<FormTemplates xmlns="http://schemas.microsoft.com/sharepoint/v3/contenttype/forms">
-  <Display>DocumentLibraryForm</Display>
-  <Edit>DocumentLibraryForm</Edit>
-  <New>DocumentLibraryForm</New>
-</FormTemplates>
-</file>
-
-<file path=customXml/item3.xml><?xml version="1.0" encoding="utf-8"?>
 <ct:contentTypeSchema xmlns:ct="http://schemas.microsoft.com/office/2006/metadata/contentType" xmlns:ma="http://schemas.microsoft.com/office/2006/metadata/properties/metaAttributes" ct:_="" ma:_="" ma:contentTypeName="Dokument" ma:contentTypeID="0x0101005E463CDCE29E264BAAEC2B3AEC8F5142" ma:contentTypeVersion="2" ma:contentTypeDescription="Opret et nyt dokument." ma:contentTypeScope="" ma:versionID="40f9935ff4a16e0d5b8e000d0b147fdc">
   <xsd:schema xmlns:xsd="http://www.w3.org/2001/XMLSchema" xmlns:xs="http://www.w3.org/2001/XMLSchema" xmlns:p="http://schemas.microsoft.com/office/2006/metadata/properties" xmlns:ns2="74242bd1-cb82-4e60-a08e-4217a7fb8d1d" targetNamespace="http://schemas.microsoft.com/office/2006/metadata/properties" ma:root="true" ma:fieldsID="4c2aca2db47d5d21ece1ec953cba830c" ns2:_="">
     <xsd:import namespace="74242bd1-cb82-4e60-a08e-4217a7fb8d1d"/>
@@ -7735,24 +7677,22 @@
 </ct:contentTypeSchema>
 </file>
 
-<file path=customXml/itemProps1.xml><?xml version="1.0" encoding="utf-8"?>
-<ds:datastoreItem xmlns:ds="http://schemas.openxmlformats.org/officeDocument/2006/customXml" ds:itemID="{CB370A3C-731B-4F4D-ABD0-42474AC25910}">
-  <ds:schemaRefs>
-    <ds:schemaRef ds:uri="http://schemas.microsoft.com/office/2006/metadata/properties"/>
-    <ds:schemaRef ds:uri="http://schemas.microsoft.com/office/infopath/2007/PartnerControls"/>
-  </ds:schemaRefs>
-</ds:datastoreItem>
+<file path=customXml/item2.xml><?xml version="1.0" encoding="utf-8"?>
+<?mso-contentType ?>
+<FormTemplates xmlns="http://schemas.microsoft.com/sharepoint/v3/contenttype/forms">
+  <Display>DocumentLibraryForm</Display>
+  <Edit>DocumentLibraryForm</Edit>
+  <New>DocumentLibraryForm</New>
+</FormTemplates>
 </file>
 
-<file path=customXml/itemProps2.xml><?xml version="1.0" encoding="utf-8"?>
-<ds:datastoreItem xmlns:ds="http://schemas.openxmlformats.org/officeDocument/2006/customXml" ds:itemID="{405562AF-484A-42F9-A02C-A3F5AD59D6C1}">
-  <ds:schemaRefs>
-    <ds:schemaRef ds:uri="http://schemas.microsoft.com/sharepoint/v3/contenttype/forms"/>
-  </ds:schemaRefs>
-</ds:datastoreItem>
+<file path=customXml/item3.xml><?xml version="1.0" encoding="utf-8"?>
+<p:properties xmlns:p="http://schemas.microsoft.com/office/2006/metadata/properties" xmlns:xsi="http://www.w3.org/2001/XMLSchema-instance" xmlns:pc="http://schemas.microsoft.com/office/infopath/2007/PartnerControls">
+  <documentManagement/>
+</p:properties>
 </file>
 
-<file path=customXml/itemProps3.xml><?xml version="1.0" encoding="utf-8"?>
+<file path=customXml/itemProps1.xml><?xml version="1.0" encoding="utf-8"?>
 <ds:datastoreItem xmlns:ds="http://schemas.openxmlformats.org/officeDocument/2006/customXml" ds:itemID="{A265213D-E9A2-401B-A85F-226A40D5C1B2}">
   <ds:schemaRefs>
     <ds:schemaRef ds:uri="http://schemas.microsoft.com/office/2006/metadata/contentType"/>
@@ -7768,4 +7708,21 @@
     <ds:schemaRef ds:uri="http://schemas.microsoft.com/internal/obd"/>
   </ds:schemaRefs>
 </ds:datastoreItem>
+</file>
+
+<file path=customXml/itemProps2.xml><?xml version="1.0" encoding="utf-8"?>
+<ds:datastoreItem xmlns:ds="http://schemas.openxmlformats.org/officeDocument/2006/customXml" ds:itemID="{405562AF-484A-42F9-A02C-A3F5AD59D6C1}">
+  <ds:schemaRefs>
+    <ds:schemaRef ds:uri="http://schemas.microsoft.com/sharepoint/v3/contenttype/forms"/>
+  </ds:schemaRefs>
+</ds:datastoreItem>
+</file>
+
+<file path=customXml/itemProps3.xml><?xml version="1.0" encoding="utf-8"?>
+<ds:datastoreItem xmlns:ds="http://schemas.openxmlformats.org/officeDocument/2006/customXml" ds:itemID="{CB370A3C-731B-4F4D-ABD0-42474AC25910}">
+  <ds:schemaRefs>
+    <ds:schemaRef ds:uri="http://schemas.microsoft.com/office/2006/metadata/properties"/>
+    <ds:schemaRef ds:uri="http://schemas.microsoft.com/office/infopath/2007/PartnerControls"/>
+  </ds:schemaRefs>
+</ds:datastoreItem>
 </file>